--- a/授業資料/GitHubを用いたチーム制作.pptx
+++ b/授業資料/GitHubを用いたチーム制作.pptx
@@ -40,6 +40,15 @@
     <p:sldId id="395" r:id="rId34"/>
     <p:sldId id="396" r:id="rId35"/>
     <p:sldId id="397" r:id="rId36"/>
+    <p:sldId id="398" r:id="rId37"/>
+    <p:sldId id="399" r:id="rId38"/>
+    <p:sldId id="400" r:id="rId39"/>
+    <p:sldId id="401" r:id="rId40"/>
+    <p:sldId id="402" r:id="rId41"/>
+    <p:sldId id="403" r:id="rId42"/>
+    <p:sldId id="404" r:id="rId43"/>
+    <p:sldId id="405" r:id="rId44"/>
+    <p:sldId id="406" r:id="rId45"/>
   </p:sldIdLst>
   <p:sldSz cx="12192000" cy="6858000"/>
   <p:notesSz cx="6858000" cy="9144000"/>
@@ -16388,7 +16397,7 @@
             </a:br>
             <a:r>
               <a:rPr lang="ja-JP" altLang="en-US" dirty="0"/>
-              <a:t>切り替わっていることを確認</a:t>
+              <a:t>切り替わっていることを確認しておく</a:t>
             </a:r>
             <a:endParaRPr lang="en-US" altLang="ja-JP" dirty="0"/>
           </a:p>
@@ -16438,7 +16447,7 @@
         </p:nvSpPr>
         <p:spPr>
           <a:xfrm>
-            <a:off x="3745149" y="3807826"/>
+            <a:off x="3709290" y="3691285"/>
             <a:ext cx="2684834" cy="540438"/>
           </a:xfrm>
           <a:prstGeom prst="rect">
@@ -16480,6 +16489,1632 @@
     <p:extLst>
       <p:ext uri="{BB962C8B-B14F-4D97-AF65-F5344CB8AC3E}">
         <p14:creationId xmlns:p14="http://schemas.microsoft.com/office/powerpoint/2010/main" val="2572248610"/>
+      </p:ext>
+    </p:extLst>
+  </p:cSld>
+  <p:clrMapOvr>
+    <a:masterClrMapping/>
+  </p:clrMapOvr>
+</p:sld>
+</file>
+
+<file path=ppt/slides/slide36.xml><?xml version="1.0" encoding="utf-8"?>
+<p:sld xmlns:a="http://schemas.openxmlformats.org/drawingml/2006/main" xmlns:r="http://schemas.openxmlformats.org/officeDocument/2006/relationships" xmlns:p="http://schemas.openxmlformats.org/presentationml/2006/main">
+  <p:cSld>
+    <p:spTree>
+      <p:nvGrpSpPr>
+        <p:cNvPr id="1" name="">
+          <a:extLst>
+            <a:ext uri="{FF2B5EF4-FFF2-40B4-BE49-F238E27FC236}">
+              <a16:creationId xmlns:a16="http://schemas.microsoft.com/office/drawing/2014/main" id="{9A4667EC-71C7-4513-1CB6-927FD9C2E609}"/>
+            </a:ext>
+          </a:extLst>
+        </p:cNvPr>
+        <p:cNvGrpSpPr/>
+        <p:nvPr/>
+      </p:nvGrpSpPr>
+      <p:grpSpPr>
+        <a:xfrm>
+          <a:off x="0" y="0"/>
+          <a:ext cx="0" cy="0"/>
+          <a:chOff x="0" y="0"/>
+          <a:chExt cx="0" cy="0"/>
+        </a:xfrm>
+      </p:grpSpPr>
+      <p:sp>
+        <p:nvSpPr>
+          <p:cNvPr id="2" name="タイトル 1">
+            <a:extLst>
+              <a:ext uri="{FF2B5EF4-FFF2-40B4-BE49-F238E27FC236}">
+                <a16:creationId xmlns:a16="http://schemas.microsoft.com/office/drawing/2014/main" id="{AE1C73BC-439C-C410-796A-C28FA337617A}"/>
+              </a:ext>
+            </a:extLst>
+          </p:cNvPr>
+          <p:cNvSpPr>
+            <a:spLocks noGrp="1"/>
+          </p:cNvSpPr>
+          <p:nvPr>
+            <p:ph type="title"/>
+          </p:nvPr>
+        </p:nvSpPr>
+        <p:spPr/>
+        <p:txBody>
+          <a:bodyPr/>
+          <a:lstStyle/>
+          <a:p>
+            <a:r>
+              <a:rPr lang="en-US" altLang="ja-JP" dirty="0"/>
+              <a:t>GitHub</a:t>
+            </a:r>
+            <a:r>
+              <a:rPr lang="ja-JP" altLang="en-US" dirty="0"/>
+              <a:t>を使ったチーム制作</a:t>
+            </a:r>
+            <a:endParaRPr kumimoji="1" lang="ja-JP" altLang="en-US" dirty="0"/>
+          </a:p>
+        </p:txBody>
+      </p:sp>
+      <p:sp>
+        <p:nvSpPr>
+          <p:cNvPr id="9" name="コンテンツ プレースホルダー 2">
+            <a:extLst>
+              <a:ext uri="{FF2B5EF4-FFF2-40B4-BE49-F238E27FC236}">
+                <a16:creationId xmlns:a16="http://schemas.microsoft.com/office/drawing/2014/main" id="{23762064-C696-4607-3829-D1830596E3E4}"/>
+              </a:ext>
+            </a:extLst>
+          </p:cNvPr>
+          <p:cNvSpPr txBox="1">
+            <a:spLocks/>
+          </p:cNvSpPr>
+          <p:nvPr/>
+        </p:nvSpPr>
+        <p:spPr>
+          <a:xfrm>
+            <a:off x="838200" y="1376038"/>
+            <a:ext cx="10515600" cy="5355502"/>
+          </a:xfrm>
+          <a:prstGeom prst="rect">
+            <a:avLst/>
+          </a:prstGeom>
+        </p:spPr>
+        <p:txBody>
+          <a:bodyPr vert="horz" lIns="91440" tIns="45720" rIns="91440" bIns="45720" rtlCol="0">
+            <a:normAutofit/>
+          </a:bodyPr>
+          <a:lstStyle>
+            <a:lvl1pPr marL="228600" indent="-228600" algn="l" defTabSz="914400" rtl="0" eaLnBrk="1" latinLnBrk="0" hangingPunct="1">
+              <a:lnSpc>
+                <a:spcPct val="90000"/>
+              </a:lnSpc>
+              <a:spcBef>
+                <a:spcPts val="1000"/>
+              </a:spcBef>
+              <a:buFont typeface="Arial" panose="020B0604020202020204" pitchFamily="34" charset="0"/>
+              <a:buChar char="•"/>
+              <a:defRPr kumimoji="1" sz="3600" kern="1200">
+                <a:solidFill>
+                  <a:schemeClr val="tx1"/>
+                </a:solidFill>
+                <a:latin typeface="+mn-lt"/>
+                <a:ea typeface="+mn-ea"/>
+                <a:cs typeface="+mn-cs"/>
+              </a:defRPr>
+            </a:lvl1pPr>
+            <a:lvl2pPr marL="685800" indent="-228600" algn="l" defTabSz="914400" rtl="0" eaLnBrk="1" latinLnBrk="0" hangingPunct="1">
+              <a:lnSpc>
+                <a:spcPct val="90000"/>
+              </a:lnSpc>
+              <a:spcBef>
+                <a:spcPts val="500"/>
+              </a:spcBef>
+              <a:buFont typeface="Arial" panose="020B0604020202020204" pitchFamily="34" charset="0"/>
+              <a:buChar char="•"/>
+              <a:defRPr kumimoji="1" sz="3200" kern="1200">
+                <a:solidFill>
+                  <a:schemeClr val="tx1"/>
+                </a:solidFill>
+                <a:latin typeface="+mn-lt"/>
+                <a:ea typeface="+mn-ea"/>
+                <a:cs typeface="+mn-cs"/>
+              </a:defRPr>
+            </a:lvl2pPr>
+            <a:lvl3pPr marL="1143000" indent="-228600" algn="l" defTabSz="914400" rtl="0" eaLnBrk="1" latinLnBrk="0" hangingPunct="1">
+              <a:lnSpc>
+                <a:spcPct val="90000"/>
+              </a:lnSpc>
+              <a:spcBef>
+                <a:spcPts val="500"/>
+              </a:spcBef>
+              <a:buFont typeface="Arial" panose="020B0604020202020204" pitchFamily="34" charset="0"/>
+              <a:buChar char="•"/>
+              <a:defRPr kumimoji="1" sz="2800" kern="1200">
+                <a:solidFill>
+                  <a:schemeClr val="tx1"/>
+                </a:solidFill>
+                <a:latin typeface="+mn-lt"/>
+                <a:ea typeface="+mn-ea"/>
+                <a:cs typeface="+mn-cs"/>
+              </a:defRPr>
+            </a:lvl3pPr>
+            <a:lvl4pPr marL="1600200" indent="-228600" algn="l" defTabSz="914400" rtl="0" eaLnBrk="1" latinLnBrk="0" hangingPunct="1">
+              <a:lnSpc>
+                <a:spcPct val="90000"/>
+              </a:lnSpc>
+              <a:spcBef>
+                <a:spcPts val="500"/>
+              </a:spcBef>
+              <a:buFont typeface="Arial" panose="020B0604020202020204" pitchFamily="34" charset="0"/>
+              <a:buChar char="•"/>
+              <a:defRPr kumimoji="1" sz="2400" kern="1200">
+                <a:solidFill>
+                  <a:schemeClr val="tx1"/>
+                </a:solidFill>
+                <a:latin typeface="+mn-lt"/>
+                <a:ea typeface="+mn-ea"/>
+                <a:cs typeface="+mn-cs"/>
+              </a:defRPr>
+            </a:lvl4pPr>
+            <a:lvl5pPr marL="2057400" indent="-228600" algn="l" defTabSz="914400" rtl="0" eaLnBrk="1" latinLnBrk="0" hangingPunct="1">
+              <a:lnSpc>
+                <a:spcPct val="90000"/>
+              </a:lnSpc>
+              <a:spcBef>
+                <a:spcPts val="500"/>
+              </a:spcBef>
+              <a:buFont typeface="Arial" panose="020B0604020202020204" pitchFamily="34" charset="0"/>
+              <a:buChar char="•"/>
+              <a:defRPr kumimoji="1" sz="2400" kern="1200">
+                <a:solidFill>
+                  <a:schemeClr val="tx1"/>
+                </a:solidFill>
+                <a:latin typeface="+mn-lt"/>
+                <a:ea typeface="+mn-ea"/>
+                <a:cs typeface="+mn-cs"/>
+              </a:defRPr>
+            </a:lvl5pPr>
+            <a:lvl6pPr marL="2514600" indent="-228600" algn="l" defTabSz="914400" rtl="0" eaLnBrk="1" latinLnBrk="0" hangingPunct="1">
+              <a:lnSpc>
+                <a:spcPct val="90000"/>
+              </a:lnSpc>
+              <a:spcBef>
+                <a:spcPts val="500"/>
+              </a:spcBef>
+              <a:buFont typeface="Arial" panose="020B0604020202020204" pitchFamily="34" charset="0"/>
+              <a:buChar char="•"/>
+              <a:defRPr kumimoji="1" sz="1800" kern="1200">
+                <a:solidFill>
+                  <a:schemeClr val="tx1"/>
+                </a:solidFill>
+                <a:latin typeface="+mn-lt"/>
+                <a:ea typeface="+mn-ea"/>
+                <a:cs typeface="+mn-cs"/>
+              </a:defRPr>
+            </a:lvl6pPr>
+            <a:lvl7pPr marL="2971800" indent="-228600" algn="l" defTabSz="914400" rtl="0" eaLnBrk="1" latinLnBrk="0" hangingPunct="1">
+              <a:lnSpc>
+                <a:spcPct val="90000"/>
+              </a:lnSpc>
+              <a:spcBef>
+                <a:spcPts val="500"/>
+              </a:spcBef>
+              <a:buFont typeface="Arial" panose="020B0604020202020204" pitchFamily="34" charset="0"/>
+              <a:buChar char="•"/>
+              <a:defRPr kumimoji="1" sz="1800" kern="1200">
+                <a:solidFill>
+                  <a:schemeClr val="tx1"/>
+                </a:solidFill>
+                <a:latin typeface="+mn-lt"/>
+                <a:ea typeface="+mn-ea"/>
+                <a:cs typeface="+mn-cs"/>
+              </a:defRPr>
+            </a:lvl7pPr>
+            <a:lvl8pPr marL="3429000" indent="-228600" algn="l" defTabSz="914400" rtl="0" eaLnBrk="1" latinLnBrk="0" hangingPunct="1">
+              <a:lnSpc>
+                <a:spcPct val="90000"/>
+              </a:lnSpc>
+              <a:spcBef>
+                <a:spcPts val="500"/>
+              </a:spcBef>
+              <a:buFont typeface="Arial" panose="020B0604020202020204" pitchFamily="34" charset="0"/>
+              <a:buChar char="•"/>
+              <a:defRPr kumimoji="1" sz="1800" kern="1200">
+                <a:solidFill>
+                  <a:schemeClr val="tx1"/>
+                </a:solidFill>
+                <a:latin typeface="+mn-lt"/>
+                <a:ea typeface="+mn-ea"/>
+                <a:cs typeface="+mn-cs"/>
+              </a:defRPr>
+            </a:lvl8pPr>
+            <a:lvl9pPr marL="3886200" indent="-228600" algn="l" defTabSz="914400" rtl="0" eaLnBrk="1" latinLnBrk="0" hangingPunct="1">
+              <a:lnSpc>
+                <a:spcPct val="90000"/>
+              </a:lnSpc>
+              <a:spcBef>
+                <a:spcPts val="500"/>
+              </a:spcBef>
+              <a:buFont typeface="Arial" panose="020B0604020202020204" pitchFamily="34" charset="0"/>
+              <a:buChar char="•"/>
+              <a:defRPr kumimoji="1" sz="1800" kern="1200">
+                <a:solidFill>
+                  <a:schemeClr val="tx1"/>
+                </a:solidFill>
+                <a:latin typeface="+mn-lt"/>
+                <a:ea typeface="+mn-ea"/>
+                <a:cs typeface="+mn-cs"/>
+              </a:defRPr>
+            </a:lvl9pPr>
+          </a:lstStyle>
+          <a:p>
+            <a:r>
+              <a:rPr lang="ja-JP" altLang="en-US" b="1" dirty="0">
+                <a:solidFill>
+                  <a:srgbClr val="FF0000"/>
+                </a:solidFill>
+              </a:rPr>
+              <a:t>ブランチ（</a:t>
+            </a:r>
+            <a:r>
+              <a:rPr lang="en-US" altLang="ja-JP" b="1" dirty="0">
+                <a:solidFill>
+                  <a:srgbClr val="FF0000"/>
+                </a:solidFill>
+              </a:rPr>
+              <a:t>Branch</a:t>
+            </a:r>
+            <a:r>
+              <a:rPr lang="ja-JP" altLang="en-US" b="1" dirty="0">
+                <a:solidFill>
+                  <a:srgbClr val="FF0000"/>
+                </a:solidFill>
+              </a:rPr>
+              <a:t>）</a:t>
+            </a:r>
+            <a:r>
+              <a:rPr lang="ja-JP" altLang="en-US" dirty="0"/>
+              <a:t>での注意事項</a:t>
+            </a:r>
+            <a:br>
+              <a:rPr lang="en-US" altLang="ja-JP" dirty="0"/>
+            </a:br>
+            <a:br>
+              <a:rPr lang="en-US" altLang="ja-JP" dirty="0"/>
+            </a:br>
+            <a:r>
+              <a:rPr lang="ja-JP" altLang="en-US" dirty="0"/>
+              <a:t>ブランチに切り替えた後、</a:t>
+            </a:r>
+            <a:r>
+              <a:rPr lang="ja-JP" altLang="en-US" dirty="0">
+                <a:solidFill>
+                  <a:srgbClr val="00B0F0"/>
+                </a:solidFill>
+              </a:rPr>
+              <a:t>ローカル</a:t>
+            </a:r>
+            <a:r>
+              <a:rPr lang="ja-JP" altLang="en-US" dirty="0"/>
+              <a:t>リポジトリのファイルを更新した際は、</a:t>
+            </a:r>
+            <a:r>
+              <a:rPr lang="ja-JP" altLang="en-US" dirty="0">
+                <a:solidFill>
+                  <a:srgbClr val="00B050"/>
+                </a:solidFill>
+              </a:rPr>
+              <a:t>リモート</a:t>
+            </a:r>
+            <a:r>
+              <a:rPr lang="ja-JP" altLang="en-US" dirty="0"/>
+              <a:t>リポジトリのブランチへ</a:t>
+            </a:r>
+            <a:r>
+              <a:rPr lang="en-US" altLang="ja-JP" dirty="0"/>
+              <a:t>Push</a:t>
+            </a:r>
+            <a:r>
+              <a:rPr lang="ja-JP" altLang="en-US" dirty="0"/>
+              <a:t>する必要がある</a:t>
+            </a:r>
+            <a:br>
+              <a:rPr lang="en-US" altLang="ja-JP" dirty="0"/>
+            </a:br>
+            <a:br>
+              <a:rPr lang="en-US" altLang="ja-JP" dirty="0"/>
+            </a:br>
+            <a:r>
+              <a:rPr lang="ja-JP" altLang="en-US" dirty="0"/>
+              <a:t>例）</a:t>
+            </a:r>
+            <a:br>
+              <a:rPr lang="en-US" altLang="ja-JP" dirty="0"/>
+            </a:br>
+            <a:r>
+              <a:rPr lang="ja-JP" altLang="en-US" dirty="0">
+                <a:solidFill>
+                  <a:srgbClr val="00B0F0"/>
+                </a:solidFill>
+              </a:rPr>
+              <a:t>ローカル</a:t>
+            </a:r>
+            <a:r>
+              <a:rPr lang="ja-JP" altLang="en-US" dirty="0"/>
+              <a:t>： </a:t>
+            </a:r>
+            <a:r>
+              <a:rPr lang="en-US" altLang="ja-JP" dirty="0" err="1"/>
+              <a:t>murata</a:t>
+            </a:r>
+            <a:r>
+              <a:rPr lang="ja-JP" altLang="en-US" dirty="0"/>
+              <a:t>ブランチ</a:t>
+            </a:r>
+            <a:br>
+              <a:rPr lang="en-US" altLang="ja-JP" dirty="0"/>
+            </a:br>
+            <a:r>
+              <a:rPr lang="ja-JP" altLang="en-US" dirty="0"/>
+              <a:t>　　　　　　　　</a:t>
+            </a:r>
+            <a:r>
+              <a:rPr lang="ja-JP" altLang="en-US" dirty="0">
+                <a:solidFill>
+                  <a:srgbClr val="FF0000"/>
+                </a:solidFill>
+              </a:rPr>
+              <a:t>↓</a:t>
+            </a:r>
+            <a:r>
+              <a:rPr lang="ja-JP" altLang="en-US" dirty="0"/>
+              <a:t>　</a:t>
+            </a:r>
+            <a:r>
+              <a:rPr lang="en-US" altLang="ja-JP" dirty="0">
+                <a:solidFill>
+                  <a:srgbClr val="FF0000"/>
+                </a:solidFill>
+              </a:rPr>
+              <a:t>Push</a:t>
+            </a:r>
+            <a:br>
+              <a:rPr lang="en-US" altLang="ja-JP" dirty="0"/>
+            </a:br>
+            <a:r>
+              <a:rPr lang="ja-JP" altLang="en-US" dirty="0">
+                <a:solidFill>
+                  <a:srgbClr val="00B050"/>
+                </a:solidFill>
+              </a:rPr>
+              <a:t>リモート</a:t>
+            </a:r>
+            <a:r>
+              <a:rPr lang="ja-JP" altLang="en-US" dirty="0"/>
+              <a:t>： </a:t>
+            </a:r>
+            <a:r>
+              <a:rPr lang="en-US" altLang="ja-JP" dirty="0" err="1"/>
+              <a:t>murata</a:t>
+            </a:r>
+            <a:r>
+              <a:rPr lang="ja-JP" altLang="en-US" dirty="0"/>
+              <a:t>ブランチ　（</a:t>
+            </a:r>
+            <a:r>
+              <a:rPr lang="en-US" altLang="ja-JP" b="1" dirty="0">
+                <a:solidFill>
+                  <a:srgbClr val="FF0000"/>
+                </a:solidFill>
+              </a:rPr>
+              <a:t>×</a:t>
+            </a:r>
+            <a:r>
+              <a:rPr lang="en-US" altLang="ja-JP" dirty="0"/>
+              <a:t>main</a:t>
+            </a:r>
+            <a:r>
+              <a:rPr lang="ja-JP" altLang="en-US" dirty="0"/>
+              <a:t>ブランチ）</a:t>
+            </a:r>
+            <a:endParaRPr lang="en-US" altLang="ja-JP" dirty="0"/>
+          </a:p>
+        </p:txBody>
+      </p:sp>
+    </p:spTree>
+    <p:extLst>
+      <p:ext uri="{BB962C8B-B14F-4D97-AF65-F5344CB8AC3E}">
+        <p14:creationId xmlns:p14="http://schemas.microsoft.com/office/powerpoint/2010/main" val="1169478600"/>
+      </p:ext>
+    </p:extLst>
+  </p:cSld>
+  <p:clrMapOvr>
+    <a:masterClrMapping/>
+  </p:clrMapOvr>
+</p:sld>
+</file>
+
+<file path=ppt/slides/slide37.xml><?xml version="1.0" encoding="utf-8"?>
+<p:sld xmlns:a="http://schemas.openxmlformats.org/drawingml/2006/main" xmlns:r="http://schemas.openxmlformats.org/officeDocument/2006/relationships" xmlns:p="http://schemas.openxmlformats.org/presentationml/2006/main">
+  <p:cSld>
+    <p:spTree>
+      <p:nvGrpSpPr>
+        <p:cNvPr id="1" name="">
+          <a:extLst>
+            <a:ext uri="{FF2B5EF4-FFF2-40B4-BE49-F238E27FC236}">
+              <a16:creationId xmlns:a16="http://schemas.microsoft.com/office/drawing/2014/main" id="{A0F0DBBB-0B54-0671-0A8D-C8C2C94787B3}"/>
+            </a:ext>
+          </a:extLst>
+        </p:cNvPr>
+        <p:cNvGrpSpPr/>
+        <p:nvPr/>
+      </p:nvGrpSpPr>
+      <p:grpSpPr>
+        <a:xfrm>
+          <a:off x="0" y="0"/>
+          <a:ext cx="0" cy="0"/>
+          <a:chOff x="0" y="0"/>
+          <a:chExt cx="0" cy="0"/>
+        </a:xfrm>
+      </p:grpSpPr>
+      <p:sp>
+        <p:nvSpPr>
+          <p:cNvPr id="2" name="タイトル 1">
+            <a:extLst>
+              <a:ext uri="{FF2B5EF4-FFF2-40B4-BE49-F238E27FC236}">
+                <a16:creationId xmlns:a16="http://schemas.microsoft.com/office/drawing/2014/main" id="{E1B4049B-447C-37A4-B18A-DB39A88D3232}"/>
+              </a:ext>
+            </a:extLst>
+          </p:cNvPr>
+          <p:cNvSpPr>
+            <a:spLocks noGrp="1"/>
+          </p:cNvSpPr>
+          <p:nvPr>
+            <p:ph type="title"/>
+          </p:nvPr>
+        </p:nvSpPr>
+        <p:spPr/>
+        <p:txBody>
+          <a:bodyPr/>
+          <a:lstStyle/>
+          <a:p>
+            <a:r>
+              <a:rPr lang="en-US" altLang="ja-JP" dirty="0"/>
+              <a:t>GitHub</a:t>
+            </a:r>
+            <a:r>
+              <a:rPr lang="ja-JP" altLang="en-US" dirty="0"/>
+              <a:t>を使ったチーム制作</a:t>
+            </a:r>
+            <a:endParaRPr kumimoji="1" lang="ja-JP" altLang="en-US" dirty="0"/>
+          </a:p>
+        </p:txBody>
+      </p:sp>
+      <p:sp>
+        <p:nvSpPr>
+          <p:cNvPr id="9" name="コンテンツ プレースホルダー 2">
+            <a:extLst>
+              <a:ext uri="{FF2B5EF4-FFF2-40B4-BE49-F238E27FC236}">
+                <a16:creationId xmlns:a16="http://schemas.microsoft.com/office/drawing/2014/main" id="{C2E17F43-BDD6-0A97-C433-11A998D5B142}"/>
+              </a:ext>
+            </a:extLst>
+          </p:cNvPr>
+          <p:cNvSpPr txBox="1">
+            <a:spLocks/>
+          </p:cNvSpPr>
+          <p:nvPr/>
+        </p:nvSpPr>
+        <p:spPr>
+          <a:xfrm>
+            <a:off x="838200" y="1376038"/>
+            <a:ext cx="10515600" cy="5355502"/>
+          </a:xfrm>
+          <a:prstGeom prst="rect">
+            <a:avLst/>
+          </a:prstGeom>
+        </p:spPr>
+        <p:txBody>
+          <a:bodyPr vert="horz" lIns="91440" tIns="45720" rIns="91440" bIns="45720" rtlCol="0">
+            <a:normAutofit/>
+          </a:bodyPr>
+          <a:lstStyle>
+            <a:lvl1pPr marL="228600" indent="-228600" algn="l" defTabSz="914400" rtl="0" eaLnBrk="1" latinLnBrk="0" hangingPunct="1">
+              <a:lnSpc>
+                <a:spcPct val="90000"/>
+              </a:lnSpc>
+              <a:spcBef>
+                <a:spcPts val="1000"/>
+              </a:spcBef>
+              <a:buFont typeface="Arial" panose="020B0604020202020204" pitchFamily="34" charset="0"/>
+              <a:buChar char="•"/>
+              <a:defRPr kumimoji="1" sz="3600" kern="1200">
+                <a:solidFill>
+                  <a:schemeClr val="tx1"/>
+                </a:solidFill>
+                <a:latin typeface="+mn-lt"/>
+                <a:ea typeface="+mn-ea"/>
+                <a:cs typeface="+mn-cs"/>
+              </a:defRPr>
+            </a:lvl1pPr>
+            <a:lvl2pPr marL="685800" indent="-228600" algn="l" defTabSz="914400" rtl="0" eaLnBrk="1" latinLnBrk="0" hangingPunct="1">
+              <a:lnSpc>
+                <a:spcPct val="90000"/>
+              </a:lnSpc>
+              <a:spcBef>
+                <a:spcPts val="500"/>
+              </a:spcBef>
+              <a:buFont typeface="Arial" panose="020B0604020202020204" pitchFamily="34" charset="0"/>
+              <a:buChar char="•"/>
+              <a:defRPr kumimoji="1" sz="3200" kern="1200">
+                <a:solidFill>
+                  <a:schemeClr val="tx1"/>
+                </a:solidFill>
+                <a:latin typeface="+mn-lt"/>
+                <a:ea typeface="+mn-ea"/>
+                <a:cs typeface="+mn-cs"/>
+              </a:defRPr>
+            </a:lvl2pPr>
+            <a:lvl3pPr marL="1143000" indent="-228600" algn="l" defTabSz="914400" rtl="0" eaLnBrk="1" latinLnBrk="0" hangingPunct="1">
+              <a:lnSpc>
+                <a:spcPct val="90000"/>
+              </a:lnSpc>
+              <a:spcBef>
+                <a:spcPts val="500"/>
+              </a:spcBef>
+              <a:buFont typeface="Arial" panose="020B0604020202020204" pitchFamily="34" charset="0"/>
+              <a:buChar char="•"/>
+              <a:defRPr kumimoji="1" sz="2800" kern="1200">
+                <a:solidFill>
+                  <a:schemeClr val="tx1"/>
+                </a:solidFill>
+                <a:latin typeface="+mn-lt"/>
+                <a:ea typeface="+mn-ea"/>
+                <a:cs typeface="+mn-cs"/>
+              </a:defRPr>
+            </a:lvl3pPr>
+            <a:lvl4pPr marL="1600200" indent="-228600" algn="l" defTabSz="914400" rtl="0" eaLnBrk="1" latinLnBrk="0" hangingPunct="1">
+              <a:lnSpc>
+                <a:spcPct val="90000"/>
+              </a:lnSpc>
+              <a:spcBef>
+                <a:spcPts val="500"/>
+              </a:spcBef>
+              <a:buFont typeface="Arial" panose="020B0604020202020204" pitchFamily="34" charset="0"/>
+              <a:buChar char="•"/>
+              <a:defRPr kumimoji="1" sz="2400" kern="1200">
+                <a:solidFill>
+                  <a:schemeClr val="tx1"/>
+                </a:solidFill>
+                <a:latin typeface="+mn-lt"/>
+                <a:ea typeface="+mn-ea"/>
+                <a:cs typeface="+mn-cs"/>
+              </a:defRPr>
+            </a:lvl4pPr>
+            <a:lvl5pPr marL="2057400" indent="-228600" algn="l" defTabSz="914400" rtl="0" eaLnBrk="1" latinLnBrk="0" hangingPunct="1">
+              <a:lnSpc>
+                <a:spcPct val="90000"/>
+              </a:lnSpc>
+              <a:spcBef>
+                <a:spcPts val="500"/>
+              </a:spcBef>
+              <a:buFont typeface="Arial" panose="020B0604020202020204" pitchFamily="34" charset="0"/>
+              <a:buChar char="•"/>
+              <a:defRPr kumimoji="1" sz="2400" kern="1200">
+                <a:solidFill>
+                  <a:schemeClr val="tx1"/>
+                </a:solidFill>
+                <a:latin typeface="+mn-lt"/>
+                <a:ea typeface="+mn-ea"/>
+                <a:cs typeface="+mn-cs"/>
+              </a:defRPr>
+            </a:lvl5pPr>
+            <a:lvl6pPr marL="2514600" indent="-228600" algn="l" defTabSz="914400" rtl="0" eaLnBrk="1" latinLnBrk="0" hangingPunct="1">
+              <a:lnSpc>
+                <a:spcPct val="90000"/>
+              </a:lnSpc>
+              <a:spcBef>
+                <a:spcPts val="500"/>
+              </a:spcBef>
+              <a:buFont typeface="Arial" panose="020B0604020202020204" pitchFamily="34" charset="0"/>
+              <a:buChar char="•"/>
+              <a:defRPr kumimoji="1" sz="1800" kern="1200">
+                <a:solidFill>
+                  <a:schemeClr val="tx1"/>
+                </a:solidFill>
+                <a:latin typeface="+mn-lt"/>
+                <a:ea typeface="+mn-ea"/>
+                <a:cs typeface="+mn-cs"/>
+              </a:defRPr>
+            </a:lvl6pPr>
+            <a:lvl7pPr marL="2971800" indent="-228600" algn="l" defTabSz="914400" rtl="0" eaLnBrk="1" latinLnBrk="0" hangingPunct="1">
+              <a:lnSpc>
+                <a:spcPct val="90000"/>
+              </a:lnSpc>
+              <a:spcBef>
+                <a:spcPts val="500"/>
+              </a:spcBef>
+              <a:buFont typeface="Arial" panose="020B0604020202020204" pitchFamily="34" charset="0"/>
+              <a:buChar char="•"/>
+              <a:defRPr kumimoji="1" sz="1800" kern="1200">
+                <a:solidFill>
+                  <a:schemeClr val="tx1"/>
+                </a:solidFill>
+                <a:latin typeface="+mn-lt"/>
+                <a:ea typeface="+mn-ea"/>
+                <a:cs typeface="+mn-cs"/>
+              </a:defRPr>
+            </a:lvl7pPr>
+            <a:lvl8pPr marL="3429000" indent="-228600" algn="l" defTabSz="914400" rtl="0" eaLnBrk="1" latinLnBrk="0" hangingPunct="1">
+              <a:lnSpc>
+                <a:spcPct val="90000"/>
+              </a:lnSpc>
+              <a:spcBef>
+                <a:spcPts val="500"/>
+              </a:spcBef>
+              <a:buFont typeface="Arial" panose="020B0604020202020204" pitchFamily="34" charset="0"/>
+              <a:buChar char="•"/>
+              <a:defRPr kumimoji="1" sz="1800" kern="1200">
+                <a:solidFill>
+                  <a:schemeClr val="tx1"/>
+                </a:solidFill>
+                <a:latin typeface="+mn-lt"/>
+                <a:ea typeface="+mn-ea"/>
+                <a:cs typeface="+mn-cs"/>
+              </a:defRPr>
+            </a:lvl8pPr>
+            <a:lvl9pPr marL="3886200" indent="-228600" algn="l" defTabSz="914400" rtl="0" eaLnBrk="1" latinLnBrk="0" hangingPunct="1">
+              <a:lnSpc>
+                <a:spcPct val="90000"/>
+              </a:lnSpc>
+              <a:spcBef>
+                <a:spcPts val="500"/>
+              </a:spcBef>
+              <a:buFont typeface="Arial" panose="020B0604020202020204" pitchFamily="34" charset="0"/>
+              <a:buChar char="•"/>
+              <a:defRPr kumimoji="1" sz="1800" kern="1200">
+                <a:solidFill>
+                  <a:schemeClr val="tx1"/>
+                </a:solidFill>
+                <a:latin typeface="+mn-lt"/>
+                <a:ea typeface="+mn-ea"/>
+                <a:cs typeface="+mn-cs"/>
+              </a:defRPr>
+            </a:lvl9pPr>
+          </a:lstStyle>
+          <a:p>
+            <a:r>
+              <a:rPr lang="ja-JP" altLang="en-US" dirty="0"/>
+              <a:t>ブランチ（</a:t>
+            </a:r>
+            <a:r>
+              <a:rPr lang="en-US" altLang="ja-JP" dirty="0"/>
+              <a:t>Branch</a:t>
+            </a:r>
+            <a:r>
+              <a:rPr lang="ja-JP" altLang="en-US" dirty="0"/>
+              <a:t>）の</a:t>
+            </a:r>
+            <a:r>
+              <a:rPr lang="ja-JP" altLang="en-US" b="1" dirty="0">
+                <a:solidFill>
+                  <a:srgbClr val="FF00FF"/>
+                </a:solidFill>
+              </a:rPr>
+              <a:t>統合（マージ）</a:t>
+            </a:r>
+            <a:br>
+              <a:rPr lang="en-US" altLang="ja-JP" b="1" dirty="0">
+                <a:solidFill>
+                  <a:srgbClr val="FF00FF"/>
+                </a:solidFill>
+              </a:rPr>
+            </a:br>
+            <a:br>
+              <a:rPr lang="en-US" altLang="ja-JP" dirty="0"/>
+            </a:br>
+            <a:r>
+              <a:rPr lang="ja-JP" altLang="en-US" dirty="0"/>
+              <a:t>ブランチでの更新作業が終わったら、</a:t>
+            </a:r>
+            <a:r>
+              <a:rPr lang="en-US" altLang="ja-JP" dirty="0"/>
+              <a:t>main</a:t>
+            </a:r>
+            <a:r>
+              <a:rPr lang="ja-JP" altLang="en-US" dirty="0"/>
+              <a:t>ブランチに</a:t>
+            </a:r>
+            <a:r>
+              <a:rPr lang="ja-JP" altLang="en-US" b="1" dirty="0">
+                <a:solidFill>
+                  <a:srgbClr val="FF00FF"/>
+                </a:solidFill>
+              </a:rPr>
+              <a:t>統合（マージ）</a:t>
+            </a:r>
+            <a:r>
+              <a:rPr lang="ja-JP" altLang="en-US" dirty="0"/>
+              <a:t>する必要がある</a:t>
+            </a:r>
+            <a:br>
+              <a:rPr lang="en-US" altLang="ja-JP" dirty="0"/>
+            </a:br>
+            <a:br>
+              <a:rPr lang="en-US" altLang="ja-JP" dirty="0"/>
+            </a:br>
+            <a:r>
+              <a:rPr lang="ja-JP" altLang="en-US" dirty="0"/>
+              <a:t>その際、勝手に</a:t>
+            </a:r>
+            <a:r>
+              <a:rPr lang="en-US" altLang="ja-JP" dirty="0"/>
+              <a:t>main</a:t>
+            </a:r>
+            <a:r>
+              <a:rPr lang="ja-JP" altLang="en-US" dirty="0"/>
+              <a:t>ブランチにマージせずに、</a:t>
+            </a:r>
+            <a:br>
+              <a:rPr lang="en-US" altLang="ja-JP" dirty="0"/>
+            </a:br>
+            <a:r>
+              <a:rPr lang="ja-JP" altLang="en-US" dirty="0">
+                <a:solidFill>
+                  <a:srgbClr val="FF0000"/>
+                </a:solidFill>
+              </a:rPr>
+              <a:t>リーダー</a:t>
+            </a:r>
+            <a:r>
+              <a:rPr lang="ja-JP" altLang="en-US" dirty="0"/>
+              <a:t>もしくは</a:t>
+            </a:r>
+            <a:r>
+              <a:rPr lang="ja-JP" altLang="en-US" dirty="0">
+                <a:solidFill>
+                  <a:srgbClr val="0070C0"/>
+                </a:solidFill>
+              </a:rPr>
+              <a:t>メインプログラマ</a:t>
+            </a:r>
+            <a:r>
+              <a:rPr lang="ja-JP" altLang="en-US" dirty="0"/>
+              <a:t>に</a:t>
+            </a:r>
+            <a:r>
+              <a:rPr lang="ja-JP" altLang="en-US" b="1" dirty="0">
+                <a:solidFill>
+                  <a:srgbClr val="00B050"/>
+                </a:solidFill>
+              </a:rPr>
+              <a:t>レビュー</a:t>
+            </a:r>
+            <a:br>
+              <a:rPr lang="en-US" altLang="ja-JP" dirty="0"/>
+            </a:br>
+            <a:r>
+              <a:rPr lang="ja-JP" altLang="en-US" dirty="0"/>
+              <a:t>（変更結果の確認）を依頼する</a:t>
+            </a:r>
+            <a:endParaRPr lang="en-US" altLang="ja-JP" dirty="0"/>
+          </a:p>
+        </p:txBody>
+      </p:sp>
+    </p:spTree>
+    <p:extLst>
+      <p:ext uri="{BB962C8B-B14F-4D97-AF65-F5344CB8AC3E}">
+        <p14:creationId xmlns:p14="http://schemas.microsoft.com/office/powerpoint/2010/main" val="414539211"/>
+      </p:ext>
+    </p:extLst>
+  </p:cSld>
+  <p:clrMapOvr>
+    <a:masterClrMapping/>
+  </p:clrMapOvr>
+</p:sld>
+</file>
+
+<file path=ppt/slides/slide38.xml><?xml version="1.0" encoding="utf-8"?>
+<p:sld xmlns:a="http://schemas.openxmlformats.org/drawingml/2006/main" xmlns:r="http://schemas.openxmlformats.org/officeDocument/2006/relationships" xmlns:p="http://schemas.openxmlformats.org/presentationml/2006/main">
+  <p:cSld>
+    <p:spTree>
+      <p:nvGrpSpPr>
+        <p:cNvPr id="1" name="">
+          <a:extLst>
+            <a:ext uri="{FF2B5EF4-FFF2-40B4-BE49-F238E27FC236}">
+              <a16:creationId xmlns:a16="http://schemas.microsoft.com/office/drawing/2014/main" id="{56B9E728-6D58-F5C3-CC35-E1C697939DEA}"/>
+            </a:ext>
+          </a:extLst>
+        </p:cNvPr>
+        <p:cNvGrpSpPr/>
+        <p:nvPr/>
+      </p:nvGrpSpPr>
+      <p:grpSpPr>
+        <a:xfrm>
+          <a:off x="0" y="0"/>
+          <a:ext cx="0" cy="0"/>
+          <a:chOff x="0" y="0"/>
+          <a:chExt cx="0" cy="0"/>
+        </a:xfrm>
+      </p:grpSpPr>
+      <p:sp>
+        <p:nvSpPr>
+          <p:cNvPr id="2" name="タイトル 1">
+            <a:extLst>
+              <a:ext uri="{FF2B5EF4-FFF2-40B4-BE49-F238E27FC236}">
+                <a16:creationId xmlns:a16="http://schemas.microsoft.com/office/drawing/2014/main" id="{FC5FE0EF-1B14-086B-F390-6A0B437BF257}"/>
+              </a:ext>
+            </a:extLst>
+          </p:cNvPr>
+          <p:cNvSpPr>
+            <a:spLocks noGrp="1"/>
+          </p:cNvSpPr>
+          <p:nvPr>
+            <p:ph type="title"/>
+          </p:nvPr>
+        </p:nvSpPr>
+        <p:spPr/>
+        <p:txBody>
+          <a:bodyPr/>
+          <a:lstStyle/>
+          <a:p>
+            <a:r>
+              <a:rPr lang="en-US" altLang="ja-JP" dirty="0"/>
+              <a:t>GitHub</a:t>
+            </a:r>
+            <a:r>
+              <a:rPr lang="ja-JP" altLang="en-US" dirty="0"/>
+              <a:t>を使ったチーム制作</a:t>
+            </a:r>
+            <a:endParaRPr kumimoji="1" lang="ja-JP" altLang="en-US" dirty="0"/>
+          </a:p>
+        </p:txBody>
+      </p:sp>
+      <p:sp>
+        <p:nvSpPr>
+          <p:cNvPr id="9" name="コンテンツ プレースホルダー 2">
+            <a:extLst>
+              <a:ext uri="{FF2B5EF4-FFF2-40B4-BE49-F238E27FC236}">
+                <a16:creationId xmlns:a16="http://schemas.microsoft.com/office/drawing/2014/main" id="{C0045D9B-F6B8-2D0D-F41B-F07724CF10B8}"/>
+              </a:ext>
+            </a:extLst>
+          </p:cNvPr>
+          <p:cNvSpPr txBox="1">
+            <a:spLocks/>
+          </p:cNvSpPr>
+          <p:nvPr/>
+        </p:nvSpPr>
+        <p:spPr>
+          <a:xfrm>
+            <a:off x="838200" y="1376038"/>
+            <a:ext cx="10515600" cy="5355502"/>
+          </a:xfrm>
+          <a:prstGeom prst="rect">
+            <a:avLst/>
+          </a:prstGeom>
+        </p:spPr>
+        <p:txBody>
+          <a:bodyPr vert="horz" lIns="91440" tIns="45720" rIns="91440" bIns="45720" rtlCol="0">
+            <a:normAutofit/>
+          </a:bodyPr>
+          <a:lstStyle>
+            <a:lvl1pPr marL="228600" indent="-228600" algn="l" defTabSz="914400" rtl="0" eaLnBrk="1" latinLnBrk="0" hangingPunct="1">
+              <a:lnSpc>
+                <a:spcPct val="90000"/>
+              </a:lnSpc>
+              <a:spcBef>
+                <a:spcPts val="1000"/>
+              </a:spcBef>
+              <a:buFont typeface="Arial" panose="020B0604020202020204" pitchFamily="34" charset="0"/>
+              <a:buChar char="•"/>
+              <a:defRPr kumimoji="1" sz="3600" kern="1200">
+                <a:solidFill>
+                  <a:schemeClr val="tx1"/>
+                </a:solidFill>
+                <a:latin typeface="+mn-lt"/>
+                <a:ea typeface="+mn-ea"/>
+                <a:cs typeface="+mn-cs"/>
+              </a:defRPr>
+            </a:lvl1pPr>
+            <a:lvl2pPr marL="685800" indent="-228600" algn="l" defTabSz="914400" rtl="0" eaLnBrk="1" latinLnBrk="0" hangingPunct="1">
+              <a:lnSpc>
+                <a:spcPct val="90000"/>
+              </a:lnSpc>
+              <a:spcBef>
+                <a:spcPts val="500"/>
+              </a:spcBef>
+              <a:buFont typeface="Arial" panose="020B0604020202020204" pitchFamily="34" charset="0"/>
+              <a:buChar char="•"/>
+              <a:defRPr kumimoji="1" sz="3200" kern="1200">
+                <a:solidFill>
+                  <a:schemeClr val="tx1"/>
+                </a:solidFill>
+                <a:latin typeface="+mn-lt"/>
+                <a:ea typeface="+mn-ea"/>
+                <a:cs typeface="+mn-cs"/>
+              </a:defRPr>
+            </a:lvl2pPr>
+            <a:lvl3pPr marL="1143000" indent="-228600" algn="l" defTabSz="914400" rtl="0" eaLnBrk="1" latinLnBrk="0" hangingPunct="1">
+              <a:lnSpc>
+                <a:spcPct val="90000"/>
+              </a:lnSpc>
+              <a:spcBef>
+                <a:spcPts val="500"/>
+              </a:spcBef>
+              <a:buFont typeface="Arial" panose="020B0604020202020204" pitchFamily="34" charset="0"/>
+              <a:buChar char="•"/>
+              <a:defRPr kumimoji="1" sz="2800" kern="1200">
+                <a:solidFill>
+                  <a:schemeClr val="tx1"/>
+                </a:solidFill>
+                <a:latin typeface="+mn-lt"/>
+                <a:ea typeface="+mn-ea"/>
+                <a:cs typeface="+mn-cs"/>
+              </a:defRPr>
+            </a:lvl3pPr>
+            <a:lvl4pPr marL="1600200" indent="-228600" algn="l" defTabSz="914400" rtl="0" eaLnBrk="1" latinLnBrk="0" hangingPunct="1">
+              <a:lnSpc>
+                <a:spcPct val="90000"/>
+              </a:lnSpc>
+              <a:spcBef>
+                <a:spcPts val="500"/>
+              </a:spcBef>
+              <a:buFont typeface="Arial" panose="020B0604020202020204" pitchFamily="34" charset="0"/>
+              <a:buChar char="•"/>
+              <a:defRPr kumimoji="1" sz="2400" kern="1200">
+                <a:solidFill>
+                  <a:schemeClr val="tx1"/>
+                </a:solidFill>
+                <a:latin typeface="+mn-lt"/>
+                <a:ea typeface="+mn-ea"/>
+                <a:cs typeface="+mn-cs"/>
+              </a:defRPr>
+            </a:lvl4pPr>
+            <a:lvl5pPr marL="2057400" indent="-228600" algn="l" defTabSz="914400" rtl="0" eaLnBrk="1" latinLnBrk="0" hangingPunct="1">
+              <a:lnSpc>
+                <a:spcPct val="90000"/>
+              </a:lnSpc>
+              <a:spcBef>
+                <a:spcPts val="500"/>
+              </a:spcBef>
+              <a:buFont typeface="Arial" panose="020B0604020202020204" pitchFamily="34" charset="0"/>
+              <a:buChar char="•"/>
+              <a:defRPr kumimoji="1" sz="2400" kern="1200">
+                <a:solidFill>
+                  <a:schemeClr val="tx1"/>
+                </a:solidFill>
+                <a:latin typeface="+mn-lt"/>
+                <a:ea typeface="+mn-ea"/>
+                <a:cs typeface="+mn-cs"/>
+              </a:defRPr>
+            </a:lvl5pPr>
+            <a:lvl6pPr marL="2514600" indent="-228600" algn="l" defTabSz="914400" rtl="0" eaLnBrk="1" latinLnBrk="0" hangingPunct="1">
+              <a:lnSpc>
+                <a:spcPct val="90000"/>
+              </a:lnSpc>
+              <a:spcBef>
+                <a:spcPts val="500"/>
+              </a:spcBef>
+              <a:buFont typeface="Arial" panose="020B0604020202020204" pitchFamily="34" charset="0"/>
+              <a:buChar char="•"/>
+              <a:defRPr kumimoji="1" sz="1800" kern="1200">
+                <a:solidFill>
+                  <a:schemeClr val="tx1"/>
+                </a:solidFill>
+                <a:latin typeface="+mn-lt"/>
+                <a:ea typeface="+mn-ea"/>
+                <a:cs typeface="+mn-cs"/>
+              </a:defRPr>
+            </a:lvl6pPr>
+            <a:lvl7pPr marL="2971800" indent="-228600" algn="l" defTabSz="914400" rtl="0" eaLnBrk="1" latinLnBrk="0" hangingPunct="1">
+              <a:lnSpc>
+                <a:spcPct val="90000"/>
+              </a:lnSpc>
+              <a:spcBef>
+                <a:spcPts val="500"/>
+              </a:spcBef>
+              <a:buFont typeface="Arial" panose="020B0604020202020204" pitchFamily="34" charset="0"/>
+              <a:buChar char="•"/>
+              <a:defRPr kumimoji="1" sz="1800" kern="1200">
+                <a:solidFill>
+                  <a:schemeClr val="tx1"/>
+                </a:solidFill>
+                <a:latin typeface="+mn-lt"/>
+                <a:ea typeface="+mn-ea"/>
+                <a:cs typeface="+mn-cs"/>
+              </a:defRPr>
+            </a:lvl7pPr>
+            <a:lvl8pPr marL="3429000" indent="-228600" algn="l" defTabSz="914400" rtl="0" eaLnBrk="1" latinLnBrk="0" hangingPunct="1">
+              <a:lnSpc>
+                <a:spcPct val="90000"/>
+              </a:lnSpc>
+              <a:spcBef>
+                <a:spcPts val="500"/>
+              </a:spcBef>
+              <a:buFont typeface="Arial" panose="020B0604020202020204" pitchFamily="34" charset="0"/>
+              <a:buChar char="•"/>
+              <a:defRPr kumimoji="1" sz="1800" kern="1200">
+                <a:solidFill>
+                  <a:schemeClr val="tx1"/>
+                </a:solidFill>
+                <a:latin typeface="+mn-lt"/>
+                <a:ea typeface="+mn-ea"/>
+                <a:cs typeface="+mn-cs"/>
+              </a:defRPr>
+            </a:lvl8pPr>
+            <a:lvl9pPr marL="3886200" indent="-228600" algn="l" defTabSz="914400" rtl="0" eaLnBrk="1" latinLnBrk="0" hangingPunct="1">
+              <a:lnSpc>
+                <a:spcPct val="90000"/>
+              </a:lnSpc>
+              <a:spcBef>
+                <a:spcPts val="500"/>
+              </a:spcBef>
+              <a:buFont typeface="Arial" panose="020B0604020202020204" pitchFamily="34" charset="0"/>
+              <a:buChar char="•"/>
+              <a:defRPr kumimoji="1" sz="1800" kern="1200">
+                <a:solidFill>
+                  <a:schemeClr val="tx1"/>
+                </a:solidFill>
+                <a:latin typeface="+mn-lt"/>
+                <a:ea typeface="+mn-ea"/>
+                <a:cs typeface="+mn-cs"/>
+              </a:defRPr>
+            </a:lvl9pPr>
+          </a:lstStyle>
+          <a:p>
+            <a:r>
+              <a:rPr lang="ja-JP" altLang="en-US" b="1" dirty="0">
+                <a:solidFill>
+                  <a:srgbClr val="FF00FF"/>
+                </a:solidFill>
+              </a:rPr>
+              <a:t>統合（マージ）</a:t>
+            </a:r>
+            <a:r>
+              <a:rPr lang="ja-JP" altLang="en-US" dirty="0"/>
+              <a:t>する方法</a:t>
+            </a:r>
+            <a:br>
+              <a:rPr lang="en-US" altLang="ja-JP" b="1" dirty="0">
+                <a:solidFill>
+                  <a:srgbClr val="FF00FF"/>
+                </a:solidFill>
+              </a:rPr>
+            </a:br>
+            <a:br>
+              <a:rPr lang="en-US" altLang="ja-JP" dirty="0"/>
+            </a:br>
+            <a:r>
+              <a:rPr lang="en-US" altLang="ja-JP" dirty="0"/>
+              <a:t>[Preview Pull Request]</a:t>
+            </a:r>
+            <a:r>
+              <a:rPr lang="ja-JP" altLang="en-US" dirty="0"/>
+              <a:t>ボタンをクリック</a:t>
+            </a:r>
+            <a:endParaRPr lang="en-US" altLang="ja-JP" dirty="0"/>
+          </a:p>
+        </p:txBody>
+      </p:sp>
+      <p:pic>
+        <p:nvPicPr>
+          <p:cNvPr id="4" name="図 3">
+            <a:extLst>
+              <a:ext uri="{FF2B5EF4-FFF2-40B4-BE49-F238E27FC236}">
+                <a16:creationId xmlns:a16="http://schemas.microsoft.com/office/drawing/2014/main" id="{3574765F-195C-FBDC-4DEE-90184E62FA72}"/>
+              </a:ext>
+            </a:extLst>
+          </p:cNvPr>
+          <p:cNvPicPr>
+            <a:picLocks noChangeAspect="1"/>
+          </p:cNvPicPr>
+          <p:nvPr/>
+        </p:nvPicPr>
+        <p:blipFill>
+          <a:blip r:embed="rId2"/>
+          <a:stretch>
+            <a:fillRect/>
+          </a:stretch>
+        </p:blipFill>
+        <p:spPr>
+          <a:xfrm>
+            <a:off x="2472711" y="3335834"/>
+            <a:ext cx="7262884" cy="2661554"/>
+          </a:xfrm>
+          <a:prstGeom prst="rect">
+            <a:avLst/>
+          </a:prstGeom>
+          <a:ln>
+            <a:solidFill>
+              <a:schemeClr val="tx1"/>
+            </a:solidFill>
+          </a:ln>
+        </p:spPr>
+      </p:pic>
+      <p:sp>
+        <p:nvSpPr>
+          <p:cNvPr id="5" name="正方形/長方形 4">
+            <a:extLst>
+              <a:ext uri="{FF2B5EF4-FFF2-40B4-BE49-F238E27FC236}">
+                <a16:creationId xmlns:a16="http://schemas.microsoft.com/office/drawing/2014/main" id="{B8142855-BB7F-2B08-C593-2B6E74C481D6}"/>
+              </a:ext>
+            </a:extLst>
+          </p:cNvPr>
+          <p:cNvSpPr/>
+          <p:nvPr/>
+        </p:nvSpPr>
+        <p:spPr>
+          <a:xfrm>
+            <a:off x="7241384" y="4955309"/>
+            <a:ext cx="2090875" cy="450409"/>
+          </a:xfrm>
+          <a:prstGeom prst="rect">
+            <a:avLst/>
+          </a:prstGeom>
+          <a:noFill/>
+          <a:ln w="38100">
+            <a:solidFill>
+              <a:srgbClr val="FF0000"/>
+            </a:solidFill>
+          </a:ln>
+        </p:spPr>
+        <p:style>
+          <a:lnRef idx="2">
+            <a:schemeClr val="accent1">
+              <a:shade val="15000"/>
+            </a:schemeClr>
+          </a:lnRef>
+          <a:fillRef idx="1">
+            <a:schemeClr val="accent1"/>
+          </a:fillRef>
+          <a:effectRef idx="0">
+            <a:schemeClr val="accent1"/>
+          </a:effectRef>
+          <a:fontRef idx="minor">
+            <a:schemeClr val="lt1"/>
+          </a:fontRef>
+        </p:style>
+        <p:txBody>
+          <a:bodyPr rtlCol="0" anchor="ctr"/>
+          <a:lstStyle/>
+          <a:p>
+            <a:pPr algn="ctr"/>
+            <a:endParaRPr kumimoji="1" lang="ja-JP" altLang="en-US"/>
+          </a:p>
+        </p:txBody>
+      </p:sp>
+    </p:spTree>
+    <p:extLst>
+      <p:ext uri="{BB962C8B-B14F-4D97-AF65-F5344CB8AC3E}">
+        <p14:creationId xmlns:p14="http://schemas.microsoft.com/office/powerpoint/2010/main" val="1902865015"/>
+      </p:ext>
+    </p:extLst>
+  </p:cSld>
+  <p:clrMapOvr>
+    <a:masterClrMapping/>
+  </p:clrMapOvr>
+</p:sld>
+</file>
+
+<file path=ppt/slides/slide39.xml><?xml version="1.0" encoding="utf-8"?>
+<p:sld xmlns:a="http://schemas.openxmlformats.org/drawingml/2006/main" xmlns:r="http://schemas.openxmlformats.org/officeDocument/2006/relationships" xmlns:p="http://schemas.openxmlformats.org/presentationml/2006/main">
+  <p:cSld>
+    <p:spTree>
+      <p:nvGrpSpPr>
+        <p:cNvPr id="1" name="">
+          <a:extLst>
+            <a:ext uri="{FF2B5EF4-FFF2-40B4-BE49-F238E27FC236}">
+              <a16:creationId xmlns:a16="http://schemas.microsoft.com/office/drawing/2014/main" id="{3962211C-01A0-2E65-EB7D-8897C97196CE}"/>
+            </a:ext>
+          </a:extLst>
+        </p:cNvPr>
+        <p:cNvGrpSpPr/>
+        <p:nvPr/>
+      </p:nvGrpSpPr>
+      <p:grpSpPr>
+        <a:xfrm>
+          <a:off x="0" y="0"/>
+          <a:ext cx="0" cy="0"/>
+          <a:chOff x="0" y="0"/>
+          <a:chExt cx="0" cy="0"/>
+        </a:xfrm>
+      </p:grpSpPr>
+      <p:sp>
+        <p:nvSpPr>
+          <p:cNvPr id="2" name="タイトル 1">
+            <a:extLst>
+              <a:ext uri="{FF2B5EF4-FFF2-40B4-BE49-F238E27FC236}">
+                <a16:creationId xmlns:a16="http://schemas.microsoft.com/office/drawing/2014/main" id="{DF00A9E5-2753-650D-B608-6E3982AE5F3F}"/>
+              </a:ext>
+            </a:extLst>
+          </p:cNvPr>
+          <p:cNvSpPr>
+            <a:spLocks noGrp="1"/>
+          </p:cNvSpPr>
+          <p:nvPr>
+            <p:ph type="title"/>
+          </p:nvPr>
+        </p:nvSpPr>
+        <p:spPr/>
+        <p:txBody>
+          <a:bodyPr/>
+          <a:lstStyle/>
+          <a:p>
+            <a:r>
+              <a:rPr lang="en-US" altLang="ja-JP" dirty="0"/>
+              <a:t>GitHub</a:t>
+            </a:r>
+            <a:r>
+              <a:rPr lang="ja-JP" altLang="en-US" dirty="0"/>
+              <a:t>を使ったチーム制作</a:t>
+            </a:r>
+            <a:endParaRPr kumimoji="1" lang="ja-JP" altLang="en-US" dirty="0"/>
+          </a:p>
+        </p:txBody>
+      </p:sp>
+      <p:sp>
+        <p:nvSpPr>
+          <p:cNvPr id="9" name="コンテンツ プレースホルダー 2">
+            <a:extLst>
+              <a:ext uri="{FF2B5EF4-FFF2-40B4-BE49-F238E27FC236}">
+                <a16:creationId xmlns:a16="http://schemas.microsoft.com/office/drawing/2014/main" id="{0A5BB390-358F-1436-45A6-9D9336BEF9D0}"/>
+              </a:ext>
+            </a:extLst>
+          </p:cNvPr>
+          <p:cNvSpPr txBox="1">
+            <a:spLocks/>
+          </p:cNvSpPr>
+          <p:nvPr/>
+        </p:nvSpPr>
+        <p:spPr>
+          <a:xfrm>
+            <a:off x="838200" y="1376038"/>
+            <a:ext cx="10515600" cy="5355502"/>
+          </a:xfrm>
+          <a:prstGeom prst="rect">
+            <a:avLst/>
+          </a:prstGeom>
+        </p:spPr>
+        <p:txBody>
+          <a:bodyPr vert="horz" lIns="91440" tIns="45720" rIns="91440" bIns="45720" rtlCol="0">
+            <a:normAutofit/>
+          </a:bodyPr>
+          <a:lstStyle>
+            <a:lvl1pPr marL="228600" indent="-228600" algn="l" defTabSz="914400" rtl="0" eaLnBrk="1" latinLnBrk="0" hangingPunct="1">
+              <a:lnSpc>
+                <a:spcPct val="90000"/>
+              </a:lnSpc>
+              <a:spcBef>
+                <a:spcPts val="1000"/>
+              </a:spcBef>
+              <a:buFont typeface="Arial" panose="020B0604020202020204" pitchFamily="34" charset="0"/>
+              <a:buChar char="•"/>
+              <a:defRPr kumimoji="1" sz="3600" kern="1200">
+                <a:solidFill>
+                  <a:schemeClr val="tx1"/>
+                </a:solidFill>
+                <a:latin typeface="+mn-lt"/>
+                <a:ea typeface="+mn-ea"/>
+                <a:cs typeface="+mn-cs"/>
+              </a:defRPr>
+            </a:lvl1pPr>
+            <a:lvl2pPr marL="685800" indent="-228600" algn="l" defTabSz="914400" rtl="0" eaLnBrk="1" latinLnBrk="0" hangingPunct="1">
+              <a:lnSpc>
+                <a:spcPct val="90000"/>
+              </a:lnSpc>
+              <a:spcBef>
+                <a:spcPts val="500"/>
+              </a:spcBef>
+              <a:buFont typeface="Arial" panose="020B0604020202020204" pitchFamily="34" charset="0"/>
+              <a:buChar char="•"/>
+              <a:defRPr kumimoji="1" sz="3200" kern="1200">
+                <a:solidFill>
+                  <a:schemeClr val="tx1"/>
+                </a:solidFill>
+                <a:latin typeface="+mn-lt"/>
+                <a:ea typeface="+mn-ea"/>
+                <a:cs typeface="+mn-cs"/>
+              </a:defRPr>
+            </a:lvl2pPr>
+            <a:lvl3pPr marL="1143000" indent="-228600" algn="l" defTabSz="914400" rtl="0" eaLnBrk="1" latinLnBrk="0" hangingPunct="1">
+              <a:lnSpc>
+                <a:spcPct val="90000"/>
+              </a:lnSpc>
+              <a:spcBef>
+                <a:spcPts val="500"/>
+              </a:spcBef>
+              <a:buFont typeface="Arial" panose="020B0604020202020204" pitchFamily="34" charset="0"/>
+              <a:buChar char="•"/>
+              <a:defRPr kumimoji="1" sz="2800" kern="1200">
+                <a:solidFill>
+                  <a:schemeClr val="tx1"/>
+                </a:solidFill>
+                <a:latin typeface="+mn-lt"/>
+                <a:ea typeface="+mn-ea"/>
+                <a:cs typeface="+mn-cs"/>
+              </a:defRPr>
+            </a:lvl3pPr>
+            <a:lvl4pPr marL="1600200" indent="-228600" algn="l" defTabSz="914400" rtl="0" eaLnBrk="1" latinLnBrk="0" hangingPunct="1">
+              <a:lnSpc>
+                <a:spcPct val="90000"/>
+              </a:lnSpc>
+              <a:spcBef>
+                <a:spcPts val="500"/>
+              </a:spcBef>
+              <a:buFont typeface="Arial" panose="020B0604020202020204" pitchFamily="34" charset="0"/>
+              <a:buChar char="•"/>
+              <a:defRPr kumimoji="1" sz="2400" kern="1200">
+                <a:solidFill>
+                  <a:schemeClr val="tx1"/>
+                </a:solidFill>
+                <a:latin typeface="+mn-lt"/>
+                <a:ea typeface="+mn-ea"/>
+                <a:cs typeface="+mn-cs"/>
+              </a:defRPr>
+            </a:lvl4pPr>
+            <a:lvl5pPr marL="2057400" indent="-228600" algn="l" defTabSz="914400" rtl="0" eaLnBrk="1" latinLnBrk="0" hangingPunct="1">
+              <a:lnSpc>
+                <a:spcPct val="90000"/>
+              </a:lnSpc>
+              <a:spcBef>
+                <a:spcPts val="500"/>
+              </a:spcBef>
+              <a:buFont typeface="Arial" panose="020B0604020202020204" pitchFamily="34" charset="0"/>
+              <a:buChar char="•"/>
+              <a:defRPr kumimoji="1" sz="2400" kern="1200">
+                <a:solidFill>
+                  <a:schemeClr val="tx1"/>
+                </a:solidFill>
+                <a:latin typeface="+mn-lt"/>
+                <a:ea typeface="+mn-ea"/>
+                <a:cs typeface="+mn-cs"/>
+              </a:defRPr>
+            </a:lvl5pPr>
+            <a:lvl6pPr marL="2514600" indent="-228600" algn="l" defTabSz="914400" rtl="0" eaLnBrk="1" latinLnBrk="0" hangingPunct="1">
+              <a:lnSpc>
+                <a:spcPct val="90000"/>
+              </a:lnSpc>
+              <a:spcBef>
+                <a:spcPts val="500"/>
+              </a:spcBef>
+              <a:buFont typeface="Arial" panose="020B0604020202020204" pitchFamily="34" charset="0"/>
+              <a:buChar char="•"/>
+              <a:defRPr kumimoji="1" sz="1800" kern="1200">
+                <a:solidFill>
+                  <a:schemeClr val="tx1"/>
+                </a:solidFill>
+                <a:latin typeface="+mn-lt"/>
+                <a:ea typeface="+mn-ea"/>
+                <a:cs typeface="+mn-cs"/>
+              </a:defRPr>
+            </a:lvl6pPr>
+            <a:lvl7pPr marL="2971800" indent="-228600" algn="l" defTabSz="914400" rtl="0" eaLnBrk="1" latinLnBrk="0" hangingPunct="1">
+              <a:lnSpc>
+                <a:spcPct val="90000"/>
+              </a:lnSpc>
+              <a:spcBef>
+                <a:spcPts val="500"/>
+              </a:spcBef>
+              <a:buFont typeface="Arial" panose="020B0604020202020204" pitchFamily="34" charset="0"/>
+              <a:buChar char="•"/>
+              <a:defRPr kumimoji="1" sz="1800" kern="1200">
+                <a:solidFill>
+                  <a:schemeClr val="tx1"/>
+                </a:solidFill>
+                <a:latin typeface="+mn-lt"/>
+                <a:ea typeface="+mn-ea"/>
+                <a:cs typeface="+mn-cs"/>
+              </a:defRPr>
+            </a:lvl7pPr>
+            <a:lvl8pPr marL="3429000" indent="-228600" algn="l" defTabSz="914400" rtl="0" eaLnBrk="1" latinLnBrk="0" hangingPunct="1">
+              <a:lnSpc>
+                <a:spcPct val="90000"/>
+              </a:lnSpc>
+              <a:spcBef>
+                <a:spcPts val="500"/>
+              </a:spcBef>
+              <a:buFont typeface="Arial" panose="020B0604020202020204" pitchFamily="34" charset="0"/>
+              <a:buChar char="•"/>
+              <a:defRPr kumimoji="1" sz="1800" kern="1200">
+                <a:solidFill>
+                  <a:schemeClr val="tx1"/>
+                </a:solidFill>
+                <a:latin typeface="+mn-lt"/>
+                <a:ea typeface="+mn-ea"/>
+                <a:cs typeface="+mn-cs"/>
+              </a:defRPr>
+            </a:lvl8pPr>
+            <a:lvl9pPr marL="3886200" indent="-228600" algn="l" defTabSz="914400" rtl="0" eaLnBrk="1" latinLnBrk="0" hangingPunct="1">
+              <a:lnSpc>
+                <a:spcPct val="90000"/>
+              </a:lnSpc>
+              <a:spcBef>
+                <a:spcPts val="500"/>
+              </a:spcBef>
+              <a:buFont typeface="Arial" panose="020B0604020202020204" pitchFamily="34" charset="0"/>
+              <a:buChar char="•"/>
+              <a:defRPr kumimoji="1" sz="1800" kern="1200">
+                <a:solidFill>
+                  <a:schemeClr val="tx1"/>
+                </a:solidFill>
+                <a:latin typeface="+mn-lt"/>
+                <a:ea typeface="+mn-ea"/>
+                <a:cs typeface="+mn-cs"/>
+              </a:defRPr>
+            </a:lvl9pPr>
+          </a:lstStyle>
+          <a:p>
+            <a:r>
+              <a:rPr lang="ja-JP" altLang="en-US" b="1" dirty="0">
+                <a:solidFill>
+                  <a:srgbClr val="FF00FF"/>
+                </a:solidFill>
+              </a:rPr>
+              <a:t>統合（マージ）</a:t>
+            </a:r>
+            <a:r>
+              <a:rPr lang="ja-JP" altLang="en-US" dirty="0"/>
+              <a:t>する方法</a:t>
+            </a:r>
+            <a:br>
+              <a:rPr lang="en-US" altLang="ja-JP" b="1" dirty="0">
+                <a:solidFill>
+                  <a:srgbClr val="FF00FF"/>
+                </a:solidFill>
+              </a:rPr>
+            </a:br>
+            <a:br>
+              <a:rPr lang="en-US" altLang="ja-JP" dirty="0"/>
+            </a:br>
+            <a:r>
+              <a:rPr lang="ja-JP" altLang="en-US" dirty="0"/>
+              <a:t>変更したファイル</a:t>
+            </a:r>
+            <a:br>
+              <a:rPr lang="en-US" altLang="ja-JP" dirty="0"/>
+            </a:br>
+            <a:r>
+              <a:rPr lang="ja-JP" altLang="en-US" dirty="0"/>
+              <a:t>一覧と変更内容</a:t>
+            </a:r>
+            <a:br>
+              <a:rPr lang="en-US" altLang="ja-JP" dirty="0"/>
+            </a:br>
+            <a:r>
+              <a:rPr lang="ja-JP" altLang="en-US" dirty="0"/>
+              <a:t>が表示される</a:t>
+            </a:r>
+            <a:br>
+              <a:rPr lang="en-US" altLang="ja-JP" dirty="0"/>
+            </a:br>
+            <a:r>
+              <a:rPr lang="ja-JP" altLang="en-US" dirty="0"/>
+              <a:t>・赤が削除</a:t>
+            </a:r>
+            <a:br>
+              <a:rPr lang="en-US" altLang="ja-JP" dirty="0"/>
+            </a:br>
+            <a:r>
+              <a:rPr lang="ja-JP" altLang="en-US" dirty="0"/>
+              <a:t>・緑が追加・変更</a:t>
+            </a:r>
+            <a:br>
+              <a:rPr lang="en-US" altLang="ja-JP" dirty="0"/>
+            </a:br>
+            <a:r>
+              <a:rPr lang="en-US" altLang="ja-JP" dirty="0"/>
+              <a:t>[Create pull</a:t>
+            </a:r>
+            <a:br>
+              <a:rPr lang="en-US" altLang="ja-JP" dirty="0"/>
+            </a:br>
+            <a:r>
+              <a:rPr lang="en-US" altLang="ja-JP" dirty="0"/>
+              <a:t> request]</a:t>
+            </a:r>
+            <a:r>
+              <a:rPr lang="ja-JP" altLang="en-US" dirty="0"/>
+              <a:t>を</a:t>
+            </a:r>
+            <a:br>
+              <a:rPr lang="en-US" altLang="ja-JP" dirty="0"/>
+            </a:br>
+            <a:r>
+              <a:rPr lang="ja-JP" altLang="en-US" dirty="0"/>
+              <a:t>クリック</a:t>
+            </a:r>
+            <a:endParaRPr lang="en-US" altLang="ja-JP" dirty="0"/>
+          </a:p>
+        </p:txBody>
+      </p:sp>
+      <p:pic>
+        <p:nvPicPr>
+          <p:cNvPr id="6" name="図 5">
+            <a:extLst>
+              <a:ext uri="{FF2B5EF4-FFF2-40B4-BE49-F238E27FC236}">
+                <a16:creationId xmlns:a16="http://schemas.microsoft.com/office/drawing/2014/main" id="{6A04E24C-009F-3468-2D51-83590E194E6F}"/>
+              </a:ext>
+            </a:extLst>
+          </p:cNvPr>
+          <p:cNvPicPr>
+            <a:picLocks noChangeAspect="1"/>
+          </p:cNvPicPr>
+          <p:nvPr/>
+        </p:nvPicPr>
+        <p:blipFill>
+          <a:blip r:embed="rId2"/>
+          <a:stretch>
+            <a:fillRect/>
+          </a:stretch>
+        </p:blipFill>
+        <p:spPr>
+          <a:xfrm>
+            <a:off x="4938068" y="2115670"/>
+            <a:ext cx="6909084" cy="4371217"/>
+          </a:xfrm>
+          <a:prstGeom prst="rect">
+            <a:avLst/>
+          </a:prstGeom>
+          <a:ln>
+            <a:solidFill>
+              <a:schemeClr val="tx1"/>
+            </a:solidFill>
+          </a:ln>
+        </p:spPr>
+      </p:pic>
+      <p:sp>
+        <p:nvSpPr>
+          <p:cNvPr id="7" name="正方形/長方形 6">
+            <a:extLst>
+              <a:ext uri="{FF2B5EF4-FFF2-40B4-BE49-F238E27FC236}">
+                <a16:creationId xmlns:a16="http://schemas.microsoft.com/office/drawing/2014/main" id="{6B579037-B70D-96FF-CE62-BC09BD05F307}"/>
+              </a:ext>
+            </a:extLst>
+          </p:cNvPr>
+          <p:cNvSpPr/>
+          <p:nvPr/>
+        </p:nvSpPr>
+        <p:spPr>
+          <a:xfrm>
+            <a:off x="9717741" y="6192439"/>
+            <a:ext cx="1039907" cy="315938"/>
+          </a:xfrm>
+          <a:prstGeom prst="rect">
+            <a:avLst/>
+          </a:prstGeom>
+          <a:noFill/>
+          <a:ln w="38100">
+            <a:solidFill>
+              <a:srgbClr val="FF0000"/>
+            </a:solidFill>
+          </a:ln>
+        </p:spPr>
+        <p:style>
+          <a:lnRef idx="2">
+            <a:schemeClr val="accent1">
+              <a:shade val="15000"/>
+            </a:schemeClr>
+          </a:lnRef>
+          <a:fillRef idx="1">
+            <a:schemeClr val="accent1"/>
+          </a:fillRef>
+          <a:effectRef idx="0">
+            <a:schemeClr val="accent1"/>
+          </a:effectRef>
+          <a:fontRef idx="minor">
+            <a:schemeClr val="lt1"/>
+          </a:fontRef>
+        </p:style>
+        <p:txBody>
+          <a:bodyPr rtlCol="0" anchor="ctr"/>
+          <a:lstStyle/>
+          <a:p>
+            <a:pPr algn="ctr"/>
+            <a:endParaRPr kumimoji="1" lang="ja-JP" altLang="en-US"/>
+          </a:p>
+        </p:txBody>
+      </p:sp>
+    </p:spTree>
+    <p:extLst>
+      <p:ext uri="{BB962C8B-B14F-4D97-AF65-F5344CB8AC3E}">
+        <p14:creationId xmlns:p14="http://schemas.microsoft.com/office/powerpoint/2010/main" val="1315423730"/>
       </p:ext>
     </p:extLst>
   </p:cSld>
@@ -17060,6 +18695,1828 @@
     <p:extLst>
       <p:ext uri="{BB962C8B-B14F-4D97-AF65-F5344CB8AC3E}">
         <p14:creationId xmlns:p14="http://schemas.microsoft.com/office/powerpoint/2010/main" val="868267086"/>
+      </p:ext>
+    </p:extLst>
+  </p:cSld>
+  <p:clrMapOvr>
+    <a:masterClrMapping/>
+  </p:clrMapOvr>
+</p:sld>
+</file>
+
+<file path=ppt/slides/slide40.xml><?xml version="1.0" encoding="utf-8"?>
+<p:sld xmlns:a="http://schemas.openxmlformats.org/drawingml/2006/main" xmlns:r="http://schemas.openxmlformats.org/officeDocument/2006/relationships" xmlns:p="http://schemas.openxmlformats.org/presentationml/2006/main">
+  <p:cSld>
+    <p:spTree>
+      <p:nvGrpSpPr>
+        <p:cNvPr id="1" name="">
+          <a:extLst>
+            <a:ext uri="{FF2B5EF4-FFF2-40B4-BE49-F238E27FC236}">
+              <a16:creationId xmlns:a16="http://schemas.microsoft.com/office/drawing/2014/main" id="{B636D9C8-55C3-0C5E-983F-AD4121FDC50D}"/>
+            </a:ext>
+          </a:extLst>
+        </p:cNvPr>
+        <p:cNvGrpSpPr/>
+        <p:nvPr/>
+      </p:nvGrpSpPr>
+      <p:grpSpPr>
+        <a:xfrm>
+          <a:off x="0" y="0"/>
+          <a:ext cx="0" cy="0"/>
+          <a:chOff x="0" y="0"/>
+          <a:chExt cx="0" cy="0"/>
+        </a:xfrm>
+      </p:grpSpPr>
+      <p:sp>
+        <p:nvSpPr>
+          <p:cNvPr id="2" name="タイトル 1">
+            <a:extLst>
+              <a:ext uri="{FF2B5EF4-FFF2-40B4-BE49-F238E27FC236}">
+                <a16:creationId xmlns:a16="http://schemas.microsoft.com/office/drawing/2014/main" id="{F46B599B-FFB4-B517-991D-7F159AF2E851}"/>
+              </a:ext>
+            </a:extLst>
+          </p:cNvPr>
+          <p:cNvSpPr>
+            <a:spLocks noGrp="1"/>
+          </p:cNvSpPr>
+          <p:nvPr>
+            <p:ph type="title"/>
+          </p:nvPr>
+        </p:nvSpPr>
+        <p:spPr/>
+        <p:txBody>
+          <a:bodyPr/>
+          <a:lstStyle/>
+          <a:p>
+            <a:r>
+              <a:rPr lang="en-US" altLang="ja-JP" dirty="0"/>
+              <a:t>GitHub</a:t>
+            </a:r>
+            <a:r>
+              <a:rPr lang="ja-JP" altLang="en-US" dirty="0"/>
+              <a:t>を使ったチーム制作</a:t>
+            </a:r>
+            <a:endParaRPr kumimoji="1" lang="ja-JP" altLang="en-US" dirty="0"/>
+          </a:p>
+        </p:txBody>
+      </p:sp>
+      <p:sp>
+        <p:nvSpPr>
+          <p:cNvPr id="9" name="コンテンツ プレースホルダー 2">
+            <a:extLst>
+              <a:ext uri="{FF2B5EF4-FFF2-40B4-BE49-F238E27FC236}">
+                <a16:creationId xmlns:a16="http://schemas.microsoft.com/office/drawing/2014/main" id="{DB44717F-7CC8-808C-807F-9B727E8A34D0}"/>
+              </a:ext>
+            </a:extLst>
+          </p:cNvPr>
+          <p:cNvSpPr txBox="1">
+            <a:spLocks/>
+          </p:cNvSpPr>
+          <p:nvPr/>
+        </p:nvSpPr>
+        <p:spPr>
+          <a:xfrm>
+            <a:off x="838200" y="1376038"/>
+            <a:ext cx="10515600" cy="5355502"/>
+          </a:xfrm>
+          <a:prstGeom prst="rect">
+            <a:avLst/>
+          </a:prstGeom>
+        </p:spPr>
+        <p:txBody>
+          <a:bodyPr vert="horz" lIns="91440" tIns="45720" rIns="91440" bIns="45720" rtlCol="0">
+            <a:normAutofit/>
+          </a:bodyPr>
+          <a:lstStyle>
+            <a:lvl1pPr marL="228600" indent="-228600" algn="l" defTabSz="914400" rtl="0" eaLnBrk="1" latinLnBrk="0" hangingPunct="1">
+              <a:lnSpc>
+                <a:spcPct val="90000"/>
+              </a:lnSpc>
+              <a:spcBef>
+                <a:spcPts val="1000"/>
+              </a:spcBef>
+              <a:buFont typeface="Arial" panose="020B0604020202020204" pitchFamily="34" charset="0"/>
+              <a:buChar char="•"/>
+              <a:defRPr kumimoji="1" sz="3600" kern="1200">
+                <a:solidFill>
+                  <a:schemeClr val="tx1"/>
+                </a:solidFill>
+                <a:latin typeface="+mn-lt"/>
+                <a:ea typeface="+mn-ea"/>
+                <a:cs typeface="+mn-cs"/>
+              </a:defRPr>
+            </a:lvl1pPr>
+            <a:lvl2pPr marL="685800" indent="-228600" algn="l" defTabSz="914400" rtl="0" eaLnBrk="1" latinLnBrk="0" hangingPunct="1">
+              <a:lnSpc>
+                <a:spcPct val="90000"/>
+              </a:lnSpc>
+              <a:spcBef>
+                <a:spcPts val="500"/>
+              </a:spcBef>
+              <a:buFont typeface="Arial" panose="020B0604020202020204" pitchFamily="34" charset="0"/>
+              <a:buChar char="•"/>
+              <a:defRPr kumimoji="1" sz="3200" kern="1200">
+                <a:solidFill>
+                  <a:schemeClr val="tx1"/>
+                </a:solidFill>
+                <a:latin typeface="+mn-lt"/>
+                <a:ea typeface="+mn-ea"/>
+                <a:cs typeface="+mn-cs"/>
+              </a:defRPr>
+            </a:lvl2pPr>
+            <a:lvl3pPr marL="1143000" indent="-228600" algn="l" defTabSz="914400" rtl="0" eaLnBrk="1" latinLnBrk="0" hangingPunct="1">
+              <a:lnSpc>
+                <a:spcPct val="90000"/>
+              </a:lnSpc>
+              <a:spcBef>
+                <a:spcPts val="500"/>
+              </a:spcBef>
+              <a:buFont typeface="Arial" panose="020B0604020202020204" pitchFamily="34" charset="0"/>
+              <a:buChar char="•"/>
+              <a:defRPr kumimoji="1" sz="2800" kern="1200">
+                <a:solidFill>
+                  <a:schemeClr val="tx1"/>
+                </a:solidFill>
+                <a:latin typeface="+mn-lt"/>
+                <a:ea typeface="+mn-ea"/>
+                <a:cs typeface="+mn-cs"/>
+              </a:defRPr>
+            </a:lvl3pPr>
+            <a:lvl4pPr marL="1600200" indent="-228600" algn="l" defTabSz="914400" rtl="0" eaLnBrk="1" latinLnBrk="0" hangingPunct="1">
+              <a:lnSpc>
+                <a:spcPct val="90000"/>
+              </a:lnSpc>
+              <a:spcBef>
+                <a:spcPts val="500"/>
+              </a:spcBef>
+              <a:buFont typeface="Arial" panose="020B0604020202020204" pitchFamily="34" charset="0"/>
+              <a:buChar char="•"/>
+              <a:defRPr kumimoji="1" sz="2400" kern="1200">
+                <a:solidFill>
+                  <a:schemeClr val="tx1"/>
+                </a:solidFill>
+                <a:latin typeface="+mn-lt"/>
+                <a:ea typeface="+mn-ea"/>
+                <a:cs typeface="+mn-cs"/>
+              </a:defRPr>
+            </a:lvl4pPr>
+            <a:lvl5pPr marL="2057400" indent="-228600" algn="l" defTabSz="914400" rtl="0" eaLnBrk="1" latinLnBrk="0" hangingPunct="1">
+              <a:lnSpc>
+                <a:spcPct val="90000"/>
+              </a:lnSpc>
+              <a:spcBef>
+                <a:spcPts val="500"/>
+              </a:spcBef>
+              <a:buFont typeface="Arial" panose="020B0604020202020204" pitchFamily="34" charset="0"/>
+              <a:buChar char="•"/>
+              <a:defRPr kumimoji="1" sz="2400" kern="1200">
+                <a:solidFill>
+                  <a:schemeClr val="tx1"/>
+                </a:solidFill>
+                <a:latin typeface="+mn-lt"/>
+                <a:ea typeface="+mn-ea"/>
+                <a:cs typeface="+mn-cs"/>
+              </a:defRPr>
+            </a:lvl5pPr>
+            <a:lvl6pPr marL="2514600" indent="-228600" algn="l" defTabSz="914400" rtl="0" eaLnBrk="1" latinLnBrk="0" hangingPunct="1">
+              <a:lnSpc>
+                <a:spcPct val="90000"/>
+              </a:lnSpc>
+              <a:spcBef>
+                <a:spcPts val="500"/>
+              </a:spcBef>
+              <a:buFont typeface="Arial" panose="020B0604020202020204" pitchFamily="34" charset="0"/>
+              <a:buChar char="•"/>
+              <a:defRPr kumimoji="1" sz="1800" kern="1200">
+                <a:solidFill>
+                  <a:schemeClr val="tx1"/>
+                </a:solidFill>
+                <a:latin typeface="+mn-lt"/>
+                <a:ea typeface="+mn-ea"/>
+                <a:cs typeface="+mn-cs"/>
+              </a:defRPr>
+            </a:lvl6pPr>
+            <a:lvl7pPr marL="2971800" indent="-228600" algn="l" defTabSz="914400" rtl="0" eaLnBrk="1" latinLnBrk="0" hangingPunct="1">
+              <a:lnSpc>
+                <a:spcPct val="90000"/>
+              </a:lnSpc>
+              <a:spcBef>
+                <a:spcPts val="500"/>
+              </a:spcBef>
+              <a:buFont typeface="Arial" panose="020B0604020202020204" pitchFamily="34" charset="0"/>
+              <a:buChar char="•"/>
+              <a:defRPr kumimoji="1" sz="1800" kern="1200">
+                <a:solidFill>
+                  <a:schemeClr val="tx1"/>
+                </a:solidFill>
+                <a:latin typeface="+mn-lt"/>
+                <a:ea typeface="+mn-ea"/>
+                <a:cs typeface="+mn-cs"/>
+              </a:defRPr>
+            </a:lvl7pPr>
+            <a:lvl8pPr marL="3429000" indent="-228600" algn="l" defTabSz="914400" rtl="0" eaLnBrk="1" latinLnBrk="0" hangingPunct="1">
+              <a:lnSpc>
+                <a:spcPct val="90000"/>
+              </a:lnSpc>
+              <a:spcBef>
+                <a:spcPts val="500"/>
+              </a:spcBef>
+              <a:buFont typeface="Arial" panose="020B0604020202020204" pitchFamily="34" charset="0"/>
+              <a:buChar char="•"/>
+              <a:defRPr kumimoji="1" sz="1800" kern="1200">
+                <a:solidFill>
+                  <a:schemeClr val="tx1"/>
+                </a:solidFill>
+                <a:latin typeface="+mn-lt"/>
+                <a:ea typeface="+mn-ea"/>
+                <a:cs typeface="+mn-cs"/>
+              </a:defRPr>
+            </a:lvl8pPr>
+            <a:lvl9pPr marL="3886200" indent="-228600" algn="l" defTabSz="914400" rtl="0" eaLnBrk="1" latinLnBrk="0" hangingPunct="1">
+              <a:lnSpc>
+                <a:spcPct val="90000"/>
+              </a:lnSpc>
+              <a:spcBef>
+                <a:spcPts val="500"/>
+              </a:spcBef>
+              <a:buFont typeface="Arial" panose="020B0604020202020204" pitchFamily="34" charset="0"/>
+              <a:buChar char="•"/>
+              <a:defRPr kumimoji="1" sz="1800" kern="1200">
+                <a:solidFill>
+                  <a:schemeClr val="tx1"/>
+                </a:solidFill>
+                <a:latin typeface="+mn-lt"/>
+                <a:ea typeface="+mn-ea"/>
+                <a:cs typeface="+mn-cs"/>
+              </a:defRPr>
+            </a:lvl9pPr>
+          </a:lstStyle>
+          <a:p>
+            <a:r>
+              <a:rPr lang="ja-JP" altLang="en-US" b="1" dirty="0">
+                <a:solidFill>
+                  <a:srgbClr val="FF00FF"/>
+                </a:solidFill>
+              </a:rPr>
+              <a:t>統合（マージ）</a:t>
+            </a:r>
+            <a:r>
+              <a:rPr lang="ja-JP" altLang="en-US" dirty="0"/>
+              <a:t>する方法</a:t>
+            </a:r>
+            <a:br>
+              <a:rPr lang="en-US" altLang="ja-JP" b="1" dirty="0">
+                <a:solidFill>
+                  <a:srgbClr val="FF00FF"/>
+                </a:solidFill>
+              </a:rPr>
+            </a:br>
+            <a:br>
+              <a:rPr lang="en-US" altLang="ja-JP" dirty="0"/>
+            </a:br>
+            <a:r>
+              <a:rPr lang="ja-JP" altLang="en-US" dirty="0"/>
+              <a:t>変更についてのタイトル</a:t>
+            </a:r>
+            <a:br>
+              <a:rPr lang="en-US" altLang="ja-JP" dirty="0"/>
+            </a:br>
+            <a:r>
+              <a:rPr lang="ja-JP" altLang="en-US" dirty="0"/>
+              <a:t>や内容について書いた</a:t>
+            </a:r>
+            <a:br>
+              <a:rPr lang="en-US" altLang="ja-JP" dirty="0"/>
+            </a:br>
+            <a:r>
+              <a:rPr lang="ja-JP" altLang="en-US" dirty="0"/>
+              <a:t>あとで</a:t>
+            </a:r>
+            <a:r>
+              <a:rPr lang="en-US" altLang="ja-JP" dirty="0"/>
+              <a:t>[Create pull</a:t>
+            </a:r>
+            <a:br>
+              <a:rPr lang="en-US" altLang="ja-JP" dirty="0"/>
+            </a:br>
+            <a:r>
+              <a:rPr lang="en-US" altLang="ja-JP" dirty="0"/>
+              <a:t>request]</a:t>
+            </a:r>
+            <a:r>
+              <a:rPr lang="ja-JP" altLang="en-US" dirty="0"/>
+              <a:t>をクリック</a:t>
+            </a:r>
+            <a:endParaRPr lang="en-US" altLang="ja-JP" dirty="0"/>
+          </a:p>
+        </p:txBody>
+      </p:sp>
+      <p:pic>
+        <p:nvPicPr>
+          <p:cNvPr id="8" name="図 7">
+            <a:extLst>
+              <a:ext uri="{FF2B5EF4-FFF2-40B4-BE49-F238E27FC236}">
+                <a16:creationId xmlns:a16="http://schemas.microsoft.com/office/drawing/2014/main" id="{3F3A6A4D-0857-DD24-9C62-4AEEE8610900}"/>
+              </a:ext>
+            </a:extLst>
+          </p:cNvPr>
+          <p:cNvPicPr>
+            <a:picLocks noChangeAspect="1"/>
+          </p:cNvPicPr>
+          <p:nvPr/>
+        </p:nvPicPr>
+        <p:blipFill>
+          <a:blip r:embed="rId2"/>
+          <a:stretch>
+            <a:fillRect/>
+          </a:stretch>
+        </p:blipFill>
+        <p:spPr>
+          <a:xfrm>
+            <a:off x="6633883" y="1405969"/>
+            <a:ext cx="5227432" cy="5219676"/>
+          </a:xfrm>
+          <a:prstGeom prst="rect">
+            <a:avLst/>
+          </a:prstGeom>
+          <a:ln>
+            <a:solidFill>
+              <a:schemeClr val="tx1"/>
+            </a:solidFill>
+          </a:ln>
+        </p:spPr>
+      </p:pic>
+      <p:sp>
+        <p:nvSpPr>
+          <p:cNvPr id="10" name="正方形/長方形 9">
+            <a:extLst>
+              <a:ext uri="{FF2B5EF4-FFF2-40B4-BE49-F238E27FC236}">
+                <a16:creationId xmlns:a16="http://schemas.microsoft.com/office/drawing/2014/main" id="{7263CD87-3FE5-F0D5-ED26-EC624EA56118}"/>
+              </a:ext>
+            </a:extLst>
+          </p:cNvPr>
+          <p:cNvSpPr/>
+          <p:nvPr/>
+        </p:nvSpPr>
+        <p:spPr>
+          <a:xfrm>
+            <a:off x="10506636" y="6300016"/>
+            <a:ext cx="1281954" cy="315938"/>
+          </a:xfrm>
+          <a:prstGeom prst="rect">
+            <a:avLst/>
+          </a:prstGeom>
+          <a:noFill/>
+          <a:ln w="38100">
+            <a:solidFill>
+              <a:srgbClr val="FF0000"/>
+            </a:solidFill>
+          </a:ln>
+        </p:spPr>
+        <p:style>
+          <a:lnRef idx="2">
+            <a:schemeClr val="accent1">
+              <a:shade val="15000"/>
+            </a:schemeClr>
+          </a:lnRef>
+          <a:fillRef idx="1">
+            <a:schemeClr val="accent1"/>
+          </a:fillRef>
+          <a:effectRef idx="0">
+            <a:schemeClr val="accent1"/>
+          </a:effectRef>
+          <a:fontRef idx="minor">
+            <a:schemeClr val="lt1"/>
+          </a:fontRef>
+        </p:style>
+        <p:txBody>
+          <a:bodyPr rtlCol="0" anchor="ctr"/>
+          <a:lstStyle/>
+          <a:p>
+            <a:pPr algn="ctr"/>
+            <a:endParaRPr kumimoji="1" lang="ja-JP" altLang="en-US"/>
+          </a:p>
+        </p:txBody>
+      </p:sp>
+    </p:spTree>
+    <p:extLst>
+      <p:ext uri="{BB962C8B-B14F-4D97-AF65-F5344CB8AC3E}">
+        <p14:creationId xmlns:p14="http://schemas.microsoft.com/office/powerpoint/2010/main" val="123891942"/>
+      </p:ext>
+    </p:extLst>
+  </p:cSld>
+  <p:clrMapOvr>
+    <a:masterClrMapping/>
+  </p:clrMapOvr>
+</p:sld>
+</file>
+
+<file path=ppt/slides/slide41.xml><?xml version="1.0" encoding="utf-8"?>
+<p:sld xmlns:a="http://schemas.openxmlformats.org/drawingml/2006/main" xmlns:r="http://schemas.openxmlformats.org/officeDocument/2006/relationships" xmlns:p="http://schemas.openxmlformats.org/presentationml/2006/main">
+  <p:cSld>
+    <p:spTree>
+      <p:nvGrpSpPr>
+        <p:cNvPr id="1" name="">
+          <a:extLst>
+            <a:ext uri="{FF2B5EF4-FFF2-40B4-BE49-F238E27FC236}">
+              <a16:creationId xmlns:a16="http://schemas.microsoft.com/office/drawing/2014/main" id="{F2AFD67B-9B76-CEE5-A5C6-C803947F92AC}"/>
+            </a:ext>
+          </a:extLst>
+        </p:cNvPr>
+        <p:cNvGrpSpPr/>
+        <p:nvPr/>
+      </p:nvGrpSpPr>
+      <p:grpSpPr>
+        <a:xfrm>
+          <a:off x="0" y="0"/>
+          <a:ext cx="0" cy="0"/>
+          <a:chOff x="0" y="0"/>
+          <a:chExt cx="0" cy="0"/>
+        </a:xfrm>
+      </p:grpSpPr>
+      <p:sp>
+        <p:nvSpPr>
+          <p:cNvPr id="2" name="タイトル 1">
+            <a:extLst>
+              <a:ext uri="{FF2B5EF4-FFF2-40B4-BE49-F238E27FC236}">
+                <a16:creationId xmlns:a16="http://schemas.microsoft.com/office/drawing/2014/main" id="{4F33C5E4-3988-0CAF-9758-D3088413F3CE}"/>
+              </a:ext>
+            </a:extLst>
+          </p:cNvPr>
+          <p:cNvSpPr>
+            <a:spLocks noGrp="1"/>
+          </p:cNvSpPr>
+          <p:nvPr>
+            <p:ph type="title"/>
+          </p:nvPr>
+        </p:nvSpPr>
+        <p:spPr/>
+        <p:txBody>
+          <a:bodyPr/>
+          <a:lstStyle/>
+          <a:p>
+            <a:r>
+              <a:rPr lang="en-US" altLang="ja-JP" dirty="0"/>
+              <a:t>GitHub</a:t>
+            </a:r>
+            <a:r>
+              <a:rPr lang="ja-JP" altLang="en-US" dirty="0"/>
+              <a:t>を使ったチーム制作</a:t>
+            </a:r>
+            <a:endParaRPr kumimoji="1" lang="ja-JP" altLang="en-US" dirty="0"/>
+          </a:p>
+        </p:txBody>
+      </p:sp>
+      <p:sp>
+        <p:nvSpPr>
+          <p:cNvPr id="9" name="コンテンツ プレースホルダー 2">
+            <a:extLst>
+              <a:ext uri="{FF2B5EF4-FFF2-40B4-BE49-F238E27FC236}">
+                <a16:creationId xmlns:a16="http://schemas.microsoft.com/office/drawing/2014/main" id="{55DA23E6-38AF-D369-54E7-73170A6320DD}"/>
+              </a:ext>
+            </a:extLst>
+          </p:cNvPr>
+          <p:cNvSpPr txBox="1">
+            <a:spLocks/>
+          </p:cNvSpPr>
+          <p:nvPr/>
+        </p:nvSpPr>
+        <p:spPr>
+          <a:xfrm>
+            <a:off x="838200" y="1376038"/>
+            <a:ext cx="10515600" cy="5355502"/>
+          </a:xfrm>
+          <a:prstGeom prst="rect">
+            <a:avLst/>
+          </a:prstGeom>
+        </p:spPr>
+        <p:txBody>
+          <a:bodyPr vert="horz" lIns="91440" tIns="45720" rIns="91440" bIns="45720" rtlCol="0">
+            <a:normAutofit/>
+          </a:bodyPr>
+          <a:lstStyle>
+            <a:lvl1pPr marL="228600" indent="-228600" algn="l" defTabSz="914400" rtl="0" eaLnBrk="1" latinLnBrk="0" hangingPunct="1">
+              <a:lnSpc>
+                <a:spcPct val="90000"/>
+              </a:lnSpc>
+              <a:spcBef>
+                <a:spcPts val="1000"/>
+              </a:spcBef>
+              <a:buFont typeface="Arial" panose="020B0604020202020204" pitchFamily="34" charset="0"/>
+              <a:buChar char="•"/>
+              <a:defRPr kumimoji="1" sz="3600" kern="1200">
+                <a:solidFill>
+                  <a:schemeClr val="tx1"/>
+                </a:solidFill>
+                <a:latin typeface="+mn-lt"/>
+                <a:ea typeface="+mn-ea"/>
+                <a:cs typeface="+mn-cs"/>
+              </a:defRPr>
+            </a:lvl1pPr>
+            <a:lvl2pPr marL="685800" indent="-228600" algn="l" defTabSz="914400" rtl="0" eaLnBrk="1" latinLnBrk="0" hangingPunct="1">
+              <a:lnSpc>
+                <a:spcPct val="90000"/>
+              </a:lnSpc>
+              <a:spcBef>
+                <a:spcPts val="500"/>
+              </a:spcBef>
+              <a:buFont typeface="Arial" panose="020B0604020202020204" pitchFamily="34" charset="0"/>
+              <a:buChar char="•"/>
+              <a:defRPr kumimoji="1" sz="3200" kern="1200">
+                <a:solidFill>
+                  <a:schemeClr val="tx1"/>
+                </a:solidFill>
+                <a:latin typeface="+mn-lt"/>
+                <a:ea typeface="+mn-ea"/>
+                <a:cs typeface="+mn-cs"/>
+              </a:defRPr>
+            </a:lvl2pPr>
+            <a:lvl3pPr marL="1143000" indent="-228600" algn="l" defTabSz="914400" rtl="0" eaLnBrk="1" latinLnBrk="0" hangingPunct="1">
+              <a:lnSpc>
+                <a:spcPct val="90000"/>
+              </a:lnSpc>
+              <a:spcBef>
+                <a:spcPts val="500"/>
+              </a:spcBef>
+              <a:buFont typeface="Arial" panose="020B0604020202020204" pitchFamily="34" charset="0"/>
+              <a:buChar char="•"/>
+              <a:defRPr kumimoji="1" sz="2800" kern="1200">
+                <a:solidFill>
+                  <a:schemeClr val="tx1"/>
+                </a:solidFill>
+                <a:latin typeface="+mn-lt"/>
+                <a:ea typeface="+mn-ea"/>
+                <a:cs typeface="+mn-cs"/>
+              </a:defRPr>
+            </a:lvl3pPr>
+            <a:lvl4pPr marL="1600200" indent="-228600" algn="l" defTabSz="914400" rtl="0" eaLnBrk="1" latinLnBrk="0" hangingPunct="1">
+              <a:lnSpc>
+                <a:spcPct val="90000"/>
+              </a:lnSpc>
+              <a:spcBef>
+                <a:spcPts val="500"/>
+              </a:spcBef>
+              <a:buFont typeface="Arial" panose="020B0604020202020204" pitchFamily="34" charset="0"/>
+              <a:buChar char="•"/>
+              <a:defRPr kumimoji="1" sz="2400" kern="1200">
+                <a:solidFill>
+                  <a:schemeClr val="tx1"/>
+                </a:solidFill>
+                <a:latin typeface="+mn-lt"/>
+                <a:ea typeface="+mn-ea"/>
+                <a:cs typeface="+mn-cs"/>
+              </a:defRPr>
+            </a:lvl4pPr>
+            <a:lvl5pPr marL="2057400" indent="-228600" algn="l" defTabSz="914400" rtl="0" eaLnBrk="1" latinLnBrk="0" hangingPunct="1">
+              <a:lnSpc>
+                <a:spcPct val="90000"/>
+              </a:lnSpc>
+              <a:spcBef>
+                <a:spcPts val="500"/>
+              </a:spcBef>
+              <a:buFont typeface="Arial" panose="020B0604020202020204" pitchFamily="34" charset="0"/>
+              <a:buChar char="•"/>
+              <a:defRPr kumimoji="1" sz="2400" kern="1200">
+                <a:solidFill>
+                  <a:schemeClr val="tx1"/>
+                </a:solidFill>
+                <a:latin typeface="+mn-lt"/>
+                <a:ea typeface="+mn-ea"/>
+                <a:cs typeface="+mn-cs"/>
+              </a:defRPr>
+            </a:lvl5pPr>
+            <a:lvl6pPr marL="2514600" indent="-228600" algn="l" defTabSz="914400" rtl="0" eaLnBrk="1" latinLnBrk="0" hangingPunct="1">
+              <a:lnSpc>
+                <a:spcPct val="90000"/>
+              </a:lnSpc>
+              <a:spcBef>
+                <a:spcPts val="500"/>
+              </a:spcBef>
+              <a:buFont typeface="Arial" panose="020B0604020202020204" pitchFamily="34" charset="0"/>
+              <a:buChar char="•"/>
+              <a:defRPr kumimoji="1" sz="1800" kern="1200">
+                <a:solidFill>
+                  <a:schemeClr val="tx1"/>
+                </a:solidFill>
+                <a:latin typeface="+mn-lt"/>
+                <a:ea typeface="+mn-ea"/>
+                <a:cs typeface="+mn-cs"/>
+              </a:defRPr>
+            </a:lvl6pPr>
+            <a:lvl7pPr marL="2971800" indent="-228600" algn="l" defTabSz="914400" rtl="0" eaLnBrk="1" latinLnBrk="0" hangingPunct="1">
+              <a:lnSpc>
+                <a:spcPct val="90000"/>
+              </a:lnSpc>
+              <a:spcBef>
+                <a:spcPts val="500"/>
+              </a:spcBef>
+              <a:buFont typeface="Arial" panose="020B0604020202020204" pitchFamily="34" charset="0"/>
+              <a:buChar char="•"/>
+              <a:defRPr kumimoji="1" sz="1800" kern="1200">
+                <a:solidFill>
+                  <a:schemeClr val="tx1"/>
+                </a:solidFill>
+                <a:latin typeface="+mn-lt"/>
+                <a:ea typeface="+mn-ea"/>
+                <a:cs typeface="+mn-cs"/>
+              </a:defRPr>
+            </a:lvl7pPr>
+            <a:lvl8pPr marL="3429000" indent="-228600" algn="l" defTabSz="914400" rtl="0" eaLnBrk="1" latinLnBrk="0" hangingPunct="1">
+              <a:lnSpc>
+                <a:spcPct val="90000"/>
+              </a:lnSpc>
+              <a:spcBef>
+                <a:spcPts val="500"/>
+              </a:spcBef>
+              <a:buFont typeface="Arial" panose="020B0604020202020204" pitchFamily="34" charset="0"/>
+              <a:buChar char="•"/>
+              <a:defRPr kumimoji="1" sz="1800" kern="1200">
+                <a:solidFill>
+                  <a:schemeClr val="tx1"/>
+                </a:solidFill>
+                <a:latin typeface="+mn-lt"/>
+                <a:ea typeface="+mn-ea"/>
+                <a:cs typeface="+mn-cs"/>
+              </a:defRPr>
+            </a:lvl8pPr>
+            <a:lvl9pPr marL="3886200" indent="-228600" algn="l" defTabSz="914400" rtl="0" eaLnBrk="1" latinLnBrk="0" hangingPunct="1">
+              <a:lnSpc>
+                <a:spcPct val="90000"/>
+              </a:lnSpc>
+              <a:spcBef>
+                <a:spcPts val="500"/>
+              </a:spcBef>
+              <a:buFont typeface="Arial" panose="020B0604020202020204" pitchFamily="34" charset="0"/>
+              <a:buChar char="•"/>
+              <a:defRPr kumimoji="1" sz="1800" kern="1200">
+                <a:solidFill>
+                  <a:schemeClr val="tx1"/>
+                </a:solidFill>
+                <a:latin typeface="+mn-lt"/>
+                <a:ea typeface="+mn-ea"/>
+                <a:cs typeface="+mn-cs"/>
+              </a:defRPr>
+            </a:lvl9pPr>
+          </a:lstStyle>
+          <a:p>
+            <a:r>
+              <a:rPr lang="ja-JP" altLang="en-US" b="1" dirty="0">
+                <a:solidFill>
+                  <a:srgbClr val="FF00FF"/>
+                </a:solidFill>
+              </a:rPr>
+              <a:t>統合（マージ）</a:t>
+            </a:r>
+            <a:r>
+              <a:rPr lang="ja-JP" altLang="en-US" dirty="0"/>
+              <a:t>する方法</a:t>
+            </a:r>
+            <a:br>
+              <a:rPr lang="en-US" altLang="ja-JP" b="1" dirty="0">
+                <a:solidFill>
+                  <a:srgbClr val="FF00FF"/>
+                </a:solidFill>
+              </a:rPr>
+            </a:br>
+            <a:br>
+              <a:rPr lang="en-US" altLang="ja-JP" dirty="0"/>
+            </a:br>
+            <a:r>
+              <a:rPr lang="ja-JP" altLang="en-US" dirty="0"/>
+              <a:t>変更についてのタイトル</a:t>
+            </a:r>
+            <a:br>
+              <a:rPr lang="en-US" altLang="ja-JP" dirty="0"/>
+            </a:br>
+            <a:r>
+              <a:rPr lang="ja-JP" altLang="en-US" dirty="0"/>
+              <a:t>や内容について書いた</a:t>
+            </a:r>
+            <a:br>
+              <a:rPr lang="en-US" altLang="ja-JP" dirty="0"/>
+            </a:br>
+            <a:r>
+              <a:rPr lang="ja-JP" altLang="en-US" dirty="0"/>
+              <a:t>あとで</a:t>
+            </a:r>
+            <a:r>
+              <a:rPr lang="en-US" altLang="ja-JP" dirty="0"/>
+              <a:t>[Create pull</a:t>
+            </a:r>
+            <a:br>
+              <a:rPr lang="en-US" altLang="ja-JP" dirty="0"/>
+            </a:br>
+            <a:r>
+              <a:rPr lang="en-US" altLang="ja-JP" dirty="0"/>
+              <a:t>request]</a:t>
+            </a:r>
+            <a:r>
+              <a:rPr lang="ja-JP" altLang="en-US" dirty="0"/>
+              <a:t>をクリック</a:t>
+            </a:r>
+            <a:endParaRPr lang="en-US" altLang="ja-JP" dirty="0"/>
+          </a:p>
+        </p:txBody>
+      </p:sp>
+      <p:pic>
+        <p:nvPicPr>
+          <p:cNvPr id="4" name="図 3">
+            <a:extLst>
+              <a:ext uri="{FF2B5EF4-FFF2-40B4-BE49-F238E27FC236}">
+                <a16:creationId xmlns:a16="http://schemas.microsoft.com/office/drawing/2014/main" id="{017E32CD-963F-F34C-3AA9-B3CDB99A858C}"/>
+              </a:ext>
+            </a:extLst>
+          </p:cNvPr>
+          <p:cNvPicPr>
+            <a:picLocks noChangeAspect="1"/>
+          </p:cNvPicPr>
+          <p:nvPr/>
+        </p:nvPicPr>
+        <p:blipFill>
+          <a:blip r:embed="rId2"/>
+          <a:stretch>
+            <a:fillRect/>
+          </a:stretch>
+        </p:blipFill>
+        <p:spPr>
+          <a:xfrm>
+            <a:off x="6243229" y="1640540"/>
+            <a:ext cx="5743321" cy="5051455"/>
+          </a:xfrm>
+          <a:prstGeom prst="rect">
+            <a:avLst/>
+          </a:prstGeom>
+          <a:ln>
+            <a:solidFill>
+              <a:schemeClr val="tx1"/>
+            </a:solidFill>
+          </a:ln>
+        </p:spPr>
+      </p:pic>
+    </p:spTree>
+    <p:extLst>
+      <p:ext uri="{BB962C8B-B14F-4D97-AF65-F5344CB8AC3E}">
+        <p14:creationId xmlns:p14="http://schemas.microsoft.com/office/powerpoint/2010/main" val="1949161889"/>
+      </p:ext>
+    </p:extLst>
+  </p:cSld>
+  <p:clrMapOvr>
+    <a:masterClrMapping/>
+  </p:clrMapOvr>
+</p:sld>
+</file>
+
+<file path=ppt/slides/slide42.xml><?xml version="1.0" encoding="utf-8"?>
+<p:sld xmlns:a="http://schemas.openxmlformats.org/drawingml/2006/main" xmlns:r="http://schemas.openxmlformats.org/officeDocument/2006/relationships" xmlns:p="http://schemas.openxmlformats.org/presentationml/2006/main">
+  <p:cSld>
+    <p:spTree>
+      <p:nvGrpSpPr>
+        <p:cNvPr id="1" name="">
+          <a:extLst>
+            <a:ext uri="{FF2B5EF4-FFF2-40B4-BE49-F238E27FC236}">
+              <a16:creationId xmlns:a16="http://schemas.microsoft.com/office/drawing/2014/main" id="{E34DF63D-47D5-C72B-F9E7-97C032477616}"/>
+            </a:ext>
+          </a:extLst>
+        </p:cNvPr>
+        <p:cNvGrpSpPr/>
+        <p:nvPr/>
+      </p:nvGrpSpPr>
+      <p:grpSpPr>
+        <a:xfrm>
+          <a:off x="0" y="0"/>
+          <a:ext cx="0" cy="0"/>
+          <a:chOff x="0" y="0"/>
+          <a:chExt cx="0" cy="0"/>
+        </a:xfrm>
+      </p:grpSpPr>
+      <p:sp>
+        <p:nvSpPr>
+          <p:cNvPr id="2" name="タイトル 1">
+            <a:extLst>
+              <a:ext uri="{FF2B5EF4-FFF2-40B4-BE49-F238E27FC236}">
+                <a16:creationId xmlns:a16="http://schemas.microsoft.com/office/drawing/2014/main" id="{8CD1D9C5-2583-8E09-403E-402BE3FA1DEB}"/>
+              </a:ext>
+            </a:extLst>
+          </p:cNvPr>
+          <p:cNvSpPr>
+            <a:spLocks noGrp="1"/>
+          </p:cNvSpPr>
+          <p:nvPr>
+            <p:ph type="title"/>
+          </p:nvPr>
+        </p:nvSpPr>
+        <p:spPr/>
+        <p:txBody>
+          <a:bodyPr/>
+          <a:lstStyle/>
+          <a:p>
+            <a:r>
+              <a:rPr lang="en-US" altLang="ja-JP" dirty="0"/>
+              <a:t>GitHub</a:t>
+            </a:r>
+            <a:r>
+              <a:rPr lang="ja-JP" altLang="en-US" dirty="0"/>
+              <a:t>を使ったチーム制作</a:t>
+            </a:r>
+            <a:endParaRPr kumimoji="1" lang="ja-JP" altLang="en-US" dirty="0"/>
+          </a:p>
+        </p:txBody>
+      </p:sp>
+      <p:sp>
+        <p:nvSpPr>
+          <p:cNvPr id="9" name="コンテンツ プレースホルダー 2">
+            <a:extLst>
+              <a:ext uri="{FF2B5EF4-FFF2-40B4-BE49-F238E27FC236}">
+                <a16:creationId xmlns:a16="http://schemas.microsoft.com/office/drawing/2014/main" id="{AF4B85A4-1D6B-49F6-B3FF-1CD2D0147F49}"/>
+              </a:ext>
+            </a:extLst>
+          </p:cNvPr>
+          <p:cNvSpPr txBox="1">
+            <a:spLocks/>
+          </p:cNvSpPr>
+          <p:nvPr/>
+        </p:nvSpPr>
+        <p:spPr>
+          <a:xfrm>
+            <a:off x="838200" y="1376038"/>
+            <a:ext cx="10515600" cy="5355502"/>
+          </a:xfrm>
+          <a:prstGeom prst="rect">
+            <a:avLst/>
+          </a:prstGeom>
+        </p:spPr>
+        <p:txBody>
+          <a:bodyPr vert="horz" lIns="91440" tIns="45720" rIns="91440" bIns="45720" rtlCol="0">
+            <a:normAutofit/>
+          </a:bodyPr>
+          <a:lstStyle>
+            <a:lvl1pPr marL="228600" indent="-228600" algn="l" defTabSz="914400" rtl="0" eaLnBrk="1" latinLnBrk="0" hangingPunct="1">
+              <a:lnSpc>
+                <a:spcPct val="90000"/>
+              </a:lnSpc>
+              <a:spcBef>
+                <a:spcPts val="1000"/>
+              </a:spcBef>
+              <a:buFont typeface="Arial" panose="020B0604020202020204" pitchFamily="34" charset="0"/>
+              <a:buChar char="•"/>
+              <a:defRPr kumimoji="1" sz="3600" kern="1200">
+                <a:solidFill>
+                  <a:schemeClr val="tx1"/>
+                </a:solidFill>
+                <a:latin typeface="+mn-lt"/>
+                <a:ea typeface="+mn-ea"/>
+                <a:cs typeface="+mn-cs"/>
+              </a:defRPr>
+            </a:lvl1pPr>
+            <a:lvl2pPr marL="685800" indent="-228600" algn="l" defTabSz="914400" rtl="0" eaLnBrk="1" latinLnBrk="0" hangingPunct="1">
+              <a:lnSpc>
+                <a:spcPct val="90000"/>
+              </a:lnSpc>
+              <a:spcBef>
+                <a:spcPts val="500"/>
+              </a:spcBef>
+              <a:buFont typeface="Arial" panose="020B0604020202020204" pitchFamily="34" charset="0"/>
+              <a:buChar char="•"/>
+              <a:defRPr kumimoji="1" sz="3200" kern="1200">
+                <a:solidFill>
+                  <a:schemeClr val="tx1"/>
+                </a:solidFill>
+                <a:latin typeface="+mn-lt"/>
+                <a:ea typeface="+mn-ea"/>
+                <a:cs typeface="+mn-cs"/>
+              </a:defRPr>
+            </a:lvl2pPr>
+            <a:lvl3pPr marL="1143000" indent="-228600" algn="l" defTabSz="914400" rtl="0" eaLnBrk="1" latinLnBrk="0" hangingPunct="1">
+              <a:lnSpc>
+                <a:spcPct val="90000"/>
+              </a:lnSpc>
+              <a:spcBef>
+                <a:spcPts val="500"/>
+              </a:spcBef>
+              <a:buFont typeface="Arial" panose="020B0604020202020204" pitchFamily="34" charset="0"/>
+              <a:buChar char="•"/>
+              <a:defRPr kumimoji="1" sz="2800" kern="1200">
+                <a:solidFill>
+                  <a:schemeClr val="tx1"/>
+                </a:solidFill>
+                <a:latin typeface="+mn-lt"/>
+                <a:ea typeface="+mn-ea"/>
+                <a:cs typeface="+mn-cs"/>
+              </a:defRPr>
+            </a:lvl3pPr>
+            <a:lvl4pPr marL="1600200" indent="-228600" algn="l" defTabSz="914400" rtl="0" eaLnBrk="1" latinLnBrk="0" hangingPunct="1">
+              <a:lnSpc>
+                <a:spcPct val="90000"/>
+              </a:lnSpc>
+              <a:spcBef>
+                <a:spcPts val="500"/>
+              </a:spcBef>
+              <a:buFont typeface="Arial" panose="020B0604020202020204" pitchFamily="34" charset="0"/>
+              <a:buChar char="•"/>
+              <a:defRPr kumimoji="1" sz="2400" kern="1200">
+                <a:solidFill>
+                  <a:schemeClr val="tx1"/>
+                </a:solidFill>
+                <a:latin typeface="+mn-lt"/>
+                <a:ea typeface="+mn-ea"/>
+                <a:cs typeface="+mn-cs"/>
+              </a:defRPr>
+            </a:lvl4pPr>
+            <a:lvl5pPr marL="2057400" indent="-228600" algn="l" defTabSz="914400" rtl="0" eaLnBrk="1" latinLnBrk="0" hangingPunct="1">
+              <a:lnSpc>
+                <a:spcPct val="90000"/>
+              </a:lnSpc>
+              <a:spcBef>
+                <a:spcPts val="500"/>
+              </a:spcBef>
+              <a:buFont typeface="Arial" panose="020B0604020202020204" pitchFamily="34" charset="0"/>
+              <a:buChar char="•"/>
+              <a:defRPr kumimoji="1" sz="2400" kern="1200">
+                <a:solidFill>
+                  <a:schemeClr val="tx1"/>
+                </a:solidFill>
+                <a:latin typeface="+mn-lt"/>
+                <a:ea typeface="+mn-ea"/>
+                <a:cs typeface="+mn-cs"/>
+              </a:defRPr>
+            </a:lvl5pPr>
+            <a:lvl6pPr marL="2514600" indent="-228600" algn="l" defTabSz="914400" rtl="0" eaLnBrk="1" latinLnBrk="0" hangingPunct="1">
+              <a:lnSpc>
+                <a:spcPct val="90000"/>
+              </a:lnSpc>
+              <a:spcBef>
+                <a:spcPts val="500"/>
+              </a:spcBef>
+              <a:buFont typeface="Arial" panose="020B0604020202020204" pitchFamily="34" charset="0"/>
+              <a:buChar char="•"/>
+              <a:defRPr kumimoji="1" sz="1800" kern="1200">
+                <a:solidFill>
+                  <a:schemeClr val="tx1"/>
+                </a:solidFill>
+                <a:latin typeface="+mn-lt"/>
+                <a:ea typeface="+mn-ea"/>
+                <a:cs typeface="+mn-cs"/>
+              </a:defRPr>
+            </a:lvl6pPr>
+            <a:lvl7pPr marL="2971800" indent="-228600" algn="l" defTabSz="914400" rtl="0" eaLnBrk="1" latinLnBrk="0" hangingPunct="1">
+              <a:lnSpc>
+                <a:spcPct val="90000"/>
+              </a:lnSpc>
+              <a:spcBef>
+                <a:spcPts val="500"/>
+              </a:spcBef>
+              <a:buFont typeface="Arial" panose="020B0604020202020204" pitchFamily="34" charset="0"/>
+              <a:buChar char="•"/>
+              <a:defRPr kumimoji="1" sz="1800" kern="1200">
+                <a:solidFill>
+                  <a:schemeClr val="tx1"/>
+                </a:solidFill>
+                <a:latin typeface="+mn-lt"/>
+                <a:ea typeface="+mn-ea"/>
+                <a:cs typeface="+mn-cs"/>
+              </a:defRPr>
+            </a:lvl7pPr>
+            <a:lvl8pPr marL="3429000" indent="-228600" algn="l" defTabSz="914400" rtl="0" eaLnBrk="1" latinLnBrk="0" hangingPunct="1">
+              <a:lnSpc>
+                <a:spcPct val="90000"/>
+              </a:lnSpc>
+              <a:spcBef>
+                <a:spcPts val="500"/>
+              </a:spcBef>
+              <a:buFont typeface="Arial" panose="020B0604020202020204" pitchFamily="34" charset="0"/>
+              <a:buChar char="•"/>
+              <a:defRPr kumimoji="1" sz="1800" kern="1200">
+                <a:solidFill>
+                  <a:schemeClr val="tx1"/>
+                </a:solidFill>
+                <a:latin typeface="+mn-lt"/>
+                <a:ea typeface="+mn-ea"/>
+                <a:cs typeface="+mn-cs"/>
+              </a:defRPr>
+            </a:lvl8pPr>
+            <a:lvl9pPr marL="3886200" indent="-228600" algn="l" defTabSz="914400" rtl="0" eaLnBrk="1" latinLnBrk="0" hangingPunct="1">
+              <a:lnSpc>
+                <a:spcPct val="90000"/>
+              </a:lnSpc>
+              <a:spcBef>
+                <a:spcPts val="500"/>
+              </a:spcBef>
+              <a:buFont typeface="Arial" panose="020B0604020202020204" pitchFamily="34" charset="0"/>
+              <a:buChar char="•"/>
+              <a:defRPr kumimoji="1" sz="1800" kern="1200">
+                <a:solidFill>
+                  <a:schemeClr val="tx1"/>
+                </a:solidFill>
+                <a:latin typeface="+mn-lt"/>
+                <a:ea typeface="+mn-ea"/>
+                <a:cs typeface="+mn-cs"/>
+              </a:defRPr>
+            </a:lvl9pPr>
+          </a:lstStyle>
+          <a:p>
+            <a:r>
+              <a:rPr lang="ja-JP" altLang="en-US" b="1" dirty="0">
+                <a:solidFill>
+                  <a:srgbClr val="FF00FF"/>
+                </a:solidFill>
+              </a:rPr>
+              <a:t>統合（マージ）</a:t>
+            </a:r>
+            <a:r>
+              <a:rPr lang="ja-JP" altLang="en-US" dirty="0"/>
+              <a:t>する方法</a:t>
+            </a:r>
+            <a:br>
+              <a:rPr lang="en-US" altLang="ja-JP" b="1" dirty="0">
+                <a:solidFill>
+                  <a:srgbClr val="FF00FF"/>
+                </a:solidFill>
+              </a:rPr>
+            </a:br>
+            <a:br>
+              <a:rPr lang="en-US" altLang="ja-JP" dirty="0"/>
+            </a:br>
+            <a:r>
+              <a:rPr lang="ja-JP" altLang="en-US" dirty="0"/>
+              <a:t>変更についてのタイトル</a:t>
+            </a:r>
+            <a:br>
+              <a:rPr lang="en-US" altLang="ja-JP" dirty="0"/>
+            </a:br>
+            <a:r>
+              <a:rPr lang="ja-JP" altLang="en-US" dirty="0"/>
+              <a:t>や内容について書いた</a:t>
+            </a:r>
+            <a:br>
+              <a:rPr lang="en-US" altLang="ja-JP" dirty="0"/>
+            </a:br>
+            <a:r>
+              <a:rPr lang="ja-JP" altLang="en-US" dirty="0"/>
+              <a:t>あとで</a:t>
+            </a:r>
+            <a:r>
+              <a:rPr lang="en-US" altLang="ja-JP" dirty="0"/>
+              <a:t>[Create pull</a:t>
+            </a:r>
+            <a:br>
+              <a:rPr lang="en-US" altLang="ja-JP" dirty="0"/>
+            </a:br>
+            <a:r>
+              <a:rPr lang="en-US" altLang="ja-JP" dirty="0"/>
+              <a:t>request]</a:t>
+            </a:r>
+            <a:r>
+              <a:rPr lang="ja-JP" altLang="en-US" dirty="0"/>
+              <a:t>をクリック</a:t>
+            </a:r>
+            <a:endParaRPr lang="en-US" altLang="ja-JP" dirty="0"/>
+          </a:p>
+        </p:txBody>
+      </p:sp>
+      <p:pic>
+        <p:nvPicPr>
+          <p:cNvPr id="5" name="図 4">
+            <a:extLst>
+              <a:ext uri="{FF2B5EF4-FFF2-40B4-BE49-F238E27FC236}">
+                <a16:creationId xmlns:a16="http://schemas.microsoft.com/office/drawing/2014/main" id="{C4F1FA7D-58E8-0BBD-CB75-31873B01DD68}"/>
+              </a:ext>
+            </a:extLst>
+          </p:cNvPr>
+          <p:cNvPicPr>
+            <a:picLocks noChangeAspect="1"/>
+          </p:cNvPicPr>
+          <p:nvPr/>
+        </p:nvPicPr>
+        <p:blipFill>
+          <a:blip r:embed="rId2"/>
+          <a:stretch>
+            <a:fillRect/>
+          </a:stretch>
+        </p:blipFill>
+        <p:spPr>
+          <a:xfrm>
+            <a:off x="6332490" y="1479176"/>
+            <a:ext cx="5605867" cy="4653615"/>
+          </a:xfrm>
+          <a:prstGeom prst="rect">
+            <a:avLst/>
+          </a:prstGeom>
+          <a:ln>
+            <a:solidFill>
+              <a:schemeClr val="tx1"/>
+            </a:solidFill>
+          </a:ln>
+        </p:spPr>
+      </p:pic>
+    </p:spTree>
+    <p:extLst>
+      <p:ext uri="{BB962C8B-B14F-4D97-AF65-F5344CB8AC3E}">
+        <p14:creationId xmlns:p14="http://schemas.microsoft.com/office/powerpoint/2010/main" val="2538410989"/>
+      </p:ext>
+    </p:extLst>
+  </p:cSld>
+  <p:clrMapOvr>
+    <a:masterClrMapping/>
+  </p:clrMapOvr>
+</p:sld>
+</file>
+
+<file path=ppt/slides/slide43.xml><?xml version="1.0" encoding="utf-8"?>
+<p:sld xmlns:a="http://schemas.openxmlformats.org/drawingml/2006/main" xmlns:r="http://schemas.openxmlformats.org/officeDocument/2006/relationships" xmlns:p="http://schemas.openxmlformats.org/presentationml/2006/main">
+  <p:cSld>
+    <p:spTree>
+      <p:nvGrpSpPr>
+        <p:cNvPr id="1" name="">
+          <a:extLst>
+            <a:ext uri="{FF2B5EF4-FFF2-40B4-BE49-F238E27FC236}">
+              <a16:creationId xmlns:a16="http://schemas.microsoft.com/office/drawing/2014/main" id="{7B99D1E4-D5EC-6EFF-5B43-DB7DD44B508E}"/>
+            </a:ext>
+          </a:extLst>
+        </p:cNvPr>
+        <p:cNvGrpSpPr/>
+        <p:nvPr/>
+      </p:nvGrpSpPr>
+      <p:grpSpPr>
+        <a:xfrm>
+          <a:off x="0" y="0"/>
+          <a:ext cx="0" cy="0"/>
+          <a:chOff x="0" y="0"/>
+          <a:chExt cx="0" cy="0"/>
+        </a:xfrm>
+      </p:grpSpPr>
+      <p:sp>
+        <p:nvSpPr>
+          <p:cNvPr id="2" name="タイトル 1">
+            <a:extLst>
+              <a:ext uri="{FF2B5EF4-FFF2-40B4-BE49-F238E27FC236}">
+                <a16:creationId xmlns:a16="http://schemas.microsoft.com/office/drawing/2014/main" id="{1E6D7F2D-95F7-097E-1D33-CE4C57B8002B}"/>
+              </a:ext>
+            </a:extLst>
+          </p:cNvPr>
+          <p:cNvSpPr>
+            <a:spLocks noGrp="1"/>
+          </p:cNvSpPr>
+          <p:nvPr>
+            <p:ph type="title"/>
+          </p:nvPr>
+        </p:nvSpPr>
+        <p:spPr/>
+        <p:txBody>
+          <a:bodyPr/>
+          <a:lstStyle/>
+          <a:p>
+            <a:r>
+              <a:rPr lang="en-US" altLang="ja-JP" dirty="0"/>
+              <a:t>GitHub</a:t>
+            </a:r>
+            <a:r>
+              <a:rPr lang="ja-JP" altLang="en-US" dirty="0"/>
+              <a:t>を使ったチーム制作</a:t>
+            </a:r>
+            <a:endParaRPr kumimoji="1" lang="ja-JP" altLang="en-US" dirty="0"/>
+          </a:p>
+        </p:txBody>
+      </p:sp>
+      <p:sp>
+        <p:nvSpPr>
+          <p:cNvPr id="9" name="コンテンツ プレースホルダー 2">
+            <a:extLst>
+              <a:ext uri="{FF2B5EF4-FFF2-40B4-BE49-F238E27FC236}">
+                <a16:creationId xmlns:a16="http://schemas.microsoft.com/office/drawing/2014/main" id="{6AF8E546-9315-596D-D1E6-36F491B0D8DB}"/>
+              </a:ext>
+            </a:extLst>
+          </p:cNvPr>
+          <p:cNvSpPr txBox="1">
+            <a:spLocks/>
+          </p:cNvSpPr>
+          <p:nvPr/>
+        </p:nvSpPr>
+        <p:spPr>
+          <a:xfrm>
+            <a:off x="838200" y="1376038"/>
+            <a:ext cx="10515600" cy="5355502"/>
+          </a:xfrm>
+          <a:prstGeom prst="rect">
+            <a:avLst/>
+          </a:prstGeom>
+        </p:spPr>
+        <p:txBody>
+          <a:bodyPr vert="horz" lIns="91440" tIns="45720" rIns="91440" bIns="45720" rtlCol="0">
+            <a:normAutofit/>
+          </a:bodyPr>
+          <a:lstStyle>
+            <a:lvl1pPr marL="228600" indent="-228600" algn="l" defTabSz="914400" rtl="0" eaLnBrk="1" latinLnBrk="0" hangingPunct="1">
+              <a:lnSpc>
+                <a:spcPct val="90000"/>
+              </a:lnSpc>
+              <a:spcBef>
+                <a:spcPts val="1000"/>
+              </a:spcBef>
+              <a:buFont typeface="Arial" panose="020B0604020202020204" pitchFamily="34" charset="0"/>
+              <a:buChar char="•"/>
+              <a:defRPr kumimoji="1" sz="3600" kern="1200">
+                <a:solidFill>
+                  <a:schemeClr val="tx1"/>
+                </a:solidFill>
+                <a:latin typeface="+mn-lt"/>
+                <a:ea typeface="+mn-ea"/>
+                <a:cs typeface="+mn-cs"/>
+              </a:defRPr>
+            </a:lvl1pPr>
+            <a:lvl2pPr marL="685800" indent="-228600" algn="l" defTabSz="914400" rtl="0" eaLnBrk="1" latinLnBrk="0" hangingPunct="1">
+              <a:lnSpc>
+                <a:spcPct val="90000"/>
+              </a:lnSpc>
+              <a:spcBef>
+                <a:spcPts val="500"/>
+              </a:spcBef>
+              <a:buFont typeface="Arial" panose="020B0604020202020204" pitchFamily="34" charset="0"/>
+              <a:buChar char="•"/>
+              <a:defRPr kumimoji="1" sz="3200" kern="1200">
+                <a:solidFill>
+                  <a:schemeClr val="tx1"/>
+                </a:solidFill>
+                <a:latin typeface="+mn-lt"/>
+                <a:ea typeface="+mn-ea"/>
+                <a:cs typeface="+mn-cs"/>
+              </a:defRPr>
+            </a:lvl2pPr>
+            <a:lvl3pPr marL="1143000" indent="-228600" algn="l" defTabSz="914400" rtl="0" eaLnBrk="1" latinLnBrk="0" hangingPunct="1">
+              <a:lnSpc>
+                <a:spcPct val="90000"/>
+              </a:lnSpc>
+              <a:spcBef>
+                <a:spcPts val="500"/>
+              </a:spcBef>
+              <a:buFont typeface="Arial" panose="020B0604020202020204" pitchFamily="34" charset="0"/>
+              <a:buChar char="•"/>
+              <a:defRPr kumimoji="1" sz="2800" kern="1200">
+                <a:solidFill>
+                  <a:schemeClr val="tx1"/>
+                </a:solidFill>
+                <a:latin typeface="+mn-lt"/>
+                <a:ea typeface="+mn-ea"/>
+                <a:cs typeface="+mn-cs"/>
+              </a:defRPr>
+            </a:lvl3pPr>
+            <a:lvl4pPr marL="1600200" indent="-228600" algn="l" defTabSz="914400" rtl="0" eaLnBrk="1" latinLnBrk="0" hangingPunct="1">
+              <a:lnSpc>
+                <a:spcPct val="90000"/>
+              </a:lnSpc>
+              <a:spcBef>
+                <a:spcPts val="500"/>
+              </a:spcBef>
+              <a:buFont typeface="Arial" panose="020B0604020202020204" pitchFamily="34" charset="0"/>
+              <a:buChar char="•"/>
+              <a:defRPr kumimoji="1" sz="2400" kern="1200">
+                <a:solidFill>
+                  <a:schemeClr val="tx1"/>
+                </a:solidFill>
+                <a:latin typeface="+mn-lt"/>
+                <a:ea typeface="+mn-ea"/>
+                <a:cs typeface="+mn-cs"/>
+              </a:defRPr>
+            </a:lvl4pPr>
+            <a:lvl5pPr marL="2057400" indent="-228600" algn="l" defTabSz="914400" rtl="0" eaLnBrk="1" latinLnBrk="0" hangingPunct="1">
+              <a:lnSpc>
+                <a:spcPct val="90000"/>
+              </a:lnSpc>
+              <a:spcBef>
+                <a:spcPts val="500"/>
+              </a:spcBef>
+              <a:buFont typeface="Arial" panose="020B0604020202020204" pitchFamily="34" charset="0"/>
+              <a:buChar char="•"/>
+              <a:defRPr kumimoji="1" sz="2400" kern="1200">
+                <a:solidFill>
+                  <a:schemeClr val="tx1"/>
+                </a:solidFill>
+                <a:latin typeface="+mn-lt"/>
+                <a:ea typeface="+mn-ea"/>
+                <a:cs typeface="+mn-cs"/>
+              </a:defRPr>
+            </a:lvl5pPr>
+            <a:lvl6pPr marL="2514600" indent="-228600" algn="l" defTabSz="914400" rtl="0" eaLnBrk="1" latinLnBrk="0" hangingPunct="1">
+              <a:lnSpc>
+                <a:spcPct val="90000"/>
+              </a:lnSpc>
+              <a:spcBef>
+                <a:spcPts val="500"/>
+              </a:spcBef>
+              <a:buFont typeface="Arial" panose="020B0604020202020204" pitchFamily="34" charset="0"/>
+              <a:buChar char="•"/>
+              <a:defRPr kumimoji="1" sz="1800" kern="1200">
+                <a:solidFill>
+                  <a:schemeClr val="tx1"/>
+                </a:solidFill>
+                <a:latin typeface="+mn-lt"/>
+                <a:ea typeface="+mn-ea"/>
+                <a:cs typeface="+mn-cs"/>
+              </a:defRPr>
+            </a:lvl6pPr>
+            <a:lvl7pPr marL="2971800" indent="-228600" algn="l" defTabSz="914400" rtl="0" eaLnBrk="1" latinLnBrk="0" hangingPunct="1">
+              <a:lnSpc>
+                <a:spcPct val="90000"/>
+              </a:lnSpc>
+              <a:spcBef>
+                <a:spcPts val="500"/>
+              </a:spcBef>
+              <a:buFont typeface="Arial" panose="020B0604020202020204" pitchFamily="34" charset="0"/>
+              <a:buChar char="•"/>
+              <a:defRPr kumimoji="1" sz="1800" kern="1200">
+                <a:solidFill>
+                  <a:schemeClr val="tx1"/>
+                </a:solidFill>
+                <a:latin typeface="+mn-lt"/>
+                <a:ea typeface="+mn-ea"/>
+                <a:cs typeface="+mn-cs"/>
+              </a:defRPr>
+            </a:lvl7pPr>
+            <a:lvl8pPr marL="3429000" indent="-228600" algn="l" defTabSz="914400" rtl="0" eaLnBrk="1" latinLnBrk="0" hangingPunct="1">
+              <a:lnSpc>
+                <a:spcPct val="90000"/>
+              </a:lnSpc>
+              <a:spcBef>
+                <a:spcPts val="500"/>
+              </a:spcBef>
+              <a:buFont typeface="Arial" panose="020B0604020202020204" pitchFamily="34" charset="0"/>
+              <a:buChar char="•"/>
+              <a:defRPr kumimoji="1" sz="1800" kern="1200">
+                <a:solidFill>
+                  <a:schemeClr val="tx1"/>
+                </a:solidFill>
+                <a:latin typeface="+mn-lt"/>
+                <a:ea typeface="+mn-ea"/>
+                <a:cs typeface="+mn-cs"/>
+              </a:defRPr>
+            </a:lvl8pPr>
+            <a:lvl9pPr marL="3886200" indent="-228600" algn="l" defTabSz="914400" rtl="0" eaLnBrk="1" latinLnBrk="0" hangingPunct="1">
+              <a:lnSpc>
+                <a:spcPct val="90000"/>
+              </a:lnSpc>
+              <a:spcBef>
+                <a:spcPts val="500"/>
+              </a:spcBef>
+              <a:buFont typeface="Arial" panose="020B0604020202020204" pitchFamily="34" charset="0"/>
+              <a:buChar char="•"/>
+              <a:defRPr kumimoji="1" sz="1800" kern="1200">
+                <a:solidFill>
+                  <a:schemeClr val="tx1"/>
+                </a:solidFill>
+                <a:latin typeface="+mn-lt"/>
+                <a:ea typeface="+mn-ea"/>
+                <a:cs typeface="+mn-cs"/>
+              </a:defRPr>
+            </a:lvl9pPr>
+          </a:lstStyle>
+          <a:p>
+            <a:r>
+              <a:rPr lang="ja-JP" altLang="en-US" b="1" dirty="0">
+                <a:solidFill>
+                  <a:srgbClr val="FF00FF"/>
+                </a:solidFill>
+              </a:rPr>
+              <a:t>統合（マージ）</a:t>
+            </a:r>
+            <a:r>
+              <a:rPr lang="ja-JP" altLang="en-US" dirty="0"/>
+              <a:t>する方法</a:t>
+            </a:r>
+            <a:br>
+              <a:rPr lang="en-US" altLang="ja-JP" b="1" dirty="0">
+                <a:solidFill>
+                  <a:srgbClr val="FF00FF"/>
+                </a:solidFill>
+              </a:rPr>
+            </a:br>
+            <a:br>
+              <a:rPr lang="en-US" altLang="ja-JP" dirty="0"/>
+            </a:br>
+            <a:r>
+              <a:rPr lang="ja-JP" altLang="en-US" dirty="0"/>
+              <a:t>変更についてのタイトル</a:t>
+            </a:r>
+            <a:br>
+              <a:rPr lang="en-US" altLang="ja-JP" dirty="0"/>
+            </a:br>
+            <a:r>
+              <a:rPr lang="ja-JP" altLang="en-US" dirty="0"/>
+              <a:t>や内容について書いた</a:t>
+            </a:r>
+            <a:br>
+              <a:rPr lang="en-US" altLang="ja-JP" dirty="0"/>
+            </a:br>
+            <a:r>
+              <a:rPr lang="ja-JP" altLang="en-US" dirty="0"/>
+              <a:t>あとで</a:t>
+            </a:r>
+            <a:r>
+              <a:rPr lang="en-US" altLang="ja-JP" dirty="0"/>
+              <a:t>[Create pull</a:t>
+            </a:r>
+            <a:br>
+              <a:rPr lang="en-US" altLang="ja-JP" dirty="0"/>
+            </a:br>
+            <a:r>
+              <a:rPr lang="en-US" altLang="ja-JP" dirty="0"/>
+              <a:t>request]</a:t>
+            </a:r>
+            <a:r>
+              <a:rPr lang="ja-JP" altLang="en-US" dirty="0"/>
+              <a:t>をクリック</a:t>
+            </a:r>
+            <a:endParaRPr lang="en-US" altLang="ja-JP" dirty="0"/>
+          </a:p>
+        </p:txBody>
+      </p:sp>
+      <p:pic>
+        <p:nvPicPr>
+          <p:cNvPr id="4" name="図 3">
+            <a:extLst>
+              <a:ext uri="{FF2B5EF4-FFF2-40B4-BE49-F238E27FC236}">
+                <a16:creationId xmlns:a16="http://schemas.microsoft.com/office/drawing/2014/main" id="{0A5FB06E-13F0-6F5B-E106-2405677F6EED}"/>
+              </a:ext>
+            </a:extLst>
+          </p:cNvPr>
+          <p:cNvPicPr>
+            <a:picLocks noChangeAspect="1"/>
+          </p:cNvPicPr>
+          <p:nvPr/>
+        </p:nvPicPr>
+        <p:blipFill>
+          <a:blip r:embed="rId2"/>
+          <a:stretch>
+            <a:fillRect/>
+          </a:stretch>
+        </p:blipFill>
+        <p:spPr>
+          <a:xfrm>
+            <a:off x="6090035" y="2079811"/>
+            <a:ext cx="5682194" cy="4396135"/>
+          </a:xfrm>
+          <a:prstGeom prst="rect">
+            <a:avLst/>
+          </a:prstGeom>
+          <a:ln>
+            <a:solidFill>
+              <a:schemeClr val="tx1"/>
+            </a:solidFill>
+          </a:ln>
+        </p:spPr>
+      </p:pic>
+    </p:spTree>
+    <p:extLst>
+      <p:ext uri="{BB962C8B-B14F-4D97-AF65-F5344CB8AC3E}">
+        <p14:creationId xmlns:p14="http://schemas.microsoft.com/office/powerpoint/2010/main" val="1895491535"/>
+      </p:ext>
+    </p:extLst>
+  </p:cSld>
+  <p:clrMapOvr>
+    <a:masterClrMapping/>
+  </p:clrMapOvr>
+</p:sld>
+</file>
+
+<file path=ppt/slides/slide44.xml><?xml version="1.0" encoding="utf-8"?>
+<p:sld xmlns:a="http://schemas.openxmlformats.org/drawingml/2006/main" xmlns:r="http://schemas.openxmlformats.org/officeDocument/2006/relationships" xmlns:p="http://schemas.openxmlformats.org/presentationml/2006/main">
+  <p:cSld>
+    <p:spTree>
+      <p:nvGrpSpPr>
+        <p:cNvPr id="1" name="">
+          <a:extLst>
+            <a:ext uri="{FF2B5EF4-FFF2-40B4-BE49-F238E27FC236}">
+              <a16:creationId xmlns:a16="http://schemas.microsoft.com/office/drawing/2014/main" id="{B39ACB2E-3EF9-5A5C-533F-4769DDE486B8}"/>
+            </a:ext>
+          </a:extLst>
+        </p:cNvPr>
+        <p:cNvGrpSpPr/>
+        <p:nvPr/>
+      </p:nvGrpSpPr>
+      <p:grpSpPr>
+        <a:xfrm>
+          <a:off x="0" y="0"/>
+          <a:ext cx="0" cy="0"/>
+          <a:chOff x="0" y="0"/>
+          <a:chExt cx="0" cy="0"/>
+        </a:xfrm>
+      </p:grpSpPr>
+      <p:sp>
+        <p:nvSpPr>
+          <p:cNvPr id="2" name="タイトル 1">
+            <a:extLst>
+              <a:ext uri="{FF2B5EF4-FFF2-40B4-BE49-F238E27FC236}">
+                <a16:creationId xmlns:a16="http://schemas.microsoft.com/office/drawing/2014/main" id="{83C3F68E-A4B2-ADFF-0B98-23A947D2F406}"/>
+              </a:ext>
+            </a:extLst>
+          </p:cNvPr>
+          <p:cNvSpPr>
+            <a:spLocks noGrp="1"/>
+          </p:cNvSpPr>
+          <p:nvPr>
+            <p:ph type="title"/>
+          </p:nvPr>
+        </p:nvSpPr>
+        <p:spPr/>
+        <p:txBody>
+          <a:bodyPr/>
+          <a:lstStyle/>
+          <a:p>
+            <a:r>
+              <a:rPr lang="en-US" altLang="ja-JP" dirty="0"/>
+              <a:t>GitHub</a:t>
+            </a:r>
+            <a:r>
+              <a:rPr lang="ja-JP" altLang="en-US" dirty="0"/>
+              <a:t>を使ったチーム制作</a:t>
+            </a:r>
+            <a:endParaRPr kumimoji="1" lang="ja-JP" altLang="en-US" dirty="0"/>
+          </a:p>
+        </p:txBody>
+      </p:sp>
+      <p:sp>
+        <p:nvSpPr>
+          <p:cNvPr id="9" name="コンテンツ プレースホルダー 2">
+            <a:extLst>
+              <a:ext uri="{FF2B5EF4-FFF2-40B4-BE49-F238E27FC236}">
+                <a16:creationId xmlns:a16="http://schemas.microsoft.com/office/drawing/2014/main" id="{0FD6C2E5-A80D-D744-6138-6EF44BBD292D}"/>
+              </a:ext>
+            </a:extLst>
+          </p:cNvPr>
+          <p:cNvSpPr txBox="1">
+            <a:spLocks/>
+          </p:cNvSpPr>
+          <p:nvPr/>
+        </p:nvSpPr>
+        <p:spPr>
+          <a:xfrm>
+            <a:off x="838200" y="1376038"/>
+            <a:ext cx="10515600" cy="5355502"/>
+          </a:xfrm>
+          <a:prstGeom prst="rect">
+            <a:avLst/>
+          </a:prstGeom>
+        </p:spPr>
+        <p:txBody>
+          <a:bodyPr vert="horz" lIns="91440" tIns="45720" rIns="91440" bIns="45720" rtlCol="0">
+            <a:normAutofit/>
+          </a:bodyPr>
+          <a:lstStyle>
+            <a:lvl1pPr marL="228600" indent="-228600" algn="l" defTabSz="914400" rtl="0" eaLnBrk="1" latinLnBrk="0" hangingPunct="1">
+              <a:lnSpc>
+                <a:spcPct val="90000"/>
+              </a:lnSpc>
+              <a:spcBef>
+                <a:spcPts val="1000"/>
+              </a:spcBef>
+              <a:buFont typeface="Arial" panose="020B0604020202020204" pitchFamily="34" charset="0"/>
+              <a:buChar char="•"/>
+              <a:defRPr kumimoji="1" sz="3600" kern="1200">
+                <a:solidFill>
+                  <a:schemeClr val="tx1"/>
+                </a:solidFill>
+                <a:latin typeface="+mn-lt"/>
+                <a:ea typeface="+mn-ea"/>
+                <a:cs typeface="+mn-cs"/>
+              </a:defRPr>
+            </a:lvl1pPr>
+            <a:lvl2pPr marL="685800" indent="-228600" algn="l" defTabSz="914400" rtl="0" eaLnBrk="1" latinLnBrk="0" hangingPunct="1">
+              <a:lnSpc>
+                <a:spcPct val="90000"/>
+              </a:lnSpc>
+              <a:spcBef>
+                <a:spcPts val="500"/>
+              </a:spcBef>
+              <a:buFont typeface="Arial" panose="020B0604020202020204" pitchFamily="34" charset="0"/>
+              <a:buChar char="•"/>
+              <a:defRPr kumimoji="1" sz="3200" kern="1200">
+                <a:solidFill>
+                  <a:schemeClr val="tx1"/>
+                </a:solidFill>
+                <a:latin typeface="+mn-lt"/>
+                <a:ea typeface="+mn-ea"/>
+                <a:cs typeface="+mn-cs"/>
+              </a:defRPr>
+            </a:lvl2pPr>
+            <a:lvl3pPr marL="1143000" indent="-228600" algn="l" defTabSz="914400" rtl="0" eaLnBrk="1" latinLnBrk="0" hangingPunct="1">
+              <a:lnSpc>
+                <a:spcPct val="90000"/>
+              </a:lnSpc>
+              <a:spcBef>
+                <a:spcPts val="500"/>
+              </a:spcBef>
+              <a:buFont typeface="Arial" panose="020B0604020202020204" pitchFamily="34" charset="0"/>
+              <a:buChar char="•"/>
+              <a:defRPr kumimoji="1" sz="2800" kern="1200">
+                <a:solidFill>
+                  <a:schemeClr val="tx1"/>
+                </a:solidFill>
+                <a:latin typeface="+mn-lt"/>
+                <a:ea typeface="+mn-ea"/>
+                <a:cs typeface="+mn-cs"/>
+              </a:defRPr>
+            </a:lvl3pPr>
+            <a:lvl4pPr marL="1600200" indent="-228600" algn="l" defTabSz="914400" rtl="0" eaLnBrk="1" latinLnBrk="0" hangingPunct="1">
+              <a:lnSpc>
+                <a:spcPct val="90000"/>
+              </a:lnSpc>
+              <a:spcBef>
+                <a:spcPts val="500"/>
+              </a:spcBef>
+              <a:buFont typeface="Arial" panose="020B0604020202020204" pitchFamily="34" charset="0"/>
+              <a:buChar char="•"/>
+              <a:defRPr kumimoji="1" sz="2400" kern="1200">
+                <a:solidFill>
+                  <a:schemeClr val="tx1"/>
+                </a:solidFill>
+                <a:latin typeface="+mn-lt"/>
+                <a:ea typeface="+mn-ea"/>
+                <a:cs typeface="+mn-cs"/>
+              </a:defRPr>
+            </a:lvl4pPr>
+            <a:lvl5pPr marL="2057400" indent="-228600" algn="l" defTabSz="914400" rtl="0" eaLnBrk="1" latinLnBrk="0" hangingPunct="1">
+              <a:lnSpc>
+                <a:spcPct val="90000"/>
+              </a:lnSpc>
+              <a:spcBef>
+                <a:spcPts val="500"/>
+              </a:spcBef>
+              <a:buFont typeface="Arial" panose="020B0604020202020204" pitchFamily="34" charset="0"/>
+              <a:buChar char="•"/>
+              <a:defRPr kumimoji="1" sz="2400" kern="1200">
+                <a:solidFill>
+                  <a:schemeClr val="tx1"/>
+                </a:solidFill>
+                <a:latin typeface="+mn-lt"/>
+                <a:ea typeface="+mn-ea"/>
+                <a:cs typeface="+mn-cs"/>
+              </a:defRPr>
+            </a:lvl5pPr>
+            <a:lvl6pPr marL="2514600" indent="-228600" algn="l" defTabSz="914400" rtl="0" eaLnBrk="1" latinLnBrk="0" hangingPunct="1">
+              <a:lnSpc>
+                <a:spcPct val="90000"/>
+              </a:lnSpc>
+              <a:spcBef>
+                <a:spcPts val="500"/>
+              </a:spcBef>
+              <a:buFont typeface="Arial" panose="020B0604020202020204" pitchFamily="34" charset="0"/>
+              <a:buChar char="•"/>
+              <a:defRPr kumimoji="1" sz="1800" kern="1200">
+                <a:solidFill>
+                  <a:schemeClr val="tx1"/>
+                </a:solidFill>
+                <a:latin typeface="+mn-lt"/>
+                <a:ea typeface="+mn-ea"/>
+                <a:cs typeface="+mn-cs"/>
+              </a:defRPr>
+            </a:lvl6pPr>
+            <a:lvl7pPr marL="2971800" indent="-228600" algn="l" defTabSz="914400" rtl="0" eaLnBrk="1" latinLnBrk="0" hangingPunct="1">
+              <a:lnSpc>
+                <a:spcPct val="90000"/>
+              </a:lnSpc>
+              <a:spcBef>
+                <a:spcPts val="500"/>
+              </a:spcBef>
+              <a:buFont typeface="Arial" panose="020B0604020202020204" pitchFamily="34" charset="0"/>
+              <a:buChar char="•"/>
+              <a:defRPr kumimoji="1" sz="1800" kern="1200">
+                <a:solidFill>
+                  <a:schemeClr val="tx1"/>
+                </a:solidFill>
+                <a:latin typeface="+mn-lt"/>
+                <a:ea typeface="+mn-ea"/>
+                <a:cs typeface="+mn-cs"/>
+              </a:defRPr>
+            </a:lvl7pPr>
+            <a:lvl8pPr marL="3429000" indent="-228600" algn="l" defTabSz="914400" rtl="0" eaLnBrk="1" latinLnBrk="0" hangingPunct="1">
+              <a:lnSpc>
+                <a:spcPct val="90000"/>
+              </a:lnSpc>
+              <a:spcBef>
+                <a:spcPts val="500"/>
+              </a:spcBef>
+              <a:buFont typeface="Arial" panose="020B0604020202020204" pitchFamily="34" charset="0"/>
+              <a:buChar char="•"/>
+              <a:defRPr kumimoji="1" sz="1800" kern="1200">
+                <a:solidFill>
+                  <a:schemeClr val="tx1"/>
+                </a:solidFill>
+                <a:latin typeface="+mn-lt"/>
+                <a:ea typeface="+mn-ea"/>
+                <a:cs typeface="+mn-cs"/>
+              </a:defRPr>
+            </a:lvl8pPr>
+            <a:lvl9pPr marL="3886200" indent="-228600" algn="l" defTabSz="914400" rtl="0" eaLnBrk="1" latinLnBrk="0" hangingPunct="1">
+              <a:lnSpc>
+                <a:spcPct val="90000"/>
+              </a:lnSpc>
+              <a:spcBef>
+                <a:spcPts val="500"/>
+              </a:spcBef>
+              <a:buFont typeface="Arial" panose="020B0604020202020204" pitchFamily="34" charset="0"/>
+              <a:buChar char="•"/>
+              <a:defRPr kumimoji="1" sz="1800" kern="1200">
+                <a:solidFill>
+                  <a:schemeClr val="tx1"/>
+                </a:solidFill>
+                <a:latin typeface="+mn-lt"/>
+                <a:ea typeface="+mn-ea"/>
+                <a:cs typeface="+mn-cs"/>
+              </a:defRPr>
+            </a:lvl9pPr>
+          </a:lstStyle>
+          <a:p>
+            <a:r>
+              <a:rPr lang="ja-JP" altLang="en-US" b="1" dirty="0">
+                <a:solidFill>
+                  <a:srgbClr val="FF00FF"/>
+                </a:solidFill>
+              </a:rPr>
+              <a:t>統合（マージ）</a:t>
+            </a:r>
+            <a:r>
+              <a:rPr lang="ja-JP" altLang="en-US" dirty="0"/>
+              <a:t>する方法</a:t>
+            </a:r>
+            <a:br>
+              <a:rPr lang="en-US" altLang="ja-JP" b="1" dirty="0">
+                <a:solidFill>
+                  <a:srgbClr val="FF00FF"/>
+                </a:solidFill>
+              </a:rPr>
+            </a:br>
+            <a:br>
+              <a:rPr lang="en-US" altLang="ja-JP" dirty="0"/>
+            </a:br>
+            <a:r>
+              <a:rPr lang="ja-JP" altLang="en-US" dirty="0"/>
+              <a:t>変更についてのタイトル</a:t>
+            </a:r>
+            <a:br>
+              <a:rPr lang="en-US" altLang="ja-JP" dirty="0"/>
+            </a:br>
+            <a:r>
+              <a:rPr lang="ja-JP" altLang="en-US" dirty="0"/>
+              <a:t>や内容について書いた</a:t>
+            </a:r>
+            <a:br>
+              <a:rPr lang="en-US" altLang="ja-JP" dirty="0"/>
+            </a:br>
+            <a:r>
+              <a:rPr lang="ja-JP" altLang="en-US" dirty="0"/>
+              <a:t>あとで</a:t>
+            </a:r>
+            <a:r>
+              <a:rPr lang="en-US" altLang="ja-JP" dirty="0"/>
+              <a:t>[Create pull</a:t>
+            </a:r>
+            <a:br>
+              <a:rPr lang="en-US" altLang="ja-JP" dirty="0"/>
+            </a:br>
+            <a:r>
+              <a:rPr lang="en-US" altLang="ja-JP" dirty="0"/>
+              <a:t>request]</a:t>
+            </a:r>
+            <a:r>
+              <a:rPr lang="ja-JP" altLang="en-US" dirty="0"/>
+              <a:t>をクリック</a:t>
+            </a:r>
+            <a:endParaRPr lang="en-US" altLang="ja-JP" dirty="0"/>
+          </a:p>
+        </p:txBody>
+      </p:sp>
+      <p:pic>
+        <p:nvPicPr>
+          <p:cNvPr id="5" name="図 4">
+            <a:extLst>
+              <a:ext uri="{FF2B5EF4-FFF2-40B4-BE49-F238E27FC236}">
+                <a16:creationId xmlns:a16="http://schemas.microsoft.com/office/drawing/2014/main" id="{227395D8-933D-2DE6-B24A-8F766C7D3943}"/>
+              </a:ext>
+            </a:extLst>
+          </p:cNvPr>
+          <p:cNvPicPr>
+            <a:picLocks noChangeAspect="1"/>
+          </p:cNvPicPr>
+          <p:nvPr/>
+        </p:nvPicPr>
+        <p:blipFill>
+          <a:blip r:embed="rId2"/>
+          <a:stretch>
+            <a:fillRect/>
+          </a:stretch>
+        </p:blipFill>
+        <p:spPr>
+          <a:xfrm>
+            <a:off x="3259485" y="2803191"/>
+            <a:ext cx="4382112" cy="3439005"/>
+          </a:xfrm>
+          <a:prstGeom prst="rect">
+            <a:avLst/>
+          </a:prstGeom>
+        </p:spPr>
+      </p:pic>
+    </p:spTree>
+    <p:extLst>
+      <p:ext uri="{BB962C8B-B14F-4D97-AF65-F5344CB8AC3E}">
+        <p14:creationId xmlns:p14="http://schemas.microsoft.com/office/powerpoint/2010/main" val="4266249235"/>
       </p:ext>
     </p:extLst>
   </p:cSld>

--- a/授業資料/GitHubを用いたチーム制作.pptx
+++ b/授業資料/GitHubを用いたチーム制作.pptx
@@ -286,7 +286,7 @@
           <a:p>
             <a:fld id="{5B96D3F8-CD2E-4A0D-AC38-517181EABB18}" type="datetimeFigureOut">
               <a:rPr kumimoji="1" lang="ja-JP" altLang="en-US" smtClean="0"/>
-              <a:t>2024/11/5</a:t>
+              <a:t>2024/11/6</a:t>
             </a:fld>
             <a:endParaRPr kumimoji="1" lang="ja-JP" altLang="en-US"/>
           </a:p>
@@ -488,7 +488,7 @@
           <a:p>
             <a:fld id="{5B96D3F8-CD2E-4A0D-AC38-517181EABB18}" type="datetimeFigureOut">
               <a:rPr kumimoji="1" lang="ja-JP" altLang="en-US" smtClean="0"/>
-              <a:t>2024/11/5</a:t>
+              <a:t>2024/11/6</a:t>
             </a:fld>
             <a:endParaRPr kumimoji="1" lang="ja-JP" altLang="en-US"/>
           </a:p>
@@ -700,7 +700,7 @@
           <a:p>
             <a:fld id="{5B96D3F8-CD2E-4A0D-AC38-517181EABB18}" type="datetimeFigureOut">
               <a:rPr kumimoji="1" lang="ja-JP" altLang="en-US" smtClean="0"/>
-              <a:t>2024/11/5</a:t>
+              <a:t>2024/11/6</a:t>
             </a:fld>
             <a:endParaRPr kumimoji="1" lang="ja-JP" altLang="en-US"/>
           </a:p>
@@ -902,7 +902,7 @@
           <a:p>
             <a:fld id="{5B96D3F8-CD2E-4A0D-AC38-517181EABB18}" type="datetimeFigureOut">
               <a:rPr kumimoji="1" lang="ja-JP" altLang="en-US" smtClean="0"/>
-              <a:t>2024/11/5</a:t>
+              <a:t>2024/11/6</a:t>
             </a:fld>
             <a:endParaRPr kumimoji="1" lang="ja-JP" altLang="en-US"/>
           </a:p>
@@ -1148,7 +1148,7 @@
           <a:p>
             <a:fld id="{5B96D3F8-CD2E-4A0D-AC38-517181EABB18}" type="datetimeFigureOut">
               <a:rPr kumimoji="1" lang="ja-JP" altLang="en-US" smtClean="0"/>
-              <a:t>2024/11/5</a:t>
+              <a:t>2024/11/6</a:t>
             </a:fld>
             <a:endParaRPr kumimoji="1" lang="ja-JP" altLang="en-US"/>
           </a:p>
@@ -1444,7 +1444,7 @@
           <a:p>
             <a:fld id="{5B96D3F8-CD2E-4A0D-AC38-517181EABB18}" type="datetimeFigureOut">
               <a:rPr kumimoji="1" lang="ja-JP" altLang="en-US" smtClean="0"/>
-              <a:t>2024/11/5</a:t>
+              <a:t>2024/11/6</a:t>
             </a:fld>
             <a:endParaRPr kumimoji="1" lang="ja-JP" altLang="en-US"/>
           </a:p>
@@ -1875,7 +1875,7 @@
           <a:p>
             <a:fld id="{5B96D3F8-CD2E-4A0D-AC38-517181EABB18}" type="datetimeFigureOut">
               <a:rPr kumimoji="1" lang="ja-JP" altLang="en-US" smtClean="0"/>
-              <a:t>2024/11/5</a:t>
+              <a:t>2024/11/6</a:t>
             </a:fld>
             <a:endParaRPr kumimoji="1" lang="ja-JP" altLang="en-US"/>
           </a:p>
@@ -1993,7 +1993,7 @@
           <a:p>
             <a:fld id="{5B96D3F8-CD2E-4A0D-AC38-517181EABB18}" type="datetimeFigureOut">
               <a:rPr kumimoji="1" lang="ja-JP" altLang="en-US" smtClean="0"/>
-              <a:t>2024/11/5</a:t>
+              <a:t>2024/11/6</a:t>
             </a:fld>
             <a:endParaRPr kumimoji="1" lang="ja-JP" altLang="en-US"/>
           </a:p>
@@ -2088,7 +2088,7 @@
           <a:p>
             <a:fld id="{5B96D3F8-CD2E-4A0D-AC38-517181EABB18}" type="datetimeFigureOut">
               <a:rPr kumimoji="1" lang="ja-JP" altLang="en-US" smtClean="0"/>
-              <a:t>2024/11/5</a:t>
+              <a:t>2024/11/6</a:t>
             </a:fld>
             <a:endParaRPr kumimoji="1" lang="ja-JP" altLang="en-US"/>
           </a:p>
@@ -2397,7 +2397,7 @@
           <a:p>
             <a:fld id="{5B96D3F8-CD2E-4A0D-AC38-517181EABB18}" type="datetimeFigureOut">
               <a:rPr kumimoji="1" lang="ja-JP" altLang="en-US" smtClean="0"/>
-              <a:t>2024/11/5</a:t>
+              <a:t>2024/11/6</a:t>
             </a:fld>
             <a:endParaRPr kumimoji="1" lang="ja-JP" altLang="en-US"/>
           </a:p>
@@ -2654,7 +2654,7 @@
           <a:p>
             <a:fld id="{5B96D3F8-CD2E-4A0D-AC38-517181EABB18}" type="datetimeFigureOut">
               <a:rPr kumimoji="1" lang="ja-JP" altLang="en-US" smtClean="0"/>
-              <a:t>2024/11/5</a:t>
+              <a:t>2024/11/6</a:t>
             </a:fld>
             <a:endParaRPr kumimoji="1" lang="ja-JP" altLang="en-US"/>
           </a:p>
@@ -2899,7 +2899,7 @@
           <a:p>
             <a:fld id="{5B96D3F8-CD2E-4A0D-AC38-517181EABB18}" type="datetimeFigureOut">
               <a:rPr kumimoji="1" lang="ja-JP" altLang="en-US" smtClean="0"/>
-              <a:t>2024/11/5</a:t>
+              <a:t>2024/11/6</a:t>
             </a:fld>
             <a:endParaRPr kumimoji="1" lang="ja-JP" altLang="en-US"/>
           </a:p>
@@ -10307,7 +10307,14 @@
             </a:r>
             <a:r>
               <a:rPr lang="ja-JP" altLang="en-US" dirty="0"/>
-              <a:t>リポジトリより新しくなってしまった場合</a:t>
+              <a:t>リポジトリより</a:t>
+            </a:r>
+            <a:br>
+              <a:rPr lang="en-US" altLang="ja-JP" dirty="0"/>
+            </a:br>
+            <a:r>
+              <a:rPr lang="ja-JP" altLang="en-US" dirty="0"/>
+              <a:t>新しくなってしまった場合</a:t>
             </a:r>
             <a:br>
               <a:rPr lang="en-US" altLang="ja-JP" dirty="0"/>
@@ -10344,6 +10351,93 @@
               <a:t>を最新に</a:t>
             </a:r>
             <a:endParaRPr lang="en-US" altLang="ja-JP" dirty="0"/>
+          </a:p>
+        </p:txBody>
+      </p:sp>
+      <p:pic>
+        <p:nvPicPr>
+          <p:cNvPr id="4" name="図 3">
+            <a:extLst>
+              <a:ext uri="{FF2B5EF4-FFF2-40B4-BE49-F238E27FC236}">
+                <a16:creationId xmlns:a16="http://schemas.microsoft.com/office/drawing/2014/main" id="{07FDB417-7AD8-4939-D290-833216B6BFC7}"/>
+              </a:ext>
+            </a:extLst>
+          </p:cNvPr>
+          <p:cNvPicPr>
+            <a:picLocks noChangeAspect="1"/>
+          </p:cNvPicPr>
+          <p:nvPr/>
+        </p:nvPicPr>
+        <p:blipFill>
+          <a:blip r:embed="rId2"/>
+          <a:stretch>
+            <a:fillRect/>
+          </a:stretch>
+        </p:blipFill>
+        <p:spPr>
+          <a:xfrm>
+            <a:off x="2161626" y="3992610"/>
+            <a:ext cx="7868748" cy="2705478"/>
+          </a:xfrm>
+          <a:prstGeom prst="rect">
+            <a:avLst/>
+          </a:prstGeom>
+          <a:ln>
+            <a:solidFill>
+              <a:schemeClr val="tx1"/>
+            </a:solidFill>
+          </a:ln>
+        </p:spPr>
+      </p:pic>
+      <p:sp>
+        <p:nvSpPr>
+          <p:cNvPr id="5" name="正方形/長方形 4">
+            <a:extLst>
+              <a:ext uri="{FF2B5EF4-FFF2-40B4-BE49-F238E27FC236}">
+                <a16:creationId xmlns:a16="http://schemas.microsoft.com/office/drawing/2014/main" id="{F8516ECB-79DB-6C48-2919-0B1EE5757645}"/>
+              </a:ext>
+            </a:extLst>
+          </p:cNvPr>
+          <p:cNvSpPr/>
+          <p:nvPr/>
+        </p:nvSpPr>
+        <p:spPr>
+          <a:xfrm>
+            <a:off x="8483767" y="5764773"/>
+            <a:ext cx="990973" cy="373380"/>
+          </a:xfrm>
+          <a:prstGeom prst="rect">
+            <a:avLst/>
+          </a:prstGeom>
+          <a:noFill/>
+          <a:ln w="38100">
+            <a:solidFill>
+              <a:srgbClr val="FF0000"/>
+            </a:solidFill>
+          </a:ln>
+        </p:spPr>
+        <p:style>
+          <a:lnRef idx="2">
+            <a:schemeClr val="accent1">
+              <a:shade val="15000"/>
+            </a:schemeClr>
+          </a:lnRef>
+          <a:fillRef idx="1">
+            <a:schemeClr val="accent1"/>
+          </a:fillRef>
+          <a:effectRef idx="0">
+            <a:schemeClr val="accent1"/>
+          </a:effectRef>
+          <a:fontRef idx="minor">
+            <a:schemeClr val="lt1"/>
+          </a:fontRef>
+        </p:style>
+        <p:txBody>
+          <a:bodyPr rtlCol="0" anchor="ctr"/>
+          <a:lstStyle/>
+          <a:p>
+            <a:pPr algn="ctr"/>
+            <a:endParaRPr kumimoji="1" lang="ja-JP" altLang="en-US"/>
           </a:p>
         </p:txBody>
       </p:sp>
@@ -11635,8 +11729,12 @@
               <a:rPr lang="en-US" altLang="ja-JP" dirty="0"/>
             </a:br>
             <a:r>
-              <a:rPr lang="ja-JP" altLang="en-US" dirty="0"/>
-              <a:t>ということをしてくれるが、そのときに</a:t>
+              <a:rPr lang="en-US" altLang="ja-JP" dirty="0"/>
+              <a:t>Push</a:t>
+            </a:r>
+            <a:r>
+              <a:rPr lang="ja-JP" altLang="en-US" dirty="0"/>
+              <a:t>する前に</a:t>
             </a:r>
             <a:r>
               <a:rPr lang="ja-JP" altLang="en-US" b="1" dirty="0">
@@ -11646,9 +11744,6 @@
               </a:rPr>
               <a:t>コミット</a:t>
             </a:r>
-            <a:br>
-              <a:rPr lang="en-US" altLang="ja-JP" dirty="0"/>
-            </a:br>
             <a:r>
               <a:rPr lang="ja-JP" altLang="en-US" dirty="0">
                 <a:solidFill>
@@ -11675,7 +11770,14 @@
             </a:r>
             <a:r>
               <a:rPr lang="ja-JP" altLang="en-US" dirty="0"/>
-              <a:t>する必要がある</a:t>
+              <a:t>する</a:t>
+            </a:r>
+            <a:br>
+              <a:rPr lang="en-US" altLang="ja-JP" dirty="0"/>
+            </a:br>
+            <a:r>
+              <a:rPr lang="ja-JP" altLang="en-US" dirty="0"/>
+              <a:t>必要がある</a:t>
             </a:r>
             <a:r>
               <a:rPr lang="ja-JP" altLang="en-US" b="1" dirty="0"/>
@@ -11688,8 +11790,16 @@
               <a:rPr lang="en-US" altLang="ja-JP" dirty="0"/>
             </a:br>
             <a:r>
-              <a:rPr lang="ja-JP" altLang="en-US" dirty="0"/>
-              <a:t>コミットは</a:t>
+              <a:rPr lang="ja-JP" altLang="en-US" b="1" dirty="0">
+                <a:solidFill>
+                  <a:srgbClr val="FF0000"/>
+                </a:solidFill>
+              </a:rPr>
+              <a:t>コミット</a:t>
+            </a:r>
+            <a:r>
+              <a:rPr lang="ja-JP" altLang="en-US" dirty="0"/>
+              <a:t>は</a:t>
             </a:r>
             <a:r>
               <a:rPr lang="ja-JP" altLang="en-US" dirty="0">
@@ -11701,14 +11811,14 @@
             </a:r>
             <a:r>
               <a:rPr lang="ja-JP" altLang="en-US" dirty="0"/>
-              <a:t>で更新したファイルの中で、</a:t>
+              <a:t>で更新したファイルの</a:t>
             </a:r>
             <a:br>
               <a:rPr lang="en-US" altLang="ja-JP" dirty="0"/>
             </a:br>
             <a:r>
               <a:rPr lang="ja-JP" altLang="en-US" dirty="0"/>
-              <a:t>どれを</a:t>
+              <a:t>中で、どれを</a:t>
             </a:r>
             <a:r>
               <a:rPr lang="ja-JP" altLang="en-US" dirty="0">
@@ -11720,7 +11830,14 @@
             </a:r>
             <a:r>
               <a:rPr lang="ja-JP" altLang="en-US" dirty="0"/>
-              <a:t>へ送信するかリストを作るようなもので、同時にファイルに</a:t>
+              <a:t>へ送信するかリストを作る</a:t>
+            </a:r>
+            <a:br>
+              <a:rPr lang="en-US" altLang="ja-JP" dirty="0"/>
+            </a:br>
+            <a:r>
+              <a:rPr lang="ja-JP" altLang="en-US" dirty="0"/>
+              <a:t>ようなもので、同時にファイルに</a:t>
             </a:r>
             <a:r>
               <a:rPr lang="ja-JP" altLang="en-US" b="1" dirty="0">
@@ -11731,6 +11848,144 @@
               <a:t>コメントを付ける</a:t>
             </a:r>
             <a:endParaRPr lang="en-US" altLang="ja-JP" dirty="0"/>
+          </a:p>
+        </p:txBody>
+      </p:sp>
+      <p:pic>
+        <p:nvPicPr>
+          <p:cNvPr id="5" name="図 4">
+            <a:extLst>
+              <a:ext uri="{FF2B5EF4-FFF2-40B4-BE49-F238E27FC236}">
+                <a16:creationId xmlns:a16="http://schemas.microsoft.com/office/drawing/2014/main" id="{78BDEF9A-5E6E-01CC-2348-250B0FC5694A}"/>
+              </a:ext>
+            </a:extLst>
+          </p:cNvPr>
+          <p:cNvPicPr>
+            <a:picLocks noChangeAspect="1"/>
+          </p:cNvPicPr>
+          <p:nvPr/>
+        </p:nvPicPr>
+        <p:blipFill>
+          <a:blip r:embed="rId2"/>
+          <a:srcRect t="11108" r="13496"/>
+          <a:stretch/>
+        </p:blipFill>
+        <p:spPr>
+          <a:xfrm>
+            <a:off x="9348964" y="2910077"/>
+            <a:ext cx="2843036" cy="2345664"/>
+          </a:xfrm>
+          <a:prstGeom prst="rect">
+            <a:avLst/>
+          </a:prstGeom>
+          <a:ln>
+            <a:solidFill>
+              <a:schemeClr val="tx1"/>
+            </a:solidFill>
+          </a:ln>
+        </p:spPr>
+      </p:pic>
+      <p:sp>
+        <p:nvSpPr>
+          <p:cNvPr id="6" name="正方形/長方形 5">
+            <a:extLst>
+              <a:ext uri="{FF2B5EF4-FFF2-40B4-BE49-F238E27FC236}">
+                <a16:creationId xmlns:a16="http://schemas.microsoft.com/office/drawing/2014/main" id="{7CC41836-B948-0A5F-4C4B-AD88783E1A92}"/>
+              </a:ext>
+            </a:extLst>
+          </p:cNvPr>
+          <p:cNvSpPr/>
+          <p:nvPr/>
+        </p:nvSpPr>
+        <p:spPr>
+          <a:xfrm>
+            <a:off x="9688749" y="3010158"/>
+            <a:ext cx="2503251" cy="418842"/>
+          </a:xfrm>
+          <a:prstGeom prst="rect">
+            <a:avLst/>
+          </a:prstGeom>
+          <a:noFill/>
+          <a:ln w="38100">
+            <a:solidFill>
+              <a:srgbClr val="FF0000"/>
+            </a:solidFill>
+          </a:ln>
+        </p:spPr>
+        <p:style>
+          <a:lnRef idx="2">
+            <a:schemeClr val="accent1">
+              <a:shade val="15000"/>
+            </a:schemeClr>
+          </a:lnRef>
+          <a:fillRef idx="1">
+            <a:schemeClr val="accent1"/>
+          </a:fillRef>
+          <a:effectRef idx="0">
+            <a:schemeClr val="accent1"/>
+          </a:effectRef>
+          <a:fontRef idx="minor">
+            <a:schemeClr val="lt1"/>
+          </a:fontRef>
+        </p:style>
+        <p:txBody>
+          <a:bodyPr rtlCol="0" anchor="ctr"/>
+          <a:lstStyle/>
+          <a:p>
+            <a:pPr algn="ctr"/>
+            <a:endParaRPr kumimoji="1" lang="ja-JP" altLang="en-US"/>
+          </a:p>
+        </p:txBody>
+      </p:sp>
+      <p:sp>
+        <p:nvSpPr>
+          <p:cNvPr id="7" name="正方形/長方形 6">
+            <a:extLst>
+              <a:ext uri="{FF2B5EF4-FFF2-40B4-BE49-F238E27FC236}">
+                <a16:creationId xmlns:a16="http://schemas.microsoft.com/office/drawing/2014/main" id="{7A1494DC-5910-B632-26CC-15DB7871FA18}"/>
+              </a:ext>
+            </a:extLst>
+          </p:cNvPr>
+          <p:cNvSpPr/>
+          <p:nvPr/>
+        </p:nvSpPr>
+        <p:spPr>
+          <a:xfrm>
+            <a:off x="9348964" y="4836899"/>
+            <a:ext cx="2843036" cy="418842"/>
+          </a:xfrm>
+          <a:prstGeom prst="rect">
+            <a:avLst/>
+          </a:prstGeom>
+          <a:noFill/>
+          <a:ln w="38100">
+            <a:solidFill>
+              <a:srgbClr val="FF0000"/>
+            </a:solidFill>
+          </a:ln>
+        </p:spPr>
+        <p:style>
+          <a:lnRef idx="2">
+            <a:schemeClr val="accent1">
+              <a:shade val="15000"/>
+            </a:schemeClr>
+          </a:lnRef>
+          <a:fillRef idx="1">
+            <a:schemeClr val="accent1"/>
+          </a:fillRef>
+          <a:effectRef idx="0">
+            <a:schemeClr val="accent1"/>
+          </a:effectRef>
+          <a:fontRef idx="minor">
+            <a:schemeClr val="lt1"/>
+          </a:fontRef>
+        </p:style>
+        <p:txBody>
+          <a:bodyPr rtlCol="0" anchor="ctr"/>
+          <a:lstStyle/>
+          <a:p>
+            <a:pPr algn="ctr"/>
+            <a:endParaRPr kumimoji="1" lang="ja-JP" altLang="en-US"/>
           </a:p>
         </p:txBody>
       </p:sp>
@@ -17984,17 +18239,6 @@
             <a:br>
               <a:rPr lang="en-US" altLang="ja-JP" dirty="0"/>
             </a:br>
-            <a:r>
-              <a:rPr lang="ja-JP" altLang="en-US" dirty="0"/>
-              <a:t>・赤が削除</a:t>
-            </a:r>
-            <a:br>
-              <a:rPr lang="en-US" altLang="ja-JP" dirty="0"/>
-            </a:br>
-            <a:r>
-              <a:rPr lang="ja-JP" altLang="en-US" dirty="0"/>
-              <a:t>・緑が追加・変更</a:t>
-            </a:r>
             <a:br>
               <a:rPr lang="en-US" altLang="ja-JP" dirty="0"/>
             </a:br>
@@ -19383,32 +19627,31 @@
             </a:br>
             <a:r>
               <a:rPr lang="ja-JP" altLang="en-US" dirty="0"/>
-              <a:t>変更についてのタイトル</a:t>
+              <a:t>特に問題がなければ右</a:t>
             </a:r>
             <a:br>
               <a:rPr lang="en-US" altLang="ja-JP" dirty="0"/>
             </a:br>
             <a:r>
               <a:rPr lang="ja-JP" altLang="en-US" dirty="0"/>
-              <a:t>や内容について書いた</a:t>
+              <a:t>のような画面になる</a:t>
             </a:r>
             <a:br>
               <a:rPr lang="en-US" altLang="ja-JP" dirty="0"/>
             </a:br>
-            <a:r>
-              <a:rPr lang="ja-JP" altLang="en-US" dirty="0"/>
-              <a:t>あとで</a:t>
-            </a:r>
-            <a:r>
-              <a:rPr lang="en-US" altLang="ja-JP" dirty="0"/>
-              <a:t>[Create pull</a:t>
-            </a:r>
             <a:br>
               <a:rPr lang="en-US" altLang="ja-JP" dirty="0"/>
             </a:br>
             <a:r>
               <a:rPr lang="en-US" altLang="ja-JP" dirty="0"/>
-              <a:t>request]</a:t>
+              <a:t>[Merge pull </a:t>
+            </a:r>
+            <a:br>
+              <a:rPr lang="en-US" altLang="ja-JP" dirty="0"/>
+            </a:br>
+            <a:r>
+              <a:rPr lang="en-US" altLang="ja-JP" dirty="0"/>
+              <a:t> request]</a:t>
             </a:r>
             <a:r>
               <a:rPr lang="ja-JP" altLang="en-US" dirty="0"/>
@@ -19453,6 +19696,58 @@
           </a:ln>
         </p:spPr>
       </p:pic>
+      <p:sp>
+        <p:nvSpPr>
+          <p:cNvPr id="3" name="正方形/長方形 2">
+            <a:extLst>
+              <a:ext uri="{FF2B5EF4-FFF2-40B4-BE49-F238E27FC236}">
+                <a16:creationId xmlns:a16="http://schemas.microsoft.com/office/drawing/2014/main" id="{57EE1288-2E59-19A0-4CE7-BD14B9A8EA1F}"/>
+              </a:ext>
+            </a:extLst>
+          </p:cNvPr>
+          <p:cNvSpPr/>
+          <p:nvPr/>
+        </p:nvSpPr>
+        <p:spPr>
+          <a:xfrm>
+            <a:off x="6955085" y="5949248"/>
+            <a:ext cx="1712260" cy="334820"/>
+          </a:xfrm>
+          <a:prstGeom prst="rect">
+            <a:avLst/>
+          </a:prstGeom>
+          <a:noFill/>
+          <a:ln w="38100">
+            <a:solidFill>
+              <a:srgbClr val="FF0000"/>
+            </a:solidFill>
+          </a:ln>
+        </p:spPr>
+        <p:style>
+          <a:lnRef idx="2">
+            <a:schemeClr val="accent1">
+              <a:shade val="15000"/>
+            </a:schemeClr>
+          </a:lnRef>
+          <a:fillRef idx="1">
+            <a:schemeClr val="accent1"/>
+          </a:fillRef>
+          <a:effectRef idx="0">
+            <a:schemeClr val="accent1"/>
+          </a:effectRef>
+          <a:fontRef idx="minor">
+            <a:schemeClr val="lt1"/>
+          </a:fontRef>
+        </p:style>
+        <p:txBody>
+          <a:bodyPr rtlCol="0" anchor="ctr"/>
+          <a:lstStyle/>
+          <a:p>
+            <a:pPr algn="ctr"/>
+            <a:endParaRPr kumimoji="1" lang="ja-JP" altLang="en-US"/>
+          </a:p>
+        </p:txBody>
+      </p:sp>
     </p:spTree>
     <p:extLst>
       <p:ext uri="{BB962C8B-B14F-4D97-AF65-F5344CB8AC3E}">
@@ -19738,33 +20033,32 @@
             </a:br>
             <a:r>
               <a:rPr lang="ja-JP" altLang="en-US" dirty="0"/>
-              <a:t>変更についてのタイトル</a:t>
+              <a:t>マージするための最終</a:t>
             </a:r>
             <a:br>
               <a:rPr lang="en-US" altLang="ja-JP" dirty="0"/>
             </a:br>
             <a:r>
               <a:rPr lang="ja-JP" altLang="en-US" dirty="0"/>
-              <a:t>や内容について書いた</a:t>
+              <a:t>確認が表示されるので</a:t>
             </a:r>
             <a:br>
               <a:rPr lang="en-US" altLang="ja-JP" dirty="0"/>
             </a:br>
             <a:r>
               <a:rPr lang="ja-JP" altLang="en-US" dirty="0"/>
-              <a:t>あとで</a:t>
-            </a:r>
-            <a:r>
-              <a:rPr lang="en-US" altLang="ja-JP" dirty="0"/>
-              <a:t>[Create pull</a:t>
+              <a:t>問題なければ</a:t>
             </a:r>
             <a:br>
               <a:rPr lang="en-US" altLang="ja-JP" dirty="0"/>
             </a:br>
             <a:r>
               <a:rPr lang="en-US" altLang="ja-JP" dirty="0"/>
-              <a:t>request]</a:t>
-            </a:r>
+              <a:t>[Confirm merge]</a:t>
+            </a:r>
+            <a:br>
+              <a:rPr lang="en-US" altLang="ja-JP" dirty="0"/>
+            </a:br>
             <a:r>
               <a:rPr lang="ja-JP" altLang="en-US" dirty="0"/>
               <a:t>をクリック</a:t>
@@ -19808,6 +20102,58 @@
           </a:ln>
         </p:spPr>
       </p:pic>
+      <p:sp>
+        <p:nvSpPr>
+          <p:cNvPr id="3" name="正方形/長方形 2">
+            <a:extLst>
+              <a:ext uri="{FF2B5EF4-FFF2-40B4-BE49-F238E27FC236}">
+                <a16:creationId xmlns:a16="http://schemas.microsoft.com/office/drawing/2014/main" id="{F41F7514-3BF1-7357-CBC6-ADCF8BD3BC2C}"/>
+              </a:ext>
+            </a:extLst>
+          </p:cNvPr>
+          <p:cNvSpPr/>
+          <p:nvPr/>
+        </p:nvSpPr>
+        <p:spPr>
+          <a:xfrm>
+            <a:off x="7062281" y="5628234"/>
+            <a:ext cx="1127265" cy="325093"/>
+          </a:xfrm>
+          <a:prstGeom prst="rect">
+            <a:avLst/>
+          </a:prstGeom>
+          <a:noFill/>
+          <a:ln w="38100">
+            <a:solidFill>
+              <a:srgbClr val="FF0000"/>
+            </a:solidFill>
+          </a:ln>
+        </p:spPr>
+        <p:style>
+          <a:lnRef idx="2">
+            <a:schemeClr val="accent1">
+              <a:shade val="15000"/>
+            </a:schemeClr>
+          </a:lnRef>
+          <a:fillRef idx="1">
+            <a:schemeClr val="accent1"/>
+          </a:fillRef>
+          <a:effectRef idx="0">
+            <a:schemeClr val="accent1"/>
+          </a:effectRef>
+          <a:fontRef idx="minor">
+            <a:schemeClr val="lt1"/>
+          </a:fontRef>
+        </p:style>
+        <p:txBody>
+          <a:bodyPr rtlCol="0" anchor="ctr"/>
+          <a:lstStyle/>
+          <a:p>
+            <a:pPr algn="ctr"/>
+            <a:endParaRPr kumimoji="1" lang="ja-JP" altLang="en-US"/>
+          </a:p>
+        </p:txBody>
+      </p:sp>
     </p:spTree>
     <p:extLst>
       <p:ext uri="{BB962C8B-B14F-4D97-AF65-F5344CB8AC3E}">
@@ -20093,33 +20439,57 @@
             </a:br>
             <a:r>
               <a:rPr lang="ja-JP" altLang="en-US" dirty="0"/>
-              <a:t>変更についてのタイトル</a:t>
+              <a:t>「</a:t>
+            </a:r>
+            <a:r>
+              <a:rPr lang="en-US" altLang="ja-JP" dirty="0"/>
+              <a:t>Merged</a:t>
+            </a:r>
+            <a:r>
+              <a:rPr lang="ja-JP" altLang="en-US" dirty="0"/>
+              <a:t>」と表示される</a:t>
             </a:r>
             <a:br>
               <a:rPr lang="en-US" altLang="ja-JP" dirty="0"/>
             </a:br>
             <a:r>
               <a:rPr lang="ja-JP" altLang="en-US" dirty="0"/>
-              <a:t>や内容について書いた</a:t>
+              <a:t>とマージ完了</a:t>
             </a:r>
             <a:br>
               <a:rPr lang="en-US" altLang="ja-JP" dirty="0"/>
             </a:br>
-            <a:r>
-              <a:rPr lang="ja-JP" altLang="en-US" dirty="0"/>
-              <a:t>あとで</a:t>
-            </a:r>
-            <a:r>
-              <a:rPr lang="en-US" altLang="ja-JP" dirty="0"/>
-              <a:t>[Create pull</a:t>
-            </a:r>
             <a:br>
               <a:rPr lang="en-US" altLang="ja-JP" dirty="0"/>
             </a:br>
             <a:r>
-              <a:rPr lang="en-US" altLang="ja-JP" dirty="0"/>
-              <a:t>request]</a:t>
-            </a:r>
+              <a:rPr lang="ja-JP" altLang="en-US" dirty="0"/>
+              <a:t>マージした後はブランチ</a:t>
+            </a:r>
+            <a:br>
+              <a:rPr lang="en-US" altLang="ja-JP" dirty="0"/>
+            </a:br>
+            <a:r>
+              <a:rPr lang="ja-JP" altLang="en-US" dirty="0"/>
+              <a:t>は不要になるので削除</a:t>
+            </a:r>
+            <a:br>
+              <a:rPr lang="en-US" altLang="ja-JP" dirty="0"/>
+            </a:br>
+            <a:r>
+              <a:rPr lang="ja-JP" altLang="en-US" dirty="0"/>
+              <a:t>する</a:t>
+            </a:r>
+            <a:br>
+              <a:rPr lang="en-US" altLang="ja-JP" dirty="0"/>
+            </a:br>
+            <a:r>
+              <a:rPr lang="en-US" altLang="ja-JP" dirty="0"/>
+              <a:t>[Delete branch]</a:t>
+            </a:r>
+            <a:br>
+              <a:rPr lang="en-US" altLang="ja-JP" dirty="0"/>
+            </a:br>
             <a:r>
               <a:rPr lang="ja-JP" altLang="en-US" dirty="0"/>
               <a:t>をクリック</a:t>
@@ -20163,6 +20533,58 @@
           </a:ln>
         </p:spPr>
       </p:pic>
+      <p:sp>
+        <p:nvSpPr>
+          <p:cNvPr id="3" name="正方形/長方形 2">
+            <a:extLst>
+              <a:ext uri="{FF2B5EF4-FFF2-40B4-BE49-F238E27FC236}">
+                <a16:creationId xmlns:a16="http://schemas.microsoft.com/office/drawing/2014/main" id="{81D450CE-F5C9-D6BA-F24E-38241DDFD016}"/>
+              </a:ext>
+            </a:extLst>
+          </p:cNvPr>
+          <p:cNvSpPr/>
+          <p:nvPr/>
+        </p:nvSpPr>
+        <p:spPr>
+          <a:xfrm>
+            <a:off x="10486418" y="5851971"/>
+            <a:ext cx="1146720" cy="315938"/>
+          </a:xfrm>
+          <a:prstGeom prst="rect">
+            <a:avLst/>
+          </a:prstGeom>
+          <a:noFill/>
+          <a:ln w="38100">
+            <a:solidFill>
+              <a:srgbClr val="FF0000"/>
+            </a:solidFill>
+          </a:ln>
+        </p:spPr>
+        <p:style>
+          <a:lnRef idx="2">
+            <a:schemeClr val="accent1">
+              <a:shade val="15000"/>
+            </a:schemeClr>
+          </a:lnRef>
+          <a:fillRef idx="1">
+            <a:schemeClr val="accent1"/>
+          </a:fillRef>
+          <a:effectRef idx="0">
+            <a:schemeClr val="accent1"/>
+          </a:effectRef>
+          <a:fontRef idx="minor">
+            <a:schemeClr val="lt1"/>
+          </a:fontRef>
+        </p:style>
+        <p:txBody>
+          <a:bodyPr rtlCol="0" anchor="ctr"/>
+          <a:lstStyle/>
+          <a:p>
+            <a:pPr algn="ctr"/>
+            <a:endParaRPr kumimoji="1" lang="ja-JP" altLang="en-US"/>
+          </a:p>
+        </p:txBody>
+      </p:sp>
     </p:spTree>
     <p:extLst>
       <p:ext uri="{BB962C8B-B14F-4D97-AF65-F5344CB8AC3E}">
@@ -20448,36 +20870,64 @@
             </a:br>
             <a:r>
               <a:rPr lang="ja-JP" altLang="en-US" dirty="0"/>
-              <a:t>変更についてのタイトル</a:t>
+              <a:t>リモートのブランチは削除</a:t>
             </a:r>
             <a:br>
               <a:rPr lang="en-US" altLang="ja-JP" dirty="0"/>
             </a:br>
             <a:r>
               <a:rPr lang="ja-JP" altLang="en-US" dirty="0"/>
-              <a:t>や内容について書いた</a:t>
+              <a:t>されたので、ローカルの</a:t>
             </a:r>
             <a:br>
               <a:rPr lang="en-US" altLang="ja-JP" dirty="0"/>
             </a:br>
             <a:r>
               <a:rPr lang="ja-JP" altLang="en-US" dirty="0"/>
-              <a:t>あとで</a:t>
-            </a:r>
-            <a:r>
-              <a:rPr lang="en-US" altLang="ja-JP" dirty="0"/>
-              <a:t>[Create pull</a:t>
+              <a:t>ブランチも削除する</a:t>
             </a:r>
             <a:br>
               <a:rPr lang="en-US" altLang="ja-JP" dirty="0"/>
             </a:br>
-            <a:r>
-              <a:rPr lang="en-US" altLang="ja-JP" dirty="0"/>
-              <a:t>request]</a:t>
-            </a:r>
-            <a:r>
-              <a:rPr lang="ja-JP" altLang="en-US" dirty="0"/>
-              <a:t>をクリック</a:t>
+            <a:br>
+              <a:rPr lang="en-US" altLang="ja-JP" dirty="0"/>
+            </a:br>
+            <a:r>
+              <a:rPr lang="en-US" altLang="ja-JP" dirty="0"/>
+              <a:t>Current branch</a:t>
+            </a:r>
+            <a:r>
+              <a:rPr lang="ja-JP" altLang="en-US" dirty="0"/>
+              <a:t>の</a:t>
+            </a:r>
+            <a:br>
+              <a:rPr lang="en-US" altLang="ja-JP" dirty="0"/>
+            </a:br>
+            <a:r>
+              <a:rPr lang="ja-JP" altLang="en-US" dirty="0"/>
+              <a:t>メニューからブランチを</a:t>
+            </a:r>
+            <a:br>
+              <a:rPr lang="en-US" altLang="ja-JP" dirty="0"/>
+            </a:br>
+            <a:r>
+              <a:rPr lang="ja-JP" altLang="en-US" dirty="0"/>
+              <a:t>選択して</a:t>
+            </a:r>
+            <a:r>
+              <a:rPr lang="en-US" altLang="ja-JP" dirty="0"/>
+              <a:t>[Delete]</a:t>
+            </a:r>
+            <a:r>
+              <a:rPr lang="ja-JP" altLang="en-US" dirty="0"/>
+              <a:t>を</a:t>
+            </a:r>
+            <a:br>
+              <a:rPr lang="en-US" altLang="ja-JP" dirty="0"/>
+            </a:br>
+            <a:r>
+              <a:rPr lang="ja-JP" altLang="en-US" dirty="0"/>
+              <a:t>クリック</a:t>
             </a:r>
             <a:endParaRPr lang="en-US" altLang="ja-JP" dirty="0"/>
           </a:p>
@@ -20505,14 +20955,262 @@
         </p:blipFill>
         <p:spPr>
           <a:xfrm>
-            <a:off x="3259485" y="2803191"/>
-            <a:ext cx="4382112" cy="3439005"/>
+            <a:off x="6469719" y="1587234"/>
+            <a:ext cx="5588235" cy="4385549"/>
           </a:xfrm>
           <a:prstGeom prst="rect">
             <a:avLst/>
           </a:prstGeom>
+          <a:ln>
+            <a:solidFill>
+              <a:schemeClr val="tx1"/>
+            </a:solidFill>
+          </a:ln>
         </p:spPr>
       </p:pic>
+      <p:sp>
+        <p:nvSpPr>
+          <p:cNvPr id="3" name="正方形/長方形 2">
+            <a:extLst>
+              <a:ext uri="{FF2B5EF4-FFF2-40B4-BE49-F238E27FC236}">
+                <a16:creationId xmlns:a16="http://schemas.microsoft.com/office/drawing/2014/main" id="{222F9973-73FE-5BAB-50C4-F50F0031C4C0}"/>
+              </a:ext>
+            </a:extLst>
+          </p:cNvPr>
+          <p:cNvSpPr/>
+          <p:nvPr/>
+        </p:nvSpPr>
+        <p:spPr>
+          <a:xfrm>
+            <a:off x="10223579" y="5440238"/>
+            <a:ext cx="1702532" cy="315938"/>
+          </a:xfrm>
+          <a:prstGeom prst="rect">
+            <a:avLst/>
+          </a:prstGeom>
+          <a:noFill/>
+          <a:ln w="38100">
+            <a:solidFill>
+              <a:srgbClr val="FF0000"/>
+            </a:solidFill>
+          </a:ln>
+        </p:spPr>
+        <p:style>
+          <a:lnRef idx="2">
+            <a:schemeClr val="accent1">
+              <a:shade val="15000"/>
+            </a:schemeClr>
+          </a:lnRef>
+          <a:fillRef idx="1">
+            <a:schemeClr val="accent1"/>
+          </a:fillRef>
+          <a:effectRef idx="0">
+            <a:schemeClr val="accent1"/>
+          </a:effectRef>
+          <a:fontRef idx="minor">
+            <a:schemeClr val="lt1"/>
+          </a:fontRef>
+        </p:style>
+        <p:txBody>
+          <a:bodyPr rtlCol="0" anchor="ctr"/>
+          <a:lstStyle/>
+          <a:p>
+            <a:pPr algn="ctr"/>
+            <a:endParaRPr kumimoji="1" lang="ja-JP" altLang="en-US"/>
+          </a:p>
+        </p:txBody>
+      </p:sp>
+      <p:sp>
+        <p:nvSpPr>
+          <p:cNvPr id="4" name="正方形/長方形 3">
+            <a:extLst>
+              <a:ext uri="{FF2B5EF4-FFF2-40B4-BE49-F238E27FC236}">
+                <a16:creationId xmlns:a16="http://schemas.microsoft.com/office/drawing/2014/main" id="{9EA7CDE6-3F2E-03EE-A129-41D67D751D93}"/>
+              </a:ext>
+            </a:extLst>
+          </p:cNvPr>
+          <p:cNvSpPr/>
+          <p:nvPr/>
+        </p:nvSpPr>
+        <p:spPr>
+          <a:xfrm>
+            <a:off x="6543280" y="1615650"/>
+            <a:ext cx="2766089" cy="563345"/>
+          </a:xfrm>
+          <a:prstGeom prst="rect">
+            <a:avLst/>
+          </a:prstGeom>
+          <a:noFill/>
+          <a:ln w="38100">
+            <a:solidFill>
+              <a:srgbClr val="FF0000"/>
+            </a:solidFill>
+          </a:ln>
+        </p:spPr>
+        <p:style>
+          <a:lnRef idx="2">
+            <a:schemeClr val="accent1">
+              <a:shade val="15000"/>
+            </a:schemeClr>
+          </a:lnRef>
+          <a:fillRef idx="1">
+            <a:schemeClr val="accent1"/>
+          </a:fillRef>
+          <a:effectRef idx="0">
+            <a:schemeClr val="accent1"/>
+          </a:effectRef>
+          <a:fontRef idx="minor">
+            <a:schemeClr val="lt1"/>
+          </a:fontRef>
+        </p:style>
+        <p:txBody>
+          <a:bodyPr rtlCol="0" anchor="ctr"/>
+          <a:lstStyle/>
+          <a:p>
+            <a:pPr algn="ctr"/>
+            <a:endParaRPr kumimoji="1" lang="ja-JP" altLang="en-US"/>
+          </a:p>
+        </p:txBody>
+      </p:sp>
+      <p:sp>
+        <p:nvSpPr>
+          <p:cNvPr id="6" name="正方形/長方形 5">
+            <a:extLst>
+              <a:ext uri="{FF2B5EF4-FFF2-40B4-BE49-F238E27FC236}">
+                <a16:creationId xmlns:a16="http://schemas.microsoft.com/office/drawing/2014/main" id="{EA963DD0-495B-F08A-EAF8-D0AE700C2A83}"/>
+              </a:ext>
+            </a:extLst>
+          </p:cNvPr>
+          <p:cNvSpPr/>
+          <p:nvPr/>
+        </p:nvSpPr>
+        <p:spPr>
+          <a:xfrm>
+            <a:off x="6465456" y="4162671"/>
+            <a:ext cx="3661038" cy="438511"/>
+          </a:xfrm>
+          <a:prstGeom prst="rect">
+            <a:avLst/>
+          </a:prstGeom>
+          <a:noFill/>
+          <a:ln w="38100">
+            <a:solidFill>
+              <a:srgbClr val="FF0000"/>
+            </a:solidFill>
+          </a:ln>
+        </p:spPr>
+        <p:style>
+          <a:lnRef idx="2">
+            <a:schemeClr val="accent1">
+              <a:shade val="15000"/>
+            </a:schemeClr>
+          </a:lnRef>
+          <a:fillRef idx="1">
+            <a:schemeClr val="accent1"/>
+          </a:fillRef>
+          <a:effectRef idx="0">
+            <a:schemeClr val="accent1"/>
+          </a:effectRef>
+          <a:fontRef idx="minor">
+            <a:schemeClr val="lt1"/>
+          </a:fontRef>
+        </p:style>
+        <p:txBody>
+          <a:bodyPr rtlCol="0" anchor="ctr"/>
+          <a:lstStyle/>
+          <a:p>
+            <a:pPr algn="ctr"/>
+            <a:endParaRPr kumimoji="1" lang="ja-JP" altLang="en-US"/>
+          </a:p>
+        </p:txBody>
+      </p:sp>
+      <p:cxnSp>
+        <p:nvCxnSpPr>
+          <p:cNvPr id="8" name="直線矢印コネクタ 7">
+            <a:extLst>
+              <a:ext uri="{FF2B5EF4-FFF2-40B4-BE49-F238E27FC236}">
+                <a16:creationId xmlns:a16="http://schemas.microsoft.com/office/drawing/2014/main" id="{CB0D81F5-128F-F503-C3CF-CD546A2AA5AC}"/>
+              </a:ext>
+            </a:extLst>
+          </p:cNvPr>
+          <p:cNvCxnSpPr/>
+          <p:nvPr/>
+        </p:nvCxnSpPr>
+        <p:spPr>
+          <a:xfrm>
+            <a:off x="7898860" y="2178995"/>
+            <a:ext cx="0" cy="1983676"/>
+          </a:xfrm>
+          <a:prstGeom prst="straightConnector1">
+            <a:avLst/>
+          </a:prstGeom>
+          <a:ln w="28575">
+            <a:solidFill>
+              <a:srgbClr val="FF0000"/>
+            </a:solidFill>
+            <a:tailEnd type="triangle"/>
+          </a:ln>
+        </p:spPr>
+        <p:style>
+          <a:lnRef idx="1">
+            <a:schemeClr val="accent1"/>
+          </a:lnRef>
+          <a:fillRef idx="0">
+            <a:schemeClr val="accent1"/>
+          </a:fillRef>
+          <a:effectRef idx="0">
+            <a:schemeClr val="accent1"/>
+          </a:effectRef>
+          <a:fontRef idx="minor">
+            <a:schemeClr val="tx1"/>
+          </a:fontRef>
+        </p:style>
+      </p:cxnSp>
+      <p:cxnSp>
+        <p:nvCxnSpPr>
+          <p:cNvPr id="11" name="コネクタ: カギ線 10">
+            <a:extLst>
+              <a:ext uri="{FF2B5EF4-FFF2-40B4-BE49-F238E27FC236}">
+                <a16:creationId xmlns:a16="http://schemas.microsoft.com/office/drawing/2014/main" id="{93DC3AF4-A16C-6A8F-A9A1-59B99CDB8ABA}"/>
+              </a:ext>
+            </a:extLst>
+          </p:cNvPr>
+          <p:cNvCxnSpPr>
+            <a:stCxn id="6" idx="2"/>
+            <a:endCxn id="3" idx="1"/>
+          </p:cNvCxnSpPr>
+          <p:nvPr/>
+        </p:nvCxnSpPr>
+        <p:spPr>
+          <a:xfrm rot="16200000" flipH="1">
+            <a:off x="8761265" y="4135892"/>
+            <a:ext cx="997025" cy="1927604"/>
+          </a:xfrm>
+          <a:prstGeom prst="bentConnector2">
+            <a:avLst/>
+          </a:prstGeom>
+          <a:ln w="28575">
+            <a:solidFill>
+              <a:srgbClr val="FF0000"/>
+            </a:solidFill>
+            <a:tailEnd type="triangle"/>
+          </a:ln>
+        </p:spPr>
+        <p:style>
+          <a:lnRef idx="1">
+            <a:schemeClr val="accent1"/>
+          </a:lnRef>
+          <a:fillRef idx="0">
+            <a:schemeClr val="accent1"/>
+          </a:fillRef>
+          <a:effectRef idx="0">
+            <a:schemeClr val="accent1"/>
+          </a:effectRef>
+          <a:fontRef idx="minor">
+            <a:schemeClr val="tx1"/>
+          </a:fontRef>
+        </p:style>
+      </p:cxnSp>
     </p:spTree>
     <p:extLst>
       <p:ext uri="{BB962C8B-B14F-4D97-AF65-F5344CB8AC3E}">

--- a/授業資料/GitHubを用いたチーム制作.pptx
+++ b/授業資料/GitHubを用いたチーム制作.pptx
@@ -6177,6 +6177,58 @@
           </a:p>
         </p:txBody>
       </p:sp>
+      <p:sp>
+        <p:nvSpPr>
+          <p:cNvPr id="7" name="正方形/長方形 6">
+            <a:extLst>
+              <a:ext uri="{FF2B5EF4-FFF2-40B4-BE49-F238E27FC236}">
+                <a16:creationId xmlns:a16="http://schemas.microsoft.com/office/drawing/2014/main" id="{45A21AD2-9387-9876-7776-CC7783B09831}"/>
+              </a:ext>
+            </a:extLst>
+          </p:cNvPr>
+          <p:cNvSpPr/>
+          <p:nvPr/>
+        </p:nvSpPr>
+        <p:spPr>
+          <a:xfrm>
+            <a:off x="7662153" y="5159234"/>
+            <a:ext cx="839821" cy="239618"/>
+          </a:xfrm>
+          <a:prstGeom prst="rect">
+            <a:avLst/>
+          </a:prstGeom>
+          <a:solidFill>
+            <a:srgbClr val="00B050"/>
+          </a:solidFill>
+        </p:spPr>
+        <p:style>
+          <a:lnRef idx="2">
+            <a:schemeClr val="accent1">
+              <a:shade val="15000"/>
+            </a:schemeClr>
+          </a:lnRef>
+          <a:fillRef idx="1">
+            <a:schemeClr val="accent1"/>
+          </a:fillRef>
+          <a:effectRef idx="0">
+            <a:schemeClr val="accent1"/>
+          </a:effectRef>
+          <a:fontRef idx="minor">
+            <a:schemeClr val="lt1"/>
+          </a:fontRef>
+        </p:style>
+        <p:txBody>
+          <a:bodyPr rtlCol="0" anchor="ctr"/>
+          <a:lstStyle/>
+          <a:p>
+            <a:pPr algn="ctr"/>
+            <a:r>
+              <a:rPr kumimoji="1" lang="ja-JP" altLang="en-US" sz="1200" dirty="0"/>
+              <a:t>ユーザ名</a:t>
+            </a:r>
+          </a:p>
+        </p:txBody>
+      </p:sp>
     </p:spTree>
     <p:extLst>
       <p:ext uri="{BB962C8B-B14F-4D97-AF65-F5344CB8AC3E}">
@@ -23831,6 +23883,51 @@
           </a:p>
         </p:txBody>
       </p:sp>
+      <p:cxnSp>
+        <p:nvCxnSpPr>
+          <p:cNvPr id="4" name="直線矢印コネクタ 3">
+            <a:extLst>
+              <a:ext uri="{FF2B5EF4-FFF2-40B4-BE49-F238E27FC236}">
+                <a16:creationId xmlns:a16="http://schemas.microsoft.com/office/drawing/2014/main" id="{1211A8ED-D7CE-071B-BA51-82F550E9C40C}"/>
+              </a:ext>
+            </a:extLst>
+          </p:cNvPr>
+          <p:cNvCxnSpPr>
+            <a:stCxn id="7" idx="2"/>
+            <a:endCxn id="8" idx="0"/>
+          </p:cNvCxnSpPr>
+          <p:nvPr/>
+        </p:nvCxnSpPr>
+        <p:spPr>
+          <a:xfrm flipH="1">
+            <a:off x="5676090" y="5251740"/>
+            <a:ext cx="87549" cy="896897"/>
+          </a:xfrm>
+          <a:prstGeom prst="straightConnector1">
+            <a:avLst/>
+          </a:prstGeom>
+          <a:ln w="28575">
+            <a:solidFill>
+              <a:srgbClr val="FF0000"/>
+            </a:solidFill>
+            <a:tailEnd type="triangle"/>
+          </a:ln>
+        </p:spPr>
+        <p:style>
+          <a:lnRef idx="1">
+            <a:schemeClr val="accent1"/>
+          </a:lnRef>
+          <a:fillRef idx="0">
+            <a:schemeClr val="accent1"/>
+          </a:fillRef>
+          <a:effectRef idx="0">
+            <a:schemeClr val="accent1"/>
+          </a:effectRef>
+          <a:fontRef idx="minor">
+            <a:schemeClr val="tx1"/>
+          </a:fontRef>
+        </p:style>
+      </p:cxnSp>
     </p:spTree>
     <p:extLst>
       <p:ext uri="{BB962C8B-B14F-4D97-AF65-F5344CB8AC3E}">

--- a/授業資料/GitHubを用いたチーム制作.pptx
+++ b/授業資料/GitHubを用いたチーム制作.pptx
@@ -3484,7 +3484,19 @@
             </a:r>
             <a:r>
               <a:rPr lang="ja-JP" altLang="en-US" dirty="0"/>
-              <a:t>にはコラボレーション機能があり、ひとつのリポジトリを複数人で更新ことができるようになっている</a:t>
+              <a:t>には</a:t>
+            </a:r>
+            <a:r>
+              <a:rPr lang="ja-JP" altLang="en-US" dirty="0">
+                <a:solidFill>
+                  <a:srgbClr val="FF0000"/>
+                </a:solidFill>
+              </a:rPr>
+              <a:t>コラボレーション機能</a:t>
+            </a:r>
+            <a:r>
+              <a:rPr lang="ja-JP" altLang="en-US" dirty="0"/>
+              <a:t>があり、ひとつのリポジトリを複数人で更新することができるようになっている</a:t>
             </a:r>
             <a:br>
               <a:rPr lang="en-US" altLang="ja-JP" dirty="0"/>
@@ -3494,7 +3506,19 @@
           <a:p>
             <a:r>
               <a:rPr lang="ja-JP" altLang="en-US" dirty="0"/>
-              <a:t>リポジトリ内のファイルを各自で追加や編集をして、結果を統合（マージ）することができる</a:t>
+              <a:t>リポジトリ内のファイルを各自で追加や編集をして、結果を</a:t>
+            </a:r>
+            <a:r>
+              <a:rPr lang="ja-JP" altLang="en-US" b="1" dirty="0">
+                <a:solidFill>
+                  <a:srgbClr val="FF00FF"/>
+                </a:solidFill>
+              </a:rPr>
+              <a:t>統合（マージ）</a:t>
+            </a:r>
+            <a:r>
+              <a:rPr lang="ja-JP" altLang="en-US" dirty="0"/>
+              <a:t>することができる</a:t>
             </a:r>
             <a:endParaRPr lang="en-US" altLang="ja-JP" dirty="0"/>
           </a:p>

--- a/授業資料/GitHubを用いたチーム制作.pptx
+++ b/授業資料/GitHubを用いたチーム制作.pptx
@@ -12,43 +12,44 @@
     <p:sldId id="370" r:id="rId6"/>
     <p:sldId id="372" r:id="rId7"/>
     <p:sldId id="373" r:id="rId8"/>
-    <p:sldId id="374" r:id="rId9"/>
-    <p:sldId id="375" r:id="rId10"/>
-    <p:sldId id="366" r:id="rId11"/>
-    <p:sldId id="376" r:id="rId12"/>
-    <p:sldId id="368" r:id="rId13"/>
-    <p:sldId id="367" r:id="rId14"/>
-    <p:sldId id="369" r:id="rId15"/>
-    <p:sldId id="377" r:id="rId16"/>
-    <p:sldId id="378" r:id="rId17"/>
-    <p:sldId id="379" r:id="rId18"/>
-    <p:sldId id="380" r:id="rId19"/>
-    <p:sldId id="381" r:id="rId20"/>
-    <p:sldId id="382" r:id="rId21"/>
-    <p:sldId id="383" r:id="rId22"/>
-    <p:sldId id="384" r:id="rId23"/>
-    <p:sldId id="386" r:id="rId24"/>
-    <p:sldId id="385" r:id="rId25"/>
-    <p:sldId id="387" r:id="rId26"/>
-    <p:sldId id="388" r:id="rId27"/>
-    <p:sldId id="389" r:id="rId28"/>
-    <p:sldId id="390" r:id="rId29"/>
-    <p:sldId id="391" r:id="rId30"/>
-    <p:sldId id="392" r:id="rId31"/>
-    <p:sldId id="393" r:id="rId32"/>
-    <p:sldId id="394" r:id="rId33"/>
-    <p:sldId id="395" r:id="rId34"/>
-    <p:sldId id="396" r:id="rId35"/>
-    <p:sldId id="397" r:id="rId36"/>
-    <p:sldId id="398" r:id="rId37"/>
-    <p:sldId id="399" r:id="rId38"/>
-    <p:sldId id="400" r:id="rId39"/>
-    <p:sldId id="401" r:id="rId40"/>
-    <p:sldId id="402" r:id="rId41"/>
-    <p:sldId id="403" r:id="rId42"/>
-    <p:sldId id="404" r:id="rId43"/>
-    <p:sldId id="405" r:id="rId44"/>
-    <p:sldId id="406" r:id="rId45"/>
+    <p:sldId id="407" r:id="rId9"/>
+    <p:sldId id="374" r:id="rId10"/>
+    <p:sldId id="375" r:id="rId11"/>
+    <p:sldId id="366" r:id="rId12"/>
+    <p:sldId id="376" r:id="rId13"/>
+    <p:sldId id="368" r:id="rId14"/>
+    <p:sldId id="367" r:id="rId15"/>
+    <p:sldId id="369" r:id="rId16"/>
+    <p:sldId id="377" r:id="rId17"/>
+    <p:sldId id="378" r:id="rId18"/>
+    <p:sldId id="379" r:id="rId19"/>
+    <p:sldId id="380" r:id="rId20"/>
+    <p:sldId id="381" r:id="rId21"/>
+    <p:sldId id="382" r:id="rId22"/>
+    <p:sldId id="383" r:id="rId23"/>
+    <p:sldId id="384" r:id="rId24"/>
+    <p:sldId id="386" r:id="rId25"/>
+    <p:sldId id="385" r:id="rId26"/>
+    <p:sldId id="387" r:id="rId27"/>
+    <p:sldId id="388" r:id="rId28"/>
+    <p:sldId id="389" r:id="rId29"/>
+    <p:sldId id="390" r:id="rId30"/>
+    <p:sldId id="391" r:id="rId31"/>
+    <p:sldId id="392" r:id="rId32"/>
+    <p:sldId id="393" r:id="rId33"/>
+    <p:sldId id="394" r:id="rId34"/>
+    <p:sldId id="395" r:id="rId35"/>
+    <p:sldId id="396" r:id="rId36"/>
+    <p:sldId id="397" r:id="rId37"/>
+    <p:sldId id="398" r:id="rId38"/>
+    <p:sldId id="399" r:id="rId39"/>
+    <p:sldId id="400" r:id="rId40"/>
+    <p:sldId id="401" r:id="rId41"/>
+    <p:sldId id="402" r:id="rId42"/>
+    <p:sldId id="403" r:id="rId43"/>
+    <p:sldId id="404" r:id="rId44"/>
+    <p:sldId id="405" r:id="rId45"/>
+    <p:sldId id="406" r:id="rId46"/>
   </p:sldIdLst>
   <p:sldSz cx="12192000" cy="6858000"/>
   <p:notesSz cx="6858000" cy="9144000"/>
@@ -3545,6 +3546,632 @@
         <p:cNvPr id="1" name="">
           <a:extLst>
             <a:ext uri="{FF2B5EF4-FFF2-40B4-BE49-F238E27FC236}">
+              <a16:creationId xmlns:a16="http://schemas.microsoft.com/office/drawing/2014/main" id="{9F39B5E8-31A2-5A2B-66C1-21444243B567}"/>
+            </a:ext>
+          </a:extLst>
+        </p:cNvPr>
+        <p:cNvGrpSpPr/>
+        <p:nvPr/>
+      </p:nvGrpSpPr>
+      <p:grpSpPr>
+        <a:xfrm>
+          <a:off x="0" y="0"/>
+          <a:ext cx="0" cy="0"/>
+          <a:chOff x="0" y="0"/>
+          <a:chExt cx="0" cy="0"/>
+        </a:xfrm>
+      </p:grpSpPr>
+      <p:sp>
+        <p:nvSpPr>
+          <p:cNvPr id="2" name="タイトル 1">
+            <a:extLst>
+              <a:ext uri="{FF2B5EF4-FFF2-40B4-BE49-F238E27FC236}">
+                <a16:creationId xmlns:a16="http://schemas.microsoft.com/office/drawing/2014/main" id="{489709D2-6886-E95C-8ACE-511CB015F636}"/>
+              </a:ext>
+            </a:extLst>
+          </p:cNvPr>
+          <p:cNvSpPr>
+            <a:spLocks noGrp="1"/>
+          </p:cNvSpPr>
+          <p:nvPr>
+            <p:ph type="title"/>
+          </p:nvPr>
+        </p:nvSpPr>
+        <p:spPr/>
+        <p:txBody>
+          <a:bodyPr/>
+          <a:lstStyle/>
+          <a:p>
+            <a:r>
+              <a:rPr lang="en-US" altLang="ja-JP" dirty="0"/>
+              <a:t>GitHub</a:t>
+            </a:r>
+            <a:r>
+              <a:rPr lang="ja-JP" altLang="en-US" dirty="0"/>
+              <a:t>を使ったチーム制作</a:t>
+            </a:r>
+            <a:endParaRPr kumimoji="1" lang="ja-JP" altLang="en-US" dirty="0"/>
+          </a:p>
+        </p:txBody>
+      </p:sp>
+      <p:sp>
+        <p:nvSpPr>
+          <p:cNvPr id="9" name="コンテンツ プレースホルダー 2">
+            <a:extLst>
+              <a:ext uri="{FF2B5EF4-FFF2-40B4-BE49-F238E27FC236}">
+                <a16:creationId xmlns:a16="http://schemas.microsoft.com/office/drawing/2014/main" id="{FB6A7B57-10CB-E4A4-6B79-50E2AB799B1B}"/>
+              </a:ext>
+            </a:extLst>
+          </p:cNvPr>
+          <p:cNvSpPr txBox="1">
+            <a:spLocks/>
+          </p:cNvSpPr>
+          <p:nvPr/>
+        </p:nvSpPr>
+        <p:spPr>
+          <a:xfrm>
+            <a:off x="838200" y="1376038"/>
+            <a:ext cx="10515600" cy="4980311"/>
+          </a:xfrm>
+          <a:prstGeom prst="rect">
+            <a:avLst/>
+          </a:prstGeom>
+        </p:spPr>
+        <p:txBody>
+          <a:bodyPr vert="horz" lIns="91440" tIns="45720" rIns="91440" bIns="45720" rtlCol="0">
+            <a:normAutofit/>
+          </a:bodyPr>
+          <a:lstStyle>
+            <a:lvl1pPr marL="228600" indent="-228600" algn="l" defTabSz="914400" rtl="0" eaLnBrk="1" latinLnBrk="0" hangingPunct="1">
+              <a:lnSpc>
+                <a:spcPct val="90000"/>
+              </a:lnSpc>
+              <a:spcBef>
+                <a:spcPts val="1000"/>
+              </a:spcBef>
+              <a:buFont typeface="Arial" panose="020B0604020202020204" pitchFamily="34" charset="0"/>
+              <a:buChar char="•"/>
+              <a:defRPr kumimoji="1" sz="3600" kern="1200">
+                <a:solidFill>
+                  <a:schemeClr val="tx1"/>
+                </a:solidFill>
+                <a:latin typeface="+mn-lt"/>
+                <a:ea typeface="+mn-ea"/>
+                <a:cs typeface="+mn-cs"/>
+              </a:defRPr>
+            </a:lvl1pPr>
+            <a:lvl2pPr marL="685800" indent="-228600" algn="l" defTabSz="914400" rtl="0" eaLnBrk="1" latinLnBrk="0" hangingPunct="1">
+              <a:lnSpc>
+                <a:spcPct val="90000"/>
+              </a:lnSpc>
+              <a:spcBef>
+                <a:spcPts val="500"/>
+              </a:spcBef>
+              <a:buFont typeface="Arial" panose="020B0604020202020204" pitchFamily="34" charset="0"/>
+              <a:buChar char="•"/>
+              <a:defRPr kumimoji="1" sz="3200" kern="1200">
+                <a:solidFill>
+                  <a:schemeClr val="tx1"/>
+                </a:solidFill>
+                <a:latin typeface="+mn-lt"/>
+                <a:ea typeface="+mn-ea"/>
+                <a:cs typeface="+mn-cs"/>
+              </a:defRPr>
+            </a:lvl2pPr>
+            <a:lvl3pPr marL="1143000" indent="-228600" algn="l" defTabSz="914400" rtl="0" eaLnBrk="1" latinLnBrk="0" hangingPunct="1">
+              <a:lnSpc>
+                <a:spcPct val="90000"/>
+              </a:lnSpc>
+              <a:spcBef>
+                <a:spcPts val="500"/>
+              </a:spcBef>
+              <a:buFont typeface="Arial" panose="020B0604020202020204" pitchFamily="34" charset="0"/>
+              <a:buChar char="•"/>
+              <a:defRPr kumimoji="1" sz="2800" kern="1200">
+                <a:solidFill>
+                  <a:schemeClr val="tx1"/>
+                </a:solidFill>
+                <a:latin typeface="+mn-lt"/>
+                <a:ea typeface="+mn-ea"/>
+                <a:cs typeface="+mn-cs"/>
+              </a:defRPr>
+            </a:lvl3pPr>
+            <a:lvl4pPr marL="1600200" indent="-228600" algn="l" defTabSz="914400" rtl="0" eaLnBrk="1" latinLnBrk="0" hangingPunct="1">
+              <a:lnSpc>
+                <a:spcPct val="90000"/>
+              </a:lnSpc>
+              <a:spcBef>
+                <a:spcPts val="500"/>
+              </a:spcBef>
+              <a:buFont typeface="Arial" panose="020B0604020202020204" pitchFamily="34" charset="0"/>
+              <a:buChar char="•"/>
+              <a:defRPr kumimoji="1" sz="2400" kern="1200">
+                <a:solidFill>
+                  <a:schemeClr val="tx1"/>
+                </a:solidFill>
+                <a:latin typeface="+mn-lt"/>
+                <a:ea typeface="+mn-ea"/>
+                <a:cs typeface="+mn-cs"/>
+              </a:defRPr>
+            </a:lvl4pPr>
+            <a:lvl5pPr marL="2057400" indent="-228600" algn="l" defTabSz="914400" rtl="0" eaLnBrk="1" latinLnBrk="0" hangingPunct="1">
+              <a:lnSpc>
+                <a:spcPct val="90000"/>
+              </a:lnSpc>
+              <a:spcBef>
+                <a:spcPts val="500"/>
+              </a:spcBef>
+              <a:buFont typeface="Arial" panose="020B0604020202020204" pitchFamily="34" charset="0"/>
+              <a:buChar char="•"/>
+              <a:defRPr kumimoji="1" sz="2400" kern="1200">
+                <a:solidFill>
+                  <a:schemeClr val="tx1"/>
+                </a:solidFill>
+                <a:latin typeface="+mn-lt"/>
+                <a:ea typeface="+mn-ea"/>
+                <a:cs typeface="+mn-cs"/>
+              </a:defRPr>
+            </a:lvl5pPr>
+            <a:lvl6pPr marL="2514600" indent="-228600" algn="l" defTabSz="914400" rtl="0" eaLnBrk="1" latinLnBrk="0" hangingPunct="1">
+              <a:lnSpc>
+                <a:spcPct val="90000"/>
+              </a:lnSpc>
+              <a:spcBef>
+                <a:spcPts val="500"/>
+              </a:spcBef>
+              <a:buFont typeface="Arial" panose="020B0604020202020204" pitchFamily="34" charset="0"/>
+              <a:buChar char="•"/>
+              <a:defRPr kumimoji="1" sz="1800" kern="1200">
+                <a:solidFill>
+                  <a:schemeClr val="tx1"/>
+                </a:solidFill>
+                <a:latin typeface="+mn-lt"/>
+                <a:ea typeface="+mn-ea"/>
+                <a:cs typeface="+mn-cs"/>
+              </a:defRPr>
+            </a:lvl6pPr>
+            <a:lvl7pPr marL="2971800" indent="-228600" algn="l" defTabSz="914400" rtl="0" eaLnBrk="1" latinLnBrk="0" hangingPunct="1">
+              <a:lnSpc>
+                <a:spcPct val="90000"/>
+              </a:lnSpc>
+              <a:spcBef>
+                <a:spcPts val="500"/>
+              </a:spcBef>
+              <a:buFont typeface="Arial" panose="020B0604020202020204" pitchFamily="34" charset="0"/>
+              <a:buChar char="•"/>
+              <a:defRPr kumimoji="1" sz="1800" kern="1200">
+                <a:solidFill>
+                  <a:schemeClr val="tx1"/>
+                </a:solidFill>
+                <a:latin typeface="+mn-lt"/>
+                <a:ea typeface="+mn-ea"/>
+                <a:cs typeface="+mn-cs"/>
+              </a:defRPr>
+            </a:lvl7pPr>
+            <a:lvl8pPr marL="3429000" indent="-228600" algn="l" defTabSz="914400" rtl="0" eaLnBrk="1" latinLnBrk="0" hangingPunct="1">
+              <a:lnSpc>
+                <a:spcPct val="90000"/>
+              </a:lnSpc>
+              <a:spcBef>
+                <a:spcPts val="500"/>
+              </a:spcBef>
+              <a:buFont typeface="Arial" panose="020B0604020202020204" pitchFamily="34" charset="0"/>
+              <a:buChar char="•"/>
+              <a:defRPr kumimoji="1" sz="1800" kern="1200">
+                <a:solidFill>
+                  <a:schemeClr val="tx1"/>
+                </a:solidFill>
+                <a:latin typeface="+mn-lt"/>
+                <a:ea typeface="+mn-ea"/>
+                <a:cs typeface="+mn-cs"/>
+              </a:defRPr>
+            </a:lvl8pPr>
+            <a:lvl9pPr marL="3886200" indent="-228600" algn="l" defTabSz="914400" rtl="0" eaLnBrk="1" latinLnBrk="0" hangingPunct="1">
+              <a:lnSpc>
+                <a:spcPct val="90000"/>
+              </a:lnSpc>
+              <a:spcBef>
+                <a:spcPts val="500"/>
+              </a:spcBef>
+              <a:buFont typeface="Arial" panose="020B0604020202020204" pitchFamily="34" charset="0"/>
+              <a:buChar char="•"/>
+              <a:defRPr kumimoji="1" sz="1800" kern="1200">
+                <a:solidFill>
+                  <a:schemeClr val="tx1"/>
+                </a:solidFill>
+                <a:latin typeface="+mn-lt"/>
+                <a:ea typeface="+mn-ea"/>
+                <a:cs typeface="+mn-cs"/>
+              </a:defRPr>
+            </a:lvl9pPr>
+          </a:lstStyle>
+          <a:p>
+            <a:endParaRPr lang="en-US" altLang="ja-JP" dirty="0"/>
+          </a:p>
+        </p:txBody>
+      </p:sp>
+      <p:sp>
+        <p:nvSpPr>
+          <p:cNvPr id="12" name="コンテンツ プレースホルダー 2">
+            <a:extLst>
+              <a:ext uri="{FF2B5EF4-FFF2-40B4-BE49-F238E27FC236}">
+                <a16:creationId xmlns:a16="http://schemas.microsoft.com/office/drawing/2014/main" id="{EF52AA94-3CD5-B804-A6EA-FBE976019A31}"/>
+              </a:ext>
+            </a:extLst>
+          </p:cNvPr>
+          <p:cNvSpPr txBox="1">
+            <a:spLocks/>
+          </p:cNvSpPr>
+          <p:nvPr/>
+        </p:nvSpPr>
+        <p:spPr>
+          <a:xfrm>
+            <a:off x="990600" y="1528438"/>
+            <a:ext cx="10515600" cy="4980311"/>
+          </a:xfrm>
+          <a:prstGeom prst="rect">
+            <a:avLst/>
+          </a:prstGeom>
+        </p:spPr>
+        <p:txBody>
+          <a:bodyPr vert="horz" lIns="91440" tIns="45720" rIns="91440" bIns="45720" rtlCol="0">
+            <a:normAutofit/>
+          </a:bodyPr>
+          <a:lstStyle>
+            <a:lvl1pPr marL="228600" indent="-228600" algn="l" defTabSz="914400" rtl="0" eaLnBrk="1" latinLnBrk="0" hangingPunct="1">
+              <a:lnSpc>
+                <a:spcPct val="90000"/>
+              </a:lnSpc>
+              <a:spcBef>
+                <a:spcPts val="1000"/>
+              </a:spcBef>
+              <a:buFont typeface="Arial" panose="020B0604020202020204" pitchFamily="34" charset="0"/>
+              <a:buChar char="•"/>
+              <a:defRPr kumimoji="1" sz="3600" kern="1200">
+                <a:solidFill>
+                  <a:schemeClr val="tx1"/>
+                </a:solidFill>
+                <a:latin typeface="+mn-lt"/>
+                <a:ea typeface="+mn-ea"/>
+                <a:cs typeface="+mn-cs"/>
+              </a:defRPr>
+            </a:lvl1pPr>
+            <a:lvl2pPr marL="685800" indent="-228600" algn="l" defTabSz="914400" rtl="0" eaLnBrk="1" latinLnBrk="0" hangingPunct="1">
+              <a:lnSpc>
+                <a:spcPct val="90000"/>
+              </a:lnSpc>
+              <a:spcBef>
+                <a:spcPts val="500"/>
+              </a:spcBef>
+              <a:buFont typeface="Arial" panose="020B0604020202020204" pitchFamily="34" charset="0"/>
+              <a:buChar char="•"/>
+              <a:defRPr kumimoji="1" sz="3200" kern="1200">
+                <a:solidFill>
+                  <a:schemeClr val="tx1"/>
+                </a:solidFill>
+                <a:latin typeface="+mn-lt"/>
+                <a:ea typeface="+mn-ea"/>
+                <a:cs typeface="+mn-cs"/>
+              </a:defRPr>
+            </a:lvl2pPr>
+            <a:lvl3pPr marL="1143000" indent="-228600" algn="l" defTabSz="914400" rtl="0" eaLnBrk="1" latinLnBrk="0" hangingPunct="1">
+              <a:lnSpc>
+                <a:spcPct val="90000"/>
+              </a:lnSpc>
+              <a:spcBef>
+                <a:spcPts val="500"/>
+              </a:spcBef>
+              <a:buFont typeface="Arial" panose="020B0604020202020204" pitchFamily="34" charset="0"/>
+              <a:buChar char="•"/>
+              <a:defRPr kumimoji="1" sz="2800" kern="1200">
+                <a:solidFill>
+                  <a:schemeClr val="tx1"/>
+                </a:solidFill>
+                <a:latin typeface="+mn-lt"/>
+                <a:ea typeface="+mn-ea"/>
+                <a:cs typeface="+mn-cs"/>
+              </a:defRPr>
+            </a:lvl3pPr>
+            <a:lvl4pPr marL="1600200" indent="-228600" algn="l" defTabSz="914400" rtl="0" eaLnBrk="1" latinLnBrk="0" hangingPunct="1">
+              <a:lnSpc>
+                <a:spcPct val="90000"/>
+              </a:lnSpc>
+              <a:spcBef>
+                <a:spcPts val="500"/>
+              </a:spcBef>
+              <a:buFont typeface="Arial" panose="020B0604020202020204" pitchFamily="34" charset="0"/>
+              <a:buChar char="•"/>
+              <a:defRPr kumimoji="1" sz="2400" kern="1200">
+                <a:solidFill>
+                  <a:schemeClr val="tx1"/>
+                </a:solidFill>
+                <a:latin typeface="+mn-lt"/>
+                <a:ea typeface="+mn-ea"/>
+                <a:cs typeface="+mn-cs"/>
+              </a:defRPr>
+            </a:lvl4pPr>
+            <a:lvl5pPr marL="2057400" indent="-228600" algn="l" defTabSz="914400" rtl="0" eaLnBrk="1" latinLnBrk="0" hangingPunct="1">
+              <a:lnSpc>
+                <a:spcPct val="90000"/>
+              </a:lnSpc>
+              <a:spcBef>
+                <a:spcPts val="500"/>
+              </a:spcBef>
+              <a:buFont typeface="Arial" panose="020B0604020202020204" pitchFamily="34" charset="0"/>
+              <a:buChar char="•"/>
+              <a:defRPr kumimoji="1" sz="2400" kern="1200">
+                <a:solidFill>
+                  <a:schemeClr val="tx1"/>
+                </a:solidFill>
+                <a:latin typeface="+mn-lt"/>
+                <a:ea typeface="+mn-ea"/>
+                <a:cs typeface="+mn-cs"/>
+              </a:defRPr>
+            </a:lvl5pPr>
+            <a:lvl6pPr marL="2514600" indent="-228600" algn="l" defTabSz="914400" rtl="0" eaLnBrk="1" latinLnBrk="0" hangingPunct="1">
+              <a:lnSpc>
+                <a:spcPct val="90000"/>
+              </a:lnSpc>
+              <a:spcBef>
+                <a:spcPts val="500"/>
+              </a:spcBef>
+              <a:buFont typeface="Arial" panose="020B0604020202020204" pitchFamily="34" charset="0"/>
+              <a:buChar char="•"/>
+              <a:defRPr kumimoji="1" sz="1800" kern="1200">
+                <a:solidFill>
+                  <a:schemeClr val="tx1"/>
+                </a:solidFill>
+                <a:latin typeface="+mn-lt"/>
+                <a:ea typeface="+mn-ea"/>
+                <a:cs typeface="+mn-cs"/>
+              </a:defRPr>
+            </a:lvl6pPr>
+            <a:lvl7pPr marL="2971800" indent="-228600" algn="l" defTabSz="914400" rtl="0" eaLnBrk="1" latinLnBrk="0" hangingPunct="1">
+              <a:lnSpc>
+                <a:spcPct val="90000"/>
+              </a:lnSpc>
+              <a:spcBef>
+                <a:spcPts val="500"/>
+              </a:spcBef>
+              <a:buFont typeface="Arial" panose="020B0604020202020204" pitchFamily="34" charset="0"/>
+              <a:buChar char="•"/>
+              <a:defRPr kumimoji="1" sz="1800" kern="1200">
+                <a:solidFill>
+                  <a:schemeClr val="tx1"/>
+                </a:solidFill>
+                <a:latin typeface="+mn-lt"/>
+                <a:ea typeface="+mn-ea"/>
+                <a:cs typeface="+mn-cs"/>
+              </a:defRPr>
+            </a:lvl7pPr>
+            <a:lvl8pPr marL="3429000" indent="-228600" algn="l" defTabSz="914400" rtl="0" eaLnBrk="1" latinLnBrk="0" hangingPunct="1">
+              <a:lnSpc>
+                <a:spcPct val="90000"/>
+              </a:lnSpc>
+              <a:spcBef>
+                <a:spcPts val="500"/>
+              </a:spcBef>
+              <a:buFont typeface="Arial" panose="020B0604020202020204" pitchFamily="34" charset="0"/>
+              <a:buChar char="•"/>
+              <a:defRPr kumimoji="1" sz="1800" kern="1200">
+                <a:solidFill>
+                  <a:schemeClr val="tx1"/>
+                </a:solidFill>
+                <a:latin typeface="+mn-lt"/>
+                <a:ea typeface="+mn-ea"/>
+                <a:cs typeface="+mn-cs"/>
+              </a:defRPr>
+            </a:lvl8pPr>
+            <a:lvl9pPr marL="3886200" indent="-228600" algn="l" defTabSz="914400" rtl="0" eaLnBrk="1" latinLnBrk="0" hangingPunct="1">
+              <a:lnSpc>
+                <a:spcPct val="90000"/>
+              </a:lnSpc>
+              <a:spcBef>
+                <a:spcPts val="500"/>
+              </a:spcBef>
+              <a:buFont typeface="Arial" panose="020B0604020202020204" pitchFamily="34" charset="0"/>
+              <a:buChar char="•"/>
+              <a:defRPr kumimoji="1" sz="1800" kern="1200">
+                <a:solidFill>
+                  <a:schemeClr val="tx1"/>
+                </a:solidFill>
+                <a:latin typeface="+mn-lt"/>
+                <a:ea typeface="+mn-ea"/>
+                <a:cs typeface="+mn-cs"/>
+              </a:defRPr>
+            </a:lvl9pPr>
+          </a:lstStyle>
+          <a:p>
+            <a:r>
+              <a:rPr lang="en-US" altLang="ja-JP" dirty="0"/>
+              <a:t>[Push origin]</a:t>
+            </a:r>
+            <a:r>
+              <a:rPr lang="ja-JP" altLang="en-US" dirty="0"/>
+              <a:t>をクリックして、</a:t>
+            </a:r>
+            <a:r>
+              <a:rPr lang="en-US" altLang="ja-JP" dirty="0"/>
+              <a:t>GitHub</a:t>
+            </a:r>
+            <a:r>
+              <a:rPr lang="ja-JP" altLang="en-US" dirty="0"/>
+              <a:t>へ</a:t>
+            </a:r>
+            <a:br>
+              <a:rPr lang="en-US" altLang="ja-JP" dirty="0"/>
+            </a:br>
+            <a:r>
+              <a:rPr lang="ja-JP" altLang="en-US" dirty="0"/>
+              <a:t>アップロードを行う</a:t>
+            </a:r>
+            <a:endParaRPr lang="en-US" altLang="ja-JP" dirty="0"/>
+          </a:p>
+        </p:txBody>
+      </p:sp>
+      <p:pic>
+        <p:nvPicPr>
+          <p:cNvPr id="4" name="図 3">
+            <a:extLst>
+              <a:ext uri="{FF2B5EF4-FFF2-40B4-BE49-F238E27FC236}">
+                <a16:creationId xmlns:a16="http://schemas.microsoft.com/office/drawing/2014/main" id="{BF13A8DE-C702-8D5B-D292-DA5D82BE826D}"/>
+              </a:ext>
+            </a:extLst>
+          </p:cNvPr>
+          <p:cNvPicPr>
+            <a:picLocks noChangeAspect="1"/>
+          </p:cNvPicPr>
+          <p:nvPr/>
+        </p:nvPicPr>
+        <p:blipFill>
+          <a:blip r:embed="rId2">
+            <a:extLst>
+              <a:ext uri="{28A0092B-C50C-407E-A947-70E740481C1C}">
+                <a14:useLocalDpi xmlns:a14="http://schemas.microsoft.com/office/drawing/2010/main" val="0"/>
+              </a:ext>
+            </a:extLst>
+          </a:blip>
+          <a:stretch>
+            <a:fillRect/>
+          </a:stretch>
+        </p:blipFill>
+        <p:spPr>
+          <a:xfrm>
+            <a:off x="2540736" y="2986392"/>
+            <a:ext cx="8049659" cy="3122356"/>
+          </a:xfrm>
+          <a:prstGeom prst="rect">
+            <a:avLst/>
+          </a:prstGeom>
+          <a:ln>
+            <a:solidFill>
+              <a:schemeClr val="tx1"/>
+            </a:solidFill>
+          </a:ln>
+        </p:spPr>
+      </p:pic>
+      <p:sp>
+        <p:nvSpPr>
+          <p:cNvPr id="11" name="正方形/長方形 10">
+            <a:extLst>
+              <a:ext uri="{FF2B5EF4-FFF2-40B4-BE49-F238E27FC236}">
+                <a16:creationId xmlns:a16="http://schemas.microsoft.com/office/drawing/2014/main" id="{646698C5-C7E5-85AC-EE3D-08298C483145}"/>
+              </a:ext>
+            </a:extLst>
+          </p:cNvPr>
+          <p:cNvSpPr/>
+          <p:nvPr/>
+        </p:nvSpPr>
+        <p:spPr>
+          <a:xfrm>
+            <a:off x="9037700" y="4996863"/>
+            <a:ext cx="1234709" cy="444992"/>
+          </a:xfrm>
+          <a:prstGeom prst="rect">
+            <a:avLst/>
+          </a:prstGeom>
+          <a:noFill/>
+          <a:ln w="38100">
+            <a:solidFill>
+              <a:srgbClr val="FF0000"/>
+            </a:solidFill>
+          </a:ln>
+        </p:spPr>
+        <p:style>
+          <a:lnRef idx="2">
+            <a:schemeClr val="accent1">
+              <a:shade val="15000"/>
+            </a:schemeClr>
+          </a:lnRef>
+          <a:fillRef idx="1">
+            <a:schemeClr val="accent1"/>
+          </a:fillRef>
+          <a:effectRef idx="0">
+            <a:schemeClr val="accent1"/>
+          </a:effectRef>
+          <a:fontRef idx="minor">
+            <a:schemeClr val="lt1"/>
+          </a:fontRef>
+        </p:style>
+        <p:txBody>
+          <a:bodyPr rtlCol="0" anchor="ctr"/>
+          <a:lstStyle/>
+          <a:p>
+            <a:pPr algn="ctr"/>
+            <a:endParaRPr kumimoji="1" lang="ja-JP" altLang="en-US"/>
+          </a:p>
+        </p:txBody>
+      </p:sp>
+      <p:sp>
+        <p:nvSpPr>
+          <p:cNvPr id="13" name="テキスト ボックス 12">
+            <a:extLst>
+              <a:ext uri="{FF2B5EF4-FFF2-40B4-BE49-F238E27FC236}">
+                <a16:creationId xmlns:a16="http://schemas.microsoft.com/office/drawing/2014/main" id="{61473EBD-DA8F-3E36-628C-BFF430D17977}"/>
+              </a:ext>
+            </a:extLst>
+          </p:cNvPr>
+          <p:cNvSpPr txBox="1"/>
+          <p:nvPr/>
+        </p:nvSpPr>
+        <p:spPr>
+          <a:xfrm>
+            <a:off x="9708204" y="103516"/>
+            <a:ext cx="2339102" cy="523220"/>
+          </a:xfrm>
+          <a:prstGeom prst="rect">
+            <a:avLst/>
+          </a:prstGeom>
+          <a:noFill/>
+          <a:ln>
+            <a:solidFill>
+              <a:srgbClr val="FF0000"/>
+            </a:solidFill>
+          </a:ln>
+        </p:spPr>
+        <p:txBody>
+          <a:bodyPr wrap="none" rtlCol="0">
+            <a:spAutoFit/>
+          </a:bodyPr>
+          <a:lstStyle/>
+          <a:p>
+            <a:r>
+              <a:rPr lang="ja-JP" altLang="en-US" sz="2800" dirty="0">
+                <a:solidFill>
+                  <a:srgbClr val="FF0000"/>
+                </a:solidFill>
+              </a:rPr>
+              <a:t>代表者の作業</a:t>
+            </a:r>
+            <a:endParaRPr kumimoji="1" lang="ja-JP" altLang="en-US" sz="2800" dirty="0">
+              <a:solidFill>
+                <a:srgbClr val="FF0000"/>
+              </a:solidFill>
+            </a:endParaRPr>
+          </a:p>
+        </p:txBody>
+      </p:sp>
+    </p:spTree>
+    <p:extLst>
+      <p:ext uri="{BB962C8B-B14F-4D97-AF65-F5344CB8AC3E}">
+        <p14:creationId xmlns:p14="http://schemas.microsoft.com/office/powerpoint/2010/main" val="3842041069"/>
+      </p:ext>
+    </p:extLst>
+  </p:cSld>
+  <p:clrMapOvr>
+    <a:masterClrMapping/>
+  </p:clrMapOvr>
+</p:sld>
+</file>
+
+<file path=ppt/slides/slide11.xml><?xml version="1.0" encoding="utf-8"?>
+<p:sld xmlns:a="http://schemas.openxmlformats.org/drawingml/2006/main" xmlns:r="http://schemas.openxmlformats.org/officeDocument/2006/relationships" xmlns:p="http://schemas.openxmlformats.org/presentationml/2006/main">
+  <p:cSld>
+    <p:spTree>
+      <p:nvGrpSpPr>
+        <p:cNvPr id="1" name="">
+          <a:extLst>
+            <a:ext uri="{FF2B5EF4-FFF2-40B4-BE49-F238E27FC236}">
               <a16:creationId xmlns:a16="http://schemas.microsoft.com/office/drawing/2014/main" id="{0B5794C5-197C-3FA1-3F4B-90AD8B2F7115}"/>
             </a:ext>
           </a:extLst>
@@ -3998,7 +4625,7 @@
 </p:sld>
 </file>
 
-<file path=ppt/slides/slide11.xml><?xml version="1.0" encoding="utf-8"?>
+<file path=ppt/slides/slide12.xml><?xml version="1.0" encoding="utf-8"?>
 <p:sld xmlns:a="http://schemas.openxmlformats.org/drawingml/2006/main" xmlns:r="http://schemas.openxmlformats.org/officeDocument/2006/relationships" xmlns:p="http://schemas.openxmlformats.org/presentationml/2006/main">
   <p:cSld>
     <p:spTree>
@@ -4407,7 +5034,7 @@
 </p:sld>
 </file>
 
-<file path=ppt/slides/slide12.xml><?xml version="1.0" encoding="utf-8"?>
+<file path=ppt/slides/slide13.xml><?xml version="1.0" encoding="utf-8"?>
 <p:sld xmlns:a="http://schemas.openxmlformats.org/drawingml/2006/main" xmlns:r="http://schemas.openxmlformats.org/officeDocument/2006/relationships" xmlns:p="http://schemas.openxmlformats.org/presentationml/2006/main">
   <p:cSld>
     <p:spTree>
@@ -4820,7 +5447,7 @@
 </p:sld>
 </file>
 
-<file path=ppt/slides/slide13.xml><?xml version="1.0" encoding="utf-8"?>
+<file path=ppt/slides/slide14.xml><?xml version="1.0" encoding="utf-8"?>
 <p:sld xmlns:a="http://schemas.openxmlformats.org/drawingml/2006/main" xmlns:r="http://schemas.openxmlformats.org/officeDocument/2006/relationships" xmlns:p="http://schemas.openxmlformats.org/presentationml/2006/main">
   <p:cSld>
     <p:spTree>
@@ -5229,7 +5856,7 @@
 </p:sld>
 </file>
 
-<file path=ppt/slides/slide14.xml><?xml version="1.0" encoding="utf-8"?>
+<file path=ppt/slides/slide15.xml><?xml version="1.0" encoding="utf-8"?>
 <p:sld xmlns:a="http://schemas.openxmlformats.org/drawingml/2006/main" xmlns:r="http://schemas.openxmlformats.org/officeDocument/2006/relationships" xmlns:p="http://schemas.openxmlformats.org/presentationml/2006/main">
   <p:cSld>
     <p:spTree>
@@ -5684,7 +6311,7 @@
 </p:sld>
 </file>
 
-<file path=ppt/slides/slide15.xml><?xml version="1.0" encoding="utf-8"?>
+<file path=ppt/slides/slide16.xml><?xml version="1.0" encoding="utf-8"?>
 <p:sld xmlns:a="http://schemas.openxmlformats.org/drawingml/2006/main" xmlns:r="http://schemas.openxmlformats.org/officeDocument/2006/relationships" xmlns:p="http://schemas.openxmlformats.org/presentationml/2006/main">
   <p:cSld>
     <p:spTree>
@@ -6266,7 +6893,7 @@
 </p:sld>
 </file>
 
-<file path=ppt/slides/slide16.xml><?xml version="1.0" encoding="utf-8"?>
+<file path=ppt/slides/slide17.xml><?xml version="1.0" encoding="utf-8"?>
 <p:sld xmlns:a="http://schemas.openxmlformats.org/drawingml/2006/main" xmlns:r="http://schemas.openxmlformats.org/officeDocument/2006/relationships" xmlns:p="http://schemas.openxmlformats.org/presentationml/2006/main">
   <p:cSld>
     <p:spTree>
@@ -6740,7 +7367,7 @@
 </p:sld>
 </file>
 
-<file path=ppt/slides/slide17.xml><?xml version="1.0" encoding="utf-8"?>
+<file path=ppt/slides/slide18.xml><?xml version="1.0" encoding="utf-8"?>
 <p:sld xmlns:a="http://schemas.openxmlformats.org/drawingml/2006/main" xmlns:r="http://schemas.openxmlformats.org/officeDocument/2006/relationships" xmlns:p="http://schemas.openxmlformats.org/presentationml/2006/main">
   <p:cSld>
     <p:spTree>
@@ -7159,7 +7786,7 @@
 </p:sld>
 </file>
 
-<file path=ppt/slides/slide18.xml><?xml version="1.0" encoding="utf-8"?>
+<file path=ppt/slides/slide19.xml><?xml version="1.0" encoding="utf-8"?>
 <p:sld xmlns:a="http://schemas.openxmlformats.org/drawingml/2006/main" xmlns:r="http://schemas.openxmlformats.org/officeDocument/2006/relationships" xmlns:p="http://schemas.openxmlformats.org/presentationml/2006/main">
   <p:cSld>
     <p:spTree>
@@ -7720,7 +8347,182 @@
 </p:sld>
 </file>
 
-<file path=ppt/slides/slide19.xml><?xml version="1.0" encoding="utf-8"?>
+<file path=ppt/slides/slide2.xml><?xml version="1.0" encoding="utf-8"?>
+<p:sld xmlns:a="http://schemas.openxmlformats.org/drawingml/2006/main" xmlns:r="http://schemas.openxmlformats.org/officeDocument/2006/relationships" xmlns:p="http://schemas.openxmlformats.org/presentationml/2006/main">
+  <p:cSld>
+    <p:spTree>
+      <p:nvGrpSpPr>
+        <p:cNvPr id="1" name="">
+          <a:extLst>
+            <a:ext uri="{FF2B5EF4-FFF2-40B4-BE49-F238E27FC236}">
+              <a16:creationId xmlns:a16="http://schemas.microsoft.com/office/drawing/2014/main" id="{2E90AE30-B935-EE9F-1372-5A186D4B155A}"/>
+            </a:ext>
+          </a:extLst>
+        </p:cNvPr>
+        <p:cNvGrpSpPr/>
+        <p:nvPr/>
+      </p:nvGrpSpPr>
+      <p:grpSpPr>
+        <a:xfrm>
+          <a:off x="0" y="0"/>
+          <a:ext cx="0" cy="0"/>
+          <a:chOff x="0" y="0"/>
+          <a:chExt cx="0" cy="0"/>
+        </a:xfrm>
+      </p:grpSpPr>
+      <p:sp>
+        <p:nvSpPr>
+          <p:cNvPr id="2" name="タイトル 1">
+            <a:extLst>
+              <a:ext uri="{FF2B5EF4-FFF2-40B4-BE49-F238E27FC236}">
+                <a16:creationId xmlns:a16="http://schemas.microsoft.com/office/drawing/2014/main" id="{CF78E3A9-46A1-DEA8-6D79-B271EC879486}"/>
+              </a:ext>
+            </a:extLst>
+          </p:cNvPr>
+          <p:cNvSpPr>
+            <a:spLocks noGrp="1"/>
+          </p:cNvSpPr>
+          <p:nvPr>
+            <p:ph type="title"/>
+          </p:nvPr>
+        </p:nvSpPr>
+        <p:spPr/>
+        <p:txBody>
+          <a:bodyPr/>
+          <a:lstStyle/>
+          <a:p>
+            <a:r>
+              <a:rPr lang="en-US" altLang="ja-JP" dirty="0"/>
+              <a:t>GitHub</a:t>
+            </a:r>
+            <a:r>
+              <a:rPr lang="ja-JP" altLang="en-US" dirty="0"/>
+              <a:t>を使ったチーム制作</a:t>
+            </a:r>
+            <a:endParaRPr kumimoji="1" lang="ja-JP" altLang="en-US" dirty="0"/>
+          </a:p>
+        </p:txBody>
+      </p:sp>
+      <p:sp>
+        <p:nvSpPr>
+          <p:cNvPr id="3" name="コンテンツ プレースホルダー 2">
+            <a:extLst>
+              <a:ext uri="{FF2B5EF4-FFF2-40B4-BE49-F238E27FC236}">
+                <a16:creationId xmlns:a16="http://schemas.microsoft.com/office/drawing/2014/main" id="{F3C52EE5-E5C1-7274-24AA-4D51C15B05D9}"/>
+              </a:ext>
+            </a:extLst>
+          </p:cNvPr>
+          <p:cNvSpPr>
+            <a:spLocks noGrp="1"/>
+          </p:cNvSpPr>
+          <p:nvPr>
+            <p:ph idx="1"/>
+          </p:nvPr>
+        </p:nvSpPr>
+        <p:spPr/>
+        <p:txBody>
+          <a:bodyPr>
+            <a:normAutofit/>
+          </a:bodyPr>
+          <a:lstStyle/>
+          <a:p>
+            <a:r>
+              <a:rPr lang="en-US" altLang="ja-JP" dirty="0"/>
+              <a:t>GitHub</a:t>
+            </a:r>
+            <a:r>
+              <a:rPr lang="ja-JP" altLang="en-US" dirty="0"/>
+              <a:t>で共同開発する手順</a:t>
+            </a:r>
+            <a:br>
+              <a:rPr lang="en-US" altLang="ja-JP" dirty="0"/>
+            </a:br>
+            <a:endParaRPr lang="en-US" altLang="ja-JP" dirty="0"/>
+          </a:p>
+          <a:p>
+            <a:pPr marL="971550" lvl="1" indent="-514350">
+              <a:buFont typeface="+mj-ea"/>
+              <a:buAutoNum type="circleNumDbPlain"/>
+            </a:pPr>
+            <a:r>
+              <a:rPr lang="ja-JP" altLang="en-US" dirty="0"/>
+              <a:t>代表者が</a:t>
+            </a:r>
+            <a:r>
+              <a:rPr lang="en-US" altLang="ja-JP" dirty="0"/>
+              <a:t>GitHub</a:t>
+            </a:r>
+            <a:r>
+              <a:rPr lang="ja-JP" altLang="en-US" dirty="0"/>
+              <a:t>上にリポジトリを作成</a:t>
+            </a:r>
+            <a:br>
+              <a:rPr lang="en-US" altLang="ja-JP" dirty="0"/>
+            </a:br>
+            <a:endParaRPr lang="en-US" altLang="ja-JP" dirty="0"/>
+          </a:p>
+          <a:p>
+            <a:pPr marL="971550" lvl="1" indent="-514350">
+              <a:buFont typeface="+mj-ea"/>
+              <a:buAutoNum type="circleNumDbPlain"/>
+            </a:pPr>
+            <a:r>
+              <a:rPr lang="ja-JP" altLang="en-US" dirty="0"/>
+              <a:t>代表者が作成したリポジトリにチームメンバーを招待</a:t>
+            </a:r>
+            <a:br>
+              <a:rPr lang="en-US" altLang="ja-JP" dirty="0"/>
+            </a:br>
+            <a:endParaRPr lang="en-US" altLang="ja-JP" dirty="0"/>
+          </a:p>
+          <a:p>
+            <a:pPr marL="971550" lvl="1" indent="-514350">
+              <a:buFont typeface="+mj-ea"/>
+              <a:buAutoNum type="circleNumDbPlain"/>
+            </a:pPr>
+            <a:r>
+              <a:rPr lang="ja-JP" altLang="en-US" dirty="0"/>
+              <a:t>チームメンバー宛にメールが届くので、招待を受ける</a:t>
+            </a:r>
+            <a:br>
+              <a:rPr lang="en-US" altLang="ja-JP" dirty="0"/>
+            </a:br>
+            <a:r>
+              <a:rPr lang="ja-JP" altLang="en-US" dirty="0"/>
+              <a:t>ボタンをクリック</a:t>
+            </a:r>
+            <a:br>
+              <a:rPr lang="en-US" altLang="ja-JP" dirty="0"/>
+            </a:br>
+            <a:endParaRPr lang="en-US" altLang="ja-JP" dirty="0"/>
+          </a:p>
+          <a:p>
+            <a:pPr marL="971550" lvl="1" indent="-514350">
+              <a:buFont typeface="+mj-ea"/>
+              <a:buAutoNum type="circleNumDbPlain"/>
+            </a:pPr>
+            <a:r>
+              <a:rPr lang="ja-JP" altLang="en-US" dirty="0"/>
+              <a:t>チームメンバーがリポジトリをクローン（複製）する</a:t>
+            </a:r>
+            <a:endParaRPr lang="en-US" altLang="ja-JP" dirty="0"/>
+          </a:p>
+        </p:txBody>
+      </p:sp>
+    </p:spTree>
+    <p:extLst>
+      <p:ext uri="{BB962C8B-B14F-4D97-AF65-F5344CB8AC3E}">
+        <p14:creationId xmlns:p14="http://schemas.microsoft.com/office/powerpoint/2010/main" val="2606264708"/>
+      </p:ext>
+    </p:extLst>
+  </p:cSld>
+  <p:clrMapOvr>
+    <a:masterClrMapping/>
+  </p:clrMapOvr>
+</p:sld>
+</file>
+
+<file path=ppt/slides/slide20.xml><?xml version="1.0" encoding="utf-8"?>
 <p:sld xmlns:a="http://schemas.openxmlformats.org/drawingml/2006/main" xmlns:r="http://schemas.openxmlformats.org/officeDocument/2006/relationships" xmlns:p="http://schemas.openxmlformats.org/presentationml/2006/main">
   <p:cSld>
     <p:spTree>
@@ -8143,182 +8945,7 @@
 </p:sld>
 </file>
 
-<file path=ppt/slides/slide2.xml><?xml version="1.0" encoding="utf-8"?>
-<p:sld xmlns:a="http://schemas.openxmlformats.org/drawingml/2006/main" xmlns:r="http://schemas.openxmlformats.org/officeDocument/2006/relationships" xmlns:p="http://schemas.openxmlformats.org/presentationml/2006/main">
-  <p:cSld>
-    <p:spTree>
-      <p:nvGrpSpPr>
-        <p:cNvPr id="1" name="">
-          <a:extLst>
-            <a:ext uri="{FF2B5EF4-FFF2-40B4-BE49-F238E27FC236}">
-              <a16:creationId xmlns:a16="http://schemas.microsoft.com/office/drawing/2014/main" id="{2E90AE30-B935-EE9F-1372-5A186D4B155A}"/>
-            </a:ext>
-          </a:extLst>
-        </p:cNvPr>
-        <p:cNvGrpSpPr/>
-        <p:nvPr/>
-      </p:nvGrpSpPr>
-      <p:grpSpPr>
-        <a:xfrm>
-          <a:off x="0" y="0"/>
-          <a:ext cx="0" cy="0"/>
-          <a:chOff x="0" y="0"/>
-          <a:chExt cx="0" cy="0"/>
-        </a:xfrm>
-      </p:grpSpPr>
-      <p:sp>
-        <p:nvSpPr>
-          <p:cNvPr id="2" name="タイトル 1">
-            <a:extLst>
-              <a:ext uri="{FF2B5EF4-FFF2-40B4-BE49-F238E27FC236}">
-                <a16:creationId xmlns:a16="http://schemas.microsoft.com/office/drawing/2014/main" id="{CF78E3A9-46A1-DEA8-6D79-B271EC879486}"/>
-              </a:ext>
-            </a:extLst>
-          </p:cNvPr>
-          <p:cNvSpPr>
-            <a:spLocks noGrp="1"/>
-          </p:cNvSpPr>
-          <p:nvPr>
-            <p:ph type="title"/>
-          </p:nvPr>
-        </p:nvSpPr>
-        <p:spPr/>
-        <p:txBody>
-          <a:bodyPr/>
-          <a:lstStyle/>
-          <a:p>
-            <a:r>
-              <a:rPr lang="en-US" altLang="ja-JP" dirty="0"/>
-              <a:t>GitHub</a:t>
-            </a:r>
-            <a:r>
-              <a:rPr lang="ja-JP" altLang="en-US" dirty="0"/>
-              <a:t>を使ったチーム制作</a:t>
-            </a:r>
-            <a:endParaRPr kumimoji="1" lang="ja-JP" altLang="en-US" dirty="0"/>
-          </a:p>
-        </p:txBody>
-      </p:sp>
-      <p:sp>
-        <p:nvSpPr>
-          <p:cNvPr id="3" name="コンテンツ プレースホルダー 2">
-            <a:extLst>
-              <a:ext uri="{FF2B5EF4-FFF2-40B4-BE49-F238E27FC236}">
-                <a16:creationId xmlns:a16="http://schemas.microsoft.com/office/drawing/2014/main" id="{F3C52EE5-E5C1-7274-24AA-4D51C15B05D9}"/>
-              </a:ext>
-            </a:extLst>
-          </p:cNvPr>
-          <p:cNvSpPr>
-            <a:spLocks noGrp="1"/>
-          </p:cNvSpPr>
-          <p:nvPr>
-            <p:ph idx="1"/>
-          </p:nvPr>
-        </p:nvSpPr>
-        <p:spPr/>
-        <p:txBody>
-          <a:bodyPr>
-            <a:normAutofit/>
-          </a:bodyPr>
-          <a:lstStyle/>
-          <a:p>
-            <a:r>
-              <a:rPr lang="en-US" altLang="ja-JP" dirty="0"/>
-              <a:t>GitHub</a:t>
-            </a:r>
-            <a:r>
-              <a:rPr lang="ja-JP" altLang="en-US" dirty="0"/>
-              <a:t>で共同開発する手順</a:t>
-            </a:r>
-            <a:br>
-              <a:rPr lang="en-US" altLang="ja-JP" dirty="0"/>
-            </a:br>
-            <a:endParaRPr lang="en-US" altLang="ja-JP" dirty="0"/>
-          </a:p>
-          <a:p>
-            <a:pPr marL="971550" lvl="1" indent="-514350">
-              <a:buFont typeface="+mj-ea"/>
-              <a:buAutoNum type="circleNumDbPlain"/>
-            </a:pPr>
-            <a:r>
-              <a:rPr lang="ja-JP" altLang="en-US" dirty="0"/>
-              <a:t>代表者が</a:t>
-            </a:r>
-            <a:r>
-              <a:rPr lang="en-US" altLang="ja-JP" dirty="0"/>
-              <a:t>GitHub</a:t>
-            </a:r>
-            <a:r>
-              <a:rPr lang="ja-JP" altLang="en-US" dirty="0"/>
-              <a:t>上にリポジトリを作成</a:t>
-            </a:r>
-            <a:br>
-              <a:rPr lang="en-US" altLang="ja-JP" dirty="0"/>
-            </a:br>
-            <a:endParaRPr lang="en-US" altLang="ja-JP" dirty="0"/>
-          </a:p>
-          <a:p>
-            <a:pPr marL="971550" lvl="1" indent="-514350">
-              <a:buFont typeface="+mj-ea"/>
-              <a:buAutoNum type="circleNumDbPlain"/>
-            </a:pPr>
-            <a:r>
-              <a:rPr lang="ja-JP" altLang="en-US" dirty="0"/>
-              <a:t>代表者が作成したリポジトリにチームメンバーを招待</a:t>
-            </a:r>
-            <a:br>
-              <a:rPr lang="en-US" altLang="ja-JP" dirty="0"/>
-            </a:br>
-            <a:endParaRPr lang="en-US" altLang="ja-JP" dirty="0"/>
-          </a:p>
-          <a:p>
-            <a:pPr marL="971550" lvl="1" indent="-514350">
-              <a:buFont typeface="+mj-ea"/>
-              <a:buAutoNum type="circleNumDbPlain"/>
-            </a:pPr>
-            <a:r>
-              <a:rPr lang="ja-JP" altLang="en-US" dirty="0"/>
-              <a:t>チームメンバー宛にメールが届くので、招待を受ける</a:t>
-            </a:r>
-            <a:br>
-              <a:rPr lang="en-US" altLang="ja-JP" dirty="0"/>
-            </a:br>
-            <a:r>
-              <a:rPr lang="ja-JP" altLang="en-US" dirty="0"/>
-              <a:t>ボタンをクリック</a:t>
-            </a:r>
-            <a:br>
-              <a:rPr lang="en-US" altLang="ja-JP" dirty="0"/>
-            </a:br>
-            <a:endParaRPr lang="en-US" altLang="ja-JP" dirty="0"/>
-          </a:p>
-          <a:p>
-            <a:pPr marL="971550" lvl="1" indent="-514350">
-              <a:buFont typeface="+mj-ea"/>
-              <a:buAutoNum type="circleNumDbPlain"/>
-            </a:pPr>
-            <a:r>
-              <a:rPr lang="ja-JP" altLang="en-US" dirty="0"/>
-              <a:t>チームメンバーがリポジトリをクローン（複製）する</a:t>
-            </a:r>
-            <a:endParaRPr lang="en-US" altLang="ja-JP" dirty="0"/>
-          </a:p>
-        </p:txBody>
-      </p:sp>
-    </p:spTree>
-    <p:extLst>
-      <p:ext uri="{BB962C8B-B14F-4D97-AF65-F5344CB8AC3E}">
-        <p14:creationId xmlns:p14="http://schemas.microsoft.com/office/powerpoint/2010/main" val="2606264708"/>
-      </p:ext>
-    </p:extLst>
-  </p:cSld>
-  <p:clrMapOvr>
-    <a:masterClrMapping/>
-  </p:clrMapOvr>
-</p:sld>
-</file>
-
-<file path=ppt/slides/slide20.xml><?xml version="1.0" encoding="utf-8"?>
+<file path=ppt/slides/slide21.xml><?xml version="1.0" encoding="utf-8"?>
 <p:sld xmlns:a="http://schemas.openxmlformats.org/drawingml/2006/main" xmlns:r="http://schemas.openxmlformats.org/officeDocument/2006/relationships" xmlns:p="http://schemas.openxmlformats.org/presentationml/2006/main">
   <p:cSld>
     <p:spTree>
@@ -8902,6 +9529,148 @@
           </a:p>
         </p:txBody>
       </p:sp>
+      <p:sp>
+        <p:nvSpPr>
+          <p:cNvPr id="4" name="矢印: 右 3">
+            <a:extLst>
+              <a:ext uri="{FF2B5EF4-FFF2-40B4-BE49-F238E27FC236}">
+                <a16:creationId xmlns:a16="http://schemas.microsoft.com/office/drawing/2014/main" id="{9C567343-6C3E-422B-9954-BACB5B6DB4C7}"/>
+              </a:ext>
+            </a:extLst>
+          </p:cNvPr>
+          <p:cNvSpPr/>
+          <p:nvPr/>
+        </p:nvSpPr>
+        <p:spPr>
+          <a:xfrm>
+            <a:off x="3926541" y="4554071"/>
+            <a:ext cx="1061753" cy="269899"/>
+          </a:xfrm>
+          <a:prstGeom prst="rightArrow">
+            <a:avLst/>
+          </a:prstGeom>
+        </p:spPr>
+        <p:style>
+          <a:lnRef idx="2">
+            <a:schemeClr val="accent1">
+              <a:shade val="50000"/>
+            </a:schemeClr>
+          </a:lnRef>
+          <a:fillRef idx="1">
+            <a:schemeClr val="accent1"/>
+          </a:fillRef>
+          <a:effectRef idx="0">
+            <a:schemeClr val="accent1"/>
+          </a:effectRef>
+          <a:fontRef idx="minor">
+            <a:schemeClr val="lt1"/>
+          </a:fontRef>
+        </p:style>
+        <p:txBody>
+          <a:bodyPr rtlCol="0" anchor="ctr"/>
+          <a:lstStyle/>
+          <a:p>
+            <a:pPr algn="ctr"/>
+            <a:endParaRPr kumimoji="1" lang="ja-JP" altLang="en-US"/>
+          </a:p>
+        </p:txBody>
+      </p:sp>
+      <p:sp>
+        <p:nvSpPr>
+          <p:cNvPr id="5" name="テキスト ボックス 4">
+            <a:extLst>
+              <a:ext uri="{FF2B5EF4-FFF2-40B4-BE49-F238E27FC236}">
+                <a16:creationId xmlns:a16="http://schemas.microsoft.com/office/drawing/2014/main" id="{C5D2727A-A4D1-4B2E-933D-3088A8971D5F}"/>
+              </a:ext>
+            </a:extLst>
+          </p:cNvPr>
+          <p:cNvSpPr txBox="1"/>
+          <p:nvPr/>
+        </p:nvSpPr>
+        <p:spPr>
+          <a:xfrm>
+            <a:off x="756255" y="3938424"/>
+            <a:ext cx="3938899" cy="954107"/>
+          </a:xfrm>
+          <a:prstGeom prst="rect">
+            <a:avLst/>
+          </a:prstGeom>
+          <a:noFill/>
+        </p:spPr>
+        <p:txBody>
+          <a:bodyPr wrap="none" rtlCol="0">
+            <a:spAutoFit/>
+          </a:bodyPr>
+          <a:lstStyle/>
+          <a:p>
+            <a:r>
+              <a:rPr kumimoji="1" lang="ja-JP" altLang="en-US" sz="2800" dirty="0"/>
+              <a:t>先ほどコピーした</a:t>
+            </a:r>
+            <a:r>
+              <a:rPr kumimoji="1" lang="en-US" altLang="ja-JP" sz="2800" dirty="0"/>
+              <a:t>URL</a:t>
+            </a:r>
+            <a:r>
+              <a:rPr kumimoji="1" lang="ja-JP" altLang="en-US" sz="2800" dirty="0"/>
+              <a:t>を</a:t>
+            </a:r>
+            <a:br>
+              <a:rPr kumimoji="1" lang="en-US" altLang="ja-JP" sz="2800" dirty="0"/>
+            </a:br>
+            <a:r>
+              <a:rPr kumimoji="1" lang="ja-JP" altLang="en-US" sz="2800" dirty="0"/>
+              <a:t>ここに貼り付ける</a:t>
+            </a:r>
+          </a:p>
+        </p:txBody>
+      </p:sp>
+      <p:sp>
+        <p:nvSpPr>
+          <p:cNvPr id="11" name="矢印: 下 10">
+            <a:extLst>
+              <a:ext uri="{FF2B5EF4-FFF2-40B4-BE49-F238E27FC236}">
+                <a16:creationId xmlns:a16="http://schemas.microsoft.com/office/drawing/2014/main" id="{16F1426F-A6E2-4172-9F4B-87C2DDAC337E}"/>
+              </a:ext>
+            </a:extLst>
+          </p:cNvPr>
+          <p:cNvSpPr/>
+          <p:nvPr/>
+        </p:nvSpPr>
+        <p:spPr>
+          <a:xfrm>
+            <a:off x="10599144" y="2745747"/>
+            <a:ext cx="376517" cy="368939"/>
+          </a:xfrm>
+          <a:prstGeom prst="downArrow">
+            <a:avLst/>
+          </a:prstGeom>
+        </p:spPr>
+        <p:style>
+          <a:lnRef idx="2">
+            <a:schemeClr val="accent1">
+              <a:shade val="50000"/>
+            </a:schemeClr>
+          </a:lnRef>
+          <a:fillRef idx="1">
+            <a:schemeClr val="accent1"/>
+          </a:fillRef>
+          <a:effectRef idx="0">
+            <a:schemeClr val="accent1"/>
+          </a:effectRef>
+          <a:fontRef idx="minor">
+            <a:schemeClr val="lt1"/>
+          </a:fontRef>
+        </p:style>
+        <p:txBody>
+          <a:bodyPr rtlCol="0" anchor="ctr"/>
+          <a:lstStyle/>
+          <a:p>
+            <a:pPr algn="ctr"/>
+            <a:endParaRPr kumimoji="1" lang="ja-JP" altLang="en-US"/>
+          </a:p>
+        </p:txBody>
+      </p:sp>
     </p:spTree>
     <p:extLst>
       <p:ext uri="{BB962C8B-B14F-4D97-AF65-F5344CB8AC3E}">
@@ -8915,7 +9684,7 @@
 </p:sld>
 </file>
 
-<file path=ppt/slides/slide21.xml><?xml version="1.0" encoding="utf-8"?>
+<file path=ppt/slides/slide22.xml><?xml version="1.0" encoding="utf-8"?>
 <p:sld xmlns:a="http://schemas.openxmlformats.org/drawingml/2006/main" xmlns:r="http://schemas.openxmlformats.org/officeDocument/2006/relationships" xmlns:p="http://schemas.openxmlformats.org/presentationml/2006/main">
   <p:cSld>
     <p:spTree>
@@ -9331,7 +10100,7 @@
 </p:sld>
 </file>
 
-<file path=ppt/slides/slide22.xml><?xml version="1.0" encoding="utf-8"?>
+<file path=ppt/slides/slide23.xml><?xml version="1.0" encoding="utf-8"?>
 <p:sld xmlns:a="http://schemas.openxmlformats.org/drawingml/2006/main" xmlns:r="http://schemas.openxmlformats.org/officeDocument/2006/relationships" xmlns:p="http://schemas.openxmlformats.org/presentationml/2006/main">
   <p:cSld>
     <p:spTree>
@@ -9712,7 +10481,7 @@
 </p:sld>
 </file>
 
-<file path=ppt/slides/slide23.xml><?xml version="1.0" encoding="utf-8"?>
+<file path=ppt/slides/slide24.xml><?xml version="1.0" encoding="utf-8"?>
 <p:sld xmlns:a="http://schemas.openxmlformats.org/drawingml/2006/main" xmlns:r="http://schemas.openxmlformats.org/officeDocument/2006/relationships" xmlns:p="http://schemas.openxmlformats.org/presentationml/2006/main">
   <p:cSld>
     <p:spTree>
@@ -10093,7 +10862,7 @@
 </p:sld>
 </file>
 
-<file path=ppt/slides/slide24.xml><?xml version="1.0" encoding="utf-8"?>
+<file path=ppt/slides/slide25.xml><?xml version="1.0" encoding="utf-8"?>
 <p:sld xmlns:a="http://schemas.openxmlformats.org/drawingml/2006/main" xmlns:r="http://schemas.openxmlformats.org/officeDocument/2006/relationships" xmlns:p="http://schemas.openxmlformats.org/presentationml/2006/main">
   <p:cSld>
     <p:spTree>
@@ -10530,7 +11299,7 @@
 </p:sld>
 </file>
 
-<file path=ppt/slides/slide25.xml><?xml version="1.0" encoding="utf-8"?>
+<file path=ppt/slides/slide26.xml><?xml version="1.0" encoding="utf-8"?>
 <p:sld xmlns:a="http://schemas.openxmlformats.org/drawingml/2006/main" xmlns:r="http://schemas.openxmlformats.org/officeDocument/2006/relationships" xmlns:p="http://schemas.openxmlformats.org/presentationml/2006/main">
   <p:cSld>
     <p:spTree>
@@ -10938,7 +11707,7 @@
 </p:sld>
 </file>
 
-<file path=ppt/slides/slide26.xml><?xml version="1.0" encoding="utf-8"?>
+<file path=ppt/slides/slide27.xml><?xml version="1.0" encoding="utf-8"?>
 <p:sld xmlns:a="http://schemas.openxmlformats.org/drawingml/2006/main" xmlns:r="http://schemas.openxmlformats.org/officeDocument/2006/relationships" xmlns:p="http://schemas.openxmlformats.org/presentationml/2006/main">
   <p:cSld>
     <p:spTree>
@@ -11429,7 +12198,7 @@
 </p:sld>
 </file>
 
-<file path=ppt/slides/slide27.xml><?xml version="1.0" encoding="utf-8"?>
+<file path=ppt/slides/slide28.xml><?xml version="1.0" encoding="utf-8"?>
 <p:sld xmlns:a="http://schemas.openxmlformats.org/drawingml/2006/main" xmlns:r="http://schemas.openxmlformats.org/officeDocument/2006/relationships" xmlns:p="http://schemas.openxmlformats.org/presentationml/2006/main">
   <p:cSld>
     <p:spTree>
@@ -12078,7 +12847,7 @@
 </p:sld>
 </file>
 
-<file path=ppt/slides/slide28.xml><?xml version="1.0" encoding="utf-8"?>
+<file path=ppt/slides/slide29.xml><?xml version="1.0" encoding="utf-8"?>
 <p:sld xmlns:a="http://schemas.openxmlformats.org/drawingml/2006/main" xmlns:r="http://schemas.openxmlformats.org/officeDocument/2006/relationships" xmlns:p="http://schemas.openxmlformats.org/presentationml/2006/main">
   <p:cSld>
     <p:spTree>
@@ -12443,376 +13212,6 @@
     <p:extLst>
       <p:ext uri="{BB962C8B-B14F-4D97-AF65-F5344CB8AC3E}">
         <p14:creationId xmlns:p14="http://schemas.microsoft.com/office/powerpoint/2010/main" val="4190453528"/>
-      </p:ext>
-    </p:extLst>
-  </p:cSld>
-  <p:clrMapOvr>
-    <a:masterClrMapping/>
-  </p:clrMapOvr>
-</p:sld>
-</file>
-
-<file path=ppt/slides/slide29.xml><?xml version="1.0" encoding="utf-8"?>
-<p:sld xmlns:a="http://schemas.openxmlformats.org/drawingml/2006/main" xmlns:r="http://schemas.openxmlformats.org/officeDocument/2006/relationships" xmlns:p="http://schemas.openxmlformats.org/presentationml/2006/main">
-  <p:cSld>
-    <p:spTree>
-      <p:nvGrpSpPr>
-        <p:cNvPr id="1" name="">
-          <a:extLst>
-            <a:ext uri="{FF2B5EF4-FFF2-40B4-BE49-F238E27FC236}">
-              <a16:creationId xmlns:a16="http://schemas.microsoft.com/office/drawing/2014/main" id="{567AFAFA-8DCA-EBA0-9EE4-075CB74CB86C}"/>
-            </a:ext>
-          </a:extLst>
-        </p:cNvPr>
-        <p:cNvGrpSpPr/>
-        <p:nvPr/>
-      </p:nvGrpSpPr>
-      <p:grpSpPr>
-        <a:xfrm>
-          <a:off x="0" y="0"/>
-          <a:ext cx="0" cy="0"/>
-          <a:chOff x="0" y="0"/>
-          <a:chExt cx="0" cy="0"/>
-        </a:xfrm>
-      </p:grpSpPr>
-      <p:sp>
-        <p:nvSpPr>
-          <p:cNvPr id="2" name="タイトル 1">
-            <a:extLst>
-              <a:ext uri="{FF2B5EF4-FFF2-40B4-BE49-F238E27FC236}">
-                <a16:creationId xmlns:a16="http://schemas.microsoft.com/office/drawing/2014/main" id="{8BAC5C65-7BBA-70C0-29B9-40A67866587A}"/>
-              </a:ext>
-            </a:extLst>
-          </p:cNvPr>
-          <p:cNvSpPr>
-            <a:spLocks noGrp="1"/>
-          </p:cNvSpPr>
-          <p:nvPr>
-            <p:ph type="title"/>
-          </p:nvPr>
-        </p:nvSpPr>
-        <p:spPr/>
-        <p:txBody>
-          <a:bodyPr/>
-          <a:lstStyle/>
-          <a:p>
-            <a:r>
-              <a:rPr lang="en-US" altLang="ja-JP" dirty="0"/>
-              <a:t>GitHub</a:t>
-            </a:r>
-            <a:r>
-              <a:rPr lang="ja-JP" altLang="en-US" dirty="0"/>
-              <a:t>を使ったチーム制作</a:t>
-            </a:r>
-            <a:endParaRPr kumimoji="1" lang="ja-JP" altLang="en-US" dirty="0"/>
-          </a:p>
-        </p:txBody>
-      </p:sp>
-      <p:sp>
-        <p:nvSpPr>
-          <p:cNvPr id="9" name="コンテンツ プレースホルダー 2">
-            <a:extLst>
-              <a:ext uri="{FF2B5EF4-FFF2-40B4-BE49-F238E27FC236}">
-                <a16:creationId xmlns:a16="http://schemas.microsoft.com/office/drawing/2014/main" id="{597F01D7-1F96-B574-C4BF-A9EE1AF31A52}"/>
-              </a:ext>
-            </a:extLst>
-          </p:cNvPr>
-          <p:cNvSpPr txBox="1">
-            <a:spLocks/>
-          </p:cNvSpPr>
-          <p:nvPr/>
-        </p:nvSpPr>
-        <p:spPr>
-          <a:xfrm>
-            <a:off x="838200" y="1376038"/>
-            <a:ext cx="10515600" cy="4980311"/>
-          </a:xfrm>
-          <a:prstGeom prst="rect">
-            <a:avLst/>
-          </a:prstGeom>
-        </p:spPr>
-        <p:txBody>
-          <a:bodyPr vert="horz" lIns="91440" tIns="45720" rIns="91440" bIns="45720" rtlCol="0">
-            <a:normAutofit/>
-          </a:bodyPr>
-          <a:lstStyle>
-            <a:lvl1pPr marL="228600" indent="-228600" algn="l" defTabSz="914400" rtl="0" eaLnBrk="1" latinLnBrk="0" hangingPunct="1">
-              <a:lnSpc>
-                <a:spcPct val="90000"/>
-              </a:lnSpc>
-              <a:spcBef>
-                <a:spcPts val="1000"/>
-              </a:spcBef>
-              <a:buFont typeface="Arial" panose="020B0604020202020204" pitchFamily="34" charset="0"/>
-              <a:buChar char="•"/>
-              <a:defRPr kumimoji="1" sz="3600" kern="1200">
-                <a:solidFill>
-                  <a:schemeClr val="tx1"/>
-                </a:solidFill>
-                <a:latin typeface="+mn-lt"/>
-                <a:ea typeface="+mn-ea"/>
-                <a:cs typeface="+mn-cs"/>
-              </a:defRPr>
-            </a:lvl1pPr>
-            <a:lvl2pPr marL="685800" indent="-228600" algn="l" defTabSz="914400" rtl="0" eaLnBrk="1" latinLnBrk="0" hangingPunct="1">
-              <a:lnSpc>
-                <a:spcPct val="90000"/>
-              </a:lnSpc>
-              <a:spcBef>
-                <a:spcPts val="500"/>
-              </a:spcBef>
-              <a:buFont typeface="Arial" panose="020B0604020202020204" pitchFamily="34" charset="0"/>
-              <a:buChar char="•"/>
-              <a:defRPr kumimoji="1" sz="3200" kern="1200">
-                <a:solidFill>
-                  <a:schemeClr val="tx1"/>
-                </a:solidFill>
-                <a:latin typeface="+mn-lt"/>
-                <a:ea typeface="+mn-ea"/>
-                <a:cs typeface="+mn-cs"/>
-              </a:defRPr>
-            </a:lvl2pPr>
-            <a:lvl3pPr marL="1143000" indent="-228600" algn="l" defTabSz="914400" rtl="0" eaLnBrk="1" latinLnBrk="0" hangingPunct="1">
-              <a:lnSpc>
-                <a:spcPct val="90000"/>
-              </a:lnSpc>
-              <a:spcBef>
-                <a:spcPts val="500"/>
-              </a:spcBef>
-              <a:buFont typeface="Arial" panose="020B0604020202020204" pitchFamily="34" charset="0"/>
-              <a:buChar char="•"/>
-              <a:defRPr kumimoji="1" sz="2800" kern="1200">
-                <a:solidFill>
-                  <a:schemeClr val="tx1"/>
-                </a:solidFill>
-                <a:latin typeface="+mn-lt"/>
-                <a:ea typeface="+mn-ea"/>
-                <a:cs typeface="+mn-cs"/>
-              </a:defRPr>
-            </a:lvl3pPr>
-            <a:lvl4pPr marL="1600200" indent="-228600" algn="l" defTabSz="914400" rtl="0" eaLnBrk="1" latinLnBrk="0" hangingPunct="1">
-              <a:lnSpc>
-                <a:spcPct val="90000"/>
-              </a:lnSpc>
-              <a:spcBef>
-                <a:spcPts val="500"/>
-              </a:spcBef>
-              <a:buFont typeface="Arial" panose="020B0604020202020204" pitchFamily="34" charset="0"/>
-              <a:buChar char="•"/>
-              <a:defRPr kumimoji="1" sz="2400" kern="1200">
-                <a:solidFill>
-                  <a:schemeClr val="tx1"/>
-                </a:solidFill>
-                <a:latin typeface="+mn-lt"/>
-                <a:ea typeface="+mn-ea"/>
-                <a:cs typeface="+mn-cs"/>
-              </a:defRPr>
-            </a:lvl4pPr>
-            <a:lvl5pPr marL="2057400" indent="-228600" algn="l" defTabSz="914400" rtl="0" eaLnBrk="1" latinLnBrk="0" hangingPunct="1">
-              <a:lnSpc>
-                <a:spcPct val="90000"/>
-              </a:lnSpc>
-              <a:spcBef>
-                <a:spcPts val="500"/>
-              </a:spcBef>
-              <a:buFont typeface="Arial" panose="020B0604020202020204" pitchFamily="34" charset="0"/>
-              <a:buChar char="•"/>
-              <a:defRPr kumimoji="1" sz="2400" kern="1200">
-                <a:solidFill>
-                  <a:schemeClr val="tx1"/>
-                </a:solidFill>
-                <a:latin typeface="+mn-lt"/>
-                <a:ea typeface="+mn-ea"/>
-                <a:cs typeface="+mn-cs"/>
-              </a:defRPr>
-            </a:lvl5pPr>
-            <a:lvl6pPr marL="2514600" indent="-228600" algn="l" defTabSz="914400" rtl="0" eaLnBrk="1" latinLnBrk="0" hangingPunct="1">
-              <a:lnSpc>
-                <a:spcPct val="90000"/>
-              </a:lnSpc>
-              <a:spcBef>
-                <a:spcPts val="500"/>
-              </a:spcBef>
-              <a:buFont typeface="Arial" panose="020B0604020202020204" pitchFamily="34" charset="0"/>
-              <a:buChar char="•"/>
-              <a:defRPr kumimoji="1" sz="1800" kern="1200">
-                <a:solidFill>
-                  <a:schemeClr val="tx1"/>
-                </a:solidFill>
-                <a:latin typeface="+mn-lt"/>
-                <a:ea typeface="+mn-ea"/>
-                <a:cs typeface="+mn-cs"/>
-              </a:defRPr>
-            </a:lvl6pPr>
-            <a:lvl7pPr marL="2971800" indent="-228600" algn="l" defTabSz="914400" rtl="0" eaLnBrk="1" latinLnBrk="0" hangingPunct="1">
-              <a:lnSpc>
-                <a:spcPct val="90000"/>
-              </a:lnSpc>
-              <a:spcBef>
-                <a:spcPts val="500"/>
-              </a:spcBef>
-              <a:buFont typeface="Arial" panose="020B0604020202020204" pitchFamily="34" charset="0"/>
-              <a:buChar char="•"/>
-              <a:defRPr kumimoji="1" sz="1800" kern="1200">
-                <a:solidFill>
-                  <a:schemeClr val="tx1"/>
-                </a:solidFill>
-                <a:latin typeface="+mn-lt"/>
-                <a:ea typeface="+mn-ea"/>
-                <a:cs typeface="+mn-cs"/>
-              </a:defRPr>
-            </a:lvl7pPr>
-            <a:lvl8pPr marL="3429000" indent="-228600" algn="l" defTabSz="914400" rtl="0" eaLnBrk="1" latinLnBrk="0" hangingPunct="1">
-              <a:lnSpc>
-                <a:spcPct val="90000"/>
-              </a:lnSpc>
-              <a:spcBef>
-                <a:spcPts val="500"/>
-              </a:spcBef>
-              <a:buFont typeface="Arial" panose="020B0604020202020204" pitchFamily="34" charset="0"/>
-              <a:buChar char="•"/>
-              <a:defRPr kumimoji="1" sz="1800" kern="1200">
-                <a:solidFill>
-                  <a:schemeClr val="tx1"/>
-                </a:solidFill>
-                <a:latin typeface="+mn-lt"/>
-                <a:ea typeface="+mn-ea"/>
-                <a:cs typeface="+mn-cs"/>
-              </a:defRPr>
-            </a:lvl8pPr>
-            <a:lvl9pPr marL="3886200" indent="-228600" algn="l" defTabSz="914400" rtl="0" eaLnBrk="1" latinLnBrk="0" hangingPunct="1">
-              <a:lnSpc>
-                <a:spcPct val="90000"/>
-              </a:lnSpc>
-              <a:spcBef>
-                <a:spcPts val="500"/>
-              </a:spcBef>
-              <a:buFont typeface="Arial" panose="020B0604020202020204" pitchFamily="34" charset="0"/>
-              <a:buChar char="•"/>
-              <a:defRPr kumimoji="1" sz="1800" kern="1200">
-                <a:solidFill>
-                  <a:schemeClr val="tx1"/>
-                </a:solidFill>
-                <a:latin typeface="+mn-lt"/>
-                <a:ea typeface="+mn-ea"/>
-                <a:cs typeface="+mn-cs"/>
-              </a:defRPr>
-            </a:lvl9pPr>
-          </a:lstStyle>
-          <a:p>
-            <a:r>
-              <a:rPr lang="ja-JP" altLang="en-US" b="1" dirty="0">
-                <a:solidFill>
-                  <a:srgbClr val="FF0000"/>
-                </a:solidFill>
-              </a:rPr>
-              <a:t>ブランチ（</a:t>
-            </a:r>
-            <a:r>
-              <a:rPr lang="en-US" altLang="ja-JP" b="1" dirty="0">
-                <a:solidFill>
-                  <a:srgbClr val="FF0000"/>
-                </a:solidFill>
-              </a:rPr>
-              <a:t>Branch</a:t>
-            </a:r>
-            <a:r>
-              <a:rPr lang="ja-JP" altLang="en-US" b="1" dirty="0">
-                <a:solidFill>
-                  <a:srgbClr val="FF0000"/>
-                </a:solidFill>
-              </a:rPr>
-              <a:t>）</a:t>
-            </a:r>
-            <a:r>
-              <a:rPr lang="ja-JP" altLang="en-US" dirty="0"/>
-              <a:t>を使った並列作業</a:t>
-            </a:r>
-            <a:br>
-              <a:rPr lang="en-US" altLang="ja-JP" dirty="0"/>
-            </a:br>
-            <a:br>
-              <a:rPr lang="en-US" altLang="ja-JP" dirty="0"/>
-            </a:br>
-            <a:r>
-              <a:rPr lang="ja-JP" altLang="en-US" b="1" dirty="0">
-                <a:solidFill>
-                  <a:srgbClr val="FF0000"/>
-                </a:solidFill>
-              </a:rPr>
-              <a:t>ブランチ</a:t>
-            </a:r>
-            <a:r>
-              <a:rPr lang="ja-JP" altLang="en-US" dirty="0"/>
-              <a:t>とは簡単にいうと</a:t>
-            </a:r>
-            <a:r>
-              <a:rPr lang="ja-JP" altLang="en-US" b="1" dirty="0">
-                <a:solidFill>
-                  <a:srgbClr val="FF0000"/>
-                </a:solidFill>
-              </a:rPr>
-              <a:t>分岐</a:t>
-            </a:r>
-            <a:r>
-              <a:rPr lang="ja-JP" altLang="en-US" dirty="0"/>
-              <a:t>のこと</a:t>
-            </a:r>
-            <a:br>
-              <a:rPr lang="en-US" altLang="ja-JP" dirty="0"/>
-            </a:br>
-            <a:br>
-              <a:rPr lang="en-US" altLang="ja-JP" dirty="0"/>
-            </a:br>
-            <a:r>
-              <a:rPr lang="ja-JP" altLang="en-US" dirty="0"/>
-              <a:t>作成したばかりのリポジトリは</a:t>
-            </a:r>
-            <a:r>
-              <a:rPr lang="en-US" altLang="ja-JP" b="1" dirty="0">
-                <a:solidFill>
-                  <a:srgbClr val="00B050"/>
-                </a:solidFill>
-              </a:rPr>
-              <a:t>main</a:t>
-            </a:r>
-            <a:r>
-              <a:rPr lang="ja-JP" altLang="en-US" dirty="0"/>
-              <a:t>ブランチという本流しかない</a:t>
-            </a:r>
-            <a:br>
-              <a:rPr lang="en-US" altLang="ja-JP" dirty="0"/>
-            </a:br>
-            <a:br>
-              <a:rPr lang="en-US" altLang="ja-JP" dirty="0"/>
-            </a:br>
-            <a:r>
-              <a:rPr lang="en-US" altLang="ja-JP" b="1" dirty="0">
-                <a:solidFill>
-                  <a:srgbClr val="00B050"/>
-                </a:solidFill>
-              </a:rPr>
-              <a:t>main</a:t>
-            </a:r>
-            <a:r>
-              <a:rPr lang="ja-JP" altLang="en-US" dirty="0"/>
-              <a:t>ブランチから分岐して開発することで、</a:t>
-            </a:r>
-            <a:br>
-              <a:rPr lang="en-US" altLang="ja-JP" dirty="0"/>
-            </a:br>
-            <a:r>
-              <a:rPr lang="ja-JP" altLang="en-US" dirty="0"/>
-              <a:t>作業を分担して、バグの混入を防ぐことができる</a:t>
-            </a:r>
-            <a:endParaRPr lang="en-US" altLang="ja-JP" dirty="0"/>
-          </a:p>
-        </p:txBody>
-      </p:sp>
-    </p:spTree>
-    <p:extLst>
-      <p:ext uri="{BB962C8B-B14F-4D97-AF65-F5344CB8AC3E}">
-        <p14:creationId xmlns:p14="http://schemas.microsoft.com/office/powerpoint/2010/main" val="389908179"/>
       </p:ext>
     </p:extLst>
   </p:cSld>
@@ -13050,6 +13449,376 @@
 </file>
 
 <file path=ppt/slides/slide30.xml><?xml version="1.0" encoding="utf-8"?>
+<p:sld xmlns:a="http://schemas.openxmlformats.org/drawingml/2006/main" xmlns:r="http://schemas.openxmlformats.org/officeDocument/2006/relationships" xmlns:p="http://schemas.openxmlformats.org/presentationml/2006/main">
+  <p:cSld>
+    <p:spTree>
+      <p:nvGrpSpPr>
+        <p:cNvPr id="1" name="">
+          <a:extLst>
+            <a:ext uri="{FF2B5EF4-FFF2-40B4-BE49-F238E27FC236}">
+              <a16:creationId xmlns:a16="http://schemas.microsoft.com/office/drawing/2014/main" id="{567AFAFA-8DCA-EBA0-9EE4-075CB74CB86C}"/>
+            </a:ext>
+          </a:extLst>
+        </p:cNvPr>
+        <p:cNvGrpSpPr/>
+        <p:nvPr/>
+      </p:nvGrpSpPr>
+      <p:grpSpPr>
+        <a:xfrm>
+          <a:off x="0" y="0"/>
+          <a:ext cx="0" cy="0"/>
+          <a:chOff x="0" y="0"/>
+          <a:chExt cx="0" cy="0"/>
+        </a:xfrm>
+      </p:grpSpPr>
+      <p:sp>
+        <p:nvSpPr>
+          <p:cNvPr id="2" name="タイトル 1">
+            <a:extLst>
+              <a:ext uri="{FF2B5EF4-FFF2-40B4-BE49-F238E27FC236}">
+                <a16:creationId xmlns:a16="http://schemas.microsoft.com/office/drawing/2014/main" id="{8BAC5C65-7BBA-70C0-29B9-40A67866587A}"/>
+              </a:ext>
+            </a:extLst>
+          </p:cNvPr>
+          <p:cNvSpPr>
+            <a:spLocks noGrp="1"/>
+          </p:cNvSpPr>
+          <p:nvPr>
+            <p:ph type="title"/>
+          </p:nvPr>
+        </p:nvSpPr>
+        <p:spPr/>
+        <p:txBody>
+          <a:bodyPr/>
+          <a:lstStyle/>
+          <a:p>
+            <a:r>
+              <a:rPr lang="en-US" altLang="ja-JP" dirty="0"/>
+              <a:t>GitHub</a:t>
+            </a:r>
+            <a:r>
+              <a:rPr lang="ja-JP" altLang="en-US" dirty="0"/>
+              <a:t>を使ったチーム制作</a:t>
+            </a:r>
+            <a:endParaRPr kumimoji="1" lang="ja-JP" altLang="en-US" dirty="0"/>
+          </a:p>
+        </p:txBody>
+      </p:sp>
+      <p:sp>
+        <p:nvSpPr>
+          <p:cNvPr id="9" name="コンテンツ プレースホルダー 2">
+            <a:extLst>
+              <a:ext uri="{FF2B5EF4-FFF2-40B4-BE49-F238E27FC236}">
+                <a16:creationId xmlns:a16="http://schemas.microsoft.com/office/drawing/2014/main" id="{597F01D7-1F96-B574-C4BF-A9EE1AF31A52}"/>
+              </a:ext>
+            </a:extLst>
+          </p:cNvPr>
+          <p:cNvSpPr txBox="1">
+            <a:spLocks/>
+          </p:cNvSpPr>
+          <p:nvPr/>
+        </p:nvSpPr>
+        <p:spPr>
+          <a:xfrm>
+            <a:off x="838200" y="1376038"/>
+            <a:ext cx="10515600" cy="4980311"/>
+          </a:xfrm>
+          <a:prstGeom prst="rect">
+            <a:avLst/>
+          </a:prstGeom>
+        </p:spPr>
+        <p:txBody>
+          <a:bodyPr vert="horz" lIns="91440" tIns="45720" rIns="91440" bIns="45720" rtlCol="0">
+            <a:normAutofit/>
+          </a:bodyPr>
+          <a:lstStyle>
+            <a:lvl1pPr marL="228600" indent="-228600" algn="l" defTabSz="914400" rtl="0" eaLnBrk="1" latinLnBrk="0" hangingPunct="1">
+              <a:lnSpc>
+                <a:spcPct val="90000"/>
+              </a:lnSpc>
+              <a:spcBef>
+                <a:spcPts val="1000"/>
+              </a:spcBef>
+              <a:buFont typeface="Arial" panose="020B0604020202020204" pitchFamily="34" charset="0"/>
+              <a:buChar char="•"/>
+              <a:defRPr kumimoji="1" sz="3600" kern="1200">
+                <a:solidFill>
+                  <a:schemeClr val="tx1"/>
+                </a:solidFill>
+                <a:latin typeface="+mn-lt"/>
+                <a:ea typeface="+mn-ea"/>
+                <a:cs typeface="+mn-cs"/>
+              </a:defRPr>
+            </a:lvl1pPr>
+            <a:lvl2pPr marL="685800" indent="-228600" algn="l" defTabSz="914400" rtl="0" eaLnBrk="1" latinLnBrk="0" hangingPunct="1">
+              <a:lnSpc>
+                <a:spcPct val="90000"/>
+              </a:lnSpc>
+              <a:spcBef>
+                <a:spcPts val="500"/>
+              </a:spcBef>
+              <a:buFont typeface="Arial" panose="020B0604020202020204" pitchFamily="34" charset="0"/>
+              <a:buChar char="•"/>
+              <a:defRPr kumimoji="1" sz="3200" kern="1200">
+                <a:solidFill>
+                  <a:schemeClr val="tx1"/>
+                </a:solidFill>
+                <a:latin typeface="+mn-lt"/>
+                <a:ea typeface="+mn-ea"/>
+                <a:cs typeface="+mn-cs"/>
+              </a:defRPr>
+            </a:lvl2pPr>
+            <a:lvl3pPr marL="1143000" indent="-228600" algn="l" defTabSz="914400" rtl="0" eaLnBrk="1" latinLnBrk="0" hangingPunct="1">
+              <a:lnSpc>
+                <a:spcPct val="90000"/>
+              </a:lnSpc>
+              <a:spcBef>
+                <a:spcPts val="500"/>
+              </a:spcBef>
+              <a:buFont typeface="Arial" panose="020B0604020202020204" pitchFamily="34" charset="0"/>
+              <a:buChar char="•"/>
+              <a:defRPr kumimoji="1" sz="2800" kern="1200">
+                <a:solidFill>
+                  <a:schemeClr val="tx1"/>
+                </a:solidFill>
+                <a:latin typeface="+mn-lt"/>
+                <a:ea typeface="+mn-ea"/>
+                <a:cs typeface="+mn-cs"/>
+              </a:defRPr>
+            </a:lvl3pPr>
+            <a:lvl4pPr marL="1600200" indent="-228600" algn="l" defTabSz="914400" rtl="0" eaLnBrk="1" latinLnBrk="0" hangingPunct="1">
+              <a:lnSpc>
+                <a:spcPct val="90000"/>
+              </a:lnSpc>
+              <a:spcBef>
+                <a:spcPts val="500"/>
+              </a:spcBef>
+              <a:buFont typeface="Arial" panose="020B0604020202020204" pitchFamily="34" charset="0"/>
+              <a:buChar char="•"/>
+              <a:defRPr kumimoji="1" sz="2400" kern="1200">
+                <a:solidFill>
+                  <a:schemeClr val="tx1"/>
+                </a:solidFill>
+                <a:latin typeface="+mn-lt"/>
+                <a:ea typeface="+mn-ea"/>
+                <a:cs typeface="+mn-cs"/>
+              </a:defRPr>
+            </a:lvl4pPr>
+            <a:lvl5pPr marL="2057400" indent="-228600" algn="l" defTabSz="914400" rtl="0" eaLnBrk="1" latinLnBrk="0" hangingPunct="1">
+              <a:lnSpc>
+                <a:spcPct val="90000"/>
+              </a:lnSpc>
+              <a:spcBef>
+                <a:spcPts val="500"/>
+              </a:spcBef>
+              <a:buFont typeface="Arial" panose="020B0604020202020204" pitchFamily="34" charset="0"/>
+              <a:buChar char="•"/>
+              <a:defRPr kumimoji="1" sz="2400" kern="1200">
+                <a:solidFill>
+                  <a:schemeClr val="tx1"/>
+                </a:solidFill>
+                <a:latin typeface="+mn-lt"/>
+                <a:ea typeface="+mn-ea"/>
+                <a:cs typeface="+mn-cs"/>
+              </a:defRPr>
+            </a:lvl5pPr>
+            <a:lvl6pPr marL="2514600" indent="-228600" algn="l" defTabSz="914400" rtl="0" eaLnBrk="1" latinLnBrk="0" hangingPunct="1">
+              <a:lnSpc>
+                <a:spcPct val="90000"/>
+              </a:lnSpc>
+              <a:spcBef>
+                <a:spcPts val="500"/>
+              </a:spcBef>
+              <a:buFont typeface="Arial" panose="020B0604020202020204" pitchFamily="34" charset="0"/>
+              <a:buChar char="•"/>
+              <a:defRPr kumimoji="1" sz="1800" kern="1200">
+                <a:solidFill>
+                  <a:schemeClr val="tx1"/>
+                </a:solidFill>
+                <a:latin typeface="+mn-lt"/>
+                <a:ea typeface="+mn-ea"/>
+                <a:cs typeface="+mn-cs"/>
+              </a:defRPr>
+            </a:lvl6pPr>
+            <a:lvl7pPr marL="2971800" indent="-228600" algn="l" defTabSz="914400" rtl="0" eaLnBrk="1" latinLnBrk="0" hangingPunct="1">
+              <a:lnSpc>
+                <a:spcPct val="90000"/>
+              </a:lnSpc>
+              <a:spcBef>
+                <a:spcPts val="500"/>
+              </a:spcBef>
+              <a:buFont typeface="Arial" panose="020B0604020202020204" pitchFamily="34" charset="0"/>
+              <a:buChar char="•"/>
+              <a:defRPr kumimoji="1" sz="1800" kern="1200">
+                <a:solidFill>
+                  <a:schemeClr val="tx1"/>
+                </a:solidFill>
+                <a:latin typeface="+mn-lt"/>
+                <a:ea typeface="+mn-ea"/>
+                <a:cs typeface="+mn-cs"/>
+              </a:defRPr>
+            </a:lvl7pPr>
+            <a:lvl8pPr marL="3429000" indent="-228600" algn="l" defTabSz="914400" rtl="0" eaLnBrk="1" latinLnBrk="0" hangingPunct="1">
+              <a:lnSpc>
+                <a:spcPct val="90000"/>
+              </a:lnSpc>
+              <a:spcBef>
+                <a:spcPts val="500"/>
+              </a:spcBef>
+              <a:buFont typeface="Arial" panose="020B0604020202020204" pitchFamily="34" charset="0"/>
+              <a:buChar char="•"/>
+              <a:defRPr kumimoji="1" sz="1800" kern="1200">
+                <a:solidFill>
+                  <a:schemeClr val="tx1"/>
+                </a:solidFill>
+                <a:latin typeface="+mn-lt"/>
+                <a:ea typeface="+mn-ea"/>
+                <a:cs typeface="+mn-cs"/>
+              </a:defRPr>
+            </a:lvl8pPr>
+            <a:lvl9pPr marL="3886200" indent="-228600" algn="l" defTabSz="914400" rtl="0" eaLnBrk="1" latinLnBrk="0" hangingPunct="1">
+              <a:lnSpc>
+                <a:spcPct val="90000"/>
+              </a:lnSpc>
+              <a:spcBef>
+                <a:spcPts val="500"/>
+              </a:spcBef>
+              <a:buFont typeface="Arial" panose="020B0604020202020204" pitchFamily="34" charset="0"/>
+              <a:buChar char="•"/>
+              <a:defRPr kumimoji="1" sz="1800" kern="1200">
+                <a:solidFill>
+                  <a:schemeClr val="tx1"/>
+                </a:solidFill>
+                <a:latin typeface="+mn-lt"/>
+                <a:ea typeface="+mn-ea"/>
+                <a:cs typeface="+mn-cs"/>
+              </a:defRPr>
+            </a:lvl9pPr>
+          </a:lstStyle>
+          <a:p>
+            <a:r>
+              <a:rPr lang="ja-JP" altLang="en-US" b="1" dirty="0">
+                <a:solidFill>
+                  <a:srgbClr val="FF0000"/>
+                </a:solidFill>
+              </a:rPr>
+              <a:t>ブランチ（</a:t>
+            </a:r>
+            <a:r>
+              <a:rPr lang="en-US" altLang="ja-JP" b="1" dirty="0">
+                <a:solidFill>
+                  <a:srgbClr val="FF0000"/>
+                </a:solidFill>
+              </a:rPr>
+              <a:t>Branch</a:t>
+            </a:r>
+            <a:r>
+              <a:rPr lang="ja-JP" altLang="en-US" b="1" dirty="0">
+                <a:solidFill>
+                  <a:srgbClr val="FF0000"/>
+                </a:solidFill>
+              </a:rPr>
+              <a:t>）</a:t>
+            </a:r>
+            <a:r>
+              <a:rPr lang="ja-JP" altLang="en-US" dirty="0"/>
+              <a:t>を使った並列作業</a:t>
+            </a:r>
+            <a:br>
+              <a:rPr lang="en-US" altLang="ja-JP" dirty="0"/>
+            </a:br>
+            <a:br>
+              <a:rPr lang="en-US" altLang="ja-JP" dirty="0"/>
+            </a:br>
+            <a:r>
+              <a:rPr lang="ja-JP" altLang="en-US" b="1" dirty="0">
+                <a:solidFill>
+                  <a:srgbClr val="FF0000"/>
+                </a:solidFill>
+              </a:rPr>
+              <a:t>ブランチ</a:t>
+            </a:r>
+            <a:r>
+              <a:rPr lang="ja-JP" altLang="en-US" dirty="0"/>
+              <a:t>とは簡単にいうと</a:t>
+            </a:r>
+            <a:r>
+              <a:rPr lang="ja-JP" altLang="en-US" b="1" dirty="0">
+                <a:solidFill>
+                  <a:srgbClr val="FF0000"/>
+                </a:solidFill>
+              </a:rPr>
+              <a:t>分岐</a:t>
+            </a:r>
+            <a:r>
+              <a:rPr lang="ja-JP" altLang="en-US" dirty="0"/>
+              <a:t>のこと</a:t>
+            </a:r>
+            <a:br>
+              <a:rPr lang="en-US" altLang="ja-JP" dirty="0"/>
+            </a:br>
+            <a:br>
+              <a:rPr lang="en-US" altLang="ja-JP" dirty="0"/>
+            </a:br>
+            <a:r>
+              <a:rPr lang="ja-JP" altLang="en-US" dirty="0"/>
+              <a:t>作成したばかりのリポジトリは</a:t>
+            </a:r>
+            <a:r>
+              <a:rPr lang="en-US" altLang="ja-JP" b="1" dirty="0">
+                <a:solidFill>
+                  <a:srgbClr val="00B050"/>
+                </a:solidFill>
+              </a:rPr>
+              <a:t>main</a:t>
+            </a:r>
+            <a:r>
+              <a:rPr lang="ja-JP" altLang="en-US" dirty="0"/>
+              <a:t>ブランチという本流しかない</a:t>
+            </a:r>
+            <a:br>
+              <a:rPr lang="en-US" altLang="ja-JP" dirty="0"/>
+            </a:br>
+            <a:br>
+              <a:rPr lang="en-US" altLang="ja-JP" dirty="0"/>
+            </a:br>
+            <a:r>
+              <a:rPr lang="en-US" altLang="ja-JP" b="1" dirty="0">
+                <a:solidFill>
+                  <a:srgbClr val="00B050"/>
+                </a:solidFill>
+              </a:rPr>
+              <a:t>main</a:t>
+            </a:r>
+            <a:r>
+              <a:rPr lang="ja-JP" altLang="en-US" dirty="0"/>
+              <a:t>ブランチから分岐して開発することで、</a:t>
+            </a:r>
+            <a:br>
+              <a:rPr lang="en-US" altLang="ja-JP" dirty="0"/>
+            </a:br>
+            <a:r>
+              <a:rPr lang="ja-JP" altLang="en-US" dirty="0"/>
+              <a:t>作業を分担して、バグの混入を防ぐことができる</a:t>
+            </a:r>
+            <a:endParaRPr lang="en-US" altLang="ja-JP" dirty="0"/>
+          </a:p>
+        </p:txBody>
+      </p:sp>
+    </p:spTree>
+    <p:extLst>
+      <p:ext uri="{BB962C8B-B14F-4D97-AF65-F5344CB8AC3E}">
+        <p14:creationId xmlns:p14="http://schemas.microsoft.com/office/powerpoint/2010/main" val="389908179"/>
+      </p:ext>
+    </p:extLst>
+  </p:cSld>
+  <p:clrMapOvr>
+    <a:masterClrMapping/>
+  </p:clrMapOvr>
+</p:sld>
+</file>
+
+<file path=ppt/slides/slide31.xml><?xml version="1.0" encoding="utf-8"?>
 <p:sld xmlns:a="http://schemas.openxmlformats.org/drawingml/2006/main" xmlns:r="http://schemas.openxmlformats.org/officeDocument/2006/relationships" xmlns:p="http://schemas.openxmlformats.org/presentationml/2006/main">
   <p:cSld>
     <p:spTree>
@@ -14618,7 +15387,7 @@
 </p:sld>
 </file>
 
-<file path=ppt/slides/slide31.xml><?xml version="1.0" encoding="utf-8"?>
+<file path=ppt/slides/slide32.xml><?xml version="1.0" encoding="utf-8"?>
 <p:sld xmlns:a="http://schemas.openxmlformats.org/drawingml/2006/main" xmlns:r="http://schemas.openxmlformats.org/officeDocument/2006/relationships" xmlns:p="http://schemas.openxmlformats.org/presentationml/2006/main">
   <p:cSld>
     <p:spTree>
@@ -15032,7 +15801,7 @@
 </p:sld>
 </file>
 
-<file path=ppt/slides/slide32.xml><?xml version="1.0" encoding="utf-8"?>
+<file path=ppt/slides/slide33.xml><?xml version="1.0" encoding="utf-8"?>
 <p:sld xmlns:a="http://schemas.openxmlformats.org/drawingml/2006/main" xmlns:r="http://schemas.openxmlformats.org/officeDocument/2006/relationships" xmlns:p="http://schemas.openxmlformats.org/presentationml/2006/main">
   <p:cSld>
     <p:spTree>
@@ -15531,7 +16300,7 @@
 </p:sld>
 </file>
 
-<file path=ppt/slides/slide33.xml><?xml version="1.0" encoding="utf-8"?>
+<file path=ppt/slides/slide34.xml><?xml version="1.0" encoding="utf-8"?>
 <p:sld xmlns:a="http://schemas.openxmlformats.org/drawingml/2006/main" xmlns:r="http://schemas.openxmlformats.org/officeDocument/2006/relationships" xmlns:p="http://schemas.openxmlformats.org/presentationml/2006/main">
   <p:cSld>
     <p:spTree>
@@ -16007,7 +16776,7 @@
 </p:sld>
 </file>
 
-<file path=ppt/slides/slide34.xml><?xml version="1.0" encoding="utf-8"?>
+<file path=ppt/slides/slide35.xml><?xml version="1.0" encoding="utf-8"?>
 <p:sld xmlns:a="http://schemas.openxmlformats.org/drawingml/2006/main" xmlns:r="http://schemas.openxmlformats.org/officeDocument/2006/relationships" xmlns:p="http://schemas.openxmlformats.org/presentationml/2006/main">
   <p:cSld>
     <p:spTree>
@@ -16433,7 +17202,7 @@
 </p:sld>
 </file>
 
-<file path=ppt/slides/slide35.xml><?xml version="1.0" encoding="utf-8"?>
+<file path=ppt/slides/slide36.xml><?xml version="1.0" encoding="utf-8"?>
 <p:sld xmlns:a="http://schemas.openxmlformats.org/drawingml/2006/main" xmlns:r="http://schemas.openxmlformats.org/officeDocument/2006/relationships" xmlns:p="http://schemas.openxmlformats.org/presentationml/2006/main">
   <p:cSld>
     <p:spTree>
@@ -16829,7 +17598,7 @@
 </p:sld>
 </file>
 
-<file path=ppt/slides/slide36.xml><?xml version="1.0" encoding="utf-8"?>
+<file path=ppt/slides/slide37.xml><?xml version="1.0" encoding="utf-8"?>
 <p:sld xmlns:a="http://schemas.openxmlformats.org/drawingml/2006/main" xmlns:r="http://schemas.openxmlformats.org/officeDocument/2006/relationships" xmlns:p="http://schemas.openxmlformats.org/presentationml/2006/main">
   <p:cSld>
     <p:spTree>
@@ -17263,7 +18032,7 @@
 </p:sld>
 </file>
 
-<file path=ppt/slides/slide37.xml><?xml version="1.0" encoding="utf-8"?>
+<file path=ppt/slides/slide38.xml><?xml version="1.0" encoding="utf-8"?>
 <p:sld xmlns:a="http://schemas.openxmlformats.org/drawingml/2006/main" xmlns:r="http://schemas.openxmlformats.org/officeDocument/2006/relationships" xmlns:p="http://schemas.openxmlformats.org/presentationml/2006/main">
   <p:cSld>
     <p:spTree>
@@ -17573,7 +18342,26 @@
             </a:br>
             <a:r>
               <a:rPr lang="ja-JP" altLang="en-US" dirty="0"/>
-              <a:t>その際、勝手に</a:t>
+              <a:t>マージする際に</a:t>
+            </a:r>
+            <a:r>
+              <a:rPr lang="ja-JP" altLang="en-US" b="1" dirty="0">
+                <a:solidFill>
+                  <a:srgbClr val="FF0000"/>
+                </a:solidFill>
+              </a:rPr>
+              <a:t>競合（コンフリクト）</a:t>
+            </a:r>
+            <a:r>
+              <a:rPr lang="ja-JP" altLang="en-US" dirty="0"/>
+              <a:t>が発生したとき</a:t>
+            </a:r>
+            <a:br>
+              <a:rPr lang="en-US" altLang="ja-JP" dirty="0"/>
+            </a:br>
+            <a:r>
+              <a:rPr lang="ja-JP" altLang="en-US" dirty="0"/>
+              <a:t>は、勝手に</a:t>
             </a:r>
             <a:r>
               <a:rPr lang="en-US" altLang="ja-JP" dirty="0"/>
@@ -17587,28 +18375,8 @@
               <a:rPr lang="en-US" altLang="ja-JP" dirty="0"/>
             </a:br>
             <a:r>
-              <a:rPr lang="ja-JP" altLang="en-US" dirty="0">
-                <a:solidFill>
-                  <a:srgbClr val="FF0000"/>
-                </a:solidFill>
-              </a:rPr>
-              <a:t>リーダー</a:t>
-            </a:r>
-            <a:r>
-              <a:rPr lang="ja-JP" altLang="en-US" dirty="0"/>
-              <a:t>もしくは</a:t>
-            </a:r>
-            <a:r>
-              <a:rPr lang="ja-JP" altLang="en-US" dirty="0">
-                <a:solidFill>
-                  <a:srgbClr val="0070C0"/>
-                </a:solidFill>
-              </a:rPr>
-              <a:t>メインプログラマ</a:t>
-            </a:r>
-            <a:r>
-              <a:rPr lang="ja-JP" altLang="en-US" dirty="0"/>
-              <a:t>に</a:t>
+              <a:rPr lang="ja-JP" altLang="en-US" dirty="0"/>
+              <a:t>リーダーもしくはメインプログラマに</a:t>
             </a:r>
             <a:r>
               <a:rPr lang="ja-JP" altLang="en-US" b="1" dirty="0">
@@ -17642,7 +18410,7 @@
 </p:sld>
 </file>
 
-<file path=ppt/slides/slide38.xml><?xml version="1.0" encoding="utf-8"?>
+<file path=ppt/slides/slide39.xml><?xml version="1.0" encoding="utf-8"?>
 <p:sld xmlns:a="http://schemas.openxmlformats.org/drawingml/2006/main" xmlns:r="http://schemas.openxmlformats.org/officeDocument/2006/relationships" xmlns:p="http://schemas.openxmlformats.org/presentationml/2006/main">
   <p:cSld>
     <p:spTree>
@@ -18015,426 +18783,6 @@
     <p:extLst>
       <p:ext uri="{BB962C8B-B14F-4D97-AF65-F5344CB8AC3E}">
         <p14:creationId xmlns:p14="http://schemas.microsoft.com/office/powerpoint/2010/main" val="1902865015"/>
-      </p:ext>
-    </p:extLst>
-  </p:cSld>
-  <p:clrMapOvr>
-    <a:masterClrMapping/>
-  </p:clrMapOvr>
-</p:sld>
-</file>
-
-<file path=ppt/slides/slide39.xml><?xml version="1.0" encoding="utf-8"?>
-<p:sld xmlns:a="http://schemas.openxmlformats.org/drawingml/2006/main" xmlns:r="http://schemas.openxmlformats.org/officeDocument/2006/relationships" xmlns:p="http://schemas.openxmlformats.org/presentationml/2006/main">
-  <p:cSld>
-    <p:spTree>
-      <p:nvGrpSpPr>
-        <p:cNvPr id="1" name="">
-          <a:extLst>
-            <a:ext uri="{FF2B5EF4-FFF2-40B4-BE49-F238E27FC236}">
-              <a16:creationId xmlns:a16="http://schemas.microsoft.com/office/drawing/2014/main" id="{3962211C-01A0-2E65-EB7D-8897C97196CE}"/>
-            </a:ext>
-          </a:extLst>
-        </p:cNvPr>
-        <p:cNvGrpSpPr/>
-        <p:nvPr/>
-      </p:nvGrpSpPr>
-      <p:grpSpPr>
-        <a:xfrm>
-          <a:off x="0" y="0"/>
-          <a:ext cx="0" cy="0"/>
-          <a:chOff x="0" y="0"/>
-          <a:chExt cx="0" cy="0"/>
-        </a:xfrm>
-      </p:grpSpPr>
-      <p:sp>
-        <p:nvSpPr>
-          <p:cNvPr id="2" name="タイトル 1">
-            <a:extLst>
-              <a:ext uri="{FF2B5EF4-FFF2-40B4-BE49-F238E27FC236}">
-                <a16:creationId xmlns:a16="http://schemas.microsoft.com/office/drawing/2014/main" id="{DF00A9E5-2753-650D-B608-6E3982AE5F3F}"/>
-              </a:ext>
-            </a:extLst>
-          </p:cNvPr>
-          <p:cNvSpPr>
-            <a:spLocks noGrp="1"/>
-          </p:cNvSpPr>
-          <p:nvPr>
-            <p:ph type="title"/>
-          </p:nvPr>
-        </p:nvSpPr>
-        <p:spPr/>
-        <p:txBody>
-          <a:bodyPr/>
-          <a:lstStyle/>
-          <a:p>
-            <a:r>
-              <a:rPr lang="en-US" altLang="ja-JP" dirty="0"/>
-              <a:t>GitHub</a:t>
-            </a:r>
-            <a:r>
-              <a:rPr lang="ja-JP" altLang="en-US" dirty="0"/>
-              <a:t>を使ったチーム制作</a:t>
-            </a:r>
-            <a:endParaRPr kumimoji="1" lang="ja-JP" altLang="en-US" dirty="0"/>
-          </a:p>
-        </p:txBody>
-      </p:sp>
-      <p:sp>
-        <p:nvSpPr>
-          <p:cNvPr id="9" name="コンテンツ プレースホルダー 2">
-            <a:extLst>
-              <a:ext uri="{FF2B5EF4-FFF2-40B4-BE49-F238E27FC236}">
-                <a16:creationId xmlns:a16="http://schemas.microsoft.com/office/drawing/2014/main" id="{0A5BB390-358F-1436-45A6-9D9336BEF9D0}"/>
-              </a:ext>
-            </a:extLst>
-          </p:cNvPr>
-          <p:cNvSpPr txBox="1">
-            <a:spLocks/>
-          </p:cNvSpPr>
-          <p:nvPr/>
-        </p:nvSpPr>
-        <p:spPr>
-          <a:xfrm>
-            <a:off x="838200" y="1376038"/>
-            <a:ext cx="10515600" cy="5355502"/>
-          </a:xfrm>
-          <a:prstGeom prst="rect">
-            <a:avLst/>
-          </a:prstGeom>
-        </p:spPr>
-        <p:txBody>
-          <a:bodyPr vert="horz" lIns="91440" tIns="45720" rIns="91440" bIns="45720" rtlCol="0">
-            <a:normAutofit/>
-          </a:bodyPr>
-          <a:lstStyle>
-            <a:lvl1pPr marL="228600" indent="-228600" algn="l" defTabSz="914400" rtl="0" eaLnBrk="1" latinLnBrk="0" hangingPunct="1">
-              <a:lnSpc>
-                <a:spcPct val="90000"/>
-              </a:lnSpc>
-              <a:spcBef>
-                <a:spcPts val="1000"/>
-              </a:spcBef>
-              <a:buFont typeface="Arial" panose="020B0604020202020204" pitchFamily="34" charset="0"/>
-              <a:buChar char="•"/>
-              <a:defRPr kumimoji="1" sz="3600" kern="1200">
-                <a:solidFill>
-                  <a:schemeClr val="tx1"/>
-                </a:solidFill>
-                <a:latin typeface="+mn-lt"/>
-                <a:ea typeface="+mn-ea"/>
-                <a:cs typeface="+mn-cs"/>
-              </a:defRPr>
-            </a:lvl1pPr>
-            <a:lvl2pPr marL="685800" indent="-228600" algn="l" defTabSz="914400" rtl="0" eaLnBrk="1" latinLnBrk="0" hangingPunct="1">
-              <a:lnSpc>
-                <a:spcPct val="90000"/>
-              </a:lnSpc>
-              <a:spcBef>
-                <a:spcPts val="500"/>
-              </a:spcBef>
-              <a:buFont typeface="Arial" panose="020B0604020202020204" pitchFamily="34" charset="0"/>
-              <a:buChar char="•"/>
-              <a:defRPr kumimoji="1" sz="3200" kern="1200">
-                <a:solidFill>
-                  <a:schemeClr val="tx1"/>
-                </a:solidFill>
-                <a:latin typeface="+mn-lt"/>
-                <a:ea typeface="+mn-ea"/>
-                <a:cs typeface="+mn-cs"/>
-              </a:defRPr>
-            </a:lvl2pPr>
-            <a:lvl3pPr marL="1143000" indent="-228600" algn="l" defTabSz="914400" rtl="0" eaLnBrk="1" latinLnBrk="0" hangingPunct="1">
-              <a:lnSpc>
-                <a:spcPct val="90000"/>
-              </a:lnSpc>
-              <a:spcBef>
-                <a:spcPts val="500"/>
-              </a:spcBef>
-              <a:buFont typeface="Arial" panose="020B0604020202020204" pitchFamily="34" charset="0"/>
-              <a:buChar char="•"/>
-              <a:defRPr kumimoji="1" sz="2800" kern="1200">
-                <a:solidFill>
-                  <a:schemeClr val="tx1"/>
-                </a:solidFill>
-                <a:latin typeface="+mn-lt"/>
-                <a:ea typeface="+mn-ea"/>
-                <a:cs typeface="+mn-cs"/>
-              </a:defRPr>
-            </a:lvl3pPr>
-            <a:lvl4pPr marL="1600200" indent="-228600" algn="l" defTabSz="914400" rtl="0" eaLnBrk="1" latinLnBrk="0" hangingPunct="1">
-              <a:lnSpc>
-                <a:spcPct val="90000"/>
-              </a:lnSpc>
-              <a:spcBef>
-                <a:spcPts val="500"/>
-              </a:spcBef>
-              <a:buFont typeface="Arial" panose="020B0604020202020204" pitchFamily="34" charset="0"/>
-              <a:buChar char="•"/>
-              <a:defRPr kumimoji="1" sz="2400" kern="1200">
-                <a:solidFill>
-                  <a:schemeClr val="tx1"/>
-                </a:solidFill>
-                <a:latin typeface="+mn-lt"/>
-                <a:ea typeface="+mn-ea"/>
-                <a:cs typeface="+mn-cs"/>
-              </a:defRPr>
-            </a:lvl4pPr>
-            <a:lvl5pPr marL="2057400" indent="-228600" algn="l" defTabSz="914400" rtl="0" eaLnBrk="1" latinLnBrk="0" hangingPunct="1">
-              <a:lnSpc>
-                <a:spcPct val="90000"/>
-              </a:lnSpc>
-              <a:spcBef>
-                <a:spcPts val="500"/>
-              </a:spcBef>
-              <a:buFont typeface="Arial" panose="020B0604020202020204" pitchFamily="34" charset="0"/>
-              <a:buChar char="•"/>
-              <a:defRPr kumimoji="1" sz="2400" kern="1200">
-                <a:solidFill>
-                  <a:schemeClr val="tx1"/>
-                </a:solidFill>
-                <a:latin typeface="+mn-lt"/>
-                <a:ea typeface="+mn-ea"/>
-                <a:cs typeface="+mn-cs"/>
-              </a:defRPr>
-            </a:lvl5pPr>
-            <a:lvl6pPr marL="2514600" indent="-228600" algn="l" defTabSz="914400" rtl="0" eaLnBrk="1" latinLnBrk="0" hangingPunct="1">
-              <a:lnSpc>
-                <a:spcPct val="90000"/>
-              </a:lnSpc>
-              <a:spcBef>
-                <a:spcPts val="500"/>
-              </a:spcBef>
-              <a:buFont typeface="Arial" panose="020B0604020202020204" pitchFamily="34" charset="0"/>
-              <a:buChar char="•"/>
-              <a:defRPr kumimoji="1" sz="1800" kern="1200">
-                <a:solidFill>
-                  <a:schemeClr val="tx1"/>
-                </a:solidFill>
-                <a:latin typeface="+mn-lt"/>
-                <a:ea typeface="+mn-ea"/>
-                <a:cs typeface="+mn-cs"/>
-              </a:defRPr>
-            </a:lvl6pPr>
-            <a:lvl7pPr marL="2971800" indent="-228600" algn="l" defTabSz="914400" rtl="0" eaLnBrk="1" latinLnBrk="0" hangingPunct="1">
-              <a:lnSpc>
-                <a:spcPct val="90000"/>
-              </a:lnSpc>
-              <a:spcBef>
-                <a:spcPts val="500"/>
-              </a:spcBef>
-              <a:buFont typeface="Arial" panose="020B0604020202020204" pitchFamily="34" charset="0"/>
-              <a:buChar char="•"/>
-              <a:defRPr kumimoji="1" sz="1800" kern="1200">
-                <a:solidFill>
-                  <a:schemeClr val="tx1"/>
-                </a:solidFill>
-                <a:latin typeface="+mn-lt"/>
-                <a:ea typeface="+mn-ea"/>
-                <a:cs typeface="+mn-cs"/>
-              </a:defRPr>
-            </a:lvl7pPr>
-            <a:lvl8pPr marL="3429000" indent="-228600" algn="l" defTabSz="914400" rtl="0" eaLnBrk="1" latinLnBrk="0" hangingPunct="1">
-              <a:lnSpc>
-                <a:spcPct val="90000"/>
-              </a:lnSpc>
-              <a:spcBef>
-                <a:spcPts val="500"/>
-              </a:spcBef>
-              <a:buFont typeface="Arial" panose="020B0604020202020204" pitchFamily="34" charset="0"/>
-              <a:buChar char="•"/>
-              <a:defRPr kumimoji="1" sz="1800" kern="1200">
-                <a:solidFill>
-                  <a:schemeClr val="tx1"/>
-                </a:solidFill>
-                <a:latin typeface="+mn-lt"/>
-                <a:ea typeface="+mn-ea"/>
-                <a:cs typeface="+mn-cs"/>
-              </a:defRPr>
-            </a:lvl8pPr>
-            <a:lvl9pPr marL="3886200" indent="-228600" algn="l" defTabSz="914400" rtl="0" eaLnBrk="1" latinLnBrk="0" hangingPunct="1">
-              <a:lnSpc>
-                <a:spcPct val="90000"/>
-              </a:lnSpc>
-              <a:spcBef>
-                <a:spcPts val="500"/>
-              </a:spcBef>
-              <a:buFont typeface="Arial" panose="020B0604020202020204" pitchFamily="34" charset="0"/>
-              <a:buChar char="•"/>
-              <a:defRPr kumimoji="1" sz="1800" kern="1200">
-                <a:solidFill>
-                  <a:schemeClr val="tx1"/>
-                </a:solidFill>
-                <a:latin typeface="+mn-lt"/>
-                <a:ea typeface="+mn-ea"/>
-                <a:cs typeface="+mn-cs"/>
-              </a:defRPr>
-            </a:lvl9pPr>
-          </a:lstStyle>
-          <a:p>
-            <a:r>
-              <a:rPr lang="ja-JP" altLang="en-US" b="1" dirty="0">
-                <a:solidFill>
-                  <a:srgbClr val="FF00FF"/>
-                </a:solidFill>
-              </a:rPr>
-              <a:t>統合（マージ）</a:t>
-            </a:r>
-            <a:r>
-              <a:rPr lang="ja-JP" altLang="en-US" dirty="0"/>
-              <a:t>する方法</a:t>
-            </a:r>
-            <a:br>
-              <a:rPr lang="en-US" altLang="ja-JP" b="1" dirty="0">
-                <a:solidFill>
-                  <a:srgbClr val="FF00FF"/>
-                </a:solidFill>
-              </a:rPr>
-            </a:br>
-            <a:br>
-              <a:rPr lang="en-US" altLang="ja-JP" dirty="0"/>
-            </a:br>
-            <a:r>
-              <a:rPr lang="ja-JP" altLang="en-US" dirty="0"/>
-              <a:t>変更したファイル</a:t>
-            </a:r>
-            <a:br>
-              <a:rPr lang="en-US" altLang="ja-JP" dirty="0"/>
-            </a:br>
-            <a:r>
-              <a:rPr lang="ja-JP" altLang="en-US" dirty="0"/>
-              <a:t>一覧と変更内容</a:t>
-            </a:r>
-            <a:br>
-              <a:rPr lang="en-US" altLang="ja-JP" dirty="0"/>
-            </a:br>
-            <a:r>
-              <a:rPr lang="ja-JP" altLang="en-US" dirty="0"/>
-              <a:t>が表示される</a:t>
-            </a:r>
-            <a:br>
-              <a:rPr lang="en-US" altLang="ja-JP" dirty="0"/>
-            </a:br>
-            <a:br>
-              <a:rPr lang="en-US" altLang="ja-JP" dirty="0"/>
-            </a:br>
-            <a:r>
-              <a:rPr lang="en-US" altLang="ja-JP" dirty="0"/>
-              <a:t>[Create pull</a:t>
-            </a:r>
-            <a:br>
-              <a:rPr lang="en-US" altLang="ja-JP" dirty="0"/>
-            </a:br>
-            <a:r>
-              <a:rPr lang="en-US" altLang="ja-JP" dirty="0"/>
-              <a:t> request]</a:t>
-            </a:r>
-            <a:r>
-              <a:rPr lang="ja-JP" altLang="en-US" dirty="0"/>
-              <a:t>を</a:t>
-            </a:r>
-            <a:br>
-              <a:rPr lang="en-US" altLang="ja-JP" dirty="0"/>
-            </a:br>
-            <a:r>
-              <a:rPr lang="ja-JP" altLang="en-US" dirty="0"/>
-              <a:t>クリック</a:t>
-            </a:r>
-            <a:endParaRPr lang="en-US" altLang="ja-JP" dirty="0"/>
-          </a:p>
-        </p:txBody>
-      </p:sp>
-      <p:pic>
-        <p:nvPicPr>
-          <p:cNvPr id="6" name="図 5">
-            <a:extLst>
-              <a:ext uri="{FF2B5EF4-FFF2-40B4-BE49-F238E27FC236}">
-                <a16:creationId xmlns:a16="http://schemas.microsoft.com/office/drawing/2014/main" id="{6A04E24C-009F-3468-2D51-83590E194E6F}"/>
-              </a:ext>
-            </a:extLst>
-          </p:cNvPr>
-          <p:cNvPicPr>
-            <a:picLocks noChangeAspect="1"/>
-          </p:cNvPicPr>
-          <p:nvPr/>
-        </p:nvPicPr>
-        <p:blipFill>
-          <a:blip r:embed="rId2"/>
-          <a:stretch>
-            <a:fillRect/>
-          </a:stretch>
-        </p:blipFill>
-        <p:spPr>
-          <a:xfrm>
-            <a:off x="4938068" y="2115670"/>
-            <a:ext cx="6909084" cy="4371217"/>
-          </a:xfrm>
-          <a:prstGeom prst="rect">
-            <a:avLst/>
-          </a:prstGeom>
-          <a:ln>
-            <a:solidFill>
-              <a:schemeClr val="tx1"/>
-            </a:solidFill>
-          </a:ln>
-        </p:spPr>
-      </p:pic>
-      <p:sp>
-        <p:nvSpPr>
-          <p:cNvPr id="7" name="正方形/長方形 6">
-            <a:extLst>
-              <a:ext uri="{FF2B5EF4-FFF2-40B4-BE49-F238E27FC236}">
-                <a16:creationId xmlns:a16="http://schemas.microsoft.com/office/drawing/2014/main" id="{6B579037-B70D-96FF-CE62-BC09BD05F307}"/>
-              </a:ext>
-            </a:extLst>
-          </p:cNvPr>
-          <p:cNvSpPr/>
-          <p:nvPr/>
-        </p:nvSpPr>
-        <p:spPr>
-          <a:xfrm>
-            <a:off x="9717741" y="6192439"/>
-            <a:ext cx="1039907" cy="315938"/>
-          </a:xfrm>
-          <a:prstGeom prst="rect">
-            <a:avLst/>
-          </a:prstGeom>
-          <a:noFill/>
-          <a:ln w="38100">
-            <a:solidFill>
-              <a:srgbClr val="FF0000"/>
-            </a:solidFill>
-          </a:ln>
-        </p:spPr>
-        <p:style>
-          <a:lnRef idx="2">
-            <a:schemeClr val="accent1">
-              <a:shade val="15000"/>
-            </a:schemeClr>
-          </a:lnRef>
-          <a:fillRef idx="1">
-            <a:schemeClr val="accent1"/>
-          </a:fillRef>
-          <a:effectRef idx="0">
-            <a:schemeClr val="accent1"/>
-          </a:effectRef>
-          <a:fontRef idx="minor">
-            <a:schemeClr val="lt1"/>
-          </a:fontRef>
-        </p:style>
-        <p:txBody>
-          <a:bodyPr rtlCol="0" anchor="ctr"/>
-          <a:lstStyle/>
-          <a:p>
-            <a:pPr algn="ctr"/>
-            <a:endParaRPr kumimoji="1" lang="ja-JP" altLang="en-US"/>
-          </a:p>
-        </p:txBody>
-      </p:sp>
-    </p:spTree>
-    <p:extLst>
-      <p:ext uri="{BB962C8B-B14F-4D97-AF65-F5344CB8AC3E}">
-        <p14:creationId xmlns:p14="http://schemas.microsoft.com/office/powerpoint/2010/main" val="1315423730"/>
       </p:ext>
     </p:extLst>
   </p:cSld>
@@ -19032,6 +19380,426 @@
         <p:cNvPr id="1" name="">
           <a:extLst>
             <a:ext uri="{FF2B5EF4-FFF2-40B4-BE49-F238E27FC236}">
+              <a16:creationId xmlns:a16="http://schemas.microsoft.com/office/drawing/2014/main" id="{3962211C-01A0-2E65-EB7D-8897C97196CE}"/>
+            </a:ext>
+          </a:extLst>
+        </p:cNvPr>
+        <p:cNvGrpSpPr/>
+        <p:nvPr/>
+      </p:nvGrpSpPr>
+      <p:grpSpPr>
+        <a:xfrm>
+          <a:off x="0" y="0"/>
+          <a:ext cx="0" cy="0"/>
+          <a:chOff x="0" y="0"/>
+          <a:chExt cx="0" cy="0"/>
+        </a:xfrm>
+      </p:grpSpPr>
+      <p:sp>
+        <p:nvSpPr>
+          <p:cNvPr id="2" name="タイトル 1">
+            <a:extLst>
+              <a:ext uri="{FF2B5EF4-FFF2-40B4-BE49-F238E27FC236}">
+                <a16:creationId xmlns:a16="http://schemas.microsoft.com/office/drawing/2014/main" id="{DF00A9E5-2753-650D-B608-6E3982AE5F3F}"/>
+              </a:ext>
+            </a:extLst>
+          </p:cNvPr>
+          <p:cNvSpPr>
+            <a:spLocks noGrp="1"/>
+          </p:cNvSpPr>
+          <p:nvPr>
+            <p:ph type="title"/>
+          </p:nvPr>
+        </p:nvSpPr>
+        <p:spPr/>
+        <p:txBody>
+          <a:bodyPr/>
+          <a:lstStyle/>
+          <a:p>
+            <a:r>
+              <a:rPr lang="en-US" altLang="ja-JP" dirty="0"/>
+              <a:t>GitHub</a:t>
+            </a:r>
+            <a:r>
+              <a:rPr lang="ja-JP" altLang="en-US" dirty="0"/>
+              <a:t>を使ったチーム制作</a:t>
+            </a:r>
+            <a:endParaRPr kumimoji="1" lang="ja-JP" altLang="en-US" dirty="0"/>
+          </a:p>
+        </p:txBody>
+      </p:sp>
+      <p:sp>
+        <p:nvSpPr>
+          <p:cNvPr id="9" name="コンテンツ プレースホルダー 2">
+            <a:extLst>
+              <a:ext uri="{FF2B5EF4-FFF2-40B4-BE49-F238E27FC236}">
+                <a16:creationId xmlns:a16="http://schemas.microsoft.com/office/drawing/2014/main" id="{0A5BB390-358F-1436-45A6-9D9336BEF9D0}"/>
+              </a:ext>
+            </a:extLst>
+          </p:cNvPr>
+          <p:cNvSpPr txBox="1">
+            <a:spLocks/>
+          </p:cNvSpPr>
+          <p:nvPr/>
+        </p:nvSpPr>
+        <p:spPr>
+          <a:xfrm>
+            <a:off x="838200" y="1376038"/>
+            <a:ext cx="10515600" cy="5355502"/>
+          </a:xfrm>
+          <a:prstGeom prst="rect">
+            <a:avLst/>
+          </a:prstGeom>
+        </p:spPr>
+        <p:txBody>
+          <a:bodyPr vert="horz" lIns="91440" tIns="45720" rIns="91440" bIns="45720" rtlCol="0">
+            <a:normAutofit/>
+          </a:bodyPr>
+          <a:lstStyle>
+            <a:lvl1pPr marL="228600" indent="-228600" algn="l" defTabSz="914400" rtl="0" eaLnBrk="1" latinLnBrk="0" hangingPunct="1">
+              <a:lnSpc>
+                <a:spcPct val="90000"/>
+              </a:lnSpc>
+              <a:spcBef>
+                <a:spcPts val="1000"/>
+              </a:spcBef>
+              <a:buFont typeface="Arial" panose="020B0604020202020204" pitchFamily="34" charset="0"/>
+              <a:buChar char="•"/>
+              <a:defRPr kumimoji="1" sz="3600" kern="1200">
+                <a:solidFill>
+                  <a:schemeClr val="tx1"/>
+                </a:solidFill>
+                <a:latin typeface="+mn-lt"/>
+                <a:ea typeface="+mn-ea"/>
+                <a:cs typeface="+mn-cs"/>
+              </a:defRPr>
+            </a:lvl1pPr>
+            <a:lvl2pPr marL="685800" indent="-228600" algn="l" defTabSz="914400" rtl="0" eaLnBrk="1" latinLnBrk="0" hangingPunct="1">
+              <a:lnSpc>
+                <a:spcPct val="90000"/>
+              </a:lnSpc>
+              <a:spcBef>
+                <a:spcPts val="500"/>
+              </a:spcBef>
+              <a:buFont typeface="Arial" panose="020B0604020202020204" pitchFamily="34" charset="0"/>
+              <a:buChar char="•"/>
+              <a:defRPr kumimoji="1" sz="3200" kern="1200">
+                <a:solidFill>
+                  <a:schemeClr val="tx1"/>
+                </a:solidFill>
+                <a:latin typeface="+mn-lt"/>
+                <a:ea typeface="+mn-ea"/>
+                <a:cs typeface="+mn-cs"/>
+              </a:defRPr>
+            </a:lvl2pPr>
+            <a:lvl3pPr marL="1143000" indent="-228600" algn="l" defTabSz="914400" rtl="0" eaLnBrk="1" latinLnBrk="0" hangingPunct="1">
+              <a:lnSpc>
+                <a:spcPct val="90000"/>
+              </a:lnSpc>
+              <a:spcBef>
+                <a:spcPts val="500"/>
+              </a:spcBef>
+              <a:buFont typeface="Arial" panose="020B0604020202020204" pitchFamily="34" charset="0"/>
+              <a:buChar char="•"/>
+              <a:defRPr kumimoji="1" sz="2800" kern="1200">
+                <a:solidFill>
+                  <a:schemeClr val="tx1"/>
+                </a:solidFill>
+                <a:latin typeface="+mn-lt"/>
+                <a:ea typeface="+mn-ea"/>
+                <a:cs typeface="+mn-cs"/>
+              </a:defRPr>
+            </a:lvl3pPr>
+            <a:lvl4pPr marL="1600200" indent="-228600" algn="l" defTabSz="914400" rtl="0" eaLnBrk="1" latinLnBrk="0" hangingPunct="1">
+              <a:lnSpc>
+                <a:spcPct val="90000"/>
+              </a:lnSpc>
+              <a:spcBef>
+                <a:spcPts val="500"/>
+              </a:spcBef>
+              <a:buFont typeface="Arial" panose="020B0604020202020204" pitchFamily="34" charset="0"/>
+              <a:buChar char="•"/>
+              <a:defRPr kumimoji="1" sz="2400" kern="1200">
+                <a:solidFill>
+                  <a:schemeClr val="tx1"/>
+                </a:solidFill>
+                <a:latin typeface="+mn-lt"/>
+                <a:ea typeface="+mn-ea"/>
+                <a:cs typeface="+mn-cs"/>
+              </a:defRPr>
+            </a:lvl4pPr>
+            <a:lvl5pPr marL="2057400" indent="-228600" algn="l" defTabSz="914400" rtl="0" eaLnBrk="1" latinLnBrk="0" hangingPunct="1">
+              <a:lnSpc>
+                <a:spcPct val="90000"/>
+              </a:lnSpc>
+              <a:spcBef>
+                <a:spcPts val="500"/>
+              </a:spcBef>
+              <a:buFont typeface="Arial" panose="020B0604020202020204" pitchFamily="34" charset="0"/>
+              <a:buChar char="•"/>
+              <a:defRPr kumimoji="1" sz="2400" kern="1200">
+                <a:solidFill>
+                  <a:schemeClr val="tx1"/>
+                </a:solidFill>
+                <a:latin typeface="+mn-lt"/>
+                <a:ea typeface="+mn-ea"/>
+                <a:cs typeface="+mn-cs"/>
+              </a:defRPr>
+            </a:lvl5pPr>
+            <a:lvl6pPr marL="2514600" indent="-228600" algn="l" defTabSz="914400" rtl="0" eaLnBrk="1" latinLnBrk="0" hangingPunct="1">
+              <a:lnSpc>
+                <a:spcPct val="90000"/>
+              </a:lnSpc>
+              <a:spcBef>
+                <a:spcPts val="500"/>
+              </a:spcBef>
+              <a:buFont typeface="Arial" panose="020B0604020202020204" pitchFamily="34" charset="0"/>
+              <a:buChar char="•"/>
+              <a:defRPr kumimoji="1" sz="1800" kern="1200">
+                <a:solidFill>
+                  <a:schemeClr val="tx1"/>
+                </a:solidFill>
+                <a:latin typeface="+mn-lt"/>
+                <a:ea typeface="+mn-ea"/>
+                <a:cs typeface="+mn-cs"/>
+              </a:defRPr>
+            </a:lvl6pPr>
+            <a:lvl7pPr marL="2971800" indent="-228600" algn="l" defTabSz="914400" rtl="0" eaLnBrk="1" latinLnBrk="0" hangingPunct="1">
+              <a:lnSpc>
+                <a:spcPct val="90000"/>
+              </a:lnSpc>
+              <a:spcBef>
+                <a:spcPts val="500"/>
+              </a:spcBef>
+              <a:buFont typeface="Arial" panose="020B0604020202020204" pitchFamily="34" charset="0"/>
+              <a:buChar char="•"/>
+              <a:defRPr kumimoji="1" sz="1800" kern="1200">
+                <a:solidFill>
+                  <a:schemeClr val="tx1"/>
+                </a:solidFill>
+                <a:latin typeface="+mn-lt"/>
+                <a:ea typeface="+mn-ea"/>
+                <a:cs typeface="+mn-cs"/>
+              </a:defRPr>
+            </a:lvl7pPr>
+            <a:lvl8pPr marL="3429000" indent="-228600" algn="l" defTabSz="914400" rtl="0" eaLnBrk="1" latinLnBrk="0" hangingPunct="1">
+              <a:lnSpc>
+                <a:spcPct val="90000"/>
+              </a:lnSpc>
+              <a:spcBef>
+                <a:spcPts val="500"/>
+              </a:spcBef>
+              <a:buFont typeface="Arial" panose="020B0604020202020204" pitchFamily="34" charset="0"/>
+              <a:buChar char="•"/>
+              <a:defRPr kumimoji="1" sz="1800" kern="1200">
+                <a:solidFill>
+                  <a:schemeClr val="tx1"/>
+                </a:solidFill>
+                <a:latin typeface="+mn-lt"/>
+                <a:ea typeface="+mn-ea"/>
+                <a:cs typeface="+mn-cs"/>
+              </a:defRPr>
+            </a:lvl8pPr>
+            <a:lvl9pPr marL="3886200" indent="-228600" algn="l" defTabSz="914400" rtl="0" eaLnBrk="1" latinLnBrk="0" hangingPunct="1">
+              <a:lnSpc>
+                <a:spcPct val="90000"/>
+              </a:lnSpc>
+              <a:spcBef>
+                <a:spcPts val="500"/>
+              </a:spcBef>
+              <a:buFont typeface="Arial" panose="020B0604020202020204" pitchFamily="34" charset="0"/>
+              <a:buChar char="•"/>
+              <a:defRPr kumimoji="1" sz="1800" kern="1200">
+                <a:solidFill>
+                  <a:schemeClr val="tx1"/>
+                </a:solidFill>
+                <a:latin typeface="+mn-lt"/>
+                <a:ea typeface="+mn-ea"/>
+                <a:cs typeface="+mn-cs"/>
+              </a:defRPr>
+            </a:lvl9pPr>
+          </a:lstStyle>
+          <a:p>
+            <a:r>
+              <a:rPr lang="ja-JP" altLang="en-US" b="1" dirty="0">
+                <a:solidFill>
+                  <a:srgbClr val="FF00FF"/>
+                </a:solidFill>
+              </a:rPr>
+              <a:t>統合（マージ）</a:t>
+            </a:r>
+            <a:r>
+              <a:rPr lang="ja-JP" altLang="en-US" dirty="0"/>
+              <a:t>する方法</a:t>
+            </a:r>
+            <a:br>
+              <a:rPr lang="en-US" altLang="ja-JP" b="1" dirty="0">
+                <a:solidFill>
+                  <a:srgbClr val="FF00FF"/>
+                </a:solidFill>
+              </a:rPr>
+            </a:br>
+            <a:br>
+              <a:rPr lang="en-US" altLang="ja-JP" dirty="0"/>
+            </a:br>
+            <a:r>
+              <a:rPr lang="ja-JP" altLang="en-US" dirty="0"/>
+              <a:t>変更したファイル</a:t>
+            </a:r>
+            <a:br>
+              <a:rPr lang="en-US" altLang="ja-JP" dirty="0"/>
+            </a:br>
+            <a:r>
+              <a:rPr lang="ja-JP" altLang="en-US" dirty="0"/>
+              <a:t>一覧と変更内容</a:t>
+            </a:r>
+            <a:br>
+              <a:rPr lang="en-US" altLang="ja-JP" dirty="0"/>
+            </a:br>
+            <a:r>
+              <a:rPr lang="ja-JP" altLang="en-US" dirty="0"/>
+              <a:t>が表示される</a:t>
+            </a:r>
+            <a:br>
+              <a:rPr lang="en-US" altLang="ja-JP" dirty="0"/>
+            </a:br>
+            <a:br>
+              <a:rPr lang="en-US" altLang="ja-JP" dirty="0"/>
+            </a:br>
+            <a:r>
+              <a:rPr lang="en-US" altLang="ja-JP" dirty="0"/>
+              <a:t>[Create pull</a:t>
+            </a:r>
+            <a:br>
+              <a:rPr lang="en-US" altLang="ja-JP" dirty="0"/>
+            </a:br>
+            <a:r>
+              <a:rPr lang="en-US" altLang="ja-JP" dirty="0"/>
+              <a:t> request]</a:t>
+            </a:r>
+            <a:r>
+              <a:rPr lang="ja-JP" altLang="en-US" dirty="0"/>
+              <a:t>を</a:t>
+            </a:r>
+            <a:br>
+              <a:rPr lang="en-US" altLang="ja-JP" dirty="0"/>
+            </a:br>
+            <a:r>
+              <a:rPr lang="ja-JP" altLang="en-US" dirty="0"/>
+              <a:t>クリック</a:t>
+            </a:r>
+            <a:endParaRPr lang="en-US" altLang="ja-JP" dirty="0"/>
+          </a:p>
+        </p:txBody>
+      </p:sp>
+      <p:pic>
+        <p:nvPicPr>
+          <p:cNvPr id="6" name="図 5">
+            <a:extLst>
+              <a:ext uri="{FF2B5EF4-FFF2-40B4-BE49-F238E27FC236}">
+                <a16:creationId xmlns:a16="http://schemas.microsoft.com/office/drawing/2014/main" id="{6A04E24C-009F-3468-2D51-83590E194E6F}"/>
+              </a:ext>
+            </a:extLst>
+          </p:cNvPr>
+          <p:cNvPicPr>
+            <a:picLocks noChangeAspect="1"/>
+          </p:cNvPicPr>
+          <p:nvPr/>
+        </p:nvPicPr>
+        <p:blipFill>
+          <a:blip r:embed="rId2"/>
+          <a:stretch>
+            <a:fillRect/>
+          </a:stretch>
+        </p:blipFill>
+        <p:spPr>
+          <a:xfrm>
+            <a:off x="4938068" y="2115670"/>
+            <a:ext cx="6909084" cy="4371217"/>
+          </a:xfrm>
+          <a:prstGeom prst="rect">
+            <a:avLst/>
+          </a:prstGeom>
+          <a:ln>
+            <a:solidFill>
+              <a:schemeClr val="tx1"/>
+            </a:solidFill>
+          </a:ln>
+        </p:spPr>
+      </p:pic>
+      <p:sp>
+        <p:nvSpPr>
+          <p:cNvPr id="7" name="正方形/長方形 6">
+            <a:extLst>
+              <a:ext uri="{FF2B5EF4-FFF2-40B4-BE49-F238E27FC236}">
+                <a16:creationId xmlns:a16="http://schemas.microsoft.com/office/drawing/2014/main" id="{6B579037-B70D-96FF-CE62-BC09BD05F307}"/>
+              </a:ext>
+            </a:extLst>
+          </p:cNvPr>
+          <p:cNvSpPr/>
+          <p:nvPr/>
+        </p:nvSpPr>
+        <p:spPr>
+          <a:xfrm>
+            <a:off x="9717741" y="6192439"/>
+            <a:ext cx="1039907" cy="315938"/>
+          </a:xfrm>
+          <a:prstGeom prst="rect">
+            <a:avLst/>
+          </a:prstGeom>
+          <a:noFill/>
+          <a:ln w="38100">
+            <a:solidFill>
+              <a:srgbClr val="FF0000"/>
+            </a:solidFill>
+          </a:ln>
+        </p:spPr>
+        <p:style>
+          <a:lnRef idx="2">
+            <a:schemeClr val="accent1">
+              <a:shade val="15000"/>
+            </a:schemeClr>
+          </a:lnRef>
+          <a:fillRef idx="1">
+            <a:schemeClr val="accent1"/>
+          </a:fillRef>
+          <a:effectRef idx="0">
+            <a:schemeClr val="accent1"/>
+          </a:effectRef>
+          <a:fontRef idx="minor">
+            <a:schemeClr val="lt1"/>
+          </a:fontRef>
+        </p:style>
+        <p:txBody>
+          <a:bodyPr rtlCol="0" anchor="ctr"/>
+          <a:lstStyle/>
+          <a:p>
+            <a:pPr algn="ctr"/>
+            <a:endParaRPr kumimoji="1" lang="ja-JP" altLang="en-US"/>
+          </a:p>
+        </p:txBody>
+      </p:sp>
+    </p:spTree>
+    <p:extLst>
+      <p:ext uri="{BB962C8B-B14F-4D97-AF65-F5344CB8AC3E}">
+        <p14:creationId xmlns:p14="http://schemas.microsoft.com/office/powerpoint/2010/main" val="1315423730"/>
+      </p:ext>
+    </p:extLst>
+  </p:cSld>
+  <p:clrMapOvr>
+    <a:masterClrMapping/>
+  </p:clrMapOvr>
+</p:sld>
+</file>
+
+<file path=ppt/slides/slide41.xml><?xml version="1.0" encoding="utf-8"?>
+<p:sld xmlns:a="http://schemas.openxmlformats.org/drawingml/2006/main" xmlns:r="http://schemas.openxmlformats.org/officeDocument/2006/relationships" xmlns:p="http://schemas.openxmlformats.org/presentationml/2006/main">
+  <p:cSld>
+    <p:spTree>
+      <p:nvGrpSpPr>
+        <p:cNvPr id="1" name="">
+          <a:extLst>
+            <a:ext uri="{FF2B5EF4-FFF2-40B4-BE49-F238E27FC236}">
               <a16:creationId xmlns:a16="http://schemas.microsoft.com/office/drawing/2014/main" id="{B636D9C8-55C3-0C5E-983F-AD4121FDC50D}"/>
             </a:ext>
           </a:extLst>
@@ -19431,7 +20199,7 @@
 </p:sld>
 </file>
 
-<file path=ppt/slides/slide41.xml><?xml version="1.0" encoding="utf-8"?>
+<file path=ppt/slides/slide42.xml><?xml version="1.0" encoding="utf-8"?>
 <p:sld xmlns:a="http://schemas.openxmlformats.org/drawingml/2006/main" xmlns:r="http://schemas.openxmlformats.org/officeDocument/2006/relationships" xmlns:p="http://schemas.openxmlformats.org/presentationml/2006/main">
   <p:cSld>
     <p:spTree>
@@ -19837,7 +20605,7 @@
 </p:sld>
 </file>
 
-<file path=ppt/slides/slide42.xml><?xml version="1.0" encoding="utf-8"?>
+<file path=ppt/slides/slide43.xml><?xml version="1.0" encoding="utf-8"?>
 <p:sld xmlns:a="http://schemas.openxmlformats.org/drawingml/2006/main" xmlns:r="http://schemas.openxmlformats.org/officeDocument/2006/relationships" xmlns:p="http://schemas.openxmlformats.org/presentationml/2006/main">
   <p:cSld>
     <p:spTree>
@@ -20243,7 +21011,7 @@
 </p:sld>
 </file>
 
-<file path=ppt/slides/slide43.xml><?xml version="1.0" encoding="utf-8"?>
+<file path=ppt/slides/slide44.xml><?xml version="1.0" encoding="utf-8"?>
 <p:sld xmlns:a="http://schemas.openxmlformats.org/drawingml/2006/main" xmlns:r="http://schemas.openxmlformats.org/officeDocument/2006/relationships" xmlns:p="http://schemas.openxmlformats.org/presentationml/2006/main">
   <p:cSld>
     <p:spTree>
@@ -20674,7 +21442,7 @@
 </p:sld>
 </file>
 
-<file path=ppt/slides/slide44.xml><?xml version="1.0" encoding="utf-8"?>
+<file path=ppt/slides/slide45.xml><?xml version="1.0" encoding="utf-8"?>
 <p:sld xmlns:a="http://schemas.openxmlformats.org/drawingml/2006/main" xmlns:r="http://schemas.openxmlformats.org/officeDocument/2006/relationships" xmlns:p="http://schemas.openxmlformats.org/presentationml/2006/main">
   <p:cSld>
     <p:spTree>
@@ -21786,7 +22554,7 @@
           <a:p>
             <a:r>
               <a:rPr lang="en-US" altLang="ja-JP" dirty="0"/>
-              <a:t>[Public repository]</a:t>
+              <a:t>[Publish repository]</a:t>
             </a:r>
             <a:r>
               <a:rPr lang="ja-JP" altLang="en-US" dirty="0"/>
@@ -23240,6 +24008,570 @@
         <p:cNvPr id="1" name="">
           <a:extLst>
             <a:ext uri="{FF2B5EF4-FFF2-40B4-BE49-F238E27FC236}">
+              <a16:creationId xmlns:a16="http://schemas.microsoft.com/office/drawing/2014/main" id="{DAAD1C8F-96A7-341E-61B1-42A7E6E357EB}"/>
+            </a:ext>
+          </a:extLst>
+        </p:cNvPr>
+        <p:cNvGrpSpPr/>
+        <p:nvPr/>
+      </p:nvGrpSpPr>
+      <p:grpSpPr>
+        <a:xfrm>
+          <a:off x="0" y="0"/>
+          <a:ext cx="0" cy="0"/>
+          <a:chOff x="0" y="0"/>
+          <a:chExt cx="0" cy="0"/>
+        </a:xfrm>
+      </p:grpSpPr>
+      <p:sp>
+        <p:nvSpPr>
+          <p:cNvPr id="2" name="タイトル 1">
+            <a:extLst>
+              <a:ext uri="{FF2B5EF4-FFF2-40B4-BE49-F238E27FC236}">
+                <a16:creationId xmlns:a16="http://schemas.microsoft.com/office/drawing/2014/main" id="{E417AF17-6704-249D-9312-879CADDC9272}"/>
+              </a:ext>
+            </a:extLst>
+          </p:cNvPr>
+          <p:cNvSpPr>
+            <a:spLocks noGrp="1"/>
+          </p:cNvSpPr>
+          <p:nvPr>
+            <p:ph type="title"/>
+          </p:nvPr>
+        </p:nvSpPr>
+        <p:spPr/>
+        <p:txBody>
+          <a:bodyPr/>
+          <a:lstStyle/>
+          <a:p>
+            <a:r>
+              <a:rPr lang="en-US" altLang="ja-JP" dirty="0"/>
+              <a:t>GitHub</a:t>
+            </a:r>
+            <a:r>
+              <a:rPr lang="ja-JP" altLang="en-US" dirty="0"/>
+              <a:t>を使ったチーム制作</a:t>
+            </a:r>
+            <a:endParaRPr kumimoji="1" lang="ja-JP" altLang="en-US" dirty="0"/>
+          </a:p>
+        </p:txBody>
+      </p:sp>
+      <p:sp>
+        <p:nvSpPr>
+          <p:cNvPr id="9" name="コンテンツ プレースホルダー 2">
+            <a:extLst>
+              <a:ext uri="{FF2B5EF4-FFF2-40B4-BE49-F238E27FC236}">
+                <a16:creationId xmlns:a16="http://schemas.microsoft.com/office/drawing/2014/main" id="{0047F463-E27E-9F38-E323-5BCF97B2F51C}"/>
+              </a:ext>
+            </a:extLst>
+          </p:cNvPr>
+          <p:cNvSpPr txBox="1">
+            <a:spLocks/>
+          </p:cNvSpPr>
+          <p:nvPr/>
+        </p:nvSpPr>
+        <p:spPr>
+          <a:xfrm>
+            <a:off x="838200" y="1376038"/>
+            <a:ext cx="10515600" cy="4980311"/>
+          </a:xfrm>
+          <a:prstGeom prst="rect">
+            <a:avLst/>
+          </a:prstGeom>
+        </p:spPr>
+        <p:txBody>
+          <a:bodyPr vert="horz" lIns="91440" tIns="45720" rIns="91440" bIns="45720" rtlCol="0">
+            <a:normAutofit/>
+          </a:bodyPr>
+          <a:lstStyle>
+            <a:lvl1pPr marL="228600" indent="-228600" algn="l" defTabSz="914400" rtl="0" eaLnBrk="1" latinLnBrk="0" hangingPunct="1">
+              <a:lnSpc>
+                <a:spcPct val="90000"/>
+              </a:lnSpc>
+              <a:spcBef>
+                <a:spcPts val="1000"/>
+              </a:spcBef>
+              <a:buFont typeface="Arial" panose="020B0604020202020204" pitchFamily="34" charset="0"/>
+              <a:buChar char="•"/>
+              <a:defRPr kumimoji="1" sz="3600" kern="1200">
+                <a:solidFill>
+                  <a:schemeClr val="tx1"/>
+                </a:solidFill>
+                <a:latin typeface="+mn-lt"/>
+                <a:ea typeface="+mn-ea"/>
+                <a:cs typeface="+mn-cs"/>
+              </a:defRPr>
+            </a:lvl1pPr>
+            <a:lvl2pPr marL="685800" indent="-228600" algn="l" defTabSz="914400" rtl="0" eaLnBrk="1" latinLnBrk="0" hangingPunct="1">
+              <a:lnSpc>
+                <a:spcPct val="90000"/>
+              </a:lnSpc>
+              <a:spcBef>
+                <a:spcPts val="500"/>
+              </a:spcBef>
+              <a:buFont typeface="Arial" panose="020B0604020202020204" pitchFamily="34" charset="0"/>
+              <a:buChar char="•"/>
+              <a:defRPr kumimoji="1" sz="3200" kern="1200">
+                <a:solidFill>
+                  <a:schemeClr val="tx1"/>
+                </a:solidFill>
+                <a:latin typeface="+mn-lt"/>
+                <a:ea typeface="+mn-ea"/>
+                <a:cs typeface="+mn-cs"/>
+              </a:defRPr>
+            </a:lvl2pPr>
+            <a:lvl3pPr marL="1143000" indent="-228600" algn="l" defTabSz="914400" rtl="0" eaLnBrk="1" latinLnBrk="0" hangingPunct="1">
+              <a:lnSpc>
+                <a:spcPct val="90000"/>
+              </a:lnSpc>
+              <a:spcBef>
+                <a:spcPts val="500"/>
+              </a:spcBef>
+              <a:buFont typeface="Arial" panose="020B0604020202020204" pitchFamily="34" charset="0"/>
+              <a:buChar char="•"/>
+              <a:defRPr kumimoji="1" sz="2800" kern="1200">
+                <a:solidFill>
+                  <a:schemeClr val="tx1"/>
+                </a:solidFill>
+                <a:latin typeface="+mn-lt"/>
+                <a:ea typeface="+mn-ea"/>
+                <a:cs typeface="+mn-cs"/>
+              </a:defRPr>
+            </a:lvl3pPr>
+            <a:lvl4pPr marL="1600200" indent="-228600" algn="l" defTabSz="914400" rtl="0" eaLnBrk="1" latinLnBrk="0" hangingPunct="1">
+              <a:lnSpc>
+                <a:spcPct val="90000"/>
+              </a:lnSpc>
+              <a:spcBef>
+                <a:spcPts val="500"/>
+              </a:spcBef>
+              <a:buFont typeface="Arial" panose="020B0604020202020204" pitchFamily="34" charset="0"/>
+              <a:buChar char="•"/>
+              <a:defRPr kumimoji="1" sz="2400" kern="1200">
+                <a:solidFill>
+                  <a:schemeClr val="tx1"/>
+                </a:solidFill>
+                <a:latin typeface="+mn-lt"/>
+                <a:ea typeface="+mn-ea"/>
+                <a:cs typeface="+mn-cs"/>
+              </a:defRPr>
+            </a:lvl4pPr>
+            <a:lvl5pPr marL="2057400" indent="-228600" algn="l" defTabSz="914400" rtl="0" eaLnBrk="1" latinLnBrk="0" hangingPunct="1">
+              <a:lnSpc>
+                <a:spcPct val="90000"/>
+              </a:lnSpc>
+              <a:spcBef>
+                <a:spcPts val="500"/>
+              </a:spcBef>
+              <a:buFont typeface="Arial" panose="020B0604020202020204" pitchFamily="34" charset="0"/>
+              <a:buChar char="•"/>
+              <a:defRPr kumimoji="1" sz="2400" kern="1200">
+                <a:solidFill>
+                  <a:schemeClr val="tx1"/>
+                </a:solidFill>
+                <a:latin typeface="+mn-lt"/>
+                <a:ea typeface="+mn-ea"/>
+                <a:cs typeface="+mn-cs"/>
+              </a:defRPr>
+            </a:lvl5pPr>
+            <a:lvl6pPr marL="2514600" indent="-228600" algn="l" defTabSz="914400" rtl="0" eaLnBrk="1" latinLnBrk="0" hangingPunct="1">
+              <a:lnSpc>
+                <a:spcPct val="90000"/>
+              </a:lnSpc>
+              <a:spcBef>
+                <a:spcPts val="500"/>
+              </a:spcBef>
+              <a:buFont typeface="Arial" panose="020B0604020202020204" pitchFamily="34" charset="0"/>
+              <a:buChar char="•"/>
+              <a:defRPr kumimoji="1" sz="1800" kern="1200">
+                <a:solidFill>
+                  <a:schemeClr val="tx1"/>
+                </a:solidFill>
+                <a:latin typeface="+mn-lt"/>
+                <a:ea typeface="+mn-ea"/>
+                <a:cs typeface="+mn-cs"/>
+              </a:defRPr>
+            </a:lvl6pPr>
+            <a:lvl7pPr marL="2971800" indent="-228600" algn="l" defTabSz="914400" rtl="0" eaLnBrk="1" latinLnBrk="0" hangingPunct="1">
+              <a:lnSpc>
+                <a:spcPct val="90000"/>
+              </a:lnSpc>
+              <a:spcBef>
+                <a:spcPts val="500"/>
+              </a:spcBef>
+              <a:buFont typeface="Arial" panose="020B0604020202020204" pitchFamily="34" charset="0"/>
+              <a:buChar char="•"/>
+              <a:defRPr kumimoji="1" sz="1800" kern="1200">
+                <a:solidFill>
+                  <a:schemeClr val="tx1"/>
+                </a:solidFill>
+                <a:latin typeface="+mn-lt"/>
+                <a:ea typeface="+mn-ea"/>
+                <a:cs typeface="+mn-cs"/>
+              </a:defRPr>
+            </a:lvl7pPr>
+            <a:lvl8pPr marL="3429000" indent="-228600" algn="l" defTabSz="914400" rtl="0" eaLnBrk="1" latinLnBrk="0" hangingPunct="1">
+              <a:lnSpc>
+                <a:spcPct val="90000"/>
+              </a:lnSpc>
+              <a:spcBef>
+                <a:spcPts val="500"/>
+              </a:spcBef>
+              <a:buFont typeface="Arial" panose="020B0604020202020204" pitchFamily="34" charset="0"/>
+              <a:buChar char="•"/>
+              <a:defRPr kumimoji="1" sz="1800" kern="1200">
+                <a:solidFill>
+                  <a:schemeClr val="tx1"/>
+                </a:solidFill>
+                <a:latin typeface="+mn-lt"/>
+                <a:ea typeface="+mn-ea"/>
+                <a:cs typeface="+mn-cs"/>
+              </a:defRPr>
+            </a:lvl8pPr>
+            <a:lvl9pPr marL="3886200" indent="-228600" algn="l" defTabSz="914400" rtl="0" eaLnBrk="1" latinLnBrk="0" hangingPunct="1">
+              <a:lnSpc>
+                <a:spcPct val="90000"/>
+              </a:lnSpc>
+              <a:spcBef>
+                <a:spcPts val="500"/>
+              </a:spcBef>
+              <a:buFont typeface="Arial" panose="020B0604020202020204" pitchFamily="34" charset="0"/>
+              <a:buChar char="•"/>
+              <a:defRPr kumimoji="1" sz="1800" kern="1200">
+                <a:solidFill>
+                  <a:schemeClr val="tx1"/>
+                </a:solidFill>
+                <a:latin typeface="+mn-lt"/>
+                <a:ea typeface="+mn-ea"/>
+                <a:cs typeface="+mn-cs"/>
+              </a:defRPr>
+            </a:lvl9pPr>
+          </a:lstStyle>
+          <a:p>
+            <a:endParaRPr lang="en-US" altLang="ja-JP" dirty="0"/>
+          </a:p>
+        </p:txBody>
+      </p:sp>
+      <p:sp>
+        <p:nvSpPr>
+          <p:cNvPr id="12" name="コンテンツ プレースホルダー 2">
+            <a:extLst>
+              <a:ext uri="{FF2B5EF4-FFF2-40B4-BE49-F238E27FC236}">
+                <a16:creationId xmlns:a16="http://schemas.microsoft.com/office/drawing/2014/main" id="{5EC11250-24A8-9792-EC63-7DB784AF6B03}"/>
+              </a:ext>
+            </a:extLst>
+          </p:cNvPr>
+          <p:cNvSpPr txBox="1">
+            <a:spLocks/>
+          </p:cNvSpPr>
+          <p:nvPr/>
+        </p:nvSpPr>
+        <p:spPr>
+          <a:xfrm>
+            <a:off x="990600" y="1528438"/>
+            <a:ext cx="10515600" cy="4980311"/>
+          </a:xfrm>
+          <a:prstGeom prst="rect">
+            <a:avLst/>
+          </a:prstGeom>
+        </p:spPr>
+        <p:txBody>
+          <a:bodyPr vert="horz" lIns="91440" tIns="45720" rIns="91440" bIns="45720" rtlCol="0">
+            <a:normAutofit/>
+          </a:bodyPr>
+          <a:lstStyle>
+            <a:lvl1pPr marL="228600" indent="-228600" algn="l" defTabSz="914400" rtl="0" eaLnBrk="1" latinLnBrk="0" hangingPunct="1">
+              <a:lnSpc>
+                <a:spcPct val="90000"/>
+              </a:lnSpc>
+              <a:spcBef>
+                <a:spcPts val="1000"/>
+              </a:spcBef>
+              <a:buFont typeface="Arial" panose="020B0604020202020204" pitchFamily="34" charset="0"/>
+              <a:buChar char="•"/>
+              <a:defRPr kumimoji="1" sz="3600" kern="1200">
+                <a:solidFill>
+                  <a:schemeClr val="tx1"/>
+                </a:solidFill>
+                <a:latin typeface="+mn-lt"/>
+                <a:ea typeface="+mn-ea"/>
+                <a:cs typeface="+mn-cs"/>
+              </a:defRPr>
+            </a:lvl1pPr>
+            <a:lvl2pPr marL="685800" indent="-228600" algn="l" defTabSz="914400" rtl="0" eaLnBrk="1" latinLnBrk="0" hangingPunct="1">
+              <a:lnSpc>
+                <a:spcPct val="90000"/>
+              </a:lnSpc>
+              <a:spcBef>
+                <a:spcPts val="500"/>
+              </a:spcBef>
+              <a:buFont typeface="Arial" panose="020B0604020202020204" pitchFamily="34" charset="0"/>
+              <a:buChar char="•"/>
+              <a:defRPr kumimoji="1" sz="3200" kern="1200">
+                <a:solidFill>
+                  <a:schemeClr val="tx1"/>
+                </a:solidFill>
+                <a:latin typeface="+mn-lt"/>
+                <a:ea typeface="+mn-ea"/>
+                <a:cs typeface="+mn-cs"/>
+              </a:defRPr>
+            </a:lvl2pPr>
+            <a:lvl3pPr marL="1143000" indent="-228600" algn="l" defTabSz="914400" rtl="0" eaLnBrk="1" latinLnBrk="0" hangingPunct="1">
+              <a:lnSpc>
+                <a:spcPct val="90000"/>
+              </a:lnSpc>
+              <a:spcBef>
+                <a:spcPts val="500"/>
+              </a:spcBef>
+              <a:buFont typeface="Arial" panose="020B0604020202020204" pitchFamily="34" charset="0"/>
+              <a:buChar char="•"/>
+              <a:defRPr kumimoji="1" sz="2800" kern="1200">
+                <a:solidFill>
+                  <a:schemeClr val="tx1"/>
+                </a:solidFill>
+                <a:latin typeface="+mn-lt"/>
+                <a:ea typeface="+mn-ea"/>
+                <a:cs typeface="+mn-cs"/>
+              </a:defRPr>
+            </a:lvl3pPr>
+            <a:lvl4pPr marL="1600200" indent="-228600" algn="l" defTabSz="914400" rtl="0" eaLnBrk="1" latinLnBrk="0" hangingPunct="1">
+              <a:lnSpc>
+                <a:spcPct val="90000"/>
+              </a:lnSpc>
+              <a:spcBef>
+                <a:spcPts val="500"/>
+              </a:spcBef>
+              <a:buFont typeface="Arial" panose="020B0604020202020204" pitchFamily="34" charset="0"/>
+              <a:buChar char="•"/>
+              <a:defRPr kumimoji="1" sz="2400" kern="1200">
+                <a:solidFill>
+                  <a:schemeClr val="tx1"/>
+                </a:solidFill>
+                <a:latin typeface="+mn-lt"/>
+                <a:ea typeface="+mn-ea"/>
+                <a:cs typeface="+mn-cs"/>
+              </a:defRPr>
+            </a:lvl4pPr>
+            <a:lvl5pPr marL="2057400" indent="-228600" algn="l" defTabSz="914400" rtl="0" eaLnBrk="1" latinLnBrk="0" hangingPunct="1">
+              <a:lnSpc>
+                <a:spcPct val="90000"/>
+              </a:lnSpc>
+              <a:spcBef>
+                <a:spcPts val="500"/>
+              </a:spcBef>
+              <a:buFont typeface="Arial" panose="020B0604020202020204" pitchFamily="34" charset="0"/>
+              <a:buChar char="•"/>
+              <a:defRPr kumimoji="1" sz="2400" kern="1200">
+                <a:solidFill>
+                  <a:schemeClr val="tx1"/>
+                </a:solidFill>
+                <a:latin typeface="+mn-lt"/>
+                <a:ea typeface="+mn-ea"/>
+                <a:cs typeface="+mn-cs"/>
+              </a:defRPr>
+            </a:lvl5pPr>
+            <a:lvl6pPr marL="2514600" indent="-228600" algn="l" defTabSz="914400" rtl="0" eaLnBrk="1" latinLnBrk="0" hangingPunct="1">
+              <a:lnSpc>
+                <a:spcPct val="90000"/>
+              </a:lnSpc>
+              <a:spcBef>
+                <a:spcPts val="500"/>
+              </a:spcBef>
+              <a:buFont typeface="Arial" panose="020B0604020202020204" pitchFamily="34" charset="0"/>
+              <a:buChar char="•"/>
+              <a:defRPr kumimoji="1" sz="1800" kern="1200">
+                <a:solidFill>
+                  <a:schemeClr val="tx1"/>
+                </a:solidFill>
+                <a:latin typeface="+mn-lt"/>
+                <a:ea typeface="+mn-ea"/>
+                <a:cs typeface="+mn-cs"/>
+              </a:defRPr>
+            </a:lvl6pPr>
+            <a:lvl7pPr marL="2971800" indent="-228600" algn="l" defTabSz="914400" rtl="0" eaLnBrk="1" latinLnBrk="0" hangingPunct="1">
+              <a:lnSpc>
+                <a:spcPct val="90000"/>
+              </a:lnSpc>
+              <a:spcBef>
+                <a:spcPts val="500"/>
+              </a:spcBef>
+              <a:buFont typeface="Arial" panose="020B0604020202020204" pitchFamily="34" charset="0"/>
+              <a:buChar char="•"/>
+              <a:defRPr kumimoji="1" sz="1800" kern="1200">
+                <a:solidFill>
+                  <a:schemeClr val="tx1"/>
+                </a:solidFill>
+                <a:latin typeface="+mn-lt"/>
+                <a:ea typeface="+mn-ea"/>
+                <a:cs typeface="+mn-cs"/>
+              </a:defRPr>
+            </a:lvl7pPr>
+            <a:lvl8pPr marL="3429000" indent="-228600" algn="l" defTabSz="914400" rtl="0" eaLnBrk="1" latinLnBrk="0" hangingPunct="1">
+              <a:lnSpc>
+                <a:spcPct val="90000"/>
+              </a:lnSpc>
+              <a:spcBef>
+                <a:spcPts val="500"/>
+              </a:spcBef>
+              <a:buFont typeface="Arial" panose="020B0604020202020204" pitchFamily="34" charset="0"/>
+              <a:buChar char="•"/>
+              <a:defRPr kumimoji="1" sz="1800" kern="1200">
+                <a:solidFill>
+                  <a:schemeClr val="tx1"/>
+                </a:solidFill>
+                <a:latin typeface="+mn-lt"/>
+                <a:ea typeface="+mn-ea"/>
+                <a:cs typeface="+mn-cs"/>
+              </a:defRPr>
+            </a:lvl8pPr>
+            <a:lvl9pPr marL="3886200" indent="-228600" algn="l" defTabSz="914400" rtl="0" eaLnBrk="1" latinLnBrk="0" hangingPunct="1">
+              <a:lnSpc>
+                <a:spcPct val="90000"/>
+              </a:lnSpc>
+              <a:spcBef>
+                <a:spcPts val="500"/>
+              </a:spcBef>
+              <a:buFont typeface="Arial" panose="020B0604020202020204" pitchFamily="34" charset="0"/>
+              <a:buChar char="•"/>
+              <a:defRPr kumimoji="1" sz="1800" kern="1200">
+                <a:solidFill>
+                  <a:schemeClr val="tx1"/>
+                </a:solidFill>
+                <a:latin typeface="+mn-lt"/>
+                <a:ea typeface="+mn-ea"/>
+                <a:cs typeface="+mn-cs"/>
+              </a:defRPr>
+            </a:lvl9pPr>
+          </a:lstStyle>
+          <a:p>
+            <a:r>
+              <a:rPr lang="en-US" altLang="ja-JP" dirty="0"/>
+              <a:t>C:\GitHub\</a:t>
+            </a:r>
+            <a:r>
+              <a:rPr lang="ja-JP" altLang="en-US" dirty="0"/>
+              <a:t>リポジトリ名</a:t>
+            </a:r>
+            <a:br>
+              <a:rPr lang="en-US" altLang="ja-JP" dirty="0"/>
+            </a:br>
+            <a:r>
+              <a:rPr lang="ja-JP" altLang="en-US" dirty="0"/>
+              <a:t>のフォルダ内に開発に必要なものをすべてコピー</a:t>
+            </a:r>
+            <a:endParaRPr lang="en-US" altLang="ja-JP" dirty="0"/>
+          </a:p>
+        </p:txBody>
+      </p:sp>
+      <p:pic>
+        <p:nvPicPr>
+          <p:cNvPr id="10" name="コンテンツ プレースホルダー 9">
+            <a:extLst>
+              <a:ext uri="{FF2B5EF4-FFF2-40B4-BE49-F238E27FC236}">
+                <a16:creationId xmlns:a16="http://schemas.microsoft.com/office/drawing/2014/main" id="{BEB82547-AE6B-A21A-6741-85A9DC2DBCD8}"/>
+              </a:ext>
+            </a:extLst>
+          </p:cNvPr>
+          <p:cNvPicPr>
+            <a:picLocks noGrp="1" noChangeAspect="1"/>
+          </p:cNvPicPr>
+          <p:nvPr>
+            <p:ph idx="1"/>
+          </p:nvPr>
+        </p:nvPicPr>
+        <p:blipFill rotWithShape="1">
+          <a:blip r:embed="rId2">
+            <a:extLst>
+              <a:ext uri="{28A0092B-C50C-407E-A947-70E740481C1C}">
+                <a14:useLocalDpi xmlns:a14="http://schemas.microsoft.com/office/drawing/2010/main" val="0"/>
+              </a:ext>
+            </a:extLst>
+          </a:blip>
+          <a:srcRect l="19288" t="35510" r="914" b="44017"/>
+          <a:stretch/>
+        </p:blipFill>
+        <p:spPr>
+          <a:xfrm>
+            <a:off x="838200" y="2807040"/>
+            <a:ext cx="11136745" cy="1590964"/>
+          </a:xfrm>
+          <a:ln>
+            <a:solidFill>
+              <a:schemeClr val="tx1"/>
+            </a:solidFill>
+          </a:ln>
+        </p:spPr>
+      </p:pic>
+      <p:sp>
+        <p:nvSpPr>
+          <p:cNvPr id="16" name="テキスト ボックス 15">
+            <a:extLst>
+              <a:ext uri="{FF2B5EF4-FFF2-40B4-BE49-F238E27FC236}">
+                <a16:creationId xmlns:a16="http://schemas.microsoft.com/office/drawing/2014/main" id="{3D551928-B08B-B8A5-DCCF-B28F9FE97891}"/>
+              </a:ext>
+            </a:extLst>
+          </p:cNvPr>
+          <p:cNvSpPr txBox="1"/>
+          <p:nvPr/>
+        </p:nvSpPr>
+        <p:spPr>
+          <a:xfrm>
+            <a:off x="9708204" y="103516"/>
+            <a:ext cx="2339102" cy="523220"/>
+          </a:xfrm>
+          <a:prstGeom prst="rect">
+            <a:avLst/>
+          </a:prstGeom>
+          <a:noFill/>
+          <a:ln>
+            <a:solidFill>
+              <a:srgbClr val="FF0000"/>
+            </a:solidFill>
+          </a:ln>
+        </p:spPr>
+        <p:txBody>
+          <a:bodyPr wrap="none" rtlCol="0">
+            <a:spAutoFit/>
+          </a:bodyPr>
+          <a:lstStyle/>
+          <a:p>
+            <a:r>
+              <a:rPr lang="ja-JP" altLang="en-US" sz="2800" dirty="0">
+                <a:solidFill>
+                  <a:srgbClr val="FF0000"/>
+                </a:solidFill>
+              </a:rPr>
+              <a:t>代表者の作業</a:t>
+            </a:r>
+            <a:endParaRPr kumimoji="1" lang="ja-JP" altLang="en-US" sz="2800" dirty="0">
+              <a:solidFill>
+                <a:srgbClr val="FF0000"/>
+              </a:solidFill>
+            </a:endParaRPr>
+          </a:p>
+        </p:txBody>
+      </p:sp>
+    </p:spTree>
+    <p:extLst>
+      <p:ext uri="{BB962C8B-B14F-4D97-AF65-F5344CB8AC3E}">
+        <p14:creationId xmlns:p14="http://schemas.microsoft.com/office/powerpoint/2010/main" val="1916869666"/>
+      </p:ext>
+    </p:extLst>
+  </p:cSld>
+  <p:clrMapOvr>
+    <a:masterClrMapping/>
+  </p:clrMapOvr>
+</p:sld>
+</file>
+
+<file path=ppt/slides/slide9.xml><?xml version="1.0" encoding="utf-8"?>
+<p:sld xmlns:a="http://schemas.openxmlformats.org/drawingml/2006/main" xmlns:r="http://schemas.openxmlformats.org/officeDocument/2006/relationships" xmlns:p="http://schemas.openxmlformats.org/presentationml/2006/main">
+  <p:cSld>
+    <p:spTree>
+      <p:nvGrpSpPr>
+        <p:cNvPr id="1" name="">
+          <a:extLst>
+            <a:ext uri="{FF2B5EF4-FFF2-40B4-BE49-F238E27FC236}">
               <a16:creationId xmlns:a16="http://schemas.microsoft.com/office/drawing/2014/main" id="{8DEA3F5E-0C2D-DC44-2932-50C6E9C807FB}"/>
             </a:ext>
           </a:extLst>
@@ -23956,632 +25288,6 @@
     <p:extLst>
       <p:ext uri="{BB962C8B-B14F-4D97-AF65-F5344CB8AC3E}">
         <p14:creationId xmlns:p14="http://schemas.microsoft.com/office/powerpoint/2010/main" val="3246145664"/>
-      </p:ext>
-    </p:extLst>
-  </p:cSld>
-  <p:clrMapOvr>
-    <a:masterClrMapping/>
-  </p:clrMapOvr>
-</p:sld>
-</file>
-
-<file path=ppt/slides/slide9.xml><?xml version="1.0" encoding="utf-8"?>
-<p:sld xmlns:a="http://schemas.openxmlformats.org/drawingml/2006/main" xmlns:r="http://schemas.openxmlformats.org/officeDocument/2006/relationships" xmlns:p="http://schemas.openxmlformats.org/presentationml/2006/main">
-  <p:cSld>
-    <p:spTree>
-      <p:nvGrpSpPr>
-        <p:cNvPr id="1" name="">
-          <a:extLst>
-            <a:ext uri="{FF2B5EF4-FFF2-40B4-BE49-F238E27FC236}">
-              <a16:creationId xmlns:a16="http://schemas.microsoft.com/office/drawing/2014/main" id="{9F39B5E8-31A2-5A2B-66C1-21444243B567}"/>
-            </a:ext>
-          </a:extLst>
-        </p:cNvPr>
-        <p:cNvGrpSpPr/>
-        <p:nvPr/>
-      </p:nvGrpSpPr>
-      <p:grpSpPr>
-        <a:xfrm>
-          <a:off x="0" y="0"/>
-          <a:ext cx="0" cy="0"/>
-          <a:chOff x="0" y="0"/>
-          <a:chExt cx="0" cy="0"/>
-        </a:xfrm>
-      </p:grpSpPr>
-      <p:sp>
-        <p:nvSpPr>
-          <p:cNvPr id="2" name="タイトル 1">
-            <a:extLst>
-              <a:ext uri="{FF2B5EF4-FFF2-40B4-BE49-F238E27FC236}">
-                <a16:creationId xmlns:a16="http://schemas.microsoft.com/office/drawing/2014/main" id="{489709D2-6886-E95C-8ACE-511CB015F636}"/>
-              </a:ext>
-            </a:extLst>
-          </p:cNvPr>
-          <p:cNvSpPr>
-            <a:spLocks noGrp="1"/>
-          </p:cNvSpPr>
-          <p:nvPr>
-            <p:ph type="title"/>
-          </p:nvPr>
-        </p:nvSpPr>
-        <p:spPr/>
-        <p:txBody>
-          <a:bodyPr/>
-          <a:lstStyle/>
-          <a:p>
-            <a:r>
-              <a:rPr lang="en-US" altLang="ja-JP" dirty="0"/>
-              <a:t>GitHub</a:t>
-            </a:r>
-            <a:r>
-              <a:rPr lang="ja-JP" altLang="en-US" dirty="0"/>
-              <a:t>を使ったチーム制作</a:t>
-            </a:r>
-            <a:endParaRPr kumimoji="1" lang="ja-JP" altLang="en-US" dirty="0"/>
-          </a:p>
-        </p:txBody>
-      </p:sp>
-      <p:sp>
-        <p:nvSpPr>
-          <p:cNvPr id="9" name="コンテンツ プレースホルダー 2">
-            <a:extLst>
-              <a:ext uri="{FF2B5EF4-FFF2-40B4-BE49-F238E27FC236}">
-                <a16:creationId xmlns:a16="http://schemas.microsoft.com/office/drawing/2014/main" id="{FB6A7B57-10CB-E4A4-6B79-50E2AB799B1B}"/>
-              </a:ext>
-            </a:extLst>
-          </p:cNvPr>
-          <p:cNvSpPr txBox="1">
-            <a:spLocks/>
-          </p:cNvSpPr>
-          <p:nvPr/>
-        </p:nvSpPr>
-        <p:spPr>
-          <a:xfrm>
-            <a:off x="838200" y="1376038"/>
-            <a:ext cx="10515600" cy="4980311"/>
-          </a:xfrm>
-          <a:prstGeom prst="rect">
-            <a:avLst/>
-          </a:prstGeom>
-        </p:spPr>
-        <p:txBody>
-          <a:bodyPr vert="horz" lIns="91440" tIns="45720" rIns="91440" bIns="45720" rtlCol="0">
-            <a:normAutofit/>
-          </a:bodyPr>
-          <a:lstStyle>
-            <a:lvl1pPr marL="228600" indent="-228600" algn="l" defTabSz="914400" rtl="0" eaLnBrk="1" latinLnBrk="0" hangingPunct="1">
-              <a:lnSpc>
-                <a:spcPct val="90000"/>
-              </a:lnSpc>
-              <a:spcBef>
-                <a:spcPts val="1000"/>
-              </a:spcBef>
-              <a:buFont typeface="Arial" panose="020B0604020202020204" pitchFamily="34" charset="0"/>
-              <a:buChar char="•"/>
-              <a:defRPr kumimoji="1" sz="3600" kern="1200">
-                <a:solidFill>
-                  <a:schemeClr val="tx1"/>
-                </a:solidFill>
-                <a:latin typeface="+mn-lt"/>
-                <a:ea typeface="+mn-ea"/>
-                <a:cs typeface="+mn-cs"/>
-              </a:defRPr>
-            </a:lvl1pPr>
-            <a:lvl2pPr marL="685800" indent="-228600" algn="l" defTabSz="914400" rtl="0" eaLnBrk="1" latinLnBrk="0" hangingPunct="1">
-              <a:lnSpc>
-                <a:spcPct val="90000"/>
-              </a:lnSpc>
-              <a:spcBef>
-                <a:spcPts val="500"/>
-              </a:spcBef>
-              <a:buFont typeface="Arial" panose="020B0604020202020204" pitchFamily="34" charset="0"/>
-              <a:buChar char="•"/>
-              <a:defRPr kumimoji="1" sz="3200" kern="1200">
-                <a:solidFill>
-                  <a:schemeClr val="tx1"/>
-                </a:solidFill>
-                <a:latin typeface="+mn-lt"/>
-                <a:ea typeface="+mn-ea"/>
-                <a:cs typeface="+mn-cs"/>
-              </a:defRPr>
-            </a:lvl2pPr>
-            <a:lvl3pPr marL="1143000" indent="-228600" algn="l" defTabSz="914400" rtl="0" eaLnBrk="1" latinLnBrk="0" hangingPunct="1">
-              <a:lnSpc>
-                <a:spcPct val="90000"/>
-              </a:lnSpc>
-              <a:spcBef>
-                <a:spcPts val="500"/>
-              </a:spcBef>
-              <a:buFont typeface="Arial" panose="020B0604020202020204" pitchFamily="34" charset="0"/>
-              <a:buChar char="•"/>
-              <a:defRPr kumimoji="1" sz="2800" kern="1200">
-                <a:solidFill>
-                  <a:schemeClr val="tx1"/>
-                </a:solidFill>
-                <a:latin typeface="+mn-lt"/>
-                <a:ea typeface="+mn-ea"/>
-                <a:cs typeface="+mn-cs"/>
-              </a:defRPr>
-            </a:lvl3pPr>
-            <a:lvl4pPr marL="1600200" indent="-228600" algn="l" defTabSz="914400" rtl="0" eaLnBrk="1" latinLnBrk="0" hangingPunct="1">
-              <a:lnSpc>
-                <a:spcPct val="90000"/>
-              </a:lnSpc>
-              <a:spcBef>
-                <a:spcPts val="500"/>
-              </a:spcBef>
-              <a:buFont typeface="Arial" panose="020B0604020202020204" pitchFamily="34" charset="0"/>
-              <a:buChar char="•"/>
-              <a:defRPr kumimoji="1" sz="2400" kern="1200">
-                <a:solidFill>
-                  <a:schemeClr val="tx1"/>
-                </a:solidFill>
-                <a:latin typeface="+mn-lt"/>
-                <a:ea typeface="+mn-ea"/>
-                <a:cs typeface="+mn-cs"/>
-              </a:defRPr>
-            </a:lvl4pPr>
-            <a:lvl5pPr marL="2057400" indent="-228600" algn="l" defTabSz="914400" rtl="0" eaLnBrk="1" latinLnBrk="0" hangingPunct="1">
-              <a:lnSpc>
-                <a:spcPct val="90000"/>
-              </a:lnSpc>
-              <a:spcBef>
-                <a:spcPts val="500"/>
-              </a:spcBef>
-              <a:buFont typeface="Arial" panose="020B0604020202020204" pitchFamily="34" charset="0"/>
-              <a:buChar char="•"/>
-              <a:defRPr kumimoji="1" sz="2400" kern="1200">
-                <a:solidFill>
-                  <a:schemeClr val="tx1"/>
-                </a:solidFill>
-                <a:latin typeface="+mn-lt"/>
-                <a:ea typeface="+mn-ea"/>
-                <a:cs typeface="+mn-cs"/>
-              </a:defRPr>
-            </a:lvl5pPr>
-            <a:lvl6pPr marL="2514600" indent="-228600" algn="l" defTabSz="914400" rtl="0" eaLnBrk="1" latinLnBrk="0" hangingPunct="1">
-              <a:lnSpc>
-                <a:spcPct val="90000"/>
-              </a:lnSpc>
-              <a:spcBef>
-                <a:spcPts val="500"/>
-              </a:spcBef>
-              <a:buFont typeface="Arial" panose="020B0604020202020204" pitchFamily="34" charset="0"/>
-              <a:buChar char="•"/>
-              <a:defRPr kumimoji="1" sz="1800" kern="1200">
-                <a:solidFill>
-                  <a:schemeClr val="tx1"/>
-                </a:solidFill>
-                <a:latin typeface="+mn-lt"/>
-                <a:ea typeface="+mn-ea"/>
-                <a:cs typeface="+mn-cs"/>
-              </a:defRPr>
-            </a:lvl6pPr>
-            <a:lvl7pPr marL="2971800" indent="-228600" algn="l" defTabSz="914400" rtl="0" eaLnBrk="1" latinLnBrk="0" hangingPunct="1">
-              <a:lnSpc>
-                <a:spcPct val="90000"/>
-              </a:lnSpc>
-              <a:spcBef>
-                <a:spcPts val="500"/>
-              </a:spcBef>
-              <a:buFont typeface="Arial" panose="020B0604020202020204" pitchFamily="34" charset="0"/>
-              <a:buChar char="•"/>
-              <a:defRPr kumimoji="1" sz="1800" kern="1200">
-                <a:solidFill>
-                  <a:schemeClr val="tx1"/>
-                </a:solidFill>
-                <a:latin typeface="+mn-lt"/>
-                <a:ea typeface="+mn-ea"/>
-                <a:cs typeface="+mn-cs"/>
-              </a:defRPr>
-            </a:lvl7pPr>
-            <a:lvl8pPr marL="3429000" indent="-228600" algn="l" defTabSz="914400" rtl="0" eaLnBrk="1" latinLnBrk="0" hangingPunct="1">
-              <a:lnSpc>
-                <a:spcPct val="90000"/>
-              </a:lnSpc>
-              <a:spcBef>
-                <a:spcPts val="500"/>
-              </a:spcBef>
-              <a:buFont typeface="Arial" panose="020B0604020202020204" pitchFamily="34" charset="0"/>
-              <a:buChar char="•"/>
-              <a:defRPr kumimoji="1" sz="1800" kern="1200">
-                <a:solidFill>
-                  <a:schemeClr val="tx1"/>
-                </a:solidFill>
-                <a:latin typeface="+mn-lt"/>
-                <a:ea typeface="+mn-ea"/>
-                <a:cs typeface="+mn-cs"/>
-              </a:defRPr>
-            </a:lvl8pPr>
-            <a:lvl9pPr marL="3886200" indent="-228600" algn="l" defTabSz="914400" rtl="0" eaLnBrk="1" latinLnBrk="0" hangingPunct="1">
-              <a:lnSpc>
-                <a:spcPct val="90000"/>
-              </a:lnSpc>
-              <a:spcBef>
-                <a:spcPts val="500"/>
-              </a:spcBef>
-              <a:buFont typeface="Arial" panose="020B0604020202020204" pitchFamily="34" charset="0"/>
-              <a:buChar char="•"/>
-              <a:defRPr kumimoji="1" sz="1800" kern="1200">
-                <a:solidFill>
-                  <a:schemeClr val="tx1"/>
-                </a:solidFill>
-                <a:latin typeface="+mn-lt"/>
-                <a:ea typeface="+mn-ea"/>
-                <a:cs typeface="+mn-cs"/>
-              </a:defRPr>
-            </a:lvl9pPr>
-          </a:lstStyle>
-          <a:p>
-            <a:endParaRPr lang="en-US" altLang="ja-JP" dirty="0"/>
-          </a:p>
-        </p:txBody>
-      </p:sp>
-      <p:sp>
-        <p:nvSpPr>
-          <p:cNvPr id="12" name="コンテンツ プレースホルダー 2">
-            <a:extLst>
-              <a:ext uri="{FF2B5EF4-FFF2-40B4-BE49-F238E27FC236}">
-                <a16:creationId xmlns:a16="http://schemas.microsoft.com/office/drawing/2014/main" id="{EF52AA94-3CD5-B804-A6EA-FBE976019A31}"/>
-              </a:ext>
-            </a:extLst>
-          </p:cNvPr>
-          <p:cNvSpPr txBox="1">
-            <a:spLocks/>
-          </p:cNvSpPr>
-          <p:nvPr/>
-        </p:nvSpPr>
-        <p:spPr>
-          <a:xfrm>
-            <a:off x="990600" y="1528438"/>
-            <a:ext cx="10515600" cy="4980311"/>
-          </a:xfrm>
-          <a:prstGeom prst="rect">
-            <a:avLst/>
-          </a:prstGeom>
-        </p:spPr>
-        <p:txBody>
-          <a:bodyPr vert="horz" lIns="91440" tIns="45720" rIns="91440" bIns="45720" rtlCol="0">
-            <a:normAutofit/>
-          </a:bodyPr>
-          <a:lstStyle>
-            <a:lvl1pPr marL="228600" indent="-228600" algn="l" defTabSz="914400" rtl="0" eaLnBrk="1" latinLnBrk="0" hangingPunct="1">
-              <a:lnSpc>
-                <a:spcPct val="90000"/>
-              </a:lnSpc>
-              <a:spcBef>
-                <a:spcPts val="1000"/>
-              </a:spcBef>
-              <a:buFont typeface="Arial" panose="020B0604020202020204" pitchFamily="34" charset="0"/>
-              <a:buChar char="•"/>
-              <a:defRPr kumimoji="1" sz="3600" kern="1200">
-                <a:solidFill>
-                  <a:schemeClr val="tx1"/>
-                </a:solidFill>
-                <a:latin typeface="+mn-lt"/>
-                <a:ea typeface="+mn-ea"/>
-                <a:cs typeface="+mn-cs"/>
-              </a:defRPr>
-            </a:lvl1pPr>
-            <a:lvl2pPr marL="685800" indent="-228600" algn="l" defTabSz="914400" rtl="0" eaLnBrk="1" latinLnBrk="0" hangingPunct="1">
-              <a:lnSpc>
-                <a:spcPct val="90000"/>
-              </a:lnSpc>
-              <a:spcBef>
-                <a:spcPts val="500"/>
-              </a:spcBef>
-              <a:buFont typeface="Arial" panose="020B0604020202020204" pitchFamily="34" charset="0"/>
-              <a:buChar char="•"/>
-              <a:defRPr kumimoji="1" sz="3200" kern="1200">
-                <a:solidFill>
-                  <a:schemeClr val="tx1"/>
-                </a:solidFill>
-                <a:latin typeface="+mn-lt"/>
-                <a:ea typeface="+mn-ea"/>
-                <a:cs typeface="+mn-cs"/>
-              </a:defRPr>
-            </a:lvl2pPr>
-            <a:lvl3pPr marL="1143000" indent="-228600" algn="l" defTabSz="914400" rtl="0" eaLnBrk="1" latinLnBrk="0" hangingPunct="1">
-              <a:lnSpc>
-                <a:spcPct val="90000"/>
-              </a:lnSpc>
-              <a:spcBef>
-                <a:spcPts val="500"/>
-              </a:spcBef>
-              <a:buFont typeface="Arial" panose="020B0604020202020204" pitchFamily="34" charset="0"/>
-              <a:buChar char="•"/>
-              <a:defRPr kumimoji="1" sz="2800" kern="1200">
-                <a:solidFill>
-                  <a:schemeClr val="tx1"/>
-                </a:solidFill>
-                <a:latin typeface="+mn-lt"/>
-                <a:ea typeface="+mn-ea"/>
-                <a:cs typeface="+mn-cs"/>
-              </a:defRPr>
-            </a:lvl3pPr>
-            <a:lvl4pPr marL="1600200" indent="-228600" algn="l" defTabSz="914400" rtl="0" eaLnBrk="1" latinLnBrk="0" hangingPunct="1">
-              <a:lnSpc>
-                <a:spcPct val="90000"/>
-              </a:lnSpc>
-              <a:spcBef>
-                <a:spcPts val="500"/>
-              </a:spcBef>
-              <a:buFont typeface="Arial" panose="020B0604020202020204" pitchFamily="34" charset="0"/>
-              <a:buChar char="•"/>
-              <a:defRPr kumimoji="1" sz="2400" kern="1200">
-                <a:solidFill>
-                  <a:schemeClr val="tx1"/>
-                </a:solidFill>
-                <a:latin typeface="+mn-lt"/>
-                <a:ea typeface="+mn-ea"/>
-                <a:cs typeface="+mn-cs"/>
-              </a:defRPr>
-            </a:lvl4pPr>
-            <a:lvl5pPr marL="2057400" indent="-228600" algn="l" defTabSz="914400" rtl="0" eaLnBrk="1" latinLnBrk="0" hangingPunct="1">
-              <a:lnSpc>
-                <a:spcPct val="90000"/>
-              </a:lnSpc>
-              <a:spcBef>
-                <a:spcPts val="500"/>
-              </a:spcBef>
-              <a:buFont typeface="Arial" panose="020B0604020202020204" pitchFamily="34" charset="0"/>
-              <a:buChar char="•"/>
-              <a:defRPr kumimoji="1" sz="2400" kern="1200">
-                <a:solidFill>
-                  <a:schemeClr val="tx1"/>
-                </a:solidFill>
-                <a:latin typeface="+mn-lt"/>
-                <a:ea typeface="+mn-ea"/>
-                <a:cs typeface="+mn-cs"/>
-              </a:defRPr>
-            </a:lvl5pPr>
-            <a:lvl6pPr marL="2514600" indent="-228600" algn="l" defTabSz="914400" rtl="0" eaLnBrk="1" latinLnBrk="0" hangingPunct="1">
-              <a:lnSpc>
-                <a:spcPct val="90000"/>
-              </a:lnSpc>
-              <a:spcBef>
-                <a:spcPts val="500"/>
-              </a:spcBef>
-              <a:buFont typeface="Arial" panose="020B0604020202020204" pitchFamily="34" charset="0"/>
-              <a:buChar char="•"/>
-              <a:defRPr kumimoji="1" sz="1800" kern="1200">
-                <a:solidFill>
-                  <a:schemeClr val="tx1"/>
-                </a:solidFill>
-                <a:latin typeface="+mn-lt"/>
-                <a:ea typeface="+mn-ea"/>
-                <a:cs typeface="+mn-cs"/>
-              </a:defRPr>
-            </a:lvl6pPr>
-            <a:lvl7pPr marL="2971800" indent="-228600" algn="l" defTabSz="914400" rtl="0" eaLnBrk="1" latinLnBrk="0" hangingPunct="1">
-              <a:lnSpc>
-                <a:spcPct val="90000"/>
-              </a:lnSpc>
-              <a:spcBef>
-                <a:spcPts val="500"/>
-              </a:spcBef>
-              <a:buFont typeface="Arial" panose="020B0604020202020204" pitchFamily="34" charset="0"/>
-              <a:buChar char="•"/>
-              <a:defRPr kumimoji="1" sz="1800" kern="1200">
-                <a:solidFill>
-                  <a:schemeClr val="tx1"/>
-                </a:solidFill>
-                <a:latin typeface="+mn-lt"/>
-                <a:ea typeface="+mn-ea"/>
-                <a:cs typeface="+mn-cs"/>
-              </a:defRPr>
-            </a:lvl7pPr>
-            <a:lvl8pPr marL="3429000" indent="-228600" algn="l" defTabSz="914400" rtl="0" eaLnBrk="1" latinLnBrk="0" hangingPunct="1">
-              <a:lnSpc>
-                <a:spcPct val="90000"/>
-              </a:lnSpc>
-              <a:spcBef>
-                <a:spcPts val="500"/>
-              </a:spcBef>
-              <a:buFont typeface="Arial" panose="020B0604020202020204" pitchFamily="34" charset="0"/>
-              <a:buChar char="•"/>
-              <a:defRPr kumimoji="1" sz="1800" kern="1200">
-                <a:solidFill>
-                  <a:schemeClr val="tx1"/>
-                </a:solidFill>
-                <a:latin typeface="+mn-lt"/>
-                <a:ea typeface="+mn-ea"/>
-                <a:cs typeface="+mn-cs"/>
-              </a:defRPr>
-            </a:lvl8pPr>
-            <a:lvl9pPr marL="3886200" indent="-228600" algn="l" defTabSz="914400" rtl="0" eaLnBrk="1" latinLnBrk="0" hangingPunct="1">
-              <a:lnSpc>
-                <a:spcPct val="90000"/>
-              </a:lnSpc>
-              <a:spcBef>
-                <a:spcPts val="500"/>
-              </a:spcBef>
-              <a:buFont typeface="Arial" panose="020B0604020202020204" pitchFamily="34" charset="0"/>
-              <a:buChar char="•"/>
-              <a:defRPr kumimoji="1" sz="1800" kern="1200">
-                <a:solidFill>
-                  <a:schemeClr val="tx1"/>
-                </a:solidFill>
-                <a:latin typeface="+mn-lt"/>
-                <a:ea typeface="+mn-ea"/>
-                <a:cs typeface="+mn-cs"/>
-              </a:defRPr>
-            </a:lvl9pPr>
-          </a:lstStyle>
-          <a:p>
-            <a:r>
-              <a:rPr lang="en-US" altLang="ja-JP" dirty="0"/>
-              <a:t>[Push origin]</a:t>
-            </a:r>
-            <a:r>
-              <a:rPr lang="ja-JP" altLang="en-US" dirty="0"/>
-              <a:t>をクリックして、</a:t>
-            </a:r>
-            <a:r>
-              <a:rPr lang="en-US" altLang="ja-JP" dirty="0"/>
-              <a:t>GitHub</a:t>
-            </a:r>
-            <a:r>
-              <a:rPr lang="ja-JP" altLang="en-US" dirty="0"/>
-              <a:t>へ</a:t>
-            </a:r>
-            <a:br>
-              <a:rPr lang="en-US" altLang="ja-JP" dirty="0"/>
-            </a:br>
-            <a:r>
-              <a:rPr lang="ja-JP" altLang="en-US" dirty="0"/>
-              <a:t>アップロードを行う</a:t>
-            </a:r>
-            <a:endParaRPr lang="en-US" altLang="ja-JP" dirty="0"/>
-          </a:p>
-        </p:txBody>
-      </p:sp>
-      <p:pic>
-        <p:nvPicPr>
-          <p:cNvPr id="4" name="図 3">
-            <a:extLst>
-              <a:ext uri="{FF2B5EF4-FFF2-40B4-BE49-F238E27FC236}">
-                <a16:creationId xmlns:a16="http://schemas.microsoft.com/office/drawing/2014/main" id="{BF13A8DE-C702-8D5B-D292-DA5D82BE826D}"/>
-              </a:ext>
-            </a:extLst>
-          </p:cNvPr>
-          <p:cNvPicPr>
-            <a:picLocks noChangeAspect="1"/>
-          </p:cNvPicPr>
-          <p:nvPr/>
-        </p:nvPicPr>
-        <p:blipFill>
-          <a:blip r:embed="rId2">
-            <a:extLst>
-              <a:ext uri="{28A0092B-C50C-407E-A947-70E740481C1C}">
-                <a14:useLocalDpi xmlns:a14="http://schemas.microsoft.com/office/drawing/2010/main" val="0"/>
-              </a:ext>
-            </a:extLst>
-          </a:blip>
-          <a:stretch>
-            <a:fillRect/>
-          </a:stretch>
-        </p:blipFill>
-        <p:spPr>
-          <a:xfrm>
-            <a:off x="2540736" y="2986392"/>
-            <a:ext cx="8049659" cy="3122356"/>
-          </a:xfrm>
-          <a:prstGeom prst="rect">
-            <a:avLst/>
-          </a:prstGeom>
-          <a:ln>
-            <a:solidFill>
-              <a:schemeClr val="tx1"/>
-            </a:solidFill>
-          </a:ln>
-        </p:spPr>
-      </p:pic>
-      <p:sp>
-        <p:nvSpPr>
-          <p:cNvPr id="11" name="正方形/長方形 10">
-            <a:extLst>
-              <a:ext uri="{FF2B5EF4-FFF2-40B4-BE49-F238E27FC236}">
-                <a16:creationId xmlns:a16="http://schemas.microsoft.com/office/drawing/2014/main" id="{646698C5-C7E5-85AC-EE3D-08298C483145}"/>
-              </a:ext>
-            </a:extLst>
-          </p:cNvPr>
-          <p:cNvSpPr/>
-          <p:nvPr/>
-        </p:nvSpPr>
-        <p:spPr>
-          <a:xfrm>
-            <a:off x="9037700" y="4996863"/>
-            <a:ext cx="1234709" cy="444992"/>
-          </a:xfrm>
-          <a:prstGeom prst="rect">
-            <a:avLst/>
-          </a:prstGeom>
-          <a:noFill/>
-          <a:ln w="38100">
-            <a:solidFill>
-              <a:srgbClr val="FF0000"/>
-            </a:solidFill>
-          </a:ln>
-        </p:spPr>
-        <p:style>
-          <a:lnRef idx="2">
-            <a:schemeClr val="accent1">
-              <a:shade val="15000"/>
-            </a:schemeClr>
-          </a:lnRef>
-          <a:fillRef idx="1">
-            <a:schemeClr val="accent1"/>
-          </a:fillRef>
-          <a:effectRef idx="0">
-            <a:schemeClr val="accent1"/>
-          </a:effectRef>
-          <a:fontRef idx="minor">
-            <a:schemeClr val="lt1"/>
-          </a:fontRef>
-        </p:style>
-        <p:txBody>
-          <a:bodyPr rtlCol="0" anchor="ctr"/>
-          <a:lstStyle/>
-          <a:p>
-            <a:pPr algn="ctr"/>
-            <a:endParaRPr kumimoji="1" lang="ja-JP" altLang="en-US"/>
-          </a:p>
-        </p:txBody>
-      </p:sp>
-      <p:sp>
-        <p:nvSpPr>
-          <p:cNvPr id="13" name="テキスト ボックス 12">
-            <a:extLst>
-              <a:ext uri="{FF2B5EF4-FFF2-40B4-BE49-F238E27FC236}">
-                <a16:creationId xmlns:a16="http://schemas.microsoft.com/office/drawing/2014/main" id="{61473EBD-DA8F-3E36-628C-BFF430D17977}"/>
-              </a:ext>
-            </a:extLst>
-          </p:cNvPr>
-          <p:cNvSpPr txBox="1"/>
-          <p:nvPr/>
-        </p:nvSpPr>
-        <p:spPr>
-          <a:xfrm>
-            <a:off x="9708204" y="103516"/>
-            <a:ext cx="2339102" cy="523220"/>
-          </a:xfrm>
-          <a:prstGeom prst="rect">
-            <a:avLst/>
-          </a:prstGeom>
-          <a:noFill/>
-          <a:ln>
-            <a:solidFill>
-              <a:srgbClr val="FF0000"/>
-            </a:solidFill>
-          </a:ln>
-        </p:spPr>
-        <p:txBody>
-          <a:bodyPr wrap="none" rtlCol="0">
-            <a:spAutoFit/>
-          </a:bodyPr>
-          <a:lstStyle/>
-          <a:p>
-            <a:r>
-              <a:rPr lang="ja-JP" altLang="en-US" sz="2800" dirty="0">
-                <a:solidFill>
-                  <a:srgbClr val="FF0000"/>
-                </a:solidFill>
-              </a:rPr>
-              <a:t>代表者の作業</a:t>
-            </a:r>
-            <a:endParaRPr kumimoji="1" lang="ja-JP" altLang="en-US" sz="2800" dirty="0">
-              <a:solidFill>
-                <a:srgbClr val="FF0000"/>
-              </a:solidFill>
-            </a:endParaRPr>
-          </a:p>
-        </p:txBody>
-      </p:sp>
-    </p:spTree>
-    <p:extLst>
-      <p:ext uri="{BB962C8B-B14F-4D97-AF65-F5344CB8AC3E}">
-        <p14:creationId xmlns:p14="http://schemas.microsoft.com/office/powerpoint/2010/main" val="3842041069"/>
       </p:ext>
     </p:extLst>
   </p:cSld>

--- a/授業資料/GitHubを用いたチーム制作.pptx
+++ b/授業資料/GitHubを用いたチーム制作.pptx
@@ -13,43 +13,50 @@
     <p:sldId id="372" r:id="rId7"/>
     <p:sldId id="373" r:id="rId8"/>
     <p:sldId id="407" r:id="rId9"/>
-    <p:sldId id="374" r:id="rId10"/>
-    <p:sldId id="375" r:id="rId11"/>
-    <p:sldId id="366" r:id="rId12"/>
-    <p:sldId id="376" r:id="rId13"/>
-    <p:sldId id="368" r:id="rId14"/>
-    <p:sldId id="367" r:id="rId15"/>
-    <p:sldId id="369" r:id="rId16"/>
-    <p:sldId id="377" r:id="rId17"/>
-    <p:sldId id="378" r:id="rId18"/>
-    <p:sldId id="379" r:id="rId19"/>
-    <p:sldId id="380" r:id="rId20"/>
-    <p:sldId id="381" r:id="rId21"/>
-    <p:sldId id="382" r:id="rId22"/>
-    <p:sldId id="383" r:id="rId23"/>
-    <p:sldId id="384" r:id="rId24"/>
-    <p:sldId id="386" r:id="rId25"/>
-    <p:sldId id="385" r:id="rId26"/>
-    <p:sldId id="387" r:id="rId27"/>
-    <p:sldId id="388" r:id="rId28"/>
-    <p:sldId id="389" r:id="rId29"/>
-    <p:sldId id="390" r:id="rId30"/>
-    <p:sldId id="391" r:id="rId31"/>
-    <p:sldId id="392" r:id="rId32"/>
-    <p:sldId id="393" r:id="rId33"/>
-    <p:sldId id="394" r:id="rId34"/>
-    <p:sldId id="395" r:id="rId35"/>
-    <p:sldId id="396" r:id="rId36"/>
-    <p:sldId id="397" r:id="rId37"/>
-    <p:sldId id="398" r:id="rId38"/>
-    <p:sldId id="399" r:id="rId39"/>
-    <p:sldId id="400" r:id="rId40"/>
-    <p:sldId id="401" r:id="rId41"/>
-    <p:sldId id="402" r:id="rId42"/>
-    <p:sldId id="403" r:id="rId43"/>
-    <p:sldId id="404" r:id="rId44"/>
-    <p:sldId id="405" r:id="rId45"/>
-    <p:sldId id="406" r:id="rId46"/>
+    <p:sldId id="408" r:id="rId10"/>
+    <p:sldId id="374" r:id="rId11"/>
+    <p:sldId id="375" r:id="rId12"/>
+    <p:sldId id="366" r:id="rId13"/>
+    <p:sldId id="376" r:id="rId14"/>
+    <p:sldId id="368" r:id="rId15"/>
+    <p:sldId id="367" r:id="rId16"/>
+    <p:sldId id="369" r:id="rId17"/>
+    <p:sldId id="377" r:id="rId18"/>
+    <p:sldId id="378" r:id="rId19"/>
+    <p:sldId id="379" r:id="rId20"/>
+    <p:sldId id="380" r:id="rId21"/>
+    <p:sldId id="381" r:id="rId22"/>
+    <p:sldId id="382" r:id="rId23"/>
+    <p:sldId id="383" r:id="rId24"/>
+    <p:sldId id="384" r:id="rId25"/>
+    <p:sldId id="386" r:id="rId26"/>
+    <p:sldId id="385" r:id="rId27"/>
+    <p:sldId id="387" r:id="rId28"/>
+    <p:sldId id="388" r:id="rId29"/>
+    <p:sldId id="389" r:id="rId30"/>
+    <p:sldId id="390" r:id="rId31"/>
+    <p:sldId id="391" r:id="rId32"/>
+    <p:sldId id="392" r:id="rId33"/>
+    <p:sldId id="393" r:id="rId34"/>
+    <p:sldId id="394" r:id="rId35"/>
+    <p:sldId id="395" r:id="rId36"/>
+    <p:sldId id="396" r:id="rId37"/>
+    <p:sldId id="397" r:id="rId38"/>
+    <p:sldId id="398" r:id="rId39"/>
+    <p:sldId id="399" r:id="rId40"/>
+    <p:sldId id="400" r:id="rId41"/>
+    <p:sldId id="401" r:id="rId42"/>
+    <p:sldId id="402" r:id="rId43"/>
+    <p:sldId id="403" r:id="rId44"/>
+    <p:sldId id="404" r:id="rId45"/>
+    <p:sldId id="405" r:id="rId46"/>
+    <p:sldId id="406" r:id="rId47"/>
+    <p:sldId id="409" r:id="rId48"/>
+    <p:sldId id="410" r:id="rId49"/>
+    <p:sldId id="411" r:id="rId50"/>
+    <p:sldId id="413" r:id="rId51"/>
+    <p:sldId id="412" r:id="rId52"/>
+    <p:sldId id="414" r:id="rId53"/>
   </p:sldIdLst>
   <p:sldSz cx="12192000" cy="6858000"/>
   <p:notesSz cx="6858000" cy="9144000"/>
@@ -3546,6 +3553,756 @@
         <p:cNvPr id="1" name="">
           <a:extLst>
             <a:ext uri="{FF2B5EF4-FFF2-40B4-BE49-F238E27FC236}">
+              <a16:creationId xmlns:a16="http://schemas.microsoft.com/office/drawing/2014/main" id="{8DEA3F5E-0C2D-DC44-2932-50C6E9C807FB}"/>
+            </a:ext>
+          </a:extLst>
+        </p:cNvPr>
+        <p:cNvGrpSpPr/>
+        <p:nvPr/>
+      </p:nvGrpSpPr>
+      <p:grpSpPr>
+        <a:xfrm>
+          <a:off x="0" y="0"/>
+          <a:ext cx="0" cy="0"/>
+          <a:chOff x="0" y="0"/>
+          <a:chExt cx="0" cy="0"/>
+        </a:xfrm>
+      </p:grpSpPr>
+      <p:sp>
+        <p:nvSpPr>
+          <p:cNvPr id="2" name="タイトル 1">
+            <a:extLst>
+              <a:ext uri="{FF2B5EF4-FFF2-40B4-BE49-F238E27FC236}">
+                <a16:creationId xmlns:a16="http://schemas.microsoft.com/office/drawing/2014/main" id="{49C617F2-0EB8-F92F-35AC-A01B632D622D}"/>
+              </a:ext>
+            </a:extLst>
+          </p:cNvPr>
+          <p:cNvSpPr>
+            <a:spLocks noGrp="1"/>
+          </p:cNvSpPr>
+          <p:nvPr>
+            <p:ph type="title"/>
+          </p:nvPr>
+        </p:nvSpPr>
+        <p:spPr/>
+        <p:txBody>
+          <a:bodyPr/>
+          <a:lstStyle/>
+          <a:p>
+            <a:r>
+              <a:rPr lang="en-US" altLang="ja-JP" dirty="0"/>
+              <a:t>GitHub</a:t>
+            </a:r>
+            <a:r>
+              <a:rPr lang="ja-JP" altLang="en-US" dirty="0"/>
+              <a:t>を使ったチーム制作</a:t>
+            </a:r>
+            <a:endParaRPr kumimoji="1" lang="ja-JP" altLang="en-US" dirty="0"/>
+          </a:p>
+        </p:txBody>
+      </p:sp>
+      <p:sp>
+        <p:nvSpPr>
+          <p:cNvPr id="9" name="コンテンツ プレースホルダー 2">
+            <a:extLst>
+              <a:ext uri="{FF2B5EF4-FFF2-40B4-BE49-F238E27FC236}">
+                <a16:creationId xmlns:a16="http://schemas.microsoft.com/office/drawing/2014/main" id="{9CA131F3-9852-A367-FAB2-947307160C6B}"/>
+              </a:ext>
+            </a:extLst>
+          </p:cNvPr>
+          <p:cNvSpPr txBox="1">
+            <a:spLocks/>
+          </p:cNvSpPr>
+          <p:nvPr/>
+        </p:nvSpPr>
+        <p:spPr>
+          <a:xfrm>
+            <a:off x="838200" y="1376038"/>
+            <a:ext cx="10515600" cy="4980311"/>
+          </a:xfrm>
+          <a:prstGeom prst="rect">
+            <a:avLst/>
+          </a:prstGeom>
+        </p:spPr>
+        <p:txBody>
+          <a:bodyPr vert="horz" lIns="91440" tIns="45720" rIns="91440" bIns="45720" rtlCol="0">
+            <a:normAutofit/>
+          </a:bodyPr>
+          <a:lstStyle>
+            <a:lvl1pPr marL="228600" indent="-228600" algn="l" defTabSz="914400" rtl="0" eaLnBrk="1" latinLnBrk="0" hangingPunct="1">
+              <a:lnSpc>
+                <a:spcPct val="90000"/>
+              </a:lnSpc>
+              <a:spcBef>
+                <a:spcPts val="1000"/>
+              </a:spcBef>
+              <a:buFont typeface="Arial" panose="020B0604020202020204" pitchFamily="34" charset="0"/>
+              <a:buChar char="•"/>
+              <a:defRPr kumimoji="1" sz="3600" kern="1200">
+                <a:solidFill>
+                  <a:schemeClr val="tx1"/>
+                </a:solidFill>
+                <a:latin typeface="+mn-lt"/>
+                <a:ea typeface="+mn-ea"/>
+                <a:cs typeface="+mn-cs"/>
+              </a:defRPr>
+            </a:lvl1pPr>
+            <a:lvl2pPr marL="685800" indent="-228600" algn="l" defTabSz="914400" rtl="0" eaLnBrk="1" latinLnBrk="0" hangingPunct="1">
+              <a:lnSpc>
+                <a:spcPct val="90000"/>
+              </a:lnSpc>
+              <a:spcBef>
+                <a:spcPts val="500"/>
+              </a:spcBef>
+              <a:buFont typeface="Arial" panose="020B0604020202020204" pitchFamily="34" charset="0"/>
+              <a:buChar char="•"/>
+              <a:defRPr kumimoji="1" sz="3200" kern="1200">
+                <a:solidFill>
+                  <a:schemeClr val="tx1"/>
+                </a:solidFill>
+                <a:latin typeface="+mn-lt"/>
+                <a:ea typeface="+mn-ea"/>
+                <a:cs typeface="+mn-cs"/>
+              </a:defRPr>
+            </a:lvl2pPr>
+            <a:lvl3pPr marL="1143000" indent="-228600" algn="l" defTabSz="914400" rtl="0" eaLnBrk="1" latinLnBrk="0" hangingPunct="1">
+              <a:lnSpc>
+                <a:spcPct val="90000"/>
+              </a:lnSpc>
+              <a:spcBef>
+                <a:spcPts val="500"/>
+              </a:spcBef>
+              <a:buFont typeface="Arial" panose="020B0604020202020204" pitchFamily="34" charset="0"/>
+              <a:buChar char="•"/>
+              <a:defRPr kumimoji="1" sz="2800" kern="1200">
+                <a:solidFill>
+                  <a:schemeClr val="tx1"/>
+                </a:solidFill>
+                <a:latin typeface="+mn-lt"/>
+                <a:ea typeface="+mn-ea"/>
+                <a:cs typeface="+mn-cs"/>
+              </a:defRPr>
+            </a:lvl3pPr>
+            <a:lvl4pPr marL="1600200" indent="-228600" algn="l" defTabSz="914400" rtl="0" eaLnBrk="1" latinLnBrk="0" hangingPunct="1">
+              <a:lnSpc>
+                <a:spcPct val="90000"/>
+              </a:lnSpc>
+              <a:spcBef>
+                <a:spcPts val="500"/>
+              </a:spcBef>
+              <a:buFont typeface="Arial" panose="020B0604020202020204" pitchFamily="34" charset="0"/>
+              <a:buChar char="•"/>
+              <a:defRPr kumimoji="1" sz="2400" kern="1200">
+                <a:solidFill>
+                  <a:schemeClr val="tx1"/>
+                </a:solidFill>
+                <a:latin typeface="+mn-lt"/>
+                <a:ea typeface="+mn-ea"/>
+                <a:cs typeface="+mn-cs"/>
+              </a:defRPr>
+            </a:lvl4pPr>
+            <a:lvl5pPr marL="2057400" indent="-228600" algn="l" defTabSz="914400" rtl="0" eaLnBrk="1" latinLnBrk="0" hangingPunct="1">
+              <a:lnSpc>
+                <a:spcPct val="90000"/>
+              </a:lnSpc>
+              <a:spcBef>
+                <a:spcPts val="500"/>
+              </a:spcBef>
+              <a:buFont typeface="Arial" panose="020B0604020202020204" pitchFamily="34" charset="0"/>
+              <a:buChar char="•"/>
+              <a:defRPr kumimoji="1" sz="2400" kern="1200">
+                <a:solidFill>
+                  <a:schemeClr val="tx1"/>
+                </a:solidFill>
+                <a:latin typeface="+mn-lt"/>
+                <a:ea typeface="+mn-ea"/>
+                <a:cs typeface="+mn-cs"/>
+              </a:defRPr>
+            </a:lvl5pPr>
+            <a:lvl6pPr marL="2514600" indent="-228600" algn="l" defTabSz="914400" rtl="0" eaLnBrk="1" latinLnBrk="0" hangingPunct="1">
+              <a:lnSpc>
+                <a:spcPct val="90000"/>
+              </a:lnSpc>
+              <a:spcBef>
+                <a:spcPts val="500"/>
+              </a:spcBef>
+              <a:buFont typeface="Arial" panose="020B0604020202020204" pitchFamily="34" charset="0"/>
+              <a:buChar char="•"/>
+              <a:defRPr kumimoji="1" sz="1800" kern="1200">
+                <a:solidFill>
+                  <a:schemeClr val="tx1"/>
+                </a:solidFill>
+                <a:latin typeface="+mn-lt"/>
+                <a:ea typeface="+mn-ea"/>
+                <a:cs typeface="+mn-cs"/>
+              </a:defRPr>
+            </a:lvl6pPr>
+            <a:lvl7pPr marL="2971800" indent="-228600" algn="l" defTabSz="914400" rtl="0" eaLnBrk="1" latinLnBrk="0" hangingPunct="1">
+              <a:lnSpc>
+                <a:spcPct val="90000"/>
+              </a:lnSpc>
+              <a:spcBef>
+                <a:spcPts val="500"/>
+              </a:spcBef>
+              <a:buFont typeface="Arial" panose="020B0604020202020204" pitchFamily="34" charset="0"/>
+              <a:buChar char="•"/>
+              <a:defRPr kumimoji="1" sz="1800" kern="1200">
+                <a:solidFill>
+                  <a:schemeClr val="tx1"/>
+                </a:solidFill>
+                <a:latin typeface="+mn-lt"/>
+                <a:ea typeface="+mn-ea"/>
+                <a:cs typeface="+mn-cs"/>
+              </a:defRPr>
+            </a:lvl7pPr>
+            <a:lvl8pPr marL="3429000" indent="-228600" algn="l" defTabSz="914400" rtl="0" eaLnBrk="1" latinLnBrk="0" hangingPunct="1">
+              <a:lnSpc>
+                <a:spcPct val="90000"/>
+              </a:lnSpc>
+              <a:spcBef>
+                <a:spcPts val="500"/>
+              </a:spcBef>
+              <a:buFont typeface="Arial" panose="020B0604020202020204" pitchFamily="34" charset="0"/>
+              <a:buChar char="•"/>
+              <a:defRPr kumimoji="1" sz="1800" kern="1200">
+                <a:solidFill>
+                  <a:schemeClr val="tx1"/>
+                </a:solidFill>
+                <a:latin typeface="+mn-lt"/>
+                <a:ea typeface="+mn-ea"/>
+                <a:cs typeface="+mn-cs"/>
+              </a:defRPr>
+            </a:lvl8pPr>
+            <a:lvl9pPr marL="3886200" indent="-228600" algn="l" defTabSz="914400" rtl="0" eaLnBrk="1" latinLnBrk="0" hangingPunct="1">
+              <a:lnSpc>
+                <a:spcPct val="90000"/>
+              </a:lnSpc>
+              <a:spcBef>
+                <a:spcPts val="500"/>
+              </a:spcBef>
+              <a:buFont typeface="Arial" panose="020B0604020202020204" pitchFamily="34" charset="0"/>
+              <a:buChar char="•"/>
+              <a:defRPr kumimoji="1" sz="1800" kern="1200">
+                <a:solidFill>
+                  <a:schemeClr val="tx1"/>
+                </a:solidFill>
+                <a:latin typeface="+mn-lt"/>
+                <a:ea typeface="+mn-ea"/>
+                <a:cs typeface="+mn-cs"/>
+              </a:defRPr>
+            </a:lvl9pPr>
+          </a:lstStyle>
+          <a:p>
+            <a:endParaRPr lang="en-US" altLang="ja-JP" dirty="0"/>
+          </a:p>
+        </p:txBody>
+      </p:sp>
+      <p:sp>
+        <p:nvSpPr>
+          <p:cNvPr id="12" name="コンテンツ プレースホルダー 2">
+            <a:extLst>
+              <a:ext uri="{FF2B5EF4-FFF2-40B4-BE49-F238E27FC236}">
+                <a16:creationId xmlns:a16="http://schemas.microsoft.com/office/drawing/2014/main" id="{9D2BC06C-C8B8-3B65-6853-96A585B09464}"/>
+              </a:ext>
+            </a:extLst>
+          </p:cNvPr>
+          <p:cNvSpPr txBox="1">
+            <a:spLocks/>
+          </p:cNvSpPr>
+          <p:nvPr/>
+        </p:nvSpPr>
+        <p:spPr>
+          <a:xfrm>
+            <a:off x="990600" y="1528438"/>
+            <a:ext cx="10515600" cy="4980311"/>
+          </a:xfrm>
+          <a:prstGeom prst="rect">
+            <a:avLst/>
+          </a:prstGeom>
+        </p:spPr>
+        <p:txBody>
+          <a:bodyPr vert="horz" lIns="91440" tIns="45720" rIns="91440" bIns="45720" rtlCol="0">
+            <a:normAutofit/>
+          </a:bodyPr>
+          <a:lstStyle>
+            <a:lvl1pPr marL="228600" indent="-228600" algn="l" defTabSz="914400" rtl="0" eaLnBrk="1" latinLnBrk="0" hangingPunct="1">
+              <a:lnSpc>
+                <a:spcPct val="90000"/>
+              </a:lnSpc>
+              <a:spcBef>
+                <a:spcPts val="1000"/>
+              </a:spcBef>
+              <a:buFont typeface="Arial" panose="020B0604020202020204" pitchFamily="34" charset="0"/>
+              <a:buChar char="•"/>
+              <a:defRPr kumimoji="1" sz="3600" kern="1200">
+                <a:solidFill>
+                  <a:schemeClr val="tx1"/>
+                </a:solidFill>
+                <a:latin typeface="+mn-lt"/>
+                <a:ea typeface="+mn-ea"/>
+                <a:cs typeface="+mn-cs"/>
+              </a:defRPr>
+            </a:lvl1pPr>
+            <a:lvl2pPr marL="685800" indent="-228600" algn="l" defTabSz="914400" rtl="0" eaLnBrk="1" latinLnBrk="0" hangingPunct="1">
+              <a:lnSpc>
+                <a:spcPct val="90000"/>
+              </a:lnSpc>
+              <a:spcBef>
+                <a:spcPts val="500"/>
+              </a:spcBef>
+              <a:buFont typeface="Arial" panose="020B0604020202020204" pitchFamily="34" charset="0"/>
+              <a:buChar char="•"/>
+              <a:defRPr kumimoji="1" sz="3200" kern="1200">
+                <a:solidFill>
+                  <a:schemeClr val="tx1"/>
+                </a:solidFill>
+                <a:latin typeface="+mn-lt"/>
+                <a:ea typeface="+mn-ea"/>
+                <a:cs typeface="+mn-cs"/>
+              </a:defRPr>
+            </a:lvl2pPr>
+            <a:lvl3pPr marL="1143000" indent="-228600" algn="l" defTabSz="914400" rtl="0" eaLnBrk="1" latinLnBrk="0" hangingPunct="1">
+              <a:lnSpc>
+                <a:spcPct val="90000"/>
+              </a:lnSpc>
+              <a:spcBef>
+                <a:spcPts val="500"/>
+              </a:spcBef>
+              <a:buFont typeface="Arial" panose="020B0604020202020204" pitchFamily="34" charset="0"/>
+              <a:buChar char="•"/>
+              <a:defRPr kumimoji="1" sz="2800" kern="1200">
+                <a:solidFill>
+                  <a:schemeClr val="tx1"/>
+                </a:solidFill>
+                <a:latin typeface="+mn-lt"/>
+                <a:ea typeface="+mn-ea"/>
+                <a:cs typeface="+mn-cs"/>
+              </a:defRPr>
+            </a:lvl3pPr>
+            <a:lvl4pPr marL="1600200" indent="-228600" algn="l" defTabSz="914400" rtl="0" eaLnBrk="1" latinLnBrk="0" hangingPunct="1">
+              <a:lnSpc>
+                <a:spcPct val="90000"/>
+              </a:lnSpc>
+              <a:spcBef>
+                <a:spcPts val="500"/>
+              </a:spcBef>
+              <a:buFont typeface="Arial" panose="020B0604020202020204" pitchFamily="34" charset="0"/>
+              <a:buChar char="•"/>
+              <a:defRPr kumimoji="1" sz="2400" kern="1200">
+                <a:solidFill>
+                  <a:schemeClr val="tx1"/>
+                </a:solidFill>
+                <a:latin typeface="+mn-lt"/>
+                <a:ea typeface="+mn-ea"/>
+                <a:cs typeface="+mn-cs"/>
+              </a:defRPr>
+            </a:lvl4pPr>
+            <a:lvl5pPr marL="2057400" indent="-228600" algn="l" defTabSz="914400" rtl="0" eaLnBrk="1" latinLnBrk="0" hangingPunct="1">
+              <a:lnSpc>
+                <a:spcPct val="90000"/>
+              </a:lnSpc>
+              <a:spcBef>
+                <a:spcPts val="500"/>
+              </a:spcBef>
+              <a:buFont typeface="Arial" panose="020B0604020202020204" pitchFamily="34" charset="0"/>
+              <a:buChar char="•"/>
+              <a:defRPr kumimoji="1" sz="2400" kern="1200">
+                <a:solidFill>
+                  <a:schemeClr val="tx1"/>
+                </a:solidFill>
+                <a:latin typeface="+mn-lt"/>
+                <a:ea typeface="+mn-ea"/>
+                <a:cs typeface="+mn-cs"/>
+              </a:defRPr>
+            </a:lvl5pPr>
+            <a:lvl6pPr marL="2514600" indent="-228600" algn="l" defTabSz="914400" rtl="0" eaLnBrk="1" latinLnBrk="0" hangingPunct="1">
+              <a:lnSpc>
+                <a:spcPct val="90000"/>
+              </a:lnSpc>
+              <a:spcBef>
+                <a:spcPts val="500"/>
+              </a:spcBef>
+              <a:buFont typeface="Arial" panose="020B0604020202020204" pitchFamily="34" charset="0"/>
+              <a:buChar char="•"/>
+              <a:defRPr kumimoji="1" sz="1800" kern="1200">
+                <a:solidFill>
+                  <a:schemeClr val="tx1"/>
+                </a:solidFill>
+                <a:latin typeface="+mn-lt"/>
+                <a:ea typeface="+mn-ea"/>
+                <a:cs typeface="+mn-cs"/>
+              </a:defRPr>
+            </a:lvl6pPr>
+            <a:lvl7pPr marL="2971800" indent="-228600" algn="l" defTabSz="914400" rtl="0" eaLnBrk="1" latinLnBrk="0" hangingPunct="1">
+              <a:lnSpc>
+                <a:spcPct val="90000"/>
+              </a:lnSpc>
+              <a:spcBef>
+                <a:spcPts val="500"/>
+              </a:spcBef>
+              <a:buFont typeface="Arial" panose="020B0604020202020204" pitchFamily="34" charset="0"/>
+              <a:buChar char="•"/>
+              <a:defRPr kumimoji="1" sz="1800" kern="1200">
+                <a:solidFill>
+                  <a:schemeClr val="tx1"/>
+                </a:solidFill>
+                <a:latin typeface="+mn-lt"/>
+                <a:ea typeface="+mn-ea"/>
+                <a:cs typeface="+mn-cs"/>
+              </a:defRPr>
+            </a:lvl7pPr>
+            <a:lvl8pPr marL="3429000" indent="-228600" algn="l" defTabSz="914400" rtl="0" eaLnBrk="1" latinLnBrk="0" hangingPunct="1">
+              <a:lnSpc>
+                <a:spcPct val="90000"/>
+              </a:lnSpc>
+              <a:spcBef>
+                <a:spcPts val="500"/>
+              </a:spcBef>
+              <a:buFont typeface="Arial" panose="020B0604020202020204" pitchFamily="34" charset="0"/>
+              <a:buChar char="•"/>
+              <a:defRPr kumimoji="1" sz="1800" kern="1200">
+                <a:solidFill>
+                  <a:schemeClr val="tx1"/>
+                </a:solidFill>
+                <a:latin typeface="+mn-lt"/>
+                <a:ea typeface="+mn-ea"/>
+                <a:cs typeface="+mn-cs"/>
+              </a:defRPr>
+            </a:lvl8pPr>
+            <a:lvl9pPr marL="3886200" indent="-228600" algn="l" defTabSz="914400" rtl="0" eaLnBrk="1" latinLnBrk="0" hangingPunct="1">
+              <a:lnSpc>
+                <a:spcPct val="90000"/>
+              </a:lnSpc>
+              <a:spcBef>
+                <a:spcPts val="500"/>
+              </a:spcBef>
+              <a:buFont typeface="Arial" panose="020B0604020202020204" pitchFamily="34" charset="0"/>
+              <a:buChar char="•"/>
+              <a:defRPr kumimoji="1" sz="1800" kern="1200">
+                <a:solidFill>
+                  <a:schemeClr val="tx1"/>
+                </a:solidFill>
+                <a:latin typeface="+mn-lt"/>
+                <a:ea typeface="+mn-ea"/>
+                <a:cs typeface="+mn-cs"/>
+              </a:defRPr>
+            </a:lvl9pPr>
+          </a:lstStyle>
+          <a:p>
+            <a:r>
+              <a:rPr lang="ja-JP" altLang="en-US" dirty="0"/>
+              <a:t>フォルダに全</a:t>
+            </a:r>
+            <a:br>
+              <a:rPr lang="en-US" altLang="ja-JP" dirty="0"/>
+            </a:br>
+            <a:r>
+              <a:rPr lang="ja-JP" altLang="en-US" dirty="0"/>
+              <a:t>ファイルをコピー</a:t>
+            </a:r>
+            <a:br>
+              <a:rPr lang="en-US" altLang="ja-JP" dirty="0"/>
+            </a:br>
+            <a:r>
+              <a:rPr lang="ja-JP" altLang="en-US" dirty="0"/>
+              <a:t>した後、コメント</a:t>
+            </a:r>
+            <a:br>
+              <a:rPr lang="en-US" altLang="ja-JP" dirty="0"/>
+            </a:br>
+            <a:r>
+              <a:rPr lang="ja-JP" altLang="en-US" dirty="0"/>
+              <a:t>を入力して</a:t>
+            </a:r>
+            <a:br>
+              <a:rPr lang="en-US" altLang="ja-JP" dirty="0"/>
+            </a:br>
+            <a:r>
+              <a:rPr lang="en-US" altLang="ja-JP" dirty="0"/>
+              <a:t>[Commit </a:t>
+            </a:r>
+            <a:br>
+              <a:rPr lang="en-US" altLang="ja-JP" dirty="0"/>
+            </a:br>
+            <a:r>
+              <a:rPr lang="ja-JP" altLang="en-US" dirty="0"/>
+              <a:t>　　　</a:t>
+            </a:r>
+            <a:r>
+              <a:rPr lang="en-US" altLang="ja-JP" dirty="0"/>
+              <a:t>to main]</a:t>
+            </a:r>
+            <a:br>
+              <a:rPr lang="en-US" altLang="ja-JP" dirty="0"/>
+            </a:br>
+            <a:r>
+              <a:rPr lang="ja-JP" altLang="en-US" dirty="0"/>
+              <a:t>をクリック</a:t>
+            </a:r>
+            <a:endParaRPr lang="en-US" altLang="ja-JP" dirty="0"/>
+          </a:p>
+        </p:txBody>
+      </p:sp>
+      <p:pic>
+        <p:nvPicPr>
+          <p:cNvPr id="6" name="図 5">
+            <a:extLst>
+              <a:ext uri="{FF2B5EF4-FFF2-40B4-BE49-F238E27FC236}">
+                <a16:creationId xmlns:a16="http://schemas.microsoft.com/office/drawing/2014/main" id="{97BC46EE-2770-B8BA-B50F-D9FE6C73A17D}"/>
+              </a:ext>
+            </a:extLst>
+          </p:cNvPr>
+          <p:cNvPicPr>
+            <a:picLocks noChangeAspect="1"/>
+          </p:cNvPicPr>
+          <p:nvPr/>
+        </p:nvPicPr>
+        <p:blipFill>
+          <a:blip r:embed="rId2">
+            <a:extLst>
+              <a:ext uri="{28A0092B-C50C-407E-A947-70E740481C1C}">
+                <a14:useLocalDpi xmlns:a14="http://schemas.microsoft.com/office/drawing/2010/main" val="0"/>
+              </a:ext>
+            </a:extLst>
+          </a:blip>
+          <a:stretch>
+            <a:fillRect/>
+          </a:stretch>
+        </p:blipFill>
+        <p:spPr>
+          <a:xfrm>
+            <a:off x="4708187" y="1390822"/>
+            <a:ext cx="7393021" cy="5102052"/>
+          </a:xfrm>
+          <a:prstGeom prst="rect">
+            <a:avLst/>
+          </a:prstGeom>
+          <a:ln>
+            <a:solidFill>
+              <a:schemeClr val="tx1"/>
+            </a:solidFill>
+          </a:ln>
+        </p:spPr>
+      </p:pic>
+      <p:sp>
+        <p:nvSpPr>
+          <p:cNvPr id="7" name="正方形/長方形 6">
+            <a:extLst>
+              <a:ext uri="{FF2B5EF4-FFF2-40B4-BE49-F238E27FC236}">
+                <a16:creationId xmlns:a16="http://schemas.microsoft.com/office/drawing/2014/main" id="{64481DBD-4A55-0B3A-A18B-5DF7F3627C82}"/>
+              </a:ext>
+            </a:extLst>
+          </p:cNvPr>
+          <p:cNvSpPr/>
+          <p:nvPr/>
+        </p:nvSpPr>
+        <p:spPr>
+          <a:xfrm>
+            <a:off x="4970835" y="5019472"/>
+            <a:ext cx="1585608" cy="232268"/>
+          </a:xfrm>
+          <a:prstGeom prst="rect">
+            <a:avLst/>
+          </a:prstGeom>
+          <a:noFill/>
+          <a:ln w="38100">
+            <a:solidFill>
+              <a:srgbClr val="FF0000"/>
+            </a:solidFill>
+          </a:ln>
+        </p:spPr>
+        <p:style>
+          <a:lnRef idx="2">
+            <a:schemeClr val="accent1">
+              <a:shade val="15000"/>
+            </a:schemeClr>
+          </a:lnRef>
+          <a:fillRef idx="1">
+            <a:schemeClr val="accent1"/>
+          </a:fillRef>
+          <a:effectRef idx="0">
+            <a:schemeClr val="accent1"/>
+          </a:effectRef>
+          <a:fontRef idx="minor">
+            <a:schemeClr val="lt1"/>
+          </a:fontRef>
+        </p:style>
+        <p:txBody>
+          <a:bodyPr rtlCol="0" anchor="ctr"/>
+          <a:lstStyle/>
+          <a:p>
+            <a:pPr algn="ctr"/>
+            <a:endParaRPr kumimoji="1" lang="ja-JP" altLang="en-US"/>
+          </a:p>
+        </p:txBody>
+      </p:sp>
+      <p:sp>
+        <p:nvSpPr>
+          <p:cNvPr id="8" name="正方形/長方形 7">
+            <a:extLst>
+              <a:ext uri="{FF2B5EF4-FFF2-40B4-BE49-F238E27FC236}">
+                <a16:creationId xmlns:a16="http://schemas.microsoft.com/office/drawing/2014/main" id="{A2EF132F-37AB-A951-6787-BD0A2136F679}"/>
+              </a:ext>
+            </a:extLst>
+          </p:cNvPr>
+          <p:cNvSpPr/>
+          <p:nvPr/>
+        </p:nvSpPr>
+        <p:spPr>
+          <a:xfrm>
+            <a:off x="4708187" y="6148637"/>
+            <a:ext cx="1935805" cy="359021"/>
+          </a:xfrm>
+          <a:prstGeom prst="rect">
+            <a:avLst/>
+          </a:prstGeom>
+          <a:noFill/>
+          <a:ln w="38100">
+            <a:solidFill>
+              <a:srgbClr val="FF0000"/>
+            </a:solidFill>
+          </a:ln>
+        </p:spPr>
+        <p:style>
+          <a:lnRef idx="2">
+            <a:schemeClr val="accent1">
+              <a:shade val="15000"/>
+            </a:schemeClr>
+          </a:lnRef>
+          <a:fillRef idx="1">
+            <a:schemeClr val="accent1"/>
+          </a:fillRef>
+          <a:effectRef idx="0">
+            <a:schemeClr val="accent1"/>
+          </a:effectRef>
+          <a:fontRef idx="minor">
+            <a:schemeClr val="lt1"/>
+          </a:fontRef>
+        </p:style>
+        <p:txBody>
+          <a:bodyPr rtlCol="0" anchor="ctr"/>
+          <a:lstStyle/>
+          <a:p>
+            <a:pPr algn="ctr"/>
+            <a:endParaRPr kumimoji="1" lang="ja-JP" altLang="en-US"/>
+          </a:p>
+        </p:txBody>
+      </p:sp>
+      <p:sp>
+        <p:nvSpPr>
+          <p:cNvPr id="11" name="テキスト ボックス 10">
+            <a:extLst>
+              <a:ext uri="{FF2B5EF4-FFF2-40B4-BE49-F238E27FC236}">
+                <a16:creationId xmlns:a16="http://schemas.microsoft.com/office/drawing/2014/main" id="{73AF3F74-B60E-3198-59AF-E90DD2555C01}"/>
+              </a:ext>
+            </a:extLst>
+          </p:cNvPr>
+          <p:cNvSpPr txBox="1"/>
+          <p:nvPr/>
+        </p:nvSpPr>
+        <p:spPr>
+          <a:xfrm>
+            <a:off x="9708204" y="103516"/>
+            <a:ext cx="2339102" cy="523220"/>
+          </a:xfrm>
+          <a:prstGeom prst="rect">
+            <a:avLst/>
+          </a:prstGeom>
+          <a:noFill/>
+          <a:ln>
+            <a:solidFill>
+              <a:srgbClr val="FF0000"/>
+            </a:solidFill>
+          </a:ln>
+        </p:spPr>
+        <p:txBody>
+          <a:bodyPr wrap="none" rtlCol="0">
+            <a:spAutoFit/>
+          </a:bodyPr>
+          <a:lstStyle/>
+          <a:p>
+            <a:r>
+              <a:rPr lang="ja-JP" altLang="en-US" sz="2800" dirty="0">
+                <a:solidFill>
+                  <a:srgbClr val="FF0000"/>
+                </a:solidFill>
+              </a:rPr>
+              <a:t>代表者の作業</a:t>
+            </a:r>
+            <a:endParaRPr kumimoji="1" lang="ja-JP" altLang="en-US" sz="2800" dirty="0">
+              <a:solidFill>
+                <a:srgbClr val="FF0000"/>
+              </a:solidFill>
+            </a:endParaRPr>
+          </a:p>
+        </p:txBody>
+      </p:sp>
+      <p:cxnSp>
+        <p:nvCxnSpPr>
+          <p:cNvPr id="4" name="直線矢印コネクタ 3">
+            <a:extLst>
+              <a:ext uri="{FF2B5EF4-FFF2-40B4-BE49-F238E27FC236}">
+                <a16:creationId xmlns:a16="http://schemas.microsoft.com/office/drawing/2014/main" id="{1211A8ED-D7CE-071B-BA51-82F550E9C40C}"/>
+              </a:ext>
+            </a:extLst>
+          </p:cNvPr>
+          <p:cNvCxnSpPr>
+            <a:stCxn id="7" idx="2"/>
+            <a:endCxn id="8" idx="0"/>
+          </p:cNvCxnSpPr>
+          <p:nvPr/>
+        </p:nvCxnSpPr>
+        <p:spPr>
+          <a:xfrm flipH="1">
+            <a:off x="5676090" y="5251740"/>
+            <a:ext cx="87549" cy="896897"/>
+          </a:xfrm>
+          <a:prstGeom prst="straightConnector1">
+            <a:avLst/>
+          </a:prstGeom>
+          <a:ln w="28575">
+            <a:solidFill>
+              <a:srgbClr val="FF0000"/>
+            </a:solidFill>
+            <a:tailEnd type="triangle"/>
+          </a:ln>
+        </p:spPr>
+        <p:style>
+          <a:lnRef idx="1">
+            <a:schemeClr val="accent1"/>
+          </a:lnRef>
+          <a:fillRef idx="0">
+            <a:schemeClr val="accent1"/>
+          </a:fillRef>
+          <a:effectRef idx="0">
+            <a:schemeClr val="accent1"/>
+          </a:effectRef>
+          <a:fontRef idx="minor">
+            <a:schemeClr val="tx1"/>
+          </a:fontRef>
+        </p:style>
+      </p:cxnSp>
+    </p:spTree>
+    <p:extLst>
+      <p:ext uri="{BB962C8B-B14F-4D97-AF65-F5344CB8AC3E}">
+        <p14:creationId xmlns:p14="http://schemas.microsoft.com/office/powerpoint/2010/main" val="3246145664"/>
+      </p:ext>
+    </p:extLst>
+  </p:cSld>
+  <p:clrMapOvr>
+    <a:masterClrMapping/>
+  </p:clrMapOvr>
+</p:sld>
+</file>
+
+<file path=ppt/slides/slide11.xml><?xml version="1.0" encoding="utf-8"?>
+<p:sld xmlns:a="http://schemas.openxmlformats.org/drawingml/2006/main" xmlns:r="http://schemas.openxmlformats.org/officeDocument/2006/relationships" xmlns:p="http://schemas.openxmlformats.org/presentationml/2006/main">
+  <p:cSld>
+    <p:spTree>
+      <p:nvGrpSpPr>
+        <p:cNvPr id="1" name="">
+          <a:extLst>
+            <a:ext uri="{FF2B5EF4-FFF2-40B4-BE49-F238E27FC236}">
               <a16:creationId xmlns:a16="http://schemas.microsoft.com/office/drawing/2014/main" id="{9F39B5E8-31A2-5A2B-66C1-21444243B567}"/>
             </a:ext>
           </a:extLst>
@@ -4164,7 +4921,7 @@
 </p:sld>
 </file>
 
-<file path=ppt/slides/slide11.xml><?xml version="1.0" encoding="utf-8"?>
+<file path=ppt/slides/slide12.xml><?xml version="1.0" encoding="utf-8"?>
 <p:sld xmlns:a="http://schemas.openxmlformats.org/drawingml/2006/main" xmlns:r="http://schemas.openxmlformats.org/officeDocument/2006/relationships" xmlns:p="http://schemas.openxmlformats.org/presentationml/2006/main">
   <p:cSld>
     <p:spTree>
@@ -4625,7 +5382,7 @@
 </p:sld>
 </file>
 
-<file path=ppt/slides/slide12.xml><?xml version="1.0" encoding="utf-8"?>
+<file path=ppt/slides/slide13.xml><?xml version="1.0" encoding="utf-8"?>
 <p:sld xmlns:a="http://schemas.openxmlformats.org/drawingml/2006/main" xmlns:r="http://schemas.openxmlformats.org/officeDocument/2006/relationships" xmlns:p="http://schemas.openxmlformats.org/presentationml/2006/main">
   <p:cSld>
     <p:spTree>
@@ -4885,12 +5642,61 @@
           </a:p>
         </p:txBody>
       </p:sp>
+      <p:sp>
+        <p:nvSpPr>
+          <p:cNvPr id="3" name="テキスト ボックス 2">
+            <a:extLst>
+              <a:ext uri="{FF2B5EF4-FFF2-40B4-BE49-F238E27FC236}">
+                <a16:creationId xmlns:a16="http://schemas.microsoft.com/office/drawing/2014/main" id="{B1940A8D-6255-C0A0-E88B-77279E362CB5}"/>
+              </a:ext>
+            </a:extLst>
+          </p:cNvPr>
+          <p:cNvSpPr txBox="1"/>
+          <p:nvPr/>
+        </p:nvSpPr>
+        <p:spPr>
+          <a:xfrm>
+            <a:off x="9708204" y="103516"/>
+            <a:ext cx="2339102" cy="523220"/>
+          </a:xfrm>
+          <a:prstGeom prst="rect">
+            <a:avLst/>
+          </a:prstGeom>
+          <a:noFill/>
+          <a:ln>
+            <a:solidFill>
+              <a:srgbClr val="FF0000"/>
+            </a:solidFill>
+          </a:ln>
+        </p:spPr>
+        <p:txBody>
+          <a:bodyPr wrap="none" rtlCol="0">
+            <a:spAutoFit/>
+          </a:bodyPr>
+          <a:lstStyle/>
+          <a:p>
+            <a:r>
+              <a:rPr lang="ja-JP" altLang="en-US" sz="2800" dirty="0">
+                <a:solidFill>
+                  <a:srgbClr val="FF0000"/>
+                </a:solidFill>
+              </a:rPr>
+              <a:t>代表者の作業</a:t>
+            </a:r>
+            <a:endParaRPr kumimoji="1" lang="ja-JP" altLang="en-US" sz="2800" dirty="0">
+              <a:solidFill>
+                <a:srgbClr val="FF0000"/>
+              </a:solidFill>
+            </a:endParaRPr>
+          </a:p>
+        </p:txBody>
+      </p:sp>
       <p:pic>
         <p:nvPicPr>
-          <p:cNvPr id="11" name="図 10">
+          <p:cNvPr id="5" name="図 4">
             <a:extLst>
               <a:ext uri="{FF2B5EF4-FFF2-40B4-BE49-F238E27FC236}">
-                <a16:creationId xmlns:a16="http://schemas.microsoft.com/office/drawing/2014/main" id="{1AD72E23-9E1C-26B4-DD67-F74811328076}"/>
+                <a16:creationId xmlns:a16="http://schemas.microsoft.com/office/drawing/2014/main" id="{7D7D7994-036E-A904-3CD9-47B627D2D6D1}"/>
               </a:ext>
             </a:extLst>
           </p:cNvPr>
@@ -4907,8 +5713,8 @@
         </p:blipFill>
         <p:spPr>
           <a:xfrm>
-            <a:off x="3168312" y="2438559"/>
-            <a:ext cx="5855375" cy="2888824"/>
+            <a:off x="934455" y="2443483"/>
+            <a:ext cx="10488977" cy="3188831"/>
           </a:xfrm>
           <a:prstGeom prst="rect">
             <a:avLst/>
@@ -4934,7 +5740,7 @@
         </p:nvSpPr>
         <p:spPr>
           <a:xfrm>
-            <a:off x="7454864" y="2593280"/>
+            <a:off x="8369264" y="3322855"/>
             <a:ext cx="1210235" cy="367553"/>
           </a:xfrm>
           <a:prstGeom prst="rect">
@@ -4972,55 +5778,6 @@
           </a:p>
         </p:txBody>
       </p:sp>
-      <p:sp>
-        <p:nvSpPr>
-          <p:cNvPr id="3" name="テキスト ボックス 2">
-            <a:extLst>
-              <a:ext uri="{FF2B5EF4-FFF2-40B4-BE49-F238E27FC236}">
-                <a16:creationId xmlns:a16="http://schemas.microsoft.com/office/drawing/2014/main" id="{B1940A8D-6255-C0A0-E88B-77279E362CB5}"/>
-              </a:ext>
-            </a:extLst>
-          </p:cNvPr>
-          <p:cNvSpPr txBox="1"/>
-          <p:nvPr/>
-        </p:nvSpPr>
-        <p:spPr>
-          <a:xfrm>
-            <a:off x="9708204" y="103516"/>
-            <a:ext cx="2339102" cy="523220"/>
-          </a:xfrm>
-          <a:prstGeom prst="rect">
-            <a:avLst/>
-          </a:prstGeom>
-          <a:noFill/>
-          <a:ln>
-            <a:solidFill>
-              <a:srgbClr val="FF0000"/>
-            </a:solidFill>
-          </a:ln>
-        </p:spPr>
-        <p:txBody>
-          <a:bodyPr wrap="none" rtlCol="0">
-            <a:spAutoFit/>
-          </a:bodyPr>
-          <a:lstStyle/>
-          <a:p>
-            <a:r>
-              <a:rPr lang="ja-JP" altLang="en-US" sz="2800" dirty="0">
-                <a:solidFill>
-                  <a:srgbClr val="FF0000"/>
-                </a:solidFill>
-              </a:rPr>
-              <a:t>代表者の作業</a:t>
-            </a:r>
-            <a:endParaRPr kumimoji="1" lang="ja-JP" altLang="en-US" sz="2800" dirty="0">
-              <a:solidFill>
-                <a:srgbClr val="FF0000"/>
-              </a:solidFill>
-            </a:endParaRPr>
-          </a:p>
-        </p:txBody>
-      </p:sp>
     </p:spTree>
     <p:extLst>
       <p:ext uri="{BB962C8B-B14F-4D97-AF65-F5344CB8AC3E}">
@@ -5034,7 +5791,7 @@
 </p:sld>
 </file>
 
-<file path=ppt/slides/slide13.xml><?xml version="1.0" encoding="utf-8"?>
+<file path=ppt/slides/slide14.xml><?xml version="1.0" encoding="utf-8"?>
 <p:sld xmlns:a="http://schemas.openxmlformats.org/drawingml/2006/main" xmlns:r="http://schemas.openxmlformats.org/officeDocument/2006/relationships" xmlns:p="http://schemas.openxmlformats.org/presentationml/2006/main">
   <p:cSld>
     <p:spTree>
@@ -5298,12 +6055,61 @@
           </a:p>
         </p:txBody>
       </p:sp>
+      <p:sp>
+        <p:nvSpPr>
+          <p:cNvPr id="3" name="テキスト ボックス 2">
+            <a:extLst>
+              <a:ext uri="{FF2B5EF4-FFF2-40B4-BE49-F238E27FC236}">
+                <a16:creationId xmlns:a16="http://schemas.microsoft.com/office/drawing/2014/main" id="{8EE9116F-9732-9199-0CA4-81B90F0D4A00}"/>
+              </a:ext>
+            </a:extLst>
+          </p:cNvPr>
+          <p:cNvSpPr txBox="1"/>
+          <p:nvPr/>
+        </p:nvSpPr>
+        <p:spPr>
+          <a:xfrm>
+            <a:off x="9708204" y="103516"/>
+            <a:ext cx="2339102" cy="523220"/>
+          </a:xfrm>
+          <a:prstGeom prst="rect">
+            <a:avLst/>
+          </a:prstGeom>
+          <a:noFill/>
+          <a:ln>
+            <a:solidFill>
+              <a:srgbClr val="FF0000"/>
+            </a:solidFill>
+          </a:ln>
+        </p:spPr>
+        <p:txBody>
+          <a:bodyPr wrap="none" rtlCol="0">
+            <a:spAutoFit/>
+          </a:bodyPr>
+          <a:lstStyle/>
+          <a:p>
+            <a:r>
+              <a:rPr lang="ja-JP" altLang="en-US" sz="2800" dirty="0">
+                <a:solidFill>
+                  <a:srgbClr val="FF0000"/>
+                </a:solidFill>
+              </a:rPr>
+              <a:t>代表者の作業</a:t>
+            </a:r>
+            <a:endParaRPr kumimoji="1" lang="ja-JP" altLang="en-US" sz="2800" dirty="0">
+              <a:solidFill>
+                <a:srgbClr val="FF0000"/>
+              </a:solidFill>
+            </a:endParaRPr>
+          </a:p>
+        </p:txBody>
+      </p:sp>
       <p:pic>
         <p:nvPicPr>
-          <p:cNvPr id="4" name="図 3">
+          <p:cNvPr id="6" name="図 5">
             <a:extLst>
               <a:ext uri="{FF2B5EF4-FFF2-40B4-BE49-F238E27FC236}">
-                <a16:creationId xmlns:a16="http://schemas.microsoft.com/office/drawing/2014/main" id="{69B01B91-C9ED-D16A-ED58-A7D01AE67929}"/>
+                <a16:creationId xmlns:a16="http://schemas.microsoft.com/office/drawing/2014/main" id="{B722E189-CC94-D3CD-F62C-3D9B975EDC8A}"/>
               </a:ext>
             </a:extLst>
           </p:cNvPr>
@@ -5314,14 +6120,13 @@
         </p:nvPicPr>
         <p:blipFill>
           <a:blip r:embed="rId2"/>
-          <a:stretch>
-            <a:fillRect/>
-          </a:stretch>
+          <a:srcRect b="26944"/>
+          <a:stretch/>
         </p:blipFill>
         <p:spPr>
           <a:xfrm>
-            <a:off x="4197225" y="2113826"/>
-            <a:ext cx="4138804" cy="3094668"/>
+            <a:off x="3898198" y="2041380"/>
+            <a:ext cx="4856696" cy="4670461"/>
           </a:xfrm>
           <a:prstGeom prst="rect">
             <a:avLst/>
@@ -5347,7 +6152,7 @@
         </p:nvSpPr>
         <p:spPr>
           <a:xfrm>
-            <a:off x="4545106" y="3388659"/>
+            <a:off x="4253276" y="3960417"/>
             <a:ext cx="1541929" cy="367553"/>
           </a:xfrm>
           <a:prstGeom prst="rect">
@@ -5385,55 +6190,6 @@
           </a:p>
         </p:txBody>
       </p:sp>
-      <p:sp>
-        <p:nvSpPr>
-          <p:cNvPr id="3" name="テキスト ボックス 2">
-            <a:extLst>
-              <a:ext uri="{FF2B5EF4-FFF2-40B4-BE49-F238E27FC236}">
-                <a16:creationId xmlns:a16="http://schemas.microsoft.com/office/drawing/2014/main" id="{8EE9116F-9732-9199-0CA4-81B90F0D4A00}"/>
-              </a:ext>
-            </a:extLst>
-          </p:cNvPr>
-          <p:cNvSpPr txBox="1"/>
-          <p:nvPr/>
-        </p:nvSpPr>
-        <p:spPr>
-          <a:xfrm>
-            <a:off x="9708204" y="103516"/>
-            <a:ext cx="2339102" cy="523220"/>
-          </a:xfrm>
-          <a:prstGeom prst="rect">
-            <a:avLst/>
-          </a:prstGeom>
-          <a:noFill/>
-          <a:ln>
-            <a:solidFill>
-              <a:srgbClr val="FF0000"/>
-            </a:solidFill>
-          </a:ln>
-        </p:spPr>
-        <p:txBody>
-          <a:bodyPr wrap="none" rtlCol="0">
-            <a:spAutoFit/>
-          </a:bodyPr>
-          <a:lstStyle/>
-          <a:p>
-            <a:r>
-              <a:rPr lang="ja-JP" altLang="en-US" sz="2800" dirty="0">
-                <a:solidFill>
-                  <a:srgbClr val="FF0000"/>
-                </a:solidFill>
-              </a:rPr>
-              <a:t>代表者の作業</a:t>
-            </a:r>
-            <a:endParaRPr kumimoji="1" lang="ja-JP" altLang="en-US" sz="2800" dirty="0">
-              <a:solidFill>
-                <a:srgbClr val="FF0000"/>
-              </a:solidFill>
-            </a:endParaRPr>
-          </a:p>
-        </p:txBody>
-      </p:sp>
     </p:spTree>
     <p:extLst>
       <p:ext uri="{BB962C8B-B14F-4D97-AF65-F5344CB8AC3E}">
@@ -5447,7 +6203,7 @@
 </p:sld>
 </file>
 
-<file path=ppt/slides/slide14.xml><?xml version="1.0" encoding="utf-8"?>
+<file path=ppt/slides/slide15.xml><?xml version="1.0" encoding="utf-8"?>
 <p:sld xmlns:a="http://schemas.openxmlformats.org/drawingml/2006/main" xmlns:r="http://schemas.openxmlformats.org/officeDocument/2006/relationships" xmlns:p="http://schemas.openxmlformats.org/presentationml/2006/main">
   <p:cSld>
     <p:spTree>
@@ -5856,7 +6612,7 @@
 </p:sld>
 </file>
 
-<file path=ppt/slides/slide15.xml><?xml version="1.0" encoding="utf-8"?>
+<file path=ppt/slides/slide16.xml><?xml version="1.0" encoding="utf-8"?>
 <p:sld xmlns:a="http://schemas.openxmlformats.org/drawingml/2006/main" xmlns:r="http://schemas.openxmlformats.org/officeDocument/2006/relationships" xmlns:p="http://schemas.openxmlformats.org/presentationml/2006/main">
   <p:cSld>
     <p:spTree>
@@ -6311,7 +7067,7 @@
 </p:sld>
 </file>
 
-<file path=ppt/slides/slide16.xml><?xml version="1.0" encoding="utf-8"?>
+<file path=ppt/slides/slide17.xml><?xml version="1.0" encoding="utf-8"?>
 <p:sld xmlns:a="http://schemas.openxmlformats.org/drawingml/2006/main" xmlns:r="http://schemas.openxmlformats.org/officeDocument/2006/relationships" xmlns:p="http://schemas.openxmlformats.org/presentationml/2006/main">
   <p:cSld>
     <p:spTree>
@@ -6893,7 +7649,7 @@
 </p:sld>
 </file>
 
-<file path=ppt/slides/slide17.xml><?xml version="1.0" encoding="utf-8"?>
+<file path=ppt/slides/slide18.xml><?xml version="1.0" encoding="utf-8"?>
 <p:sld xmlns:a="http://schemas.openxmlformats.org/drawingml/2006/main" xmlns:r="http://schemas.openxmlformats.org/officeDocument/2006/relationships" xmlns:p="http://schemas.openxmlformats.org/presentationml/2006/main">
   <p:cSld>
     <p:spTree>
@@ -7354,6 +8110,83 @@
           </a:p>
         </p:txBody>
       </p:sp>
+      <p:sp>
+        <p:nvSpPr>
+          <p:cNvPr id="4" name="テキスト ボックス 3">
+            <a:extLst>
+              <a:ext uri="{FF2B5EF4-FFF2-40B4-BE49-F238E27FC236}">
+                <a16:creationId xmlns:a16="http://schemas.microsoft.com/office/drawing/2014/main" id="{D66CAF75-EB39-C3E1-249A-6036F6D56C17}"/>
+              </a:ext>
+            </a:extLst>
+          </p:cNvPr>
+          <p:cNvSpPr txBox="1"/>
+          <p:nvPr/>
+        </p:nvSpPr>
+        <p:spPr>
+          <a:xfrm>
+            <a:off x="8404698" y="5208735"/>
+            <a:ext cx="3435556" cy="1384995"/>
+          </a:xfrm>
+          <a:prstGeom prst="rect">
+            <a:avLst/>
+          </a:prstGeom>
+          <a:noFill/>
+        </p:spPr>
+        <p:txBody>
+          <a:bodyPr wrap="none" rtlCol="0">
+            <a:spAutoFit/>
+          </a:bodyPr>
+          <a:lstStyle/>
+          <a:p>
+            <a:r>
+              <a:rPr kumimoji="1" lang="en-US" altLang="ja-JP" sz="2800" dirty="0">
+                <a:solidFill>
+                  <a:srgbClr val="FF0000"/>
+                </a:solidFill>
+              </a:rPr>
+              <a:t>GitHub</a:t>
+            </a:r>
+            <a:r>
+              <a:rPr kumimoji="1" lang="ja-JP" altLang="en-US" sz="2800" dirty="0">
+                <a:solidFill>
+                  <a:srgbClr val="FF0000"/>
+                </a:solidFill>
+              </a:rPr>
+              <a:t>にサインイン</a:t>
+            </a:r>
+            <a:endParaRPr kumimoji="1" lang="en-US" altLang="ja-JP" sz="2800" dirty="0">
+              <a:solidFill>
+                <a:srgbClr val="FF0000"/>
+              </a:solidFill>
+            </a:endParaRPr>
+          </a:p>
+          <a:p>
+            <a:r>
+              <a:rPr kumimoji="1" lang="ja-JP" altLang="en-US" sz="2800" dirty="0">
+                <a:solidFill>
+                  <a:srgbClr val="FF0000"/>
+                </a:solidFill>
+              </a:rPr>
+              <a:t>していないとこの</a:t>
+            </a:r>
+            <a:endParaRPr kumimoji="1" lang="en-US" altLang="ja-JP" sz="2800" dirty="0">
+              <a:solidFill>
+                <a:srgbClr val="FF0000"/>
+              </a:solidFill>
+            </a:endParaRPr>
+          </a:p>
+          <a:p>
+            <a:r>
+              <a:rPr kumimoji="1" lang="ja-JP" altLang="en-US" sz="2800" dirty="0">
+                <a:solidFill>
+                  <a:srgbClr val="FF0000"/>
+                </a:solidFill>
+              </a:rPr>
+              <a:t>画面は表示されない</a:t>
+            </a:r>
+          </a:p>
+        </p:txBody>
+      </p:sp>
     </p:spTree>
     <p:extLst>
       <p:ext uri="{BB962C8B-B14F-4D97-AF65-F5344CB8AC3E}">
@@ -7367,7 +8200,7 @@
 </p:sld>
 </file>
 
-<file path=ppt/slides/slide18.xml><?xml version="1.0" encoding="utf-8"?>
+<file path=ppt/slides/slide19.xml><?xml version="1.0" encoding="utf-8"?>
 <p:sld xmlns:a="http://schemas.openxmlformats.org/drawingml/2006/main" xmlns:r="http://schemas.openxmlformats.org/officeDocument/2006/relationships" xmlns:p="http://schemas.openxmlformats.org/presentationml/2006/main">
   <p:cSld>
     <p:spTree>
@@ -7786,7 +8619,182 @@
 </p:sld>
 </file>
 
-<file path=ppt/slides/slide19.xml><?xml version="1.0" encoding="utf-8"?>
+<file path=ppt/slides/slide2.xml><?xml version="1.0" encoding="utf-8"?>
+<p:sld xmlns:a="http://schemas.openxmlformats.org/drawingml/2006/main" xmlns:r="http://schemas.openxmlformats.org/officeDocument/2006/relationships" xmlns:p="http://schemas.openxmlformats.org/presentationml/2006/main">
+  <p:cSld>
+    <p:spTree>
+      <p:nvGrpSpPr>
+        <p:cNvPr id="1" name="">
+          <a:extLst>
+            <a:ext uri="{FF2B5EF4-FFF2-40B4-BE49-F238E27FC236}">
+              <a16:creationId xmlns:a16="http://schemas.microsoft.com/office/drawing/2014/main" id="{2E90AE30-B935-EE9F-1372-5A186D4B155A}"/>
+            </a:ext>
+          </a:extLst>
+        </p:cNvPr>
+        <p:cNvGrpSpPr/>
+        <p:nvPr/>
+      </p:nvGrpSpPr>
+      <p:grpSpPr>
+        <a:xfrm>
+          <a:off x="0" y="0"/>
+          <a:ext cx="0" cy="0"/>
+          <a:chOff x="0" y="0"/>
+          <a:chExt cx="0" cy="0"/>
+        </a:xfrm>
+      </p:grpSpPr>
+      <p:sp>
+        <p:nvSpPr>
+          <p:cNvPr id="2" name="タイトル 1">
+            <a:extLst>
+              <a:ext uri="{FF2B5EF4-FFF2-40B4-BE49-F238E27FC236}">
+                <a16:creationId xmlns:a16="http://schemas.microsoft.com/office/drawing/2014/main" id="{CF78E3A9-46A1-DEA8-6D79-B271EC879486}"/>
+              </a:ext>
+            </a:extLst>
+          </p:cNvPr>
+          <p:cNvSpPr>
+            <a:spLocks noGrp="1"/>
+          </p:cNvSpPr>
+          <p:nvPr>
+            <p:ph type="title"/>
+          </p:nvPr>
+        </p:nvSpPr>
+        <p:spPr/>
+        <p:txBody>
+          <a:bodyPr/>
+          <a:lstStyle/>
+          <a:p>
+            <a:r>
+              <a:rPr lang="en-US" altLang="ja-JP" dirty="0"/>
+              <a:t>GitHub</a:t>
+            </a:r>
+            <a:r>
+              <a:rPr lang="ja-JP" altLang="en-US" dirty="0"/>
+              <a:t>を使ったチーム制作</a:t>
+            </a:r>
+            <a:endParaRPr kumimoji="1" lang="ja-JP" altLang="en-US" dirty="0"/>
+          </a:p>
+        </p:txBody>
+      </p:sp>
+      <p:sp>
+        <p:nvSpPr>
+          <p:cNvPr id="3" name="コンテンツ プレースホルダー 2">
+            <a:extLst>
+              <a:ext uri="{FF2B5EF4-FFF2-40B4-BE49-F238E27FC236}">
+                <a16:creationId xmlns:a16="http://schemas.microsoft.com/office/drawing/2014/main" id="{F3C52EE5-E5C1-7274-24AA-4D51C15B05D9}"/>
+              </a:ext>
+            </a:extLst>
+          </p:cNvPr>
+          <p:cNvSpPr>
+            <a:spLocks noGrp="1"/>
+          </p:cNvSpPr>
+          <p:nvPr>
+            <p:ph idx="1"/>
+          </p:nvPr>
+        </p:nvSpPr>
+        <p:spPr/>
+        <p:txBody>
+          <a:bodyPr>
+            <a:normAutofit/>
+          </a:bodyPr>
+          <a:lstStyle/>
+          <a:p>
+            <a:r>
+              <a:rPr lang="en-US" altLang="ja-JP" dirty="0"/>
+              <a:t>GitHub</a:t>
+            </a:r>
+            <a:r>
+              <a:rPr lang="ja-JP" altLang="en-US" dirty="0"/>
+              <a:t>で共同開発する手順</a:t>
+            </a:r>
+            <a:br>
+              <a:rPr lang="en-US" altLang="ja-JP" dirty="0"/>
+            </a:br>
+            <a:endParaRPr lang="en-US" altLang="ja-JP" dirty="0"/>
+          </a:p>
+          <a:p>
+            <a:pPr marL="971550" lvl="1" indent="-514350">
+              <a:buFont typeface="+mj-ea"/>
+              <a:buAutoNum type="circleNumDbPlain"/>
+            </a:pPr>
+            <a:r>
+              <a:rPr lang="ja-JP" altLang="en-US" dirty="0"/>
+              <a:t>代表者が</a:t>
+            </a:r>
+            <a:r>
+              <a:rPr lang="en-US" altLang="ja-JP" dirty="0"/>
+              <a:t>GitHub</a:t>
+            </a:r>
+            <a:r>
+              <a:rPr lang="ja-JP" altLang="en-US" dirty="0"/>
+              <a:t>上にリポジトリを作成</a:t>
+            </a:r>
+            <a:br>
+              <a:rPr lang="en-US" altLang="ja-JP" dirty="0"/>
+            </a:br>
+            <a:endParaRPr lang="en-US" altLang="ja-JP" dirty="0"/>
+          </a:p>
+          <a:p>
+            <a:pPr marL="971550" lvl="1" indent="-514350">
+              <a:buFont typeface="+mj-ea"/>
+              <a:buAutoNum type="circleNumDbPlain"/>
+            </a:pPr>
+            <a:r>
+              <a:rPr lang="ja-JP" altLang="en-US" dirty="0"/>
+              <a:t>代表者が作成したリポジトリにチームメンバーを招待</a:t>
+            </a:r>
+            <a:br>
+              <a:rPr lang="en-US" altLang="ja-JP" dirty="0"/>
+            </a:br>
+            <a:endParaRPr lang="en-US" altLang="ja-JP" dirty="0"/>
+          </a:p>
+          <a:p>
+            <a:pPr marL="971550" lvl="1" indent="-514350">
+              <a:buFont typeface="+mj-ea"/>
+              <a:buAutoNum type="circleNumDbPlain"/>
+            </a:pPr>
+            <a:r>
+              <a:rPr lang="ja-JP" altLang="en-US" dirty="0"/>
+              <a:t>チームメンバー宛にメールが届くので、招待を受ける</a:t>
+            </a:r>
+            <a:br>
+              <a:rPr lang="en-US" altLang="ja-JP" dirty="0"/>
+            </a:br>
+            <a:r>
+              <a:rPr lang="ja-JP" altLang="en-US" dirty="0"/>
+              <a:t>ボタンをクリック</a:t>
+            </a:r>
+            <a:br>
+              <a:rPr lang="en-US" altLang="ja-JP" dirty="0"/>
+            </a:br>
+            <a:endParaRPr lang="en-US" altLang="ja-JP" dirty="0"/>
+          </a:p>
+          <a:p>
+            <a:pPr marL="971550" lvl="1" indent="-514350">
+              <a:buFont typeface="+mj-ea"/>
+              <a:buAutoNum type="circleNumDbPlain"/>
+            </a:pPr>
+            <a:r>
+              <a:rPr lang="ja-JP" altLang="en-US" dirty="0"/>
+              <a:t>チームメンバーがリポジトリをクローン（複製）する</a:t>
+            </a:r>
+            <a:endParaRPr lang="en-US" altLang="ja-JP" dirty="0"/>
+          </a:p>
+        </p:txBody>
+      </p:sp>
+    </p:spTree>
+    <p:extLst>
+      <p:ext uri="{BB962C8B-B14F-4D97-AF65-F5344CB8AC3E}">
+        <p14:creationId xmlns:p14="http://schemas.microsoft.com/office/powerpoint/2010/main" val="2606264708"/>
+      </p:ext>
+    </p:extLst>
+  </p:cSld>
+  <p:clrMapOvr>
+    <a:masterClrMapping/>
+  </p:clrMapOvr>
+</p:sld>
+</file>
+
+<file path=ppt/slides/slide20.xml><?xml version="1.0" encoding="utf-8"?>
 <p:sld xmlns:a="http://schemas.openxmlformats.org/drawingml/2006/main" xmlns:r="http://schemas.openxmlformats.org/officeDocument/2006/relationships" xmlns:p="http://schemas.openxmlformats.org/presentationml/2006/main">
   <p:cSld>
     <p:spTree>
@@ -8347,182 +9355,7 @@
 </p:sld>
 </file>
 
-<file path=ppt/slides/slide2.xml><?xml version="1.0" encoding="utf-8"?>
-<p:sld xmlns:a="http://schemas.openxmlformats.org/drawingml/2006/main" xmlns:r="http://schemas.openxmlformats.org/officeDocument/2006/relationships" xmlns:p="http://schemas.openxmlformats.org/presentationml/2006/main">
-  <p:cSld>
-    <p:spTree>
-      <p:nvGrpSpPr>
-        <p:cNvPr id="1" name="">
-          <a:extLst>
-            <a:ext uri="{FF2B5EF4-FFF2-40B4-BE49-F238E27FC236}">
-              <a16:creationId xmlns:a16="http://schemas.microsoft.com/office/drawing/2014/main" id="{2E90AE30-B935-EE9F-1372-5A186D4B155A}"/>
-            </a:ext>
-          </a:extLst>
-        </p:cNvPr>
-        <p:cNvGrpSpPr/>
-        <p:nvPr/>
-      </p:nvGrpSpPr>
-      <p:grpSpPr>
-        <a:xfrm>
-          <a:off x="0" y="0"/>
-          <a:ext cx="0" cy="0"/>
-          <a:chOff x="0" y="0"/>
-          <a:chExt cx="0" cy="0"/>
-        </a:xfrm>
-      </p:grpSpPr>
-      <p:sp>
-        <p:nvSpPr>
-          <p:cNvPr id="2" name="タイトル 1">
-            <a:extLst>
-              <a:ext uri="{FF2B5EF4-FFF2-40B4-BE49-F238E27FC236}">
-                <a16:creationId xmlns:a16="http://schemas.microsoft.com/office/drawing/2014/main" id="{CF78E3A9-46A1-DEA8-6D79-B271EC879486}"/>
-              </a:ext>
-            </a:extLst>
-          </p:cNvPr>
-          <p:cNvSpPr>
-            <a:spLocks noGrp="1"/>
-          </p:cNvSpPr>
-          <p:nvPr>
-            <p:ph type="title"/>
-          </p:nvPr>
-        </p:nvSpPr>
-        <p:spPr/>
-        <p:txBody>
-          <a:bodyPr/>
-          <a:lstStyle/>
-          <a:p>
-            <a:r>
-              <a:rPr lang="en-US" altLang="ja-JP" dirty="0"/>
-              <a:t>GitHub</a:t>
-            </a:r>
-            <a:r>
-              <a:rPr lang="ja-JP" altLang="en-US" dirty="0"/>
-              <a:t>を使ったチーム制作</a:t>
-            </a:r>
-            <a:endParaRPr kumimoji="1" lang="ja-JP" altLang="en-US" dirty="0"/>
-          </a:p>
-        </p:txBody>
-      </p:sp>
-      <p:sp>
-        <p:nvSpPr>
-          <p:cNvPr id="3" name="コンテンツ プレースホルダー 2">
-            <a:extLst>
-              <a:ext uri="{FF2B5EF4-FFF2-40B4-BE49-F238E27FC236}">
-                <a16:creationId xmlns:a16="http://schemas.microsoft.com/office/drawing/2014/main" id="{F3C52EE5-E5C1-7274-24AA-4D51C15B05D9}"/>
-              </a:ext>
-            </a:extLst>
-          </p:cNvPr>
-          <p:cNvSpPr>
-            <a:spLocks noGrp="1"/>
-          </p:cNvSpPr>
-          <p:nvPr>
-            <p:ph idx="1"/>
-          </p:nvPr>
-        </p:nvSpPr>
-        <p:spPr/>
-        <p:txBody>
-          <a:bodyPr>
-            <a:normAutofit/>
-          </a:bodyPr>
-          <a:lstStyle/>
-          <a:p>
-            <a:r>
-              <a:rPr lang="en-US" altLang="ja-JP" dirty="0"/>
-              <a:t>GitHub</a:t>
-            </a:r>
-            <a:r>
-              <a:rPr lang="ja-JP" altLang="en-US" dirty="0"/>
-              <a:t>で共同開発する手順</a:t>
-            </a:r>
-            <a:br>
-              <a:rPr lang="en-US" altLang="ja-JP" dirty="0"/>
-            </a:br>
-            <a:endParaRPr lang="en-US" altLang="ja-JP" dirty="0"/>
-          </a:p>
-          <a:p>
-            <a:pPr marL="971550" lvl="1" indent="-514350">
-              <a:buFont typeface="+mj-ea"/>
-              <a:buAutoNum type="circleNumDbPlain"/>
-            </a:pPr>
-            <a:r>
-              <a:rPr lang="ja-JP" altLang="en-US" dirty="0"/>
-              <a:t>代表者が</a:t>
-            </a:r>
-            <a:r>
-              <a:rPr lang="en-US" altLang="ja-JP" dirty="0"/>
-              <a:t>GitHub</a:t>
-            </a:r>
-            <a:r>
-              <a:rPr lang="ja-JP" altLang="en-US" dirty="0"/>
-              <a:t>上にリポジトリを作成</a:t>
-            </a:r>
-            <a:br>
-              <a:rPr lang="en-US" altLang="ja-JP" dirty="0"/>
-            </a:br>
-            <a:endParaRPr lang="en-US" altLang="ja-JP" dirty="0"/>
-          </a:p>
-          <a:p>
-            <a:pPr marL="971550" lvl="1" indent="-514350">
-              <a:buFont typeface="+mj-ea"/>
-              <a:buAutoNum type="circleNumDbPlain"/>
-            </a:pPr>
-            <a:r>
-              <a:rPr lang="ja-JP" altLang="en-US" dirty="0"/>
-              <a:t>代表者が作成したリポジトリにチームメンバーを招待</a:t>
-            </a:r>
-            <a:br>
-              <a:rPr lang="en-US" altLang="ja-JP" dirty="0"/>
-            </a:br>
-            <a:endParaRPr lang="en-US" altLang="ja-JP" dirty="0"/>
-          </a:p>
-          <a:p>
-            <a:pPr marL="971550" lvl="1" indent="-514350">
-              <a:buFont typeface="+mj-ea"/>
-              <a:buAutoNum type="circleNumDbPlain"/>
-            </a:pPr>
-            <a:r>
-              <a:rPr lang="ja-JP" altLang="en-US" dirty="0"/>
-              <a:t>チームメンバー宛にメールが届くので、招待を受ける</a:t>
-            </a:r>
-            <a:br>
-              <a:rPr lang="en-US" altLang="ja-JP" dirty="0"/>
-            </a:br>
-            <a:r>
-              <a:rPr lang="ja-JP" altLang="en-US" dirty="0"/>
-              <a:t>ボタンをクリック</a:t>
-            </a:r>
-            <a:br>
-              <a:rPr lang="en-US" altLang="ja-JP" dirty="0"/>
-            </a:br>
-            <a:endParaRPr lang="en-US" altLang="ja-JP" dirty="0"/>
-          </a:p>
-          <a:p>
-            <a:pPr marL="971550" lvl="1" indent="-514350">
-              <a:buFont typeface="+mj-ea"/>
-              <a:buAutoNum type="circleNumDbPlain"/>
-            </a:pPr>
-            <a:r>
-              <a:rPr lang="ja-JP" altLang="en-US" dirty="0"/>
-              <a:t>チームメンバーがリポジトリをクローン（複製）する</a:t>
-            </a:r>
-            <a:endParaRPr lang="en-US" altLang="ja-JP" dirty="0"/>
-          </a:p>
-        </p:txBody>
-      </p:sp>
-    </p:spTree>
-    <p:extLst>
-      <p:ext uri="{BB962C8B-B14F-4D97-AF65-F5344CB8AC3E}">
-        <p14:creationId xmlns:p14="http://schemas.microsoft.com/office/powerpoint/2010/main" val="2606264708"/>
-      </p:ext>
-    </p:extLst>
-  </p:cSld>
-  <p:clrMapOvr>
-    <a:masterClrMapping/>
-  </p:clrMapOvr>
-</p:sld>
-</file>
-
-<file path=ppt/slides/slide20.xml><?xml version="1.0" encoding="utf-8"?>
+<file path=ppt/slides/slide21.xml><?xml version="1.0" encoding="utf-8"?>
 <p:sld xmlns:a="http://schemas.openxmlformats.org/drawingml/2006/main" xmlns:r="http://schemas.openxmlformats.org/officeDocument/2006/relationships" xmlns:p="http://schemas.openxmlformats.org/presentationml/2006/main">
   <p:cSld>
     <p:spTree>
@@ -8878,6 +9711,11 @@
           <a:prstGeom prst="rect">
             <a:avLst/>
           </a:prstGeom>
+          <a:ln>
+            <a:solidFill>
+              <a:schemeClr val="tx1"/>
+            </a:solidFill>
+          </a:ln>
         </p:spPr>
       </p:pic>
       <p:sp>
@@ -8945,7 +9783,7 @@
 </p:sld>
 </file>
 
-<file path=ppt/slides/slide21.xml><?xml version="1.0" encoding="utf-8"?>
+<file path=ppt/slides/slide22.xml><?xml version="1.0" encoding="utf-8"?>
 <p:sld xmlns:a="http://schemas.openxmlformats.org/drawingml/2006/main" xmlns:r="http://schemas.openxmlformats.org/officeDocument/2006/relationships" xmlns:p="http://schemas.openxmlformats.org/presentationml/2006/main">
   <p:cSld>
     <p:spTree>
@@ -9199,7 +10037,7 @@
             </a:r>
             <a:r>
               <a:rPr lang="ja-JP" altLang="en-US" dirty="0"/>
-              <a:t>をクリック、</a:t>
+              <a:t>タブをクリック、</a:t>
             </a:r>
             <a:r>
               <a:rPr lang="en-US" altLang="ja-JP" dirty="0"/>
@@ -9231,7 +10069,7 @@
             </a:r>
             <a:r>
               <a:rPr lang="ja-JP" altLang="en-US" dirty="0"/>
-              <a:t>リポジトリ名にする</a:t>
+              <a:t>リポジトリ名になる</a:t>
             </a:r>
             <a:endParaRPr lang="en-US" altLang="ja-JP" dirty="0"/>
           </a:p>
@@ -9590,7 +10428,7 @@
         <p:spPr>
           <a:xfrm>
             <a:off x="756255" y="3938424"/>
-            <a:ext cx="3938899" cy="954107"/>
+            <a:ext cx="2893741" cy="954107"/>
           </a:xfrm>
           <a:prstGeom prst="rect">
             <a:avLst/>
@@ -9605,7 +10443,7 @@
           <a:p>
             <a:r>
               <a:rPr kumimoji="1" lang="ja-JP" altLang="en-US" sz="2800" dirty="0"/>
-              <a:t>先ほどコピーした</a:t>
+              <a:t>コピーした</a:t>
             </a:r>
             <a:r>
               <a:rPr kumimoji="1" lang="en-US" altLang="ja-JP" sz="2800" dirty="0"/>
@@ -9684,7 +10522,7 @@
 </p:sld>
 </file>
 
-<file path=ppt/slides/slide22.xml><?xml version="1.0" encoding="utf-8"?>
+<file path=ppt/slides/slide23.xml><?xml version="1.0" encoding="utf-8"?>
 <p:sld xmlns:a="http://schemas.openxmlformats.org/drawingml/2006/main" xmlns:r="http://schemas.openxmlformats.org/officeDocument/2006/relationships" xmlns:p="http://schemas.openxmlformats.org/presentationml/2006/main">
   <p:cSld>
     <p:spTree>
@@ -10100,7 +10938,7 @@
 </p:sld>
 </file>
 
-<file path=ppt/slides/slide23.xml><?xml version="1.0" encoding="utf-8"?>
+<file path=ppt/slides/slide24.xml><?xml version="1.0" encoding="utf-8"?>
 <p:sld xmlns:a="http://schemas.openxmlformats.org/drawingml/2006/main" xmlns:r="http://schemas.openxmlformats.org/officeDocument/2006/relationships" xmlns:p="http://schemas.openxmlformats.org/presentationml/2006/main">
   <p:cSld>
     <p:spTree>
@@ -10481,7 +11319,7 @@
 </p:sld>
 </file>
 
-<file path=ppt/slides/slide24.xml><?xml version="1.0" encoding="utf-8"?>
+<file path=ppt/slides/slide25.xml><?xml version="1.0" encoding="utf-8"?>
 <p:sld xmlns:a="http://schemas.openxmlformats.org/drawingml/2006/main" xmlns:r="http://schemas.openxmlformats.org/officeDocument/2006/relationships" xmlns:p="http://schemas.openxmlformats.org/presentationml/2006/main">
   <p:cSld>
     <p:spTree>
@@ -10862,7 +11700,7 @@
 </p:sld>
 </file>
 
-<file path=ppt/slides/slide25.xml><?xml version="1.0" encoding="utf-8"?>
+<file path=ppt/slides/slide26.xml><?xml version="1.0" encoding="utf-8"?>
 <p:sld xmlns:a="http://schemas.openxmlformats.org/drawingml/2006/main" xmlns:r="http://schemas.openxmlformats.org/officeDocument/2006/relationships" xmlns:p="http://schemas.openxmlformats.org/presentationml/2006/main">
   <p:cSld>
     <p:spTree>
@@ -11299,7 +12137,7 @@
 </p:sld>
 </file>
 
-<file path=ppt/slides/slide26.xml><?xml version="1.0" encoding="utf-8"?>
+<file path=ppt/slides/slide27.xml><?xml version="1.0" encoding="utf-8"?>
 <p:sld xmlns:a="http://schemas.openxmlformats.org/drawingml/2006/main" xmlns:r="http://schemas.openxmlformats.org/officeDocument/2006/relationships" xmlns:p="http://schemas.openxmlformats.org/presentationml/2006/main">
   <p:cSld>
     <p:spTree>
@@ -11707,7 +12545,7 @@
 </p:sld>
 </file>
 
-<file path=ppt/slides/slide27.xml><?xml version="1.0" encoding="utf-8"?>
+<file path=ppt/slides/slide28.xml><?xml version="1.0" encoding="utf-8"?>
 <p:sld xmlns:a="http://schemas.openxmlformats.org/drawingml/2006/main" xmlns:r="http://schemas.openxmlformats.org/officeDocument/2006/relationships" xmlns:p="http://schemas.openxmlformats.org/presentationml/2006/main">
   <p:cSld>
     <p:spTree>
@@ -12198,7 +13036,7 @@
 </p:sld>
 </file>
 
-<file path=ppt/slides/slide28.xml><?xml version="1.0" encoding="utf-8"?>
+<file path=ppt/slides/slide29.xml><?xml version="1.0" encoding="utf-8"?>
 <p:sld xmlns:a="http://schemas.openxmlformats.org/drawingml/2006/main" xmlns:r="http://schemas.openxmlformats.org/officeDocument/2006/relationships" xmlns:p="http://schemas.openxmlformats.org/presentationml/2006/main">
   <p:cSld>
     <p:spTree>
@@ -12847,380 +13685,6 @@
 </p:sld>
 </file>
 
-<file path=ppt/slides/slide29.xml><?xml version="1.0" encoding="utf-8"?>
-<p:sld xmlns:a="http://schemas.openxmlformats.org/drawingml/2006/main" xmlns:r="http://schemas.openxmlformats.org/officeDocument/2006/relationships" xmlns:p="http://schemas.openxmlformats.org/presentationml/2006/main">
-  <p:cSld>
-    <p:spTree>
-      <p:nvGrpSpPr>
-        <p:cNvPr id="1" name="">
-          <a:extLst>
-            <a:ext uri="{FF2B5EF4-FFF2-40B4-BE49-F238E27FC236}">
-              <a16:creationId xmlns:a16="http://schemas.microsoft.com/office/drawing/2014/main" id="{EFBEA9F0-9AC5-1ABC-8C92-E16255E0589E}"/>
-            </a:ext>
-          </a:extLst>
-        </p:cNvPr>
-        <p:cNvGrpSpPr/>
-        <p:nvPr/>
-      </p:nvGrpSpPr>
-      <p:grpSpPr>
-        <a:xfrm>
-          <a:off x="0" y="0"/>
-          <a:ext cx="0" cy="0"/>
-          <a:chOff x="0" y="0"/>
-          <a:chExt cx="0" cy="0"/>
-        </a:xfrm>
-      </p:grpSpPr>
-      <p:sp>
-        <p:nvSpPr>
-          <p:cNvPr id="2" name="タイトル 1">
-            <a:extLst>
-              <a:ext uri="{FF2B5EF4-FFF2-40B4-BE49-F238E27FC236}">
-                <a16:creationId xmlns:a16="http://schemas.microsoft.com/office/drawing/2014/main" id="{AB8EB225-ACDA-5EFA-6F0E-D8928CBE3A8D}"/>
-              </a:ext>
-            </a:extLst>
-          </p:cNvPr>
-          <p:cNvSpPr>
-            <a:spLocks noGrp="1"/>
-          </p:cNvSpPr>
-          <p:nvPr>
-            <p:ph type="title"/>
-          </p:nvPr>
-        </p:nvSpPr>
-        <p:spPr/>
-        <p:txBody>
-          <a:bodyPr/>
-          <a:lstStyle/>
-          <a:p>
-            <a:r>
-              <a:rPr lang="en-US" altLang="ja-JP" dirty="0"/>
-              <a:t>GitHub</a:t>
-            </a:r>
-            <a:r>
-              <a:rPr lang="ja-JP" altLang="en-US" dirty="0"/>
-              <a:t>を使ったチーム制作</a:t>
-            </a:r>
-            <a:endParaRPr kumimoji="1" lang="ja-JP" altLang="en-US" dirty="0"/>
-          </a:p>
-        </p:txBody>
-      </p:sp>
-      <p:sp>
-        <p:nvSpPr>
-          <p:cNvPr id="9" name="コンテンツ プレースホルダー 2">
-            <a:extLst>
-              <a:ext uri="{FF2B5EF4-FFF2-40B4-BE49-F238E27FC236}">
-                <a16:creationId xmlns:a16="http://schemas.microsoft.com/office/drawing/2014/main" id="{3E61EB0E-A30F-C1EE-CB09-86B294D43B1F}"/>
-              </a:ext>
-            </a:extLst>
-          </p:cNvPr>
-          <p:cNvSpPr txBox="1">
-            <a:spLocks/>
-          </p:cNvSpPr>
-          <p:nvPr/>
-        </p:nvSpPr>
-        <p:spPr>
-          <a:xfrm>
-            <a:off x="838200" y="1376038"/>
-            <a:ext cx="10515600" cy="4980311"/>
-          </a:xfrm>
-          <a:prstGeom prst="rect">
-            <a:avLst/>
-          </a:prstGeom>
-        </p:spPr>
-        <p:txBody>
-          <a:bodyPr vert="horz" lIns="91440" tIns="45720" rIns="91440" bIns="45720" rtlCol="0">
-            <a:normAutofit/>
-          </a:bodyPr>
-          <a:lstStyle>
-            <a:lvl1pPr marL="228600" indent="-228600" algn="l" defTabSz="914400" rtl="0" eaLnBrk="1" latinLnBrk="0" hangingPunct="1">
-              <a:lnSpc>
-                <a:spcPct val="90000"/>
-              </a:lnSpc>
-              <a:spcBef>
-                <a:spcPts val="1000"/>
-              </a:spcBef>
-              <a:buFont typeface="Arial" panose="020B0604020202020204" pitchFamily="34" charset="0"/>
-              <a:buChar char="•"/>
-              <a:defRPr kumimoji="1" sz="3600" kern="1200">
-                <a:solidFill>
-                  <a:schemeClr val="tx1"/>
-                </a:solidFill>
-                <a:latin typeface="+mn-lt"/>
-                <a:ea typeface="+mn-ea"/>
-                <a:cs typeface="+mn-cs"/>
-              </a:defRPr>
-            </a:lvl1pPr>
-            <a:lvl2pPr marL="685800" indent="-228600" algn="l" defTabSz="914400" rtl="0" eaLnBrk="1" latinLnBrk="0" hangingPunct="1">
-              <a:lnSpc>
-                <a:spcPct val="90000"/>
-              </a:lnSpc>
-              <a:spcBef>
-                <a:spcPts val="500"/>
-              </a:spcBef>
-              <a:buFont typeface="Arial" panose="020B0604020202020204" pitchFamily="34" charset="0"/>
-              <a:buChar char="•"/>
-              <a:defRPr kumimoji="1" sz="3200" kern="1200">
-                <a:solidFill>
-                  <a:schemeClr val="tx1"/>
-                </a:solidFill>
-                <a:latin typeface="+mn-lt"/>
-                <a:ea typeface="+mn-ea"/>
-                <a:cs typeface="+mn-cs"/>
-              </a:defRPr>
-            </a:lvl2pPr>
-            <a:lvl3pPr marL="1143000" indent="-228600" algn="l" defTabSz="914400" rtl="0" eaLnBrk="1" latinLnBrk="0" hangingPunct="1">
-              <a:lnSpc>
-                <a:spcPct val="90000"/>
-              </a:lnSpc>
-              <a:spcBef>
-                <a:spcPts val="500"/>
-              </a:spcBef>
-              <a:buFont typeface="Arial" panose="020B0604020202020204" pitchFamily="34" charset="0"/>
-              <a:buChar char="•"/>
-              <a:defRPr kumimoji="1" sz="2800" kern="1200">
-                <a:solidFill>
-                  <a:schemeClr val="tx1"/>
-                </a:solidFill>
-                <a:latin typeface="+mn-lt"/>
-                <a:ea typeface="+mn-ea"/>
-                <a:cs typeface="+mn-cs"/>
-              </a:defRPr>
-            </a:lvl3pPr>
-            <a:lvl4pPr marL="1600200" indent="-228600" algn="l" defTabSz="914400" rtl="0" eaLnBrk="1" latinLnBrk="0" hangingPunct="1">
-              <a:lnSpc>
-                <a:spcPct val="90000"/>
-              </a:lnSpc>
-              <a:spcBef>
-                <a:spcPts val="500"/>
-              </a:spcBef>
-              <a:buFont typeface="Arial" panose="020B0604020202020204" pitchFamily="34" charset="0"/>
-              <a:buChar char="•"/>
-              <a:defRPr kumimoji="1" sz="2400" kern="1200">
-                <a:solidFill>
-                  <a:schemeClr val="tx1"/>
-                </a:solidFill>
-                <a:latin typeface="+mn-lt"/>
-                <a:ea typeface="+mn-ea"/>
-                <a:cs typeface="+mn-cs"/>
-              </a:defRPr>
-            </a:lvl4pPr>
-            <a:lvl5pPr marL="2057400" indent="-228600" algn="l" defTabSz="914400" rtl="0" eaLnBrk="1" latinLnBrk="0" hangingPunct="1">
-              <a:lnSpc>
-                <a:spcPct val="90000"/>
-              </a:lnSpc>
-              <a:spcBef>
-                <a:spcPts val="500"/>
-              </a:spcBef>
-              <a:buFont typeface="Arial" panose="020B0604020202020204" pitchFamily="34" charset="0"/>
-              <a:buChar char="•"/>
-              <a:defRPr kumimoji="1" sz="2400" kern="1200">
-                <a:solidFill>
-                  <a:schemeClr val="tx1"/>
-                </a:solidFill>
-                <a:latin typeface="+mn-lt"/>
-                <a:ea typeface="+mn-ea"/>
-                <a:cs typeface="+mn-cs"/>
-              </a:defRPr>
-            </a:lvl5pPr>
-            <a:lvl6pPr marL="2514600" indent="-228600" algn="l" defTabSz="914400" rtl="0" eaLnBrk="1" latinLnBrk="0" hangingPunct="1">
-              <a:lnSpc>
-                <a:spcPct val="90000"/>
-              </a:lnSpc>
-              <a:spcBef>
-                <a:spcPts val="500"/>
-              </a:spcBef>
-              <a:buFont typeface="Arial" panose="020B0604020202020204" pitchFamily="34" charset="0"/>
-              <a:buChar char="•"/>
-              <a:defRPr kumimoji="1" sz="1800" kern="1200">
-                <a:solidFill>
-                  <a:schemeClr val="tx1"/>
-                </a:solidFill>
-                <a:latin typeface="+mn-lt"/>
-                <a:ea typeface="+mn-ea"/>
-                <a:cs typeface="+mn-cs"/>
-              </a:defRPr>
-            </a:lvl6pPr>
-            <a:lvl7pPr marL="2971800" indent="-228600" algn="l" defTabSz="914400" rtl="0" eaLnBrk="1" latinLnBrk="0" hangingPunct="1">
-              <a:lnSpc>
-                <a:spcPct val="90000"/>
-              </a:lnSpc>
-              <a:spcBef>
-                <a:spcPts val="500"/>
-              </a:spcBef>
-              <a:buFont typeface="Arial" panose="020B0604020202020204" pitchFamily="34" charset="0"/>
-              <a:buChar char="•"/>
-              <a:defRPr kumimoji="1" sz="1800" kern="1200">
-                <a:solidFill>
-                  <a:schemeClr val="tx1"/>
-                </a:solidFill>
-                <a:latin typeface="+mn-lt"/>
-                <a:ea typeface="+mn-ea"/>
-                <a:cs typeface="+mn-cs"/>
-              </a:defRPr>
-            </a:lvl7pPr>
-            <a:lvl8pPr marL="3429000" indent="-228600" algn="l" defTabSz="914400" rtl="0" eaLnBrk="1" latinLnBrk="0" hangingPunct="1">
-              <a:lnSpc>
-                <a:spcPct val="90000"/>
-              </a:lnSpc>
-              <a:spcBef>
-                <a:spcPts val="500"/>
-              </a:spcBef>
-              <a:buFont typeface="Arial" panose="020B0604020202020204" pitchFamily="34" charset="0"/>
-              <a:buChar char="•"/>
-              <a:defRPr kumimoji="1" sz="1800" kern="1200">
-                <a:solidFill>
-                  <a:schemeClr val="tx1"/>
-                </a:solidFill>
-                <a:latin typeface="+mn-lt"/>
-                <a:ea typeface="+mn-ea"/>
-                <a:cs typeface="+mn-cs"/>
-              </a:defRPr>
-            </a:lvl8pPr>
-            <a:lvl9pPr marL="3886200" indent="-228600" algn="l" defTabSz="914400" rtl="0" eaLnBrk="1" latinLnBrk="0" hangingPunct="1">
-              <a:lnSpc>
-                <a:spcPct val="90000"/>
-              </a:lnSpc>
-              <a:spcBef>
-                <a:spcPts val="500"/>
-              </a:spcBef>
-              <a:buFont typeface="Arial" panose="020B0604020202020204" pitchFamily="34" charset="0"/>
-              <a:buChar char="•"/>
-              <a:defRPr kumimoji="1" sz="1800" kern="1200">
-                <a:solidFill>
-                  <a:schemeClr val="tx1"/>
-                </a:solidFill>
-                <a:latin typeface="+mn-lt"/>
-                <a:ea typeface="+mn-ea"/>
-                <a:cs typeface="+mn-cs"/>
-              </a:defRPr>
-            </a:lvl9pPr>
-          </a:lstStyle>
-          <a:p>
-            <a:r>
-              <a:rPr lang="ja-JP" altLang="en-US" b="1" dirty="0">
-                <a:solidFill>
-                  <a:srgbClr val="FF0000"/>
-                </a:solidFill>
-              </a:rPr>
-              <a:t>チーム制作を行う上で大切なこと</a:t>
-            </a:r>
-            <a:br>
-              <a:rPr lang="en-US" altLang="ja-JP" dirty="0"/>
-            </a:br>
-            <a:br>
-              <a:rPr lang="en-US" altLang="ja-JP" dirty="0"/>
-            </a:br>
-            <a:r>
-              <a:rPr lang="ja-JP" altLang="en-US" dirty="0"/>
-              <a:t>誰かが</a:t>
-            </a:r>
-            <a:r>
-              <a:rPr lang="ja-JP" altLang="en-US" dirty="0">
-                <a:solidFill>
-                  <a:srgbClr val="00B050"/>
-                </a:solidFill>
-              </a:rPr>
-              <a:t>リモート</a:t>
-            </a:r>
-            <a:r>
-              <a:rPr lang="ja-JP" altLang="en-US" dirty="0"/>
-              <a:t>リポジトリを勝手に更新して、</a:t>
-            </a:r>
-            <a:br>
-              <a:rPr lang="en-US" altLang="ja-JP" dirty="0"/>
-            </a:br>
-            <a:r>
-              <a:rPr lang="ja-JP" altLang="en-US" dirty="0"/>
-              <a:t>バグのあるプログラムに更新してしまった場合、</a:t>
-            </a:r>
-            <a:br>
-              <a:rPr lang="en-US" altLang="ja-JP" dirty="0"/>
-            </a:br>
-            <a:r>
-              <a:rPr lang="ja-JP" altLang="en-US" dirty="0"/>
-              <a:t>それを</a:t>
-            </a:r>
-            <a:r>
-              <a:rPr lang="ja-JP" altLang="en-US" dirty="0">
-                <a:solidFill>
-                  <a:srgbClr val="0070C0"/>
-                </a:solidFill>
-              </a:rPr>
-              <a:t>ローカル</a:t>
-            </a:r>
-            <a:r>
-              <a:rPr lang="ja-JP" altLang="en-US" dirty="0"/>
-              <a:t>へ</a:t>
-            </a:r>
-            <a:r>
-              <a:rPr lang="en-US" altLang="ja-JP" dirty="0"/>
-              <a:t>Pull</a:t>
-            </a:r>
-            <a:r>
-              <a:rPr lang="ja-JP" altLang="en-US" dirty="0"/>
-              <a:t>すると、</a:t>
-            </a:r>
-            <a:r>
-              <a:rPr lang="ja-JP" altLang="en-US" b="1" dirty="0">
-                <a:solidFill>
-                  <a:srgbClr val="FF0000"/>
-                </a:solidFill>
-              </a:rPr>
-              <a:t>バグ</a:t>
-            </a:r>
-            <a:r>
-              <a:rPr lang="ja-JP" altLang="en-US" dirty="0"/>
-              <a:t>が混入した</a:t>
-            </a:r>
-            <a:br>
-              <a:rPr lang="en-US" altLang="ja-JP" dirty="0"/>
-            </a:br>
-            <a:r>
-              <a:rPr lang="ja-JP" altLang="en-US" dirty="0"/>
-              <a:t>プログラムが</a:t>
-            </a:r>
-            <a:r>
-              <a:rPr lang="ja-JP" altLang="en-US" b="1" dirty="0">
-                <a:solidFill>
-                  <a:srgbClr val="FF0000"/>
-                </a:solidFill>
-              </a:rPr>
-              <a:t>同期</a:t>
-            </a:r>
-            <a:r>
-              <a:rPr lang="ja-JP" altLang="en-US" dirty="0"/>
-              <a:t>されてしまう</a:t>
-            </a:r>
-            <a:r>
-              <a:rPr lang="en-US" altLang="ja-JP" dirty="0"/>
-              <a:t>…</a:t>
-            </a:r>
-            <a:br>
-              <a:rPr lang="en-US" altLang="ja-JP" dirty="0"/>
-            </a:br>
-            <a:br>
-              <a:rPr lang="en-US" altLang="ja-JP" dirty="0"/>
-            </a:br>
-            <a:r>
-              <a:rPr lang="ja-JP" altLang="en-US" dirty="0"/>
-              <a:t>そういったことが起こらないようにする必要がある</a:t>
-            </a:r>
-            <a:endParaRPr lang="en-US" altLang="ja-JP" dirty="0"/>
-          </a:p>
-        </p:txBody>
-      </p:sp>
-    </p:spTree>
-    <p:extLst>
-      <p:ext uri="{BB962C8B-B14F-4D97-AF65-F5344CB8AC3E}">
-        <p14:creationId xmlns:p14="http://schemas.microsoft.com/office/powerpoint/2010/main" val="4190453528"/>
-      </p:ext>
-    </p:extLst>
-  </p:cSld>
-  <p:clrMapOvr>
-    <a:masterClrMapping/>
-  </p:clrMapOvr>
-</p:sld>
-</file>
-
 <file path=ppt/slides/slide3.xml><?xml version="1.0" encoding="utf-8"?>
 <p:sld xmlns:a="http://schemas.openxmlformats.org/drawingml/2006/main" xmlns:r="http://schemas.openxmlformats.org/officeDocument/2006/relationships" xmlns:p="http://schemas.openxmlformats.org/presentationml/2006/main">
   <p:cSld>
@@ -13456,7 +13920,7 @@
         <p:cNvPr id="1" name="">
           <a:extLst>
             <a:ext uri="{FF2B5EF4-FFF2-40B4-BE49-F238E27FC236}">
-              <a16:creationId xmlns:a16="http://schemas.microsoft.com/office/drawing/2014/main" id="{567AFAFA-8DCA-EBA0-9EE4-075CB74CB86C}"/>
+              <a16:creationId xmlns:a16="http://schemas.microsoft.com/office/drawing/2014/main" id="{EFBEA9F0-9AC5-1ABC-8C92-E16255E0589E}"/>
             </a:ext>
           </a:extLst>
         </p:cNvPr>
@@ -13476,7 +13940,7 @@
           <p:cNvPr id="2" name="タイトル 1">
             <a:extLst>
               <a:ext uri="{FF2B5EF4-FFF2-40B4-BE49-F238E27FC236}">
-                <a16:creationId xmlns:a16="http://schemas.microsoft.com/office/drawing/2014/main" id="{8BAC5C65-7BBA-70C0-29B9-40A67866587A}"/>
+                <a16:creationId xmlns:a16="http://schemas.microsoft.com/office/drawing/2014/main" id="{AB8EB225-ACDA-5EFA-6F0E-D8928CBE3A8D}"/>
               </a:ext>
             </a:extLst>
           </p:cNvPr>
@@ -13509,7 +13973,7 @@
           <p:cNvPr id="9" name="コンテンツ プレースホルダー 2">
             <a:extLst>
               <a:ext uri="{FF2B5EF4-FFF2-40B4-BE49-F238E27FC236}">
-                <a16:creationId xmlns:a16="http://schemas.microsoft.com/office/drawing/2014/main" id="{597F01D7-1F96-B574-C4BF-A9EE1AF31A52}"/>
+                <a16:creationId xmlns:a16="http://schemas.microsoft.com/office/drawing/2014/main" id="{3E61EB0E-A30F-C1EE-CB09-86B294D43B1F}"/>
               </a:ext>
             </a:extLst>
           </p:cNvPr>
@@ -13702,6 +14166,380 @@
                   <a:srgbClr val="FF0000"/>
                 </a:solidFill>
               </a:rPr>
+              <a:t>チーム制作を行う上で大切なこと</a:t>
+            </a:r>
+            <a:br>
+              <a:rPr lang="en-US" altLang="ja-JP" dirty="0"/>
+            </a:br>
+            <a:br>
+              <a:rPr lang="en-US" altLang="ja-JP" dirty="0"/>
+            </a:br>
+            <a:r>
+              <a:rPr lang="ja-JP" altLang="en-US" dirty="0"/>
+              <a:t>誰かが</a:t>
+            </a:r>
+            <a:r>
+              <a:rPr lang="ja-JP" altLang="en-US" dirty="0">
+                <a:solidFill>
+                  <a:srgbClr val="00B050"/>
+                </a:solidFill>
+              </a:rPr>
+              <a:t>リモート</a:t>
+            </a:r>
+            <a:r>
+              <a:rPr lang="ja-JP" altLang="en-US" dirty="0"/>
+              <a:t>リポジトリを勝手に更新して、</a:t>
+            </a:r>
+            <a:br>
+              <a:rPr lang="en-US" altLang="ja-JP" dirty="0"/>
+            </a:br>
+            <a:r>
+              <a:rPr lang="ja-JP" altLang="en-US" dirty="0"/>
+              <a:t>バグのあるプログラムに更新してしまった場合、</a:t>
+            </a:r>
+            <a:br>
+              <a:rPr lang="en-US" altLang="ja-JP" dirty="0"/>
+            </a:br>
+            <a:r>
+              <a:rPr lang="ja-JP" altLang="en-US" dirty="0"/>
+              <a:t>それを</a:t>
+            </a:r>
+            <a:r>
+              <a:rPr lang="ja-JP" altLang="en-US" dirty="0">
+                <a:solidFill>
+                  <a:srgbClr val="0070C0"/>
+                </a:solidFill>
+              </a:rPr>
+              <a:t>ローカル</a:t>
+            </a:r>
+            <a:r>
+              <a:rPr lang="ja-JP" altLang="en-US" dirty="0"/>
+              <a:t>へ</a:t>
+            </a:r>
+            <a:r>
+              <a:rPr lang="en-US" altLang="ja-JP" dirty="0"/>
+              <a:t>Pull</a:t>
+            </a:r>
+            <a:r>
+              <a:rPr lang="ja-JP" altLang="en-US" dirty="0"/>
+              <a:t>すると、</a:t>
+            </a:r>
+            <a:r>
+              <a:rPr lang="ja-JP" altLang="en-US" b="1" dirty="0">
+                <a:solidFill>
+                  <a:srgbClr val="FF0000"/>
+                </a:solidFill>
+              </a:rPr>
+              <a:t>バグ</a:t>
+            </a:r>
+            <a:r>
+              <a:rPr lang="ja-JP" altLang="en-US" dirty="0"/>
+              <a:t>が混入した</a:t>
+            </a:r>
+            <a:br>
+              <a:rPr lang="en-US" altLang="ja-JP" dirty="0"/>
+            </a:br>
+            <a:r>
+              <a:rPr lang="ja-JP" altLang="en-US" dirty="0"/>
+              <a:t>プログラムが</a:t>
+            </a:r>
+            <a:r>
+              <a:rPr lang="ja-JP" altLang="en-US" b="1" dirty="0">
+                <a:solidFill>
+                  <a:srgbClr val="FF0000"/>
+                </a:solidFill>
+              </a:rPr>
+              <a:t>同期</a:t>
+            </a:r>
+            <a:r>
+              <a:rPr lang="ja-JP" altLang="en-US" dirty="0"/>
+              <a:t>されてしまう</a:t>
+            </a:r>
+            <a:r>
+              <a:rPr lang="en-US" altLang="ja-JP" dirty="0"/>
+              <a:t>…</a:t>
+            </a:r>
+            <a:br>
+              <a:rPr lang="en-US" altLang="ja-JP" dirty="0"/>
+            </a:br>
+            <a:br>
+              <a:rPr lang="en-US" altLang="ja-JP" dirty="0"/>
+            </a:br>
+            <a:r>
+              <a:rPr lang="ja-JP" altLang="en-US" dirty="0"/>
+              <a:t>そういったことが起こらないようにする必要がある</a:t>
+            </a:r>
+            <a:endParaRPr lang="en-US" altLang="ja-JP" dirty="0"/>
+          </a:p>
+        </p:txBody>
+      </p:sp>
+    </p:spTree>
+    <p:extLst>
+      <p:ext uri="{BB962C8B-B14F-4D97-AF65-F5344CB8AC3E}">
+        <p14:creationId xmlns:p14="http://schemas.microsoft.com/office/powerpoint/2010/main" val="4190453528"/>
+      </p:ext>
+    </p:extLst>
+  </p:cSld>
+  <p:clrMapOvr>
+    <a:masterClrMapping/>
+  </p:clrMapOvr>
+</p:sld>
+</file>
+
+<file path=ppt/slides/slide31.xml><?xml version="1.0" encoding="utf-8"?>
+<p:sld xmlns:a="http://schemas.openxmlformats.org/drawingml/2006/main" xmlns:r="http://schemas.openxmlformats.org/officeDocument/2006/relationships" xmlns:p="http://schemas.openxmlformats.org/presentationml/2006/main">
+  <p:cSld>
+    <p:spTree>
+      <p:nvGrpSpPr>
+        <p:cNvPr id="1" name="">
+          <a:extLst>
+            <a:ext uri="{FF2B5EF4-FFF2-40B4-BE49-F238E27FC236}">
+              <a16:creationId xmlns:a16="http://schemas.microsoft.com/office/drawing/2014/main" id="{567AFAFA-8DCA-EBA0-9EE4-075CB74CB86C}"/>
+            </a:ext>
+          </a:extLst>
+        </p:cNvPr>
+        <p:cNvGrpSpPr/>
+        <p:nvPr/>
+      </p:nvGrpSpPr>
+      <p:grpSpPr>
+        <a:xfrm>
+          <a:off x="0" y="0"/>
+          <a:ext cx="0" cy="0"/>
+          <a:chOff x="0" y="0"/>
+          <a:chExt cx="0" cy="0"/>
+        </a:xfrm>
+      </p:grpSpPr>
+      <p:sp>
+        <p:nvSpPr>
+          <p:cNvPr id="2" name="タイトル 1">
+            <a:extLst>
+              <a:ext uri="{FF2B5EF4-FFF2-40B4-BE49-F238E27FC236}">
+                <a16:creationId xmlns:a16="http://schemas.microsoft.com/office/drawing/2014/main" id="{8BAC5C65-7BBA-70C0-29B9-40A67866587A}"/>
+              </a:ext>
+            </a:extLst>
+          </p:cNvPr>
+          <p:cNvSpPr>
+            <a:spLocks noGrp="1"/>
+          </p:cNvSpPr>
+          <p:nvPr>
+            <p:ph type="title"/>
+          </p:nvPr>
+        </p:nvSpPr>
+        <p:spPr/>
+        <p:txBody>
+          <a:bodyPr/>
+          <a:lstStyle/>
+          <a:p>
+            <a:r>
+              <a:rPr lang="en-US" altLang="ja-JP" dirty="0"/>
+              <a:t>GitHub</a:t>
+            </a:r>
+            <a:r>
+              <a:rPr lang="ja-JP" altLang="en-US" dirty="0"/>
+              <a:t>を使ったチーム制作</a:t>
+            </a:r>
+            <a:endParaRPr kumimoji="1" lang="ja-JP" altLang="en-US" dirty="0"/>
+          </a:p>
+        </p:txBody>
+      </p:sp>
+      <p:sp>
+        <p:nvSpPr>
+          <p:cNvPr id="9" name="コンテンツ プレースホルダー 2">
+            <a:extLst>
+              <a:ext uri="{FF2B5EF4-FFF2-40B4-BE49-F238E27FC236}">
+                <a16:creationId xmlns:a16="http://schemas.microsoft.com/office/drawing/2014/main" id="{597F01D7-1F96-B574-C4BF-A9EE1AF31A52}"/>
+              </a:ext>
+            </a:extLst>
+          </p:cNvPr>
+          <p:cNvSpPr txBox="1">
+            <a:spLocks/>
+          </p:cNvSpPr>
+          <p:nvPr/>
+        </p:nvSpPr>
+        <p:spPr>
+          <a:xfrm>
+            <a:off x="838200" y="1376038"/>
+            <a:ext cx="10515600" cy="4980311"/>
+          </a:xfrm>
+          <a:prstGeom prst="rect">
+            <a:avLst/>
+          </a:prstGeom>
+        </p:spPr>
+        <p:txBody>
+          <a:bodyPr vert="horz" lIns="91440" tIns="45720" rIns="91440" bIns="45720" rtlCol="0">
+            <a:normAutofit/>
+          </a:bodyPr>
+          <a:lstStyle>
+            <a:lvl1pPr marL="228600" indent="-228600" algn="l" defTabSz="914400" rtl="0" eaLnBrk="1" latinLnBrk="0" hangingPunct="1">
+              <a:lnSpc>
+                <a:spcPct val="90000"/>
+              </a:lnSpc>
+              <a:spcBef>
+                <a:spcPts val="1000"/>
+              </a:spcBef>
+              <a:buFont typeface="Arial" panose="020B0604020202020204" pitchFamily="34" charset="0"/>
+              <a:buChar char="•"/>
+              <a:defRPr kumimoji="1" sz="3600" kern="1200">
+                <a:solidFill>
+                  <a:schemeClr val="tx1"/>
+                </a:solidFill>
+                <a:latin typeface="+mn-lt"/>
+                <a:ea typeface="+mn-ea"/>
+                <a:cs typeface="+mn-cs"/>
+              </a:defRPr>
+            </a:lvl1pPr>
+            <a:lvl2pPr marL="685800" indent="-228600" algn="l" defTabSz="914400" rtl="0" eaLnBrk="1" latinLnBrk="0" hangingPunct="1">
+              <a:lnSpc>
+                <a:spcPct val="90000"/>
+              </a:lnSpc>
+              <a:spcBef>
+                <a:spcPts val="500"/>
+              </a:spcBef>
+              <a:buFont typeface="Arial" panose="020B0604020202020204" pitchFamily="34" charset="0"/>
+              <a:buChar char="•"/>
+              <a:defRPr kumimoji="1" sz="3200" kern="1200">
+                <a:solidFill>
+                  <a:schemeClr val="tx1"/>
+                </a:solidFill>
+                <a:latin typeface="+mn-lt"/>
+                <a:ea typeface="+mn-ea"/>
+                <a:cs typeface="+mn-cs"/>
+              </a:defRPr>
+            </a:lvl2pPr>
+            <a:lvl3pPr marL="1143000" indent="-228600" algn="l" defTabSz="914400" rtl="0" eaLnBrk="1" latinLnBrk="0" hangingPunct="1">
+              <a:lnSpc>
+                <a:spcPct val="90000"/>
+              </a:lnSpc>
+              <a:spcBef>
+                <a:spcPts val="500"/>
+              </a:spcBef>
+              <a:buFont typeface="Arial" panose="020B0604020202020204" pitchFamily="34" charset="0"/>
+              <a:buChar char="•"/>
+              <a:defRPr kumimoji="1" sz="2800" kern="1200">
+                <a:solidFill>
+                  <a:schemeClr val="tx1"/>
+                </a:solidFill>
+                <a:latin typeface="+mn-lt"/>
+                <a:ea typeface="+mn-ea"/>
+                <a:cs typeface="+mn-cs"/>
+              </a:defRPr>
+            </a:lvl3pPr>
+            <a:lvl4pPr marL="1600200" indent="-228600" algn="l" defTabSz="914400" rtl="0" eaLnBrk="1" latinLnBrk="0" hangingPunct="1">
+              <a:lnSpc>
+                <a:spcPct val="90000"/>
+              </a:lnSpc>
+              <a:spcBef>
+                <a:spcPts val="500"/>
+              </a:spcBef>
+              <a:buFont typeface="Arial" panose="020B0604020202020204" pitchFamily="34" charset="0"/>
+              <a:buChar char="•"/>
+              <a:defRPr kumimoji="1" sz="2400" kern="1200">
+                <a:solidFill>
+                  <a:schemeClr val="tx1"/>
+                </a:solidFill>
+                <a:latin typeface="+mn-lt"/>
+                <a:ea typeface="+mn-ea"/>
+                <a:cs typeface="+mn-cs"/>
+              </a:defRPr>
+            </a:lvl4pPr>
+            <a:lvl5pPr marL="2057400" indent="-228600" algn="l" defTabSz="914400" rtl="0" eaLnBrk="1" latinLnBrk="0" hangingPunct="1">
+              <a:lnSpc>
+                <a:spcPct val="90000"/>
+              </a:lnSpc>
+              <a:spcBef>
+                <a:spcPts val="500"/>
+              </a:spcBef>
+              <a:buFont typeface="Arial" panose="020B0604020202020204" pitchFamily="34" charset="0"/>
+              <a:buChar char="•"/>
+              <a:defRPr kumimoji="1" sz="2400" kern="1200">
+                <a:solidFill>
+                  <a:schemeClr val="tx1"/>
+                </a:solidFill>
+                <a:latin typeface="+mn-lt"/>
+                <a:ea typeface="+mn-ea"/>
+                <a:cs typeface="+mn-cs"/>
+              </a:defRPr>
+            </a:lvl5pPr>
+            <a:lvl6pPr marL="2514600" indent="-228600" algn="l" defTabSz="914400" rtl="0" eaLnBrk="1" latinLnBrk="0" hangingPunct="1">
+              <a:lnSpc>
+                <a:spcPct val="90000"/>
+              </a:lnSpc>
+              <a:spcBef>
+                <a:spcPts val="500"/>
+              </a:spcBef>
+              <a:buFont typeface="Arial" panose="020B0604020202020204" pitchFamily="34" charset="0"/>
+              <a:buChar char="•"/>
+              <a:defRPr kumimoji="1" sz="1800" kern="1200">
+                <a:solidFill>
+                  <a:schemeClr val="tx1"/>
+                </a:solidFill>
+                <a:latin typeface="+mn-lt"/>
+                <a:ea typeface="+mn-ea"/>
+                <a:cs typeface="+mn-cs"/>
+              </a:defRPr>
+            </a:lvl6pPr>
+            <a:lvl7pPr marL="2971800" indent="-228600" algn="l" defTabSz="914400" rtl="0" eaLnBrk="1" latinLnBrk="0" hangingPunct="1">
+              <a:lnSpc>
+                <a:spcPct val="90000"/>
+              </a:lnSpc>
+              <a:spcBef>
+                <a:spcPts val="500"/>
+              </a:spcBef>
+              <a:buFont typeface="Arial" panose="020B0604020202020204" pitchFamily="34" charset="0"/>
+              <a:buChar char="•"/>
+              <a:defRPr kumimoji="1" sz="1800" kern="1200">
+                <a:solidFill>
+                  <a:schemeClr val="tx1"/>
+                </a:solidFill>
+                <a:latin typeface="+mn-lt"/>
+                <a:ea typeface="+mn-ea"/>
+                <a:cs typeface="+mn-cs"/>
+              </a:defRPr>
+            </a:lvl7pPr>
+            <a:lvl8pPr marL="3429000" indent="-228600" algn="l" defTabSz="914400" rtl="0" eaLnBrk="1" latinLnBrk="0" hangingPunct="1">
+              <a:lnSpc>
+                <a:spcPct val="90000"/>
+              </a:lnSpc>
+              <a:spcBef>
+                <a:spcPts val="500"/>
+              </a:spcBef>
+              <a:buFont typeface="Arial" panose="020B0604020202020204" pitchFamily="34" charset="0"/>
+              <a:buChar char="•"/>
+              <a:defRPr kumimoji="1" sz="1800" kern="1200">
+                <a:solidFill>
+                  <a:schemeClr val="tx1"/>
+                </a:solidFill>
+                <a:latin typeface="+mn-lt"/>
+                <a:ea typeface="+mn-ea"/>
+                <a:cs typeface="+mn-cs"/>
+              </a:defRPr>
+            </a:lvl8pPr>
+            <a:lvl9pPr marL="3886200" indent="-228600" algn="l" defTabSz="914400" rtl="0" eaLnBrk="1" latinLnBrk="0" hangingPunct="1">
+              <a:lnSpc>
+                <a:spcPct val="90000"/>
+              </a:lnSpc>
+              <a:spcBef>
+                <a:spcPts val="500"/>
+              </a:spcBef>
+              <a:buFont typeface="Arial" panose="020B0604020202020204" pitchFamily="34" charset="0"/>
+              <a:buChar char="•"/>
+              <a:defRPr kumimoji="1" sz="1800" kern="1200">
+                <a:solidFill>
+                  <a:schemeClr val="tx1"/>
+                </a:solidFill>
+                <a:latin typeface="+mn-lt"/>
+                <a:ea typeface="+mn-ea"/>
+                <a:cs typeface="+mn-cs"/>
+              </a:defRPr>
+            </a:lvl9pPr>
+          </a:lstStyle>
+          <a:p>
+            <a:r>
+              <a:rPr lang="ja-JP" altLang="en-US" b="1" dirty="0">
+                <a:solidFill>
+                  <a:srgbClr val="FF0000"/>
+                </a:solidFill>
+              </a:rPr>
               <a:t>ブランチ（</a:t>
             </a:r>
             <a:r>
@@ -13818,7 +14656,7 @@
 </p:sld>
 </file>
 
-<file path=ppt/slides/slide31.xml><?xml version="1.0" encoding="utf-8"?>
+<file path=ppt/slides/slide32.xml><?xml version="1.0" encoding="utf-8"?>
 <p:sld xmlns:a="http://schemas.openxmlformats.org/drawingml/2006/main" xmlns:r="http://schemas.openxmlformats.org/officeDocument/2006/relationships" xmlns:p="http://schemas.openxmlformats.org/presentationml/2006/main">
   <p:cSld>
     <p:spTree>
@@ -15387,7 +16225,7 @@
 </p:sld>
 </file>
 
-<file path=ppt/slides/slide32.xml><?xml version="1.0" encoding="utf-8"?>
+<file path=ppt/slides/slide33.xml><?xml version="1.0" encoding="utf-8"?>
 <p:sld xmlns:a="http://schemas.openxmlformats.org/drawingml/2006/main" xmlns:r="http://schemas.openxmlformats.org/officeDocument/2006/relationships" xmlns:p="http://schemas.openxmlformats.org/presentationml/2006/main">
   <p:cSld>
     <p:spTree>
@@ -15801,7 +16639,7 @@
 </p:sld>
 </file>
 
-<file path=ppt/slides/slide33.xml><?xml version="1.0" encoding="utf-8"?>
+<file path=ppt/slides/slide34.xml><?xml version="1.0" encoding="utf-8"?>
 <p:sld xmlns:a="http://schemas.openxmlformats.org/drawingml/2006/main" xmlns:r="http://schemas.openxmlformats.org/officeDocument/2006/relationships" xmlns:p="http://schemas.openxmlformats.org/presentationml/2006/main">
   <p:cSld>
     <p:spTree>
@@ -16300,7 +17138,7 @@
 </p:sld>
 </file>
 
-<file path=ppt/slides/slide34.xml><?xml version="1.0" encoding="utf-8"?>
+<file path=ppt/slides/slide35.xml><?xml version="1.0" encoding="utf-8"?>
 <p:sld xmlns:a="http://schemas.openxmlformats.org/drawingml/2006/main" xmlns:r="http://schemas.openxmlformats.org/officeDocument/2006/relationships" xmlns:p="http://schemas.openxmlformats.org/presentationml/2006/main">
   <p:cSld>
     <p:spTree>
@@ -16776,7 +17614,7 @@
 </p:sld>
 </file>
 
-<file path=ppt/slides/slide35.xml><?xml version="1.0" encoding="utf-8"?>
+<file path=ppt/slides/slide36.xml><?xml version="1.0" encoding="utf-8"?>
 <p:sld xmlns:a="http://schemas.openxmlformats.org/drawingml/2006/main" xmlns:r="http://schemas.openxmlformats.org/officeDocument/2006/relationships" xmlns:p="http://schemas.openxmlformats.org/presentationml/2006/main">
   <p:cSld>
     <p:spTree>
@@ -17202,7 +18040,7 @@
 </p:sld>
 </file>
 
-<file path=ppt/slides/slide36.xml><?xml version="1.0" encoding="utf-8"?>
+<file path=ppt/slides/slide37.xml><?xml version="1.0" encoding="utf-8"?>
 <p:sld xmlns:a="http://schemas.openxmlformats.org/drawingml/2006/main" xmlns:r="http://schemas.openxmlformats.org/officeDocument/2006/relationships" xmlns:p="http://schemas.openxmlformats.org/presentationml/2006/main">
   <p:cSld>
     <p:spTree>
@@ -17598,7 +18436,7 @@
 </p:sld>
 </file>
 
-<file path=ppt/slides/slide37.xml><?xml version="1.0" encoding="utf-8"?>
+<file path=ppt/slides/slide38.xml><?xml version="1.0" encoding="utf-8"?>
 <p:sld xmlns:a="http://schemas.openxmlformats.org/drawingml/2006/main" xmlns:r="http://schemas.openxmlformats.org/officeDocument/2006/relationships" xmlns:p="http://schemas.openxmlformats.org/presentationml/2006/main">
   <p:cSld>
     <p:spTree>
@@ -17679,7 +18517,7 @@
         </p:spPr>
         <p:txBody>
           <a:bodyPr vert="horz" lIns="91440" tIns="45720" rIns="91440" bIns="45720" rtlCol="0">
-            <a:normAutofit/>
+            <a:normAutofit lnSpcReduction="10000"/>
           </a:bodyPr>
           <a:lstStyle>
             <a:lvl1pPr marL="228600" indent="-228600" algn="l" defTabSz="914400" rtl="0" eaLnBrk="1" latinLnBrk="0" hangingPunct="1">
@@ -17942,62 +18780,88 @@
               <a:t>： </a:t>
             </a:r>
             <a:r>
+              <a:rPr lang="en-US" altLang="ja-JP" dirty="0"/>
+              <a:t>murata</a:t>
+            </a:r>
+            <a:r>
+              <a:rPr lang="ja-JP" altLang="en-US" dirty="0"/>
+              <a:t>ブランチ</a:t>
+            </a:r>
+            <a:br>
+              <a:rPr lang="en-US" altLang="ja-JP" sz="2200" dirty="0"/>
+            </a:br>
+            <a:br>
+              <a:rPr lang="en-US" altLang="ja-JP" sz="2200" dirty="0"/>
+            </a:br>
+            <a:r>
+              <a:rPr lang="ja-JP" altLang="en-US" dirty="0"/>
+              <a:t>　　　　　　　　</a:t>
+            </a:r>
+            <a:r>
+              <a:rPr lang="ja-JP" altLang="en-US" dirty="0">
+                <a:solidFill>
+                  <a:srgbClr val="FF0000"/>
+                </a:solidFill>
+              </a:rPr>
+              <a:t>↓</a:t>
+            </a:r>
+            <a:r>
+              <a:rPr lang="ja-JP" altLang="en-US" dirty="0"/>
+              <a:t>　</a:t>
+            </a:r>
+            <a:r>
+              <a:rPr lang="en-US" altLang="ja-JP" dirty="0">
+                <a:solidFill>
+                  <a:srgbClr val="FF0000"/>
+                </a:solidFill>
+              </a:rPr>
+              <a:t>Push</a:t>
+            </a:r>
+            <a:br>
+              <a:rPr lang="en-US" altLang="ja-JP" sz="2000" dirty="0">
+                <a:solidFill>
+                  <a:srgbClr val="FF0000"/>
+                </a:solidFill>
+              </a:rPr>
+            </a:br>
+            <a:br>
+              <a:rPr lang="en-US" altLang="ja-JP" sz="2000" dirty="0"/>
+            </a:br>
+            <a:r>
+              <a:rPr lang="ja-JP" altLang="en-US" dirty="0">
+                <a:solidFill>
+                  <a:srgbClr val="00B050"/>
+                </a:solidFill>
+              </a:rPr>
+              <a:t>リモート</a:t>
+            </a:r>
+            <a:r>
+              <a:rPr lang="ja-JP" altLang="en-US" dirty="0"/>
+              <a:t>： </a:t>
+            </a:r>
+            <a:r>
               <a:rPr lang="en-US" altLang="ja-JP" dirty="0" err="1"/>
               <a:t>murata</a:t>
             </a:r>
             <a:r>
               <a:rPr lang="ja-JP" altLang="en-US" dirty="0"/>
-              <a:t>ブランチ</a:t>
-            </a:r>
-            <a:br>
-              <a:rPr lang="en-US" altLang="ja-JP" dirty="0"/>
-            </a:br>
-            <a:r>
-              <a:rPr lang="ja-JP" altLang="en-US" dirty="0"/>
-              <a:t>　　　　　　　　</a:t>
-            </a:r>
-            <a:r>
-              <a:rPr lang="ja-JP" altLang="en-US" dirty="0">
-                <a:solidFill>
-                  <a:srgbClr val="FF0000"/>
-                </a:solidFill>
-              </a:rPr>
-              <a:t>↓</a:t>
-            </a:r>
-            <a:r>
-              <a:rPr lang="ja-JP" altLang="en-US" dirty="0"/>
-              <a:t>　</a:t>
-            </a:r>
-            <a:r>
-              <a:rPr lang="en-US" altLang="ja-JP" dirty="0">
-                <a:solidFill>
-                  <a:srgbClr val="FF0000"/>
-                </a:solidFill>
-              </a:rPr>
+              <a:t>ブランチ　（</a:t>
+            </a:r>
+            <a:r>
+              <a:rPr lang="en-US" altLang="ja-JP" dirty="0"/>
+              <a:t>main</a:t>
+            </a:r>
+            <a:r>
+              <a:rPr lang="ja-JP" altLang="en-US" dirty="0"/>
+              <a:t>に</a:t>
+            </a:r>
+            <a:r>
+              <a:rPr lang="en-US" altLang="ja-JP" dirty="0"/>
               <a:t>Push</a:t>
             </a:r>
-            <a:br>
-              <a:rPr lang="en-US" altLang="ja-JP" dirty="0"/>
-            </a:br>
-            <a:r>
-              <a:rPr lang="ja-JP" altLang="en-US" dirty="0">
-                <a:solidFill>
-                  <a:srgbClr val="00B050"/>
-                </a:solidFill>
-              </a:rPr>
-              <a:t>リモート</a:t>
-            </a:r>
-            <a:r>
-              <a:rPr lang="ja-JP" altLang="en-US" dirty="0"/>
-              <a:t>： </a:t>
-            </a:r>
-            <a:r>
-              <a:rPr lang="en-US" altLang="ja-JP" dirty="0" err="1"/>
-              <a:t>murata</a:t>
-            </a:r>
-            <a:r>
-              <a:rPr lang="ja-JP" altLang="en-US" dirty="0"/>
-              <a:t>ブランチ　（</a:t>
+            <a:r>
+              <a:rPr lang="ja-JP" altLang="en-US" dirty="0"/>
+              <a:t>は</a:t>
             </a:r>
             <a:r>
               <a:rPr lang="en-US" altLang="ja-JP" b="1" dirty="0">
@@ -18008,12 +18872,8 @@
               <a:t>×</a:t>
             </a:r>
             <a:r>
-              <a:rPr lang="en-US" altLang="ja-JP" dirty="0"/>
-              <a:t>main</a:t>
-            </a:r>
-            <a:r>
-              <a:rPr lang="ja-JP" altLang="en-US" dirty="0"/>
-              <a:t>ブランチ）</a:t>
+              <a:rPr lang="ja-JP" altLang="en-US" dirty="0"/>
+              <a:t>）</a:t>
             </a:r>
             <a:endParaRPr lang="en-US" altLang="ja-JP" dirty="0"/>
           </a:p>
@@ -18032,7 +18892,7 @@
 </p:sld>
 </file>
 
-<file path=ppt/slides/slide38.xml><?xml version="1.0" encoding="utf-8"?>
+<file path=ppt/slides/slide39.xml><?xml version="1.0" encoding="utf-8"?>
 <p:sld xmlns:a="http://schemas.openxmlformats.org/drawingml/2006/main" xmlns:r="http://schemas.openxmlformats.org/officeDocument/2006/relationships" xmlns:p="http://schemas.openxmlformats.org/presentationml/2006/main">
   <p:cSld>
     <p:spTree>
@@ -18410,7 +19270,587 @@
 </p:sld>
 </file>
 
-<file path=ppt/slides/slide39.xml><?xml version="1.0" encoding="utf-8"?>
+<file path=ppt/slides/slide4.xml><?xml version="1.0" encoding="utf-8"?>
+<p:sld xmlns:a="http://schemas.openxmlformats.org/drawingml/2006/main" xmlns:r="http://schemas.openxmlformats.org/officeDocument/2006/relationships" xmlns:p="http://schemas.openxmlformats.org/presentationml/2006/main">
+  <p:cSld>
+    <p:spTree>
+      <p:nvGrpSpPr>
+        <p:cNvPr id="1" name="">
+          <a:extLst>
+            <a:ext uri="{FF2B5EF4-FFF2-40B4-BE49-F238E27FC236}">
+              <a16:creationId xmlns:a16="http://schemas.microsoft.com/office/drawing/2014/main" id="{BBE62C50-1509-119D-3CD6-319E8F06CCA7}"/>
+            </a:ext>
+          </a:extLst>
+        </p:cNvPr>
+        <p:cNvGrpSpPr/>
+        <p:nvPr/>
+      </p:nvGrpSpPr>
+      <p:grpSpPr>
+        <a:xfrm>
+          <a:off x="0" y="0"/>
+          <a:ext cx="0" cy="0"/>
+          <a:chOff x="0" y="0"/>
+          <a:chExt cx="0" cy="0"/>
+        </a:xfrm>
+      </p:grpSpPr>
+      <p:pic>
+        <p:nvPicPr>
+          <p:cNvPr id="4" name="図 3">
+            <a:extLst>
+              <a:ext uri="{FF2B5EF4-FFF2-40B4-BE49-F238E27FC236}">
+                <a16:creationId xmlns:a16="http://schemas.microsoft.com/office/drawing/2014/main" id="{065C8A82-8F86-7D9A-FA50-3CC423881AE7}"/>
+              </a:ext>
+            </a:extLst>
+          </p:cNvPr>
+          <p:cNvPicPr>
+            <a:picLocks noChangeAspect="1"/>
+          </p:cNvPicPr>
+          <p:nvPr/>
+        </p:nvPicPr>
+        <p:blipFill>
+          <a:blip r:embed="rId2">
+            <a:extLst>
+              <a:ext uri="{28A0092B-C50C-407E-A947-70E740481C1C}">
+                <a14:useLocalDpi xmlns:a14="http://schemas.microsoft.com/office/drawing/2010/main" val="0"/>
+              </a:ext>
+            </a:extLst>
+          </a:blip>
+          <a:stretch>
+            <a:fillRect/>
+          </a:stretch>
+        </p:blipFill>
+        <p:spPr>
+          <a:xfrm>
+            <a:off x="7602070" y="1260974"/>
+            <a:ext cx="4069977" cy="4668014"/>
+          </a:xfrm>
+          <a:prstGeom prst="rect">
+            <a:avLst/>
+          </a:prstGeom>
+          <a:ln>
+            <a:solidFill>
+              <a:schemeClr val="tx1"/>
+            </a:solidFill>
+          </a:ln>
+        </p:spPr>
+      </p:pic>
+      <p:sp>
+        <p:nvSpPr>
+          <p:cNvPr id="2" name="タイトル 1">
+            <a:extLst>
+              <a:ext uri="{FF2B5EF4-FFF2-40B4-BE49-F238E27FC236}">
+                <a16:creationId xmlns:a16="http://schemas.microsoft.com/office/drawing/2014/main" id="{C41583F9-FAC5-5F23-BF11-EFEE762C4EB2}"/>
+              </a:ext>
+            </a:extLst>
+          </p:cNvPr>
+          <p:cNvSpPr>
+            <a:spLocks noGrp="1"/>
+          </p:cNvSpPr>
+          <p:nvPr>
+            <p:ph type="title"/>
+          </p:nvPr>
+        </p:nvSpPr>
+        <p:spPr/>
+        <p:txBody>
+          <a:bodyPr/>
+          <a:lstStyle/>
+          <a:p>
+            <a:r>
+              <a:rPr lang="en-US" altLang="ja-JP" dirty="0"/>
+              <a:t>GitHub</a:t>
+            </a:r>
+            <a:r>
+              <a:rPr lang="ja-JP" altLang="en-US" dirty="0"/>
+              <a:t>を使ったチーム制作</a:t>
+            </a:r>
+            <a:endParaRPr kumimoji="1" lang="ja-JP" altLang="en-US" dirty="0"/>
+          </a:p>
+        </p:txBody>
+      </p:sp>
+      <p:sp>
+        <p:nvSpPr>
+          <p:cNvPr id="6" name="正方形/長方形 5">
+            <a:extLst>
+              <a:ext uri="{FF2B5EF4-FFF2-40B4-BE49-F238E27FC236}">
+                <a16:creationId xmlns:a16="http://schemas.microsoft.com/office/drawing/2014/main" id="{47B458B8-0D00-3B26-9882-B7BED3C107E3}"/>
+              </a:ext>
+            </a:extLst>
+          </p:cNvPr>
+          <p:cNvSpPr/>
+          <p:nvPr/>
+        </p:nvSpPr>
+        <p:spPr>
+          <a:xfrm>
+            <a:off x="7736541" y="2142565"/>
+            <a:ext cx="3801036" cy="367553"/>
+          </a:xfrm>
+          <a:prstGeom prst="rect">
+            <a:avLst/>
+          </a:prstGeom>
+          <a:noFill/>
+          <a:ln w="38100">
+            <a:solidFill>
+              <a:srgbClr val="FF0000"/>
+            </a:solidFill>
+          </a:ln>
+        </p:spPr>
+        <p:style>
+          <a:lnRef idx="2">
+            <a:schemeClr val="accent1">
+              <a:shade val="15000"/>
+            </a:schemeClr>
+          </a:lnRef>
+          <a:fillRef idx="1">
+            <a:schemeClr val="accent1"/>
+          </a:fillRef>
+          <a:effectRef idx="0">
+            <a:schemeClr val="accent1"/>
+          </a:effectRef>
+          <a:fontRef idx="minor">
+            <a:schemeClr val="lt1"/>
+          </a:fontRef>
+        </p:style>
+        <p:txBody>
+          <a:bodyPr rtlCol="0" anchor="ctr"/>
+          <a:lstStyle/>
+          <a:p>
+            <a:pPr algn="ctr"/>
+            <a:endParaRPr kumimoji="1" lang="ja-JP" altLang="en-US"/>
+          </a:p>
+        </p:txBody>
+      </p:sp>
+      <p:sp>
+        <p:nvSpPr>
+          <p:cNvPr id="7" name="正方形/長方形 6">
+            <a:extLst>
+              <a:ext uri="{FF2B5EF4-FFF2-40B4-BE49-F238E27FC236}">
+                <a16:creationId xmlns:a16="http://schemas.microsoft.com/office/drawing/2014/main" id="{249D2CF5-8E93-4F60-F372-C28EEC582178}"/>
+              </a:ext>
+            </a:extLst>
+          </p:cNvPr>
+          <p:cNvSpPr/>
+          <p:nvPr/>
+        </p:nvSpPr>
+        <p:spPr>
+          <a:xfrm>
+            <a:off x="7727576" y="3316942"/>
+            <a:ext cx="2967318" cy="367553"/>
+          </a:xfrm>
+          <a:prstGeom prst="rect">
+            <a:avLst/>
+          </a:prstGeom>
+          <a:noFill/>
+          <a:ln w="38100">
+            <a:solidFill>
+              <a:srgbClr val="FF0000"/>
+            </a:solidFill>
+          </a:ln>
+        </p:spPr>
+        <p:style>
+          <a:lnRef idx="2">
+            <a:schemeClr val="accent1">
+              <a:shade val="15000"/>
+            </a:schemeClr>
+          </a:lnRef>
+          <a:fillRef idx="1">
+            <a:schemeClr val="accent1"/>
+          </a:fillRef>
+          <a:effectRef idx="0">
+            <a:schemeClr val="accent1"/>
+          </a:effectRef>
+          <a:fontRef idx="minor">
+            <a:schemeClr val="lt1"/>
+          </a:fontRef>
+        </p:style>
+        <p:txBody>
+          <a:bodyPr rtlCol="0" anchor="ctr"/>
+          <a:lstStyle/>
+          <a:p>
+            <a:pPr algn="ctr"/>
+            <a:endParaRPr kumimoji="1" lang="ja-JP" altLang="en-US"/>
+          </a:p>
+        </p:txBody>
+      </p:sp>
+      <p:sp>
+        <p:nvSpPr>
+          <p:cNvPr id="8" name="正方形/長方形 7">
+            <a:extLst>
+              <a:ext uri="{FF2B5EF4-FFF2-40B4-BE49-F238E27FC236}">
+                <a16:creationId xmlns:a16="http://schemas.microsoft.com/office/drawing/2014/main" id="{CD557060-C6A3-3EB7-6601-1485B8E31030}"/>
+              </a:ext>
+            </a:extLst>
+          </p:cNvPr>
+          <p:cNvSpPr/>
+          <p:nvPr/>
+        </p:nvSpPr>
+        <p:spPr>
+          <a:xfrm>
+            <a:off x="7736539" y="4159624"/>
+            <a:ext cx="3810001" cy="367553"/>
+          </a:xfrm>
+          <a:prstGeom prst="rect">
+            <a:avLst/>
+          </a:prstGeom>
+          <a:noFill/>
+          <a:ln w="38100">
+            <a:solidFill>
+              <a:srgbClr val="FF0000"/>
+            </a:solidFill>
+          </a:ln>
+        </p:spPr>
+        <p:style>
+          <a:lnRef idx="2">
+            <a:schemeClr val="accent1">
+              <a:shade val="15000"/>
+            </a:schemeClr>
+          </a:lnRef>
+          <a:fillRef idx="1">
+            <a:schemeClr val="accent1"/>
+          </a:fillRef>
+          <a:effectRef idx="0">
+            <a:schemeClr val="accent1"/>
+          </a:effectRef>
+          <a:fontRef idx="minor">
+            <a:schemeClr val="lt1"/>
+          </a:fontRef>
+        </p:style>
+        <p:txBody>
+          <a:bodyPr rtlCol="0" anchor="ctr"/>
+          <a:lstStyle/>
+          <a:p>
+            <a:pPr algn="ctr"/>
+            <a:endParaRPr kumimoji="1" lang="ja-JP" altLang="en-US"/>
+          </a:p>
+        </p:txBody>
+      </p:sp>
+      <p:sp>
+        <p:nvSpPr>
+          <p:cNvPr id="9" name="コンテンツ プレースホルダー 2">
+            <a:extLst>
+              <a:ext uri="{FF2B5EF4-FFF2-40B4-BE49-F238E27FC236}">
+                <a16:creationId xmlns:a16="http://schemas.microsoft.com/office/drawing/2014/main" id="{8B5B2BAC-70C8-8A10-4BDD-40CA5FD19087}"/>
+              </a:ext>
+            </a:extLst>
+          </p:cNvPr>
+          <p:cNvSpPr txBox="1">
+            <a:spLocks/>
+          </p:cNvSpPr>
+          <p:nvPr/>
+        </p:nvSpPr>
+        <p:spPr>
+          <a:xfrm>
+            <a:off x="838200" y="1376038"/>
+            <a:ext cx="10515600" cy="4980311"/>
+          </a:xfrm>
+          <a:prstGeom prst="rect">
+            <a:avLst/>
+          </a:prstGeom>
+        </p:spPr>
+        <p:txBody>
+          <a:bodyPr vert="horz" lIns="91440" tIns="45720" rIns="91440" bIns="45720" rtlCol="0">
+            <a:normAutofit/>
+          </a:bodyPr>
+          <a:lstStyle>
+            <a:lvl1pPr marL="228600" indent="-228600" algn="l" defTabSz="914400" rtl="0" eaLnBrk="1" latinLnBrk="0" hangingPunct="1">
+              <a:lnSpc>
+                <a:spcPct val="90000"/>
+              </a:lnSpc>
+              <a:spcBef>
+                <a:spcPts val="1000"/>
+              </a:spcBef>
+              <a:buFont typeface="Arial" panose="020B0604020202020204" pitchFamily="34" charset="0"/>
+              <a:buChar char="•"/>
+              <a:defRPr kumimoji="1" sz="3600" kern="1200">
+                <a:solidFill>
+                  <a:schemeClr val="tx1"/>
+                </a:solidFill>
+                <a:latin typeface="+mn-lt"/>
+                <a:ea typeface="+mn-ea"/>
+                <a:cs typeface="+mn-cs"/>
+              </a:defRPr>
+            </a:lvl1pPr>
+            <a:lvl2pPr marL="685800" indent="-228600" algn="l" defTabSz="914400" rtl="0" eaLnBrk="1" latinLnBrk="0" hangingPunct="1">
+              <a:lnSpc>
+                <a:spcPct val="90000"/>
+              </a:lnSpc>
+              <a:spcBef>
+                <a:spcPts val="500"/>
+              </a:spcBef>
+              <a:buFont typeface="Arial" panose="020B0604020202020204" pitchFamily="34" charset="0"/>
+              <a:buChar char="•"/>
+              <a:defRPr kumimoji="1" sz="3200" kern="1200">
+                <a:solidFill>
+                  <a:schemeClr val="tx1"/>
+                </a:solidFill>
+                <a:latin typeface="+mn-lt"/>
+                <a:ea typeface="+mn-ea"/>
+                <a:cs typeface="+mn-cs"/>
+              </a:defRPr>
+            </a:lvl2pPr>
+            <a:lvl3pPr marL="1143000" indent="-228600" algn="l" defTabSz="914400" rtl="0" eaLnBrk="1" latinLnBrk="0" hangingPunct="1">
+              <a:lnSpc>
+                <a:spcPct val="90000"/>
+              </a:lnSpc>
+              <a:spcBef>
+                <a:spcPts val="500"/>
+              </a:spcBef>
+              <a:buFont typeface="Arial" panose="020B0604020202020204" pitchFamily="34" charset="0"/>
+              <a:buChar char="•"/>
+              <a:defRPr kumimoji="1" sz="2800" kern="1200">
+                <a:solidFill>
+                  <a:schemeClr val="tx1"/>
+                </a:solidFill>
+                <a:latin typeface="+mn-lt"/>
+                <a:ea typeface="+mn-ea"/>
+                <a:cs typeface="+mn-cs"/>
+              </a:defRPr>
+            </a:lvl3pPr>
+            <a:lvl4pPr marL="1600200" indent="-228600" algn="l" defTabSz="914400" rtl="0" eaLnBrk="1" latinLnBrk="0" hangingPunct="1">
+              <a:lnSpc>
+                <a:spcPct val="90000"/>
+              </a:lnSpc>
+              <a:spcBef>
+                <a:spcPts val="500"/>
+              </a:spcBef>
+              <a:buFont typeface="Arial" panose="020B0604020202020204" pitchFamily="34" charset="0"/>
+              <a:buChar char="•"/>
+              <a:defRPr kumimoji="1" sz="2400" kern="1200">
+                <a:solidFill>
+                  <a:schemeClr val="tx1"/>
+                </a:solidFill>
+                <a:latin typeface="+mn-lt"/>
+                <a:ea typeface="+mn-ea"/>
+                <a:cs typeface="+mn-cs"/>
+              </a:defRPr>
+            </a:lvl4pPr>
+            <a:lvl5pPr marL="2057400" indent="-228600" algn="l" defTabSz="914400" rtl="0" eaLnBrk="1" latinLnBrk="0" hangingPunct="1">
+              <a:lnSpc>
+                <a:spcPct val="90000"/>
+              </a:lnSpc>
+              <a:spcBef>
+                <a:spcPts val="500"/>
+              </a:spcBef>
+              <a:buFont typeface="Arial" panose="020B0604020202020204" pitchFamily="34" charset="0"/>
+              <a:buChar char="•"/>
+              <a:defRPr kumimoji="1" sz="2400" kern="1200">
+                <a:solidFill>
+                  <a:schemeClr val="tx1"/>
+                </a:solidFill>
+                <a:latin typeface="+mn-lt"/>
+                <a:ea typeface="+mn-ea"/>
+                <a:cs typeface="+mn-cs"/>
+              </a:defRPr>
+            </a:lvl5pPr>
+            <a:lvl6pPr marL="2514600" indent="-228600" algn="l" defTabSz="914400" rtl="0" eaLnBrk="1" latinLnBrk="0" hangingPunct="1">
+              <a:lnSpc>
+                <a:spcPct val="90000"/>
+              </a:lnSpc>
+              <a:spcBef>
+                <a:spcPts val="500"/>
+              </a:spcBef>
+              <a:buFont typeface="Arial" panose="020B0604020202020204" pitchFamily="34" charset="0"/>
+              <a:buChar char="•"/>
+              <a:defRPr kumimoji="1" sz="1800" kern="1200">
+                <a:solidFill>
+                  <a:schemeClr val="tx1"/>
+                </a:solidFill>
+                <a:latin typeface="+mn-lt"/>
+                <a:ea typeface="+mn-ea"/>
+                <a:cs typeface="+mn-cs"/>
+              </a:defRPr>
+            </a:lvl6pPr>
+            <a:lvl7pPr marL="2971800" indent="-228600" algn="l" defTabSz="914400" rtl="0" eaLnBrk="1" latinLnBrk="0" hangingPunct="1">
+              <a:lnSpc>
+                <a:spcPct val="90000"/>
+              </a:lnSpc>
+              <a:spcBef>
+                <a:spcPts val="500"/>
+              </a:spcBef>
+              <a:buFont typeface="Arial" panose="020B0604020202020204" pitchFamily="34" charset="0"/>
+              <a:buChar char="•"/>
+              <a:defRPr kumimoji="1" sz="1800" kern="1200">
+                <a:solidFill>
+                  <a:schemeClr val="tx1"/>
+                </a:solidFill>
+                <a:latin typeface="+mn-lt"/>
+                <a:ea typeface="+mn-ea"/>
+                <a:cs typeface="+mn-cs"/>
+              </a:defRPr>
+            </a:lvl7pPr>
+            <a:lvl8pPr marL="3429000" indent="-228600" algn="l" defTabSz="914400" rtl="0" eaLnBrk="1" latinLnBrk="0" hangingPunct="1">
+              <a:lnSpc>
+                <a:spcPct val="90000"/>
+              </a:lnSpc>
+              <a:spcBef>
+                <a:spcPts val="500"/>
+              </a:spcBef>
+              <a:buFont typeface="Arial" panose="020B0604020202020204" pitchFamily="34" charset="0"/>
+              <a:buChar char="•"/>
+              <a:defRPr kumimoji="1" sz="1800" kern="1200">
+                <a:solidFill>
+                  <a:schemeClr val="tx1"/>
+                </a:solidFill>
+                <a:latin typeface="+mn-lt"/>
+                <a:ea typeface="+mn-ea"/>
+                <a:cs typeface="+mn-cs"/>
+              </a:defRPr>
+            </a:lvl8pPr>
+            <a:lvl9pPr marL="3886200" indent="-228600" algn="l" defTabSz="914400" rtl="0" eaLnBrk="1" latinLnBrk="0" hangingPunct="1">
+              <a:lnSpc>
+                <a:spcPct val="90000"/>
+              </a:lnSpc>
+              <a:spcBef>
+                <a:spcPts val="500"/>
+              </a:spcBef>
+              <a:buFont typeface="Arial" panose="020B0604020202020204" pitchFamily="34" charset="0"/>
+              <a:buChar char="•"/>
+              <a:defRPr kumimoji="1" sz="1800" kern="1200">
+                <a:solidFill>
+                  <a:schemeClr val="tx1"/>
+                </a:solidFill>
+                <a:latin typeface="+mn-lt"/>
+                <a:ea typeface="+mn-ea"/>
+                <a:cs typeface="+mn-cs"/>
+              </a:defRPr>
+            </a:lvl9pPr>
+          </a:lstStyle>
+          <a:p>
+            <a:r>
+              <a:rPr lang="en-US" altLang="ja-JP" dirty="0"/>
+              <a:t>[Name]</a:t>
+            </a:r>
+            <a:r>
+              <a:rPr lang="ja-JP" altLang="en-US" dirty="0"/>
+              <a:t>には共同開発に使用</a:t>
+            </a:r>
+            <a:br>
+              <a:rPr lang="en-US" altLang="ja-JP" dirty="0"/>
+            </a:br>
+            <a:r>
+              <a:rPr lang="ja-JP" altLang="en-US" dirty="0"/>
+              <a:t>するリポジトリ名を入力</a:t>
+            </a:r>
+            <a:br>
+              <a:rPr lang="en-US" altLang="ja-JP" dirty="0"/>
+            </a:br>
+            <a:endParaRPr lang="en-US" altLang="ja-JP" dirty="0"/>
+          </a:p>
+          <a:p>
+            <a:r>
+              <a:rPr lang="en-US" altLang="ja-JP" dirty="0"/>
+              <a:t>[Local path]</a:t>
+            </a:r>
+            <a:r>
+              <a:rPr lang="ja-JP" altLang="en-US" dirty="0"/>
+              <a:t>は</a:t>
+            </a:r>
+            <a:br>
+              <a:rPr lang="en-US" altLang="ja-JP" dirty="0"/>
+            </a:br>
+            <a:r>
+              <a:rPr lang="en-US" altLang="ja-JP" dirty="0"/>
+              <a:t>C:\GitHub</a:t>
+            </a:r>
+            <a:r>
+              <a:rPr lang="ja-JP" altLang="en-US" dirty="0"/>
+              <a:t>のままで</a:t>
+            </a:r>
+            <a:r>
+              <a:rPr lang="en-US" altLang="ja-JP" dirty="0"/>
+              <a:t>OK</a:t>
+            </a:r>
+            <a:br>
+              <a:rPr lang="en-US" altLang="ja-JP" dirty="0"/>
+            </a:br>
+            <a:endParaRPr lang="en-US" altLang="ja-JP" dirty="0"/>
+          </a:p>
+          <a:p>
+            <a:r>
+              <a:rPr lang="en-US" altLang="ja-JP" dirty="0"/>
+              <a:t>[Git ignore]</a:t>
+            </a:r>
+            <a:r>
+              <a:rPr lang="ja-JP" altLang="en-US" dirty="0"/>
+              <a:t>は</a:t>
+            </a:r>
+            <a:br>
+              <a:rPr lang="en-US" altLang="ja-JP" dirty="0"/>
+            </a:br>
+            <a:r>
+              <a:rPr lang="en-US" altLang="ja-JP" dirty="0"/>
+              <a:t>C++</a:t>
+            </a:r>
+            <a:r>
+              <a:rPr lang="ja-JP" altLang="en-US" dirty="0"/>
+              <a:t>を選択</a:t>
+            </a:r>
+            <a:endParaRPr lang="en-US" altLang="ja-JP" dirty="0"/>
+          </a:p>
+        </p:txBody>
+      </p:sp>
+      <p:sp>
+        <p:nvSpPr>
+          <p:cNvPr id="12" name="テキスト ボックス 11">
+            <a:extLst>
+              <a:ext uri="{FF2B5EF4-FFF2-40B4-BE49-F238E27FC236}">
+                <a16:creationId xmlns:a16="http://schemas.microsoft.com/office/drawing/2014/main" id="{7C8B816D-F71E-5845-1020-D7846F4F43AE}"/>
+              </a:ext>
+            </a:extLst>
+          </p:cNvPr>
+          <p:cNvSpPr txBox="1"/>
+          <p:nvPr/>
+        </p:nvSpPr>
+        <p:spPr>
+          <a:xfrm>
+            <a:off x="9708204" y="103516"/>
+            <a:ext cx="2339102" cy="523220"/>
+          </a:xfrm>
+          <a:prstGeom prst="rect">
+            <a:avLst/>
+          </a:prstGeom>
+          <a:noFill/>
+          <a:ln>
+            <a:solidFill>
+              <a:srgbClr val="FF0000"/>
+            </a:solidFill>
+          </a:ln>
+        </p:spPr>
+        <p:txBody>
+          <a:bodyPr wrap="none" rtlCol="0">
+            <a:spAutoFit/>
+          </a:bodyPr>
+          <a:lstStyle/>
+          <a:p>
+            <a:r>
+              <a:rPr lang="ja-JP" altLang="en-US" sz="2800" dirty="0">
+                <a:solidFill>
+                  <a:srgbClr val="FF0000"/>
+                </a:solidFill>
+              </a:rPr>
+              <a:t>代表者の作業</a:t>
+            </a:r>
+            <a:endParaRPr kumimoji="1" lang="ja-JP" altLang="en-US" sz="2800" dirty="0">
+              <a:solidFill>
+                <a:srgbClr val="FF0000"/>
+              </a:solidFill>
+            </a:endParaRPr>
+          </a:p>
+        </p:txBody>
+      </p:sp>
+    </p:spTree>
+    <p:extLst>
+      <p:ext uri="{BB962C8B-B14F-4D97-AF65-F5344CB8AC3E}">
+        <p14:creationId xmlns:p14="http://schemas.microsoft.com/office/powerpoint/2010/main" val="868267086"/>
+      </p:ext>
+    </p:extLst>
+  </p:cSld>
+  <p:clrMapOvr>
+    <a:masterClrMapping/>
+  </p:clrMapOvr>
+</p:sld>
+</file>
+
+<file path=ppt/slides/slide40.xml><?xml version="1.0" encoding="utf-8"?>
 <p:sld xmlns:a="http://schemas.openxmlformats.org/drawingml/2006/main" xmlns:r="http://schemas.openxmlformats.org/officeDocument/2006/relationships" xmlns:p="http://schemas.openxmlformats.org/presentationml/2006/main">
   <p:cSld>
     <p:spTree>
@@ -18792,587 +20232,7 @@
 </p:sld>
 </file>
 
-<file path=ppt/slides/slide4.xml><?xml version="1.0" encoding="utf-8"?>
-<p:sld xmlns:a="http://schemas.openxmlformats.org/drawingml/2006/main" xmlns:r="http://schemas.openxmlformats.org/officeDocument/2006/relationships" xmlns:p="http://schemas.openxmlformats.org/presentationml/2006/main">
-  <p:cSld>
-    <p:spTree>
-      <p:nvGrpSpPr>
-        <p:cNvPr id="1" name="">
-          <a:extLst>
-            <a:ext uri="{FF2B5EF4-FFF2-40B4-BE49-F238E27FC236}">
-              <a16:creationId xmlns:a16="http://schemas.microsoft.com/office/drawing/2014/main" id="{BBE62C50-1509-119D-3CD6-319E8F06CCA7}"/>
-            </a:ext>
-          </a:extLst>
-        </p:cNvPr>
-        <p:cNvGrpSpPr/>
-        <p:nvPr/>
-      </p:nvGrpSpPr>
-      <p:grpSpPr>
-        <a:xfrm>
-          <a:off x="0" y="0"/>
-          <a:ext cx="0" cy="0"/>
-          <a:chOff x="0" y="0"/>
-          <a:chExt cx="0" cy="0"/>
-        </a:xfrm>
-      </p:grpSpPr>
-      <p:pic>
-        <p:nvPicPr>
-          <p:cNvPr id="4" name="図 3">
-            <a:extLst>
-              <a:ext uri="{FF2B5EF4-FFF2-40B4-BE49-F238E27FC236}">
-                <a16:creationId xmlns:a16="http://schemas.microsoft.com/office/drawing/2014/main" id="{065C8A82-8F86-7D9A-FA50-3CC423881AE7}"/>
-              </a:ext>
-            </a:extLst>
-          </p:cNvPr>
-          <p:cNvPicPr>
-            <a:picLocks noChangeAspect="1"/>
-          </p:cNvPicPr>
-          <p:nvPr/>
-        </p:nvPicPr>
-        <p:blipFill>
-          <a:blip r:embed="rId2">
-            <a:extLst>
-              <a:ext uri="{28A0092B-C50C-407E-A947-70E740481C1C}">
-                <a14:useLocalDpi xmlns:a14="http://schemas.microsoft.com/office/drawing/2010/main" val="0"/>
-              </a:ext>
-            </a:extLst>
-          </a:blip>
-          <a:stretch>
-            <a:fillRect/>
-          </a:stretch>
-        </p:blipFill>
-        <p:spPr>
-          <a:xfrm>
-            <a:off x="7602070" y="1260974"/>
-            <a:ext cx="4069977" cy="4668014"/>
-          </a:xfrm>
-          <a:prstGeom prst="rect">
-            <a:avLst/>
-          </a:prstGeom>
-          <a:ln>
-            <a:solidFill>
-              <a:schemeClr val="tx1"/>
-            </a:solidFill>
-          </a:ln>
-        </p:spPr>
-      </p:pic>
-      <p:sp>
-        <p:nvSpPr>
-          <p:cNvPr id="2" name="タイトル 1">
-            <a:extLst>
-              <a:ext uri="{FF2B5EF4-FFF2-40B4-BE49-F238E27FC236}">
-                <a16:creationId xmlns:a16="http://schemas.microsoft.com/office/drawing/2014/main" id="{C41583F9-FAC5-5F23-BF11-EFEE762C4EB2}"/>
-              </a:ext>
-            </a:extLst>
-          </p:cNvPr>
-          <p:cNvSpPr>
-            <a:spLocks noGrp="1"/>
-          </p:cNvSpPr>
-          <p:nvPr>
-            <p:ph type="title"/>
-          </p:nvPr>
-        </p:nvSpPr>
-        <p:spPr/>
-        <p:txBody>
-          <a:bodyPr/>
-          <a:lstStyle/>
-          <a:p>
-            <a:r>
-              <a:rPr lang="en-US" altLang="ja-JP" dirty="0"/>
-              <a:t>GitHub</a:t>
-            </a:r>
-            <a:r>
-              <a:rPr lang="ja-JP" altLang="en-US" dirty="0"/>
-              <a:t>を使ったチーム制作</a:t>
-            </a:r>
-            <a:endParaRPr kumimoji="1" lang="ja-JP" altLang="en-US" dirty="0"/>
-          </a:p>
-        </p:txBody>
-      </p:sp>
-      <p:sp>
-        <p:nvSpPr>
-          <p:cNvPr id="6" name="正方形/長方形 5">
-            <a:extLst>
-              <a:ext uri="{FF2B5EF4-FFF2-40B4-BE49-F238E27FC236}">
-                <a16:creationId xmlns:a16="http://schemas.microsoft.com/office/drawing/2014/main" id="{47B458B8-0D00-3B26-9882-B7BED3C107E3}"/>
-              </a:ext>
-            </a:extLst>
-          </p:cNvPr>
-          <p:cNvSpPr/>
-          <p:nvPr/>
-        </p:nvSpPr>
-        <p:spPr>
-          <a:xfrm>
-            <a:off x="7736541" y="2142565"/>
-            <a:ext cx="3801036" cy="367553"/>
-          </a:xfrm>
-          <a:prstGeom prst="rect">
-            <a:avLst/>
-          </a:prstGeom>
-          <a:noFill/>
-          <a:ln w="38100">
-            <a:solidFill>
-              <a:srgbClr val="FF0000"/>
-            </a:solidFill>
-          </a:ln>
-        </p:spPr>
-        <p:style>
-          <a:lnRef idx="2">
-            <a:schemeClr val="accent1">
-              <a:shade val="15000"/>
-            </a:schemeClr>
-          </a:lnRef>
-          <a:fillRef idx="1">
-            <a:schemeClr val="accent1"/>
-          </a:fillRef>
-          <a:effectRef idx="0">
-            <a:schemeClr val="accent1"/>
-          </a:effectRef>
-          <a:fontRef idx="minor">
-            <a:schemeClr val="lt1"/>
-          </a:fontRef>
-        </p:style>
-        <p:txBody>
-          <a:bodyPr rtlCol="0" anchor="ctr"/>
-          <a:lstStyle/>
-          <a:p>
-            <a:pPr algn="ctr"/>
-            <a:endParaRPr kumimoji="1" lang="ja-JP" altLang="en-US"/>
-          </a:p>
-        </p:txBody>
-      </p:sp>
-      <p:sp>
-        <p:nvSpPr>
-          <p:cNvPr id="7" name="正方形/長方形 6">
-            <a:extLst>
-              <a:ext uri="{FF2B5EF4-FFF2-40B4-BE49-F238E27FC236}">
-                <a16:creationId xmlns:a16="http://schemas.microsoft.com/office/drawing/2014/main" id="{249D2CF5-8E93-4F60-F372-C28EEC582178}"/>
-              </a:ext>
-            </a:extLst>
-          </p:cNvPr>
-          <p:cNvSpPr/>
-          <p:nvPr/>
-        </p:nvSpPr>
-        <p:spPr>
-          <a:xfrm>
-            <a:off x="7727576" y="3316942"/>
-            <a:ext cx="2967318" cy="367553"/>
-          </a:xfrm>
-          <a:prstGeom prst="rect">
-            <a:avLst/>
-          </a:prstGeom>
-          <a:noFill/>
-          <a:ln w="38100">
-            <a:solidFill>
-              <a:srgbClr val="FF0000"/>
-            </a:solidFill>
-          </a:ln>
-        </p:spPr>
-        <p:style>
-          <a:lnRef idx="2">
-            <a:schemeClr val="accent1">
-              <a:shade val="15000"/>
-            </a:schemeClr>
-          </a:lnRef>
-          <a:fillRef idx="1">
-            <a:schemeClr val="accent1"/>
-          </a:fillRef>
-          <a:effectRef idx="0">
-            <a:schemeClr val="accent1"/>
-          </a:effectRef>
-          <a:fontRef idx="minor">
-            <a:schemeClr val="lt1"/>
-          </a:fontRef>
-        </p:style>
-        <p:txBody>
-          <a:bodyPr rtlCol="0" anchor="ctr"/>
-          <a:lstStyle/>
-          <a:p>
-            <a:pPr algn="ctr"/>
-            <a:endParaRPr kumimoji="1" lang="ja-JP" altLang="en-US"/>
-          </a:p>
-        </p:txBody>
-      </p:sp>
-      <p:sp>
-        <p:nvSpPr>
-          <p:cNvPr id="8" name="正方形/長方形 7">
-            <a:extLst>
-              <a:ext uri="{FF2B5EF4-FFF2-40B4-BE49-F238E27FC236}">
-                <a16:creationId xmlns:a16="http://schemas.microsoft.com/office/drawing/2014/main" id="{CD557060-C6A3-3EB7-6601-1485B8E31030}"/>
-              </a:ext>
-            </a:extLst>
-          </p:cNvPr>
-          <p:cNvSpPr/>
-          <p:nvPr/>
-        </p:nvSpPr>
-        <p:spPr>
-          <a:xfrm>
-            <a:off x="7736539" y="4159624"/>
-            <a:ext cx="3810001" cy="367553"/>
-          </a:xfrm>
-          <a:prstGeom prst="rect">
-            <a:avLst/>
-          </a:prstGeom>
-          <a:noFill/>
-          <a:ln w="38100">
-            <a:solidFill>
-              <a:srgbClr val="FF0000"/>
-            </a:solidFill>
-          </a:ln>
-        </p:spPr>
-        <p:style>
-          <a:lnRef idx="2">
-            <a:schemeClr val="accent1">
-              <a:shade val="15000"/>
-            </a:schemeClr>
-          </a:lnRef>
-          <a:fillRef idx="1">
-            <a:schemeClr val="accent1"/>
-          </a:fillRef>
-          <a:effectRef idx="0">
-            <a:schemeClr val="accent1"/>
-          </a:effectRef>
-          <a:fontRef idx="minor">
-            <a:schemeClr val="lt1"/>
-          </a:fontRef>
-        </p:style>
-        <p:txBody>
-          <a:bodyPr rtlCol="0" anchor="ctr"/>
-          <a:lstStyle/>
-          <a:p>
-            <a:pPr algn="ctr"/>
-            <a:endParaRPr kumimoji="1" lang="ja-JP" altLang="en-US"/>
-          </a:p>
-        </p:txBody>
-      </p:sp>
-      <p:sp>
-        <p:nvSpPr>
-          <p:cNvPr id="9" name="コンテンツ プレースホルダー 2">
-            <a:extLst>
-              <a:ext uri="{FF2B5EF4-FFF2-40B4-BE49-F238E27FC236}">
-                <a16:creationId xmlns:a16="http://schemas.microsoft.com/office/drawing/2014/main" id="{8B5B2BAC-70C8-8A10-4BDD-40CA5FD19087}"/>
-              </a:ext>
-            </a:extLst>
-          </p:cNvPr>
-          <p:cNvSpPr txBox="1">
-            <a:spLocks/>
-          </p:cNvSpPr>
-          <p:nvPr/>
-        </p:nvSpPr>
-        <p:spPr>
-          <a:xfrm>
-            <a:off x="838200" y="1376038"/>
-            <a:ext cx="10515600" cy="4980311"/>
-          </a:xfrm>
-          <a:prstGeom prst="rect">
-            <a:avLst/>
-          </a:prstGeom>
-        </p:spPr>
-        <p:txBody>
-          <a:bodyPr vert="horz" lIns="91440" tIns="45720" rIns="91440" bIns="45720" rtlCol="0">
-            <a:normAutofit/>
-          </a:bodyPr>
-          <a:lstStyle>
-            <a:lvl1pPr marL="228600" indent="-228600" algn="l" defTabSz="914400" rtl="0" eaLnBrk="1" latinLnBrk="0" hangingPunct="1">
-              <a:lnSpc>
-                <a:spcPct val="90000"/>
-              </a:lnSpc>
-              <a:spcBef>
-                <a:spcPts val="1000"/>
-              </a:spcBef>
-              <a:buFont typeface="Arial" panose="020B0604020202020204" pitchFamily="34" charset="0"/>
-              <a:buChar char="•"/>
-              <a:defRPr kumimoji="1" sz="3600" kern="1200">
-                <a:solidFill>
-                  <a:schemeClr val="tx1"/>
-                </a:solidFill>
-                <a:latin typeface="+mn-lt"/>
-                <a:ea typeface="+mn-ea"/>
-                <a:cs typeface="+mn-cs"/>
-              </a:defRPr>
-            </a:lvl1pPr>
-            <a:lvl2pPr marL="685800" indent="-228600" algn="l" defTabSz="914400" rtl="0" eaLnBrk="1" latinLnBrk="0" hangingPunct="1">
-              <a:lnSpc>
-                <a:spcPct val="90000"/>
-              </a:lnSpc>
-              <a:spcBef>
-                <a:spcPts val="500"/>
-              </a:spcBef>
-              <a:buFont typeface="Arial" panose="020B0604020202020204" pitchFamily="34" charset="0"/>
-              <a:buChar char="•"/>
-              <a:defRPr kumimoji="1" sz="3200" kern="1200">
-                <a:solidFill>
-                  <a:schemeClr val="tx1"/>
-                </a:solidFill>
-                <a:latin typeface="+mn-lt"/>
-                <a:ea typeface="+mn-ea"/>
-                <a:cs typeface="+mn-cs"/>
-              </a:defRPr>
-            </a:lvl2pPr>
-            <a:lvl3pPr marL="1143000" indent="-228600" algn="l" defTabSz="914400" rtl="0" eaLnBrk="1" latinLnBrk="0" hangingPunct="1">
-              <a:lnSpc>
-                <a:spcPct val="90000"/>
-              </a:lnSpc>
-              <a:spcBef>
-                <a:spcPts val="500"/>
-              </a:spcBef>
-              <a:buFont typeface="Arial" panose="020B0604020202020204" pitchFamily="34" charset="0"/>
-              <a:buChar char="•"/>
-              <a:defRPr kumimoji="1" sz="2800" kern="1200">
-                <a:solidFill>
-                  <a:schemeClr val="tx1"/>
-                </a:solidFill>
-                <a:latin typeface="+mn-lt"/>
-                <a:ea typeface="+mn-ea"/>
-                <a:cs typeface="+mn-cs"/>
-              </a:defRPr>
-            </a:lvl3pPr>
-            <a:lvl4pPr marL="1600200" indent="-228600" algn="l" defTabSz="914400" rtl="0" eaLnBrk="1" latinLnBrk="0" hangingPunct="1">
-              <a:lnSpc>
-                <a:spcPct val="90000"/>
-              </a:lnSpc>
-              <a:spcBef>
-                <a:spcPts val="500"/>
-              </a:spcBef>
-              <a:buFont typeface="Arial" panose="020B0604020202020204" pitchFamily="34" charset="0"/>
-              <a:buChar char="•"/>
-              <a:defRPr kumimoji="1" sz="2400" kern="1200">
-                <a:solidFill>
-                  <a:schemeClr val="tx1"/>
-                </a:solidFill>
-                <a:latin typeface="+mn-lt"/>
-                <a:ea typeface="+mn-ea"/>
-                <a:cs typeface="+mn-cs"/>
-              </a:defRPr>
-            </a:lvl4pPr>
-            <a:lvl5pPr marL="2057400" indent="-228600" algn="l" defTabSz="914400" rtl="0" eaLnBrk="1" latinLnBrk="0" hangingPunct="1">
-              <a:lnSpc>
-                <a:spcPct val="90000"/>
-              </a:lnSpc>
-              <a:spcBef>
-                <a:spcPts val="500"/>
-              </a:spcBef>
-              <a:buFont typeface="Arial" panose="020B0604020202020204" pitchFamily="34" charset="0"/>
-              <a:buChar char="•"/>
-              <a:defRPr kumimoji="1" sz="2400" kern="1200">
-                <a:solidFill>
-                  <a:schemeClr val="tx1"/>
-                </a:solidFill>
-                <a:latin typeface="+mn-lt"/>
-                <a:ea typeface="+mn-ea"/>
-                <a:cs typeface="+mn-cs"/>
-              </a:defRPr>
-            </a:lvl5pPr>
-            <a:lvl6pPr marL="2514600" indent="-228600" algn="l" defTabSz="914400" rtl="0" eaLnBrk="1" latinLnBrk="0" hangingPunct="1">
-              <a:lnSpc>
-                <a:spcPct val="90000"/>
-              </a:lnSpc>
-              <a:spcBef>
-                <a:spcPts val="500"/>
-              </a:spcBef>
-              <a:buFont typeface="Arial" panose="020B0604020202020204" pitchFamily="34" charset="0"/>
-              <a:buChar char="•"/>
-              <a:defRPr kumimoji="1" sz="1800" kern="1200">
-                <a:solidFill>
-                  <a:schemeClr val="tx1"/>
-                </a:solidFill>
-                <a:latin typeface="+mn-lt"/>
-                <a:ea typeface="+mn-ea"/>
-                <a:cs typeface="+mn-cs"/>
-              </a:defRPr>
-            </a:lvl6pPr>
-            <a:lvl7pPr marL="2971800" indent="-228600" algn="l" defTabSz="914400" rtl="0" eaLnBrk="1" latinLnBrk="0" hangingPunct="1">
-              <a:lnSpc>
-                <a:spcPct val="90000"/>
-              </a:lnSpc>
-              <a:spcBef>
-                <a:spcPts val="500"/>
-              </a:spcBef>
-              <a:buFont typeface="Arial" panose="020B0604020202020204" pitchFamily="34" charset="0"/>
-              <a:buChar char="•"/>
-              <a:defRPr kumimoji="1" sz="1800" kern="1200">
-                <a:solidFill>
-                  <a:schemeClr val="tx1"/>
-                </a:solidFill>
-                <a:latin typeface="+mn-lt"/>
-                <a:ea typeface="+mn-ea"/>
-                <a:cs typeface="+mn-cs"/>
-              </a:defRPr>
-            </a:lvl7pPr>
-            <a:lvl8pPr marL="3429000" indent="-228600" algn="l" defTabSz="914400" rtl="0" eaLnBrk="1" latinLnBrk="0" hangingPunct="1">
-              <a:lnSpc>
-                <a:spcPct val="90000"/>
-              </a:lnSpc>
-              <a:spcBef>
-                <a:spcPts val="500"/>
-              </a:spcBef>
-              <a:buFont typeface="Arial" panose="020B0604020202020204" pitchFamily="34" charset="0"/>
-              <a:buChar char="•"/>
-              <a:defRPr kumimoji="1" sz="1800" kern="1200">
-                <a:solidFill>
-                  <a:schemeClr val="tx1"/>
-                </a:solidFill>
-                <a:latin typeface="+mn-lt"/>
-                <a:ea typeface="+mn-ea"/>
-                <a:cs typeface="+mn-cs"/>
-              </a:defRPr>
-            </a:lvl8pPr>
-            <a:lvl9pPr marL="3886200" indent="-228600" algn="l" defTabSz="914400" rtl="0" eaLnBrk="1" latinLnBrk="0" hangingPunct="1">
-              <a:lnSpc>
-                <a:spcPct val="90000"/>
-              </a:lnSpc>
-              <a:spcBef>
-                <a:spcPts val="500"/>
-              </a:spcBef>
-              <a:buFont typeface="Arial" panose="020B0604020202020204" pitchFamily="34" charset="0"/>
-              <a:buChar char="•"/>
-              <a:defRPr kumimoji="1" sz="1800" kern="1200">
-                <a:solidFill>
-                  <a:schemeClr val="tx1"/>
-                </a:solidFill>
-                <a:latin typeface="+mn-lt"/>
-                <a:ea typeface="+mn-ea"/>
-                <a:cs typeface="+mn-cs"/>
-              </a:defRPr>
-            </a:lvl9pPr>
-          </a:lstStyle>
-          <a:p>
-            <a:r>
-              <a:rPr lang="en-US" altLang="ja-JP" dirty="0"/>
-              <a:t>[Name]</a:t>
-            </a:r>
-            <a:r>
-              <a:rPr lang="ja-JP" altLang="en-US" dirty="0"/>
-              <a:t>には共同開発に使用</a:t>
-            </a:r>
-            <a:br>
-              <a:rPr lang="en-US" altLang="ja-JP" dirty="0"/>
-            </a:br>
-            <a:r>
-              <a:rPr lang="ja-JP" altLang="en-US" dirty="0"/>
-              <a:t>するリポジトリ名を入力</a:t>
-            </a:r>
-            <a:br>
-              <a:rPr lang="en-US" altLang="ja-JP" dirty="0"/>
-            </a:br>
-            <a:endParaRPr lang="en-US" altLang="ja-JP" dirty="0"/>
-          </a:p>
-          <a:p>
-            <a:r>
-              <a:rPr lang="en-US" altLang="ja-JP" dirty="0"/>
-              <a:t>[Local path]</a:t>
-            </a:r>
-            <a:r>
-              <a:rPr lang="ja-JP" altLang="en-US" dirty="0"/>
-              <a:t>は</a:t>
-            </a:r>
-            <a:br>
-              <a:rPr lang="en-US" altLang="ja-JP" dirty="0"/>
-            </a:br>
-            <a:r>
-              <a:rPr lang="en-US" altLang="ja-JP" dirty="0"/>
-              <a:t>C:\GitHub</a:t>
-            </a:r>
-            <a:r>
-              <a:rPr lang="ja-JP" altLang="en-US" dirty="0"/>
-              <a:t>のままで</a:t>
-            </a:r>
-            <a:r>
-              <a:rPr lang="en-US" altLang="ja-JP" dirty="0"/>
-              <a:t>OK</a:t>
-            </a:r>
-            <a:br>
-              <a:rPr lang="en-US" altLang="ja-JP" dirty="0"/>
-            </a:br>
-            <a:endParaRPr lang="en-US" altLang="ja-JP" dirty="0"/>
-          </a:p>
-          <a:p>
-            <a:r>
-              <a:rPr lang="en-US" altLang="ja-JP" dirty="0"/>
-              <a:t>[Git ignore]</a:t>
-            </a:r>
-            <a:r>
-              <a:rPr lang="ja-JP" altLang="en-US" dirty="0"/>
-              <a:t>は</a:t>
-            </a:r>
-            <a:br>
-              <a:rPr lang="en-US" altLang="ja-JP" dirty="0"/>
-            </a:br>
-            <a:r>
-              <a:rPr lang="en-US" altLang="ja-JP" dirty="0"/>
-              <a:t>C++</a:t>
-            </a:r>
-            <a:r>
-              <a:rPr lang="ja-JP" altLang="en-US" dirty="0"/>
-              <a:t>を選択</a:t>
-            </a:r>
-            <a:endParaRPr lang="en-US" altLang="ja-JP" dirty="0"/>
-          </a:p>
-        </p:txBody>
-      </p:sp>
-      <p:sp>
-        <p:nvSpPr>
-          <p:cNvPr id="12" name="テキスト ボックス 11">
-            <a:extLst>
-              <a:ext uri="{FF2B5EF4-FFF2-40B4-BE49-F238E27FC236}">
-                <a16:creationId xmlns:a16="http://schemas.microsoft.com/office/drawing/2014/main" id="{7C8B816D-F71E-5845-1020-D7846F4F43AE}"/>
-              </a:ext>
-            </a:extLst>
-          </p:cNvPr>
-          <p:cNvSpPr txBox="1"/>
-          <p:nvPr/>
-        </p:nvSpPr>
-        <p:spPr>
-          <a:xfrm>
-            <a:off x="9708204" y="103516"/>
-            <a:ext cx="2339102" cy="523220"/>
-          </a:xfrm>
-          <a:prstGeom prst="rect">
-            <a:avLst/>
-          </a:prstGeom>
-          <a:noFill/>
-          <a:ln>
-            <a:solidFill>
-              <a:srgbClr val="FF0000"/>
-            </a:solidFill>
-          </a:ln>
-        </p:spPr>
-        <p:txBody>
-          <a:bodyPr wrap="none" rtlCol="0">
-            <a:spAutoFit/>
-          </a:bodyPr>
-          <a:lstStyle/>
-          <a:p>
-            <a:r>
-              <a:rPr lang="ja-JP" altLang="en-US" sz="2800" dirty="0">
-                <a:solidFill>
-                  <a:srgbClr val="FF0000"/>
-                </a:solidFill>
-              </a:rPr>
-              <a:t>代表者の作業</a:t>
-            </a:r>
-            <a:endParaRPr kumimoji="1" lang="ja-JP" altLang="en-US" sz="2800" dirty="0">
-              <a:solidFill>
-                <a:srgbClr val="FF0000"/>
-              </a:solidFill>
-            </a:endParaRPr>
-          </a:p>
-        </p:txBody>
-      </p:sp>
-    </p:spTree>
-    <p:extLst>
-      <p:ext uri="{BB962C8B-B14F-4D97-AF65-F5344CB8AC3E}">
-        <p14:creationId xmlns:p14="http://schemas.microsoft.com/office/powerpoint/2010/main" val="868267086"/>
-      </p:ext>
-    </p:extLst>
-  </p:cSld>
-  <p:clrMapOvr>
-    <a:masterClrMapping/>
-  </p:clrMapOvr>
-</p:sld>
-</file>
-
-<file path=ppt/slides/slide40.xml><?xml version="1.0" encoding="utf-8"?>
+<file path=ppt/slides/slide41.xml><?xml version="1.0" encoding="utf-8"?>
 <p:sld xmlns:a="http://schemas.openxmlformats.org/drawingml/2006/main" xmlns:r="http://schemas.openxmlformats.org/officeDocument/2006/relationships" xmlns:p="http://schemas.openxmlformats.org/presentationml/2006/main">
   <p:cSld>
     <p:spTree>
@@ -19792,7 +20652,7 @@
 </p:sld>
 </file>
 
-<file path=ppt/slides/slide41.xml><?xml version="1.0" encoding="utf-8"?>
+<file path=ppt/slides/slide42.xml><?xml version="1.0" encoding="utf-8"?>
 <p:sld xmlns:a="http://schemas.openxmlformats.org/drawingml/2006/main" xmlns:r="http://schemas.openxmlformats.org/officeDocument/2006/relationships" xmlns:p="http://schemas.openxmlformats.org/presentationml/2006/main">
   <p:cSld>
     <p:spTree>
@@ -20199,7 +21059,7 @@
 </p:sld>
 </file>
 
-<file path=ppt/slides/slide42.xml><?xml version="1.0" encoding="utf-8"?>
+<file path=ppt/slides/slide43.xml><?xml version="1.0" encoding="utf-8"?>
 <p:sld xmlns:a="http://schemas.openxmlformats.org/drawingml/2006/main" xmlns:r="http://schemas.openxmlformats.org/officeDocument/2006/relationships" xmlns:p="http://schemas.openxmlformats.org/presentationml/2006/main">
   <p:cSld>
     <p:spTree>
@@ -20605,7 +21465,7 @@
 </p:sld>
 </file>
 
-<file path=ppt/slides/slide43.xml><?xml version="1.0" encoding="utf-8"?>
+<file path=ppt/slides/slide44.xml><?xml version="1.0" encoding="utf-8"?>
 <p:sld xmlns:a="http://schemas.openxmlformats.org/drawingml/2006/main" xmlns:r="http://schemas.openxmlformats.org/officeDocument/2006/relationships" xmlns:p="http://schemas.openxmlformats.org/presentationml/2006/main">
   <p:cSld>
     <p:spTree>
@@ -21011,7 +21871,7 @@
 </p:sld>
 </file>
 
-<file path=ppt/slides/slide44.xml><?xml version="1.0" encoding="utf-8"?>
+<file path=ppt/slides/slide45.xml><?xml version="1.0" encoding="utf-8"?>
 <p:sld xmlns:a="http://schemas.openxmlformats.org/drawingml/2006/main" xmlns:r="http://schemas.openxmlformats.org/officeDocument/2006/relationships" xmlns:p="http://schemas.openxmlformats.org/presentationml/2006/main">
   <p:cSld>
     <p:spTree>
@@ -21036,6 +21896,57 @@
       </p:grpSpPr>
       <p:sp>
         <p:nvSpPr>
+          <p:cNvPr id="5" name="四角形: 角を丸くする 4">
+            <a:extLst>
+              <a:ext uri="{FF2B5EF4-FFF2-40B4-BE49-F238E27FC236}">
+                <a16:creationId xmlns:a16="http://schemas.microsoft.com/office/drawing/2014/main" id="{5F699628-2577-64A4-B218-F7D64AA4B7D7}"/>
+              </a:ext>
+            </a:extLst>
+          </p:cNvPr>
+          <p:cNvSpPr/>
+          <p:nvPr/>
+        </p:nvSpPr>
+        <p:spPr>
+          <a:xfrm>
+            <a:off x="1206230" y="2393004"/>
+            <a:ext cx="2120630" cy="525293"/>
+          </a:xfrm>
+          <a:prstGeom prst="roundRect">
+            <a:avLst>
+              <a:gd name="adj" fmla="val 31421"/>
+            </a:avLst>
+          </a:prstGeom>
+          <a:solidFill>
+            <a:srgbClr val="9966FF"/>
+          </a:solidFill>
+        </p:spPr>
+        <p:style>
+          <a:lnRef idx="2">
+            <a:schemeClr val="accent1">
+              <a:shade val="15000"/>
+            </a:schemeClr>
+          </a:lnRef>
+          <a:fillRef idx="1">
+            <a:schemeClr val="accent1"/>
+          </a:fillRef>
+          <a:effectRef idx="0">
+            <a:schemeClr val="accent1"/>
+          </a:effectRef>
+          <a:fontRef idx="minor">
+            <a:schemeClr val="lt1"/>
+          </a:fontRef>
+        </p:style>
+        <p:txBody>
+          <a:bodyPr rtlCol="0" anchor="ctr"/>
+          <a:lstStyle/>
+          <a:p>
+            <a:pPr algn="ctr"/>
+            <a:endParaRPr kumimoji="1" lang="ja-JP" altLang="en-US"/>
+          </a:p>
+        </p:txBody>
+      </p:sp>
+      <p:sp>
+        <p:nvSpPr>
           <p:cNvPr id="2" name="タイトル 1">
             <a:extLst>
               <a:ext uri="{FF2B5EF4-FFF2-40B4-BE49-F238E27FC236}">
@@ -21283,15 +22194,19 @@
             </a:br>
             <a:r>
               <a:rPr lang="ja-JP" altLang="en-US" dirty="0"/>
-              <a:t>「</a:t>
-            </a:r>
-            <a:r>
-              <a:rPr lang="en-US" altLang="ja-JP" dirty="0"/>
-              <a:t>Merged</a:t>
-            </a:r>
-            <a:r>
-              <a:rPr lang="ja-JP" altLang="en-US" dirty="0"/>
-              <a:t>」と表示される</a:t>
+              <a:t> </a:t>
+            </a:r>
+            <a:r>
+              <a:rPr lang="en-US" altLang="ja-JP" dirty="0">
+                <a:solidFill>
+                  <a:schemeClr val="bg1"/>
+                </a:solidFill>
+              </a:rPr>
+              <a:t>Merged </a:t>
+            </a:r>
+            <a:r>
+              <a:rPr lang="ja-JP" altLang="en-US" dirty="0"/>
+              <a:t>と表示される</a:t>
             </a:r>
             <a:br>
               <a:rPr lang="en-US" altLang="ja-JP" dirty="0"/>
@@ -21442,7 +22357,7 @@
 </p:sld>
 </file>
 
-<file path=ppt/slides/slide45.xml><?xml version="1.0" encoding="utf-8"?>
+<file path=ppt/slides/slide46.xml><?xml version="1.0" encoding="utf-8"?>
 <p:sld xmlns:a="http://schemas.openxmlformats.org/drawingml/2006/main" xmlns:r="http://schemas.openxmlformats.org/officeDocument/2006/relationships" xmlns:p="http://schemas.openxmlformats.org/presentationml/2006/main">
   <p:cSld>
     <p:spTree>
@@ -21713,22 +22628,46 @@
               <a:rPr lang="en-US" altLang="ja-JP" dirty="0"/>
             </a:br>
             <a:r>
-              <a:rPr lang="ja-JP" altLang="en-US" dirty="0"/>
-              <a:t>リモートのブランチは削除</a:t>
+              <a:rPr lang="ja-JP" altLang="en-US" dirty="0">
+                <a:solidFill>
+                  <a:srgbClr val="00B050"/>
+                </a:solidFill>
+              </a:rPr>
+              <a:t>リモート</a:t>
+            </a:r>
+            <a:r>
+              <a:rPr lang="ja-JP" altLang="en-US" dirty="0"/>
+              <a:t>のブランチは削除</a:t>
             </a:r>
             <a:br>
               <a:rPr lang="en-US" altLang="ja-JP" dirty="0"/>
             </a:br>
             <a:r>
               <a:rPr lang="ja-JP" altLang="en-US" dirty="0"/>
-              <a:t>されたので、ローカルの</a:t>
+              <a:t>されたので、</a:t>
+            </a:r>
+            <a:r>
+              <a:rPr lang="ja-JP" altLang="en-US" u="sng" dirty="0">
+                <a:solidFill>
+                  <a:srgbClr val="00B0F0"/>
+                </a:solidFill>
+              </a:rPr>
+              <a:t>ローカル</a:t>
+            </a:r>
+            <a:r>
+              <a:rPr lang="ja-JP" altLang="en-US" u="sng" dirty="0"/>
+              <a:t>の</a:t>
             </a:r>
             <a:br>
-              <a:rPr lang="en-US" altLang="ja-JP" dirty="0"/>
+              <a:rPr lang="en-US" altLang="ja-JP" u="sng" dirty="0"/>
             </a:br>
             <a:r>
-              <a:rPr lang="ja-JP" altLang="en-US" dirty="0"/>
-              <a:t>ブランチも削除する</a:t>
+              <a:rPr lang="ja-JP" altLang="en-US" u="sng" dirty="0"/>
+              <a:t>ブランチも削除</a:t>
+            </a:r>
+            <a:r>
+              <a:rPr lang="ja-JP" altLang="en-US" dirty="0"/>
+              <a:t>する</a:t>
             </a:r>
             <a:br>
               <a:rPr lang="en-US" altLang="ja-JP" dirty="0"/>
@@ -22068,6 +23007,1654 @@
 </p:sld>
 </file>
 
+<file path=ppt/slides/slide47.xml><?xml version="1.0" encoding="utf-8"?>
+<p:sld xmlns:a="http://schemas.openxmlformats.org/drawingml/2006/main" xmlns:r="http://schemas.openxmlformats.org/officeDocument/2006/relationships" xmlns:p="http://schemas.openxmlformats.org/presentationml/2006/main">
+  <p:cSld>
+    <p:spTree>
+      <p:nvGrpSpPr>
+        <p:cNvPr id="1" name="">
+          <a:extLst>
+            <a:ext uri="{FF2B5EF4-FFF2-40B4-BE49-F238E27FC236}">
+              <a16:creationId xmlns:a16="http://schemas.microsoft.com/office/drawing/2014/main" id="{0717CE76-0BC7-501C-2BCA-A8D6A009986A}"/>
+            </a:ext>
+          </a:extLst>
+        </p:cNvPr>
+        <p:cNvGrpSpPr/>
+        <p:nvPr/>
+      </p:nvGrpSpPr>
+      <p:grpSpPr>
+        <a:xfrm>
+          <a:off x="0" y="0"/>
+          <a:ext cx="0" cy="0"/>
+          <a:chOff x="0" y="0"/>
+          <a:chExt cx="0" cy="0"/>
+        </a:xfrm>
+      </p:grpSpPr>
+      <p:sp>
+        <p:nvSpPr>
+          <p:cNvPr id="2" name="タイトル 1">
+            <a:extLst>
+              <a:ext uri="{FF2B5EF4-FFF2-40B4-BE49-F238E27FC236}">
+                <a16:creationId xmlns:a16="http://schemas.microsoft.com/office/drawing/2014/main" id="{64223967-2D0E-8A66-69A5-22E2D3469571}"/>
+              </a:ext>
+            </a:extLst>
+          </p:cNvPr>
+          <p:cNvSpPr>
+            <a:spLocks noGrp="1"/>
+          </p:cNvSpPr>
+          <p:nvPr>
+            <p:ph type="title"/>
+          </p:nvPr>
+        </p:nvSpPr>
+        <p:spPr/>
+        <p:txBody>
+          <a:bodyPr/>
+          <a:lstStyle/>
+          <a:p>
+            <a:r>
+              <a:rPr lang="en-US" altLang="ja-JP" dirty="0"/>
+              <a:t>GitHub</a:t>
+            </a:r>
+            <a:r>
+              <a:rPr lang="ja-JP" altLang="en-US" dirty="0"/>
+              <a:t>を使ったチーム制作</a:t>
+            </a:r>
+            <a:endParaRPr kumimoji="1" lang="ja-JP" altLang="en-US" dirty="0"/>
+          </a:p>
+        </p:txBody>
+      </p:sp>
+      <p:sp>
+        <p:nvSpPr>
+          <p:cNvPr id="9" name="コンテンツ プレースホルダー 2">
+            <a:extLst>
+              <a:ext uri="{FF2B5EF4-FFF2-40B4-BE49-F238E27FC236}">
+                <a16:creationId xmlns:a16="http://schemas.microsoft.com/office/drawing/2014/main" id="{6FA0CC5C-4432-8B4C-64D3-844D339B958B}"/>
+              </a:ext>
+            </a:extLst>
+          </p:cNvPr>
+          <p:cNvSpPr txBox="1">
+            <a:spLocks/>
+          </p:cNvSpPr>
+          <p:nvPr/>
+        </p:nvSpPr>
+        <p:spPr>
+          <a:xfrm>
+            <a:off x="838200" y="1376038"/>
+            <a:ext cx="10515600" cy="5355502"/>
+          </a:xfrm>
+          <a:prstGeom prst="rect">
+            <a:avLst/>
+          </a:prstGeom>
+        </p:spPr>
+        <p:txBody>
+          <a:bodyPr vert="horz" lIns="91440" tIns="45720" rIns="91440" bIns="45720" rtlCol="0">
+            <a:normAutofit/>
+          </a:bodyPr>
+          <a:lstStyle>
+            <a:lvl1pPr marL="228600" indent="-228600" algn="l" defTabSz="914400" rtl="0" eaLnBrk="1" latinLnBrk="0" hangingPunct="1">
+              <a:lnSpc>
+                <a:spcPct val="90000"/>
+              </a:lnSpc>
+              <a:spcBef>
+                <a:spcPts val="1000"/>
+              </a:spcBef>
+              <a:buFont typeface="Arial" panose="020B0604020202020204" pitchFamily="34" charset="0"/>
+              <a:buChar char="•"/>
+              <a:defRPr kumimoji="1" sz="3600" kern="1200">
+                <a:solidFill>
+                  <a:schemeClr val="tx1"/>
+                </a:solidFill>
+                <a:latin typeface="+mn-lt"/>
+                <a:ea typeface="+mn-ea"/>
+                <a:cs typeface="+mn-cs"/>
+              </a:defRPr>
+            </a:lvl1pPr>
+            <a:lvl2pPr marL="685800" indent="-228600" algn="l" defTabSz="914400" rtl="0" eaLnBrk="1" latinLnBrk="0" hangingPunct="1">
+              <a:lnSpc>
+                <a:spcPct val="90000"/>
+              </a:lnSpc>
+              <a:spcBef>
+                <a:spcPts val="500"/>
+              </a:spcBef>
+              <a:buFont typeface="Arial" panose="020B0604020202020204" pitchFamily="34" charset="0"/>
+              <a:buChar char="•"/>
+              <a:defRPr kumimoji="1" sz="3200" kern="1200">
+                <a:solidFill>
+                  <a:schemeClr val="tx1"/>
+                </a:solidFill>
+                <a:latin typeface="+mn-lt"/>
+                <a:ea typeface="+mn-ea"/>
+                <a:cs typeface="+mn-cs"/>
+              </a:defRPr>
+            </a:lvl2pPr>
+            <a:lvl3pPr marL="1143000" indent="-228600" algn="l" defTabSz="914400" rtl="0" eaLnBrk="1" latinLnBrk="0" hangingPunct="1">
+              <a:lnSpc>
+                <a:spcPct val="90000"/>
+              </a:lnSpc>
+              <a:spcBef>
+                <a:spcPts val="500"/>
+              </a:spcBef>
+              <a:buFont typeface="Arial" panose="020B0604020202020204" pitchFamily="34" charset="0"/>
+              <a:buChar char="•"/>
+              <a:defRPr kumimoji="1" sz="2800" kern="1200">
+                <a:solidFill>
+                  <a:schemeClr val="tx1"/>
+                </a:solidFill>
+                <a:latin typeface="+mn-lt"/>
+                <a:ea typeface="+mn-ea"/>
+                <a:cs typeface="+mn-cs"/>
+              </a:defRPr>
+            </a:lvl3pPr>
+            <a:lvl4pPr marL="1600200" indent="-228600" algn="l" defTabSz="914400" rtl="0" eaLnBrk="1" latinLnBrk="0" hangingPunct="1">
+              <a:lnSpc>
+                <a:spcPct val="90000"/>
+              </a:lnSpc>
+              <a:spcBef>
+                <a:spcPts val="500"/>
+              </a:spcBef>
+              <a:buFont typeface="Arial" panose="020B0604020202020204" pitchFamily="34" charset="0"/>
+              <a:buChar char="•"/>
+              <a:defRPr kumimoji="1" sz="2400" kern="1200">
+                <a:solidFill>
+                  <a:schemeClr val="tx1"/>
+                </a:solidFill>
+                <a:latin typeface="+mn-lt"/>
+                <a:ea typeface="+mn-ea"/>
+                <a:cs typeface="+mn-cs"/>
+              </a:defRPr>
+            </a:lvl4pPr>
+            <a:lvl5pPr marL="2057400" indent="-228600" algn="l" defTabSz="914400" rtl="0" eaLnBrk="1" latinLnBrk="0" hangingPunct="1">
+              <a:lnSpc>
+                <a:spcPct val="90000"/>
+              </a:lnSpc>
+              <a:spcBef>
+                <a:spcPts val="500"/>
+              </a:spcBef>
+              <a:buFont typeface="Arial" panose="020B0604020202020204" pitchFamily="34" charset="0"/>
+              <a:buChar char="•"/>
+              <a:defRPr kumimoji="1" sz="2400" kern="1200">
+                <a:solidFill>
+                  <a:schemeClr val="tx1"/>
+                </a:solidFill>
+                <a:latin typeface="+mn-lt"/>
+                <a:ea typeface="+mn-ea"/>
+                <a:cs typeface="+mn-cs"/>
+              </a:defRPr>
+            </a:lvl5pPr>
+            <a:lvl6pPr marL="2514600" indent="-228600" algn="l" defTabSz="914400" rtl="0" eaLnBrk="1" latinLnBrk="0" hangingPunct="1">
+              <a:lnSpc>
+                <a:spcPct val="90000"/>
+              </a:lnSpc>
+              <a:spcBef>
+                <a:spcPts val="500"/>
+              </a:spcBef>
+              <a:buFont typeface="Arial" panose="020B0604020202020204" pitchFamily="34" charset="0"/>
+              <a:buChar char="•"/>
+              <a:defRPr kumimoji="1" sz="1800" kern="1200">
+                <a:solidFill>
+                  <a:schemeClr val="tx1"/>
+                </a:solidFill>
+                <a:latin typeface="+mn-lt"/>
+                <a:ea typeface="+mn-ea"/>
+                <a:cs typeface="+mn-cs"/>
+              </a:defRPr>
+            </a:lvl6pPr>
+            <a:lvl7pPr marL="2971800" indent="-228600" algn="l" defTabSz="914400" rtl="0" eaLnBrk="1" latinLnBrk="0" hangingPunct="1">
+              <a:lnSpc>
+                <a:spcPct val="90000"/>
+              </a:lnSpc>
+              <a:spcBef>
+                <a:spcPts val="500"/>
+              </a:spcBef>
+              <a:buFont typeface="Arial" panose="020B0604020202020204" pitchFamily="34" charset="0"/>
+              <a:buChar char="•"/>
+              <a:defRPr kumimoji="1" sz="1800" kern="1200">
+                <a:solidFill>
+                  <a:schemeClr val="tx1"/>
+                </a:solidFill>
+                <a:latin typeface="+mn-lt"/>
+                <a:ea typeface="+mn-ea"/>
+                <a:cs typeface="+mn-cs"/>
+              </a:defRPr>
+            </a:lvl7pPr>
+            <a:lvl8pPr marL="3429000" indent="-228600" algn="l" defTabSz="914400" rtl="0" eaLnBrk="1" latinLnBrk="0" hangingPunct="1">
+              <a:lnSpc>
+                <a:spcPct val="90000"/>
+              </a:lnSpc>
+              <a:spcBef>
+                <a:spcPts val="500"/>
+              </a:spcBef>
+              <a:buFont typeface="Arial" panose="020B0604020202020204" pitchFamily="34" charset="0"/>
+              <a:buChar char="•"/>
+              <a:defRPr kumimoji="1" sz="1800" kern="1200">
+                <a:solidFill>
+                  <a:schemeClr val="tx1"/>
+                </a:solidFill>
+                <a:latin typeface="+mn-lt"/>
+                <a:ea typeface="+mn-ea"/>
+                <a:cs typeface="+mn-cs"/>
+              </a:defRPr>
+            </a:lvl8pPr>
+            <a:lvl9pPr marL="3886200" indent="-228600" algn="l" defTabSz="914400" rtl="0" eaLnBrk="1" latinLnBrk="0" hangingPunct="1">
+              <a:lnSpc>
+                <a:spcPct val="90000"/>
+              </a:lnSpc>
+              <a:spcBef>
+                <a:spcPts val="500"/>
+              </a:spcBef>
+              <a:buFont typeface="Arial" panose="020B0604020202020204" pitchFamily="34" charset="0"/>
+              <a:buChar char="•"/>
+              <a:defRPr kumimoji="1" sz="1800" kern="1200">
+                <a:solidFill>
+                  <a:schemeClr val="tx1"/>
+                </a:solidFill>
+                <a:latin typeface="+mn-lt"/>
+                <a:ea typeface="+mn-ea"/>
+                <a:cs typeface="+mn-cs"/>
+              </a:defRPr>
+            </a:lvl9pPr>
+          </a:lstStyle>
+          <a:p>
+            <a:r>
+              <a:rPr lang="ja-JP" altLang="en-US" b="1" dirty="0">
+                <a:solidFill>
+                  <a:srgbClr val="FF0000"/>
+                </a:solidFill>
+              </a:rPr>
+              <a:t>競合（コンフリクト）</a:t>
+            </a:r>
+            <a:r>
+              <a:rPr lang="ja-JP" altLang="en-US" dirty="0"/>
+              <a:t>が発生したとき</a:t>
+            </a:r>
+            <a:br>
+              <a:rPr lang="en-US" altLang="ja-JP" dirty="0"/>
+            </a:br>
+            <a:br>
+              <a:rPr lang="en-US" altLang="ja-JP" dirty="0"/>
+            </a:br>
+            <a:r>
+              <a:rPr lang="ja-JP" altLang="en-US" dirty="0"/>
+              <a:t>右図のように競合</a:t>
+            </a:r>
+            <a:br>
+              <a:rPr lang="en-US" altLang="ja-JP" dirty="0"/>
+            </a:br>
+            <a:r>
+              <a:rPr lang="ja-JP" altLang="en-US" dirty="0"/>
+              <a:t>（コンフリクト）が</a:t>
+            </a:r>
+            <a:br>
+              <a:rPr lang="en-US" altLang="ja-JP" dirty="0"/>
+            </a:br>
+            <a:r>
+              <a:rPr lang="ja-JP" altLang="en-US" dirty="0"/>
+              <a:t>発生すると</a:t>
+            </a:r>
+            <a:br>
+              <a:rPr lang="en-US" altLang="ja-JP" dirty="0"/>
+            </a:br>
+            <a:r>
+              <a:rPr lang="ja-JP" altLang="en-US" dirty="0"/>
+              <a:t>マージができない</a:t>
+            </a:r>
+            <a:br>
+              <a:rPr lang="en-US" altLang="ja-JP" dirty="0"/>
+            </a:br>
+            <a:r>
+              <a:rPr lang="en-US" altLang="ja-JP" dirty="0"/>
+              <a:t>[Resolve </a:t>
+            </a:r>
+            <a:br>
+              <a:rPr lang="en-US" altLang="ja-JP" dirty="0"/>
+            </a:br>
+            <a:r>
+              <a:rPr lang="ja-JP" altLang="en-US" dirty="0"/>
+              <a:t>　　</a:t>
+            </a:r>
+            <a:r>
+              <a:rPr lang="en-US" altLang="ja-JP" dirty="0"/>
+              <a:t>conflicts]</a:t>
+            </a:r>
+            <a:br>
+              <a:rPr lang="en-US" altLang="ja-JP" dirty="0"/>
+            </a:br>
+            <a:r>
+              <a:rPr lang="ja-JP" altLang="en-US" dirty="0"/>
+              <a:t>から競合を解決</a:t>
+            </a:r>
+            <a:br>
+              <a:rPr lang="en-US" altLang="ja-JP" dirty="0"/>
+            </a:br>
+            <a:r>
+              <a:rPr lang="ja-JP" altLang="en-US" dirty="0"/>
+              <a:t>する必要がある</a:t>
+            </a:r>
+            <a:endParaRPr lang="en-US" altLang="ja-JP" dirty="0"/>
+          </a:p>
+        </p:txBody>
+      </p:sp>
+      <p:pic>
+        <p:nvPicPr>
+          <p:cNvPr id="10" name="図 9">
+            <a:extLst>
+              <a:ext uri="{FF2B5EF4-FFF2-40B4-BE49-F238E27FC236}">
+                <a16:creationId xmlns:a16="http://schemas.microsoft.com/office/drawing/2014/main" id="{DD0D3DD8-9EFA-76C0-D1B1-96D020F34DF6}"/>
+              </a:ext>
+            </a:extLst>
+          </p:cNvPr>
+          <p:cNvPicPr>
+            <a:picLocks noChangeAspect="1"/>
+          </p:cNvPicPr>
+          <p:nvPr/>
+        </p:nvPicPr>
+        <p:blipFill>
+          <a:blip r:embed="rId2">
+            <a:extLst>
+              <a:ext uri="{28A0092B-C50C-407E-A947-70E740481C1C}">
+                <a14:useLocalDpi xmlns:a14="http://schemas.microsoft.com/office/drawing/2010/main" val="0"/>
+              </a:ext>
+            </a:extLst>
+          </a:blip>
+          <a:stretch>
+            <a:fillRect/>
+          </a:stretch>
+        </p:blipFill>
+        <p:spPr>
+          <a:xfrm>
+            <a:off x="5000017" y="1980697"/>
+            <a:ext cx="7039288" cy="4708713"/>
+          </a:xfrm>
+          <a:prstGeom prst="rect">
+            <a:avLst/>
+          </a:prstGeom>
+          <a:ln>
+            <a:solidFill>
+              <a:schemeClr val="tx1"/>
+            </a:solidFill>
+          </a:ln>
+        </p:spPr>
+      </p:pic>
+      <p:sp>
+        <p:nvSpPr>
+          <p:cNvPr id="12" name="正方形/長方形 11">
+            <a:extLst>
+              <a:ext uri="{FF2B5EF4-FFF2-40B4-BE49-F238E27FC236}">
+                <a16:creationId xmlns:a16="http://schemas.microsoft.com/office/drawing/2014/main" id="{AC35AF5C-A236-E89F-A822-C568275A0E27}"/>
+              </a:ext>
+            </a:extLst>
+          </p:cNvPr>
+          <p:cNvSpPr/>
+          <p:nvPr/>
+        </p:nvSpPr>
+        <p:spPr>
+          <a:xfrm>
+            <a:off x="5648335" y="4777139"/>
+            <a:ext cx="3515120" cy="1059457"/>
+          </a:xfrm>
+          <a:prstGeom prst="rect">
+            <a:avLst/>
+          </a:prstGeom>
+          <a:noFill/>
+          <a:ln w="38100">
+            <a:solidFill>
+              <a:srgbClr val="FF0000"/>
+            </a:solidFill>
+          </a:ln>
+        </p:spPr>
+        <p:style>
+          <a:lnRef idx="2">
+            <a:schemeClr val="accent1">
+              <a:shade val="15000"/>
+            </a:schemeClr>
+          </a:lnRef>
+          <a:fillRef idx="1">
+            <a:schemeClr val="accent1"/>
+          </a:fillRef>
+          <a:effectRef idx="0">
+            <a:schemeClr val="accent1"/>
+          </a:effectRef>
+          <a:fontRef idx="minor">
+            <a:schemeClr val="lt1"/>
+          </a:fontRef>
+        </p:style>
+        <p:txBody>
+          <a:bodyPr rtlCol="0" anchor="ctr"/>
+          <a:lstStyle/>
+          <a:p>
+            <a:pPr algn="ctr"/>
+            <a:endParaRPr kumimoji="1" lang="ja-JP" altLang="en-US"/>
+          </a:p>
+        </p:txBody>
+      </p:sp>
+      <p:sp>
+        <p:nvSpPr>
+          <p:cNvPr id="13" name="正方形/長方形 12">
+            <a:extLst>
+              <a:ext uri="{FF2B5EF4-FFF2-40B4-BE49-F238E27FC236}">
+                <a16:creationId xmlns:a16="http://schemas.microsoft.com/office/drawing/2014/main" id="{69E9F83D-CC50-D52A-516A-70F47FAD0EC1}"/>
+              </a:ext>
+            </a:extLst>
+          </p:cNvPr>
+          <p:cNvSpPr/>
+          <p:nvPr/>
+        </p:nvSpPr>
+        <p:spPr>
+          <a:xfrm>
+            <a:off x="10671243" y="4880901"/>
+            <a:ext cx="1193258" cy="381763"/>
+          </a:xfrm>
+          <a:prstGeom prst="rect">
+            <a:avLst/>
+          </a:prstGeom>
+          <a:noFill/>
+          <a:ln w="38100">
+            <a:solidFill>
+              <a:srgbClr val="FF0000"/>
+            </a:solidFill>
+          </a:ln>
+        </p:spPr>
+        <p:style>
+          <a:lnRef idx="2">
+            <a:schemeClr val="accent1">
+              <a:shade val="15000"/>
+            </a:schemeClr>
+          </a:lnRef>
+          <a:fillRef idx="1">
+            <a:schemeClr val="accent1"/>
+          </a:fillRef>
+          <a:effectRef idx="0">
+            <a:schemeClr val="accent1"/>
+          </a:effectRef>
+          <a:fontRef idx="minor">
+            <a:schemeClr val="lt1"/>
+          </a:fontRef>
+        </p:style>
+        <p:txBody>
+          <a:bodyPr rtlCol="0" anchor="ctr"/>
+          <a:lstStyle/>
+          <a:p>
+            <a:pPr algn="ctr"/>
+            <a:endParaRPr kumimoji="1" lang="ja-JP" altLang="en-US"/>
+          </a:p>
+        </p:txBody>
+      </p:sp>
+    </p:spTree>
+    <p:extLst>
+      <p:ext uri="{BB962C8B-B14F-4D97-AF65-F5344CB8AC3E}">
+        <p14:creationId xmlns:p14="http://schemas.microsoft.com/office/powerpoint/2010/main" val="3054822009"/>
+      </p:ext>
+    </p:extLst>
+  </p:cSld>
+  <p:clrMapOvr>
+    <a:masterClrMapping/>
+  </p:clrMapOvr>
+</p:sld>
+</file>
+
+<file path=ppt/slides/slide48.xml><?xml version="1.0" encoding="utf-8"?>
+<p:sld xmlns:a="http://schemas.openxmlformats.org/drawingml/2006/main" xmlns:r="http://schemas.openxmlformats.org/officeDocument/2006/relationships" xmlns:p="http://schemas.openxmlformats.org/presentationml/2006/main">
+  <p:cSld>
+    <p:spTree>
+      <p:nvGrpSpPr>
+        <p:cNvPr id="1" name="">
+          <a:extLst>
+            <a:ext uri="{FF2B5EF4-FFF2-40B4-BE49-F238E27FC236}">
+              <a16:creationId xmlns:a16="http://schemas.microsoft.com/office/drawing/2014/main" id="{2E9EC714-82C9-CF34-3E33-B0DB681DF0A2}"/>
+            </a:ext>
+          </a:extLst>
+        </p:cNvPr>
+        <p:cNvGrpSpPr/>
+        <p:nvPr/>
+      </p:nvGrpSpPr>
+      <p:grpSpPr>
+        <a:xfrm>
+          <a:off x="0" y="0"/>
+          <a:ext cx="0" cy="0"/>
+          <a:chOff x="0" y="0"/>
+          <a:chExt cx="0" cy="0"/>
+        </a:xfrm>
+      </p:grpSpPr>
+      <p:sp>
+        <p:nvSpPr>
+          <p:cNvPr id="2" name="タイトル 1">
+            <a:extLst>
+              <a:ext uri="{FF2B5EF4-FFF2-40B4-BE49-F238E27FC236}">
+                <a16:creationId xmlns:a16="http://schemas.microsoft.com/office/drawing/2014/main" id="{2C7F8E50-526B-C4FF-2F87-A4E03EFDA14E}"/>
+              </a:ext>
+            </a:extLst>
+          </p:cNvPr>
+          <p:cNvSpPr>
+            <a:spLocks noGrp="1"/>
+          </p:cNvSpPr>
+          <p:nvPr>
+            <p:ph type="title"/>
+          </p:nvPr>
+        </p:nvSpPr>
+        <p:spPr/>
+        <p:txBody>
+          <a:bodyPr/>
+          <a:lstStyle/>
+          <a:p>
+            <a:r>
+              <a:rPr lang="en-US" altLang="ja-JP" dirty="0"/>
+              <a:t>GitHub</a:t>
+            </a:r>
+            <a:r>
+              <a:rPr lang="ja-JP" altLang="en-US" dirty="0"/>
+              <a:t>を使ったチーム制作</a:t>
+            </a:r>
+            <a:endParaRPr kumimoji="1" lang="ja-JP" altLang="en-US" dirty="0"/>
+          </a:p>
+        </p:txBody>
+      </p:sp>
+      <p:sp>
+        <p:nvSpPr>
+          <p:cNvPr id="9" name="コンテンツ プレースホルダー 2">
+            <a:extLst>
+              <a:ext uri="{FF2B5EF4-FFF2-40B4-BE49-F238E27FC236}">
+                <a16:creationId xmlns:a16="http://schemas.microsoft.com/office/drawing/2014/main" id="{85C2DDCA-B51B-AE4D-7370-4BD5C4DC478F}"/>
+              </a:ext>
+            </a:extLst>
+          </p:cNvPr>
+          <p:cNvSpPr txBox="1">
+            <a:spLocks/>
+          </p:cNvSpPr>
+          <p:nvPr/>
+        </p:nvSpPr>
+        <p:spPr>
+          <a:xfrm>
+            <a:off x="838200" y="1376038"/>
+            <a:ext cx="10515600" cy="5355502"/>
+          </a:xfrm>
+          <a:prstGeom prst="rect">
+            <a:avLst/>
+          </a:prstGeom>
+        </p:spPr>
+        <p:txBody>
+          <a:bodyPr vert="horz" lIns="91440" tIns="45720" rIns="91440" bIns="45720" rtlCol="0">
+            <a:normAutofit/>
+          </a:bodyPr>
+          <a:lstStyle>
+            <a:lvl1pPr marL="228600" indent="-228600" algn="l" defTabSz="914400" rtl="0" eaLnBrk="1" latinLnBrk="0" hangingPunct="1">
+              <a:lnSpc>
+                <a:spcPct val="90000"/>
+              </a:lnSpc>
+              <a:spcBef>
+                <a:spcPts val="1000"/>
+              </a:spcBef>
+              <a:buFont typeface="Arial" panose="020B0604020202020204" pitchFamily="34" charset="0"/>
+              <a:buChar char="•"/>
+              <a:defRPr kumimoji="1" sz="3600" kern="1200">
+                <a:solidFill>
+                  <a:schemeClr val="tx1"/>
+                </a:solidFill>
+                <a:latin typeface="+mn-lt"/>
+                <a:ea typeface="+mn-ea"/>
+                <a:cs typeface="+mn-cs"/>
+              </a:defRPr>
+            </a:lvl1pPr>
+            <a:lvl2pPr marL="685800" indent="-228600" algn="l" defTabSz="914400" rtl="0" eaLnBrk="1" latinLnBrk="0" hangingPunct="1">
+              <a:lnSpc>
+                <a:spcPct val="90000"/>
+              </a:lnSpc>
+              <a:spcBef>
+                <a:spcPts val="500"/>
+              </a:spcBef>
+              <a:buFont typeface="Arial" panose="020B0604020202020204" pitchFamily="34" charset="0"/>
+              <a:buChar char="•"/>
+              <a:defRPr kumimoji="1" sz="3200" kern="1200">
+                <a:solidFill>
+                  <a:schemeClr val="tx1"/>
+                </a:solidFill>
+                <a:latin typeface="+mn-lt"/>
+                <a:ea typeface="+mn-ea"/>
+                <a:cs typeface="+mn-cs"/>
+              </a:defRPr>
+            </a:lvl2pPr>
+            <a:lvl3pPr marL="1143000" indent="-228600" algn="l" defTabSz="914400" rtl="0" eaLnBrk="1" latinLnBrk="0" hangingPunct="1">
+              <a:lnSpc>
+                <a:spcPct val="90000"/>
+              </a:lnSpc>
+              <a:spcBef>
+                <a:spcPts val="500"/>
+              </a:spcBef>
+              <a:buFont typeface="Arial" panose="020B0604020202020204" pitchFamily="34" charset="0"/>
+              <a:buChar char="•"/>
+              <a:defRPr kumimoji="1" sz="2800" kern="1200">
+                <a:solidFill>
+                  <a:schemeClr val="tx1"/>
+                </a:solidFill>
+                <a:latin typeface="+mn-lt"/>
+                <a:ea typeface="+mn-ea"/>
+                <a:cs typeface="+mn-cs"/>
+              </a:defRPr>
+            </a:lvl3pPr>
+            <a:lvl4pPr marL="1600200" indent="-228600" algn="l" defTabSz="914400" rtl="0" eaLnBrk="1" latinLnBrk="0" hangingPunct="1">
+              <a:lnSpc>
+                <a:spcPct val="90000"/>
+              </a:lnSpc>
+              <a:spcBef>
+                <a:spcPts val="500"/>
+              </a:spcBef>
+              <a:buFont typeface="Arial" panose="020B0604020202020204" pitchFamily="34" charset="0"/>
+              <a:buChar char="•"/>
+              <a:defRPr kumimoji="1" sz="2400" kern="1200">
+                <a:solidFill>
+                  <a:schemeClr val="tx1"/>
+                </a:solidFill>
+                <a:latin typeface="+mn-lt"/>
+                <a:ea typeface="+mn-ea"/>
+                <a:cs typeface="+mn-cs"/>
+              </a:defRPr>
+            </a:lvl4pPr>
+            <a:lvl5pPr marL="2057400" indent="-228600" algn="l" defTabSz="914400" rtl="0" eaLnBrk="1" latinLnBrk="0" hangingPunct="1">
+              <a:lnSpc>
+                <a:spcPct val="90000"/>
+              </a:lnSpc>
+              <a:spcBef>
+                <a:spcPts val="500"/>
+              </a:spcBef>
+              <a:buFont typeface="Arial" panose="020B0604020202020204" pitchFamily="34" charset="0"/>
+              <a:buChar char="•"/>
+              <a:defRPr kumimoji="1" sz="2400" kern="1200">
+                <a:solidFill>
+                  <a:schemeClr val="tx1"/>
+                </a:solidFill>
+                <a:latin typeface="+mn-lt"/>
+                <a:ea typeface="+mn-ea"/>
+                <a:cs typeface="+mn-cs"/>
+              </a:defRPr>
+            </a:lvl5pPr>
+            <a:lvl6pPr marL="2514600" indent="-228600" algn="l" defTabSz="914400" rtl="0" eaLnBrk="1" latinLnBrk="0" hangingPunct="1">
+              <a:lnSpc>
+                <a:spcPct val="90000"/>
+              </a:lnSpc>
+              <a:spcBef>
+                <a:spcPts val="500"/>
+              </a:spcBef>
+              <a:buFont typeface="Arial" panose="020B0604020202020204" pitchFamily="34" charset="0"/>
+              <a:buChar char="•"/>
+              <a:defRPr kumimoji="1" sz="1800" kern="1200">
+                <a:solidFill>
+                  <a:schemeClr val="tx1"/>
+                </a:solidFill>
+                <a:latin typeface="+mn-lt"/>
+                <a:ea typeface="+mn-ea"/>
+                <a:cs typeface="+mn-cs"/>
+              </a:defRPr>
+            </a:lvl6pPr>
+            <a:lvl7pPr marL="2971800" indent="-228600" algn="l" defTabSz="914400" rtl="0" eaLnBrk="1" latinLnBrk="0" hangingPunct="1">
+              <a:lnSpc>
+                <a:spcPct val="90000"/>
+              </a:lnSpc>
+              <a:spcBef>
+                <a:spcPts val="500"/>
+              </a:spcBef>
+              <a:buFont typeface="Arial" panose="020B0604020202020204" pitchFamily="34" charset="0"/>
+              <a:buChar char="•"/>
+              <a:defRPr kumimoji="1" sz="1800" kern="1200">
+                <a:solidFill>
+                  <a:schemeClr val="tx1"/>
+                </a:solidFill>
+                <a:latin typeface="+mn-lt"/>
+                <a:ea typeface="+mn-ea"/>
+                <a:cs typeface="+mn-cs"/>
+              </a:defRPr>
+            </a:lvl7pPr>
+            <a:lvl8pPr marL="3429000" indent="-228600" algn="l" defTabSz="914400" rtl="0" eaLnBrk="1" latinLnBrk="0" hangingPunct="1">
+              <a:lnSpc>
+                <a:spcPct val="90000"/>
+              </a:lnSpc>
+              <a:spcBef>
+                <a:spcPts val="500"/>
+              </a:spcBef>
+              <a:buFont typeface="Arial" panose="020B0604020202020204" pitchFamily="34" charset="0"/>
+              <a:buChar char="•"/>
+              <a:defRPr kumimoji="1" sz="1800" kern="1200">
+                <a:solidFill>
+                  <a:schemeClr val="tx1"/>
+                </a:solidFill>
+                <a:latin typeface="+mn-lt"/>
+                <a:ea typeface="+mn-ea"/>
+                <a:cs typeface="+mn-cs"/>
+              </a:defRPr>
+            </a:lvl8pPr>
+            <a:lvl9pPr marL="3886200" indent="-228600" algn="l" defTabSz="914400" rtl="0" eaLnBrk="1" latinLnBrk="0" hangingPunct="1">
+              <a:lnSpc>
+                <a:spcPct val="90000"/>
+              </a:lnSpc>
+              <a:spcBef>
+                <a:spcPts val="500"/>
+              </a:spcBef>
+              <a:buFont typeface="Arial" panose="020B0604020202020204" pitchFamily="34" charset="0"/>
+              <a:buChar char="•"/>
+              <a:defRPr kumimoji="1" sz="1800" kern="1200">
+                <a:solidFill>
+                  <a:schemeClr val="tx1"/>
+                </a:solidFill>
+                <a:latin typeface="+mn-lt"/>
+                <a:ea typeface="+mn-ea"/>
+                <a:cs typeface="+mn-cs"/>
+              </a:defRPr>
+            </a:lvl9pPr>
+          </a:lstStyle>
+          <a:p>
+            <a:r>
+              <a:rPr lang="ja-JP" altLang="en-US" b="1" dirty="0">
+                <a:solidFill>
+                  <a:srgbClr val="FF0000"/>
+                </a:solidFill>
+              </a:rPr>
+              <a:t>競合（コンフリクト）</a:t>
+            </a:r>
+            <a:r>
+              <a:rPr lang="ja-JP" altLang="en-US" dirty="0"/>
+              <a:t>が発生したとき</a:t>
+            </a:r>
+            <a:br>
+              <a:rPr lang="en-US" altLang="ja-JP" dirty="0"/>
+            </a:br>
+            <a:br>
+              <a:rPr lang="en-US" altLang="ja-JP" dirty="0"/>
+            </a:br>
+            <a:endParaRPr lang="en-US" altLang="ja-JP" dirty="0"/>
+          </a:p>
+        </p:txBody>
+      </p:sp>
+      <p:pic>
+        <p:nvPicPr>
+          <p:cNvPr id="4" name="図 3">
+            <a:extLst>
+              <a:ext uri="{FF2B5EF4-FFF2-40B4-BE49-F238E27FC236}">
+                <a16:creationId xmlns:a16="http://schemas.microsoft.com/office/drawing/2014/main" id="{7B0BC445-841A-824B-9C00-7F6412E0EB4C}"/>
+              </a:ext>
+            </a:extLst>
+          </p:cNvPr>
+          <p:cNvPicPr>
+            <a:picLocks noChangeAspect="1"/>
+          </p:cNvPicPr>
+          <p:nvPr/>
+        </p:nvPicPr>
+        <p:blipFill>
+          <a:blip r:embed="rId2">
+            <a:extLst>
+              <a:ext uri="{28A0092B-C50C-407E-A947-70E740481C1C}">
+                <a14:useLocalDpi xmlns:a14="http://schemas.microsoft.com/office/drawing/2010/main" val="0"/>
+              </a:ext>
+            </a:extLst>
+          </a:blip>
+          <a:stretch>
+            <a:fillRect/>
+          </a:stretch>
+        </p:blipFill>
+        <p:spPr>
+          <a:xfrm>
+            <a:off x="967017" y="2052536"/>
+            <a:ext cx="10059312" cy="4679004"/>
+          </a:xfrm>
+          <a:prstGeom prst="rect">
+            <a:avLst/>
+          </a:prstGeom>
+          <a:ln>
+            <a:solidFill>
+              <a:schemeClr val="tx1"/>
+            </a:solidFill>
+          </a:ln>
+        </p:spPr>
+      </p:pic>
+      <p:sp>
+        <p:nvSpPr>
+          <p:cNvPr id="5" name="正方形/長方形 4">
+            <a:extLst>
+              <a:ext uri="{FF2B5EF4-FFF2-40B4-BE49-F238E27FC236}">
+                <a16:creationId xmlns:a16="http://schemas.microsoft.com/office/drawing/2014/main" id="{8DADC745-8685-7166-A8F4-0AF37256A9C7}"/>
+              </a:ext>
+            </a:extLst>
+          </p:cNvPr>
+          <p:cNvSpPr/>
+          <p:nvPr/>
+        </p:nvSpPr>
+        <p:spPr>
+          <a:xfrm>
+            <a:off x="967017" y="3238118"/>
+            <a:ext cx="1348166" cy="477848"/>
+          </a:xfrm>
+          <a:prstGeom prst="rect">
+            <a:avLst/>
+          </a:prstGeom>
+          <a:noFill/>
+          <a:ln w="38100">
+            <a:solidFill>
+              <a:srgbClr val="FF0000"/>
+            </a:solidFill>
+          </a:ln>
+        </p:spPr>
+        <p:style>
+          <a:lnRef idx="2">
+            <a:schemeClr val="accent1">
+              <a:shade val="15000"/>
+            </a:schemeClr>
+          </a:lnRef>
+          <a:fillRef idx="1">
+            <a:schemeClr val="accent1"/>
+          </a:fillRef>
+          <a:effectRef idx="0">
+            <a:schemeClr val="accent1"/>
+          </a:effectRef>
+          <a:fontRef idx="minor">
+            <a:schemeClr val="lt1"/>
+          </a:fontRef>
+        </p:style>
+        <p:txBody>
+          <a:bodyPr rtlCol="0" anchor="ctr"/>
+          <a:lstStyle/>
+          <a:p>
+            <a:pPr algn="ctr"/>
+            <a:endParaRPr kumimoji="1" lang="ja-JP" altLang="en-US"/>
+          </a:p>
+        </p:txBody>
+      </p:sp>
+      <p:sp>
+        <p:nvSpPr>
+          <p:cNvPr id="6" name="テキスト ボックス 5">
+            <a:extLst>
+              <a:ext uri="{FF2B5EF4-FFF2-40B4-BE49-F238E27FC236}">
+                <a16:creationId xmlns:a16="http://schemas.microsoft.com/office/drawing/2014/main" id="{A00E61B6-CBD0-9198-4E78-3CDD3C2C6D00}"/>
+              </a:ext>
+            </a:extLst>
+          </p:cNvPr>
+          <p:cNvSpPr txBox="1"/>
+          <p:nvPr/>
+        </p:nvSpPr>
+        <p:spPr>
+          <a:xfrm>
+            <a:off x="324874" y="3715966"/>
+            <a:ext cx="2632452" cy="1384995"/>
+          </a:xfrm>
+          <a:prstGeom prst="rect">
+            <a:avLst/>
+          </a:prstGeom>
+          <a:noFill/>
+        </p:spPr>
+        <p:txBody>
+          <a:bodyPr wrap="none" rtlCol="0">
+            <a:spAutoFit/>
+          </a:bodyPr>
+          <a:lstStyle/>
+          <a:p>
+            <a:r>
+              <a:rPr kumimoji="1" lang="ja-JP" altLang="en-US" sz="2800" dirty="0">
+                <a:solidFill>
+                  <a:srgbClr val="FF0000"/>
+                </a:solidFill>
+              </a:rPr>
+              <a:t>競合が発生して</a:t>
+            </a:r>
+            <a:endParaRPr kumimoji="1" lang="en-US" altLang="ja-JP" sz="2800" dirty="0">
+              <a:solidFill>
+                <a:srgbClr val="FF0000"/>
+              </a:solidFill>
+            </a:endParaRPr>
+          </a:p>
+          <a:p>
+            <a:r>
+              <a:rPr kumimoji="1" lang="ja-JP" altLang="en-US" sz="2800" dirty="0">
+                <a:solidFill>
+                  <a:srgbClr val="FF0000"/>
+                </a:solidFill>
+              </a:rPr>
+              <a:t>いるファイル</a:t>
+            </a:r>
+            <a:br>
+              <a:rPr kumimoji="1" lang="en-US" altLang="ja-JP" sz="2800" dirty="0">
+                <a:solidFill>
+                  <a:srgbClr val="FF0000"/>
+                </a:solidFill>
+              </a:rPr>
+            </a:br>
+            <a:r>
+              <a:rPr kumimoji="1" lang="en-US" altLang="ja-JP" sz="2800" dirty="0">
+                <a:solidFill>
+                  <a:srgbClr val="FF0000"/>
+                </a:solidFill>
+              </a:rPr>
+              <a:t>  main.cpp</a:t>
+            </a:r>
+            <a:endParaRPr kumimoji="1" lang="ja-JP" altLang="en-US" sz="2800" dirty="0">
+              <a:solidFill>
+                <a:srgbClr val="FF0000"/>
+              </a:solidFill>
+            </a:endParaRPr>
+          </a:p>
+        </p:txBody>
+      </p:sp>
+      <p:sp>
+        <p:nvSpPr>
+          <p:cNvPr id="7" name="正方形/長方形 6">
+            <a:extLst>
+              <a:ext uri="{FF2B5EF4-FFF2-40B4-BE49-F238E27FC236}">
+                <a16:creationId xmlns:a16="http://schemas.microsoft.com/office/drawing/2014/main" id="{9432A837-A2CA-6BAB-E5D1-0BAEC6B3A04F}"/>
+              </a:ext>
+            </a:extLst>
+          </p:cNvPr>
+          <p:cNvSpPr/>
+          <p:nvPr/>
+        </p:nvSpPr>
+        <p:spPr>
+          <a:xfrm>
+            <a:off x="3745886" y="4249644"/>
+            <a:ext cx="3160752" cy="2034424"/>
+          </a:xfrm>
+          <a:prstGeom prst="rect">
+            <a:avLst/>
+          </a:prstGeom>
+          <a:noFill/>
+          <a:ln w="38100">
+            <a:solidFill>
+              <a:srgbClr val="FF0000"/>
+            </a:solidFill>
+          </a:ln>
+        </p:spPr>
+        <p:style>
+          <a:lnRef idx="2">
+            <a:schemeClr val="accent1">
+              <a:shade val="15000"/>
+            </a:schemeClr>
+          </a:lnRef>
+          <a:fillRef idx="1">
+            <a:schemeClr val="accent1"/>
+          </a:fillRef>
+          <a:effectRef idx="0">
+            <a:schemeClr val="accent1"/>
+          </a:effectRef>
+          <a:fontRef idx="minor">
+            <a:schemeClr val="lt1"/>
+          </a:fontRef>
+        </p:style>
+        <p:txBody>
+          <a:bodyPr rtlCol="0" anchor="ctr"/>
+          <a:lstStyle/>
+          <a:p>
+            <a:pPr algn="ctr"/>
+            <a:endParaRPr kumimoji="1" lang="ja-JP" altLang="en-US"/>
+          </a:p>
+        </p:txBody>
+      </p:sp>
+      <p:sp>
+        <p:nvSpPr>
+          <p:cNvPr id="8" name="テキスト ボックス 7">
+            <a:extLst>
+              <a:ext uri="{FF2B5EF4-FFF2-40B4-BE49-F238E27FC236}">
+                <a16:creationId xmlns:a16="http://schemas.microsoft.com/office/drawing/2014/main" id="{CE42675E-C5B6-12FA-8A6E-899462612FF5}"/>
+              </a:ext>
+            </a:extLst>
+          </p:cNvPr>
+          <p:cNvSpPr txBox="1"/>
+          <p:nvPr/>
+        </p:nvSpPr>
+        <p:spPr>
+          <a:xfrm>
+            <a:off x="7051890" y="4958742"/>
+            <a:ext cx="2977097" cy="523220"/>
+          </a:xfrm>
+          <a:prstGeom prst="rect">
+            <a:avLst/>
+          </a:prstGeom>
+          <a:noFill/>
+        </p:spPr>
+        <p:txBody>
+          <a:bodyPr wrap="none" rtlCol="0">
+            <a:spAutoFit/>
+          </a:bodyPr>
+          <a:lstStyle/>
+          <a:p>
+            <a:r>
+              <a:rPr kumimoji="1" lang="ja-JP" altLang="en-US" sz="2800" dirty="0">
+                <a:solidFill>
+                  <a:srgbClr val="FF0000"/>
+                </a:solidFill>
+              </a:rPr>
+              <a:t>競合している箇所</a:t>
+            </a:r>
+          </a:p>
+        </p:txBody>
+      </p:sp>
+    </p:spTree>
+    <p:extLst>
+      <p:ext uri="{BB962C8B-B14F-4D97-AF65-F5344CB8AC3E}">
+        <p14:creationId xmlns:p14="http://schemas.microsoft.com/office/powerpoint/2010/main" val="221531131"/>
+      </p:ext>
+    </p:extLst>
+  </p:cSld>
+  <p:clrMapOvr>
+    <a:masterClrMapping/>
+  </p:clrMapOvr>
+</p:sld>
+</file>
+
+<file path=ppt/slides/slide49.xml><?xml version="1.0" encoding="utf-8"?>
+<p:sld xmlns:a="http://schemas.openxmlformats.org/drawingml/2006/main" xmlns:r="http://schemas.openxmlformats.org/officeDocument/2006/relationships" xmlns:p="http://schemas.openxmlformats.org/presentationml/2006/main">
+  <p:cSld>
+    <p:spTree>
+      <p:nvGrpSpPr>
+        <p:cNvPr id="1" name="">
+          <a:extLst>
+            <a:ext uri="{FF2B5EF4-FFF2-40B4-BE49-F238E27FC236}">
+              <a16:creationId xmlns:a16="http://schemas.microsoft.com/office/drawing/2014/main" id="{D18E73C8-7475-2423-F253-86ABEB3FE44C}"/>
+            </a:ext>
+          </a:extLst>
+        </p:cNvPr>
+        <p:cNvGrpSpPr/>
+        <p:nvPr/>
+      </p:nvGrpSpPr>
+      <p:grpSpPr>
+        <a:xfrm>
+          <a:off x="0" y="0"/>
+          <a:ext cx="0" cy="0"/>
+          <a:chOff x="0" y="0"/>
+          <a:chExt cx="0" cy="0"/>
+        </a:xfrm>
+      </p:grpSpPr>
+      <p:sp>
+        <p:nvSpPr>
+          <p:cNvPr id="2" name="タイトル 1">
+            <a:extLst>
+              <a:ext uri="{FF2B5EF4-FFF2-40B4-BE49-F238E27FC236}">
+                <a16:creationId xmlns:a16="http://schemas.microsoft.com/office/drawing/2014/main" id="{9792A6BC-0C58-8460-B7D3-0D54335E9A53}"/>
+              </a:ext>
+            </a:extLst>
+          </p:cNvPr>
+          <p:cNvSpPr>
+            <a:spLocks noGrp="1"/>
+          </p:cNvSpPr>
+          <p:nvPr>
+            <p:ph type="title"/>
+          </p:nvPr>
+        </p:nvSpPr>
+        <p:spPr/>
+        <p:txBody>
+          <a:bodyPr/>
+          <a:lstStyle/>
+          <a:p>
+            <a:r>
+              <a:rPr lang="en-US" altLang="ja-JP" dirty="0"/>
+              <a:t>GitHub</a:t>
+            </a:r>
+            <a:r>
+              <a:rPr lang="ja-JP" altLang="en-US" dirty="0"/>
+              <a:t>を使ったチーム制作</a:t>
+            </a:r>
+            <a:endParaRPr kumimoji="1" lang="ja-JP" altLang="en-US" dirty="0"/>
+          </a:p>
+        </p:txBody>
+      </p:sp>
+      <p:sp>
+        <p:nvSpPr>
+          <p:cNvPr id="9" name="コンテンツ プレースホルダー 2">
+            <a:extLst>
+              <a:ext uri="{FF2B5EF4-FFF2-40B4-BE49-F238E27FC236}">
+                <a16:creationId xmlns:a16="http://schemas.microsoft.com/office/drawing/2014/main" id="{5AEE40A2-CD88-D157-C8F0-563AD102C230}"/>
+              </a:ext>
+            </a:extLst>
+          </p:cNvPr>
+          <p:cNvSpPr txBox="1">
+            <a:spLocks/>
+          </p:cNvSpPr>
+          <p:nvPr/>
+        </p:nvSpPr>
+        <p:spPr>
+          <a:xfrm>
+            <a:off x="838200" y="1376038"/>
+            <a:ext cx="10515600" cy="5355502"/>
+          </a:xfrm>
+          <a:prstGeom prst="rect">
+            <a:avLst/>
+          </a:prstGeom>
+        </p:spPr>
+        <p:txBody>
+          <a:bodyPr vert="horz" lIns="91440" tIns="45720" rIns="91440" bIns="45720" rtlCol="0">
+            <a:normAutofit/>
+          </a:bodyPr>
+          <a:lstStyle>
+            <a:lvl1pPr marL="228600" indent="-228600" algn="l" defTabSz="914400" rtl="0" eaLnBrk="1" latinLnBrk="0" hangingPunct="1">
+              <a:lnSpc>
+                <a:spcPct val="90000"/>
+              </a:lnSpc>
+              <a:spcBef>
+                <a:spcPts val="1000"/>
+              </a:spcBef>
+              <a:buFont typeface="Arial" panose="020B0604020202020204" pitchFamily="34" charset="0"/>
+              <a:buChar char="•"/>
+              <a:defRPr kumimoji="1" sz="3600" kern="1200">
+                <a:solidFill>
+                  <a:schemeClr val="tx1"/>
+                </a:solidFill>
+                <a:latin typeface="+mn-lt"/>
+                <a:ea typeface="+mn-ea"/>
+                <a:cs typeface="+mn-cs"/>
+              </a:defRPr>
+            </a:lvl1pPr>
+            <a:lvl2pPr marL="685800" indent="-228600" algn="l" defTabSz="914400" rtl="0" eaLnBrk="1" latinLnBrk="0" hangingPunct="1">
+              <a:lnSpc>
+                <a:spcPct val="90000"/>
+              </a:lnSpc>
+              <a:spcBef>
+                <a:spcPts val="500"/>
+              </a:spcBef>
+              <a:buFont typeface="Arial" panose="020B0604020202020204" pitchFamily="34" charset="0"/>
+              <a:buChar char="•"/>
+              <a:defRPr kumimoji="1" sz="3200" kern="1200">
+                <a:solidFill>
+                  <a:schemeClr val="tx1"/>
+                </a:solidFill>
+                <a:latin typeface="+mn-lt"/>
+                <a:ea typeface="+mn-ea"/>
+                <a:cs typeface="+mn-cs"/>
+              </a:defRPr>
+            </a:lvl2pPr>
+            <a:lvl3pPr marL="1143000" indent="-228600" algn="l" defTabSz="914400" rtl="0" eaLnBrk="1" latinLnBrk="0" hangingPunct="1">
+              <a:lnSpc>
+                <a:spcPct val="90000"/>
+              </a:lnSpc>
+              <a:spcBef>
+                <a:spcPts val="500"/>
+              </a:spcBef>
+              <a:buFont typeface="Arial" panose="020B0604020202020204" pitchFamily="34" charset="0"/>
+              <a:buChar char="•"/>
+              <a:defRPr kumimoji="1" sz="2800" kern="1200">
+                <a:solidFill>
+                  <a:schemeClr val="tx1"/>
+                </a:solidFill>
+                <a:latin typeface="+mn-lt"/>
+                <a:ea typeface="+mn-ea"/>
+                <a:cs typeface="+mn-cs"/>
+              </a:defRPr>
+            </a:lvl3pPr>
+            <a:lvl4pPr marL="1600200" indent="-228600" algn="l" defTabSz="914400" rtl="0" eaLnBrk="1" latinLnBrk="0" hangingPunct="1">
+              <a:lnSpc>
+                <a:spcPct val="90000"/>
+              </a:lnSpc>
+              <a:spcBef>
+                <a:spcPts val="500"/>
+              </a:spcBef>
+              <a:buFont typeface="Arial" panose="020B0604020202020204" pitchFamily="34" charset="0"/>
+              <a:buChar char="•"/>
+              <a:defRPr kumimoji="1" sz="2400" kern="1200">
+                <a:solidFill>
+                  <a:schemeClr val="tx1"/>
+                </a:solidFill>
+                <a:latin typeface="+mn-lt"/>
+                <a:ea typeface="+mn-ea"/>
+                <a:cs typeface="+mn-cs"/>
+              </a:defRPr>
+            </a:lvl4pPr>
+            <a:lvl5pPr marL="2057400" indent="-228600" algn="l" defTabSz="914400" rtl="0" eaLnBrk="1" latinLnBrk="0" hangingPunct="1">
+              <a:lnSpc>
+                <a:spcPct val="90000"/>
+              </a:lnSpc>
+              <a:spcBef>
+                <a:spcPts val="500"/>
+              </a:spcBef>
+              <a:buFont typeface="Arial" panose="020B0604020202020204" pitchFamily="34" charset="0"/>
+              <a:buChar char="•"/>
+              <a:defRPr kumimoji="1" sz="2400" kern="1200">
+                <a:solidFill>
+                  <a:schemeClr val="tx1"/>
+                </a:solidFill>
+                <a:latin typeface="+mn-lt"/>
+                <a:ea typeface="+mn-ea"/>
+                <a:cs typeface="+mn-cs"/>
+              </a:defRPr>
+            </a:lvl5pPr>
+            <a:lvl6pPr marL="2514600" indent="-228600" algn="l" defTabSz="914400" rtl="0" eaLnBrk="1" latinLnBrk="0" hangingPunct="1">
+              <a:lnSpc>
+                <a:spcPct val="90000"/>
+              </a:lnSpc>
+              <a:spcBef>
+                <a:spcPts val="500"/>
+              </a:spcBef>
+              <a:buFont typeface="Arial" panose="020B0604020202020204" pitchFamily="34" charset="0"/>
+              <a:buChar char="•"/>
+              <a:defRPr kumimoji="1" sz="1800" kern="1200">
+                <a:solidFill>
+                  <a:schemeClr val="tx1"/>
+                </a:solidFill>
+                <a:latin typeface="+mn-lt"/>
+                <a:ea typeface="+mn-ea"/>
+                <a:cs typeface="+mn-cs"/>
+              </a:defRPr>
+            </a:lvl6pPr>
+            <a:lvl7pPr marL="2971800" indent="-228600" algn="l" defTabSz="914400" rtl="0" eaLnBrk="1" latinLnBrk="0" hangingPunct="1">
+              <a:lnSpc>
+                <a:spcPct val="90000"/>
+              </a:lnSpc>
+              <a:spcBef>
+                <a:spcPts val="500"/>
+              </a:spcBef>
+              <a:buFont typeface="Arial" panose="020B0604020202020204" pitchFamily="34" charset="0"/>
+              <a:buChar char="•"/>
+              <a:defRPr kumimoji="1" sz="1800" kern="1200">
+                <a:solidFill>
+                  <a:schemeClr val="tx1"/>
+                </a:solidFill>
+                <a:latin typeface="+mn-lt"/>
+                <a:ea typeface="+mn-ea"/>
+                <a:cs typeface="+mn-cs"/>
+              </a:defRPr>
+            </a:lvl7pPr>
+            <a:lvl8pPr marL="3429000" indent="-228600" algn="l" defTabSz="914400" rtl="0" eaLnBrk="1" latinLnBrk="0" hangingPunct="1">
+              <a:lnSpc>
+                <a:spcPct val="90000"/>
+              </a:lnSpc>
+              <a:spcBef>
+                <a:spcPts val="500"/>
+              </a:spcBef>
+              <a:buFont typeface="Arial" panose="020B0604020202020204" pitchFamily="34" charset="0"/>
+              <a:buChar char="•"/>
+              <a:defRPr kumimoji="1" sz="1800" kern="1200">
+                <a:solidFill>
+                  <a:schemeClr val="tx1"/>
+                </a:solidFill>
+                <a:latin typeface="+mn-lt"/>
+                <a:ea typeface="+mn-ea"/>
+                <a:cs typeface="+mn-cs"/>
+              </a:defRPr>
+            </a:lvl8pPr>
+            <a:lvl9pPr marL="3886200" indent="-228600" algn="l" defTabSz="914400" rtl="0" eaLnBrk="1" latinLnBrk="0" hangingPunct="1">
+              <a:lnSpc>
+                <a:spcPct val="90000"/>
+              </a:lnSpc>
+              <a:spcBef>
+                <a:spcPts val="500"/>
+              </a:spcBef>
+              <a:buFont typeface="Arial" panose="020B0604020202020204" pitchFamily="34" charset="0"/>
+              <a:buChar char="•"/>
+              <a:defRPr kumimoji="1" sz="1800" kern="1200">
+                <a:solidFill>
+                  <a:schemeClr val="tx1"/>
+                </a:solidFill>
+                <a:latin typeface="+mn-lt"/>
+                <a:ea typeface="+mn-ea"/>
+                <a:cs typeface="+mn-cs"/>
+              </a:defRPr>
+            </a:lvl9pPr>
+          </a:lstStyle>
+          <a:p>
+            <a:r>
+              <a:rPr lang="ja-JP" altLang="en-US" b="1" dirty="0">
+                <a:solidFill>
+                  <a:srgbClr val="FF0000"/>
+                </a:solidFill>
+              </a:rPr>
+              <a:t>競合（コンフリクト）</a:t>
+            </a:r>
+            <a:r>
+              <a:rPr lang="ja-JP" altLang="en-US" dirty="0"/>
+              <a:t>が発生したとき</a:t>
+            </a:r>
+            <a:br>
+              <a:rPr lang="en-US" altLang="ja-JP" dirty="0"/>
+            </a:br>
+            <a:br>
+              <a:rPr lang="en-US" altLang="ja-JP" dirty="0"/>
+            </a:br>
+            <a:endParaRPr lang="en-US" altLang="ja-JP" dirty="0"/>
+          </a:p>
+        </p:txBody>
+      </p:sp>
+      <p:pic>
+        <p:nvPicPr>
+          <p:cNvPr id="4" name="図 3">
+            <a:extLst>
+              <a:ext uri="{FF2B5EF4-FFF2-40B4-BE49-F238E27FC236}">
+                <a16:creationId xmlns:a16="http://schemas.microsoft.com/office/drawing/2014/main" id="{E1B25DDC-B67E-96AD-C175-21AF980CF758}"/>
+              </a:ext>
+            </a:extLst>
+          </p:cNvPr>
+          <p:cNvPicPr>
+            <a:picLocks noChangeAspect="1"/>
+          </p:cNvPicPr>
+          <p:nvPr/>
+        </p:nvPicPr>
+        <p:blipFill>
+          <a:blip r:embed="rId2">
+            <a:extLst>
+              <a:ext uri="{28A0092B-C50C-407E-A947-70E740481C1C}">
+                <a14:useLocalDpi xmlns:a14="http://schemas.microsoft.com/office/drawing/2010/main" val="0"/>
+              </a:ext>
+            </a:extLst>
+          </a:blip>
+          <a:srcRect l="25974" t="37422" r="32734" b="7900"/>
+          <a:stretch/>
+        </p:blipFill>
+        <p:spPr>
+          <a:xfrm>
+            <a:off x="2091447" y="2197854"/>
+            <a:ext cx="7072008" cy="4355829"/>
+          </a:xfrm>
+          <a:prstGeom prst="rect">
+            <a:avLst/>
+          </a:prstGeom>
+          <a:ln>
+            <a:solidFill>
+              <a:schemeClr val="tx1"/>
+            </a:solidFill>
+          </a:ln>
+        </p:spPr>
+      </p:pic>
+      <p:sp>
+        <p:nvSpPr>
+          <p:cNvPr id="5" name="正方形/長方形 4">
+            <a:extLst>
+              <a:ext uri="{FF2B5EF4-FFF2-40B4-BE49-F238E27FC236}">
+                <a16:creationId xmlns:a16="http://schemas.microsoft.com/office/drawing/2014/main" id="{9F072137-36A3-7E16-8529-3750B46CC9F0}"/>
+              </a:ext>
+            </a:extLst>
+          </p:cNvPr>
+          <p:cNvSpPr/>
+          <p:nvPr/>
+        </p:nvSpPr>
+        <p:spPr>
+          <a:xfrm>
+            <a:off x="2828507" y="4566352"/>
+            <a:ext cx="4316309" cy="1844175"/>
+          </a:xfrm>
+          <a:prstGeom prst="rect">
+            <a:avLst/>
+          </a:prstGeom>
+          <a:noFill/>
+          <a:ln w="38100">
+            <a:solidFill>
+              <a:srgbClr val="00B050"/>
+            </a:solidFill>
+          </a:ln>
+        </p:spPr>
+        <p:style>
+          <a:lnRef idx="2">
+            <a:schemeClr val="accent1">
+              <a:shade val="15000"/>
+            </a:schemeClr>
+          </a:lnRef>
+          <a:fillRef idx="1">
+            <a:schemeClr val="accent1"/>
+          </a:fillRef>
+          <a:effectRef idx="0">
+            <a:schemeClr val="accent1"/>
+          </a:effectRef>
+          <a:fontRef idx="minor">
+            <a:schemeClr val="lt1"/>
+          </a:fontRef>
+        </p:style>
+        <p:txBody>
+          <a:bodyPr rtlCol="0" anchor="ctr"/>
+          <a:lstStyle/>
+          <a:p>
+            <a:pPr algn="ctr"/>
+            <a:endParaRPr kumimoji="1" lang="ja-JP" altLang="en-US"/>
+          </a:p>
+        </p:txBody>
+      </p:sp>
+      <p:sp>
+        <p:nvSpPr>
+          <p:cNvPr id="7" name="正方形/長方形 6">
+            <a:extLst>
+              <a:ext uri="{FF2B5EF4-FFF2-40B4-BE49-F238E27FC236}">
+                <a16:creationId xmlns:a16="http://schemas.microsoft.com/office/drawing/2014/main" id="{95F20857-C484-050B-5321-FB72EBFD2003}"/>
+              </a:ext>
+            </a:extLst>
+          </p:cNvPr>
+          <p:cNvSpPr/>
+          <p:nvPr/>
+        </p:nvSpPr>
+        <p:spPr>
+          <a:xfrm>
+            <a:off x="2828508" y="2932702"/>
+            <a:ext cx="4223381" cy="1376651"/>
+          </a:xfrm>
+          <a:prstGeom prst="rect">
+            <a:avLst/>
+          </a:prstGeom>
+          <a:noFill/>
+          <a:ln w="38100">
+            <a:solidFill>
+              <a:srgbClr val="00B0F0"/>
+            </a:solidFill>
+          </a:ln>
+        </p:spPr>
+        <p:style>
+          <a:lnRef idx="2">
+            <a:schemeClr val="accent1">
+              <a:shade val="15000"/>
+            </a:schemeClr>
+          </a:lnRef>
+          <a:fillRef idx="1">
+            <a:schemeClr val="accent1"/>
+          </a:fillRef>
+          <a:effectRef idx="0">
+            <a:schemeClr val="accent1"/>
+          </a:effectRef>
+          <a:fontRef idx="minor">
+            <a:schemeClr val="lt1"/>
+          </a:fontRef>
+        </p:style>
+        <p:txBody>
+          <a:bodyPr rtlCol="0" anchor="ctr"/>
+          <a:lstStyle/>
+          <a:p>
+            <a:pPr algn="ctr"/>
+            <a:endParaRPr kumimoji="1" lang="ja-JP" altLang="en-US"/>
+          </a:p>
+        </p:txBody>
+      </p:sp>
+      <p:sp>
+        <p:nvSpPr>
+          <p:cNvPr id="8" name="テキスト ボックス 7">
+            <a:extLst>
+              <a:ext uri="{FF2B5EF4-FFF2-40B4-BE49-F238E27FC236}">
+                <a16:creationId xmlns:a16="http://schemas.microsoft.com/office/drawing/2014/main" id="{1F8A24D2-A9A7-F7AC-9E5F-4C2C4510BC41}"/>
+              </a:ext>
+            </a:extLst>
+          </p:cNvPr>
+          <p:cNvSpPr txBox="1"/>
+          <p:nvPr/>
+        </p:nvSpPr>
+        <p:spPr>
+          <a:xfrm>
+            <a:off x="7144816" y="2121583"/>
+            <a:ext cx="3448380" cy="954107"/>
+          </a:xfrm>
+          <a:prstGeom prst="rect">
+            <a:avLst/>
+          </a:prstGeom>
+          <a:noFill/>
+        </p:spPr>
+        <p:txBody>
+          <a:bodyPr wrap="none" rtlCol="0">
+            <a:spAutoFit/>
+          </a:bodyPr>
+          <a:lstStyle/>
+          <a:p>
+            <a:r>
+              <a:rPr kumimoji="1" lang="en-US" altLang="ja-JP" sz="2800" dirty="0">
+                <a:solidFill>
+                  <a:srgbClr val="00B0F0"/>
+                </a:solidFill>
+              </a:rPr>
+              <a:t>murata2</a:t>
+            </a:r>
+            <a:r>
+              <a:rPr kumimoji="1" lang="ja-JP" altLang="en-US" sz="2800" dirty="0">
+                <a:solidFill>
+                  <a:srgbClr val="00B0F0"/>
+                </a:solidFill>
+              </a:rPr>
+              <a:t>ブランチで</a:t>
+            </a:r>
+            <a:endParaRPr kumimoji="1" lang="en-US" altLang="ja-JP" sz="2800" dirty="0">
+              <a:solidFill>
+                <a:srgbClr val="00B0F0"/>
+              </a:solidFill>
+            </a:endParaRPr>
+          </a:p>
+          <a:p>
+            <a:r>
+              <a:rPr kumimoji="1" lang="ja-JP" altLang="en-US" sz="2800" dirty="0">
+                <a:solidFill>
+                  <a:srgbClr val="00B0F0"/>
+                </a:solidFill>
+              </a:rPr>
+              <a:t>変更した箇所</a:t>
+            </a:r>
+          </a:p>
+        </p:txBody>
+      </p:sp>
+      <p:sp>
+        <p:nvSpPr>
+          <p:cNvPr id="3" name="テキスト ボックス 2">
+            <a:extLst>
+              <a:ext uri="{FF2B5EF4-FFF2-40B4-BE49-F238E27FC236}">
+                <a16:creationId xmlns:a16="http://schemas.microsoft.com/office/drawing/2014/main" id="{D47BF226-0A9C-65C0-D432-8ACC0562C17F}"/>
+              </a:ext>
+            </a:extLst>
+          </p:cNvPr>
+          <p:cNvSpPr txBox="1"/>
+          <p:nvPr/>
+        </p:nvSpPr>
+        <p:spPr>
+          <a:xfrm>
+            <a:off x="7144816" y="5623448"/>
+            <a:ext cx="2779928" cy="954107"/>
+          </a:xfrm>
+          <a:prstGeom prst="rect">
+            <a:avLst/>
+          </a:prstGeom>
+          <a:noFill/>
+        </p:spPr>
+        <p:txBody>
+          <a:bodyPr wrap="none" rtlCol="0">
+            <a:spAutoFit/>
+          </a:bodyPr>
+          <a:lstStyle/>
+          <a:p>
+            <a:r>
+              <a:rPr kumimoji="1" lang="en-US" altLang="ja-JP" sz="2800" dirty="0">
+                <a:solidFill>
+                  <a:srgbClr val="00B050"/>
+                </a:solidFill>
+              </a:rPr>
+              <a:t>main</a:t>
+            </a:r>
+            <a:r>
+              <a:rPr kumimoji="1" lang="ja-JP" altLang="en-US" sz="2800" dirty="0">
+                <a:solidFill>
+                  <a:srgbClr val="00B050"/>
+                </a:solidFill>
+              </a:rPr>
+              <a:t>ブランチで</a:t>
+            </a:r>
+            <a:endParaRPr kumimoji="1" lang="en-US" altLang="ja-JP" sz="2800" dirty="0">
+              <a:solidFill>
+                <a:srgbClr val="00B050"/>
+              </a:solidFill>
+            </a:endParaRPr>
+          </a:p>
+          <a:p>
+            <a:r>
+              <a:rPr kumimoji="1" lang="ja-JP" altLang="en-US" sz="2800" dirty="0">
+                <a:solidFill>
+                  <a:srgbClr val="00B050"/>
+                </a:solidFill>
+              </a:rPr>
+              <a:t>変更した箇所</a:t>
+            </a:r>
+          </a:p>
+        </p:txBody>
+      </p:sp>
+      <p:sp>
+        <p:nvSpPr>
+          <p:cNvPr id="10" name="テキスト ボックス 9">
+            <a:extLst>
+              <a:ext uri="{FF2B5EF4-FFF2-40B4-BE49-F238E27FC236}">
+                <a16:creationId xmlns:a16="http://schemas.microsoft.com/office/drawing/2014/main" id="{6234F1A4-9040-FCAF-F2E6-0531C64979F2}"/>
+              </a:ext>
+            </a:extLst>
+          </p:cNvPr>
+          <p:cNvSpPr txBox="1"/>
+          <p:nvPr/>
+        </p:nvSpPr>
+        <p:spPr>
+          <a:xfrm>
+            <a:off x="7313090" y="3779026"/>
+            <a:ext cx="4100803" cy="1200329"/>
+          </a:xfrm>
+          <a:prstGeom prst="rect">
+            <a:avLst/>
+          </a:prstGeom>
+          <a:solidFill>
+            <a:schemeClr val="bg1"/>
+          </a:solidFill>
+        </p:spPr>
+        <p:txBody>
+          <a:bodyPr wrap="none" rtlCol="0">
+            <a:spAutoFit/>
+          </a:bodyPr>
+          <a:lstStyle/>
+          <a:p>
+            <a:r>
+              <a:rPr kumimoji="1" lang="ja-JP" altLang="en-US" sz="2400" dirty="0">
+                <a:solidFill>
+                  <a:srgbClr val="FF0000"/>
+                </a:solidFill>
+              </a:rPr>
+              <a:t>リーダーかメインプログラマ</a:t>
+            </a:r>
+            <a:endParaRPr kumimoji="1" lang="en-US" altLang="ja-JP" sz="2400" dirty="0">
+              <a:solidFill>
+                <a:srgbClr val="FF0000"/>
+              </a:solidFill>
+            </a:endParaRPr>
+          </a:p>
+          <a:p>
+            <a:r>
+              <a:rPr kumimoji="1" lang="ja-JP" altLang="en-US" sz="2400" dirty="0">
+                <a:solidFill>
+                  <a:srgbClr val="FF0000"/>
+                </a:solidFill>
+              </a:rPr>
+              <a:t>のいずれかがどちらを残すか</a:t>
+            </a:r>
+            <a:endParaRPr kumimoji="1" lang="en-US" altLang="ja-JP" sz="2400" dirty="0">
+              <a:solidFill>
+                <a:srgbClr val="FF0000"/>
+              </a:solidFill>
+            </a:endParaRPr>
+          </a:p>
+          <a:p>
+            <a:r>
+              <a:rPr kumimoji="1" lang="ja-JP" altLang="en-US" sz="2400" dirty="0">
+                <a:solidFill>
+                  <a:srgbClr val="FF0000"/>
+                </a:solidFill>
+              </a:rPr>
+              <a:t>決定して編集する</a:t>
+            </a:r>
+          </a:p>
+        </p:txBody>
+      </p:sp>
+    </p:spTree>
+    <p:extLst>
+      <p:ext uri="{BB962C8B-B14F-4D97-AF65-F5344CB8AC3E}">
+        <p14:creationId xmlns:p14="http://schemas.microsoft.com/office/powerpoint/2010/main" val="2225511935"/>
+      </p:ext>
+    </p:extLst>
+  </p:cSld>
+  <p:clrMapOvr>
+    <a:masterClrMapping/>
+  </p:clrMapOvr>
+</p:sld>
+</file>
+
 <file path=ppt/slides/slide5.xml><?xml version="1.0" encoding="utf-8"?>
 <p:sld xmlns:a="http://schemas.openxmlformats.org/drawingml/2006/main" xmlns:r="http://schemas.openxmlformats.org/officeDocument/2006/relationships" xmlns:p="http://schemas.openxmlformats.org/presentationml/2006/main">
   <p:cSld>
@@ -22669,6 +25256,1296 @@
     <p:extLst>
       <p:ext uri="{BB962C8B-B14F-4D97-AF65-F5344CB8AC3E}">
         <p14:creationId xmlns:p14="http://schemas.microsoft.com/office/powerpoint/2010/main" val="934198572"/>
+      </p:ext>
+    </p:extLst>
+  </p:cSld>
+  <p:clrMapOvr>
+    <a:masterClrMapping/>
+  </p:clrMapOvr>
+</p:sld>
+</file>
+
+<file path=ppt/slides/slide50.xml><?xml version="1.0" encoding="utf-8"?>
+<p:sld xmlns:a="http://schemas.openxmlformats.org/drawingml/2006/main" xmlns:r="http://schemas.openxmlformats.org/officeDocument/2006/relationships" xmlns:p="http://schemas.openxmlformats.org/presentationml/2006/main">
+  <p:cSld>
+    <p:spTree>
+      <p:nvGrpSpPr>
+        <p:cNvPr id="1" name="">
+          <a:extLst>
+            <a:ext uri="{FF2B5EF4-FFF2-40B4-BE49-F238E27FC236}">
+              <a16:creationId xmlns:a16="http://schemas.microsoft.com/office/drawing/2014/main" id="{5F1EDFC4-62A4-30B2-FD49-BA3D5186F0D8}"/>
+            </a:ext>
+          </a:extLst>
+        </p:cNvPr>
+        <p:cNvGrpSpPr/>
+        <p:nvPr/>
+      </p:nvGrpSpPr>
+      <p:grpSpPr>
+        <a:xfrm>
+          <a:off x="0" y="0"/>
+          <a:ext cx="0" cy="0"/>
+          <a:chOff x="0" y="0"/>
+          <a:chExt cx="0" cy="0"/>
+        </a:xfrm>
+      </p:grpSpPr>
+      <p:sp>
+        <p:nvSpPr>
+          <p:cNvPr id="2" name="タイトル 1">
+            <a:extLst>
+              <a:ext uri="{FF2B5EF4-FFF2-40B4-BE49-F238E27FC236}">
+                <a16:creationId xmlns:a16="http://schemas.microsoft.com/office/drawing/2014/main" id="{C2DA1DB3-3704-C9B6-E5B3-A3346E3AD356}"/>
+              </a:ext>
+            </a:extLst>
+          </p:cNvPr>
+          <p:cNvSpPr>
+            <a:spLocks noGrp="1"/>
+          </p:cNvSpPr>
+          <p:nvPr>
+            <p:ph type="title"/>
+          </p:nvPr>
+        </p:nvSpPr>
+        <p:spPr/>
+        <p:txBody>
+          <a:bodyPr/>
+          <a:lstStyle/>
+          <a:p>
+            <a:r>
+              <a:rPr lang="en-US" altLang="ja-JP" dirty="0"/>
+              <a:t>GitHub</a:t>
+            </a:r>
+            <a:r>
+              <a:rPr lang="ja-JP" altLang="en-US" dirty="0"/>
+              <a:t>を使ったチーム制作</a:t>
+            </a:r>
+            <a:endParaRPr kumimoji="1" lang="ja-JP" altLang="en-US" dirty="0"/>
+          </a:p>
+        </p:txBody>
+      </p:sp>
+      <p:sp>
+        <p:nvSpPr>
+          <p:cNvPr id="9" name="コンテンツ プレースホルダー 2">
+            <a:extLst>
+              <a:ext uri="{FF2B5EF4-FFF2-40B4-BE49-F238E27FC236}">
+                <a16:creationId xmlns:a16="http://schemas.microsoft.com/office/drawing/2014/main" id="{6F8B02C2-A672-78F4-5D79-2EAA43E66AEA}"/>
+              </a:ext>
+            </a:extLst>
+          </p:cNvPr>
+          <p:cNvSpPr txBox="1">
+            <a:spLocks/>
+          </p:cNvSpPr>
+          <p:nvPr/>
+        </p:nvSpPr>
+        <p:spPr>
+          <a:xfrm>
+            <a:off x="838200" y="1376038"/>
+            <a:ext cx="10515600" cy="5355502"/>
+          </a:xfrm>
+          <a:prstGeom prst="rect">
+            <a:avLst/>
+          </a:prstGeom>
+        </p:spPr>
+        <p:txBody>
+          <a:bodyPr vert="horz" lIns="91440" tIns="45720" rIns="91440" bIns="45720" rtlCol="0">
+            <a:normAutofit/>
+          </a:bodyPr>
+          <a:lstStyle>
+            <a:lvl1pPr marL="228600" indent="-228600" algn="l" defTabSz="914400" rtl="0" eaLnBrk="1" latinLnBrk="0" hangingPunct="1">
+              <a:lnSpc>
+                <a:spcPct val="90000"/>
+              </a:lnSpc>
+              <a:spcBef>
+                <a:spcPts val="1000"/>
+              </a:spcBef>
+              <a:buFont typeface="Arial" panose="020B0604020202020204" pitchFamily="34" charset="0"/>
+              <a:buChar char="•"/>
+              <a:defRPr kumimoji="1" sz="3600" kern="1200">
+                <a:solidFill>
+                  <a:schemeClr val="tx1"/>
+                </a:solidFill>
+                <a:latin typeface="+mn-lt"/>
+                <a:ea typeface="+mn-ea"/>
+                <a:cs typeface="+mn-cs"/>
+              </a:defRPr>
+            </a:lvl1pPr>
+            <a:lvl2pPr marL="685800" indent="-228600" algn="l" defTabSz="914400" rtl="0" eaLnBrk="1" latinLnBrk="0" hangingPunct="1">
+              <a:lnSpc>
+                <a:spcPct val="90000"/>
+              </a:lnSpc>
+              <a:spcBef>
+                <a:spcPts val="500"/>
+              </a:spcBef>
+              <a:buFont typeface="Arial" panose="020B0604020202020204" pitchFamily="34" charset="0"/>
+              <a:buChar char="•"/>
+              <a:defRPr kumimoji="1" sz="3200" kern="1200">
+                <a:solidFill>
+                  <a:schemeClr val="tx1"/>
+                </a:solidFill>
+                <a:latin typeface="+mn-lt"/>
+                <a:ea typeface="+mn-ea"/>
+                <a:cs typeface="+mn-cs"/>
+              </a:defRPr>
+            </a:lvl2pPr>
+            <a:lvl3pPr marL="1143000" indent="-228600" algn="l" defTabSz="914400" rtl="0" eaLnBrk="1" latinLnBrk="0" hangingPunct="1">
+              <a:lnSpc>
+                <a:spcPct val="90000"/>
+              </a:lnSpc>
+              <a:spcBef>
+                <a:spcPts val="500"/>
+              </a:spcBef>
+              <a:buFont typeface="Arial" panose="020B0604020202020204" pitchFamily="34" charset="0"/>
+              <a:buChar char="•"/>
+              <a:defRPr kumimoji="1" sz="2800" kern="1200">
+                <a:solidFill>
+                  <a:schemeClr val="tx1"/>
+                </a:solidFill>
+                <a:latin typeface="+mn-lt"/>
+                <a:ea typeface="+mn-ea"/>
+                <a:cs typeface="+mn-cs"/>
+              </a:defRPr>
+            </a:lvl3pPr>
+            <a:lvl4pPr marL="1600200" indent="-228600" algn="l" defTabSz="914400" rtl="0" eaLnBrk="1" latinLnBrk="0" hangingPunct="1">
+              <a:lnSpc>
+                <a:spcPct val="90000"/>
+              </a:lnSpc>
+              <a:spcBef>
+                <a:spcPts val="500"/>
+              </a:spcBef>
+              <a:buFont typeface="Arial" panose="020B0604020202020204" pitchFamily="34" charset="0"/>
+              <a:buChar char="•"/>
+              <a:defRPr kumimoji="1" sz="2400" kern="1200">
+                <a:solidFill>
+                  <a:schemeClr val="tx1"/>
+                </a:solidFill>
+                <a:latin typeface="+mn-lt"/>
+                <a:ea typeface="+mn-ea"/>
+                <a:cs typeface="+mn-cs"/>
+              </a:defRPr>
+            </a:lvl4pPr>
+            <a:lvl5pPr marL="2057400" indent="-228600" algn="l" defTabSz="914400" rtl="0" eaLnBrk="1" latinLnBrk="0" hangingPunct="1">
+              <a:lnSpc>
+                <a:spcPct val="90000"/>
+              </a:lnSpc>
+              <a:spcBef>
+                <a:spcPts val="500"/>
+              </a:spcBef>
+              <a:buFont typeface="Arial" panose="020B0604020202020204" pitchFamily="34" charset="0"/>
+              <a:buChar char="•"/>
+              <a:defRPr kumimoji="1" sz="2400" kern="1200">
+                <a:solidFill>
+                  <a:schemeClr val="tx1"/>
+                </a:solidFill>
+                <a:latin typeface="+mn-lt"/>
+                <a:ea typeface="+mn-ea"/>
+                <a:cs typeface="+mn-cs"/>
+              </a:defRPr>
+            </a:lvl5pPr>
+            <a:lvl6pPr marL="2514600" indent="-228600" algn="l" defTabSz="914400" rtl="0" eaLnBrk="1" latinLnBrk="0" hangingPunct="1">
+              <a:lnSpc>
+                <a:spcPct val="90000"/>
+              </a:lnSpc>
+              <a:spcBef>
+                <a:spcPts val="500"/>
+              </a:spcBef>
+              <a:buFont typeface="Arial" panose="020B0604020202020204" pitchFamily="34" charset="0"/>
+              <a:buChar char="•"/>
+              <a:defRPr kumimoji="1" sz="1800" kern="1200">
+                <a:solidFill>
+                  <a:schemeClr val="tx1"/>
+                </a:solidFill>
+                <a:latin typeface="+mn-lt"/>
+                <a:ea typeface="+mn-ea"/>
+                <a:cs typeface="+mn-cs"/>
+              </a:defRPr>
+            </a:lvl6pPr>
+            <a:lvl7pPr marL="2971800" indent="-228600" algn="l" defTabSz="914400" rtl="0" eaLnBrk="1" latinLnBrk="0" hangingPunct="1">
+              <a:lnSpc>
+                <a:spcPct val="90000"/>
+              </a:lnSpc>
+              <a:spcBef>
+                <a:spcPts val="500"/>
+              </a:spcBef>
+              <a:buFont typeface="Arial" panose="020B0604020202020204" pitchFamily="34" charset="0"/>
+              <a:buChar char="•"/>
+              <a:defRPr kumimoji="1" sz="1800" kern="1200">
+                <a:solidFill>
+                  <a:schemeClr val="tx1"/>
+                </a:solidFill>
+                <a:latin typeface="+mn-lt"/>
+                <a:ea typeface="+mn-ea"/>
+                <a:cs typeface="+mn-cs"/>
+              </a:defRPr>
+            </a:lvl7pPr>
+            <a:lvl8pPr marL="3429000" indent="-228600" algn="l" defTabSz="914400" rtl="0" eaLnBrk="1" latinLnBrk="0" hangingPunct="1">
+              <a:lnSpc>
+                <a:spcPct val="90000"/>
+              </a:lnSpc>
+              <a:spcBef>
+                <a:spcPts val="500"/>
+              </a:spcBef>
+              <a:buFont typeface="Arial" panose="020B0604020202020204" pitchFamily="34" charset="0"/>
+              <a:buChar char="•"/>
+              <a:defRPr kumimoji="1" sz="1800" kern="1200">
+                <a:solidFill>
+                  <a:schemeClr val="tx1"/>
+                </a:solidFill>
+                <a:latin typeface="+mn-lt"/>
+                <a:ea typeface="+mn-ea"/>
+                <a:cs typeface="+mn-cs"/>
+              </a:defRPr>
+            </a:lvl8pPr>
+            <a:lvl9pPr marL="3886200" indent="-228600" algn="l" defTabSz="914400" rtl="0" eaLnBrk="1" latinLnBrk="0" hangingPunct="1">
+              <a:lnSpc>
+                <a:spcPct val="90000"/>
+              </a:lnSpc>
+              <a:spcBef>
+                <a:spcPts val="500"/>
+              </a:spcBef>
+              <a:buFont typeface="Arial" panose="020B0604020202020204" pitchFamily="34" charset="0"/>
+              <a:buChar char="•"/>
+              <a:defRPr kumimoji="1" sz="1800" kern="1200">
+                <a:solidFill>
+                  <a:schemeClr val="tx1"/>
+                </a:solidFill>
+                <a:latin typeface="+mn-lt"/>
+                <a:ea typeface="+mn-ea"/>
+                <a:cs typeface="+mn-cs"/>
+              </a:defRPr>
+            </a:lvl9pPr>
+          </a:lstStyle>
+          <a:p>
+            <a:r>
+              <a:rPr lang="ja-JP" altLang="en-US" b="1" dirty="0">
+                <a:solidFill>
+                  <a:srgbClr val="FF0000"/>
+                </a:solidFill>
+              </a:rPr>
+              <a:t>競合（コンフリクト）</a:t>
+            </a:r>
+            <a:r>
+              <a:rPr lang="ja-JP" altLang="en-US" dirty="0"/>
+              <a:t>が発生したとき</a:t>
+            </a:r>
+            <a:br>
+              <a:rPr lang="en-US" altLang="ja-JP" dirty="0"/>
+            </a:br>
+            <a:br>
+              <a:rPr lang="en-US" altLang="ja-JP" dirty="0"/>
+            </a:br>
+            <a:r>
+              <a:rPr lang="ja-JP" altLang="en-US" sz="3200" dirty="0"/>
+              <a:t>競合を解決して</a:t>
+            </a:r>
+            <a:r>
+              <a:rPr lang="en-US" altLang="ja-JP" dirty="0"/>
+              <a:t>[Mark as resolved]</a:t>
+            </a:r>
+            <a:r>
+              <a:rPr lang="ja-JP" altLang="en-US" sz="3200" dirty="0"/>
+              <a:t>をクリック</a:t>
+            </a:r>
+            <a:endParaRPr lang="en-US" altLang="ja-JP" dirty="0"/>
+          </a:p>
+        </p:txBody>
+      </p:sp>
+      <p:pic>
+        <p:nvPicPr>
+          <p:cNvPr id="4" name="図 3">
+            <a:extLst>
+              <a:ext uri="{FF2B5EF4-FFF2-40B4-BE49-F238E27FC236}">
+                <a16:creationId xmlns:a16="http://schemas.microsoft.com/office/drawing/2014/main" id="{8FED6AAD-DDD1-CC56-C2BE-A825C5A9BB5F}"/>
+              </a:ext>
+            </a:extLst>
+          </p:cNvPr>
+          <p:cNvPicPr>
+            <a:picLocks noChangeAspect="1"/>
+          </p:cNvPicPr>
+          <p:nvPr/>
+        </p:nvPicPr>
+        <p:blipFill>
+          <a:blip r:embed="rId2">
+            <a:extLst>
+              <a:ext uri="{28A0092B-C50C-407E-A947-70E740481C1C}">
+                <a14:useLocalDpi xmlns:a14="http://schemas.microsoft.com/office/drawing/2010/main" val="0"/>
+              </a:ext>
+            </a:extLst>
+          </a:blip>
+          <a:srcRect l="25974" t="37422" r="32734" b="7900"/>
+          <a:stretch/>
+        </p:blipFill>
+        <p:spPr>
+          <a:xfrm>
+            <a:off x="539681" y="3038101"/>
+            <a:ext cx="5058878" cy="3115891"/>
+          </a:xfrm>
+          <a:prstGeom prst="rect">
+            <a:avLst/>
+          </a:prstGeom>
+          <a:ln>
+            <a:solidFill>
+              <a:schemeClr val="tx1"/>
+            </a:solidFill>
+          </a:ln>
+        </p:spPr>
+      </p:pic>
+      <p:pic>
+        <p:nvPicPr>
+          <p:cNvPr id="11" name="図 10">
+            <a:extLst>
+              <a:ext uri="{FF2B5EF4-FFF2-40B4-BE49-F238E27FC236}">
+                <a16:creationId xmlns:a16="http://schemas.microsoft.com/office/drawing/2014/main" id="{D36C3EFF-32EA-C1C1-7D2A-F3DA8287E042}"/>
+              </a:ext>
+            </a:extLst>
+          </p:cNvPr>
+          <p:cNvPicPr>
+            <a:picLocks noChangeAspect="1"/>
+          </p:cNvPicPr>
+          <p:nvPr/>
+        </p:nvPicPr>
+        <p:blipFill>
+          <a:blip r:embed="rId3">
+            <a:extLst>
+              <a:ext uri="{28A0092B-C50C-407E-A947-70E740481C1C}">
+                <a14:useLocalDpi xmlns:a14="http://schemas.microsoft.com/office/drawing/2010/main" val="0"/>
+              </a:ext>
+            </a:extLst>
+          </a:blip>
+          <a:srcRect l="25452" t="46841" r="44149" b="11886"/>
+          <a:stretch/>
+        </p:blipFill>
+        <p:spPr>
+          <a:xfrm>
+            <a:off x="6628624" y="3861413"/>
+            <a:ext cx="4609783" cy="2292579"/>
+          </a:xfrm>
+          <a:prstGeom prst="rect">
+            <a:avLst/>
+          </a:prstGeom>
+          <a:ln>
+            <a:solidFill>
+              <a:schemeClr val="tx1"/>
+            </a:solidFill>
+          </a:ln>
+        </p:spPr>
+      </p:pic>
+      <p:sp>
+        <p:nvSpPr>
+          <p:cNvPr id="12" name="矢印: 右 11">
+            <a:extLst>
+              <a:ext uri="{FF2B5EF4-FFF2-40B4-BE49-F238E27FC236}">
+                <a16:creationId xmlns:a16="http://schemas.microsoft.com/office/drawing/2014/main" id="{149724DE-E0EC-14DF-7AA9-2B81608C2C24}"/>
+              </a:ext>
+            </a:extLst>
+          </p:cNvPr>
+          <p:cNvSpPr/>
+          <p:nvPr/>
+        </p:nvSpPr>
+        <p:spPr>
+          <a:xfrm>
+            <a:off x="5678769" y="4760364"/>
+            <a:ext cx="834462" cy="486383"/>
+          </a:xfrm>
+          <a:prstGeom prst="rightArrow">
+            <a:avLst/>
+          </a:prstGeom>
+        </p:spPr>
+        <p:style>
+          <a:lnRef idx="2">
+            <a:schemeClr val="accent1">
+              <a:shade val="15000"/>
+            </a:schemeClr>
+          </a:lnRef>
+          <a:fillRef idx="1">
+            <a:schemeClr val="accent1"/>
+          </a:fillRef>
+          <a:effectRef idx="0">
+            <a:schemeClr val="accent1"/>
+          </a:effectRef>
+          <a:fontRef idx="minor">
+            <a:schemeClr val="lt1"/>
+          </a:fontRef>
+        </p:style>
+        <p:txBody>
+          <a:bodyPr rtlCol="0" anchor="ctr"/>
+          <a:lstStyle/>
+          <a:p>
+            <a:pPr algn="ctr"/>
+            <a:endParaRPr kumimoji="1" lang="ja-JP" altLang="en-US"/>
+          </a:p>
+        </p:txBody>
+      </p:sp>
+      <p:pic>
+        <p:nvPicPr>
+          <p:cNvPr id="7" name="図 6">
+            <a:extLst>
+              <a:ext uri="{FF2B5EF4-FFF2-40B4-BE49-F238E27FC236}">
+                <a16:creationId xmlns:a16="http://schemas.microsoft.com/office/drawing/2014/main" id="{97956AA9-CFEF-775B-D1EC-4CF7B35E080D}"/>
+              </a:ext>
+            </a:extLst>
+          </p:cNvPr>
+          <p:cNvPicPr>
+            <a:picLocks noChangeAspect="1"/>
+          </p:cNvPicPr>
+          <p:nvPr/>
+        </p:nvPicPr>
+        <p:blipFill>
+          <a:blip r:embed="rId3">
+            <a:extLst>
+              <a:ext uri="{28A0092B-C50C-407E-A947-70E740481C1C}">
+                <a14:useLocalDpi xmlns:a14="http://schemas.microsoft.com/office/drawing/2010/main" val="0"/>
+              </a:ext>
+            </a:extLst>
+          </a:blip>
+          <a:srcRect l="81383" t="13297" b="66078"/>
+          <a:stretch/>
+        </p:blipFill>
+        <p:spPr>
+          <a:xfrm>
+            <a:off x="8685381" y="2993062"/>
+            <a:ext cx="3229585" cy="1310578"/>
+          </a:xfrm>
+          <a:prstGeom prst="rect">
+            <a:avLst/>
+          </a:prstGeom>
+          <a:ln>
+            <a:solidFill>
+              <a:schemeClr val="tx1"/>
+            </a:solidFill>
+          </a:ln>
+        </p:spPr>
+      </p:pic>
+      <p:sp>
+        <p:nvSpPr>
+          <p:cNvPr id="8" name="正方形/長方形 7">
+            <a:extLst>
+              <a:ext uri="{FF2B5EF4-FFF2-40B4-BE49-F238E27FC236}">
+                <a16:creationId xmlns:a16="http://schemas.microsoft.com/office/drawing/2014/main" id="{079FDBD6-4180-0167-19DD-C9BBE9BF6A17}"/>
+              </a:ext>
+            </a:extLst>
+          </p:cNvPr>
+          <p:cNvSpPr/>
+          <p:nvPr/>
+        </p:nvSpPr>
+        <p:spPr>
+          <a:xfrm>
+            <a:off x="9951396" y="3409427"/>
+            <a:ext cx="1828800" cy="477848"/>
+          </a:xfrm>
+          <a:prstGeom prst="rect">
+            <a:avLst/>
+          </a:prstGeom>
+          <a:noFill/>
+          <a:ln w="38100">
+            <a:solidFill>
+              <a:srgbClr val="FF0000"/>
+            </a:solidFill>
+          </a:ln>
+        </p:spPr>
+        <p:style>
+          <a:lnRef idx="2">
+            <a:schemeClr val="accent1">
+              <a:shade val="15000"/>
+            </a:schemeClr>
+          </a:lnRef>
+          <a:fillRef idx="1">
+            <a:schemeClr val="accent1"/>
+          </a:fillRef>
+          <a:effectRef idx="0">
+            <a:schemeClr val="accent1"/>
+          </a:effectRef>
+          <a:fontRef idx="minor">
+            <a:schemeClr val="lt1"/>
+          </a:fontRef>
+        </p:style>
+        <p:txBody>
+          <a:bodyPr rtlCol="0" anchor="ctr"/>
+          <a:lstStyle/>
+          <a:p>
+            <a:pPr algn="ctr"/>
+            <a:endParaRPr kumimoji="1" lang="ja-JP" altLang="en-US"/>
+          </a:p>
+        </p:txBody>
+      </p:sp>
+    </p:spTree>
+    <p:extLst>
+      <p:ext uri="{BB962C8B-B14F-4D97-AF65-F5344CB8AC3E}">
+        <p14:creationId xmlns:p14="http://schemas.microsoft.com/office/powerpoint/2010/main" val="3081648539"/>
+      </p:ext>
+    </p:extLst>
+  </p:cSld>
+  <p:clrMapOvr>
+    <a:masterClrMapping/>
+  </p:clrMapOvr>
+</p:sld>
+</file>
+
+<file path=ppt/slides/slide51.xml><?xml version="1.0" encoding="utf-8"?>
+<p:sld xmlns:a="http://schemas.openxmlformats.org/drawingml/2006/main" xmlns:r="http://schemas.openxmlformats.org/officeDocument/2006/relationships" xmlns:p="http://schemas.openxmlformats.org/presentationml/2006/main">
+  <p:cSld>
+    <p:spTree>
+      <p:nvGrpSpPr>
+        <p:cNvPr id="1" name="">
+          <a:extLst>
+            <a:ext uri="{FF2B5EF4-FFF2-40B4-BE49-F238E27FC236}">
+              <a16:creationId xmlns:a16="http://schemas.microsoft.com/office/drawing/2014/main" id="{CE7F6B1B-69A9-0F6D-8A22-82AC130A6FA7}"/>
+            </a:ext>
+          </a:extLst>
+        </p:cNvPr>
+        <p:cNvGrpSpPr/>
+        <p:nvPr/>
+      </p:nvGrpSpPr>
+      <p:grpSpPr>
+        <a:xfrm>
+          <a:off x="0" y="0"/>
+          <a:ext cx="0" cy="0"/>
+          <a:chOff x="0" y="0"/>
+          <a:chExt cx="0" cy="0"/>
+        </a:xfrm>
+      </p:grpSpPr>
+      <p:sp>
+        <p:nvSpPr>
+          <p:cNvPr id="2" name="タイトル 1">
+            <a:extLst>
+              <a:ext uri="{FF2B5EF4-FFF2-40B4-BE49-F238E27FC236}">
+                <a16:creationId xmlns:a16="http://schemas.microsoft.com/office/drawing/2014/main" id="{574DAFF1-D21D-B3A3-67AB-A5B60ACF39FE}"/>
+              </a:ext>
+            </a:extLst>
+          </p:cNvPr>
+          <p:cNvSpPr>
+            <a:spLocks noGrp="1"/>
+          </p:cNvSpPr>
+          <p:nvPr>
+            <p:ph type="title"/>
+          </p:nvPr>
+        </p:nvSpPr>
+        <p:spPr/>
+        <p:txBody>
+          <a:bodyPr/>
+          <a:lstStyle/>
+          <a:p>
+            <a:r>
+              <a:rPr lang="en-US" altLang="ja-JP" dirty="0"/>
+              <a:t>GitHub</a:t>
+            </a:r>
+            <a:r>
+              <a:rPr lang="ja-JP" altLang="en-US" dirty="0"/>
+              <a:t>を使ったチーム制作</a:t>
+            </a:r>
+            <a:endParaRPr kumimoji="1" lang="ja-JP" altLang="en-US" dirty="0"/>
+          </a:p>
+        </p:txBody>
+      </p:sp>
+      <p:sp>
+        <p:nvSpPr>
+          <p:cNvPr id="9" name="コンテンツ プレースホルダー 2">
+            <a:extLst>
+              <a:ext uri="{FF2B5EF4-FFF2-40B4-BE49-F238E27FC236}">
+                <a16:creationId xmlns:a16="http://schemas.microsoft.com/office/drawing/2014/main" id="{887ADD9D-E8BA-F8B9-A0DD-0A18D7701DF1}"/>
+              </a:ext>
+            </a:extLst>
+          </p:cNvPr>
+          <p:cNvSpPr txBox="1">
+            <a:spLocks/>
+          </p:cNvSpPr>
+          <p:nvPr/>
+        </p:nvSpPr>
+        <p:spPr>
+          <a:xfrm>
+            <a:off x="838200" y="1376038"/>
+            <a:ext cx="10515600" cy="5355502"/>
+          </a:xfrm>
+          <a:prstGeom prst="rect">
+            <a:avLst/>
+          </a:prstGeom>
+        </p:spPr>
+        <p:txBody>
+          <a:bodyPr vert="horz" lIns="91440" tIns="45720" rIns="91440" bIns="45720" rtlCol="0">
+            <a:normAutofit/>
+          </a:bodyPr>
+          <a:lstStyle>
+            <a:lvl1pPr marL="228600" indent="-228600" algn="l" defTabSz="914400" rtl="0" eaLnBrk="1" latinLnBrk="0" hangingPunct="1">
+              <a:lnSpc>
+                <a:spcPct val="90000"/>
+              </a:lnSpc>
+              <a:spcBef>
+                <a:spcPts val="1000"/>
+              </a:spcBef>
+              <a:buFont typeface="Arial" panose="020B0604020202020204" pitchFamily="34" charset="0"/>
+              <a:buChar char="•"/>
+              <a:defRPr kumimoji="1" sz="3600" kern="1200">
+                <a:solidFill>
+                  <a:schemeClr val="tx1"/>
+                </a:solidFill>
+                <a:latin typeface="+mn-lt"/>
+                <a:ea typeface="+mn-ea"/>
+                <a:cs typeface="+mn-cs"/>
+              </a:defRPr>
+            </a:lvl1pPr>
+            <a:lvl2pPr marL="685800" indent="-228600" algn="l" defTabSz="914400" rtl="0" eaLnBrk="1" latinLnBrk="0" hangingPunct="1">
+              <a:lnSpc>
+                <a:spcPct val="90000"/>
+              </a:lnSpc>
+              <a:spcBef>
+                <a:spcPts val="500"/>
+              </a:spcBef>
+              <a:buFont typeface="Arial" panose="020B0604020202020204" pitchFamily="34" charset="0"/>
+              <a:buChar char="•"/>
+              <a:defRPr kumimoji="1" sz="3200" kern="1200">
+                <a:solidFill>
+                  <a:schemeClr val="tx1"/>
+                </a:solidFill>
+                <a:latin typeface="+mn-lt"/>
+                <a:ea typeface="+mn-ea"/>
+                <a:cs typeface="+mn-cs"/>
+              </a:defRPr>
+            </a:lvl2pPr>
+            <a:lvl3pPr marL="1143000" indent="-228600" algn="l" defTabSz="914400" rtl="0" eaLnBrk="1" latinLnBrk="0" hangingPunct="1">
+              <a:lnSpc>
+                <a:spcPct val="90000"/>
+              </a:lnSpc>
+              <a:spcBef>
+                <a:spcPts val="500"/>
+              </a:spcBef>
+              <a:buFont typeface="Arial" panose="020B0604020202020204" pitchFamily="34" charset="0"/>
+              <a:buChar char="•"/>
+              <a:defRPr kumimoji="1" sz="2800" kern="1200">
+                <a:solidFill>
+                  <a:schemeClr val="tx1"/>
+                </a:solidFill>
+                <a:latin typeface="+mn-lt"/>
+                <a:ea typeface="+mn-ea"/>
+                <a:cs typeface="+mn-cs"/>
+              </a:defRPr>
+            </a:lvl3pPr>
+            <a:lvl4pPr marL="1600200" indent="-228600" algn="l" defTabSz="914400" rtl="0" eaLnBrk="1" latinLnBrk="0" hangingPunct="1">
+              <a:lnSpc>
+                <a:spcPct val="90000"/>
+              </a:lnSpc>
+              <a:spcBef>
+                <a:spcPts val="500"/>
+              </a:spcBef>
+              <a:buFont typeface="Arial" panose="020B0604020202020204" pitchFamily="34" charset="0"/>
+              <a:buChar char="•"/>
+              <a:defRPr kumimoji="1" sz="2400" kern="1200">
+                <a:solidFill>
+                  <a:schemeClr val="tx1"/>
+                </a:solidFill>
+                <a:latin typeface="+mn-lt"/>
+                <a:ea typeface="+mn-ea"/>
+                <a:cs typeface="+mn-cs"/>
+              </a:defRPr>
+            </a:lvl4pPr>
+            <a:lvl5pPr marL="2057400" indent="-228600" algn="l" defTabSz="914400" rtl="0" eaLnBrk="1" latinLnBrk="0" hangingPunct="1">
+              <a:lnSpc>
+                <a:spcPct val="90000"/>
+              </a:lnSpc>
+              <a:spcBef>
+                <a:spcPts val="500"/>
+              </a:spcBef>
+              <a:buFont typeface="Arial" panose="020B0604020202020204" pitchFamily="34" charset="0"/>
+              <a:buChar char="•"/>
+              <a:defRPr kumimoji="1" sz="2400" kern="1200">
+                <a:solidFill>
+                  <a:schemeClr val="tx1"/>
+                </a:solidFill>
+                <a:latin typeface="+mn-lt"/>
+                <a:ea typeface="+mn-ea"/>
+                <a:cs typeface="+mn-cs"/>
+              </a:defRPr>
+            </a:lvl5pPr>
+            <a:lvl6pPr marL="2514600" indent="-228600" algn="l" defTabSz="914400" rtl="0" eaLnBrk="1" latinLnBrk="0" hangingPunct="1">
+              <a:lnSpc>
+                <a:spcPct val="90000"/>
+              </a:lnSpc>
+              <a:spcBef>
+                <a:spcPts val="500"/>
+              </a:spcBef>
+              <a:buFont typeface="Arial" panose="020B0604020202020204" pitchFamily="34" charset="0"/>
+              <a:buChar char="•"/>
+              <a:defRPr kumimoji="1" sz="1800" kern="1200">
+                <a:solidFill>
+                  <a:schemeClr val="tx1"/>
+                </a:solidFill>
+                <a:latin typeface="+mn-lt"/>
+                <a:ea typeface="+mn-ea"/>
+                <a:cs typeface="+mn-cs"/>
+              </a:defRPr>
+            </a:lvl6pPr>
+            <a:lvl7pPr marL="2971800" indent="-228600" algn="l" defTabSz="914400" rtl="0" eaLnBrk="1" latinLnBrk="0" hangingPunct="1">
+              <a:lnSpc>
+                <a:spcPct val="90000"/>
+              </a:lnSpc>
+              <a:spcBef>
+                <a:spcPts val="500"/>
+              </a:spcBef>
+              <a:buFont typeface="Arial" panose="020B0604020202020204" pitchFamily="34" charset="0"/>
+              <a:buChar char="•"/>
+              <a:defRPr kumimoji="1" sz="1800" kern="1200">
+                <a:solidFill>
+                  <a:schemeClr val="tx1"/>
+                </a:solidFill>
+                <a:latin typeface="+mn-lt"/>
+                <a:ea typeface="+mn-ea"/>
+                <a:cs typeface="+mn-cs"/>
+              </a:defRPr>
+            </a:lvl7pPr>
+            <a:lvl8pPr marL="3429000" indent="-228600" algn="l" defTabSz="914400" rtl="0" eaLnBrk="1" latinLnBrk="0" hangingPunct="1">
+              <a:lnSpc>
+                <a:spcPct val="90000"/>
+              </a:lnSpc>
+              <a:spcBef>
+                <a:spcPts val="500"/>
+              </a:spcBef>
+              <a:buFont typeface="Arial" panose="020B0604020202020204" pitchFamily="34" charset="0"/>
+              <a:buChar char="•"/>
+              <a:defRPr kumimoji="1" sz="1800" kern="1200">
+                <a:solidFill>
+                  <a:schemeClr val="tx1"/>
+                </a:solidFill>
+                <a:latin typeface="+mn-lt"/>
+                <a:ea typeface="+mn-ea"/>
+                <a:cs typeface="+mn-cs"/>
+              </a:defRPr>
+            </a:lvl8pPr>
+            <a:lvl9pPr marL="3886200" indent="-228600" algn="l" defTabSz="914400" rtl="0" eaLnBrk="1" latinLnBrk="0" hangingPunct="1">
+              <a:lnSpc>
+                <a:spcPct val="90000"/>
+              </a:lnSpc>
+              <a:spcBef>
+                <a:spcPts val="500"/>
+              </a:spcBef>
+              <a:buFont typeface="Arial" panose="020B0604020202020204" pitchFamily="34" charset="0"/>
+              <a:buChar char="•"/>
+              <a:defRPr kumimoji="1" sz="1800" kern="1200">
+                <a:solidFill>
+                  <a:schemeClr val="tx1"/>
+                </a:solidFill>
+                <a:latin typeface="+mn-lt"/>
+                <a:ea typeface="+mn-ea"/>
+                <a:cs typeface="+mn-cs"/>
+              </a:defRPr>
+            </a:lvl9pPr>
+          </a:lstStyle>
+          <a:p>
+            <a:r>
+              <a:rPr lang="ja-JP" altLang="en-US" b="1" dirty="0">
+                <a:solidFill>
+                  <a:srgbClr val="FF0000"/>
+                </a:solidFill>
+              </a:rPr>
+              <a:t>競合（コンフリクト）</a:t>
+            </a:r>
+            <a:r>
+              <a:rPr lang="ja-JP" altLang="en-US" dirty="0"/>
+              <a:t>が発生したとき</a:t>
+            </a:r>
+            <a:br>
+              <a:rPr lang="en-US" altLang="ja-JP" dirty="0"/>
+            </a:br>
+            <a:br>
+              <a:rPr lang="en-US" altLang="ja-JP" dirty="0"/>
+            </a:br>
+            <a:r>
+              <a:rPr lang="en-US" altLang="ja-JP" dirty="0"/>
+              <a:t>[Commit merge]</a:t>
+            </a:r>
+            <a:r>
+              <a:rPr lang="ja-JP" altLang="en-US" dirty="0"/>
+              <a:t>をクリック</a:t>
+            </a:r>
+            <a:endParaRPr lang="en-US" altLang="ja-JP" dirty="0"/>
+          </a:p>
+        </p:txBody>
+      </p:sp>
+      <p:pic>
+        <p:nvPicPr>
+          <p:cNvPr id="17" name="図 16">
+            <a:extLst>
+              <a:ext uri="{FF2B5EF4-FFF2-40B4-BE49-F238E27FC236}">
+                <a16:creationId xmlns:a16="http://schemas.microsoft.com/office/drawing/2014/main" id="{E894584C-A7A6-72FD-6A00-CBB4AFF95323}"/>
+              </a:ext>
+            </a:extLst>
+          </p:cNvPr>
+          <p:cNvPicPr>
+            <a:picLocks noChangeAspect="1"/>
+          </p:cNvPicPr>
+          <p:nvPr/>
+        </p:nvPicPr>
+        <p:blipFill>
+          <a:blip r:embed="rId2">
+            <a:extLst>
+              <a:ext uri="{28A0092B-C50C-407E-A947-70E740481C1C}">
+                <a14:useLocalDpi xmlns:a14="http://schemas.microsoft.com/office/drawing/2010/main" val="0"/>
+              </a:ext>
+            </a:extLst>
+          </a:blip>
+          <a:srcRect b="50000"/>
+          <a:stretch/>
+        </p:blipFill>
+        <p:spPr>
+          <a:xfrm>
+            <a:off x="917502" y="3137085"/>
+            <a:ext cx="10726647" cy="3234189"/>
+          </a:xfrm>
+          <a:prstGeom prst="rect">
+            <a:avLst/>
+          </a:prstGeom>
+          <a:ln>
+            <a:solidFill>
+              <a:schemeClr val="tx1"/>
+            </a:solidFill>
+          </a:ln>
+        </p:spPr>
+      </p:pic>
+      <p:sp>
+        <p:nvSpPr>
+          <p:cNvPr id="18" name="正方形/長方形 17">
+            <a:extLst>
+              <a:ext uri="{FF2B5EF4-FFF2-40B4-BE49-F238E27FC236}">
+                <a16:creationId xmlns:a16="http://schemas.microsoft.com/office/drawing/2014/main" id="{0DFEC6AE-8C99-272F-C313-0DF1DE354004}"/>
+              </a:ext>
+            </a:extLst>
+          </p:cNvPr>
+          <p:cNvSpPr/>
+          <p:nvPr/>
+        </p:nvSpPr>
+        <p:spPr>
+          <a:xfrm>
+            <a:off x="9717932" y="3608962"/>
+            <a:ext cx="1715170" cy="550688"/>
+          </a:xfrm>
+          <a:prstGeom prst="rect">
+            <a:avLst/>
+          </a:prstGeom>
+          <a:noFill/>
+          <a:ln w="38100">
+            <a:solidFill>
+              <a:srgbClr val="FF0000"/>
+            </a:solidFill>
+          </a:ln>
+        </p:spPr>
+        <p:style>
+          <a:lnRef idx="2">
+            <a:schemeClr val="accent1">
+              <a:shade val="15000"/>
+            </a:schemeClr>
+          </a:lnRef>
+          <a:fillRef idx="1">
+            <a:schemeClr val="accent1"/>
+          </a:fillRef>
+          <a:effectRef idx="0">
+            <a:schemeClr val="accent1"/>
+          </a:effectRef>
+          <a:fontRef idx="minor">
+            <a:schemeClr val="lt1"/>
+          </a:fontRef>
+        </p:style>
+        <p:txBody>
+          <a:bodyPr rtlCol="0" anchor="ctr"/>
+          <a:lstStyle/>
+          <a:p>
+            <a:pPr algn="ctr"/>
+            <a:endParaRPr kumimoji="1" lang="ja-JP" altLang="en-US"/>
+          </a:p>
+        </p:txBody>
+      </p:sp>
+    </p:spTree>
+    <p:extLst>
+      <p:ext uri="{BB962C8B-B14F-4D97-AF65-F5344CB8AC3E}">
+        <p14:creationId xmlns:p14="http://schemas.microsoft.com/office/powerpoint/2010/main" val="3191738084"/>
+      </p:ext>
+    </p:extLst>
+  </p:cSld>
+  <p:clrMapOvr>
+    <a:masterClrMapping/>
+  </p:clrMapOvr>
+</p:sld>
+</file>
+
+<file path=ppt/slides/slide52.xml><?xml version="1.0" encoding="utf-8"?>
+<p:sld xmlns:a="http://schemas.openxmlformats.org/drawingml/2006/main" xmlns:r="http://schemas.openxmlformats.org/officeDocument/2006/relationships" xmlns:p="http://schemas.openxmlformats.org/presentationml/2006/main">
+  <p:cSld>
+    <p:spTree>
+      <p:nvGrpSpPr>
+        <p:cNvPr id="1" name="">
+          <a:extLst>
+            <a:ext uri="{FF2B5EF4-FFF2-40B4-BE49-F238E27FC236}">
+              <a16:creationId xmlns:a16="http://schemas.microsoft.com/office/drawing/2014/main" id="{3605F2BD-267C-1B82-5DD9-B31AFE2D05C0}"/>
+            </a:ext>
+          </a:extLst>
+        </p:cNvPr>
+        <p:cNvGrpSpPr/>
+        <p:nvPr/>
+      </p:nvGrpSpPr>
+      <p:grpSpPr>
+        <a:xfrm>
+          <a:off x="0" y="0"/>
+          <a:ext cx="0" cy="0"/>
+          <a:chOff x="0" y="0"/>
+          <a:chExt cx="0" cy="0"/>
+        </a:xfrm>
+      </p:grpSpPr>
+      <p:sp>
+        <p:nvSpPr>
+          <p:cNvPr id="2" name="タイトル 1">
+            <a:extLst>
+              <a:ext uri="{FF2B5EF4-FFF2-40B4-BE49-F238E27FC236}">
+                <a16:creationId xmlns:a16="http://schemas.microsoft.com/office/drawing/2014/main" id="{6B7A06F9-1D67-C1D7-A637-5F47D16FFE4A}"/>
+              </a:ext>
+            </a:extLst>
+          </p:cNvPr>
+          <p:cNvSpPr>
+            <a:spLocks noGrp="1"/>
+          </p:cNvSpPr>
+          <p:nvPr>
+            <p:ph type="title"/>
+          </p:nvPr>
+        </p:nvSpPr>
+        <p:spPr/>
+        <p:txBody>
+          <a:bodyPr/>
+          <a:lstStyle/>
+          <a:p>
+            <a:r>
+              <a:rPr lang="en-US" altLang="ja-JP" dirty="0"/>
+              <a:t>GitHub</a:t>
+            </a:r>
+            <a:r>
+              <a:rPr lang="ja-JP" altLang="en-US" dirty="0"/>
+              <a:t>を使ったチーム制作</a:t>
+            </a:r>
+            <a:endParaRPr kumimoji="1" lang="ja-JP" altLang="en-US" dirty="0"/>
+          </a:p>
+        </p:txBody>
+      </p:sp>
+      <p:sp>
+        <p:nvSpPr>
+          <p:cNvPr id="9" name="コンテンツ プレースホルダー 2">
+            <a:extLst>
+              <a:ext uri="{FF2B5EF4-FFF2-40B4-BE49-F238E27FC236}">
+                <a16:creationId xmlns:a16="http://schemas.microsoft.com/office/drawing/2014/main" id="{D5392989-9E80-9416-1394-1519C14F0B7D}"/>
+              </a:ext>
+            </a:extLst>
+          </p:cNvPr>
+          <p:cNvSpPr txBox="1">
+            <a:spLocks/>
+          </p:cNvSpPr>
+          <p:nvPr/>
+        </p:nvSpPr>
+        <p:spPr>
+          <a:xfrm>
+            <a:off x="838200" y="1376038"/>
+            <a:ext cx="10515600" cy="5355502"/>
+          </a:xfrm>
+          <a:prstGeom prst="rect">
+            <a:avLst/>
+          </a:prstGeom>
+        </p:spPr>
+        <p:txBody>
+          <a:bodyPr vert="horz" lIns="91440" tIns="45720" rIns="91440" bIns="45720" rtlCol="0">
+            <a:normAutofit/>
+          </a:bodyPr>
+          <a:lstStyle>
+            <a:lvl1pPr marL="228600" indent="-228600" algn="l" defTabSz="914400" rtl="0" eaLnBrk="1" latinLnBrk="0" hangingPunct="1">
+              <a:lnSpc>
+                <a:spcPct val="90000"/>
+              </a:lnSpc>
+              <a:spcBef>
+                <a:spcPts val="1000"/>
+              </a:spcBef>
+              <a:buFont typeface="Arial" panose="020B0604020202020204" pitchFamily="34" charset="0"/>
+              <a:buChar char="•"/>
+              <a:defRPr kumimoji="1" sz="3600" kern="1200">
+                <a:solidFill>
+                  <a:schemeClr val="tx1"/>
+                </a:solidFill>
+                <a:latin typeface="+mn-lt"/>
+                <a:ea typeface="+mn-ea"/>
+                <a:cs typeface="+mn-cs"/>
+              </a:defRPr>
+            </a:lvl1pPr>
+            <a:lvl2pPr marL="685800" indent="-228600" algn="l" defTabSz="914400" rtl="0" eaLnBrk="1" latinLnBrk="0" hangingPunct="1">
+              <a:lnSpc>
+                <a:spcPct val="90000"/>
+              </a:lnSpc>
+              <a:spcBef>
+                <a:spcPts val="500"/>
+              </a:spcBef>
+              <a:buFont typeface="Arial" panose="020B0604020202020204" pitchFamily="34" charset="0"/>
+              <a:buChar char="•"/>
+              <a:defRPr kumimoji="1" sz="3200" kern="1200">
+                <a:solidFill>
+                  <a:schemeClr val="tx1"/>
+                </a:solidFill>
+                <a:latin typeface="+mn-lt"/>
+                <a:ea typeface="+mn-ea"/>
+                <a:cs typeface="+mn-cs"/>
+              </a:defRPr>
+            </a:lvl2pPr>
+            <a:lvl3pPr marL="1143000" indent="-228600" algn="l" defTabSz="914400" rtl="0" eaLnBrk="1" latinLnBrk="0" hangingPunct="1">
+              <a:lnSpc>
+                <a:spcPct val="90000"/>
+              </a:lnSpc>
+              <a:spcBef>
+                <a:spcPts val="500"/>
+              </a:spcBef>
+              <a:buFont typeface="Arial" panose="020B0604020202020204" pitchFamily="34" charset="0"/>
+              <a:buChar char="•"/>
+              <a:defRPr kumimoji="1" sz="2800" kern="1200">
+                <a:solidFill>
+                  <a:schemeClr val="tx1"/>
+                </a:solidFill>
+                <a:latin typeface="+mn-lt"/>
+                <a:ea typeface="+mn-ea"/>
+                <a:cs typeface="+mn-cs"/>
+              </a:defRPr>
+            </a:lvl3pPr>
+            <a:lvl4pPr marL="1600200" indent="-228600" algn="l" defTabSz="914400" rtl="0" eaLnBrk="1" latinLnBrk="0" hangingPunct="1">
+              <a:lnSpc>
+                <a:spcPct val="90000"/>
+              </a:lnSpc>
+              <a:spcBef>
+                <a:spcPts val="500"/>
+              </a:spcBef>
+              <a:buFont typeface="Arial" panose="020B0604020202020204" pitchFamily="34" charset="0"/>
+              <a:buChar char="•"/>
+              <a:defRPr kumimoji="1" sz="2400" kern="1200">
+                <a:solidFill>
+                  <a:schemeClr val="tx1"/>
+                </a:solidFill>
+                <a:latin typeface="+mn-lt"/>
+                <a:ea typeface="+mn-ea"/>
+                <a:cs typeface="+mn-cs"/>
+              </a:defRPr>
+            </a:lvl4pPr>
+            <a:lvl5pPr marL="2057400" indent="-228600" algn="l" defTabSz="914400" rtl="0" eaLnBrk="1" latinLnBrk="0" hangingPunct="1">
+              <a:lnSpc>
+                <a:spcPct val="90000"/>
+              </a:lnSpc>
+              <a:spcBef>
+                <a:spcPts val="500"/>
+              </a:spcBef>
+              <a:buFont typeface="Arial" panose="020B0604020202020204" pitchFamily="34" charset="0"/>
+              <a:buChar char="•"/>
+              <a:defRPr kumimoji="1" sz="2400" kern="1200">
+                <a:solidFill>
+                  <a:schemeClr val="tx1"/>
+                </a:solidFill>
+                <a:latin typeface="+mn-lt"/>
+                <a:ea typeface="+mn-ea"/>
+                <a:cs typeface="+mn-cs"/>
+              </a:defRPr>
+            </a:lvl5pPr>
+            <a:lvl6pPr marL="2514600" indent="-228600" algn="l" defTabSz="914400" rtl="0" eaLnBrk="1" latinLnBrk="0" hangingPunct="1">
+              <a:lnSpc>
+                <a:spcPct val="90000"/>
+              </a:lnSpc>
+              <a:spcBef>
+                <a:spcPts val="500"/>
+              </a:spcBef>
+              <a:buFont typeface="Arial" panose="020B0604020202020204" pitchFamily="34" charset="0"/>
+              <a:buChar char="•"/>
+              <a:defRPr kumimoji="1" sz="1800" kern="1200">
+                <a:solidFill>
+                  <a:schemeClr val="tx1"/>
+                </a:solidFill>
+                <a:latin typeface="+mn-lt"/>
+                <a:ea typeface="+mn-ea"/>
+                <a:cs typeface="+mn-cs"/>
+              </a:defRPr>
+            </a:lvl6pPr>
+            <a:lvl7pPr marL="2971800" indent="-228600" algn="l" defTabSz="914400" rtl="0" eaLnBrk="1" latinLnBrk="0" hangingPunct="1">
+              <a:lnSpc>
+                <a:spcPct val="90000"/>
+              </a:lnSpc>
+              <a:spcBef>
+                <a:spcPts val="500"/>
+              </a:spcBef>
+              <a:buFont typeface="Arial" panose="020B0604020202020204" pitchFamily="34" charset="0"/>
+              <a:buChar char="•"/>
+              <a:defRPr kumimoji="1" sz="1800" kern="1200">
+                <a:solidFill>
+                  <a:schemeClr val="tx1"/>
+                </a:solidFill>
+                <a:latin typeface="+mn-lt"/>
+                <a:ea typeface="+mn-ea"/>
+                <a:cs typeface="+mn-cs"/>
+              </a:defRPr>
+            </a:lvl7pPr>
+            <a:lvl8pPr marL="3429000" indent="-228600" algn="l" defTabSz="914400" rtl="0" eaLnBrk="1" latinLnBrk="0" hangingPunct="1">
+              <a:lnSpc>
+                <a:spcPct val="90000"/>
+              </a:lnSpc>
+              <a:spcBef>
+                <a:spcPts val="500"/>
+              </a:spcBef>
+              <a:buFont typeface="Arial" panose="020B0604020202020204" pitchFamily="34" charset="0"/>
+              <a:buChar char="•"/>
+              <a:defRPr kumimoji="1" sz="1800" kern="1200">
+                <a:solidFill>
+                  <a:schemeClr val="tx1"/>
+                </a:solidFill>
+                <a:latin typeface="+mn-lt"/>
+                <a:ea typeface="+mn-ea"/>
+                <a:cs typeface="+mn-cs"/>
+              </a:defRPr>
+            </a:lvl8pPr>
+            <a:lvl9pPr marL="3886200" indent="-228600" algn="l" defTabSz="914400" rtl="0" eaLnBrk="1" latinLnBrk="0" hangingPunct="1">
+              <a:lnSpc>
+                <a:spcPct val="90000"/>
+              </a:lnSpc>
+              <a:spcBef>
+                <a:spcPts val="500"/>
+              </a:spcBef>
+              <a:buFont typeface="Arial" panose="020B0604020202020204" pitchFamily="34" charset="0"/>
+              <a:buChar char="•"/>
+              <a:defRPr kumimoji="1" sz="1800" kern="1200">
+                <a:solidFill>
+                  <a:schemeClr val="tx1"/>
+                </a:solidFill>
+                <a:latin typeface="+mn-lt"/>
+                <a:ea typeface="+mn-ea"/>
+                <a:cs typeface="+mn-cs"/>
+              </a:defRPr>
+            </a:lvl9pPr>
+          </a:lstStyle>
+          <a:p>
+            <a:r>
+              <a:rPr lang="ja-JP" altLang="en-US" b="1" dirty="0">
+                <a:solidFill>
+                  <a:srgbClr val="FF0000"/>
+                </a:solidFill>
+              </a:rPr>
+              <a:t>競合（コンフリクト）</a:t>
+            </a:r>
+            <a:r>
+              <a:rPr lang="ja-JP" altLang="en-US" dirty="0"/>
+              <a:t>が発生したとき</a:t>
+            </a:r>
+            <a:br>
+              <a:rPr lang="en-US" altLang="ja-JP" dirty="0"/>
+            </a:br>
+            <a:br>
+              <a:rPr lang="en-US" altLang="ja-JP" dirty="0"/>
+            </a:br>
+            <a:r>
+              <a:rPr lang="ja-JP" altLang="en-US" dirty="0"/>
+              <a:t>あとは競合が発生しないときと同じ手順で</a:t>
+            </a:r>
+            <a:br>
+              <a:rPr lang="en-US" altLang="ja-JP" dirty="0"/>
+            </a:br>
+            <a:r>
+              <a:rPr lang="ja-JP" altLang="en-US" dirty="0"/>
+              <a:t>統合（マージ）を行う</a:t>
+            </a:r>
+            <a:r>
+              <a:rPr lang="en-US" altLang="ja-JP" dirty="0"/>
+              <a:t>[Commit merge]</a:t>
+            </a:r>
+            <a:r>
+              <a:rPr lang="ja-JP" altLang="en-US" dirty="0"/>
+              <a:t>をクリック</a:t>
+            </a:r>
+            <a:endParaRPr lang="en-US" altLang="ja-JP" dirty="0"/>
+          </a:p>
+        </p:txBody>
+      </p:sp>
+      <p:pic>
+        <p:nvPicPr>
+          <p:cNvPr id="4" name="図 3">
+            <a:extLst>
+              <a:ext uri="{FF2B5EF4-FFF2-40B4-BE49-F238E27FC236}">
+                <a16:creationId xmlns:a16="http://schemas.microsoft.com/office/drawing/2014/main" id="{D98CDBD7-643C-BADC-3D3F-77E82406CC70}"/>
+              </a:ext>
+            </a:extLst>
+          </p:cNvPr>
+          <p:cNvPicPr>
+            <a:picLocks noChangeAspect="1"/>
+          </p:cNvPicPr>
+          <p:nvPr/>
+        </p:nvPicPr>
+        <p:blipFill>
+          <a:blip r:embed="rId2">
+            <a:extLst>
+              <a:ext uri="{28A0092B-C50C-407E-A947-70E740481C1C}">
+                <a14:useLocalDpi xmlns:a14="http://schemas.microsoft.com/office/drawing/2010/main" val="0"/>
+              </a:ext>
+            </a:extLst>
+          </a:blip>
+          <a:srcRect t="66667"/>
+          <a:stretch/>
+        </p:blipFill>
+        <p:spPr>
+          <a:xfrm>
+            <a:off x="1439250" y="3740285"/>
+            <a:ext cx="8749295" cy="2286000"/>
+          </a:xfrm>
+          <a:prstGeom prst="rect">
+            <a:avLst/>
+          </a:prstGeom>
+          <a:ln>
+            <a:solidFill>
+              <a:schemeClr val="tx1"/>
+            </a:solidFill>
+          </a:ln>
+        </p:spPr>
+      </p:pic>
+      <p:sp>
+        <p:nvSpPr>
+          <p:cNvPr id="18" name="正方形/長方形 17">
+            <a:extLst>
+              <a:ext uri="{FF2B5EF4-FFF2-40B4-BE49-F238E27FC236}">
+                <a16:creationId xmlns:a16="http://schemas.microsoft.com/office/drawing/2014/main" id="{61531F2E-F99C-AC90-E2DC-EA20CB6FA01F}"/>
+              </a:ext>
+            </a:extLst>
+          </p:cNvPr>
+          <p:cNvSpPr/>
+          <p:nvPr/>
+        </p:nvSpPr>
+        <p:spPr>
+          <a:xfrm>
+            <a:off x="2587557" y="5009745"/>
+            <a:ext cx="2577829" cy="472217"/>
+          </a:xfrm>
+          <a:prstGeom prst="rect">
+            <a:avLst/>
+          </a:prstGeom>
+          <a:noFill/>
+          <a:ln w="38100">
+            <a:solidFill>
+              <a:srgbClr val="FF0000"/>
+            </a:solidFill>
+          </a:ln>
+        </p:spPr>
+        <p:style>
+          <a:lnRef idx="2">
+            <a:schemeClr val="accent1">
+              <a:shade val="15000"/>
+            </a:schemeClr>
+          </a:lnRef>
+          <a:fillRef idx="1">
+            <a:schemeClr val="accent1"/>
+          </a:fillRef>
+          <a:effectRef idx="0">
+            <a:schemeClr val="accent1"/>
+          </a:effectRef>
+          <a:fontRef idx="minor">
+            <a:schemeClr val="lt1"/>
+          </a:fontRef>
+        </p:style>
+        <p:txBody>
+          <a:bodyPr rtlCol="0" anchor="ctr"/>
+          <a:lstStyle/>
+          <a:p>
+            <a:pPr algn="ctr"/>
+            <a:endParaRPr kumimoji="1" lang="ja-JP" altLang="en-US"/>
+          </a:p>
+        </p:txBody>
+      </p:sp>
+    </p:spTree>
+    <p:extLst>
+      <p:ext uri="{BB962C8B-B14F-4D97-AF65-F5344CB8AC3E}">
+        <p14:creationId xmlns:p14="http://schemas.microsoft.com/office/powerpoint/2010/main" val="519267549"/>
       </p:ext>
     </p:extLst>
   </p:cSld>
@@ -24268,7 +28145,7 @@
         </p:nvSpPr>
         <p:spPr>
           <a:xfrm>
-            <a:off x="990600" y="1528438"/>
+            <a:off x="990600" y="1512563"/>
             <a:ext cx="10515600" cy="4980311"/>
           </a:xfrm>
           <a:prstGeom prst="rect">
@@ -24457,7 +28334,62 @@
             </a:br>
             <a:r>
               <a:rPr lang="ja-JP" altLang="en-US" dirty="0"/>
-              <a:t>のフォルダ内に開発に必要なものをすべてコピー</a:t>
+              <a:t>のフォルダ内にある「</a:t>
+            </a:r>
+            <a:r>
+              <a:rPr lang="en-US" altLang="ja-JP" dirty="0">
+                <a:solidFill>
+                  <a:srgbClr val="FF0000"/>
+                </a:solidFill>
+              </a:rPr>
+              <a:t>.</a:t>
+            </a:r>
+            <a:r>
+              <a:rPr lang="en-US" altLang="ja-JP" dirty="0" err="1">
+                <a:solidFill>
+                  <a:srgbClr val="FF0000"/>
+                </a:solidFill>
+              </a:rPr>
+              <a:t>gitignore</a:t>
+            </a:r>
+            <a:r>
+              <a:rPr lang="ja-JP" altLang="en-US" dirty="0"/>
+              <a:t>」ファイルを</a:t>
+            </a:r>
+            <a:br>
+              <a:rPr lang="en-US" altLang="ja-JP" dirty="0"/>
+            </a:br>
+            <a:r>
+              <a:rPr lang="ja-JP" altLang="en-US" dirty="0"/>
+              <a:t>右クリックメニュー</a:t>
+            </a:r>
+            <a:r>
+              <a:rPr lang="en-US" altLang="ja-JP" dirty="0">
+                <a:solidFill>
+                  <a:srgbClr val="00B050"/>
+                </a:solidFill>
+              </a:rPr>
+              <a:t>[</a:t>
+            </a:r>
+            <a:r>
+              <a:rPr lang="ja-JP" altLang="en-US" dirty="0">
+                <a:solidFill>
+                  <a:srgbClr val="00B050"/>
+                </a:solidFill>
+              </a:rPr>
+              <a:t>メモ帳で編集</a:t>
+            </a:r>
+            <a:r>
+              <a:rPr lang="en-US" altLang="ja-JP" dirty="0">
+                <a:solidFill>
+                  <a:srgbClr val="00B050"/>
+                </a:solidFill>
+              </a:rPr>
+              <a:t>]</a:t>
+            </a:r>
+            <a:r>
+              <a:rPr lang="ja-JP" altLang="en-US" dirty="0"/>
+              <a:t>で開く</a:t>
             </a:r>
             <a:endParaRPr lang="en-US" altLang="ja-JP" dirty="0"/>
           </a:p>
@@ -24492,7 +28424,7 @@
         </p:blipFill>
         <p:spPr>
           <a:xfrm>
-            <a:off x="838200" y="2807040"/>
+            <a:off x="685800" y="3546750"/>
             <a:ext cx="11136745" cy="1590964"/>
           </a:xfrm>
           <a:ln>
@@ -24551,547 +28483,12 @@
           </a:p>
         </p:txBody>
       </p:sp>
-    </p:spTree>
-    <p:extLst>
-      <p:ext uri="{BB962C8B-B14F-4D97-AF65-F5344CB8AC3E}">
-        <p14:creationId xmlns:p14="http://schemas.microsoft.com/office/powerpoint/2010/main" val="1916869666"/>
-      </p:ext>
-    </p:extLst>
-  </p:cSld>
-  <p:clrMapOvr>
-    <a:masterClrMapping/>
-  </p:clrMapOvr>
-</p:sld>
-</file>
-
-<file path=ppt/slides/slide9.xml><?xml version="1.0" encoding="utf-8"?>
-<p:sld xmlns:a="http://schemas.openxmlformats.org/drawingml/2006/main" xmlns:r="http://schemas.openxmlformats.org/officeDocument/2006/relationships" xmlns:p="http://schemas.openxmlformats.org/presentationml/2006/main">
-  <p:cSld>
-    <p:spTree>
-      <p:nvGrpSpPr>
-        <p:cNvPr id="1" name="">
-          <a:extLst>
-            <a:ext uri="{FF2B5EF4-FFF2-40B4-BE49-F238E27FC236}">
-              <a16:creationId xmlns:a16="http://schemas.microsoft.com/office/drawing/2014/main" id="{8DEA3F5E-0C2D-DC44-2932-50C6E9C807FB}"/>
-            </a:ext>
-          </a:extLst>
-        </p:cNvPr>
-        <p:cNvGrpSpPr/>
-        <p:nvPr/>
-      </p:nvGrpSpPr>
-      <p:grpSpPr>
-        <a:xfrm>
-          <a:off x="0" y="0"/>
-          <a:ext cx="0" cy="0"/>
-          <a:chOff x="0" y="0"/>
-          <a:chExt cx="0" cy="0"/>
-        </a:xfrm>
-      </p:grpSpPr>
       <p:sp>
         <p:nvSpPr>
-          <p:cNvPr id="2" name="タイトル 1">
+          <p:cNvPr id="3" name="正方形/長方形 2">
             <a:extLst>
               <a:ext uri="{FF2B5EF4-FFF2-40B4-BE49-F238E27FC236}">
-                <a16:creationId xmlns:a16="http://schemas.microsoft.com/office/drawing/2014/main" id="{49C617F2-0EB8-F92F-35AC-A01B632D622D}"/>
-              </a:ext>
-            </a:extLst>
-          </p:cNvPr>
-          <p:cNvSpPr>
-            <a:spLocks noGrp="1"/>
-          </p:cNvSpPr>
-          <p:nvPr>
-            <p:ph type="title"/>
-          </p:nvPr>
-        </p:nvSpPr>
-        <p:spPr/>
-        <p:txBody>
-          <a:bodyPr/>
-          <a:lstStyle/>
-          <a:p>
-            <a:r>
-              <a:rPr lang="en-US" altLang="ja-JP" dirty="0"/>
-              <a:t>GitHub</a:t>
-            </a:r>
-            <a:r>
-              <a:rPr lang="ja-JP" altLang="en-US" dirty="0"/>
-              <a:t>を使ったチーム制作</a:t>
-            </a:r>
-            <a:endParaRPr kumimoji="1" lang="ja-JP" altLang="en-US" dirty="0"/>
-          </a:p>
-        </p:txBody>
-      </p:sp>
-      <p:sp>
-        <p:nvSpPr>
-          <p:cNvPr id="9" name="コンテンツ プレースホルダー 2">
-            <a:extLst>
-              <a:ext uri="{FF2B5EF4-FFF2-40B4-BE49-F238E27FC236}">
-                <a16:creationId xmlns:a16="http://schemas.microsoft.com/office/drawing/2014/main" id="{9CA131F3-9852-A367-FAB2-947307160C6B}"/>
-              </a:ext>
-            </a:extLst>
-          </p:cNvPr>
-          <p:cNvSpPr txBox="1">
-            <a:spLocks/>
-          </p:cNvSpPr>
-          <p:nvPr/>
-        </p:nvSpPr>
-        <p:spPr>
-          <a:xfrm>
-            <a:off x="838200" y="1376038"/>
-            <a:ext cx="10515600" cy="4980311"/>
-          </a:xfrm>
-          <a:prstGeom prst="rect">
-            <a:avLst/>
-          </a:prstGeom>
-        </p:spPr>
-        <p:txBody>
-          <a:bodyPr vert="horz" lIns="91440" tIns="45720" rIns="91440" bIns="45720" rtlCol="0">
-            <a:normAutofit/>
-          </a:bodyPr>
-          <a:lstStyle>
-            <a:lvl1pPr marL="228600" indent="-228600" algn="l" defTabSz="914400" rtl="0" eaLnBrk="1" latinLnBrk="0" hangingPunct="1">
-              <a:lnSpc>
-                <a:spcPct val="90000"/>
-              </a:lnSpc>
-              <a:spcBef>
-                <a:spcPts val="1000"/>
-              </a:spcBef>
-              <a:buFont typeface="Arial" panose="020B0604020202020204" pitchFamily="34" charset="0"/>
-              <a:buChar char="•"/>
-              <a:defRPr kumimoji="1" sz="3600" kern="1200">
-                <a:solidFill>
-                  <a:schemeClr val="tx1"/>
-                </a:solidFill>
-                <a:latin typeface="+mn-lt"/>
-                <a:ea typeface="+mn-ea"/>
-                <a:cs typeface="+mn-cs"/>
-              </a:defRPr>
-            </a:lvl1pPr>
-            <a:lvl2pPr marL="685800" indent="-228600" algn="l" defTabSz="914400" rtl="0" eaLnBrk="1" latinLnBrk="0" hangingPunct="1">
-              <a:lnSpc>
-                <a:spcPct val="90000"/>
-              </a:lnSpc>
-              <a:spcBef>
-                <a:spcPts val="500"/>
-              </a:spcBef>
-              <a:buFont typeface="Arial" panose="020B0604020202020204" pitchFamily="34" charset="0"/>
-              <a:buChar char="•"/>
-              <a:defRPr kumimoji="1" sz="3200" kern="1200">
-                <a:solidFill>
-                  <a:schemeClr val="tx1"/>
-                </a:solidFill>
-                <a:latin typeface="+mn-lt"/>
-                <a:ea typeface="+mn-ea"/>
-                <a:cs typeface="+mn-cs"/>
-              </a:defRPr>
-            </a:lvl2pPr>
-            <a:lvl3pPr marL="1143000" indent="-228600" algn="l" defTabSz="914400" rtl="0" eaLnBrk="1" latinLnBrk="0" hangingPunct="1">
-              <a:lnSpc>
-                <a:spcPct val="90000"/>
-              </a:lnSpc>
-              <a:spcBef>
-                <a:spcPts val="500"/>
-              </a:spcBef>
-              <a:buFont typeface="Arial" panose="020B0604020202020204" pitchFamily="34" charset="0"/>
-              <a:buChar char="•"/>
-              <a:defRPr kumimoji="1" sz="2800" kern="1200">
-                <a:solidFill>
-                  <a:schemeClr val="tx1"/>
-                </a:solidFill>
-                <a:latin typeface="+mn-lt"/>
-                <a:ea typeface="+mn-ea"/>
-                <a:cs typeface="+mn-cs"/>
-              </a:defRPr>
-            </a:lvl3pPr>
-            <a:lvl4pPr marL="1600200" indent="-228600" algn="l" defTabSz="914400" rtl="0" eaLnBrk="1" latinLnBrk="0" hangingPunct="1">
-              <a:lnSpc>
-                <a:spcPct val="90000"/>
-              </a:lnSpc>
-              <a:spcBef>
-                <a:spcPts val="500"/>
-              </a:spcBef>
-              <a:buFont typeface="Arial" panose="020B0604020202020204" pitchFamily="34" charset="0"/>
-              <a:buChar char="•"/>
-              <a:defRPr kumimoji="1" sz="2400" kern="1200">
-                <a:solidFill>
-                  <a:schemeClr val="tx1"/>
-                </a:solidFill>
-                <a:latin typeface="+mn-lt"/>
-                <a:ea typeface="+mn-ea"/>
-                <a:cs typeface="+mn-cs"/>
-              </a:defRPr>
-            </a:lvl4pPr>
-            <a:lvl5pPr marL="2057400" indent="-228600" algn="l" defTabSz="914400" rtl="0" eaLnBrk="1" latinLnBrk="0" hangingPunct="1">
-              <a:lnSpc>
-                <a:spcPct val="90000"/>
-              </a:lnSpc>
-              <a:spcBef>
-                <a:spcPts val="500"/>
-              </a:spcBef>
-              <a:buFont typeface="Arial" panose="020B0604020202020204" pitchFamily="34" charset="0"/>
-              <a:buChar char="•"/>
-              <a:defRPr kumimoji="1" sz="2400" kern="1200">
-                <a:solidFill>
-                  <a:schemeClr val="tx1"/>
-                </a:solidFill>
-                <a:latin typeface="+mn-lt"/>
-                <a:ea typeface="+mn-ea"/>
-                <a:cs typeface="+mn-cs"/>
-              </a:defRPr>
-            </a:lvl5pPr>
-            <a:lvl6pPr marL="2514600" indent="-228600" algn="l" defTabSz="914400" rtl="0" eaLnBrk="1" latinLnBrk="0" hangingPunct="1">
-              <a:lnSpc>
-                <a:spcPct val="90000"/>
-              </a:lnSpc>
-              <a:spcBef>
-                <a:spcPts val="500"/>
-              </a:spcBef>
-              <a:buFont typeface="Arial" panose="020B0604020202020204" pitchFamily="34" charset="0"/>
-              <a:buChar char="•"/>
-              <a:defRPr kumimoji="1" sz="1800" kern="1200">
-                <a:solidFill>
-                  <a:schemeClr val="tx1"/>
-                </a:solidFill>
-                <a:latin typeface="+mn-lt"/>
-                <a:ea typeface="+mn-ea"/>
-                <a:cs typeface="+mn-cs"/>
-              </a:defRPr>
-            </a:lvl6pPr>
-            <a:lvl7pPr marL="2971800" indent="-228600" algn="l" defTabSz="914400" rtl="0" eaLnBrk="1" latinLnBrk="0" hangingPunct="1">
-              <a:lnSpc>
-                <a:spcPct val="90000"/>
-              </a:lnSpc>
-              <a:spcBef>
-                <a:spcPts val="500"/>
-              </a:spcBef>
-              <a:buFont typeface="Arial" panose="020B0604020202020204" pitchFamily="34" charset="0"/>
-              <a:buChar char="•"/>
-              <a:defRPr kumimoji="1" sz="1800" kern="1200">
-                <a:solidFill>
-                  <a:schemeClr val="tx1"/>
-                </a:solidFill>
-                <a:latin typeface="+mn-lt"/>
-                <a:ea typeface="+mn-ea"/>
-                <a:cs typeface="+mn-cs"/>
-              </a:defRPr>
-            </a:lvl7pPr>
-            <a:lvl8pPr marL="3429000" indent="-228600" algn="l" defTabSz="914400" rtl="0" eaLnBrk="1" latinLnBrk="0" hangingPunct="1">
-              <a:lnSpc>
-                <a:spcPct val="90000"/>
-              </a:lnSpc>
-              <a:spcBef>
-                <a:spcPts val="500"/>
-              </a:spcBef>
-              <a:buFont typeface="Arial" panose="020B0604020202020204" pitchFamily="34" charset="0"/>
-              <a:buChar char="•"/>
-              <a:defRPr kumimoji="1" sz="1800" kern="1200">
-                <a:solidFill>
-                  <a:schemeClr val="tx1"/>
-                </a:solidFill>
-                <a:latin typeface="+mn-lt"/>
-                <a:ea typeface="+mn-ea"/>
-                <a:cs typeface="+mn-cs"/>
-              </a:defRPr>
-            </a:lvl8pPr>
-            <a:lvl9pPr marL="3886200" indent="-228600" algn="l" defTabSz="914400" rtl="0" eaLnBrk="1" latinLnBrk="0" hangingPunct="1">
-              <a:lnSpc>
-                <a:spcPct val="90000"/>
-              </a:lnSpc>
-              <a:spcBef>
-                <a:spcPts val="500"/>
-              </a:spcBef>
-              <a:buFont typeface="Arial" panose="020B0604020202020204" pitchFamily="34" charset="0"/>
-              <a:buChar char="•"/>
-              <a:defRPr kumimoji="1" sz="1800" kern="1200">
-                <a:solidFill>
-                  <a:schemeClr val="tx1"/>
-                </a:solidFill>
-                <a:latin typeface="+mn-lt"/>
-                <a:ea typeface="+mn-ea"/>
-                <a:cs typeface="+mn-cs"/>
-              </a:defRPr>
-            </a:lvl9pPr>
-          </a:lstStyle>
-          <a:p>
-            <a:endParaRPr lang="en-US" altLang="ja-JP" dirty="0"/>
-          </a:p>
-        </p:txBody>
-      </p:sp>
-      <p:sp>
-        <p:nvSpPr>
-          <p:cNvPr id="12" name="コンテンツ プレースホルダー 2">
-            <a:extLst>
-              <a:ext uri="{FF2B5EF4-FFF2-40B4-BE49-F238E27FC236}">
-                <a16:creationId xmlns:a16="http://schemas.microsoft.com/office/drawing/2014/main" id="{9D2BC06C-C8B8-3B65-6853-96A585B09464}"/>
-              </a:ext>
-            </a:extLst>
-          </p:cNvPr>
-          <p:cNvSpPr txBox="1">
-            <a:spLocks/>
-          </p:cNvSpPr>
-          <p:nvPr/>
-        </p:nvSpPr>
-        <p:spPr>
-          <a:xfrm>
-            <a:off x="990600" y="1528438"/>
-            <a:ext cx="10515600" cy="4980311"/>
-          </a:xfrm>
-          <a:prstGeom prst="rect">
-            <a:avLst/>
-          </a:prstGeom>
-        </p:spPr>
-        <p:txBody>
-          <a:bodyPr vert="horz" lIns="91440" tIns="45720" rIns="91440" bIns="45720" rtlCol="0">
-            <a:normAutofit/>
-          </a:bodyPr>
-          <a:lstStyle>
-            <a:lvl1pPr marL="228600" indent="-228600" algn="l" defTabSz="914400" rtl="0" eaLnBrk="1" latinLnBrk="0" hangingPunct="1">
-              <a:lnSpc>
-                <a:spcPct val="90000"/>
-              </a:lnSpc>
-              <a:spcBef>
-                <a:spcPts val="1000"/>
-              </a:spcBef>
-              <a:buFont typeface="Arial" panose="020B0604020202020204" pitchFamily="34" charset="0"/>
-              <a:buChar char="•"/>
-              <a:defRPr kumimoji="1" sz="3600" kern="1200">
-                <a:solidFill>
-                  <a:schemeClr val="tx1"/>
-                </a:solidFill>
-                <a:latin typeface="+mn-lt"/>
-                <a:ea typeface="+mn-ea"/>
-                <a:cs typeface="+mn-cs"/>
-              </a:defRPr>
-            </a:lvl1pPr>
-            <a:lvl2pPr marL="685800" indent="-228600" algn="l" defTabSz="914400" rtl="0" eaLnBrk="1" latinLnBrk="0" hangingPunct="1">
-              <a:lnSpc>
-                <a:spcPct val="90000"/>
-              </a:lnSpc>
-              <a:spcBef>
-                <a:spcPts val="500"/>
-              </a:spcBef>
-              <a:buFont typeface="Arial" panose="020B0604020202020204" pitchFamily="34" charset="0"/>
-              <a:buChar char="•"/>
-              <a:defRPr kumimoji="1" sz="3200" kern="1200">
-                <a:solidFill>
-                  <a:schemeClr val="tx1"/>
-                </a:solidFill>
-                <a:latin typeface="+mn-lt"/>
-                <a:ea typeface="+mn-ea"/>
-                <a:cs typeface="+mn-cs"/>
-              </a:defRPr>
-            </a:lvl2pPr>
-            <a:lvl3pPr marL="1143000" indent="-228600" algn="l" defTabSz="914400" rtl="0" eaLnBrk="1" latinLnBrk="0" hangingPunct="1">
-              <a:lnSpc>
-                <a:spcPct val="90000"/>
-              </a:lnSpc>
-              <a:spcBef>
-                <a:spcPts val="500"/>
-              </a:spcBef>
-              <a:buFont typeface="Arial" panose="020B0604020202020204" pitchFamily="34" charset="0"/>
-              <a:buChar char="•"/>
-              <a:defRPr kumimoji="1" sz="2800" kern="1200">
-                <a:solidFill>
-                  <a:schemeClr val="tx1"/>
-                </a:solidFill>
-                <a:latin typeface="+mn-lt"/>
-                <a:ea typeface="+mn-ea"/>
-                <a:cs typeface="+mn-cs"/>
-              </a:defRPr>
-            </a:lvl3pPr>
-            <a:lvl4pPr marL="1600200" indent="-228600" algn="l" defTabSz="914400" rtl="0" eaLnBrk="1" latinLnBrk="0" hangingPunct="1">
-              <a:lnSpc>
-                <a:spcPct val="90000"/>
-              </a:lnSpc>
-              <a:spcBef>
-                <a:spcPts val="500"/>
-              </a:spcBef>
-              <a:buFont typeface="Arial" panose="020B0604020202020204" pitchFamily="34" charset="0"/>
-              <a:buChar char="•"/>
-              <a:defRPr kumimoji="1" sz="2400" kern="1200">
-                <a:solidFill>
-                  <a:schemeClr val="tx1"/>
-                </a:solidFill>
-                <a:latin typeface="+mn-lt"/>
-                <a:ea typeface="+mn-ea"/>
-                <a:cs typeface="+mn-cs"/>
-              </a:defRPr>
-            </a:lvl4pPr>
-            <a:lvl5pPr marL="2057400" indent="-228600" algn="l" defTabSz="914400" rtl="0" eaLnBrk="1" latinLnBrk="0" hangingPunct="1">
-              <a:lnSpc>
-                <a:spcPct val="90000"/>
-              </a:lnSpc>
-              <a:spcBef>
-                <a:spcPts val="500"/>
-              </a:spcBef>
-              <a:buFont typeface="Arial" panose="020B0604020202020204" pitchFamily="34" charset="0"/>
-              <a:buChar char="•"/>
-              <a:defRPr kumimoji="1" sz="2400" kern="1200">
-                <a:solidFill>
-                  <a:schemeClr val="tx1"/>
-                </a:solidFill>
-                <a:latin typeface="+mn-lt"/>
-                <a:ea typeface="+mn-ea"/>
-                <a:cs typeface="+mn-cs"/>
-              </a:defRPr>
-            </a:lvl5pPr>
-            <a:lvl6pPr marL="2514600" indent="-228600" algn="l" defTabSz="914400" rtl="0" eaLnBrk="1" latinLnBrk="0" hangingPunct="1">
-              <a:lnSpc>
-                <a:spcPct val="90000"/>
-              </a:lnSpc>
-              <a:spcBef>
-                <a:spcPts val="500"/>
-              </a:spcBef>
-              <a:buFont typeface="Arial" panose="020B0604020202020204" pitchFamily="34" charset="0"/>
-              <a:buChar char="•"/>
-              <a:defRPr kumimoji="1" sz="1800" kern="1200">
-                <a:solidFill>
-                  <a:schemeClr val="tx1"/>
-                </a:solidFill>
-                <a:latin typeface="+mn-lt"/>
-                <a:ea typeface="+mn-ea"/>
-                <a:cs typeface="+mn-cs"/>
-              </a:defRPr>
-            </a:lvl6pPr>
-            <a:lvl7pPr marL="2971800" indent="-228600" algn="l" defTabSz="914400" rtl="0" eaLnBrk="1" latinLnBrk="0" hangingPunct="1">
-              <a:lnSpc>
-                <a:spcPct val="90000"/>
-              </a:lnSpc>
-              <a:spcBef>
-                <a:spcPts val="500"/>
-              </a:spcBef>
-              <a:buFont typeface="Arial" panose="020B0604020202020204" pitchFamily="34" charset="0"/>
-              <a:buChar char="•"/>
-              <a:defRPr kumimoji="1" sz="1800" kern="1200">
-                <a:solidFill>
-                  <a:schemeClr val="tx1"/>
-                </a:solidFill>
-                <a:latin typeface="+mn-lt"/>
-                <a:ea typeface="+mn-ea"/>
-                <a:cs typeface="+mn-cs"/>
-              </a:defRPr>
-            </a:lvl7pPr>
-            <a:lvl8pPr marL="3429000" indent="-228600" algn="l" defTabSz="914400" rtl="0" eaLnBrk="1" latinLnBrk="0" hangingPunct="1">
-              <a:lnSpc>
-                <a:spcPct val="90000"/>
-              </a:lnSpc>
-              <a:spcBef>
-                <a:spcPts val="500"/>
-              </a:spcBef>
-              <a:buFont typeface="Arial" panose="020B0604020202020204" pitchFamily="34" charset="0"/>
-              <a:buChar char="•"/>
-              <a:defRPr kumimoji="1" sz="1800" kern="1200">
-                <a:solidFill>
-                  <a:schemeClr val="tx1"/>
-                </a:solidFill>
-                <a:latin typeface="+mn-lt"/>
-                <a:ea typeface="+mn-ea"/>
-                <a:cs typeface="+mn-cs"/>
-              </a:defRPr>
-            </a:lvl8pPr>
-            <a:lvl9pPr marL="3886200" indent="-228600" algn="l" defTabSz="914400" rtl="0" eaLnBrk="1" latinLnBrk="0" hangingPunct="1">
-              <a:lnSpc>
-                <a:spcPct val="90000"/>
-              </a:lnSpc>
-              <a:spcBef>
-                <a:spcPts val="500"/>
-              </a:spcBef>
-              <a:buFont typeface="Arial" panose="020B0604020202020204" pitchFamily="34" charset="0"/>
-              <a:buChar char="•"/>
-              <a:defRPr kumimoji="1" sz="1800" kern="1200">
-                <a:solidFill>
-                  <a:schemeClr val="tx1"/>
-                </a:solidFill>
-                <a:latin typeface="+mn-lt"/>
-                <a:ea typeface="+mn-ea"/>
-                <a:cs typeface="+mn-cs"/>
-              </a:defRPr>
-            </a:lvl9pPr>
-          </a:lstStyle>
-          <a:p>
-            <a:r>
-              <a:rPr lang="ja-JP" altLang="en-US" dirty="0"/>
-              <a:t>コメントを入力</a:t>
-            </a:r>
-            <a:br>
-              <a:rPr lang="en-US" altLang="ja-JP" dirty="0"/>
-            </a:br>
-            <a:r>
-              <a:rPr lang="ja-JP" altLang="en-US" dirty="0"/>
-              <a:t>して</a:t>
-            </a:r>
-            <a:r>
-              <a:rPr lang="en-US" altLang="ja-JP" dirty="0"/>
-              <a:t>[Commit </a:t>
-            </a:r>
-            <a:br>
-              <a:rPr lang="en-US" altLang="ja-JP" dirty="0"/>
-            </a:br>
-            <a:r>
-              <a:rPr lang="en-US" altLang="ja-JP" dirty="0"/>
-              <a:t>to main]</a:t>
-            </a:r>
-            <a:r>
-              <a:rPr lang="ja-JP" altLang="en-US" dirty="0"/>
-              <a:t>を</a:t>
-            </a:r>
-            <a:br>
-              <a:rPr lang="en-US" altLang="ja-JP" dirty="0"/>
-            </a:br>
-            <a:r>
-              <a:rPr lang="ja-JP" altLang="en-US" dirty="0"/>
-              <a:t>クリック</a:t>
-            </a:r>
-            <a:endParaRPr lang="en-US" altLang="ja-JP" dirty="0"/>
-          </a:p>
-        </p:txBody>
-      </p:sp>
-      <p:pic>
-        <p:nvPicPr>
-          <p:cNvPr id="6" name="図 5">
-            <a:extLst>
-              <a:ext uri="{FF2B5EF4-FFF2-40B4-BE49-F238E27FC236}">
-                <a16:creationId xmlns:a16="http://schemas.microsoft.com/office/drawing/2014/main" id="{97BC46EE-2770-B8BA-B50F-D9FE6C73A17D}"/>
-              </a:ext>
-            </a:extLst>
-          </p:cNvPr>
-          <p:cNvPicPr>
-            <a:picLocks noChangeAspect="1"/>
-          </p:cNvPicPr>
-          <p:nvPr/>
-        </p:nvPicPr>
-        <p:blipFill>
-          <a:blip r:embed="rId2">
-            <a:extLst>
-              <a:ext uri="{28A0092B-C50C-407E-A947-70E740481C1C}">
-                <a14:useLocalDpi xmlns:a14="http://schemas.microsoft.com/office/drawing/2010/main" val="0"/>
-              </a:ext>
-            </a:extLst>
-          </a:blip>
-          <a:stretch>
-            <a:fillRect/>
-          </a:stretch>
-        </p:blipFill>
-        <p:spPr>
-          <a:xfrm>
-            <a:off x="4708187" y="1390822"/>
-            <a:ext cx="7393021" cy="5102052"/>
-          </a:xfrm>
-          <a:prstGeom prst="rect">
-            <a:avLst/>
-          </a:prstGeom>
-          <a:ln>
-            <a:solidFill>
-              <a:schemeClr val="tx1"/>
-            </a:solidFill>
-          </a:ln>
-        </p:spPr>
-      </p:pic>
-      <p:sp>
-        <p:nvSpPr>
-          <p:cNvPr id="7" name="正方形/長方形 6">
-            <a:extLst>
-              <a:ext uri="{FF2B5EF4-FFF2-40B4-BE49-F238E27FC236}">
-                <a16:creationId xmlns:a16="http://schemas.microsoft.com/office/drawing/2014/main" id="{64481DBD-4A55-0B3A-A18B-5DF7F3627C82}"/>
+                <a16:creationId xmlns:a16="http://schemas.microsoft.com/office/drawing/2014/main" id="{0FBA17AB-9807-C462-22EA-230290953ED9}"/>
               </a:ext>
             </a:extLst>
           </p:cNvPr>
@@ -25100,8 +28497,8 @@
         </p:nvSpPr>
         <p:spPr>
           <a:xfrm>
-            <a:off x="4970835" y="5019472"/>
-            <a:ext cx="1585608" cy="232268"/>
+            <a:off x="838200" y="4383407"/>
+            <a:ext cx="1900135" cy="444992"/>
           </a:xfrm>
           <a:prstGeom prst="rect">
             <a:avLst/>
@@ -25138,12 +28535,637 @@
           </a:p>
         </p:txBody>
       </p:sp>
+    </p:spTree>
+    <p:extLst>
+      <p:ext uri="{BB962C8B-B14F-4D97-AF65-F5344CB8AC3E}">
+        <p14:creationId xmlns:p14="http://schemas.microsoft.com/office/powerpoint/2010/main" val="1916869666"/>
+      </p:ext>
+    </p:extLst>
+  </p:cSld>
+  <p:clrMapOvr>
+    <a:masterClrMapping/>
+  </p:clrMapOvr>
+</p:sld>
+</file>
+
+<file path=ppt/slides/slide9.xml><?xml version="1.0" encoding="utf-8"?>
+<p:sld xmlns:a="http://schemas.openxmlformats.org/drawingml/2006/main" xmlns:r="http://schemas.openxmlformats.org/officeDocument/2006/relationships" xmlns:p="http://schemas.openxmlformats.org/presentationml/2006/main">
+  <p:cSld>
+    <p:spTree>
+      <p:nvGrpSpPr>
+        <p:cNvPr id="1" name="">
+          <a:extLst>
+            <a:ext uri="{FF2B5EF4-FFF2-40B4-BE49-F238E27FC236}">
+              <a16:creationId xmlns:a16="http://schemas.microsoft.com/office/drawing/2014/main" id="{E7BE9D74-5581-C3F0-23AF-0AABC1005472}"/>
+            </a:ext>
+          </a:extLst>
+        </p:cNvPr>
+        <p:cNvGrpSpPr/>
+        <p:nvPr/>
+      </p:nvGrpSpPr>
+      <p:grpSpPr>
+        <a:xfrm>
+          <a:off x="0" y="0"/>
+          <a:ext cx="0" cy="0"/>
+          <a:chOff x="0" y="0"/>
+          <a:chExt cx="0" cy="0"/>
+        </a:xfrm>
+      </p:grpSpPr>
       <p:sp>
         <p:nvSpPr>
-          <p:cNvPr id="8" name="正方形/長方形 7">
+          <p:cNvPr id="2" name="タイトル 1">
             <a:extLst>
               <a:ext uri="{FF2B5EF4-FFF2-40B4-BE49-F238E27FC236}">
-                <a16:creationId xmlns:a16="http://schemas.microsoft.com/office/drawing/2014/main" id="{A2EF132F-37AB-A951-6787-BD0A2136F679}"/>
+                <a16:creationId xmlns:a16="http://schemas.microsoft.com/office/drawing/2014/main" id="{81F07A61-63FE-D916-E888-DF4D040C7FD5}"/>
+              </a:ext>
+            </a:extLst>
+          </p:cNvPr>
+          <p:cNvSpPr>
+            <a:spLocks noGrp="1"/>
+          </p:cNvSpPr>
+          <p:nvPr>
+            <p:ph type="title"/>
+          </p:nvPr>
+        </p:nvSpPr>
+        <p:spPr/>
+        <p:txBody>
+          <a:bodyPr/>
+          <a:lstStyle/>
+          <a:p>
+            <a:r>
+              <a:rPr lang="en-US" altLang="ja-JP" dirty="0"/>
+              <a:t>GitHub</a:t>
+            </a:r>
+            <a:r>
+              <a:rPr lang="ja-JP" altLang="en-US" dirty="0"/>
+              <a:t>を使ったチーム制作</a:t>
+            </a:r>
+            <a:endParaRPr kumimoji="1" lang="ja-JP" altLang="en-US" dirty="0"/>
+          </a:p>
+        </p:txBody>
+      </p:sp>
+      <p:sp>
+        <p:nvSpPr>
+          <p:cNvPr id="9" name="コンテンツ プレースホルダー 2">
+            <a:extLst>
+              <a:ext uri="{FF2B5EF4-FFF2-40B4-BE49-F238E27FC236}">
+                <a16:creationId xmlns:a16="http://schemas.microsoft.com/office/drawing/2014/main" id="{4F4526AE-85E2-116F-06B4-FE1BBD630EDD}"/>
+              </a:ext>
+            </a:extLst>
+          </p:cNvPr>
+          <p:cNvSpPr txBox="1">
+            <a:spLocks/>
+          </p:cNvSpPr>
+          <p:nvPr/>
+        </p:nvSpPr>
+        <p:spPr>
+          <a:xfrm>
+            <a:off x="838200" y="1376038"/>
+            <a:ext cx="10515600" cy="4980311"/>
+          </a:xfrm>
+          <a:prstGeom prst="rect">
+            <a:avLst/>
+          </a:prstGeom>
+        </p:spPr>
+        <p:txBody>
+          <a:bodyPr vert="horz" lIns="91440" tIns="45720" rIns="91440" bIns="45720" rtlCol="0">
+            <a:normAutofit/>
+          </a:bodyPr>
+          <a:lstStyle>
+            <a:lvl1pPr marL="228600" indent="-228600" algn="l" defTabSz="914400" rtl="0" eaLnBrk="1" latinLnBrk="0" hangingPunct="1">
+              <a:lnSpc>
+                <a:spcPct val="90000"/>
+              </a:lnSpc>
+              <a:spcBef>
+                <a:spcPts val="1000"/>
+              </a:spcBef>
+              <a:buFont typeface="Arial" panose="020B0604020202020204" pitchFamily="34" charset="0"/>
+              <a:buChar char="•"/>
+              <a:defRPr kumimoji="1" sz="3600" kern="1200">
+                <a:solidFill>
+                  <a:schemeClr val="tx1"/>
+                </a:solidFill>
+                <a:latin typeface="+mn-lt"/>
+                <a:ea typeface="+mn-ea"/>
+                <a:cs typeface="+mn-cs"/>
+              </a:defRPr>
+            </a:lvl1pPr>
+            <a:lvl2pPr marL="685800" indent="-228600" algn="l" defTabSz="914400" rtl="0" eaLnBrk="1" latinLnBrk="0" hangingPunct="1">
+              <a:lnSpc>
+                <a:spcPct val="90000"/>
+              </a:lnSpc>
+              <a:spcBef>
+                <a:spcPts val="500"/>
+              </a:spcBef>
+              <a:buFont typeface="Arial" panose="020B0604020202020204" pitchFamily="34" charset="0"/>
+              <a:buChar char="•"/>
+              <a:defRPr kumimoji="1" sz="3200" kern="1200">
+                <a:solidFill>
+                  <a:schemeClr val="tx1"/>
+                </a:solidFill>
+                <a:latin typeface="+mn-lt"/>
+                <a:ea typeface="+mn-ea"/>
+                <a:cs typeface="+mn-cs"/>
+              </a:defRPr>
+            </a:lvl2pPr>
+            <a:lvl3pPr marL="1143000" indent="-228600" algn="l" defTabSz="914400" rtl="0" eaLnBrk="1" latinLnBrk="0" hangingPunct="1">
+              <a:lnSpc>
+                <a:spcPct val="90000"/>
+              </a:lnSpc>
+              <a:spcBef>
+                <a:spcPts val="500"/>
+              </a:spcBef>
+              <a:buFont typeface="Arial" panose="020B0604020202020204" pitchFamily="34" charset="0"/>
+              <a:buChar char="•"/>
+              <a:defRPr kumimoji="1" sz="2800" kern="1200">
+                <a:solidFill>
+                  <a:schemeClr val="tx1"/>
+                </a:solidFill>
+                <a:latin typeface="+mn-lt"/>
+                <a:ea typeface="+mn-ea"/>
+                <a:cs typeface="+mn-cs"/>
+              </a:defRPr>
+            </a:lvl3pPr>
+            <a:lvl4pPr marL="1600200" indent="-228600" algn="l" defTabSz="914400" rtl="0" eaLnBrk="1" latinLnBrk="0" hangingPunct="1">
+              <a:lnSpc>
+                <a:spcPct val="90000"/>
+              </a:lnSpc>
+              <a:spcBef>
+                <a:spcPts val="500"/>
+              </a:spcBef>
+              <a:buFont typeface="Arial" panose="020B0604020202020204" pitchFamily="34" charset="0"/>
+              <a:buChar char="•"/>
+              <a:defRPr kumimoji="1" sz="2400" kern="1200">
+                <a:solidFill>
+                  <a:schemeClr val="tx1"/>
+                </a:solidFill>
+                <a:latin typeface="+mn-lt"/>
+                <a:ea typeface="+mn-ea"/>
+                <a:cs typeface="+mn-cs"/>
+              </a:defRPr>
+            </a:lvl4pPr>
+            <a:lvl5pPr marL="2057400" indent="-228600" algn="l" defTabSz="914400" rtl="0" eaLnBrk="1" latinLnBrk="0" hangingPunct="1">
+              <a:lnSpc>
+                <a:spcPct val="90000"/>
+              </a:lnSpc>
+              <a:spcBef>
+                <a:spcPts val="500"/>
+              </a:spcBef>
+              <a:buFont typeface="Arial" panose="020B0604020202020204" pitchFamily="34" charset="0"/>
+              <a:buChar char="•"/>
+              <a:defRPr kumimoji="1" sz="2400" kern="1200">
+                <a:solidFill>
+                  <a:schemeClr val="tx1"/>
+                </a:solidFill>
+                <a:latin typeface="+mn-lt"/>
+                <a:ea typeface="+mn-ea"/>
+                <a:cs typeface="+mn-cs"/>
+              </a:defRPr>
+            </a:lvl5pPr>
+            <a:lvl6pPr marL="2514600" indent="-228600" algn="l" defTabSz="914400" rtl="0" eaLnBrk="1" latinLnBrk="0" hangingPunct="1">
+              <a:lnSpc>
+                <a:spcPct val="90000"/>
+              </a:lnSpc>
+              <a:spcBef>
+                <a:spcPts val="500"/>
+              </a:spcBef>
+              <a:buFont typeface="Arial" panose="020B0604020202020204" pitchFamily="34" charset="0"/>
+              <a:buChar char="•"/>
+              <a:defRPr kumimoji="1" sz="1800" kern="1200">
+                <a:solidFill>
+                  <a:schemeClr val="tx1"/>
+                </a:solidFill>
+                <a:latin typeface="+mn-lt"/>
+                <a:ea typeface="+mn-ea"/>
+                <a:cs typeface="+mn-cs"/>
+              </a:defRPr>
+            </a:lvl6pPr>
+            <a:lvl7pPr marL="2971800" indent="-228600" algn="l" defTabSz="914400" rtl="0" eaLnBrk="1" latinLnBrk="0" hangingPunct="1">
+              <a:lnSpc>
+                <a:spcPct val="90000"/>
+              </a:lnSpc>
+              <a:spcBef>
+                <a:spcPts val="500"/>
+              </a:spcBef>
+              <a:buFont typeface="Arial" panose="020B0604020202020204" pitchFamily="34" charset="0"/>
+              <a:buChar char="•"/>
+              <a:defRPr kumimoji="1" sz="1800" kern="1200">
+                <a:solidFill>
+                  <a:schemeClr val="tx1"/>
+                </a:solidFill>
+                <a:latin typeface="+mn-lt"/>
+                <a:ea typeface="+mn-ea"/>
+                <a:cs typeface="+mn-cs"/>
+              </a:defRPr>
+            </a:lvl7pPr>
+            <a:lvl8pPr marL="3429000" indent="-228600" algn="l" defTabSz="914400" rtl="0" eaLnBrk="1" latinLnBrk="0" hangingPunct="1">
+              <a:lnSpc>
+                <a:spcPct val="90000"/>
+              </a:lnSpc>
+              <a:spcBef>
+                <a:spcPts val="500"/>
+              </a:spcBef>
+              <a:buFont typeface="Arial" panose="020B0604020202020204" pitchFamily="34" charset="0"/>
+              <a:buChar char="•"/>
+              <a:defRPr kumimoji="1" sz="1800" kern="1200">
+                <a:solidFill>
+                  <a:schemeClr val="tx1"/>
+                </a:solidFill>
+                <a:latin typeface="+mn-lt"/>
+                <a:ea typeface="+mn-ea"/>
+                <a:cs typeface="+mn-cs"/>
+              </a:defRPr>
+            </a:lvl8pPr>
+            <a:lvl9pPr marL="3886200" indent="-228600" algn="l" defTabSz="914400" rtl="0" eaLnBrk="1" latinLnBrk="0" hangingPunct="1">
+              <a:lnSpc>
+                <a:spcPct val="90000"/>
+              </a:lnSpc>
+              <a:spcBef>
+                <a:spcPts val="500"/>
+              </a:spcBef>
+              <a:buFont typeface="Arial" panose="020B0604020202020204" pitchFamily="34" charset="0"/>
+              <a:buChar char="•"/>
+              <a:defRPr kumimoji="1" sz="1800" kern="1200">
+                <a:solidFill>
+                  <a:schemeClr val="tx1"/>
+                </a:solidFill>
+                <a:latin typeface="+mn-lt"/>
+                <a:ea typeface="+mn-ea"/>
+                <a:cs typeface="+mn-cs"/>
+              </a:defRPr>
+            </a:lvl9pPr>
+          </a:lstStyle>
+          <a:p>
+            <a:endParaRPr lang="en-US" altLang="ja-JP" dirty="0"/>
+          </a:p>
+        </p:txBody>
+      </p:sp>
+      <p:sp>
+        <p:nvSpPr>
+          <p:cNvPr id="12" name="コンテンツ プレースホルダー 2">
+            <a:extLst>
+              <a:ext uri="{FF2B5EF4-FFF2-40B4-BE49-F238E27FC236}">
+                <a16:creationId xmlns:a16="http://schemas.microsoft.com/office/drawing/2014/main" id="{AF6ED21D-5A84-D7B8-F7EC-32B0DFADA291}"/>
+              </a:ext>
+            </a:extLst>
+          </p:cNvPr>
+          <p:cNvSpPr txBox="1">
+            <a:spLocks/>
+          </p:cNvSpPr>
+          <p:nvPr/>
+        </p:nvSpPr>
+        <p:spPr>
+          <a:xfrm>
+            <a:off x="990600" y="1512563"/>
+            <a:ext cx="10515600" cy="4980311"/>
+          </a:xfrm>
+          <a:prstGeom prst="rect">
+            <a:avLst/>
+          </a:prstGeom>
+        </p:spPr>
+        <p:txBody>
+          <a:bodyPr vert="horz" lIns="91440" tIns="45720" rIns="91440" bIns="45720" rtlCol="0">
+            <a:normAutofit/>
+          </a:bodyPr>
+          <a:lstStyle>
+            <a:lvl1pPr marL="228600" indent="-228600" algn="l" defTabSz="914400" rtl="0" eaLnBrk="1" latinLnBrk="0" hangingPunct="1">
+              <a:lnSpc>
+                <a:spcPct val="90000"/>
+              </a:lnSpc>
+              <a:spcBef>
+                <a:spcPts val="1000"/>
+              </a:spcBef>
+              <a:buFont typeface="Arial" panose="020B0604020202020204" pitchFamily="34" charset="0"/>
+              <a:buChar char="•"/>
+              <a:defRPr kumimoji="1" sz="3600" kern="1200">
+                <a:solidFill>
+                  <a:schemeClr val="tx1"/>
+                </a:solidFill>
+                <a:latin typeface="+mn-lt"/>
+                <a:ea typeface="+mn-ea"/>
+                <a:cs typeface="+mn-cs"/>
+              </a:defRPr>
+            </a:lvl1pPr>
+            <a:lvl2pPr marL="685800" indent="-228600" algn="l" defTabSz="914400" rtl="0" eaLnBrk="1" latinLnBrk="0" hangingPunct="1">
+              <a:lnSpc>
+                <a:spcPct val="90000"/>
+              </a:lnSpc>
+              <a:spcBef>
+                <a:spcPts val="500"/>
+              </a:spcBef>
+              <a:buFont typeface="Arial" panose="020B0604020202020204" pitchFamily="34" charset="0"/>
+              <a:buChar char="•"/>
+              <a:defRPr kumimoji="1" sz="3200" kern="1200">
+                <a:solidFill>
+                  <a:schemeClr val="tx1"/>
+                </a:solidFill>
+                <a:latin typeface="+mn-lt"/>
+                <a:ea typeface="+mn-ea"/>
+                <a:cs typeface="+mn-cs"/>
+              </a:defRPr>
+            </a:lvl2pPr>
+            <a:lvl3pPr marL="1143000" indent="-228600" algn="l" defTabSz="914400" rtl="0" eaLnBrk="1" latinLnBrk="0" hangingPunct="1">
+              <a:lnSpc>
+                <a:spcPct val="90000"/>
+              </a:lnSpc>
+              <a:spcBef>
+                <a:spcPts val="500"/>
+              </a:spcBef>
+              <a:buFont typeface="Arial" panose="020B0604020202020204" pitchFamily="34" charset="0"/>
+              <a:buChar char="•"/>
+              <a:defRPr kumimoji="1" sz="2800" kern="1200">
+                <a:solidFill>
+                  <a:schemeClr val="tx1"/>
+                </a:solidFill>
+                <a:latin typeface="+mn-lt"/>
+                <a:ea typeface="+mn-ea"/>
+                <a:cs typeface="+mn-cs"/>
+              </a:defRPr>
+            </a:lvl3pPr>
+            <a:lvl4pPr marL="1600200" indent="-228600" algn="l" defTabSz="914400" rtl="0" eaLnBrk="1" latinLnBrk="0" hangingPunct="1">
+              <a:lnSpc>
+                <a:spcPct val="90000"/>
+              </a:lnSpc>
+              <a:spcBef>
+                <a:spcPts val="500"/>
+              </a:spcBef>
+              <a:buFont typeface="Arial" panose="020B0604020202020204" pitchFamily="34" charset="0"/>
+              <a:buChar char="•"/>
+              <a:defRPr kumimoji="1" sz="2400" kern="1200">
+                <a:solidFill>
+                  <a:schemeClr val="tx1"/>
+                </a:solidFill>
+                <a:latin typeface="+mn-lt"/>
+                <a:ea typeface="+mn-ea"/>
+                <a:cs typeface="+mn-cs"/>
+              </a:defRPr>
+            </a:lvl4pPr>
+            <a:lvl5pPr marL="2057400" indent="-228600" algn="l" defTabSz="914400" rtl="0" eaLnBrk="1" latinLnBrk="0" hangingPunct="1">
+              <a:lnSpc>
+                <a:spcPct val="90000"/>
+              </a:lnSpc>
+              <a:spcBef>
+                <a:spcPts val="500"/>
+              </a:spcBef>
+              <a:buFont typeface="Arial" panose="020B0604020202020204" pitchFamily="34" charset="0"/>
+              <a:buChar char="•"/>
+              <a:defRPr kumimoji="1" sz="2400" kern="1200">
+                <a:solidFill>
+                  <a:schemeClr val="tx1"/>
+                </a:solidFill>
+                <a:latin typeface="+mn-lt"/>
+                <a:ea typeface="+mn-ea"/>
+                <a:cs typeface="+mn-cs"/>
+              </a:defRPr>
+            </a:lvl5pPr>
+            <a:lvl6pPr marL="2514600" indent="-228600" algn="l" defTabSz="914400" rtl="0" eaLnBrk="1" latinLnBrk="0" hangingPunct="1">
+              <a:lnSpc>
+                <a:spcPct val="90000"/>
+              </a:lnSpc>
+              <a:spcBef>
+                <a:spcPts val="500"/>
+              </a:spcBef>
+              <a:buFont typeface="Arial" panose="020B0604020202020204" pitchFamily="34" charset="0"/>
+              <a:buChar char="•"/>
+              <a:defRPr kumimoji="1" sz="1800" kern="1200">
+                <a:solidFill>
+                  <a:schemeClr val="tx1"/>
+                </a:solidFill>
+                <a:latin typeface="+mn-lt"/>
+                <a:ea typeface="+mn-ea"/>
+                <a:cs typeface="+mn-cs"/>
+              </a:defRPr>
+            </a:lvl6pPr>
+            <a:lvl7pPr marL="2971800" indent="-228600" algn="l" defTabSz="914400" rtl="0" eaLnBrk="1" latinLnBrk="0" hangingPunct="1">
+              <a:lnSpc>
+                <a:spcPct val="90000"/>
+              </a:lnSpc>
+              <a:spcBef>
+                <a:spcPts val="500"/>
+              </a:spcBef>
+              <a:buFont typeface="Arial" panose="020B0604020202020204" pitchFamily="34" charset="0"/>
+              <a:buChar char="•"/>
+              <a:defRPr kumimoji="1" sz="1800" kern="1200">
+                <a:solidFill>
+                  <a:schemeClr val="tx1"/>
+                </a:solidFill>
+                <a:latin typeface="+mn-lt"/>
+                <a:ea typeface="+mn-ea"/>
+                <a:cs typeface="+mn-cs"/>
+              </a:defRPr>
+            </a:lvl7pPr>
+            <a:lvl8pPr marL="3429000" indent="-228600" algn="l" defTabSz="914400" rtl="0" eaLnBrk="1" latinLnBrk="0" hangingPunct="1">
+              <a:lnSpc>
+                <a:spcPct val="90000"/>
+              </a:lnSpc>
+              <a:spcBef>
+                <a:spcPts val="500"/>
+              </a:spcBef>
+              <a:buFont typeface="Arial" panose="020B0604020202020204" pitchFamily="34" charset="0"/>
+              <a:buChar char="•"/>
+              <a:defRPr kumimoji="1" sz="1800" kern="1200">
+                <a:solidFill>
+                  <a:schemeClr val="tx1"/>
+                </a:solidFill>
+                <a:latin typeface="+mn-lt"/>
+                <a:ea typeface="+mn-ea"/>
+                <a:cs typeface="+mn-cs"/>
+              </a:defRPr>
+            </a:lvl8pPr>
+            <a:lvl9pPr marL="3886200" indent="-228600" algn="l" defTabSz="914400" rtl="0" eaLnBrk="1" latinLnBrk="0" hangingPunct="1">
+              <a:lnSpc>
+                <a:spcPct val="90000"/>
+              </a:lnSpc>
+              <a:spcBef>
+                <a:spcPts val="500"/>
+              </a:spcBef>
+              <a:buFont typeface="Arial" panose="020B0604020202020204" pitchFamily="34" charset="0"/>
+              <a:buChar char="•"/>
+              <a:defRPr kumimoji="1" sz="1800" kern="1200">
+                <a:solidFill>
+                  <a:schemeClr val="tx1"/>
+                </a:solidFill>
+                <a:latin typeface="+mn-lt"/>
+                <a:ea typeface="+mn-ea"/>
+                <a:cs typeface="+mn-cs"/>
+              </a:defRPr>
+            </a:lvl9pPr>
+          </a:lstStyle>
+          <a:p>
+            <a:r>
+              <a:rPr lang="ja-JP" altLang="en-US" dirty="0"/>
+              <a:t>「</a:t>
+            </a:r>
+            <a:r>
+              <a:rPr lang="en-US" altLang="ja-JP" dirty="0">
+                <a:solidFill>
+                  <a:srgbClr val="FF0000"/>
+                </a:solidFill>
+              </a:rPr>
+              <a:t>.</a:t>
+            </a:r>
+            <a:r>
+              <a:rPr lang="en-US" altLang="ja-JP" dirty="0" err="1">
+                <a:solidFill>
+                  <a:srgbClr val="FF0000"/>
+                </a:solidFill>
+              </a:rPr>
+              <a:t>gitignore</a:t>
+            </a:r>
+            <a:r>
+              <a:rPr lang="ja-JP" altLang="en-US" dirty="0"/>
+              <a:t>」ファイルの</a:t>
+            </a:r>
+            <a:br>
+              <a:rPr lang="en-US" altLang="ja-JP" dirty="0"/>
+            </a:br>
+            <a:r>
+              <a:rPr lang="ja-JP" altLang="en-US" dirty="0"/>
+              <a:t>末尾に</a:t>
+            </a:r>
+            <a:br>
+              <a:rPr lang="en-US" altLang="ja-JP" dirty="0"/>
+            </a:br>
+            <a:br>
+              <a:rPr lang="en-US" altLang="ja-JP" dirty="0"/>
+            </a:br>
+            <a:r>
+              <a:rPr lang="en-US" altLang="ja-JP" dirty="0"/>
+              <a:t>.vs/</a:t>
+            </a:r>
+            <a:br>
+              <a:rPr lang="en-US" altLang="ja-JP" dirty="0"/>
+            </a:br>
+            <a:br>
+              <a:rPr lang="en-US" altLang="ja-JP" dirty="0"/>
+            </a:br>
+            <a:r>
+              <a:rPr lang="ja-JP" altLang="en-US" dirty="0"/>
+              <a:t>を追加する</a:t>
+            </a:r>
+            <a:br>
+              <a:rPr lang="en-US" altLang="ja-JP" dirty="0"/>
+            </a:br>
+            <a:r>
+              <a:rPr lang="ja-JP" altLang="en-US" dirty="0"/>
+              <a:t>これは</a:t>
+            </a:r>
+            <a:r>
+              <a:rPr lang="en-US" altLang="ja-JP" dirty="0" err="1"/>
+              <a:t>VisualStudio</a:t>
+            </a:r>
+            <a:r>
+              <a:rPr lang="ja-JP" altLang="en-US" dirty="0"/>
+              <a:t>が</a:t>
+            </a:r>
+            <a:br>
+              <a:rPr lang="en-US" altLang="ja-JP" dirty="0"/>
+            </a:br>
+            <a:r>
+              <a:rPr lang="ja-JP" altLang="en-US" dirty="0"/>
+              <a:t>自動的に生成するフォルダで</a:t>
+            </a:r>
+            <a:br>
+              <a:rPr lang="en-US" altLang="ja-JP" dirty="0"/>
+            </a:br>
+            <a:r>
+              <a:rPr lang="ja-JP" altLang="en-US" dirty="0"/>
+              <a:t>同期する必要はない</a:t>
+            </a:r>
+            <a:endParaRPr lang="en-US" altLang="ja-JP" dirty="0"/>
+          </a:p>
+        </p:txBody>
+      </p:sp>
+      <p:sp>
+        <p:nvSpPr>
+          <p:cNvPr id="16" name="テキスト ボックス 15">
+            <a:extLst>
+              <a:ext uri="{FF2B5EF4-FFF2-40B4-BE49-F238E27FC236}">
+                <a16:creationId xmlns:a16="http://schemas.microsoft.com/office/drawing/2014/main" id="{50290F36-DA9B-118E-7524-9AD23227BAC5}"/>
+              </a:ext>
+            </a:extLst>
+          </p:cNvPr>
+          <p:cNvSpPr txBox="1"/>
+          <p:nvPr/>
+        </p:nvSpPr>
+        <p:spPr>
+          <a:xfrm>
+            <a:off x="9708204" y="103516"/>
+            <a:ext cx="2339102" cy="523220"/>
+          </a:xfrm>
+          <a:prstGeom prst="rect">
+            <a:avLst/>
+          </a:prstGeom>
+          <a:noFill/>
+          <a:ln>
+            <a:solidFill>
+              <a:srgbClr val="FF0000"/>
+            </a:solidFill>
+          </a:ln>
+        </p:spPr>
+        <p:txBody>
+          <a:bodyPr wrap="none" rtlCol="0">
+            <a:spAutoFit/>
+          </a:bodyPr>
+          <a:lstStyle/>
+          <a:p>
+            <a:r>
+              <a:rPr lang="ja-JP" altLang="en-US" sz="2800" dirty="0">
+                <a:solidFill>
+                  <a:srgbClr val="FF0000"/>
+                </a:solidFill>
+              </a:rPr>
+              <a:t>代表者の作業</a:t>
+            </a:r>
+            <a:endParaRPr kumimoji="1" lang="ja-JP" altLang="en-US" sz="2800" dirty="0">
+              <a:solidFill>
+                <a:srgbClr val="FF0000"/>
+              </a:solidFill>
+            </a:endParaRPr>
+          </a:p>
+        </p:txBody>
+      </p:sp>
+      <p:pic>
+        <p:nvPicPr>
+          <p:cNvPr id="5" name="図 4">
+            <a:extLst>
+              <a:ext uri="{FF2B5EF4-FFF2-40B4-BE49-F238E27FC236}">
+                <a16:creationId xmlns:a16="http://schemas.microsoft.com/office/drawing/2014/main" id="{E9304285-C8E6-6A7D-7325-16AEA816303A}"/>
+              </a:ext>
+            </a:extLst>
+          </p:cNvPr>
+          <p:cNvPicPr>
+            <a:picLocks noChangeAspect="1"/>
+          </p:cNvPicPr>
+          <p:nvPr/>
+        </p:nvPicPr>
+        <p:blipFill>
+          <a:blip r:embed="rId2"/>
+          <a:stretch>
+            <a:fillRect/>
+          </a:stretch>
+        </p:blipFill>
+        <p:spPr>
+          <a:xfrm>
+            <a:off x="7552752" y="1579874"/>
+            <a:ext cx="4105848" cy="4572638"/>
+          </a:xfrm>
+          <a:prstGeom prst="rect">
+            <a:avLst/>
+          </a:prstGeom>
+          <a:ln>
+            <a:solidFill>
+              <a:schemeClr val="tx1"/>
+            </a:solidFill>
+          </a:ln>
+        </p:spPr>
+      </p:pic>
+      <p:sp>
+        <p:nvSpPr>
+          <p:cNvPr id="3" name="正方形/長方形 2">
+            <a:extLst>
+              <a:ext uri="{FF2B5EF4-FFF2-40B4-BE49-F238E27FC236}">
+                <a16:creationId xmlns:a16="http://schemas.microsoft.com/office/drawing/2014/main" id="{682334C5-D9A5-F088-0F02-BB87169B1EA0}"/>
               </a:ext>
             </a:extLst>
           </p:cNvPr>
@@ -25152,8 +29174,8 @@
         </p:nvSpPr>
         <p:spPr>
           <a:xfrm>
-            <a:off x="4708187" y="6148637"/>
-            <a:ext cx="1935805" cy="359021"/>
+            <a:off x="7552753" y="4900444"/>
+            <a:ext cx="1425878" cy="581517"/>
           </a:xfrm>
           <a:prstGeom prst="rect">
             <a:avLst/>
@@ -25190,104 +29212,10 @@
           </a:p>
         </p:txBody>
       </p:sp>
-      <p:sp>
-        <p:nvSpPr>
-          <p:cNvPr id="11" name="テキスト ボックス 10">
-            <a:extLst>
-              <a:ext uri="{FF2B5EF4-FFF2-40B4-BE49-F238E27FC236}">
-                <a16:creationId xmlns:a16="http://schemas.microsoft.com/office/drawing/2014/main" id="{73AF3F74-B60E-3198-59AF-E90DD2555C01}"/>
-              </a:ext>
-            </a:extLst>
-          </p:cNvPr>
-          <p:cNvSpPr txBox="1"/>
-          <p:nvPr/>
-        </p:nvSpPr>
-        <p:spPr>
-          <a:xfrm>
-            <a:off x="9708204" y="103516"/>
-            <a:ext cx="2339102" cy="523220"/>
-          </a:xfrm>
-          <a:prstGeom prst="rect">
-            <a:avLst/>
-          </a:prstGeom>
-          <a:noFill/>
-          <a:ln>
-            <a:solidFill>
-              <a:srgbClr val="FF0000"/>
-            </a:solidFill>
-          </a:ln>
-        </p:spPr>
-        <p:txBody>
-          <a:bodyPr wrap="none" rtlCol="0">
-            <a:spAutoFit/>
-          </a:bodyPr>
-          <a:lstStyle/>
-          <a:p>
-            <a:r>
-              <a:rPr lang="ja-JP" altLang="en-US" sz="2800" dirty="0">
-                <a:solidFill>
-                  <a:srgbClr val="FF0000"/>
-                </a:solidFill>
-              </a:rPr>
-              <a:t>代表者の作業</a:t>
-            </a:r>
-            <a:endParaRPr kumimoji="1" lang="ja-JP" altLang="en-US" sz="2800" dirty="0">
-              <a:solidFill>
-                <a:srgbClr val="FF0000"/>
-              </a:solidFill>
-            </a:endParaRPr>
-          </a:p>
-        </p:txBody>
-      </p:sp>
-      <p:cxnSp>
-        <p:nvCxnSpPr>
-          <p:cNvPr id="4" name="直線矢印コネクタ 3">
-            <a:extLst>
-              <a:ext uri="{FF2B5EF4-FFF2-40B4-BE49-F238E27FC236}">
-                <a16:creationId xmlns:a16="http://schemas.microsoft.com/office/drawing/2014/main" id="{1211A8ED-D7CE-071B-BA51-82F550E9C40C}"/>
-              </a:ext>
-            </a:extLst>
-          </p:cNvPr>
-          <p:cNvCxnSpPr>
-            <a:stCxn id="7" idx="2"/>
-            <a:endCxn id="8" idx="0"/>
-          </p:cNvCxnSpPr>
-          <p:nvPr/>
-        </p:nvCxnSpPr>
-        <p:spPr>
-          <a:xfrm flipH="1">
-            <a:off x="5676090" y="5251740"/>
-            <a:ext cx="87549" cy="896897"/>
-          </a:xfrm>
-          <a:prstGeom prst="straightConnector1">
-            <a:avLst/>
-          </a:prstGeom>
-          <a:ln w="28575">
-            <a:solidFill>
-              <a:srgbClr val="FF0000"/>
-            </a:solidFill>
-            <a:tailEnd type="triangle"/>
-          </a:ln>
-        </p:spPr>
-        <p:style>
-          <a:lnRef idx="1">
-            <a:schemeClr val="accent1"/>
-          </a:lnRef>
-          <a:fillRef idx="0">
-            <a:schemeClr val="accent1"/>
-          </a:fillRef>
-          <a:effectRef idx="0">
-            <a:schemeClr val="accent1"/>
-          </a:effectRef>
-          <a:fontRef idx="minor">
-            <a:schemeClr val="tx1"/>
-          </a:fontRef>
-        </p:style>
-      </p:cxnSp>
     </p:spTree>
     <p:extLst>
       <p:ext uri="{BB962C8B-B14F-4D97-AF65-F5344CB8AC3E}">
-        <p14:creationId xmlns:p14="http://schemas.microsoft.com/office/powerpoint/2010/main" val="3246145664"/>
+        <p14:creationId xmlns:p14="http://schemas.microsoft.com/office/powerpoint/2010/main" val="3469866954"/>
       </p:ext>
     </p:extLst>
   </p:cSld>

--- a/授業資料/GitHubを用いたチーム制作.pptx
+++ b/授業資料/GitHubを用いたチーム制作.pptx
@@ -57,6 +57,7 @@
     <p:sldId id="413" r:id="rId51"/>
     <p:sldId id="412" r:id="rId52"/>
     <p:sldId id="414" r:id="rId53"/>
+    <p:sldId id="415" r:id="rId54"/>
   </p:sldIdLst>
   <p:sldSz cx="12192000" cy="6858000"/>
   <p:notesSz cx="6858000" cy="9144000"/>
@@ -294,7 +295,7 @@
           <a:p>
             <a:fld id="{5B96D3F8-CD2E-4A0D-AC38-517181EABB18}" type="datetimeFigureOut">
               <a:rPr kumimoji="1" lang="ja-JP" altLang="en-US" smtClean="0"/>
-              <a:t>2024/11/6</a:t>
+              <a:t>2024/11/8</a:t>
             </a:fld>
             <a:endParaRPr kumimoji="1" lang="ja-JP" altLang="en-US"/>
           </a:p>
@@ -496,7 +497,7 @@
           <a:p>
             <a:fld id="{5B96D3F8-CD2E-4A0D-AC38-517181EABB18}" type="datetimeFigureOut">
               <a:rPr kumimoji="1" lang="ja-JP" altLang="en-US" smtClean="0"/>
-              <a:t>2024/11/6</a:t>
+              <a:t>2024/11/8</a:t>
             </a:fld>
             <a:endParaRPr kumimoji="1" lang="ja-JP" altLang="en-US"/>
           </a:p>
@@ -708,7 +709,7 @@
           <a:p>
             <a:fld id="{5B96D3F8-CD2E-4A0D-AC38-517181EABB18}" type="datetimeFigureOut">
               <a:rPr kumimoji="1" lang="ja-JP" altLang="en-US" smtClean="0"/>
-              <a:t>2024/11/6</a:t>
+              <a:t>2024/11/8</a:t>
             </a:fld>
             <a:endParaRPr kumimoji="1" lang="ja-JP" altLang="en-US"/>
           </a:p>
@@ -910,7 +911,7 @@
           <a:p>
             <a:fld id="{5B96D3F8-CD2E-4A0D-AC38-517181EABB18}" type="datetimeFigureOut">
               <a:rPr kumimoji="1" lang="ja-JP" altLang="en-US" smtClean="0"/>
-              <a:t>2024/11/6</a:t>
+              <a:t>2024/11/8</a:t>
             </a:fld>
             <a:endParaRPr kumimoji="1" lang="ja-JP" altLang="en-US"/>
           </a:p>
@@ -1156,7 +1157,7 @@
           <a:p>
             <a:fld id="{5B96D3F8-CD2E-4A0D-AC38-517181EABB18}" type="datetimeFigureOut">
               <a:rPr kumimoji="1" lang="ja-JP" altLang="en-US" smtClean="0"/>
-              <a:t>2024/11/6</a:t>
+              <a:t>2024/11/8</a:t>
             </a:fld>
             <a:endParaRPr kumimoji="1" lang="ja-JP" altLang="en-US"/>
           </a:p>
@@ -1452,7 +1453,7 @@
           <a:p>
             <a:fld id="{5B96D3F8-CD2E-4A0D-AC38-517181EABB18}" type="datetimeFigureOut">
               <a:rPr kumimoji="1" lang="ja-JP" altLang="en-US" smtClean="0"/>
-              <a:t>2024/11/6</a:t>
+              <a:t>2024/11/8</a:t>
             </a:fld>
             <a:endParaRPr kumimoji="1" lang="ja-JP" altLang="en-US"/>
           </a:p>
@@ -1883,7 +1884,7 @@
           <a:p>
             <a:fld id="{5B96D3F8-CD2E-4A0D-AC38-517181EABB18}" type="datetimeFigureOut">
               <a:rPr kumimoji="1" lang="ja-JP" altLang="en-US" smtClean="0"/>
-              <a:t>2024/11/6</a:t>
+              <a:t>2024/11/8</a:t>
             </a:fld>
             <a:endParaRPr kumimoji="1" lang="ja-JP" altLang="en-US"/>
           </a:p>
@@ -2001,7 +2002,7 @@
           <a:p>
             <a:fld id="{5B96D3F8-CD2E-4A0D-AC38-517181EABB18}" type="datetimeFigureOut">
               <a:rPr kumimoji="1" lang="ja-JP" altLang="en-US" smtClean="0"/>
-              <a:t>2024/11/6</a:t>
+              <a:t>2024/11/8</a:t>
             </a:fld>
             <a:endParaRPr kumimoji="1" lang="ja-JP" altLang="en-US"/>
           </a:p>
@@ -2096,7 +2097,7 @@
           <a:p>
             <a:fld id="{5B96D3F8-CD2E-4A0D-AC38-517181EABB18}" type="datetimeFigureOut">
               <a:rPr kumimoji="1" lang="ja-JP" altLang="en-US" smtClean="0"/>
-              <a:t>2024/11/6</a:t>
+              <a:t>2024/11/8</a:t>
             </a:fld>
             <a:endParaRPr kumimoji="1" lang="ja-JP" altLang="en-US"/>
           </a:p>
@@ -2405,7 +2406,7 @@
           <a:p>
             <a:fld id="{5B96D3F8-CD2E-4A0D-AC38-517181EABB18}" type="datetimeFigureOut">
               <a:rPr kumimoji="1" lang="ja-JP" altLang="en-US" smtClean="0"/>
-              <a:t>2024/11/6</a:t>
+              <a:t>2024/11/8</a:t>
             </a:fld>
             <a:endParaRPr kumimoji="1" lang="ja-JP" altLang="en-US"/>
           </a:p>
@@ -2662,7 +2663,7 @@
           <a:p>
             <a:fld id="{5B96D3F8-CD2E-4A0D-AC38-517181EABB18}" type="datetimeFigureOut">
               <a:rPr kumimoji="1" lang="ja-JP" altLang="en-US" smtClean="0"/>
-              <a:t>2024/11/6</a:t>
+              <a:t>2024/11/8</a:t>
             </a:fld>
             <a:endParaRPr kumimoji="1" lang="ja-JP" altLang="en-US"/>
           </a:p>
@@ -2907,7 +2908,7 @@
           <a:p>
             <a:fld id="{5B96D3F8-CD2E-4A0D-AC38-517181EABB18}" type="datetimeFigureOut">
               <a:rPr kumimoji="1" lang="ja-JP" altLang="en-US" smtClean="0"/>
-              <a:t>2024/11/6</a:t>
+              <a:t>2024/11/8</a:t>
             </a:fld>
             <a:endParaRPr kumimoji="1" lang="ja-JP" altLang="en-US"/>
           </a:p>
@@ -4018,22 +4019,57 @@
               <a:rPr lang="en-US" altLang="ja-JP" dirty="0"/>
             </a:br>
             <a:r>
-              <a:rPr lang="en-US" altLang="ja-JP" dirty="0"/>
+              <a:rPr lang="en-US" altLang="ja-JP" dirty="0">
+                <a:solidFill>
+                  <a:schemeClr val="bg1"/>
+                </a:solidFill>
+                <a:highlight>
+                  <a:srgbClr val="0000FF"/>
+                </a:highlight>
+              </a:rPr>
               <a:t>[Commit </a:t>
             </a:r>
             <a:br>
-              <a:rPr lang="en-US" altLang="ja-JP" dirty="0"/>
+              <a:rPr lang="en-US" altLang="ja-JP" dirty="0">
+                <a:solidFill>
+                  <a:schemeClr val="bg1"/>
+                </a:solidFill>
+                <a:highlight>
+                  <a:srgbClr val="0000FF"/>
+                </a:highlight>
+              </a:rPr>
             </a:br>
             <a:r>
-              <a:rPr lang="ja-JP" altLang="en-US" dirty="0"/>
+              <a:rPr lang="ja-JP" altLang="en-US" dirty="0">
+                <a:solidFill>
+                  <a:schemeClr val="bg1"/>
+                </a:solidFill>
+                <a:highlight>
+                  <a:srgbClr val="0000FF"/>
+                </a:highlight>
+              </a:rPr>
               <a:t>　　　</a:t>
             </a:r>
             <a:r>
-              <a:rPr lang="en-US" altLang="ja-JP" dirty="0"/>
+              <a:rPr lang="en-US" altLang="ja-JP" dirty="0">
+                <a:solidFill>
+                  <a:schemeClr val="bg1"/>
+                </a:solidFill>
+                <a:highlight>
+                  <a:srgbClr val="0000FF"/>
+                </a:highlight>
+              </a:rPr>
               <a:t>to main]</a:t>
             </a:r>
             <a:br>
-              <a:rPr lang="en-US" altLang="ja-JP" dirty="0"/>
+              <a:rPr lang="en-US" altLang="ja-JP" dirty="0">
+                <a:solidFill>
+                  <a:schemeClr val="bg1"/>
+                </a:solidFill>
+                <a:highlight>
+                  <a:srgbClr val="0000FF"/>
+                </a:highlight>
+              </a:rPr>
             </a:br>
             <a:r>
               <a:rPr lang="ja-JP" altLang="en-US" dirty="0"/>
@@ -4740,7 +4776,14 @@
           </a:lstStyle>
           <a:p>
             <a:r>
-              <a:rPr lang="en-US" altLang="ja-JP" dirty="0"/>
+              <a:rPr lang="en-US" altLang="ja-JP" dirty="0">
+                <a:solidFill>
+                  <a:schemeClr val="bg1"/>
+                </a:solidFill>
+                <a:highlight>
+                  <a:srgbClr val="0000FF"/>
+                </a:highlight>
+              </a:rPr>
               <a:t>[Push origin]</a:t>
             </a:r>
             <a:r>
@@ -6452,7 +6495,14 @@
           </a:lstStyle>
           <a:p>
             <a:r>
-              <a:rPr lang="en-US" altLang="ja-JP" dirty="0"/>
+              <a:rPr lang="en-US" altLang="ja-JP" dirty="0">
+                <a:solidFill>
+                  <a:schemeClr val="bg1"/>
+                </a:solidFill>
+                <a:highlight>
+                  <a:srgbClr val="008000"/>
+                </a:highlight>
+              </a:rPr>
               <a:t>[Add people]</a:t>
             </a:r>
             <a:r>
@@ -6868,7 +6918,14 @@
               <a:rPr lang="en-US" altLang="ja-JP" dirty="0"/>
             </a:br>
             <a:r>
-              <a:rPr lang="en-US" altLang="ja-JP" dirty="0"/>
+              <a:rPr lang="en-US" altLang="ja-JP" dirty="0">
+                <a:solidFill>
+                  <a:schemeClr val="bg1"/>
+                </a:solidFill>
+                <a:highlight>
+                  <a:srgbClr val="008000"/>
+                </a:highlight>
+              </a:rPr>
               <a:t>[Select a collaborator above]</a:t>
             </a:r>
             <a:br>
@@ -7320,7 +7377,14 @@
               <a:t>招待メールが届くので</a:t>
             </a:r>
             <a:r>
-              <a:rPr lang="en-US" altLang="ja-JP" dirty="0"/>
+              <a:rPr lang="en-US" altLang="ja-JP" dirty="0">
+                <a:solidFill>
+                  <a:schemeClr val="bg1"/>
+                </a:solidFill>
+                <a:highlight>
+                  <a:srgbClr val="0000FF"/>
+                </a:highlight>
+              </a:rPr>
               <a:t>[View invitation]</a:t>
             </a:r>
             <a:r>
@@ -7905,7 +7969,14 @@
               <a:rPr lang="en-US" altLang="ja-JP" dirty="0"/>
             </a:br>
             <a:r>
-              <a:rPr lang="en-US" altLang="ja-JP" dirty="0"/>
+              <a:rPr lang="en-US" altLang="ja-JP" dirty="0">
+                <a:solidFill>
+                  <a:schemeClr val="bg1"/>
+                </a:solidFill>
+                <a:highlight>
+                  <a:srgbClr val="008000"/>
+                </a:highlight>
+              </a:rPr>
               <a:t>[Accept invitation]</a:t>
             </a:r>
             <a:r>
@@ -9043,7 +9114,14 @@
           </a:lstStyle>
           <a:p>
             <a:r>
-              <a:rPr lang="en-US" altLang="ja-JP" dirty="0"/>
+              <a:rPr lang="en-US" altLang="ja-JP" dirty="0">
+                <a:solidFill>
+                  <a:schemeClr val="bg1"/>
+                </a:solidFill>
+                <a:highlight>
+                  <a:srgbClr val="008000"/>
+                </a:highlight>
+              </a:rPr>
               <a:t>[&lt;&gt;Code]</a:t>
             </a:r>
             <a:r>
@@ -12455,80 +12533,463 @@
             <a:br>
               <a:rPr lang="en-US" altLang="ja-JP" dirty="0"/>
             </a:br>
-            <a:endParaRPr lang="en-US" altLang="ja-JP" dirty="0"/>
-          </a:p>
-          <a:p>
-            <a:r>
-              <a:rPr lang="en-US" altLang="ja-JP" b="1" dirty="0">
-                <a:solidFill>
-                  <a:srgbClr val="FF0000"/>
-                </a:solidFill>
-              </a:rPr>
-              <a:t>Pull</a:t>
-            </a:r>
-            <a:br>
-              <a:rPr lang="en-US" altLang="ja-JP" dirty="0"/>
-            </a:br>
-            <a:r>
-              <a:rPr lang="ja-JP" altLang="en-US" dirty="0">
-                <a:solidFill>
-                  <a:srgbClr val="00B050"/>
-                </a:solidFill>
-              </a:rPr>
-              <a:t>リモート</a:t>
-            </a:r>
-            <a:r>
-              <a:rPr lang="ja-JP" altLang="en-US" dirty="0"/>
-              <a:t>リポジトリから最新の内容を</a:t>
-            </a:r>
-            <a:r>
-              <a:rPr lang="ja-JP" altLang="en-US" dirty="0">
-                <a:solidFill>
-                  <a:srgbClr val="0070C0"/>
-                </a:solidFill>
-              </a:rPr>
-              <a:t>ローカル</a:t>
-            </a:r>
-            <a:r>
-              <a:rPr lang="ja-JP" altLang="en-US" dirty="0"/>
-              <a:t>リポジトリへコピー（</a:t>
-            </a:r>
-            <a:r>
-              <a:rPr lang="ja-JP" altLang="en-US" dirty="0">
-                <a:solidFill>
-                  <a:srgbClr val="00B050"/>
-                </a:solidFill>
-              </a:rPr>
-              <a:t>リモート</a:t>
-            </a:r>
-            <a:r>
-              <a:rPr lang="ja-JP" altLang="en-US" dirty="0">
-                <a:solidFill>
-                  <a:srgbClr val="0070C0"/>
-                </a:solidFill>
-              </a:rPr>
-              <a:t>　</a:t>
-            </a:r>
-            <a:r>
-              <a:rPr lang="ja-JP" altLang="en-US" dirty="0"/>
-              <a:t>→</a:t>
-            </a:r>
-            <a:r>
-              <a:rPr lang="ja-JP" altLang="en-US" dirty="0">
-                <a:solidFill>
-                  <a:srgbClr val="0070C0"/>
-                </a:solidFill>
-              </a:rPr>
-              <a:t>　ローカル</a:t>
-            </a:r>
-            <a:r>
-              <a:rPr lang="ja-JP" altLang="en-US" dirty="0"/>
-              <a:t>）</a:t>
-            </a:r>
             <a:br>
               <a:rPr lang="en-US" altLang="ja-JP" dirty="0"/>
             </a:br>
             <a:endParaRPr lang="en-US" altLang="ja-JP" dirty="0"/>
+          </a:p>
+          <a:p>
+            <a:r>
+              <a:rPr lang="en-US" altLang="ja-JP" b="1" dirty="0">
+                <a:solidFill>
+                  <a:srgbClr val="FF0000"/>
+                </a:solidFill>
+              </a:rPr>
+              <a:t>Pull</a:t>
+            </a:r>
+            <a:br>
+              <a:rPr lang="en-US" altLang="ja-JP" dirty="0"/>
+            </a:br>
+            <a:r>
+              <a:rPr lang="ja-JP" altLang="en-US" dirty="0">
+                <a:solidFill>
+                  <a:srgbClr val="00B050"/>
+                </a:solidFill>
+              </a:rPr>
+              <a:t>リモート</a:t>
+            </a:r>
+            <a:r>
+              <a:rPr lang="ja-JP" altLang="en-US" dirty="0"/>
+              <a:t>リポジトリから最新の内容を</a:t>
+            </a:r>
+            <a:r>
+              <a:rPr lang="ja-JP" altLang="en-US" dirty="0">
+                <a:solidFill>
+                  <a:srgbClr val="0070C0"/>
+                </a:solidFill>
+              </a:rPr>
+              <a:t>ローカル</a:t>
+            </a:r>
+            <a:r>
+              <a:rPr lang="ja-JP" altLang="en-US" dirty="0"/>
+              <a:t>リポジトリへコピー（</a:t>
+            </a:r>
+            <a:r>
+              <a:rPr lang="ja-JP" altLang="en-US" dirty="0">
+                <a:solidFill>
+                  <a:srgbClr val="00B050"/>
+                </a:solidFill>
+              </a:rPr>
+              <a:t>リモート</a:t>
+            </a:r>
+            <a:r>
+              <a:rPr lang="ja-JP" altLang="en-US" dirty="0">
+                <a:solidFill>
+                  <a:srgbClr val="0070C0"/>
+                </a:solidFill>
+              </a:rPr>
+              <a:t>　</a:t>
+            </a:r>
+            <a:r>
+              <a:rPr lang="ja-JP" altLang="en-US" dirty="0"/>
+              <a:t>→</a:t>
+            </a:r>
+            <a:r>
+              <a:rPr lang="ja-JP" altLang="en-US" dirty="0">
+                <a:solidFill>
+                  <a:srgbClr val="0070C0"/>
+                </a:solidFill>
+              </a:rPr>
+              <a:t>　ローカル</a:t>
+            </a:r>
+            <a:r>
+              <a:rPr lang="ja-JP" altLang="en-US" dirty="0"/>
+              <a:t>）</a:t>
+            </a:r>
+            <a:br>
+              <a:rPr lang="en-US" altLang="ja-JP" dirty="0"/>
+            </a:br>
+            <a:endParaRPr lang="en-US" altLang="ja-JP" dirty="0"/>
+          </a:p>
+        </p:txBody>
+      </p:sp>
+      <p:pic>
+        <p:nvPicPr>
+          <p:cNvPr id="4" name="図 3">
+            <a:extLst>
+              <a:ext uri="{FF2B5EF4-FFF2-40B4-BE49-F238E27FC236}">
+                <a16:creationId xmlns:a16="http://schemas.microsoft.com/office/drawing/2014/main" id="{846CF446-6944-2E1E-AFD9-57BF552B012D}"/>
+              </a:ext>
+            </a:extLst>
+          </p:cNvPr>
+          <p:cNvPicPr>
+            <a:picLocks noChangeAspect="1"/>
+          </p:cNvPicPr>
+          <p:nvPr/>
+        </p:nvPicPr>
+        <p:blipFill>
+          <a:blip r:embed="rId2">
+            <a:extLst>
+              <a:ext uri="{28A0092B-C50C-407E-A947-70E740481C1C}">
+                <a14:useLocalDpi xmlns:a14="http://schemas.microsoft.com/office/drawing/2010/main" val="0"/>
+              </a:ext>
+            </a:extLst>
+          </a:blip>
+          <a:stretch>
+            <a:fillRect/>
+          </a:stretch>
+        </p:blipFill>
+        <p:spPr>
+          <a:xfrm>
+            <a:off x="3281465" y="2860743"/>
+            <a:ext cx="1219200" cy="1219200"/>
+          </a:xfrm>
+          <a:prstGeom prst="rect">
+            <a:avLst/>
+          </a:prstGeom>
+        </p:spPr>
+      </p:pic>
+      <p:pic>
+        <p:nvPicPr>
+          <p:cNvPr id="6" name="図 5">
+            <a:extLst>
+              <a:ext uri="{FF2B5EF4-FFF2-40B4-BE49-F238E27FC236}">
+                <a16:creationId xmlns:a16="http://schemas.microsoft.com/office/drawing/2014/main" id="{C6569C93-8113-7CD6-38DC-F8FD89F7CEB9}"/>
+              </a:ext>
+            </a:extLst>
+          </p:cNvPr>
+          <p:cNvPicPr>
+            <a:picLocks noChangeAspect="1"/>
+          </p:cNvPicPr>
+          <p:nvPr/>
+        </p:nvPicPr>
+        <p:blipFill>
+          <a:blip r:embed="rId3">
+            <a:extLst>
+              <a:ext uri="{28A0092B-C50C-407E-A947-70E740481C1C}">
+                <a14:useLocalDpi xmlns:a14="http://schemas.microsoft.com/office/drawing/2010/main" val="0"/>
+              </a:ext>
+            </a:extLst>
+          </a:blip>
+          <a:stretch>
+            <a:fillRect/>
+          </a:stretch>
+        </p:blipFill>
+        <p:spPr>
+          <a:xfrm>
+            <a:off x="6251641" y="2860743"/>
+            <a:ext cx="1219200" cy="1219200"/>
+          </a:xfrm>
+          <a:prstGeom prst="rect">
+            <a:avLst/>
+          </a:prstGeom>
+        </p:spPr>
+      </p:pic>
+      <p:sp>
+        <p:nvSpPr>
+          <p:cNvPr id="7" name="矢印: 右 6">
+            <a:extLst>
+              <a:ext uri="{FF2B5EF4-FFF2-40B4-BE49-F238E27FC236}">
+                <a16:creationId xmlns:a16="http://schemas.microsoft.com/office/drawing/2014/main" id="{F222C767-8518-1CE2-7F1B-168564F32444}"/>
+              </a:ext>
+            </a:extLst>
+          </p:cNvPr>
+          <p:cNvSpPr/>
+          <p:nvPr/>
+        </p:nvSpPr>
+        <p:spPr>
+          <a:xfrm>
+            <a:off x="4893013" y="3297677"/>
+            <a:ext cx="933855" cy="573932"/>
+          </a:xfrm>
+          <a:prstGeom prst="rightArrow">
+            <a:avLst/>
+          </a:prstGeom>
+        </p:spPr>
+        <p:style>
+          <a:lnRef idx="2">
+            <a:schemeClr val="accent1">
+              <a:shade val="15000"/>
+            </a:schemeClr>
+          </a:lnRef>
+          <a:fillRef idx="1">
+            <a:schemeClr val="accent1"/>
+          </a:fillRef>
+          <a:effectRef idx="0">
+            <a:schemeClr val="accent1"/>
+          </a:effectRef>
+          <a:fontRef idx="minor">
+            <a:schemeClr val="lt1"/>
+          </a:fontRef>
+        </p:style>
+        <p:txBody>
+          <a:bodyPr rtlCol="0" anchor="ctr"/>
+          <a:lstStyle/>
+          <a:p>
+            <a:pPr algn="ctr"/>
+            <a:endParaRPr kumimoji="1" lang="ja-JP" altLang="en-US"/>
+          </a:p>
+        </p:txBody>
+      </p:sp>
+      <p:pic>
+        <p:nvPicPr>
+          <p:cNvPr id="8" name="図 7">
+            <a:extLst>
+              <a:ext uri="{FF2B5EF4-FFF2-40B4-BE49-F238E27FC236}">
+                <a16:creationId xmlns:a16="http://schemas.microsoft.com/office/drawing/2014/main" id="{AAB221C1-4E86-B6D3-82AA-D0B3A034C563}"/>
+              </a:ext>
+            </a:extLst>
+          </p:cNvPr>
+          <p:cNvPicPr>
+            <a:picLocks noChangeAspect="1"/>
+          </p:cNvPicPr>
+          <p:nvPr/>
+        </p:nvPicPr>
+        <p:blipFill>
+          <a:blip r:embed="rId2">
+            <a:extLst>
+              <a:ext uri="{28A0092B-C50C-407E-A947-70E740481C1C}">
+                <a14:useLocalDpi xmlns:a14="http://schemas.microsoft.com/office/drawing/2010/main" val="0"/>
+              </a:ext>
+            </a:extLst>
+          </a:blip>
+          <a:stretch>
+            <a:fillRect/>
+          </a:stretch>
+        </p:blipFill>
+        <p:spPr>
+          <a:xfrm>
+            <a:off x="3281465" y="5564648"/>
+            <a:ext cx="1219200" cy="1219200"/>
+          </a:xfrm>
+          <a:prstGeom prst="rect">
+            <a:avLst/>
+          </a:prstGeom>
+        </p:spPr>
+      </p:pic>
+      <p:pic>
+        <p:nvPicPr>
+          <p:cNvPr id="10" name="図 9">
+            <a:extLst>
+              <a:ext uri="{FF2B5EF4-FFF2-40B4-BE49-F238E27FC236}">
+                <a16:creationId xmlns:a16="http://schemas.microsoft.com/office/drawing/2014/main" id="{0E86F7CA-7FBC-A14F-F03A-34FA385321F0}"/>
+              </a:ext>
+            </a:extLst>
+          </p:cNvPr>
+          <p:cNvPicPr>
+            <a:picLocks noChangeAspect="1"/>
+          </p:cNvPicPr>
+          <p:nvPr/>
+        </p:nvPicPr>
+        <p:blipFill>
+          <a:blip r:embed="rId3">
+            <a:extLst>
+              <a:ext uri="{28A0092B-C50C-407E-A947-70E740481C1C}">
+                <a14:useLocalDpi xmlns:a14="http://schemas.microsoft.com/office/drawing/2010/main" val="0"/>
+              </a:ext>
+            </a:extLst>
+          </a:blip>
+          <a:stretch>
+            <a:fillRect/>
+          </a:stretch>
+        </p:blipFill>
+        <p:spPr>
+          <a:xfrm>
+            <a:off x="6251641" y="5564648"/>
+            <a:ext cx="1219200" cy="1219200"/>
+          </a:xfrm>
+          <a:prstGeom prst="rect">
+            <a:avLst/>
+          </a:prstGeom>
+        </p:spPr>
+      </p:pic>
+      <p:sp>
+        <p:nvSpPr>
+          <p:cNvPr id="12" name="矢印: 右 11">
+            <a:extLst>
+              <a:ext uri="{FF2B5EF4-FFF2-40B4-BE49-F238E27FC236}">
+                <a16:creationId xmlns:a16="http://schemas.microsoft.com/office/drawing/2014/main" id="{0987139D-9EF1-6852-9B13-3743235C3ADF}"/>
+              </a:ext>
+            </a:extLst>
+          </p:cNvPr>
+          <p:cNvSpPr/>
+          <p:nvPr/>
+        </p:nvSpPr>
+        <p:spPr>
+          <a:xfrm flipH="1">
+            <a:off x="4821675" y="5887282"/>
+            <a:ext cx="933855" cy="573932"/>
+          </a:xfrm>
+          <a:prstGeom prst="rightArrow">
+            <a:avLst/>
+          </a:prstGeom>
+        </p:spPr>
+        <p:style>
+          <a:lnRef idx="2">
+            <a:schemeClr val="accent2">
+              <a:shade val="15000"/>
+            </a:schemeClr>
+          </a:lnRef>
+          <a:fillRef idx="1">
+            <a:schemeClr val="accent2"/>
+          </a:fillRef>
+          <a:effectRef idx="0">
+            <a:schemeClr val="accent2"/>
+          </a:effectRef>
+          <a:fontRef idx="minor">
+            <a:schemeClr val="lt1"/>
+          </a:fontRef>
+        </p:style>
+        <p:txBody>
+          <a:bodyPr rtlCol="0" anchor="ctr"/>
+          <a:lstStyle/>
+          <a:p>
+            <a:pPr algn="ctr"/>
+            <a:endParaRPr kumimoji="1" lang="ja-JP" altLang="en-US"/>
+          </a:p>
+        </p:txBody>
+      </p:sp>
+      <p:sp>
+        <p:nvSpPr>
+          <p:cNvPr id="13" name="テキスト ボックス 12">
+            <a:extLst>
+              <a:ext uri="{FF2B5EF4-FFF2-40B4-BE49-F238E27FC236}">
+                <a16:creationId xmlns:a16="http://schemas.microsoft.com/office/drawing/2014/main" id="{BEF1DB00-E14E-20EB-E4D8-F45D934D4D86}"/>
+              </a:ext>
+            </a:extLst>
+          </p:cNvPr>
+          <p:cNvSpPr txBox="1"/>
+          <p:nvPr/>
+        </p:nvSpPr>
+        <p:spPr>
+          <a:xfrm>
+            <a:off x="2606026" y="3198167"/>
+            <a:ext cx="566181" cy="461665"/>
+          </a:xfrm>
+          <a:prstGeom prst="rect">
+            <a:avLst/>
+          </a:prstGeom>
+          <a:noFill/>
+        </p:spPr>
+        <p:txBody>
+          <a:bodyPr wrap="none" rtlCol="0">
+            <a:spAutoFit/>
+          </a:bodyPr>
+          <a:lstStyle/>
+          <a:p>
+            <a:r>
+              <a:rPr kumimoji="1" lang="en-US" altLang="ja-JP" sz="2400" dirty="0"/>
+              <a:t>PC</a:t>
+            </a:r>
+            <a:endParaRPr kumimoji="1" lang="ja-JP" altLang="en-US" sz="2400" dirty="0"/>
+          </a:p>
+        </p:txBody>
+      </p:sp>
+      <p:sp>
+        <p:nvSpPr>
+          <p:cNvPr id="14" name="テキスト ボックス 13">
+            <a:extLst>
+              <a:ext uri="{FF2B5EF4-FFF2-40B4-BE49-F238E27FC236}">
+                <a16:creationId xmlns:a16="http://schemas.microsoft.com/office/drawing/2014/main" id="{36723F9A-3BE5-5E57-A30C-A654B4C3ABA4}"/>
+              </a:ext>
+            </a:extLst>
+          </p:cNvPr>
+          <p:cNvSpPr txBox="1"/>
+          <p:nvPr/>
+        </p:nvSpPr>
+        <p:spPr>
+          <a:xfrm>
+            <a:off x="2606025" y="5877601"/>
+            <a:ext cx="566181" cy="461665"/>
+          </a:xfrm>
+          <a:prstGeom prst="rect">
+            <a:avLst/>
+          </a:prstGeom>
+          <a:noFill/>
+        </p:spPr>
+        <p:txBody>
+          <a:bodyPr wrap="none" rtlCol="0">
+            <a:spAutoFit/>
+          </a:bodyPr>
+          <a:lstStyle/>
+          <a:p>
+            <a:r>
+              <a:rPr kumimoji="1" lang="en-US" altLang="ja-JP" sz="2400" dirty="0"/>
+              <a:t>PC</a:t>
+            </a:r>
+            <a:endParaRPr kumimoji="1" lang="ja-JP" altLang="en-US" sz="2400" dirty="0"/>
+          </a:p>
+        </p:txBody>
+      </p:sp>
+      <p:sp>
+        <p:nvSpPr>
+          <p:cNvPr id="15" name="テキスト ボックス 14">
+            <a:extLst>
+              <a:ext uri="{FF2B5EF4-FFF2-40B4-BE49-F238E27FC236}">
+                <a16:creationId xmlns:a16="http://schemas.microsoft.com/office/drawing/2014/main" id="{7D544C77-4957-D560-5A22-26E6F28BFFF0}"/>
+              </a:ext>
+            </a:extLst>
+          </p:cNvPr>
+          <p:cNvSpPr txBox="1"/>
+          <p:nvPr/>
+        </p:nvSpPr>
+        <p:spPr>
+          <a:xfrm>
+            <a:off x="7470841" y="3198166"/>
+            <a:ext cx="1329210" cy="461665"/>
+          </a:xfrm>
+          <a:prstGeom prst="rect">
+            <a:avLst/>
+          </a:prstGeom>
+          <a:noFill/>
+        </p:spPr>
+        <p:txBody>
+          <a:bodyPr wrap="none" rtlCol="0">
+            <a:spAutoFit/>
+          </a:bodyPr>
+          <a:lstStyle/>
+          <a:p>
+            <a:r>
+              <a:rPr kumimoji="1" lang="en-US" altLang="ja-JP" sz="2400" dirty="0"/>
+              <a:t>GitHub</a:t>
+            </a:r>
+            <a:endParaRPr kumimoji="1" lang="ja-JP" altLang="en-US" sz="2400" dirty="0"/>
+          </a:p>
+        </p:txBody>
+      </p:sp>
+      <p:sp>
+        <p:nvSpPr>
+          <p:cNvPr id="18" name="テキスト ボックス 17">
+            <a:extLst>
+              <a:ext uri="{FF2B5EF4-FFF2-40B4-BE49-F238E27FC236}">
+                <a16:creationId xmlns:a16="http://schemas.microsoft.com/office/drawing/2014/main" id="{AD9A69DE-61F3-9410-8C3A-714465043A59}"/>
+              </a:ext>
+            </a:extLst>
+          </p:cNvPr>
+          <p:cNvSpPr txBox="1"/>
+          <p:nvPr/>
+        </p:nvSpPr>
+        <p:spPr>
+          <a:xfrm>
+            <a:off x="7509747" y="5877601"/>
+            <a:ext cx="1329210" cy="461665"/>
+          </a:xfrm>
+          <a:prstGeom prst="rect">
+            <a:avLst/>
+          </a:prstGeom>
+          <a:noFill/>
+        </p:spPr>
+        <p:txBody>
+          <a:bodyPr wrap="none" rtlCol="0">
+            <a:spAutoFit/>
+          </a:bodyPr>
+          <a:lstStyle/>
+          <a:p>
+            <a:r>
+              <a:rPr kumimoji="1" lang="en-US" altLang="ja-JP" sz="2400" dirty="0"/>
+              <a:t>GitHub</a:t>
+            </a:r>
+            <a:endParaRPr kumimoji="1" lang="ja-JP" altLang="en-US" sz="2400" dirty="0"/>
           </a:p>
         </p:txBody>
       </p:sp>
@@ -14612,7 +15073,7 @@
             </a:r>
             <a:r>
               <a:rPr lang="ja-JP" altLang="en-US" dirty="0"/>
-              <a:t>ブランチという本流しかない</a:t>
+              <a:t>ブランチしかない</a:t>
             </a:r>
             <a:br>
               <a:rPr lang="en-US" altLang="ja-JP" dirty="0"/>
@@ -16930,7 +17391,11 @@
               <a:t>をクリックすると以下の画面が表示されるので</a:t>
             </a:r>
             <a:r>
-              <a:rPr lang="en-US" altLang="ja-JP" dirty="0"/>
+              <a:rPr lang="en-US" altLang="ja-JP" dirty="0">
+                <a:highlight>
+                  <a:srgbClr val="C0C0C0"/>
+                </a:highlight>
+              </a:rPr>
               <a:t>[New branch]</a:t>
             </a:r>
             <a:r>
@@ -17425,7 +17890,14 @@
               <a:t>ブランチ名を入力して</a:t>
             </a:r>
             <a:r>
-              <a:rPr lang="en-US" altLang="ja-JP" dirty="0"/>
+              <a:rPr lang="en-US" altLang="ja-JP" dirty="0">
+                <a:solidFill>
+                  <a:schemeClr val="bg1"/>
+                </a:solidFill>
+                <a:highlight>
+                  <a:srgbClr val="0000FF"/>
+                </a:highlight>
+              </a:rPr>
               <a:t>[Create branch]</a:t>
             </a:r>
             <a:r>
@@ -19837,6 +20309,94 @@
           </a:p>
         </p:txBody>
       </p:sp>
+      <p:sp>
+        <p:nvSpPr>
+          <p:cNvPr id="3" name="矢印: 下 2">
+            <a:extLst>
+              <a:ext uri="{FF2B5EF4-FFF2-40B4-BE49-F238E27FC236}">
+                <a16:creationId xmlns:a16="http://schemas.microsoft.com/office/drawing/2014/main" id="{1A3F629A-A71F-7BE9-767A-3BF189E860B1}"/>
+              </a:ext>
+            </a:extLst>
+          </p:cNvPr>
+          <p:cNvSpPr/>
+          <p:nvPr/>
+        </p:nvSpPr>
+        <p:spPr>
+          <a:xfrm flipV="1">
+            <a:off x="9386285" y="5807413"/>
+            <a:ext cx="330741" cy="367554"/>
+          </a:xfrm>
+          <a:prstGeom prst="downArrow">
+            <a:avLst/>
+          </a:prstGeom>
+          <a:solidFill>
+            <a:srgbClr val="FF0000"/>
+          </a:solidFill>
+        </p:spPr>
+        <p:style>
+          <a:lnRef idx="2">
+            <a:schemeClr val="accent1">
+              <a:shade val="15000"/>
+            </a:schemeClr>
+          </a:lnRef>
+          <a:fillRef idx="1">
+            <a:schemeClr val="accent1"/>
+          </a:fillRef>
+          <a:effectRef idx="0">
+            <a:schemeClr val="accent1"/>
+          </a:effectRef>
+          <a:fontRef idx="minor">
+            <a:schemeClr val="lt1"/>
+          </a:fontRef>
+        </p:style>
+        <p:txBody>
+          <a:bodyPr rtlCol="0" anchor="ctr"/>
+          <a:lstStyle/>
+          <a:p>
+            <a:pPr algn="ctr"/>
+            <a:endParaRPr kumimoji="1" lang="ja-JP" altLang="en-US"/>
+          </a:p>
+        </p:txBody>
+      </p:sp>
+      <p:sp>
+        <p:nvSpPr>
+          <p:cNvPr id="5" name="テキスト ボックス 4">
+            <a:extLst>
+              <a:ext uri="{FF2B5EF4-FFF2-40B4-BE49-F238E27FC236}">
+                <a16:creationId xmlns:a16="http://schemas.microsoft.com/office/drawing/2014/main" id="{F1450F6A-2124-B53A-A44F-714CC670ACE7}"/>
+              </a:ext>
+            </a:extLst>
+          </p:cNvPr>
+          <p:cNvSpPr txBox="1"/>
+          <p:nvPr/>
+        </p:nvSpPr>
+        <p:spPr>
+          <a:xfrm>
+            <a:off x="8438471" y="6171683"/>
+            <a:ext cx="2557110" cy="369332"/>
+          </a:xfrm>
+          <a:prstGeom prst="rect">
+            <a:avLst/>
+          </a:prstGeom>
+          <a:noFill/>
+        </p:spPr>
+        <p:txBody>
+          <a:bodyPr wrap="none" rtlCol="0">
+            <a:spAutoFit/>
+          </a:bodyPr>
+          <a:lstStyle/>
+          <a:p>
+            <a:r>
+              <a:rPr kumimoji="1" lang="ja-JP" altLang="en-US" dirty="0">
+                <a:solidFill>
+                  <a:srgbClr val="FF0000"/>
+                </a:solidFill>
+              </a:rPr>
+              <a:t>入力を確認してクリック</a:t>
+            </a:r>
+          </a:p>
+        </p:txBody>
+      </p:sp>
     </p:spTree>
     <p:extLst>
       <p:ext uri="{BB962C8B-B14F-4D97-AF65-F5344CB8AC3E}">
@@ -20121,7 +20681,14 @@
               <a:rPr lang="en-US" altLang="ja-JP" dirty="0"/>
             </a:br>
             <a:r>
-              <a:rPr lang="en-US" altLang="ja-JP" dirty="0"/>
+              <a:rPr lang="en-US" altLang="ja-JP" dirty="0">
+                <a:solidFill>
+                  <a:schemeClr val="bg1"/>
+                </a:solidFill>
+                <a:highlight>
+                  <a:srgbClr val="0000FF"/>
+                </a:highlight>
+              </a:rPr>
               <a:t>[Preview Pull Request]</a:t>
             </a:r>
             <a:r>
@@ -20527,14 +21094,35 @@
               <a:rPr lang="en-US" altLang="ja-JP" dirty="0"/>
             </a:br>
             <a:r>
-              <a:rPr lang="en-US" altLang="ja-JP" dirty="0"/>
+              <a:rPr lang="en-US" altLang="ja-JP" dirty="0">
+                <a:solidFill>
+                  <a:schemeClr val="bg1"/>
+                </a:solidFill>
+                <a:highlight>
+                  <a:srgbClr val="0000FF"/>
+                </a:highlight>
+              </a:rPr>
               <a:t>[Create pull</a:t>
             </a:r>
             <a:br>
-              <a:rPr lang="en-US" altLang="ja-JP" dirty="0"/>
+              <a:rPr lang="en-US" altLang="ja-JP" dirty="0">
+                <a:solidFill>
+                  <a:schemeClr val="bg1"/>
+                </a:solidFill>
+                <a:highlight>
+                  <a:srgbClr val="0000FF"/>
+                </a:highlight>
+              </a:rPr>
             </a:br>
             <a:r>
-              <a:rPr lang="en-US" altLang="ja-JP" dirty="0"/>
+              <a:rPr lang="en-US" altLang="ja-JP" dirty="0">
+                <a:solidFill>
+                  <a:schemeClr val="bg1"/>
+                </a:solidFill>
+                <a:highlight>
+                  <a:srgbClr val="0000FF"/>
+                </a:highlight>
+              </a:rPr>
               <a:t> request]</a:t>
             </a:r>
             <a:r>
@@ -20941,14 +21529,35 @@
               <a:t>あとで</a:t>
             </a:r>
             <a:r>
-              <a:rPr lang="en-US" altLang="ja-JP" dirty="0"/>
+              <a:rPr lang="en-US" altLang="ja-JP" dirty="0">
+                <a:solidFill>
+                  <a:schemeClr val="bg1"/>
+                </a:solidFill>
+                <a:highlight>
+                  <a:srgbClr val="0000FF"/>
+                </a:highlight>
+              </a:rPr>
               <a:t>[Create pull</a:t>
             </a:r>
             <a:br>
-              <a:rPr lang="en-US" altLang="ja-JP" dirty="0"/>
+              <a:rPr lang="en-US" altLang="ja-JP" dirty="0">
+                <a:solidFill>
+                  <a:schemeClr val="bg1"/>
+                </a:solidFill>
+                <a:highlight>
+                  <a:srgbClr val="0000FF"/>
+                </a:highlight>
+              </a:rPr>
             </a:br>
             <a:r>
-              <a:rPr lang="en-US" altLang="ja-JP" dirty="0"/>
+              <a:rPr lang="en-US" altLang="ja-JP" dirty="0">
+                <a:solidFill>
+                  <a:schemeClr val="bg1"/>
+                </a:solidFill>
+                <a:highlight>
+                  <a:srgbClr val="0000FF"/>
+                </a:highlight>
+              </a:rPr>
               <a:t>request]</a:t>
             </a:r>
             <a:r>
@@ -21347,14 +21956,35 @@
               <a:rPr lang="en-US" altLang="ja-JP" dirty="0"/>
             </a:br>
             <a:r>
-              <a:rPr lang="en-US" altLang="ja-JP" dirty="0"/>
+              <a:rPr lang="en-US" altLang="ja-JP" dirty="0">
+                <a:solidFill>
+                  <a:schemeClr val="bg1"/>
+                </a:solidFill>
+                <a:highlight>
+                  <a:srgbClr val="008000"/>
+                </a:highlight>
+              </a:rPr>
               <a:t>[Merge pull </a:t>
             </a:r>
             <a:br>
-              <a:rPr lang="en-US" altLang="ja-JP" dirty="0"/>
+              <a:rPr lang="en-US" altLang="ja-JP" dirty="0">
+                <a:solidFill>
+                  <a:schemeClr val="bg1"/>
+                </a:solidFill>
+                <a:highlight>
+                  <a:srgbClr val="008000"/>
+                </a:highlight>
+              </a:rPr>
             </a:br>
             <a:r>
-              <a:rPr lang="en-US" altLang="ja-JP" dirty="0"/>
+              <a:rPr lang="en-US" altLang="ja-JP" dirty="0">
+                <a:solidFill>
+                  <a:schemeClr val="bg1"/>
+                </a:solidFill>
+                <a:highlight>
+                  <a:srgbClr val="008000"/>
+                </a:highlight>
+              </a:rPr>
               <a:t> request]</a:t>
             </a:r>
             <a:r>
@@ -21757,11 +22387,25 @@
               <a:rPr lang="en-US" altLang="ja-JP" dirty="0"/>
             </a:br>
             <a:r>
-              <a:rPr lang="en-US" altLang="ja-JP" dirty="0"/>
+              <a:rPr lang="en-US" altLang="ja-JP" dirty="0">
+                <a:solidFill>
+                  <a:schemeClr val="bg1"/>
+                </a:solidFill>
+                <a:highlight>
+                  <a:srgbClr val="008000"/>
+                </a:highlight>
+              </a:rPr>
               <a:t>[Confirm merge]</a:t>
             </a:r>
             <a:br>
-              <a:rPr lang="en-US" altLang="ja-JP" dirty="0"/>
+              <a:rPr lang="en-US" altLang="ja-JP" dirty="0">
+                <a:solidFill>
+                  <a:schemeClr val="bg1"/>
+                </a:solidFill>
+                <a:highlight>
+                  <a:srgbClr val="008000"/>
+                </a:highlight>
+              </a:rPr>
             </a:br>
             <a:r>
               <a:rPr lang="ja-JP" altLang="en-US" dirty="0"/>
@@ -22243,11 +22887,19 @@
               <a:rPr lang="en-US" altLang="ja-JP" dirty="0"/>
             </a:br>
             <a:r>
-              <a:rPr lang="en-US" altLang="ja-JP" dirty="0"/>
+              <a:rPr lang="en-US" altLang="ja-JP" dirty="0">
+                <a:highlight>
+                  <a:srgbClr val="C0C0C0"/>
+                </a:highlight>
+              </a:rPr>
               <a:t>[Delete branch]</a:t>
             </a:r>
             <a:br>
-              <a:rPr lang="en-US" altLang="ja-JP" dirty="0"/>
+              <a:rPr lang="en-US" altLang="ja-JP" dirty="0">
+                <a:highlight>
+                  <a:srgbClr val="C0C0C0"/>
+                </a:highlight>
+              </a:rPr>
             </a:br>
             <a:r>
               <a:rPr lang="ja-JP" altLang="en-US" dirty="0"/>
@@ -23302,22 +23954,42 @@
               <a:rPr lang="en-US" altLang="ja-JP" dirty="0"/>
             </a:br>
             <a:r>
-              <a:rPr lang="en-US" altLang="ja-JP" dirty="0"/>
+              <a:rPr lang="en-US" altLang="ja-JP" dirty="0">
+                <a:highlight>
+                  <a:srgbClr val="C0C0C0"/>
+                </a:highlight>
+              </a:rPr>
               <a:t>[Resolve </a:t>
             </a:r>
             <a:br>
-              <a:rPr lang="en-US" altLang="ja-JP" dirty="0"/>
+              <a:rPr lang="en-US" altLang="ja-JP" dirty="0">
+                <a:highlight>
+                  <a:srgbClr val="C0C0C0"/>
+                </a:highlight>
+              </a:rPr>
             </a:br>
             <a:r>
-              <a:rPr lang="ja-JP" altLang="en-US" dirty="0"/>
+              <a:rPr lang="ja-JP" altLang="en-US" dirty="0">
+                <a:highlight>
+                  <a:srgbClr val="C0C0C0"/>
+                </a:highlight>
+              </a:rPr>
               <a:t>　　</a:t>
             </a:r>
             <a:r>
-              <a:rPr lang="en-US" altLang="ja-JP" dirty="0"/>
+              <a:rPr lang="en-US" altLang="ja-JP" dirty="0">
+                <a:highlight>
+                  <a:srgbClr val="C0C0C0"/>
+                </a:highlight>
+              </a:rPr>
               <a:t>conflicts]</a:t>
             </a:r>
             <a:br>
-              <a:rPr lang="en-US" altLang="ja-JP" dirty="0"/>
+              <a:rPr lang="en-US" altLang="ja-JP" dirty="0">
+                <a:highlight>
+                  <a:srgbClr val="C0C0C0"/>
+                </a:highlight>
+              </a:rPr>
             </a:br>
             <a:r>
               <a:rPr lang="ja-JP" altLang="en-US" dirty="0"/>
@@ -24586,7 +25258,7 @@
         <p:spPr>
           <a:xfrm>
             <a:off x="7313090" y="3779026"/>
-            <a:ext cx="4100803" cy="1200329"/>
+            <a:ext cx="3193503" cy="1200329"/>
           </a:xfrm>
           <a:prstGeom prst="rect">
             <a:avLst/>
@@ -24607,7 +25279,7 @@
                   <a:srgbClr val="FF0000"/>
                 </a:solidFill>
               </a:rPr>
-              <a:t>リーダーかメインプログラマ</a:t>
+              <a:t>どちらの変更を残すか</a:t>
             </a:r>
             <a:endParaRPr kumimoji="1" lang="en-US" altLang="ja-JP" sz="2400" dirty="0">
               <a:solidFill>
@@ -24622,7 +25294,7 @@
                   <a:srgbClr val="FF0000"/>
                 </a:solidFill>
               </a:rPr>
-              <a:t>のいずれかがどちらを残すか</a:t>
+              <a:t>チーム内で決定して</a:t>
             </a:r>
             <a:endParaRPr kumimoji="1" lang="en-US" altLang="ja-JP" sz="2400" dirty="0">
               <a:solidFill>
@@ -24637,8 +25309,13 @@
                   <a:srgbClr val="FF0000"/>
                 </a:solidFill>
               </a:rPr>
-              <a:t>決定して編集する</a:t>
-            </a:r>
+              <a:t>不要な箇所は削除する</a:t>
+            </a:r>
+            <a:endParaRPr kumimoji="1" lang="en-US" altLang="ja-JP" sz="2400" dirty="0">
+              <a:solidFill>
+                <a:srgbClr val="FF0000"/>
+              </a:solidFill>
+            </a:endParaRPr>
           </a:p>
         </p:txBody>
       </p:sp>
@@ -25536,7 +26213,11 @@
               <a:t>競合を解決して</a:t>
             </a:r>
             <a:r>
-              <a:rPr lang="en-US" altLang="ja-JP" dirty="0"/>
+              <a:rPr lang="en-US" altLang="ja-JP" dirty="0">
+                <a:highlight>
+                  <a:srgbClr val="C0C0C0"/>
+                </a:highlight>
+              </a:rPr>
               <a:t>[Mark as resolved]</a:t>
             </a:r>
             <a:r>
@@ -26045,7 +26726,14 @@
               <a:rPr lang="en-US" altLang="ja-JP" dirty="0"/>
             </a:br>
             <a:r>
-              <a:rPr lang="en-US" altLang="ja-JP" dirty="0"/>
+              <a:rPr lang="en-US" altLang="ja-JP" dirty="0">
+                <a:solidFill>
+                  <a:schemeClr val="bg1"/>
+                </a:solidFill>
+                <a:highlight>
+                  <a:srgbClr val="008000"/>
+                </a:highlight>
+              </a:rPr>
               <a:t>[Commit merge]</a:t>
             </a:r>
             <a:r>
@@ -26439,8 +27127,15 @@
               <a:t>統合（マージ）を行う</a:t>
             </a:r>
             <a:r>
-              <a:rPr lang="en-US" altLang="ja-JP" dirty="0"/>
-              <a:t>[Commit merge]</a:t>
+              <a:rPr lang="en-US" altLang="ja-JP" dirty="0">
+                <a:solidFill>
+                  <a:schemeClr val="bg1"/>
+                </a:solidFill>
+                <a:highlight>
+                  <a:srgbClr val="008000"/>
+                </a:highlight>
+              </a:rPr>
+              <a:t>[Merge pull request]</a:t>
             </a:r>
             <a:r>
               <a:rPr lang="ja-JP" altLang="en-US" dirty="0"/>
@@ -26477,7 +27172,7 @@
         </p:blipFill>
         <p:spPr>
           <a:xfrm>
-            <a:off x="1439250" y="3740285"/>
+            <a:off x="1721352" y="4032115"/>
             <a:ext cx="8749295" cy="2286000"/>
           </a:xfrm>
           <a:prstGeom prst="rect">
@@ -26504,7 +27199,7 @@
         </p:nvSpPr>
         <p:spPr>
           <a:xfrm>
-            <a:off x="2587557" y="5009745"/>
+            <a:off x="2869659" y="5301575"/>
             <a:ext cx="2577829" cy="472217"/>
           </a:xfrm>
           <a:prstGeom prst="rect">
@@ -26546,6 +27241,389 @@
     <p:extLst>
       <p:ext uri="{BB962C8B-B14F-4D97-AF65-F5344CB8AC3E}">
         <p14:creationId xmlns:p14="http://schemas.microsoft.com/office/powerpoint/2010/main" val="519267549"/>
+      </p:ext>
+    </p:extLst>
+  </p:cSld>
+  <p:clrMapOvr>
+    <a:masterClrMapping/>
+  </p:clrMapOvr>
+</p:sld>
+</file>
+
+<file path=ppt/slides/slide53.xml><?xml version="1.0" encoding="utf-8"?>
+<p:sld xmlns:a="http://schemas.openxmlformats.org/drawingml/2006/main" xmlns:r="http://schemas.openxmlformats.org/officeDocument/2006/relationships" xmlns:p="http://schemas.openxmlformats.org/presentationml/2006/main">
+  <p:cSld>
+    <p:spTree>
+      <p:nvGrpSpPr>
+        <p:cNvPr id="1" name="">
+          <a:extLst>
+            <a:ext uri="{FF2B5EF4-FFF2-40B4-BE49-F238E27FC236}">
+              <a16:creationId xmlns:a16="http://schemas.microsoft.com/office/drawing/2014/main" id="{B85F0C05-3161-7D99-378C-3EC14BAD052F}"/>
+            </a:ext>
+          </a:extLst>
+        </p:cNvPr>
+        <p:cNvGrpSpPr/>
+        <p:nvPr/>
+      </p:nvGrpSpPr>
+      <p:grpSpPr>
+        <a:xfrm>
+          <a:off x="0" y="0"/>
+          <a:ext cx="0" cy="0"/>
+          <a:chOff x="0" y="0"/>
+          <a:chExt cx="0" cy="0"/>
+        </a:xfrm>
+      </p:grpSpPr>
+      <p:sp>
+        <p:nvSpPr>
+          <p:cNvPr id="2" name="タイトル 1">
+            <a:extLst>
+              <a:ext uri="{FF2B5EF4-FFF2-40B4-BE49-F238E27FC236}">
+                <a16:creationId xmlns:a16="http://schemas.microsoft.com/office/drawing/2014/main" id="{216F7F50-F89E-01AC-C3D9-88411700ED4F}"/>
+              </a:ext>
+            </a:extLst>
+          </p:cNvPr>
+          <p:cNvSpPr>
+            <a:spLocks noGrp="1"/>
+          </p:cNvSpPr>
+          <p:nvPr>
+            <p:ph type="title"/>
+          </p:nvPr>
+        </p:nvSpPr>
+        <p:spPr/>
+        <p:txBody>
+          <a:bodyPr/>
+          <a:lstStyle/>
+          <a:p>
+            <a:r>
+              <a:rPr lang="en-US" altLang="ja-JP" dirty="0"/>
+              <a:t>GitHub</a:t>
+            </a:r>
+            <a:r>
+              <a:rPr lang="ja-JP" altLang="en-US" dirty="0"/>
+              <a:t>を使ったチーム制作</a:t>
+            </a:r>
+            <a:endParaRPr kumimoji="1" lang="ja-JP" altLang="en-US" dirty="0"/>
+          </a:p>
+        </p:txBody>
+      </p:sp>
+      <p:sp>
+        <p:nvSpPr>
+          <p:cNvPr id="9" name="コンテンツ プレースホルダー 2">
+            <a:extLst>
+              <a:ext uri="{FF2B5EF4-FFF2-40B4-BE49-F238E27FC236}">
+                <a16:creationId xmlns:a16="http://schemas.microsoft.com/office/drawing/2014/main" id="{9EB9FCE0-FCE7-A95E-F47F-6FFDDD119E67}"/>
+              </a:ext>
+            </a:extLst>
+          </p:cNvPr>
+          <p:cNvSpPr txBox="1">
+            <a:spLocks/>
+          </p:cNvSpPr>
+          <p:nvPr/>
+        </p:nvSpPr>
+        <p:spPr>
+          <a:xfrm>
+            <a:off x="838200" y="1376038"/>
+            <a:ext cx="10515600" cy="4980311"/>
+          </a:xfrm>
+          <a:prstGeom prst="rect">
+            <a:avLst/>
+          </a:prstGeom>
+        </p:spPr>
+        <p:txBody>
+          <a:bodyPr vert="horz" lIns="91440" tIns="45720" rIns="91440" bIns="45720" rtlCol="0">
+            <a:normAutofit/>
+          </a:bodyPr>
+          <a:lstStyle>
+            <a:lvl1pPr marL="228600" indent="-228600" algn="l" defTabSz="914400" rtl="0" eaLnBrk="1" latinLnBrk="0" hangingPunct="1">
+              <a:lnSpc>
+                <a:spcPct val="90000"/>
+              </a:lnSpc>
+              <a:spcBef>
+                <a:spcPts val="1000"/>
+              </a:spcBef>
+              <a:buFont typeface="Arial" panose="020B0604020202020204" pitchFamily="34" charset="0"/>
+              <a:buChar char="•"/>
+              <a:defRPr kumimoji="1" sz="3600" kern="1200">
+                <a:solidFill>
+                  <a:schemeClr val="tx1"/>
+                </a:solidFill>
+                <a:latin typeface="+mn-lt"/>
+                <a:ea typeface="+mn-ea"/>
+                <a:cs typeface="+mn-cs"/>
+              </a:defRPr>
+            </a:lvl1pPr>
+            <a:lvl2pPr marL="685800" indent="-228600" algn="l" defTabSz="914400" rtl="0" eaLnBrk="1" latinLnBrk="0" hangingPunct="1">
+              <a:lnSpc>
+                <a:spcPct val="90000"/>
+              </a:lnSpc>
+              <a:spcBef>
+                <a:spcPts val="500"/>
+              </a:spcBef>
+              <a:buFont typeface="Arial" panose="020B0604020202020204" pitchFamily="34" charset="0"/>
+              <a:buChar char="•"/>
+              <a:defRPr kumimoji="1" sz="3200" kern="1200">
+                <a:solidFill>
+                  <a:schemeClr val="tx1"/>
+                </a:solidFill>
+                <a:latin typeface="+mn-lt"/>
+                <a:ea typeface="+mn-ea"/>
+                <a:cs typeface="+mn-cs"/>
+              </a:defRPr>
+            </a:lvl2pPr>
+            <a:lvl3pPr marL="1143000" indent="-228600" algn="l" defTabSz="914400" rtl="0" eaLnBrk="1" latinLnBrk="0" hangingPunct="1">
+              <a:lnSpc>
+                <a:spcPct val="90000"/>
+              </a:lnSpc>
+              <a:spcBef>
+                <a:spcPts val="500"/>
+              </a:spcBef>
+              <a:buFont typeface="Arial" panose="020B0604020202020204" pitchFamily="34" charset="0"/>
+              <a:buChar char="•"/>
+              <a:defRPr kumimoji="1" sz="2800" kern="1200">
+                <a:solidFill>
+                  <a:schemeClr val="tx1"/>
+                </a:solidFill>
+                <a:latin typeface="+mn-lt"/>
+                <a:ea typeface="+mn-ea"/>
+                <a:cs typeface="+mn-cs"/>
+              </a:defRPr>
+            </a:lvl3pPr>
+            <a:lvl4pPr marL="1600200" indent="-228600" algn="l" defTabSz="914400" rtl="0" eaLnBrk="1" latinLnBrk="0" hangingPunct="1">
+              <a:lnSpc>
+                <a:spcPct val="90000"/>
+              </a:lnSpc>
+              <a:spcBef>
+                <a:spcPts val="500"/>
+              </a:spcBef>
+              <a:buFont typeface="Arial" panose="020B0604020202020204" pitchFamily="34" charset="0"/>
+              <a:buChar char="•"/>
+              <a:defRPr kumimoji="1" sz="2400" kern="1200">
+                <a:solidFill>
+                  <a:schemeClr val="tx1"/>
+                </a:solidFill>
+                <a:latin typeface="+mn-lt"/>
+                <a:ea typeface="+mn-ea"/>
+                <a:cs typeface="+mn-cs"/>
+              </a:defRPr>
+            </a:lvl4pPr>
+            <a:lvl5pPr marL="2057400" indent="-228600" algn="l" defTabSz="914400" rtl="0" eaLnBrk="1" latinLnBrk="0" hangingPunct="1">
+              <a:lnSpc>
+                <a:spcPct val="90000"/>
+              </a:lnSpc>
+              <a:spcBef>
+                <a:spcPts val="500"/>
+              </a:spcBef>
+              <a:buFont typeface="Arial" panose="020B0604020202020204" pitchFamily="34" charset="0"/>
+              <a:buChar char="•"/>
+              <a:defRPr kumimoji="1" sz="2400" kern="1200">
+                <a:solidFill>
+                  <a:schemeClr val="tx1"/>
+                </a:solidFill>
+                <a:latin typeface="+mn-lt"/>
+                <a:ea typeface="+mn-ea"/>
+                <a:cs typeface="+mn-cs"/>
+              </a:defRPr>
+            </a:lvl5pPr>
+            <a:lvl6pPr marL="2514600" indent="-228600" algn="l" defTabSz="914400" rtl="0" eaLnBrk="1" latinLnBrk="0" hangingPunct="1">
+              <a:lnSpc>
+                <a:spcPct val="90000"/>
+              </a:lnSpc>
+              <a:spcBef>
+                <a:spcPts val="500"/>
+              </a:spcBef>
+              <a:buFont typeface="Arial" panose="020B0604020202020204" pitchFamily="34" charset="0"/>
+              <a:buChar char="•"/>
+              <a:defRPr kumimoji="1" sz="1800" kern="1200">
+                <a:solidFill>
+                  <a:schemeClr val="tx1"/>
+                </a:solidFill>
+                <a:latin typeface="+mn-lt"/>
+                <a:ea typeface="+mn-ea"/>
+                <a:cs typeface="+mn-cs"/>
+              </a:defRPr>
+            </a:lvl6pPr>
+            <a:lvl7pPr marL="2971800" indent="-228600" algn="l" defTabSz="914400" rtl="0" eaLnBrk="1" latinLnBrk="0" hangingPunct="1">
+              <a:lnSpc>
+                <a:spcPct val="90000"/>
+              </a:lnSpc>
+              <a:spcBef>
+                <a:spcPts val="500"/>
+              </a:spcBef>
+              <a:buFont typeface="Arial" panose="020B0604020202020204" pitchFamily="34" charset="0"/>
+              <a:buChar char="•"/>
+              <a:defRPr kumimoji="1" sz="1800" kern="1200">
+                <a:solidFill>
+                  <a:schemeClr val="tx1"/>
+                </a:solidFill>
+                <a:latin typeface="+mn-lt"/>
+                <a:ea typeface="+mn-ea"/>
+                <a:cs typeface="+mn-cs"/>
+              </a:defRPr>
+            </a:lvl7pPr>
+            <a:lvl8pPr marL="3429000" indent="-228600" algn="l" defTabSz="914400" rtl="0" eaLnBrk="1" latinLnBrk="0" hangingPunct="1">
+              <a:lnSpc>
+                <a:spcPct val="90000"/>
+              </a:lnSpc>
+              <a:spcBef>
+                <a:spcPts val="500"/>
+              </a:spcBef>
+              <a:buFont typeface="Arial" panose="020B0604020202020204" pitchFamily="34" charset="0"/>
+              <a:buChar char="•"/>
+              <a:defRPr kumimoji="1" sz="1800" kern="1200">
+                <a:solidFill>
+                  <a:schemeClr val="tx1"/>
+                </a:solidFill>
+                <a:latin typeface="+mn-lt"/>
+                <a:ea typeface="+mn-ea"/>
+                <a:cs typeface="+mn-cs"/>
+              </a:defRPr>
+            </a:lvl8pPr>
+            <a:lvl9pPr marL="3886200" indent="-228600" algn="l" defTabSz="914400" rtl="0" eaLnBrk="1" latinLnBrk="0" hangingPunct="1">
+              <a:lnSpc>
+                <a:spcPct val="90000"/>
+              </a:lnSpc>
+              <a:spcBef>
+                <a:spcPts val="500"/>
+              </a:spcBef>
+              <a:buFont typeface="Arial" panose="020B0604020202020204" pitchFamily="34" charset="0"/>
+              <a:buChar char="•"/>
+              <a:defRPr kumimoji="1" sz="1800" kern="1200">
+                <a:solidFill>
+                  <a:schemeClr val="tx1"/>
+                </a:solidFill>
+                <a:latin typeface="+mn-lt"/>
+                <a:ea typeface="+mn-ea"/>
+                <a:cs typeface="+mn-cs"/>
+              </a:defRPr>
+            </a:lvl9pPr>
+          </a:lstStyle>
+          <a:p>
+            <a:r>
+              <a:rPr lang="ja-JP" altLang="en-US" b="1" dirty="0">
+                <a:solidFill>
+                  <a:srgbClr val="FF0000"/>
+                </a:solidFill>
+              </a:rPr>
+              <a:t>開発の流れまとめ</a:t>
+            </a:r>
+            <a:br>
+              <a:rPr lang="en-US" altLang="ja-JP" dirty="0"/>
+            </a:br>
+            <a:endParaRPr lang="en-US" altLang="ja-JP" dirty="0"/>
+          </a:p>
+          <a:p>
+            <a:pPr marL="971550" lvl="1" indent="-514350">
+              <a:buFont typeface="+mj-ea"/>
+              <a:buAutoNum type="circleNumDbPlain"/>
+            </a:pPr>
+            <a:r>
+              <a:rPr lang="ja-JP" altLang="en-US" dirty="0"/>
+              <a:t>新しい機能や新しいクラス、マップチップなどのファイルを追加したいときは、まずは</a:t>
+            </a:r>
+            <a:r>
+              <a:rPr lang="ja-JP" altLang="en-US" b="1" dirty="0">
+                <a:solidFill>
+                  <a:srgbClr val="FF0000"/>
+                </a:solidFill>
+              </a:rPr>
+              <a:t>ブランチ</a:t>
+            </a:r>
+            <a:r>
+              <a:rPr lang="ja-JP" altLang="en-US" dirty="0"/>
+              <a:t>を作る</a:t>
+            </a:r>
+            <a:endParaRPr lang="en-US" altLang="ja-JP" dirty="0"/>
+          </a:p>
+          <a:p>
+            <a:pPr marL="971550" lvl="1" indent="-514350">
+              <a:buFont typeface="+mj-ea"/>
+              <a:buAutoNum type="circleNumDbPlain"/>
+            </a:pPr>
+            <a:r>
+              <a:rPr lang="ja-JP" altLang="en-US" dirty="0"/>
+              <a:t>ローカルブランチで作業したものはリモートブランチへ</a:t>
+            </a:r>
+            <a:r>
+              <a:rPr lang="en-US" altLang="ja-JP" dirty="0">
+                <a:solidFill>
+                  <a:srgbClr val="FF0000"/>
+                </a:solidFill>
+              </a:rPr>
+              <a:t>Push</a:t>
+            </a:r>
+            <a:r>
+              <a:rPr lang="ja-JP" altLang="en-US" dirty="0"/>
+              <a:t>する</a:t>
+            </a:r>
+            <a:endParaRPr lang="en-US" altLang="ja-JP" dirty="0"/>
+          </a:p>
+          <a:p>
+            <a:pPr marL="971550" lvl="1" indent="-514350">
+              <a:buFont typeface="+mj-ea"/>
+              <a:buAutoNum type="circleNumDbPlain"/>
+            </a:pPr>
+            <a:r>
+              <a:rPr lang="ja-JP" altLang="en-US" dirty="0"/>
+              <a:t>安定動作することが確認できたら、</a:t>
+            </a:r>
+            <a:r>
+              <a:rPr lang="en-US" altLang="ja-JP" dirty="0"/>
+              <a:t>Pull</a:t>
+            </a:r>
+            <a:r>
+              <a:rPr lang="ja-JP" altLang="en-US" dirty="0"/>
+              <a:t>　</a:t>
+            </a:r>
+            <a:r>
+              <a:rPr lang="en-US" altLang="ja-JP" dirty="0"/>
+              <a:t>request </a:t>
+            </a:r>
+            <a:r>
+              <a:rPr lang="ja-JP" altLang="en-US" dirty="0"/>
+              <a:t>して</a:t>
+            </a:r>
+            <a:r>
+              <a:rPr lang="en-US" altLang="ja-JP" b="1" dirty="0">
+                <a:solidFill>
+                  <a:srgbClr val="00B050"/>
+                </a:solidFill>
+              </a:rPr>
+              <a:t>main</a:t>
+            </a:r>
+            <a:r>
+              <a:rPr lang="ja-JP" altLang="en-US" dirty="0"/>
+              <a:t>ブランチへマージ</a:t>
+            </a:r>
+            <a:endParaRPr lang="en-US" altLang="ja-JP" dirty="0"/>
+          </a:p>
+          <a:p>
+            <a:pPr marL="971550" lvl="1" indent="-514350">
+              <a:buFont typeface="+mj-ea"/>
+              <a:buAutoNum type="circleNumDbPlain"/>
+            </a:pPr>
+            <a:r>
+              <a:rPr lang="ja-JP" altLang="en-US" dirty="0"/>
+              <a:t>リモートブランチを削除</a:t>
+            </a:r>
+            <a:endParaRPr lang="en-US" altLang="ja-JP" dirty="0"/>
+          </a:p>
+          <a:p>
+            <a:pPr marL="971550" lvl="1" indent="-514350">
+              <a:buFont typeface="+mj-ea"/>
+              <a:buAutoNum type="circleNumDbPlain"/>
+            </a:pPr>
+            <a:r>
+              <a:rPr lang="ja-JP" altLang="en-US" dirty="0"/>
+              <a:t>ローカルブランチを削除</a:t>
+            </a:r>
+            <a:endParaRPr lang="en-US" altLang="ja-JP" dirty="0"/>
+          </a:p>
+        </p:txBody>
+      </p:sp>
+    </p:spTree>
+    <p:extLst>
+      <p:ext uri="{BB962C8B-B14F-4D97-AF65-F5344CB8AC3E}">
+        <p14:creationId xmlns:p14="http://schemas.microsoft.com/office/powerpoint/2010/main" val="344979719"/>
       </p:ext>
     </p:extLst>
   </p:cSld>
@@ -29046,33 +30124,68 @@
             <a:br>
               <a:rPr lang="en-US" altLang="ja-JP" dirty="0"/>
             </a:br>
-            <a:r>
-              <a:rPr lang="ja-JP" altLang="en-US" dirty="0"/>
-              <a:t>これは</a:t>
-            </a:r>
-            <a:r>
-              <a:rPr lang="en-US" altLang="ja-JP" dirty="0" err="1"/>
-              <a:t>VisualStudio</a:t>
-            </a:r>
-            <a:r>
-              <a:rPr lang="ja-JP" altLang="en-US" dirty="0"/>
-              <a:t>が</a:t>
-            </a:r>
             <a:br>
               <a:rPr lang="en-US" altLang="ja-JP" dirty="0"/>
             </a:br>
             <a:r>
-              <a:rPr lang="ja-JP" altLang="en-US" dirty="0"/>
-              <a:t>自動的に生成するフォルダで</a:t>
+              <a:rPr lang="ja-JP" altLang="en-US" sz="3200" dirty="0">
+                <a:solidFill>
+                  <a:srgbClr val="00B050"/>
+                </a:solidFill>
+              </a:rPr>
+              <a:t>これは</a:t>
+            </a:r>
+            <a:r>
+              <a:rPr lang="en-US" altLang="ja-JP" sz="3200" dirty="0" err="1">
+                <a:solidFill>
+                  <a:srgbClr val="00B050"/>
+                </a:solidFill>
+              </a:rPr>
+              <a:t>VisualStudio</a:t>
+            </a:r>
+            <a:r>
+              <a:rPr lang="ja-JP" altLang="en-US" sz="3200" dirty="0">
+                <a:solidFill>
+                  <a:srgbClr val="00B050"/>
+                </a:solidFill>
+              </a:rPr>
+              <a:t>が</a:t>
             </a:r>
             <a:br>
-              <a:rPr lang="en-US" altLang="ja-JP" dirty="0"/>
+              <a:rPr lang="en-US" altLang="ja-JP" sz="3200" dirty="0">
+                <a:solidFill>
+                  <a:srgbClr val="00B050"/>
+                </a:solidFill>
+              </a:rPr>
             </a:br>
             <a:r>
-              <a:rPr lang="ja-JP" altLang="en-US" dirty="0"/>
-              <a:t>同期する必要はない</a:t>
-            </a:r>
-            <a:endParaRPr lang="en-US" altLang="ja-JP" dirty="0"/>
+              <a:rPr lang="ja-JP" altLang="en-US" sz="3200" dirty="0">
+                <a:solidFill>
+                  <a:srgbClr val="00B050"/>
+                </a:solidFill>
+              </a:rPr>
+              <a:t>自動的に生成するフォルダ</a:t>
+            </a:r>
+            <a:br>
+              <a:rPr lang="en-US" altLang="ja-JP" sz="3200" dirty="0">
+                <a:solidFill>
+                  <a:srgbClr val="00B050"/>
+                </a:solidFill>
+              </a:rPr>
+            </a:br>
+            <a:r>
+              <a:rPr lang="ja-JP" altLang="en-US" sz="3200" dirty="0">
+                <a:solidFill>
+                  <a:srgbClr val="00B050"/>
+                </a:solidFill>
+              </a:rPr>
+              <a:t>なので同期から除外する</a:t>
+            </a:r>
+            <a:endParaRPr lang="en-US" altLang="ja-JP" sz="3200" dirty="0">
+              <a:solidFill>
+                <a:srgbClr val="00B050"/>
+              </a:solidFill>
+            </a:endParaRPr>
           </a:p>
         </p:txBody>
       </p:sp>

--- a/授業資料/GitHubを用いたチーム制作.pptx
+++ b/授業資料/GitHubを用いたチーム制作.pptx
@@ -4224,55 +4224,6 @@
           </a:p>
         </p:txBody>
       </p:sp>
-      <p:sp>
-        <p:nvSpPr>
-          <p:cNvPr id="11" name="テキスト ボックス 10">
-            <a:extLst>
-              <a:ext uri="{FF2B5EF4-FFF2-40B4-BE49-F238E27FC236}">
-                <a16:creationId xmlns:a16="http://schemas.microsoft.com/office/drawing/2014/main" id="{73AF3F74-B60E-3198-59AF-E90DD2555C01}"/>
-              </a:ext>
-            </a:extLst>
-          </p:cNvPr>
-          <p:cNvSpPr txBox="1"/>
-          <p:nvPr/>
-        </p:nvSpPr>
-        <p:spPr>
-          <a:xfrm>
-            <a:off x="9708204" y="103516"/>
-            <a:ext cx="2339102" cy="523220"/>
-          </a:xfrm>
-          <a:prstGeom prst="rect">
-            <a:avLst/>
-          </a:prstGeom>
-          <a:noFill/>
-          <a:ln>
-            <a:solidFill>
-              <a:srgbClr val="FF0000"/>
-            </a:solidFill>
-          </a:ln>
-        </p:spPr>
-        <p:txBody>
-          <a:bodyPr wrap="none" rtlCol="0">
-            <a:spAutoFit/>
-          </a:bodyPr>
-          <a:lstStyle/>
-          <a:p>
-            <a:r>
-              <a:rPr lang="ja-JP" altLang="en-US" sz="2800" dirty="0">
-                <a:solidFill>
-                  <a:srgbClr val="FF0000"/>
-                </a:solidFill>
-              </a:rPr>
-              <a:t>代表者の作業</a:t>
-            </a:r>
-            <a:endParaRPr kumimoji="1" lang="ja-JP" altLang="en-US" sz="2800" dirty="0">
-              <a:solidFill>
-                <a:srgbClr val="FF0000"/>
-              </a:solidFill>
-            </a:endParaRPr>
-          </a:p>
-        </p:txBody>
-      </p:sp>
       <p:cxnSp>
         <p:nvCxnSpPr>
           <p:cNvPr id="4" name="直線矢印コネクタ 3">
@@ -4318,6 +4269,63 @@
           </a:fontRef>
         </p:style>
       </p:cxnSp>
+      <p:sp>
+        <p:nvSpPr>
+          <p:cNvPr id="3" name="テキスト ボックス 2">
+            <a:extLst>
+              <a:ext uri="{FF2B5EF4-FFF2-40B4-BE49-F238E27FC236}">
+                <a16:creationId xmlns:a16="http://schemas.microsoft.com/office/drawing/2014/main" id="{A09B36D8-7F15-41F5-CC01-C67F71F8D21C}"/>
+              </a:ext>
+            </a:extLst>
+          </p:cNvPr>
+          <p:cNvSpPr txBox="1"/>
+          <p:nvPr/>
+        </p:nvSpPr>
+        <p:spPr>
+          <a:xfrm>
+            <a:off x="9280187" y="178485"/>
+            <a:ext cx="2646878" cy="646331"/>
+          </a:xfrm>
+          <a:prstGeom prst="rect">
+            <a:avLst/>
+          </a:prstGeom>
+          <a:noFill/>
+          <a:ln>
+            <a:solidFill>
+              <a:srgbClr val="FF0000"/>
+            </a:solidFill>
+          </a:ln>
+        </p:spPr>
+        <p:txBody>
+          <a:bodyPr wrap="none" rtlCol="0">
+            <a:spAutoFit/>
+          </a:bodyPr>
+          <a:lstStyle/>
+          <a:p>
+            <a:r>
+              <a:rPr lang="ja-JP" altLang="en-US" sz="3600" dirty="0">
+                <a:solidFill>
+                  <a:srgbClr val="FF0000"/>
+                </a:solidFill>
+              </a:rPr>
+              <a:t>代表者</a:t>
+            </a:r>
+            <a:r>
+              <a:rPr lang="ja-JP" altLang="en-US" sz="2800" dirty="0">
+                <a:solidFill>
+                  <a:srgbClr val="FF0000"/>
+                </a:solidFill>
+              </a:rPr>
+              <a:t>の作業</a:t>
+            </a:r>
+            <a:endParaRPr kumimoji="1" lang="ja-JP" altLang="en-US" sz="2800" dirty="0">
+              <a:solidFill>
+                <a:srgbClr val="FF0000"/>
+              </a:solidFill>
+            </a:endParaRPr>
+          </a:p>
+        </p:txBody>
+      </p:sp>
     </p:spTree>
     <p:extLst>
       <p:ext uri="{BB962C8B-B14F-4D97-AF65-F5344CB8AC3E}">
@@ -4904,10 +4912,10 @@
       </p:sp>
       <p:sp>
         <p:nvSpPr>
-          <p:cNvPr id="13" name="テキスト ボックス 12">
+          <p:cNvPr id="3" name="テキスト ボックス 2">
             <a:extLst>
               <a:ext uri="{FF2B5EF4-FFF2-40B4-BE49-F238E27FC236}">
-                <a16:creationId xmlns:a16="http://schemas.microsoft.com/office/drawing/2014/main" id="{61473EBD-DA8F-3E36-628C-BFF430D17977}"/>
+                <a16:creationId xmlns:a16="http://schemas.microsoft.com/office/drawing/2014/main" id="{78A81E79-27BD-A1AF-E701-6E583A40FCB8}"/>
               </a:ext>
             </a:extLst>
           </p:cNvPr>
@@ -4916,8 +4924,8 @@
         </p:nvSpPr>
         <p:spPr>
           <a:xfrm>
-            <a:off x="9708204" y="103516"/>
-            <a:ext cx="2339102" cy="523220"/>
+            <a:off x="9280187" y="178485"/>
+            <a:ext cx="2646878" cy="646331"/>
           </a:xfrm>
           <a:prstGeom prst="rect">
             <a:avLst/>
@@ -4936,12 +4944,20 @@
           <a:lstStyle/>
           <a:p>
             <a:r>
+              <a:rPr lang="ja-JP" altLang="en-US" sz="3600" dirty="0">
+                <a:solidFill>
+                  <a:srgbClr val="FF0000"/>
+                </a:solidFill>
+              </a:rPr>
+              <a:t>代表者</a:t>
+            </a:r>
+            <a:r>
               <a:rPr lang="ja-JP" altLang="en-US" sz="2800" dirty="0">
                 <a:solidFill>
                   <a:srgbClr val="FF0000"/>
                 </a:solidFill>
               </a:rPr>
-              <a:t>代表者の作業</a:t>
+              <a:t>の作業</a:t>
             </a:r>
             <a:endParaRPr kumimoji="1" lang="ja-JP" altLang="en-US" sz="2800" dirty="0">
               <a:solidFill>
@@ -5365,10 +5381,10 @@
       </p:sp>
       <p:sp>
         <p:nvSpPr>
-          <p:cNvPr id="6" name="テキスト ボックス 5">
+          <p:cNvPr id="3" name="テキスト ボックス 2">
             <a:extLst>
               <a:ext uri="{FF2B5EF4-FFF2-40B4-BE49-F238E27FC236}">
-                <a16:creationId xmlns:a16="http://schemas.microsoft.com/office/drawing/2014/main" id="{6BEF9F34-2D12-1669-6B25-2432ECA9B263}"/>
+                <a16:creationId xmlns:a16="http://schemas.microsoft.com/office/drawing/2014/main" id="{9A0D0A4C-311A-3AEF-ACE9-6825CB856965}"/>
               </a:ext>
             </a:extLst>
           </p:cNvPr>
@@ -5377,8 +5393,8 @@
         </p:nvSpPr>
         <p:spPr>
           <a:xfrm>
-            <a:off x="9708204" y="103516"/>
-            <a:ext cx="2339102" cy="523220"/>
+            <a:off x="9280187" y="178485"/>
+            <a:ext cx="2646878" cy="646331"/>
           </a:xfrm>
           <a:prstGeom prst="rect">
             <a:avLst/>
@@ -5397,12 +5413,20 @@
           <a:lstStyle/>
           <a:p>
             <a:r>
+              <a:rPr lang="ja-JP" altLang="en-US" sz="3600" dirty="0">
+                <a:solidFill>
+                  <a:srgbClr val="FF0000"/>
+                </a:solidFill>
+              </a:rPr>
+              <a:t>代表者</a:t>
+            </a:r>
+            <a:r>
               <a:rPr lang="ja-JP" altLang="en-US" sz="2800" dirty="0">
                 <a:solidFill>
                   <a:srgbClr val="FF0000"/>
                 </a:solidFill>
               </a:rPr>
-              <a:t>代表者の作業</a:t>
+              <a:t>の作業</a:t>
             </a:r>
             <a:endParaRPr kumimoji="1" lang="ja-JP" altLang="en-US" sz="2800" dirty="0">
               <a:solidFill>
@@ -5685,55 +5709,6 @@
           </a:p>
         </p:txBody>
       </p:sp>
-      <p:sp>
-        <p:nvSpPr>
-          <p:cNvPr id="3" name="テキスト ボックス 2">
-            <a:extLst>
-              <a:ext uri="{FF2B5EF4-FFF2-40B4-BE49-F238E27FC236}">
-                <a16:creationId xmlns:a16="http://schemas.microsoft.com/office/drawing/2014/main" id="{B1940A8D-6255-C0A0-E88B-77279E362CB5}"/>
-              </a:ext>
-            </a:extLst>
-          </p:cNvPr>
-          <p:cNvSpPr txBox="1"/>
-          <p:nvPr/>
-        </p:nvSpPr>
-        <p:spPr>
-          <a:xfrm>
-            <a:off x="9708204" y="103516"/>
-            <a:ext cx="2339102" cy="523220"/>
-          </a:xfrm>
-          <a:prstGeom prst="rect">
-            <a:avLst/>
-          </a:prstGeom>
-          <a:noFill/>
-          <a:ln>
-            <a:solidFill>
-              <a:srgbClr val="FF0000"/>
-            </a:solidFill>
-          </a:ln>
-        </p:spPr>
-        <p:txBody>
-          <a:bodyPr wrap="none" rtlCol="0">
-            <a:spAutoFit/>
-          </a:bodyPr>
-          <a:lstStyle/>
-          <a:p>
-            <a:r>
-              <a:rPr lang="ja-JP" altLang="en-US" sz="2800" dirty="0">
-                <a:solidFill>
-                  <a:srgbClr val="FF0000"/>
-                </a:solidFill>
-              </a:rPr>
-              <a:t>代表者の作業</a:t>
-            </a:r>
-            <a:endParaRPr kumimoji="1" lang="ja-JP" altLang="en-US" sz="2800" dirty="0">
-              <a:solidFill>
-                <a:srgbClr val="FF0000"/>
-              </a:solidFill>
-            </a:endParaRPr>
-          </a:p>
-        </p:txBody>
-      </p:sp>
       <p:pic>
         <p:nvPicPr>
           <p:cNvPr id="5" name="図 4">
@@ -5818,6 +5793,63 @@
           <a:p>
             <a:pPr algn="ctr"/>
             <a:endParaRPr kumimoji="1" lang="ja-JP" altLang="en-US"/>
+          </a:p>
+        </p:txBody>
+      </p:sp>
+      <p:sp>
+        <p:nvSpPr>
+          <p:cNvPr id="4" name="テキスト ボックス 3">
+            <a:extLst>
+              <a:ext uri="{FF2B5EF4-FFF2-40B4-BE49-F238E27FC236}">
+                <a16:creationId xmlns:a16="http://schemas.microsoft.com/office/drawing/2014/main" id="{3C4A4BB1-C688-9026-BFAD-50DE8A501A24}"/>
+              </a:ext>
+            </a:extLst>
+          </p:cNvPr>
+          <p:cNvSpPr txBox="1"/>
+          <p:nvPr/>
+        </p:nvSpPr>
+        <p:spPr>
+          <a:xfrm>
+            <a:off x="9280187" y="178485"/>
+            <a:ext cx="2646878" cy="646331"/>
+          </a:xfrm>
+          <a:prstGeom prst="rect">
+            <a:avLst/>
+          </a:prstGeom>
+          <a:noFill/>
+          <a:ln>
+            <a:solidFill>
+              <a:srgbClr val="FF0000"/>
+            </a:solidFill>
+          </a:ln>
+        </p:spPr>
+        <p:txBody>
+          <a:bodyPr wrap="none" rtlCol="0">
+            <a:spAutoFit/>
+          </a:bodyPr>
+          <a:lstStyle/>
+          <a:p>
+            <a:r>
+              <a:rPr lang="ja-JP" altLang="en-US" sz="3600" dirty="0">
+                <a:solidFill>
+                  <a:srgbClr val="FF0000"/>
+                </a:solidFill>
+              </a:rPr>
+              <a:t>代表者</a:t>
+            </a:r>
+            <a:r>
+              <a:rPr lang="ja-JP" altLang="en-US" sz="2800" dirty="0">
+                <a:solidFill>
+                  <a:srgbClr val="FF0000"/>
+                </a:solidFill>
+              </a:rPr>
+              <a:t>の作業</a:t>
+            </a:r>
+            <a:endParaRPr kumimoji="1" lang="ja-JP" altLang="en-US" sz="2800" dirty="0">
+              <a:solidFill>
+                <a:srgbClr val="FF0000"/>
+              </a:solidFill>
+            </a:endParaRPr>
           </a:p>
         </p:txBody>
       </p:sp>
@@ -6098,55 +6130,6 @@
           </a:p>
         </p:txBody>
       </p:sp>
-      <p:sp>
-        <p:nvSpPr>
-          <p:cNvPr id="3" name="テキスト ボックス 2">
-            <a:extLst>
-              <a:ext uri="{FF2B5EF4-FFF2-40B4-BE49-F238E27FC236}">
-                <a16:creationId xmlns:a16="http://schemas.microsoft.com/office/drawing/2014/main" id="{8EE9116F-9732-9199-0CA4-81B90F0D4A00}"/>
-              </a:ext>
-            </a:extLst>
-          </p:cNvPr>
-          <p:cNvSpPr txBox="1"/>
-          <p:nvPr/>
-        </p:nvSpPr>
-        <p:spPr>
-          <a:xfrm>
-            <a:off x="9708204" y="103516"/>
-            <a:ext cx="2339102" cy="523220"/>
-          </a:xfrm>
-          <a:prstGeom prst="rect">
-            <a:avLst/>
-          </a:prstGeom>
-          <a:noFill/>
-          <a:ln>
-            <a:solidFill>
-              <a:srgbClr val="FF0000"/>
-            </a:solidFill>
-          </a:ln>
-        </p:spPr>
-        <p:txBody>
-          <a:bodyPr wrap="none" rtlCol="0">
-            <a:spAutoFit/>
-          </a:bodyPr>
-          <a:lstStyle/>
-          <a:p>
-            <a:r>
-              <a:rPr lang="ja-JP" altLang="en-US" sz="2800" dirty="0">
-                <a:solidFill>
-                  <a:srgbClr val="FF0000"/>
-                </a:solidFill>
-              </a:rPr>
-              <a:t>代表者の作業</a:t>
-            </a:r>
-            <a:endParaRPr kumimoji="1" lang="ja-JP" altLang="en-US" sz="2800" dirty="0">
-              <a:solidFill>
-                <a:srgbClr val="FF0000"/>
-              </a:solidFill>
-            </a:endParaRPr>
-          </a:p>
-        </p:txBody>
-      </p:sp>
       <p:pic>
         <p:nvPicPr>
           <p:cNvPr id="6" name="図 5">
@@ -6230,6 +6213,63 @@
           <a:p>
             <a:pPr algn="ctr"/>
             <a:endParaRPr kumimoji="1" lang="ja-JP" altLang="en-US"/>
+          </a:p>
+        </p:txBody>
+      </p:sp>
+      <p:sp>
+        <p:nvSpPr>
+          <p:cNvPr id="4" name="テキスト ボックス 3">
+            <a:extLst>
+              <a:ext uri="{FF2B5EF4-FFF2-40B4-BE49-F238E27FC236}">
+                <a16:creationId xmlns:a16="http://schemas.microsoft.com/office/drawing/2014/main" id="{E3790E96-7180-E8F9-67E0-F086DEAE8FA3}"/>
+              </a:ext>
+            </a:extLst>
+          </p:cNvPr>
+          <p:cNvSpPr txBox="1"/>
+          <p:nvPr/>
+        </p:nvSpPr>
+        <p:spPr>
+          <a:xfrm>
+            <a:off x="9280187" y="178485"/>
+            <a:ext cx="2646878" cy="646331"/>
+          </a:xfrm>
+          <a:prstGeom prst="rect">
+            <a:avLst/>
+          </a:prstGeom>
+          <a:noFill/>
+          <a:ln>
+            <a:solidFill>
+              <a:srgbClr val="FF0000"/>
+            </a:solidFill>
+          </a:ln>
+        </p:spPr>
+        <p:txBody>
+          <a:bodyPr wrap="none" rtlCol="0">
+            <a:spAutoFit/>
+          </a:bodyPr>
+          <a:lstStyle/>
+          <a:p>
+            <a:r>
+              <a:rPr lang="ja-JP" altLang="en-US" sz="3600" dirty="0">
+                <a:solidFill>
+                  <a:srgbClr val="FF0000"/>
+                </a:solidFill>
+              </a:rPr>
+              <a:t>代表者</a:t>
+            </a:r>
+            <a:r>
+              <a:rPr lang="ja-JP" altLang="en-US" sz="2800" dirty="0">
+                <a:solidFill>
+                  <a:srgbClr val="FF0000"/>
+                </a:solidFill>
+              </a:rPr>
+              <a:t>の作業</a:t>
+            </a:r>
+            <a:endParaRPr kumimoji="1" lang="ja-JP" altLang="en-US" sz="2800" dirty="0">
+              <a:solidFill>
+                <a:srgbClr val="FF0000"/>
+              </a:solidFill>
+            </a:endParaRPr>
           </a:p>
         </p:txBody>
       </p:sp>
@@ -6602,10 +6642,10 @@
       </p:sp>
       <p:sp>
         <p:nvSpPr>
-          <p:cNvPr id="3" name="テキスト ボックス 2">
+          <p:cNvPr id="4" name="テキスト ボックス 3">
             <a:extLst>
               <a:ext uri="{FF2B5EF4-FFF2-40B4-BE49-F238E27FC236}">
-                <a16:creationId xmlns:a16="http://schemas.microsoft.com/office/drawing/2014/main" id="{1EEECE8A-2B12-C271-DEC2-EA8ED72F548F}"/>
+                <a16:creationId xmlns:a16="http://schemas.microsoft.com/office/drawing/2014/main" id="{69B75FA2-3DE7-37B1-26BA-94A16C343D85}"/>
               </a:ext>
             </a:extLst>
           </p:cNvPr>
@@ -6614,8 +6654,8 @@
         </p:nvSpPr>
         <p:spPr>
           <a:xfrm>
-            <a:off x="9708204" y="103516"/>
-            <a:ext cx="2339102" cy="523220"/>
+            <a:off x="9280187" y="178485"/>
+            <a:ext cx="2646878" cy="646331"/>
           </a:xfrm>
           <a:prstGeom prst="rect">
             <a:avLst/>
@@ -6634,12 +6674,20 @@
           <a:lstStyle/>
           <a:p>
             <a:r>
+              <a:rPr lang="ja-JP" altLang="en-US" sz="3600" dirty="0">
+                <a:solidFill>
+                  <a:srgbClr val="FF0000"/>
+                </a:solidFill>
+              </a:rPr>
+              <a:t>代表者</a:t>
+            </a:r>
+            <a:r>
               <a:rPr lang="ja-JP" altLang="en-US" sz="2800" dirty="0">
                 <a:solidFill>
                   <a:srgbClr val="FF0000"/>
                 </a:solidFill>
               </a:rPr>
-              <a:t>代表者の作業</a:t>
+              <a:t>の作業</a:t>
             </a:r>
             <a:endParaRPr kumimoji="1" lang="ja-JP" altLang="en-US" sz="2800" dirty="0">
               <a:solidFill>
@@ -7064,10 +7112,10 @@
       </p:sp>
       <p:sp>
         <p:nvSpPr>
-          <p:cNvPr id="3" name="テキスト ボックス 2">
+          <p:cNvPr id="6" name="テキスト ボックス 5">
             <a:extLst>
               <a:ext uri="{FF2B5EF4-FFF2-40B4-BE49-F238E27FC236}">
-                <a16:creationId xmlns:a16="http://schemas.microsoft.com/office/drawing/2014/main" id="{0B2A70E0-DB0B-F009-062E-FA9A354DA27C}"/>
+                <a16:creationId xmlns:a16="http://schemas.microsoft.com/office/drawing/2014/main" id="{24F9A301-E40C-EFA9-43D3-24C475BEA7A0}"/>
               </a:ext>
             </a:extLst>
           </p:cNvPr>
@@ -7076,8 +7124,8 @@
         </p:nvSpPr>
         <p:spPr>
           <a:xfrm>
-            <a:off x="9708204" y="103516"/>
-            <a:ext cx="2339102" cy="523220"/>
+            <a:off x="9280187" y="178485"/>
+            <a:ext cx="2646878" cy="646331"/>
           </a:xfrm>
           <a:prstGeom prst="rect">
             <a:avLst/>
@@ -7096,12 +7144,20 @@
           <a:lstStyle/>
           <a:p>
             <a:r>
+              <a:rPr lang="ja-JP" altLang="en-US" sz="3600" dirty="0">
+                <a:solidFill>
+                  <a:srgbClr val="FF0000"/>
+                </a:solidFill>
+              </a:rPr>
+              <a:t>代表者</a:t>
+            </a:r>
+            <a:r>
               <a:rPr lang="ja-JP" altLang="en-US" sz="2800" dirty="0">
                 <a:solidFill>
                   <a:srgbClr val="FF0000"/>
                 </a:solidFill>
               </a:rPr>
-              <a:t>代表者の作業</a:t>
+              <a:t>の作業</a:t>
             </a:r>
             <a:endParaRPr kumimoji="1" lang="ja-JP" altLang="en-US" sz="2800" dirty="0">
               <a:solidFill>
@@ -7416,8 +7472,8 @@
         </p:nvSpPr>
         <p:spPr>
           <a:xfrm>
-            <a:off x="8404698" y="167758"/>
-            <a:ext cx="3647152" cy="523220"/>
+            <a:off x="8082063" y="126153"/>
+            <a:ext cx="3964547" cy="584775"/>
           </a:xfrm>
           <a:prstGeom prst="rect">
             <a:avLst/>
@@ -7436,12 +7492,20 @@
           <a:lstStyle/>
           <a:p>
             <a:r>
+              <a:rPr lang="ja-JP" altLang="en-US" sz="3200" dirty="0">
+                <a:solidFill>
+                  <a:srgbClr val="00B0F0"/>
+                </a:solidFill>
+              </a:rPr>
+              <a:t>チームメンバー</a:t>
+            </a:r>
+            <a:r>
               <a:rPr lang="ja-JP" altLang="en-US" sz="2800" dirty="0">
                 <a:solidFill>
                   <a:srgbClr val="00B0F0"/>
                 </a:solidFill>
               </a:rPr>
-              <a:t>チームメンバーの作業</a:t>
+              <a:t>の作業</a:t>
             </a:r>
             <a:endParaRPr kumimoji="1" lang="ja-JP" altLang="en-US" sz="2800" dirty="0">
               <a:solidFill>
@@ -7987,55 +8051,6 @@
           </a:p>
         </p:txBody>
       </p:sp>
-      <p:sp>
-        <p:nvSpPr>
-          <p:cNvPr id="3" name="テキスト ボックス 2">
-            <a:extLst>
-              <a:ext uri="{FF2B5EF4-FFF2-40B4-BE49-F238E27FC236}">
-                <a16:creationId xmlns:a16="http://schemas.microsoft.com/office/drawing/2014/main" id="{81A266E9-A230-972F-66E3-2EC441E46B9A}"/>
-              </a:ext>
-            </a:extLst>
-          </p:cNvPr>
-          <p:cNvSpPr txBox="1"/>
-          <p:nvPr/>
-        </p:nvSpPr>
-        <p:spPr>
-          <a:xfrm>
-            <a:off x="8404698" y="167758"/>
-            <a:ext cx="3647152" cy="523220"/>
-          </a:xfrm>
-          <a:prstGeom prst="rect">
-            <a:avLst/>
-          </a:prstGeom>
-          <a:noFill/>
-          <a:ln>
-            <a:solidFill>
-              <a:srgbClr val="00B0F0"/>
-            </a:solidFill>
-          </a:ln>
-        </p:spPr>
-        <p:txBody>
-          <a:bodyPr wrap="none" rtlCol="0">
-            <a:spAutoFit/>
-          </a:bodyPr>
-          <a:lstStyle/>
-          <a:p>
-            <a:r>
-              <a:rPr lang="ja-JP" altLang="en-US" sz="2800" dirty="0">
-                <a:solidFill>
-                  <a:srgbClr val="00B0F0"/>
-                </a:solidFill>
-              </a:rPr>
-              <a:t>チームメンバーの作業</a:t>
-            </a:r>
-            <a:endParaRPr kumimoji="1" lang="ja-JP" altLang="en-US" sz="2800" dirty="0">
-              <a:solidFill>
-                <a:srgbClr val="00B0F0"/>
-              </a:solidFill>
-            </a:endParaRPr>
-          </a:p>
-        </p:txBody>
-      </p:sp>
       <p:pic>
         <p:nvPicPr>
           <p:cNvPr id="6" name="図 5">
@@ -8196,7 +8211,7 @@
         <p:spPr>
           <a:xfrm>
             <a:off x="8404698" y="5208735"/>
-            <a:ext cx="3435556" cy="1384995"/>
+            <a:ext cx="3635932" cy="1384995"/>
           </a:xfrm>
           <a:prstGeom prst="rect">
             <a:avLst/>
@@ -8215,6 +8230,29 @@
                   <a:srgbClr val="FF0000"/>
                 </a:solidFill>
               </a:rPr>
+              <a:t>404</a:t>
+            </a:r>
+            <a:r>
+              <a:rPr kumimoji="1" lang="ja-JP" altLang="en-US" sz="2800" dirty="0">
+                <a:solidFill>
+                  <a:srgbClr val="FF0000"/>
+                </a:solidFill>
+              </a:rPr>
+              <a:t>エラーが出た場合</a:t>
+            </a:r>
+            <a:br>
+              <a:rPr kumimoji="1" lang="en-US" altLang="ja-JP" sz="2800" dirty="0">
+                <a:solidFill>
+                  <a:srgbClr val="FF0000"/>
+                </a:solidFill>
+              </a:rPr>
+            </a:br>
+            <a:r>
+              <a:rPr kumimoji="1" lang="en-US" altLang="ja-JP" sz="2800" dirty="0">
+                <a:solidFill>
+                  <a:srgbClr val="FF0000"/>
+                </a:solidFill>
+              </a:rPr>
               <a:t>GitHub</a:t>
             </a:r>
             <a:r>
@@ -8238,23 +8276,65 @@
                   <a:srgbClr val="FF0000"/>
                 </a:solidFill>
               </a:rPr>
-              <a:t>していないとこの</a:t>
-            </a:r>
-            <a:endParaRPr kumimoji="1" lang="en-US" altLang="ja-JP" sz="2800" dirty="0">
+              <a:t>してください</a:t>
+            </a:r>
+          </a:p>
+        </p:txBody>
+      </p:sp>
+      <p:sp>
+        <p:nvSpPr>
+          <p:cNvPr id="11" name="テキスト ボックス 10">
+            <a:extLst>
+              <a:ext uri="{FF2B5EF4-FFF2-40B4-BE49-F238E27FC236}">
+                <a16:creationId xmlns:a16="http://schemas.microsoft.com/office/drawing/2014/main" id="{866FC618-B978-E8C8-D4A8-CC996BB33955}"/>
+              </a:ext>
+            </a:extLst>
+          </p:cNvPr>
+          <p:cNvSpPr txBox="1"/>
+          <p:nvPr/>
+        </p:nvSpPr>
+        <p:spPr>
+          <a:xfrm>
+            <a:off x="8082063" y="126153"/>
+            <a:ext cx="3964547" cy="584775"/>
+          </a:xfrm>
+          <a:prstGeom prst="rect">
+            <a:avLst/>
+          </a:prstGeom>
+          <a:noFill/>
+          <a:ln>
+            <a:solidFill>
+              <a:srgbClr val="00B0F0"/>
+            </a:solidFill>
+          </a:ln>
+        </p:spPr>
+        <p:txBody>
+          <a:bodyPr wrap="none" rtlCol="0">
+            <a:spAutoFit/>
+          </a:bodyPr>
+          <a:lstStyle/>
+          <a:p>
+            <a:r>
+              <a:rPr lang="ja-JP" altLang="en-US" sz="3200" dirty="0">
+                <a:solidFill>
+                  <a:srgbClr val="00B0F0"/>
+                </a:solidFill>
+              </a:rPr>
+              <a:t>チームメンバー</a:t>
+            </a:r>
+            <a:r>
+              <a:rPr lang="ja-JP" altLang="en-US" sz="2800" dirty="0">
+                <a:solidFill>
+                  <a:srgbClr val="00B0F0"/>
+                </a:solidFill>
+              </a:rPr>
+              <a:t>の作業</a:t>
+            </a:r>
+            <a:endParaRPr kumimoji="1" lang="ja-JP" altLang="en-US" sz="2800" dirty="0">
               <a:solidFill>
-                <a:srgbClr val="FF0000"/>
+                <a:srgbClr val="00B0F0"/>
               </a:solidFill>
             </a:endParaRPr>
-          </a:p>
-          <a:p>
-            <a:r>
-              <a:rPr kumimoji="1" lang="ja-JP" altLang="en-US" sz="2800" dirty="0">
-                <a:solidFill>
-                  <a:srgbClr val="FF0000"/>
-                </a:solidFill>
-              </a:rPr>
-              <a:t>画面は表示されない</a:t>
-            </a:r>
           </a:p>
         </p:txBody>
       </p:sp>
@@ -8541,55 +8621,6 @@
           </a:p>
         </p:txBody>
       </p:sp>
-      <p:sp>
-        <p:nvSpPr>
-          <p:cNvPr id="3" name="テキスト ボックス 2">
-            <a:extLst>
-              <a:ext uri="{FF2B5EF4-FFF2-40B4-BE49-F238E27FC236}">
-                <a16:creationId xmlns:a16="http://schemas.microsoft.com/office/drawing/2014/main" id="{BD32B419-52B0-72A3-78EA-BB0A8450DC1F}"/>
-              </a:ext>
-            </a:extLst>
-          </p:cNvPr>
-          <p:cNvSpPr txBox="1"/>
-          <p:nvPr/>
-        </p:nvSpPr>
-        <p:spPr>
-          <a:xfrm>
-            <a:off x="8404698" y="167758"/>
-            <a:ext cx="3647152" cy="523220"/>
-          </a:xfrm>
-          <a:prstGeom prst="rect">
-            <a:avLst/>
-          </a:prstGeom>
-          <a:noFill/>
-          <a:ln>
-            <a:solidFill>
-              <a:srgbClr val="00B0F0"/>
-            </a:solidFill>
-          </a:ln>
-        </p:spPr>
-        <p:txBody>
-          <a:bodyPr wrap="none" rtlCol="0">
-            <a:spAutoFit/>
-          </a:bodyPr>
-          <a:lstStyle/>
-          <a:p>
-            <a:r>
-              <a:rPr lang="ja-JP" altLang="en-US" sz="2800" dirty="0">
-                <a:solidFill>
-                  <a:srgbClr val="00B0F0"/>
-                </a:solidFill>
-              </a:rPr>
-              <a:t>チームメンバーの作業</a:t>
-            </a:r>
-            <a:endParaRPr kumimoji="1" lang="ja-JP" altLang="en-US" sz="2800" dirty="0">
-              <a:solidFill>
-                <a:srgbClr val="00B0F0"/>
-              </a:solidFill>
-            </a:endParaRPr>
-          </a:p>
-        </p:txBody>
-      </p:sp>
       <p:pic>
         <p:nvPicPr>
           <p:cNvPr id="12" name="図 11">
@@ -8674,6 +8705,63 @@
               <a:rPr kumimoji="1" lang="ja-JP" altLang="en-US" sz="1100" dirty="0"/>
               <a:t>ユーザ名</a:t>
             </a:r>
+          </a:p>
+        </p:txBody>
+      </p:sp>
+      <p:sp>
+        <p:nvSpPr>
+          <p:cNvPr id="5" name="テキスト ボックス 4">
+            <a:extLst>
+              <a:ext uri="{FF2B5EF4-FFF2-40B4-BE49-F238E27FC236}">
+                <a16:creationId xmlns:a16="http://schemas.microsoft.com/office/drawing/2014/main" id="{830EE474-648E-A550-A1BE-A5A540CC6E0B}"/>
+              </a:ext>
+            </a:extLst>
+          </p:cNvPr>
+          <p:cNvSpPr txBox="1"/>
+          <p:nvPr/>
+        </p:nvSpPr>
+        <p:spPr>
+          <a:xfrm>
+            <a:off x="8082063" y="126153"/>
+            <a:ext cx="3964547" cy="584775"/>
+          </a:xfrm>
+          <a:prstGeom prst="rect">
+            <a:avLst/>
+          </a:prstGeom>
+          <a:noFill/>
+          <a:ln>
+            <a:solidFill>
+              <a:srgbClr val="00B0F0"/>
+            </a:solidFill>
+          </a:ln>
+        </p:spPr>
+        <p:txBody>
+          <a:bodyPr wrap="none" rtlCol="0">
+            <a:spAutoFit/>
+          </a:bodyPr>
+          <a:lstStyle/>
+          <a:p>
+            <a:r>
+              <a:rPr lang="ja-JP" altLang="en-US" sz="3200" dirty="0">
+                <a:solidFill>
+                  <a:srgbClr val="00B0F0"/>
+                </a:solidFill>
+              </a:rPr>
+              <a:t>チームメンバー</a:t>
+            </a:r>
+            <a:r>
+              <a:rPr lang="ja-JP" altLang="en-US" sz="2800" dirty="0">
+                <a:solidFill>
+                  <a:srgbClr val="00B0F0"/>
+                </a:solidFill>
+              </a:rPr>
+              <a:t>の作業</a:t>
+            </a:r>
+            <a:endParaRPr kumimoji="1" lang="ja-JP" altLang="en-US" sz="2800" dirty="0">
+              <a:solidFill>
+                <a:srgbClr val="00B0F0"/>
+              </a:solidFill>
+            </a:endParaRPr>
           </a:p>
         </p:txBody>
       </p:sp>
@@ -9132,55 +9220,6 @@
           </a:p>
         </p:txBody>
       </p:sp>
-      <p:sp>
-        <p:nvSpPr>
-          <p:cNvPr id="3" name="テキスト ボックス 2">
-            <a:extLst>
-              <a:ext uri="{FF2B5EF4-FFF2-40B4-BE49-F238E27FC236}">
-                <a16:creationId xmlns:a16="http://schemas.microsoft.com/office/drawing/2014/main" id="{E436F5CC-C9F0-38DF-6DA8-C70EE3418AFF}"/>
-              </a:ext>
-            </a:extLst>
-          </p:cNvPr>
-          <p:cNvSpPr txBox="1"/>
-          <p:nvPr/>
-        </p:nvSpPr>
-        <p:spPr>
-          <a:xfrm>
-            <a:off x="8404698" y="167758"/>
-            <a:ext cx="3647152" cy="523220"/>
-          </a:xfrm>
-          <a:prstGeom prst="rect">
-            <a:avLst/>
-          </a:prstGeom>
-          <a:noFill/>
-          <a:ln>
-            <a:solidFill>
-              <a:srgbClr val="00B0F0"/>
-            </a:solidFill>
-          </a:ln>
-        </p:spPr>
-        <p:txBody>
-          <a:bodyPr wrap="none" rtlCol="0">
-            <a:spAutoFit/>
-          </a:bodyPr>
-          <a:lstStyle/>
-          <a:p>
-            <a:r>
-              <a:rPr lang="ja-JP" altLang="en-US" sz="2800" dirty="0">
-                <a:solidFill>
-                  <a:srgbClr val="00B0F0"/>
-                </a:solidFill>
-              </a:rPr>
-              <a:t>チームメンバーの作業</a:t>
-            </a:r>
-            <a:endParaRPr kumimoji="1" lang="ja-JP" altLang="en-US" sz="2800" dirty="0">
-              <a:solidFill>
-                <a:srgbClr val="00B0F0"/>
-              </a:solidFill>
-            </a:endParaRPr>
-          </a:p>
-        </p:txBody>
-      </p:sp>
       <p:pic>
         <p:nvPicPr>
           <p:cNvPr id="5" name="図 4">
@@ -9420,6 +9459,63 @@
           </a:fontRef>
         </p:style>
       </p:cxnSp>
+      <p:sp>
+        <p:nvSpPr>
+          <p:cNvPr id="4" name="テキスト ボックス 3">
+            <a:extLst>
+              <a:ext uri="{FF2B5EF4-FFF2-40B4-BE49-F238E27FC236}">
+                <a16:creationId xmlns:a16="http://schemas.microsoft.com/office/drawing/2014/main" id="{9A86E387-5806-49B1-1B95-54349B11C706}"/>
+              </a:ext>
+            </a:extLst>
+          </p:cNvPr>
+          <p:cNvSpPr txBox="1"/>
+          <p:nvPr/>
+        </p:nvSpPr>
+        <p:spPr>
+          <a:xfrm>
+            <a:off x="8082063" y="126153"/>
+            <a:ext cx="3964547" cy="584775"/>
+          </a:xfrm>
+          <a:prstGeom prst="rect">
+            <a:avLst/>
+          </a:prstGeom>
+          <a:noFill/>
+          <a:ln>
+            <a:solidFill>
+              <a:srgbClr val="00B0F0"/>
+            </a:solidFill>
+          </a:ln>
+        </p:spPr>
+        <p:txBody>
+          <a:bodyPr wrap="none" rtlCol="0">
+            <a:spAutoFit/>
+          </a:bodyPr>
+          <a:lstStyle/>
+          <a:p>
+            <a:r>
+              <a:rPr lang="ja-JP" altLang="en-US" sz="3200" dirty="0">
+                <a:solidFill>
+                  <a:srgbClr val="00B0F0"/>
+                </a:solidFill>
+              </a:rPr>
+              <a:t>チームメンバー</a:t>
+            </a:r>
+            <a:r>
+              <a:rPr lang="ja-JP" altLang="en-US" sz="2800" dirty="0">
+                <a:solidFill>
+                  <a:srgbClr val="00B0F0"/>
+                </a:solidFill>
+              </a:rPr>
+              <a:t>の作業</a:t>
+            </a:r>
+            <a:endParaRPr kumimoji="1" lang="ja-JP" altLang="en-US" sz="2800" dirty="0">
+              <a:solidFill>
+                <a:srgbClr val="00B0F0"/>
+              </a:solidFill>
+            </a:endParaRPr>
+          </a:p>
+        </p:txBody>
+      </p:sp>
     </p:spTree>
     <p:extLst>
       <p:ext uri="{BB962C8B-B14F-4D97-AF65-F5344CB8AC3E}">
@@ -9712,55 +9808,6 @@
           </a:p>
         </p:txBody>
       </p:sp>
-      <p:sp>
-        <p:nvSpPr>
-          <p:cNvPr id="3" name="テキスト ボックス 2">
-            <a:extLst>
-              <a:ext uri="{FF2B5EF4-FFF2-40B4-BE49-F238E27FC236}">
-                <a16:creationId xmlns:a16="http://schemas.microsoft.com/office/drawing/2014/main" id="{2F5FAF66-936F-70B1-D78A-C17DFC888BD3}"/>
-              </a:ext>
-            </a:extLst>
-          </p:cNvPr>
-          <p:cNvSpPr txBox="1"/>
-          <p:nvPr/>
-        </p:nvSpPr>
-        <p:spPr>
-          <a:xfrm>
-            <a:off x="8404698" y="167758"/>
-            <a:ext cx="3647152" cy="523220"/>
-          </a:xfrm>
-          <a:prstGeom prst="rect">
-            <a:avLst/>
-          </a:prstGeom>
-          <a:noFill/>
-          <a:ln>
-            <a:solidFill>
-              <a:srgbClr val="00B0F0"/>
-            </a:solidFill>
-          </a:ln>
-        </p:spPr>
-        <p:txBody>
-          <a:bodyPr wrap="none" rtlCol="0">
-            <a:spAutoFit/>
-          </a:bodyPr>
-          <a:lstStyle/>
-          <a:p>
-            <a:r>
-              <a:rPr lang="ja-JP" altLang="en-US" sz="2800" dirty="0">
-                <a:solidFill>
-                  <a:srgbClr val="00B0F0"/>
-                </a:solidFill>
-              </a:rPr>
-              <a:t>チームメンバーの作業</a:t>
-            </a:r>
-            <a:endParaRPr kumimoji="1" lang="ja-JP" altLang="en-US" sz="2800" dirty="0">
-              <a:solidFill>
-                <a:srgbClr val="00B0F0"/>
-              </a:solidFill>
-            </a:endParaRPr>
-          </a:p>
-        </p:txBody>
-      </p:sp>
       <p:pic>
         <p:nvPicPr>
           <p:cNvPr id="5" name="図 4">
@@ -9845,6 +9892,63 @@
           <a:p>
             <a:pPr algn="ctr"/>
             <a:endParaRPr kumimoji="1" lang="ja-JP" altLang="en-US"/>
+          </a:p>
+        </p:txBody>
+      </p:sp>
+      <p:sp>
+        <p:nvSpPr>
+          <p:cNvPr id="4" name="テキスト ボックス 3">
+            <a:extLst>
+              <a:ext uri="{FF2B5EF4-FFF2-40B4-BE49-F238E27FC236}">
+                <a16:creationId xmlns:a16="http://schemas.microsoft.com/office/drawing/2014/main" id="{6A4FD2EA-887B-F570-050D-761BED22927E}"/>
+              </a:ext>
+            </a:extLst>
+          </p:cNvPr>
+          <p:cNvSpPr txBox="1"/>
+          <p:nvPr/>
+        </p:nvSpPr>
+        <p:spPr>
+          <a:xfrm>
+            <a:off x="8082063" y="126153"/>
+            <a:ext cx="3964547" cy="584775"/>
+          </a:xfrm>
+          <a:prstGeom prst="rect">
+            <a:avLst/>
+          </a:prstGeom>
+          <a:noFill/>
+          <a:ln>
+            <a:solidFill>
+              <a:srgbClr val="00B0F0"/>
+            </a:solidFill>
+          </a:ln>
+        </p:spPr>
+        <p:txBody>
+          <a:bodyPr wrap="none" rtlCol="0">
+            <a:spAutoFit/>
+          </a:bodyPr>
+          <a:lstStyle/>
+          <a:p>
+            <a:r>
+              <a:rPr lang="ja-JP" altLang="en-US" sz="3200" dirty="0">
+                <a:solidFill>
+                  <a:srgbClr val="00B0F0"/>
+                </a:solidFill>
+              </a:rPr>
+              <a:t>チームメンバー</a:t>
+            </a:r>
+            <a:r>
+              <a:rPr lang="ja-JP" altLang="en-US" sz="2800" dirty="0">
+                <a:solidFill>
+                  <a:srgbClr val="00B0F0"/>
+                </a:solidFill>
+              </a:rPr>
+              <a:t>の作業</a:t>
+            </a:r>
+            <a:endParaRPr kumimoji="1" lang="ja-JP" altLang="en-US" sz="2800" dirty="0">
+              <a:solidFill>
+                <a:srgbClr val="00B0F0"/>
+              </a:solidFill>
+            </a:endParaRPr>
           </a:p>
         </p:txBody>
       </p:sp>
@@ -10153,55 +10257,6 @@
           </a:p>
         </p:txBody>
       </p:sp>
-      <p:sp>
-        <p:nvSpPr>
-          <p:cNvPr id="3" name="テキスト ボックス 2">
-            <a:extLst>
-              <a:ext uri="{FF2B5EF4-FFF2-40B4-BE49-F238E27FC236}">
-                <a16:creationId xmlns:a16="http://schemas.microsoft.com/office/drawing/2014/main" id="{B10E1512-5EAF-71E2-6847-9280750C54F5}"/>
-              </a:ext>
-            </a:extLst>
-          </p:cNvPr>
-          <p:cNvSpPr txBox="1"/>
-          <p:nvPr/>
-        </p:nvSpPr>
-        <p:spPr>
-          <a:xfrm>
-            <a:off x="8404698" y="167758"/>
-            <a:ext cx="3647152" cy="523220"/>
-          </a:xfrm>
-          <a:prstGeom prst="rect">
-            <a:avLst/>
-          </a:prstGeom>
-          <a:noFill/>
-          <a:ln>
-            <a:solidFill>
-              <a:srgbClr val="00B0F0"/>
-            </a:solidFill>
-          </a:ln>
-        </p:spPr>
-        <p:txBody>
-          <a:bodyPr wrap="none" rtlCol="0">
-            <a:spAutoFit/>
-          </a:bodyPr>
-          <a:lstStyle/>
-          <a:p>
-            <a:r>
-              <a:rPr lang="ja-JP" altLang="en-US" sz="2800" dirty="0">
-                <a:solidFill>
-                  <a:srgbClr val="00B0F0"/>
-                </a:solidFill>
-              </a:rPr>
-              <a:t>チームメンバーの作業</a:t>
-            </a:r>
-            <a:endParaRPr kumimoji="1" lang="ja-JP" altLang="en-US" sz="2800" dirty="0">
-              <a:solidFill>
-                <a:srgbClr val="00B0F0"/>
-              </a:solidFill>
-            </a:endParaRPr>
-          </a:p>
-        </p:txBody>
-      </p:sp>
       <p:pic>
         <p:nvPicPr>
           <p:cNvPr id="6" name="図 5">
@@ -10584,6 +10639,63 @@
           <a:p>
             <a:pPr algn="ctr"/>
             <a:endParaRPr kumimoji="1" lang="ja-JP" altLang="en-US"/>
+          </a:p>
+        </p:txBody>
+      </p:sp>
+      <p:sp>
+        <p:nvSpPr>
+          <p:cNvPr id="12" name="テキスト ボックス 11">
+            <a:extLst>
+              <a:ext uri="{FF2B5EF4-FFF2-40B4-BE49-F238E27FC236}">
+                <a16:creationId xmlns:a16="http://schemas.microsoft.com/office/drawing/2014/main" id="{5C94FA25-4007-0C7C-1CE0-EB2AB09C2727}"/>
+              </a:ext>
+            </a:extLst>
+          </p:cNvPr>
+          <p:cNvSpPr txBox="1"/>
+          <p:nvPr/>
+        </p:nvSpPr>
+        <p:spPr>
+          <a:xfrm>
+            <a:off x="8082063" y="126153"/>
+            <a:ext cx="3964547" cy="584775"/>
+          </a:xfrm>
+          <a:prstGeom prst="rect">
+            <a:avLst/>
+          </a:prstGeom>
+          <a:noFill/>
+          <a:ln>
+            <a:solidFill>
+              <a:srgbClr val="00B0F0"/>
+            </a:solidFill>
+          </a:ln>
+        </p:spPr>
+        <p:txBody>
+          <a:bodyPr wrap="none" rtlCol="0">
+            <a:spAutoFit/>
+          </a:bodyPr>
+          <a:lstStyle/>
+          <a:p>
+            <a:r>
+              <a:rPr lang="ja-JP" altLang="en-US" sz="3200" dirty="0">
+                <a:solidFill>
+                  <a:srgbClr val="00B0F0"/>
+                </a:solidFill>
+              </a:rPr>
+              <a:t>チームメンバー</a:t>
+            </a:r>
+            <a:r>
+              <a:rPr lang="ja-JP" altLang="en-US" sz="2800" dirty="0">
+                <a:solidFill>
+                  <a:srgbClr val="00B0F0"/>
+                </a:solidFill>
+              </a:rPr>
+              <a:t>の作業</a:t>
+            </a:r>
+            <a:endParaRPr kumimoji="1" lang="ja-JP" altLang="en-US" sz="2800" dirty="0">
+              <a:solidFill>
+                <a:srgbClr val="00B0F0"/>
+              </a:solidFill>
+            </a:endParaRPr>
           </a:p>
         </p:txBody>
       </p:sp>
@@ -10867,55 +10979,6 @@
           </a:p>
         </p:txBody>
       </p:sp>
-      <p:sp>
-        <p:nvSpPr>
-          <p:cNvPr id="3" name="テキスト ボックス 2">
-            <a:extLst>
-              <a:ext uri="{FF2B5EF4-FFF2-40B4-BE49-F238E27FC236}">
-                <a16:creationId xmlns:a16="http://schemas.microsoft.com/office/drawing/2014/main" id="{D9CD7AF3-BD2A-E5AC-7323-F46F7F76537A}"/>
-              </a:ext>
-            </a:extLst>
-          </p:cNvPr>
-          <p:cNvSpPr txBox="1"/>
-          <p:nvPr/>
-        </p:nvSpPr>
-        <p:spPr>
-          <a:xfrm>
-            <a:off x="8404698" y="167758"/>
-            <a:ext cx="3647152" cy="523220"/>
-          </a:xfrm>
-          <a:prstGeom prst="rect">
-            <a:avLst/>
-          </a:prstGeom>
-          <a:noFill/>
-          <a:ln>
-            <a:solidFill>
-              <a:srgbClr val="00B0F0"/>
-            </a:solidFill>
-          </a:ln>
-        </p:spPr>
-        <p:txBody>
-          <a:bodyPr wrap="none" rtlCol="0">
-            <a:spAutoFit/>
-          </a:bodyPr>
-          <a:lstStyle/>
-          <a:p>
-            <a:r>
-              <a:rPr lang="ja-JP" altLang="en-US" sz="2800" dirty="0">
-                <a:solidFill>
-                  <a:srgbClr val="00B0F0"/>
-                </a:solidFill>
-              </a:rPr>
-              <a:t>チームメンバーの作業</a:t>
-            </a:r>
-            <a:endParaRPr kumimoji="1" lang="ja-JP" altLang="en-US" sz="2800" dirty="0">
-              <a:solidFill>
-                <a:srgbClr val="00B0F0"/>
-              </a:solidFill>
-            </a:endParaRPr>
-          </a:p>
-        </p:txBody>
-      </p:sp>
       <p:pic>
         <p:nvPicPr>
           <p:cNvPr id="5" name="図 4">
@@ -11000,6 +11063,63 @@
           <a:p>
             <a:pPr algn="ctr"/>
             <a:endParaRPr kumimoji="1" lang="ja-JP" altLang="en-US"/>
+          </a:p>
+        </p:txBody>
+      </p:sp>
+      <p:sp>
+        <p:nvSpPr>
+          <p:cNvPr id="4" name="テキスト ボックス 3">
+            <a:extLst>
+              <a:ext uri="{FF2B5EF4-FFF2-40B4-BE49-F238E27FC236}">
+                <a16:creationId xmlns:a16="http://schemas.microsoft.com/office/drawing/2014/main" id="{F4055145-4D3B-561F-A84A-654CD93ADECC}"/>
+              </a:ext>
+            </a:extLst>
+          </p:cNvPr>
+          <p:cNvSpPr txBox="1"/>
+          <p:nvPr/>
+        </p:nvSpPr>
+        <p:spPr>
+          <a:xfrm>
+            <a:off x="8082063" y="126153"/>
+            <a:ext cx="3964547" cy="584775"/>
+          </a:xfrm>
+          <a:prstGeom prst="rect">
+            <a:avLst/>
+          </a:prstGeom>
+          <a:noFill/>
+          <a:ln>
+            <a:solidFill>
+              <a:srgbClr val="00B0F0"/>
+            </a:solidFill>
+          </a:ln>
+        </p:spPr>
+        <p:txBody>
+          <a:bodyPr wrap="none" rtlCol="0">
+            <a:spAutoFit/>
+          </a:bodyPr>
+          <a:lstStyle/>
+          <a:p>
+            <a:r>
+              <a:rPr lang="ja-JP" altLang="en-US" sz="3200" dirty="0">
+                <a:solidFill>
+                  <a:srgbClr val="00B0F0"/>
+                </a:solidFill>
+              </a:rPr>
+              <a:t>チームメンバー</a:t>
+            </a:r>
+            <a:r>
+              <a:rPr lang="ja-JP" altLang="en-US" sz="2800" dirty="0">
+                <a:solidFill>
+                  <a:srgbClr val="00B0F0"/>
+                </a:solidFill>
+              </a:rPr>
+              <a:t>の作業</a:t>
+            </a:r>
+            <a:endParaRPr kumimoji="1" lang="ja-JP" altLang="en-US" sz="2800" dirty="0">
+              <a:solidFill>
+                <a:srgbClr val="00B0F0"/>
+              </a:solidFill>
+            </a:endParaRPr>
           </a:p>
         </p:txBody>
       </p:sp>
@@ -11656,7 +11776,7 @@
               <a:rPr lang="en-US" altLang="ja-JP" dirty="0"/>
             </a:br>
             <a:r>
-              <a:rPr lang="ja-JP" altLang="en-US" dirty="0">
+              <a:rPr lang="ja-JP" altLang="en-US" b="1" dirty="0">
                 <a:solidFill>
                   <a:srgbClr val="0070C0"/>
                 </a:solidFill>
@@ -11668,7 +11788,7 @@
               <a:t>リポジトリと</a:t>
             </a:r>
             <a:r>
-              <a:rPr lang="ja-JP" altLang="en-US" dirty="0">
+              <a:rPr lang="ja-JP" altLang="en-US" b="1" dirty="0">
                 <a:solidFill>
                   <a:srgbClr val="00B050"/>
                 </a:solidFill>
@@ -11709,7 +11829,7 @@
               <a:t>クローンしたものを編集した場合は、</a:t>
             </a:r>
             <a:r>
-              <a:rPr lang="ja-JP" altLang="en-US" dirty="0">
+              <a:rPr lang="ja-JP" altLang="en-US" b="1" dirty="0">
                 <a:solidFill>
                   <a:srgbClr val="0070C0"/>
                 </a:solidFill>
@@ -11750,7 +11870,7 @@
               <a:t>という作業をして</a:t>
             </a:r>
             <a:r>
-              <a:rPr lang="ja-JP" altLang="en-US" dirty="0">
+              <a:rPr lang="ja-JP" altLang="en-US" b="1" dirty="0">
                 <a:solidFill>
                   <a:srgbClr val="00B050"/>
                 </a:solidFill>
@@ -12039,7 +12159,7 @@
               <a:t>したことで</a:t>
             </a:r>
             <a:r>
-              <a:rPr lang="ja-JP" altLang="en-US" dirty="0">
+              <a:rPr lang="ja-JP" altLang="en-US" b="1" dirty="0">
                 <a:solidFill>
                   <a:srgbClr val="00B050"/>
                 </a:solidFill>
@@ -12059,7 +12179,7 @@
               <a:t>内の</a:t>
             </a:r>
             <a:r>
-              <a:rPr lang="ja-JP" altLang="en-US" dirty="0">
+              <a:rPr lang="ja-JP" altLang="en-US" b="1" dirty="0">
                 <a:solidFill>
                   <a:srgbClr val="0070C0"/>
                 </a:solidFill>
@@ -12100,7 +12220,7 @@
               <a:t>という作業をして</a:t>
             </a:r>
             <a:r>
-              <a:rPr lang="ja-JP" altLang="en-US" dirty="0">
+              <a:rPr lang="ja-JP" altLang="en-US" b="1" dirty="0">
                 <a:solidFill>
                   <a:srgbClr val="0070C0"/>
                 </a:solidFill>
@@ -12475,7 +12595,7 @@
               <a:rPr lang="en-US" altLang="ja-JP" dirty="0"/>
             </a:br>
             <a:r>
-              <a:rPr lang="ja-JP" altLang="en-US" dirty="0">
+              <a:rPr lang="ja-JP" altLang="en-US" b="1" dirty="0">
                 <a:solidFill>
                   <a:srgbClr val="0070C0"/>
                 </a:solidFill>
@@ -12487,7 +12607,7 @@
               <a:t>リポジトリの更新内容を</a:t>
             </a:r>
             <a:r>
-              <a:rPr lang="ja-JP" altLang="en-US" dirty="0">
+              <a:rPr lang="ja-JP" altLang="en-US" b="1" dirty="0">
                 <a:solidFill>
                   <a:srgbClr val="00B050"/>
                 </a:solidFill>
@@ -12499,16 +12619,12 @@
               <a:t>リポジトリへコピー（</a:t>
             </a:r>
             <a:r>
-              <a:rPr lang="ja-JP" altLang="en-US" dirty="0">
+              <a:rPr lang="ja-JP" altLang="en-US" b="1" dirty="0">
                 <a:solidFill>
                   <a:srgbClr val="0070C0"/>
                 </a:solidFill>
               </a:rPr>
-              <a:t>ローカル　</a:t>
-            </a:r>
-            <a:r>
-              <a:rPr lang="ja-JP" altLang="en-US" dirty="0"/>
-              <a:t>→</a:t>
+              <a:t>ローカル</a:t>
             </a:r>
             <a:r>
               <a:rPr lang="ja-JP" altLang="en-US" dirty="0">
@@ -12519,7 +12635,19 @@
               <a:t>　</a:t>
             </a:r>
             <a:r>
+              <a:rPr lang="ja-JP" altLang="en-US" dirty="0"/>
+              <a:t>→</a:t>
+            </a:r>
+            <a:r>
               <a:rPr lang="ja-JP" altLang="en-US" dirty="0">
+                <a:solidFill>
+                  <a:srgbClr val="0070C0"/>
+                </a:solidFill>
+              </a:rPr>
+              <a:t>　</a:t>
+            </a:r>
+            <a:r>
+              <a:rPr lang="ja-JP" altLang="en-US" b="1" dirty="0">
                 <a:solidFill>
                   <a:srgbClr val="00B050"/>
                 </a:solidFill>
@@ -12551,7 +12679,7 @@
               <a:rPr lang="en-US" altLang="ja-JP" dirty="0"/>
             </a:br>
             <a:r>
-              <a:rPr lang="ja-JP" altLang="en-US" dirty="0">
+              <a:rPr lang="ja-JP" altLang="en-US" b="1" dirty="0">
                 <a:solidFill>
                   <a:srgbClr val="00B050"/>
                 </a:solidFill>
@@ -12563,7 +12691,7 @@
               <a:t>リポジトリから最新の内容を</a:t>
             </a:r>
             <a:r>
-              <a:rPr lang="ja-JP" altLang="en-US" dirty="0">
+              <a:rPr lang="ja-JP" altLang="en-US" b="1" dirty="0">
                 <a:solidFill>
                   <a:srgbClr val="0070C0"/>
                 </a:solidFill>
@@ -12575,7 +12703,7 @@
               <a:t>リポジトリへコピー（</a:t>
             </a:r>
             <a:r>
-              <a:rPr lang="ja-JP" altLang="en-US" dirty="0">
+              <a:rPr lang="ja-JP" altLang="en-US" b="1" dirty="0">
                 <a:solidFill>
                   <a:srgbClr val="00B050"/>
                 </a:solidFill>
@@ -12600,7 +12728,15 @@
                   <a:srgbClr val="0070C0"/>
                 </a:solidFill>
               </a:rPr>
-              <a:t>　ローカル</a:t>
+              <a:t>　</a:t>
+            </a:r>
+            <a:r>
+              <a:rPr lang="ja-JP" altLang="en-US" b="1" dirty="0">
+                <a:solidFill>
+                  <a:srgbClr val="0070C0"/>
+                </a:solidFill>
+              </a:rPr>
+              <a:t>ローカル</a:t>
             </a:r>
             <a:r>
               <a:rPr lang="ja-JP" altLang="en-US" dirty="0"/>
@@ -13255,7 +13391,7 @@
           </a:lstStyle>
           <a:p>
             <a:r>
-              <a:rPr lang="ja-JP" altLang="en-US" dirty="0">
+              <a:rPr lang="ja-JP" altLang="en-US" b="1" dirty="0">
                 <a:solidFill>
                   <a:srgbClr val="0070C0"/>
                 </a:solidFill>
@@ -13267,7 +13403,7 @@
               <a:t>と</a:t>
             </a:r>
             <a:r>
-              <a:rPr lang="ja-JP" altLang="en-US" dirty="0">
+              <a:rPr lang="ja-JP" altLang="en-US" b="1" dirty="0">
                 <a:solidFill>
                   <a:srgbClr val="00B050"/>
                 </a:solidFill>
@@ -14325,8 +14461,8 @@
         </p:nvSpPr>
         <p:spPr>
           <a:xfrm>
-            <a:off x="9708204" y="103516"/>
-            <a:ext cx="2339102" cy="523220"/>
+            <a:off x="9280187" y="178485"/>
+            <a:ext cx="2646878" cy="646331"/>
           </a:xfrm>
           <a:prstGeom prst="rect">
             <a:avLst/>
@@ -14345,12 +14481,20 @@
           <a:lstStyle/>
           <a:p>
             <a:r>
+              <a:rPr lang="ja-JP" altLang="en-US" sz="3600" dirty="0">
+                <a:solidFill>
+                  <a:srgbClr val="FF0000"/>
+                </a:solidFill>
+              </a:rPr>
+              <a:t>代表者</a:t>
+            </a:r>
+            <a:r>
               <a:rPr lang="ja-JP" altLang="en-US" sz="2800" dirty="0">
                 <a:solidFill>
                   <a:srgbClr val="FF0000"/>
                 </a:solidFill>
               </a:rPr>
-              <a:t>代表者の作業</a:t>
+              <a:t>の作業</a:t>
             </a:r>
             <a:endParaRPr kumimoji="1" lang="ja-JP" altLang="en-US" sz="2800" dirty="0">
               <a:solidFill>
@@ -14702,7 +14846,7 @@
             </a:br>
             <a:r>
               <a:rPr lang="ja-JP" altLang="en-US" dirty="0"/>
-              <a:t>プログラムが</a:t>
+              <a:t>プログラムがチーム全員に</a:t>
             </a:r>
             <a:r>
               <a:rPr lang="ja-JP" altLang="en-US" b="1" dirty="0">
@@ -19195,7 +19339,7 @@
               <a:t>ブランチに切り替えた後、</a:t>
             </a:r>
             <a:r>
-              <a:rPr lang="ja-JP" altLang="en-US" dirty="0">
+              <a:rPr lang="ja-JP" altLang="en-US" b="1" dirty="0">
                 <a:solidFill>
                   <a:srgbClr val="00B0F0"/>
                 </a:solidFill>
@@ -19207,7 +19351,7 @@
               <a:t>リポジトリのファイルを更新した際は、</a:t>
             </a:r>
             <a:r>
-              <a:rPr lang="ja-JP" altLang="en-US" dirty="0">
+              <a:rPr lang="ja-JP" altLang="en-US" b="1" dirty="0">
                 <a:solidFill>
                   <a:srgbClr val="00B050"/>
                 </a:solidFill>
@@ -19216,7 +19360,14 @@
             </a:r>
             <a:r>
               <a:rPr lang="ja-JP" altLang="en-US" dirty="0"/>
-              <a:t>リポジトリのブランチへ</a:t>
+              <a:t>リポジトリの</a:t>
+            </a:r>
+            <a:br>
+              <a:rPr lang="en-US" altLang="ja-JP" dirty="0"/>
+            </a:br>
+            <a:r>
+              <a:rPr lang="ja-JP" altLang="en-US" dirty="0"/>
+              <a:t>ブランチへ</a:t>
             </a:r>
             <a:r>
               <a:rPr lang="en-US" altLang="ja-JP" dirty="0"/>
@@ -19240,7 +19391,7 @@
               <a:rPr lang="en-US" altLang="ja-JP" dirty="0"/>
             </a:br>
             <a:r>
-              <a:rPr lang="ja-JP" altLang="en-US" dirty="0">
+              <a:rPr lang="ja-JP" altLang="en-US" b="1" dirty="0">
                 <a:solidFill>
                   <a:srgbClr val="00B0F0"/>
                 </a:solidFill>
@@ -19300,7 +19451,7 @@
               <a:rPr lang="en-US" altLang="ja-JP" sz="2000" dirty="0"/>
             </a:br>
             <a:r>
-              <a:rPr lang="ja-JP" altLang="en-US" dirty="0">
+              <a:rPr lang="ja-JP" altLang="en-US" b="1" dirty="0">
                 <a:solidFill>
                   <a:srgbClr val="00B050"/>
                 </a:solidFill>
@@ -20262,55 +20413,6 @@
       </p:sp>
       <p:sp>
         <p:nvSpPr>
-          <p:cNvPr id="12" name="テキスト ボックス 11">
-            <a:extLst>
-              <a:ext uri="{FF2B5EF4-FFF2-40B4-BE49-F238E27FC236}">
-                <a16:creationId xmlns:a16="http://schemas.microsoft.com/office/drawing/2014/main" id="{7C8B816D-F71E-5845-1020-D7846F4F43AE}"/>
-              </a:ext>
-            </a:extLst>
-          </p:cNvPr>
-          <p:cNvSpPr txBox="1"/>
-          <p:nvPr/>
-        </p:nvSpPr>
-        <p:spPr>
-          <a:xfrm>
-            <a:off x="9708204" y="103516"/>
-            <a:ext cx="2339102" cy="523220"/>
-          </a:xfrm>
-          <a:prstGeom prst="rect">
-            <a:avLst/>
-          </a:prstGeom>
-          <a:noFill/>
-          <a:ln>
-            <a:solidFill>
-              <a:srgbClr val="FF0000"/>
-            </a:solidFill>
-          </a:ln>
-        </p:spPr>
-        <p:txBody>
-          <a:bodyPr wrap="none" rtlCol="0">
-            <a:spAutoFit/>
-          </a:bodyPr>
-          <a:lstStyle/>
-          <a:p>
-            <a:r>
-              <a:rPr lang="ja-JP" altLang="en-US" sz="2800" dirty="0">
-                <a:solidFill>
-                  <a:srgbClr val="FF0000"/>
-                </a:solidFill>
-              </a:rPr>
-              <a:t>代表者の作業</a:t>
-            </a:r>
-            <a:endParaRPr kumimoji="1" lang="ja-JP" altLang="en-US" sz="2800" dirty="0">
-              <a:solidFill>
-                <a:srgbClr val="FF0000"/>
-              </a:solidFill>
-            </a:endParaRPr>
-          </a:p>
-        </p:txBody>
-      </p:sp>
-      <p:sp>
-        <p:nvSpPr>
           <p:cNvPr id="3" name="矢印: 下 2">
             <a:extLst>
               <a:ext uri="{FF2B5EF4-FFF2-40B4-BE49-F238E27FC236}">
@@ -20394,6 +20496,63 @@
               </a:rPr>
               <a:t>入力を確認してクリック</a:t>
             </a:r>
+          </a:p>
+        </p:txBody>
+      </p:sp>
+      <p:sp>
+        <p:nvSpPr>
+          <p:cNvPr id="10" name="テキスト ボックス 9">
+            <a:extLst>
+              <a:ext uri="{FF2B5EF4-FFF2-40B4-BE49-F238E27FC236}">
+                <a16:creationId xmlns:a16="http://schemas.microsoft.com/office/drawing/2014/main" id="{A2343776-74D3-7C42-20CE-502A9E9E9684}"/>
+              </a:ext>
+            </a:extLst>
+          </p:cNvPr>
+          <p:cNvSpPr txBox="1"/>
+          <p:nvPr/>
+        </p:nvSpPr>
+        <p:spPr>
+          <a:xfrm>
+            <a:off x="9280187" y="178485"/>
+            <a:ext cx="2646878" cy="646331"/>
+          </a:xfrm>
+          <a:prstGeom prst="rect">
+            <a:avLst/>
+          </a:prstGeom>
+          <a:noFill/>
+          <a:ln>
+            <a:solidFill>
+              <a:srgbClr val="FF0000"/>
+            </a:solidFill>
+          </a:ln>
+        </p:spPr>
+        <p:txBody>
+          <a:bodyPr wrap="none" rtlCol="0">
+            <a:spAutoFit/>
+          </a:bodyPr>
+          <a:lstStyle/>
+          <a:p>
+            <a:r>
+              <a:rPr lang="ja-JP" altLang="en-US" sz="3600" dirty="0">
+                <a:solidFill>
+                  <a:srgbClr val="FF0000"/>
+                </a:solidFill>
+              </a:rPr>
+              <a:t>代表者</a:t>
+            </a:r>
+            <a:r>
+              <a:rPr lang="ja-JP" altLang="en-US" sz="2800" dirty="0">
+                <a:solidFill>
+                  <a:srgbClr val="FF0000"/>
+                </a:solidFill>
+              </a:rPr>
+              <a:t>の作業</a:t>
+            </a:r>
+            <a:endParaRPr kumimoji="1" lang="ja-JP" altLang="en-US" sz="2800" dirty="0">
+              <a:solidFill>
+                <a:srgbClr val="FF0000"/>
+              </a:solidFill>
+            </a:endParaRPr>
           </a:p>
         </p:txBody>
       </p:sp>
@@ -23280,7 +23439,7 @@
               <a:rPr lang="en-US" altLang="ja-JP" dirty="0"/>
             </a:br>
             <a:r>
-              <a:rPr lang="ja-JP" altLang="en-US" dirty="0">
+              <a:rPr lang="ja-JP" altLang="en-US" b="1" dirty="0">
                 <a:solidFill>
                   <a:srgbClr val="00B050"/>
                 </a:solidFill>
@@ -23299,7 +23458,7 @@
               <a:t>されたので、</a:t>
             </a:r>
             <a:r>
-              <a:rPr lang="ja-JP" altLang="en-US" u="sng" dirty="0">
+              <a:rPr lang="ja-JP" altLang="en-US" b="1" u="sng" dirty="0">
                 <a:solidFill>
                   <a:srgbClr val="00B0F0"/>
                 </a:solidFill>
@@ -25882,10 +26041,10 @@
       </p:sp>
       <p:sp>
         <p:nvSpPr>
-          <p:cNvPr id="13" name="テキスト ボックス 12">
+          <p:cNvPr id="3" name="テキスト ボックス 2">
             <a:extLst>
               <a:ext uri="{FF2B5EF4-FFF2-40B4-BE49-F238E27FC236}">
-                <a16:creationId xmlns:a16="http://schemas.microsoft.com/office/drawing/2014/main" id="{3B8CF623-EB8B-293B-24D9-3DB3DA0072BD}"/>
+                <a16:creationId xmlns:a16="http://schemas.microsoft.com/office/drawing/2014/main" id="{86630BC6-3B45-5D66-D2F5-558470DB9EB9}"/>
               </a:ext>
             </a:extLst>
           </p:cNvPr>
@@ -25894,8 +26053,8 @@
         </p:nvSpPr>
         <p:spPr>
           <a:xfrm>
-            <a:off x="9708204" y="103516"/>
-            <a:ext cx="2339102" cy="523220"/>
+            <a:off x="9280187" y="178485"/>
+            <a:ext cx="2646878" cy="646331"/>
           </a:xfrm>
           <a:prstGeom prst="rect">
             <a:avLst/>
@@ -25914,12 +26073,20 @@
           <a:lstStyle/>
           <a:p>
             <a:r>
+              <a:rPr lang="ja-JP" altLang="en-US" sz="3600" dirty="0">
+                <a:solidFill>
+                  <a:srgbClr val="FF0000"/>
+                </a:solidFill>
+              </a:rPr>
+              <a:t>代表者</a:t>
+            </a:r>
+            <a:r>
               <a:rPr lang="ja-JP" altLang="en-US" sz="2800" dirty="0">
                 <a:solidFill>
                   <a:srgbClr val="FF0000"/>
                 </a:solidFill>
               </a:rPr>
-              <a:t>代表者の作業</a:t>
+              <a:t>の作業</a:t>
             </a:r>
             <a:endParaRPr kumimoji="1" lang="ja-JP" altLang="en-US" sz="2800" dirty="0">
               <a:solidFill>
@@ -28243,10 +28410,10 @@
       </p:sp>
       <p:sp>
         <p:nvSpPr>
-          <p:cNvPr id="10" name="テキスト ボックス 9">
+          <p:cNvPr id="3" name="テキスト ボックス 2">
             <a:extLst>
               <a:ext uri="{FF2B5EF4-FFF2-40B4-BE49-F238E27FC236}">
-                <a16:creationId xmlns:a16="http://schemas.microsoft.com/office/drawing/2014/main" id="{29482184-BBF9-245F-6724-6300173B3FE6}"/>
+                <a16:creationId xmlns:a16="http://schemas.microsoft.com/office/drawing/2014/main" id="{E2CC9383-E02F-B8E6-B9A6-61DD5CAD629D}"/>
               </a:ext>
             </a:extLst>
           </p:cNvPr>
@@ -28255,8 +28422,8 @@
         </p:nvSpPr>
         <p:spPr>
           <a:xfrm>
-            <a:off x="9708204" y="103516"/>
-            <a:ext cx="2339102" cy="523220"/>
+            <a:off x="9280187" y="178485"/>
+            <a:ext cx="2646878" cy="646331"/>
           </a:xfrm>
           <a:prstGeom prst="rect">
             <a:avLst/>
@@ -28275,12 +28442,20 @@
           <a:lstStyle/>
           <a:p>
             <a:r>
+              <a:rPr lang="ja-JP" altLang="en-US" sz="3600" dirty="0">
+                <a:solidFill>
+                  <a:srgbClr val="FF0000"/>
+                </a:solidFill>
+              </a:rPr>
+              <a:t>代表者</a:t>
+            </a:r>
+            <a:r>
               <a:rPr lang="ja-JP" altLang="en-US" sz="2800" dirty="0">
                 <a:solidFill>
                   <a:srgbClr val="FF0000"/>
                 </a:solidFill>
               </a:rPr>
-              <a:t>代表者の作業</a:t>
+              <a:t>の作業</a:t>
             </a:r>
             <a:endParaRPr kumimoji="1" lang="ja-JP" altLang="en-US" sz="2800" dirty="0">
               <a:solidFill>
@@ -28895,10 +29070,10 @@
       </p:sp>
       <p:sp>
         <p:nvSpPr>
-          <p:cNvPr id="16" name="テキスト ボックス 15">
+          <p:cNvPr id="3" name="テキスト ボックス 2">
             <a:extLst>
               <a:ext uri="{FF2B5EF4-FFF2-40B4-BE49-F238E27FC236}">
-                <a16:creationId xmlns:a16="http://schemas.microsoft.com/office/drawing/2014/main" id="{3D551928-B08B-B8A5-DCCF-B28F9FE97891}"/>
+                <a16:creationId xmlns:a16="http://schemas.microsoft.com/office/drawing/2014/main" id="{D91E1CE8-93A9-6C2A-34F9-7D398DCC63FE}"/>
               </a:ext>
             </a:extLst>
           </p:cNvPr>
@@ -28907,8 +29082,8 @@
         </p:nvSpPr>
         <p:spPr>
           <a:xfrm>
-            <a:off x="9708204" y="103516"/>
-            <a:ext cx="2339102" cy="523220"/>
+            <a:off x="9280187" y="178485"/>
+            <a:ext cx="2646878" cy="646331"/>
           </a:xfrm>
           <a:prstGeom prst="rect">
             <a:avLst/>
@@ -28927,12 +29102,20 @@
           <a:lstStyle/>
           <a:p>
             <a:r>
+              <a:rPr lang="ja-JP" altLang="en-US" sz="3600" dirty="0">
+                <a:solidFill>
+                  <a:srgbClr val="FF0000"/>
+                </a:solidFill>
+              </a:rPr>
+              <a:t>代表者</a:t>
+            </a:r>
+            <a:r>
               <a:rPr lang="ja-JP" altLang="en-US" sz="2800" dirty="0">
                 <a:solidFill>
                   <a:srgbClr val="FF0000"/>
                 </a:solidFill>
               </a:rPr>
-              <a:t>代表者の作業</a:t>
+              <a:t>の作業</a:t>
             </a:r>
             <a:endParaRPr kumimoji="1" lang="ja-JP" altLang="en-US" sz="2800" dirty="0">
               <a:solidFill>
@@ -29514,55 +29697,6 @@
       </p:pic>
       <p:sp>
         <p:nvSpPr>
-          <p:cNvPr id="16" name="テキスト ボックス 15">
-            <a:extLst>
-              <a:ext uri="{FF2B5EF4-FFF2-40B4-BE49-F238E27FC236}">
-                <a16:creationId xmlns:a16="http://schemas.microsoft.com/office/drawing/2014/main" id="{3D551928-B08B-B8A5-DCCF-B28F9FE97891}"/>
-              </a:ext>
-            </a:extLst>
-          </p:cNvPr>
-          <p:cNvSpPr txBox="1"/>
-          <p:nvPr/>
-        </p:nvSpPr>
-        <p:spPr>
-          <a:xfrm>
-            <a:off x="9708204" y="103516"/>
-            <a:ext cx="2339102" cy="523220"/>
-          </a:xfrm>
-          <a:prstGeom prst="rect">
-            <a:avLst/>
-          </a:prstGeom>
-          <a:noFill/>
-          <a:ln>
-            <a:solidFill>
-              <a:srgbClr val="FF0000"/>
-            </a:solidFill>
-          </a:ln>
-        </p:spPr>
-        <p:txBody>
-          <a:bodyPr wrap="none" rtlCol="0">
-            <a:spAutoFit/>
-          </a:bodyPr>
-          <a:lstStyle/>
-          <a:p>
-            <a:r>
-              <a:rPr lang="ja-JP" altLang="en-US" sz="2800" dirty="0">
-                <a:solidFill>
-                  <a:srgbClr val="FF0000"/>
-                </a:solidFill>
-              </a:rPr>
-              <a:t>代表者の作業</a:t>
-            </a:r>
-            <a:endParaRPr kumimoji="1" lang="ja-JP" altLang="en-US" sz="2800" dirty="0">
-              <a:solidFill>
-                <a:srgbClr val="FF0000"/>
-              </a:solidFill>
-            </a:endParaRPr>
-          </a:p>
-        </p:txBody>
-      </p:sp>
-      <p:sp>
-        <p:nvSpPr>
           <p:cNvPr id="3" name="正方形/長方形 2">
             <a:extLst>
               <a:ext uri="{FF2B5EF4-FFF2-40B4-BE49-F238E27FC236}">
@@ -29610,6 +29744,63 @@
           <a:p>
             <a:pPr algn="ctr"/>
             <a:endParaRPr kumimoji="1" lang="ja-JP" altLang="en-US"/>
+          </a:p>
+        </p:txBody>
+      </p:sp>
+      <p:sp>
+        <p:nvSpPr>
+          <p:cNvPr id="4" name="テキスト ボックス 3">
+            <a:extLst>
+              <a:ext uri="{FF2B5EF4-FFF2-40B4-BE49-F238E27FC236}">
+                <a16:creationId xmlns:a16="http://schemas.microsoft.com/office/drawing/2014/main" id="{99DC91A4-D306-D61E-B006-F2BDE69AAA52}"/>
+              </a:ext>
+            </a:extLst>
+          </p:cNvPr>
+          <p:cNvSpPr txBox="1"/>
+          <p:nvPr/>
+        </p:nvSpPr>
+        <p:spPr>
+          <a:xfrm>
+            <a:off x="9280187" y="178485"/>
+            <a:ext cx="2646878" cy="646331"/>
+          </a:xfrm>
+          <a:prstGeom prst="rect">
+            <a:avLst/>
+          </a:prstGeom>
+          <a:noFill/>
+          <a:ln>
+            <a:solidFill>
+              <a:srgbClr val="FF0000"/>
+            </a:solidFill>
+          </a:ln>
+        </p:spPr>
+        <p:txBody>
+          <a:bodyPr wrap="none" rtlCol="0">
+            <a:spAutoFit/>
+          </a:bodyPr>
+          <a:lstStyle/>
+          <a:p>
+            <a:r>
+              <a:rPr lang="ja-JP" altLang="en-US" sz="3600" dirty="0">
+                <a:solidFill>
+                  <a:srgbClr val="FF0000"/>
+                </a:solidFill>
+              </a:rPr>
+              <a:t>代表者</a:t>
+            </a:r>
+            <a:r>
+              <a:rPr lang="ja-JP" altLang="en-US" sz="2800" dirty="0">
+                <a:solidFill>
+                  <a:srgbClr val="FF0000"/>
+                </a:solidFill>
+              </a:rPr>
+              <a:t>の作業</a:t>
+            </a:r>
+            <a:endParaRPr kumimoji="1" lang="ja-JP" altLang="en-US" sz="2800" dirty="0">
+              <a:solidFill>
+                <a:srgbClr val="FF0000"/>
+              </a:solidFill>
+            </a:endParaRPr>
           </a:p>
         </p:txBody>
       </p:sp>
@@ -30189,55 +30380,6 @@
           </a:p>
         </p:txBody>
       </p:sp>
-      <p:sp>
-        <p:nvSpPr>
-          <p:cNvPr id="16" name="テキスト ボックス 15">
-            <a:extLst>
-              <a:ext uri="{FF2B5EF4-FFF2-40B4-BE49-F238E27FC236}">
-                <a16:creationId xmlns:a16="http://schemas.microsoft.com/office/drawing/2014/main" id="{50290F36-DA9B-118E-7524-9AD23227BAC5}"/>
-              </a:ext>
-            </a:extLst>
-          </p:cNvPr>
-          <p:cNvSpPr txBox="1"/>
-          <p:nvPr/>
-        </p:nvSpPr>
-        <p:spPr>
-          <a:xfrm>
-            <a:off x="9708204" y="103516"/>
-            <a:ext cx="2339102" cy="523220"/>
-          </a:xfrm>
-          <a:prstGeom prst="rect">
-            <a:avLst/>
-          </a:prstGeom>
-          <a:noFill/>
-          <a:ln>
-            <a:solidFill>
-              <a:srgbClr val="FF0000"/>
-            </a:solidFill>
-          </a:ln>
-        </p:spPr>
-        <p:txBody>
-          <a:bodyPr wrap="none" rtlCol="0">
-            <a:spAutoFit/>
-          </a:bodyPr>
-          <a:lstStyle/>
-          <a:p>
-            <a:r>
-              <a:rPr lang="ja-JP" altLang="en-US" sz="2800" dirty="0">
-                <a:solidFill>
-                  <a:srgbClr val="FF0000"/>
-                </a:solidFill>
-              </a:rPr>
-              <a:t>代表者の作業</a:t>
-            </a:r>
-            <a:endParaRPr kumimoji="1" lang="ja-JP" altLang="en-US" sz="2800" dirty="0">
-              <a:solidFill>
-                <a:srgbClr val="FF0000"/>
-              </a:solidFill>
-            </a:endParaRPr>
-          </a:p>
-        </p:txBody>
-      </p:sp>
       <p:pic>
         <p:nvPicPr>
           <p:cNvPr id="5" name="図 4">
@@ -30322,6 +30464,63 @@
           <a:p>
             <a:pPr algn="ctr"/>
             <a:endParaRPr kumimoji="1" lang="ja-JP" altLang="en-US"/>
+          </a:p>
+        </p:txBody>
+      </p:sp>
+      <p:sp>
+        <p:nvSpPr>
+          <p:cNvPr id="4" name="テキスト ボックス 3">
+            <a:extLst>
+              <a:ext uri="{FF2B5EF4-FFF2-40B4-BE49-F238E27FC236}">
+                <a16:creationId xmlns:a16="http://schemas.microsoft.com/office/drawing/2014/main" id="{536FBE71-6692-FB94-EE1D-C0F02F8B25D8}"/>
+              </a:ext>
+            </a:extLst>
+          </p:cNvPr>
+          <p:cNvSpPr txBox="1"/>
+          <p:nvPr/>
+        </p:nvSpPr>
+        <p:spPr>
+          <a:xfrm>
+            <a:off x="9280187" y="178485"/>
+            <a:ext cx="2646878" cy="646331"/>
+          </a:xfrm>
+          <a:prstGeom prst="rect">
+            <a:avLst/>
+          </a:prstGeom>
+          <a:noFill/>
+          <a:ln>
+            <a:solidFill>
+              <a:srgbClr val="FF0000"/>
+            </a:solidFill>
+          </a:ln>
+        </p:spPr>
+        <p:txBody>
+          <a:bodyPr wrap="none" rtlCol="0">
+            <a:spAutoFit/>
+          </a:bodyPr>
+          <a:lstStyle/>
+          <a:p>
+            <a:r>
+              <a:rPr lang="ja-JP" altLang="en-US" sz="3600" dirty="0">
+                <a:solidFill>
+                  <a:srgbClr val="FF0000"/>
+                </a:solidFill>
+              </a:rPr>
+              <a:t>代表者</a:t>
+            </a:r>
+            <a:r>
+              <a:rPr lang="ja-JP" altLang="en-US" sz="2800" dirty="0">
+                <a:solidFill>
+                  <a:srgbClr val="FF0000"/>
+                </a:solidFill>
+              </a:rPr>
+              <a:t>の作業</a:t>
+            </a:r>
+            <a:endParaRPr kumimoji="1" lang="ja-JP" altLang="en-US" sz="2800" dirty="0">
+              <a:solidFill>
+                <a:srgbClr val="FF0000"/>
+              </a:solidFill>
+            </a:endParaRPr>
           </a:p>
         </p:txBody>
       </p:sp>

--- a/授業資料/GitHubを用いたチーム制作.pptx
+++ b/授業資料/GitHubを用いたチーム制作.pptx
@@ -58,6 +58,7 @@
     <p:sldId id="412" r:id="rId52"/>
     <p:sldId id="414" r:id="rId53"/>
     <p:sldId id="415" r:id="rId54"/>
+    <p:sldId id="416" r:id="rId55"/>
   </p:sldIdLst>
   <p:sldSz cx="12192000" cy="6858000"/>
   <p:notesSz cx="6858000" cy="9144000"/>
@@ -295,7 +296,7 @@
           <a:p>
             <a:fld id="{5B96D3F8-CD2E-4A0D-AC38-517181EABB18}" type="datetimeFigureOut">
               <a:rPr kumimoji="1" lang="ja-JP" altLang="en-US" smtClean="0"/>
-              <a:t>2024/11/8</a:t>
+              <a:t>2024/11/11</a:t>
             </a:fld>
             <a:endParaRPr kumimoji="1" lang="ja-JP" altLang="en-US"/>
           </a:p>
@@ -497,7 +498,7 @@
           <a:p>
             <a:fld id="{5B96D3F8-CD2E-4A0D-AC38-517181EABB18}" type="datetimeFigureOut">
               <a:rPr kumimoji="1" lang="ja-JP" altLang="en-US" smtClean="0"/>
-              <a:t>2024/11/8</a:t>
+              <a:t>2024/11/11</a:t>
             </a:fld>
             <a:endParaRPr kumimoji="1" lang="ja-JP" altLang="en-US"/>
           </a:p>
@@ -709,7 +710,7 @@
           <a:p>
             <a:fld id="{5B96D3F8-CD2E-4A0D-AC38-517181EABB18}" type="datetimeFigureOut">
               <a:rPr kumimoji="1" lang="ja-JP" altLang="en-US" smtClean="0"/>
-              <a:t>2024/11/8</a:t>
+              <a:t>2024/11/11</a:t>
             </a:fld>
             <a:endParaRPr kumimoji="1" lang="ja-JP" altLang="en-US"/>
           </a:p>
@@ -911,7 +912,7 @@
           <a:p>
             <a:fld id="{5B96D3F8-CD2E-4A0D-AC38-517181EABB18}" type="datetimeFigureOut">
               <a:rPr kumimoji="1" lang="ja-JP" altLang="en-US" smtClean="0"/>
-              <a:t>2024/11/8</a:t>
+              <a:t>2024/11/11</a:t>
             </a:fld>
             <a:endParaRPr kumimoji="1" lang="ja-JP" altLang="en-US"/>
           </a:p>
@@ -1157,7 +1158,7 @@
           <a:p>
             <a:fld id="{5B96D3F8-CD2E-4A0D-AC38-517181EABB18}" type="datetimeFigureOut">
               <a:rPr kumimoji="1" lang="ja-JP" altLang="en-US" smtClean="0"/>
-              <a:t>2024/11/8</a:t>
+              <a:t>2024/11/11</a:t>
             </a:fld>
             <a:endParaRPr kumimoji="1" lang="ja-JP" altLang="en-US"/>
           </a:p>
@@ -1453,7 +1454,7 @@
           <a:p>
             <a:fld id="{5B96D3F8-CD2E-4A0D-AC38-517181EABB18}" type="datetimeFigureOut">
               <a:rPr kumimoji="1" lang="ja-JP" altLang="en-US" smtClean="0"/>
-              <a:t>2024/11/8</a:t>
+              <a:t>2024/11/11</a:t>
             </a:fld>
             <a:endParaRPr kumimoji="1" lang="ja-JP" altLang="en-US"/>
           </a:p>
@@ -1884,7 +1885,7 @@
           <a:p>
             <a:fld id="{5B96D3F8-CD2E-4A0D-AC38-517181EABB18}" type="datetimeFigureOut">
               <a:rPr kumimoji="1" lang="ja-JP" altLang="en-US" smtClean="0"/>
-              <a:t>2024/11/8</a:t>
+              <a:t>2024/11/11</a:t>
             </a:fld>
             <a:endParaRPr kumimoji="1" lang="ja-JP" altLang="en-US"/>
           </a:p>
@@ -2002,7 +2003,7 @@
           <a:p>
             <a:fld id="{5B96D3F8-CD2E-4A0D-AC38-517181EABB18}" type="datetimeFigureOut">
               <a:rPr kumimoji="1" lang="ja-JP" altLang="en-US" smtClean="0"/>
-              <a:t>2024/11/8</a:t>
+              <a:t>2024/11/11</a:t>
             </a:fld>
             <a:endParaRPr kumimoji="1" lang="ja-JP" altLang="en-US"/>
           </a:p>
@@ -2097,7 +2098,7 @@
           <a:p>
             <a:fld id="{5B96D3F8-CD2E-4A0D-AC38-517181EABB18}" type="datetimeFigureOut">
               <a:rPr kumimoji="1" lang="ja-JP" altLang="en-US" smtClean="0"/>
-              <a:t>2024/11/8</a:t>
+              <a:t>2024/11/11</a:t>
             </a:fld>
             <a:endParaRPr kumimoji="1" lang="ja-JP" altLang="en-US"/>
           </a:p>
@@ -2406,7 +2407,7 @@
           <a:p>
             <a:fld id="{5B96D3F8-CD2E-4A0D-AC38-517181EABB18}" type="datetimeFigureOut">
               <a:rPr kumimoji="1" lang="ja-JP" altLang="en-US" smtClean="0"/>
-              <a:t>2024/11/8</a:t>
+              <a:t>2024/11/11</a:t>
             </a:fld>
             <a:endParaRPr kumimoji="1" lang="ja-JP" altLang="en-US"/>
           </a:p>
@@ -2663,7 +2664,7 @@
           <a:p>
             <a:fld id="{5B96D3F8-CD2E-4A0D-AC38-517181EABB18}" type="datetimeFigureOut">
               <a:rPr kumimoji="1" lang="ja-JP" altLang="en-US" smtClean="0"/>
-              <a:t>2024/11/8</a:t>
+              <a:t>2024/11/11</a:t>
             </a:fld>
             <a:endParaRPr kumimoji="1" lang="ja-JP" altLang="en-US"/>
           </a:p>
@@ -2908,7 +2909,7 @@
           <a:p>
             <a:fld id="{5B96D3F8-CD2E-4A0D-AC38-517181EABB18}" type="datetimeFigureOut">
               <a:rPr kumimoji="1" lang="ja-JP" altLang="en-US" smtClean="0"/>
-              <a:t>2024/11/8</a:t>
+              <a:t>2024/11/11</a:t>
             </a:fld>
             <a:endParaRPr kumimoji="1" lang="ja-JP" altLang="en-US"/>
           </a:p>
@@ -27734,16 +27735,32 @@
               <a:t>安定動作することが確認できたら、</a:t>
             </a:r>
             <a:r>
+              <a:rPr lang="en-US" altLang="ja-JP" b="1" dirty="0">
+                <a:solidFill>
+                  <a:srgbClr val="00B0F0"/>
+                </a:solidFill>
+              </a:rPr>
+              <a:t>Pull</a:t>
+            </a:r>
+            <a:r>
+              <a:rPr lang="ja-JP" altLang="en-US" b="1" dirty="0">
+                <a:solidFill>
+                  <a:srgbClr val="00B0F0"/>
+                </a:solidFill>
+              </a:rPr>
+              <a:t>　</a:t>
+            </a:r>
+            <a:r>
+              <a:rPr lang="en-US" altLang="ja-JP" b="1" dirty="0">
+                <a:solidFill>
+                  <a:srgbClr val="00B0F0"/>
+                </a:solidFill>
+              </a:rPr>
+              <a:t>request</a:t>
+            </a:r>
+            <a:r>
               <a:rPr lang="en-US" altLang="ja-JP" dirty="0"/>
-              <a:t>Pull</a:t>
-            </a:r>
-            <a:r>
-              <a:rPr lang="ja-JP" altLang="en-US" dirty="0"/>
-              <a:t>　</a:t>
-            </a:r>
-            <a:r>
-              <a:rPr lang="en-US" altLang="ja-JP" dirty="0"/>
-              <a:t>request </a:t>
+              <a:t> </a:t>
             </a:r>
             <a:r>
               <a:rPr lang="ja-JP" altLang="en-US" dirty="0"/>
@@ -27791,6 +27808,344 @@
     <p:extLst>
       <p:ext uri="{BB962C8B-B14F-4D97-AF65-F5344CB8AC3E}">
         <p14:creationId xmlns:p14="http://schemas.microsoft.com/office/powerpoint/2010/main" val="344979719"/>
+      </p:ext>
+    </p:extLst>
+  </p:cSld>
+  <p:clrMapOvr>
+    <a:masterClrMapping/>
+  </p:clrMapOvr>
+</p:sld>
+</file>
+
+<file path=ppt/slides/slide54.xml><?xml version="1.0" encoding="utf-8"?>
+<p:sld xmlns:a="http://schemas.openxmlformats.org/drawingml/2006/main" xmlns:r="http://schemas.openxmlformats.org/officeDocument/2006/relationships" xmlns:p="http://schemas.openxmlformats.org/presentationml/2006/main">
+  <p:cSld>
+    <p:spTree>
+      <p:nvGrpSpPr>
+        <p:cNvPr id="1" name="">
+          <a:extLst>
+            <a:ext uri="{FF2B5EF4-FFF2-40B4-BE49-F238E27FC236}">
+              <a16:creationId xmlns:a16="http://schemas.microsoft.com/office/drawing/2014/main" id="{7CD85CE3-42E9-1076-9FD3-120EDDCA308A}"/>
+            </a:ext>
+          </a:extLst>
+        </p:cNvPr>
+        <p:cNvGrpSpPr/>
+        <p:nvPr/>
+      </p:nvGrpSpPr>
+      <p:grpSpPr>
+        <a:xfrm>
+          <a:off x="0" y="0"/>
+          <a:ext cx="0" cy="0"/>
+          <a:chOff x="0" y="0"/>
+          <a:chExt cx="0" cy="0"/>
+        </a:xfrm>
+      </p:grpSpPr>
+      <p:sp>
+        <p:nvSpPr>
+          <p:cNvPr id="2" name="タイトル 1">
+            <a:extLst>
+              <a:ext uri="{FF2B5EF4-FFF2-40B4-BE49-F238E27FC236}">
+                <a16:creationId xmlns:a16="http://schemas.microsoft.com/office/drawing/2014/main" id="{E2F036BE-27B8-3241-7B29-BF73C1AAB57A}"/>
+              </a:ext>
+            </a:extLst>
+          </p:cNvPr>
+          <p:cNvSpPr>
+            <a:spLocks noGrp="1"/>
+          </p:cNvSpPr>
+          <p:nvPr>
+            <p:ph type="title"/>
+          </p:nvPr>
+        </p:nvSpPr>
+        <p:spPr/>
+        <p:txBody>
+          <a:bodyPr/>
+          <a:lstStyle/>
+          <a:p>
+            <a:r>
+              <a:rPr lang="en-US" altLang="ja-JP" dirty="0"/>
+              <a:t>GitHub</a:t>
+            </a:r>
+            <a:r>
+              <a:rPr lang="ja-JP" altLang="en-US" dirty="0"/>
+              <a:t>を使ったチーム制作</a:t>
+            </a:r>
+            <a:endParaRPr kumimoji="1" lang="ja-JP" altLang="en-US" dirty="0"/>
+          </a:p>
+        </p:txBody>
+      </p:sp>
+      <p:sp>
+        <p:nvSpPr>
+          <p:cNvPr id="9" name="コンテンツ プレースホルダー 2">
+            <a:extLst>
+              <a:ext uri="{FF2B5EF4-FFF2-40B4-BE49-F238E27FC236}">
+                <a16:creationId xmlns:a16="http://schemas.microsoft.com/office/drawing/2014/main" id="{780F4910-792A-FB72-95F7-CDB733C081F9}"/>
+              </a:ext>
+            </a:extLst>
+          </p:cNvPr>
+          <p:cNvSpPr txBox="1">
+            <a:spLocks/>
+          </p:cNvSpPr>
+          <p:nvPr/>
+        </p:nvSpPr>
+        <p:spPr>
+          <a:xfrm>
+            <a:off x="838200" y="1376038"/>
+            <a:ext cx="10515600" cy="4980311"/>
+          </a:xfrm>
+          <a:prstGeom prst="rect">
+            <a:avLst/>
+          </a:prstGeom>
+        </p:spPr>
+        <p:txBody>
+          <a:bodyPr vert="horz" lIns="91440" tIns="45720" rIns="91440" bIns="45720" rtlCol="0">
+            <a:normAutofit/>
+          </a:bodyPr>
+          <a:lstStyle>
+            <a:lvl1pPr marL="228600" indent="-228600" algn="l" defTabSz="914400" rtl="0" eaLnBrk="1" latinLnBrk="0" hangingPunct="1">
+              <a:lnSpc>
+                <a:spcPct val="90000"/>
+              </a:lnSpc>
+              <a:spcBef>
+                <a:spcPts val="1000"/>
+              </a:spcBef>
+              <a:buFont typeface="Arial" panose="020B0604020202020204" pitchFamily="34" charset="0"/>
+              <a:buChar char="•"/>
+              <a:defRPr kumimoji="1" sz="3600" kern="1200">
+                <a:solidFill>
+                  <a:schemeClr val="tx1"/>
+                </a:solidFill>
+                <a:latin typeface="+mn-lt"/>
+                <a:ea typeface="+mn-ea"/>
+                <a:cs typeface="+mn-cs"/>
+              </a:defRPr>
+            </a:lvl1pPr>
+            <a:lvl2pPr marL="685800" indent="-228600" algn="l" defTabSz="914400" rtl="0" eaLnBrk="1" latinLnBrk="0" hangingPunct="1">
+              <a:lnSpc>
+                <a:spcPct val="90000"/>
+              </a:lnSpc>
+              <a:spcBef>
+                <a:spcPts val="500"/>
+              </a:spcBef>
+              <a:buFont typeface="Arial" panose="020B0604020202020204" pitchFamily="34" charset="0"/>
+              <a:buChar char="•"/>
+              <a:defRPr kumimoji="1" sz="3200" kern="1200">
+                <a:solidFill>
+                  <a:schemeClr val="tx1"/>
+                </a:solidFill>
+                <a:latin typeface="+mn-lt"/>
+                <a:ea typeface="+mn-ea"/>
+                <a:cs typeface="+mn-cs"/>
+              </a:defRPr>
+            </a:lvl2pPr>
+            <a:lvl3pPr marL="1143000" indent="-228600" algn="l" defTabSz="914400" rtl="0" eaLnBrk="1" latinLnBrk="0" hangingPunct="1">
+              <a:lnSpc>
+                <a:spcPct val="90000"/>
+              </a:lnSpc>
+              <a:spcBef>
+                <a:spcPts val="500"/>
+              </a:spcBef>
+              <a:buFont typeface="Arial" panose="020B0604020202020204" pitchFamily="34" charset="0"/>
+              <a:buChar char="•"/>
+              <a:defRPr kumimoji="1" sz="2800" kern="1200">
+                <a:solidFill>
+                  <a:schemeClr val="tx1"/>
+                </a:solidFill>
+                <a:latin typeface="+mn-lt"/>
+                <a:ea typeface="+mn-ea"/>
+                <a:cs typeface="+mn-cs"/>
+              </a:defRPr>
+            </a:lvl3pPr>
+            <a:lvl4pPr marL="1600200" indent="-228600" algn="l" defTabSz="914400" rtl="0" eaLnBrk="1" latinLnBrk="0" hangingPunct="1">
+              <a:lnSpc>
+                <a:spcPct val="90000"/>
+              </a:lnSpc>
+              <a:spcBef>
+                <a:spcPts val="500"/>
+              </a:spcBef>
+              <a:buFont typeface="Arial" panose="020B0604020202020204" pitchFamily="34" charset="0"/>
+              <a:buChar char="•"/>
+              <a:defRPr kumimoji="1" sz="2400" kern="1200">
+                <a:solidFill>
+                  <a:schemeClr val="tx1"/>
+                </a:solidFill>
+                <a:latin typeface="+mn-lt"/>
+                <a:ea typeface="+mn-ea"/>
+                <a:cs typeface="+mn-cs"/>
+              </a:defRPr>
+            </a:lvl4pPr>
+            <a:lvl5pPr marL="2057400" indent="-228600" algn="l" defTabSz="914400" rtl="0" eaLnBrk="1" latinLnBrk="0" hangingPunct="1">
+              <a:lnSpc>
+                <a:spcPct val="90000"/>
+              </a:lnSpc>
+              <a:spcBef>
+                <a:spcPts val="500"/>
+              </a:spcBef>
+              <a:buFont typeface="Arial" panose="020B0604020202020204" pitchFamily="34" charset="0"/>
+              <a:buChar char="•"/>
+              <a:defRPr kumimoji="1" sz="2400" kern="1200">
+                <a:solidFill>
+                  <a:schemeClr val="tx1"/>
+                </a:solidFill>
+                <a:latin typeface="+mn-lt"/>
+                <a:ea typeface="+mn-ea"/>
+                <a:cs typeface="+mn-cs"/>
+              </a:defRPr>
+            </a:lvl5pPr>
+            <a:lvl6pPr marL="2514600" indent="-228600" algn="l" defTabSz="914400" rtl="0" eaLnBrk="1" latinLnBrk="0" hangingPunct="1">
+              <a:lnSpc>
+                <a:spcPct val="90000"/>
+              </a:lnSpc>
+              <a:spcBef>
+                <a:spcPts val="500"/>
+              </a:spcBef>
+              <a:buFont typeface="Arial" panose="020B0604020202020204" pitchFamily="34" charset="0"/>
+              <a:buChar char="•"/>
+              <a:defRPr kumimoji="1" sz="1800" kern="1200">
+                <a:solidFill>
+                  <a:schemeClr val="tx1"/>
+                </a:solidFill>
+                <a:latin typeface="+mn-lt"/>
+                <a:ea typeface="+mn-ea"/>
+                <a:cs typeface="+mn-cs"/>
+              </a:defRPr>
+            </a:lvl6pPr>
+            <a:lvl7pPr marL="2971800" indent="-228600" algn="l" defTabSz="914400" rtl="0" eaLnBrk="1" latinLnBrk="0" hangingPunct="1">
+              <a:lnSpc>
+                <a:spcPct val="90000"/>
+              </a:lnSpc>
+              <a:spcBef>
+                <a:spcPts val="500"/>
+              </a:spcBef>
+              <a:buFont typeface="Arial" panose="020B0604020202020204" pitchFamily="34" charset="0"/>
+              <a:buChar char="•"/>
+              <a:defRPr kumimoji="1" sz="1800" kern="1200">
+                <a:solidFill>
+                  <a:schemeClr val="tx1"/>
+                </a:solidFill>
+                <a:latin typeface="+mn-lt"/>
+                <a:ea typeface="+mn-ea"/>
+                <a:cs typeface="+mn-cs"/>
+              </a:defRPr>
+            </a:lvl7pPr>
+            <a:lvl8pPr marL="3429000" indent="-228600" algn="l" defTabSz="914400" rtl="0" eaLnBrk="1" latinLnBrk="0" hangingPunct="1">
+              <a:lnSpc>
+                <a:spcPct val="90000"/>
+              </a:lnSpc>
+              <a:spcBef>
+                <a:spcPts val="500"/>
+              </a:spcBef>
+              <a:buFont typeface="Arial" panose="020B0604020202020204" pitchFamily="34" charset="0"/>
+              <a:buChar char="•"/>
+              <a:defRPr kumimoji="1" sz="1800" kern="1200">
+                <a:solidFill>
+                  <a:schemeClr val="tx1"/>
+                </a:solidFill>
+                <a:latin typeface="+mn-lt"/>
+                <a:ea typeface="+mn-ea"/>
+                <a:cs typeface="+mn-cs"/>
+              </a:defRPr>
+            </a:lvl8pPr>
+            <a:lvl9pPr marL="3886200" indent="-228600" algn="l" defTabSz="914400" rtl="0" eaLnBrk="1" latinLnBrk="0" hangingPunct="1">
+              <a:lnSpc>
+                <a:spcPct val="90000"/>
+              </a:lnSpc>
+              <a:spcBef>
+                <a:spcPts val="500"/>
+              </a:spcBef>
+              <a:buFont typeface="Arial" panose="020B0604020202020204" pitchFamily="34" charset="0"/>
+              <a:buChar char="•"/>
+              <a:defRPr kumimoji="1" sz="1800" kern="1200">
+                <a:solidFill>
+                  <a:schemeClr val="tx1"/>
+                </a:solidFill>
+                <a:latin typeface="+mn-lt"/>
+                <a:ea typeface="+mn-ea"/>
+                <a:cs typeface="+mn-cs"/>
+              </a:defRPr>
+            </a:lvl9pPr>
+          </a:lstStyle>
+          <a:p>
+            <a:r>
+              <a:rPr lang="en-US" altLang="ja-JP" dirty="0"/>
+              <a:t>GitHub Desktop</a:t>
+            </a:r>
+            <a:r>
+              <a:rPr lang="ja-JP" altLang="en-US" b="1" dirty="0"/>
+              <a:t>以外</a:t>
+            </a:r>
+            <a:r>
+              <a:rPr lang="ja-JP" altLang="en-US" dirty="0"/>
+              <a:t>のアプリ</a:t>
+            </a:r>
+            <a:br>
+              <a:rPr lang="en-US" altLang="ja-JP" dirty="0"/>
+            </a:br>
+            <a:br>
+              <a:rPr lang="en-US" altLang="ja-JP" dirty="0"/>
+            </a:br>
+            <a:r>
+              <a:rPr lang="en-US" altLang="ja-JP" dirty="0"/>
+              <a:t>GitHub</a:t>
+            </a:r>
+            <a:r>
+              <a:rPr lang="ja-JP" altLang="en-US" dirty="0"/>
+              <a:t>を使うためのアプリは他にも存在する</a:t>
+            </a:r>
+            <a:br>
+              <a:rPr lang="en-US" altLang="ja-JP" dirty="0"/>
+            </a:br>
+            <a:endParaRPr lang="en-US" altLang="ja-JP" dirty="0"/>
+          </a:p>
+          <a:p>
+            <a:pPr marL="1200150" lvl="1" indent="-742950">
+              <a:buFont typeface="+mj-ea"/>
+              <a:buAutoNum type="circleNumDbPlain"/>
+            </a:pPr>
+            <a:r>
+              <a:rPr lang="en-US" altLang="ja-JP" dirty="0"/>
+              <a:t>SourceTree</a:t>
+            </a:r>
+          </a:p>
+          <a:p>
+            <a:pPr marL="1200150" lvl="1" indent="-742950">
+              <a:buFont typeface="+mj-ea"/>
+              <a:buAutoNum type="circleNumDbPlain"/>
+            </a:pPr>
+            <a:r>
+              <a:rPr lang="en-US" altLang="ja-JP" dirty="0"/>
+              <a:t>Fork</a:t>
+            </a:r>
+          </a:p>
+          <a:p>
+            <a:pPr marL="1200150" lvl="1" indent="-742950">
+              <a:buFont typeface="+mj-ea"/>
+              <a:buAutoNum type="circleNumDbPlain"/>
+            </a:pPr>
+            <a:r>
+              <a:rPr lang="en-US" altLang="ja-JP" dirty="0" err="1"/>
+              <a:t>TortoiseGit</a:t>
+            </a:r>
+            <a:endParaRPr lang="en-US" altLang="ja-JP" dirty="0"/>
+          </a:p>
+          <a:p>
+            <a:pPr marL="457200" lvl="1" indent="0">
+              <a:buNone/>
+            </a:pPr>
+            <a:br>
+              <a:rPr lang="en-US" altLang="ja-JP" dirty="0"/>
+            </a:br>
+            <a:r>
+              <a:rPr lang="ja-JP" altLang="en-US" dirty="0"/>
+              <a:t>全ブランチの可視化やマージがしやすくなっていたりするので、気になる人は調べてみてください</a:t>
+            </a:r>
+            <a:endParaRPr lang="en-US" altLang="ja-JP" dirty="0"/>
+          </a:p>
+        </p:txBody>
+      </p:sp>
+    </p:spTree>
+    <p:extLst>
+      <p:ext uri="{BB962C8B-B14F-4D97-AF65-F5344CB8AC3E}">
+        <p14:creationId xmlns:p14="http://schemas.microsoft.com/office/powerpoint/2010/main" val="4188002344"/>
       </p:ext>
     </p:extLst>
   </p:cSld>

--- a/授業資料/GitHubを用いたチーム制作.pptx
+++ b/授業資料/GitHubを用いたチーム制作.pptx
@@ -27686,19 +27686,43 @@
             </a:pPr>
             <a:r>
               <a:rPr lang="ja-JP" altLang="en-US" dirty="0"/>
-              <a:t>新しい機能や新しいクラス、マップチップなどのファイルを追加したいときは、まずは</a:t>
-            </a:r>
-            <a:r>
-              <a:rPr lang="ja-JP" altLang="en-US" b="1" dirty="0">
+              <a:t>新しい機能を追加したいときは、まずは</a:t>
+            </a:r>
+            <a:r>
+              <a:rPr lang="ja-JP" altLang="en-US" dirty="0">
+                <a:highlight>
+                  <a:srgbClr val="FFFF00"/>
+                </a:highlight>
+              </a:rPr>
+              <a:t>ローカル</a:t>
+            </a:r>
+            <a:r>
+              <a:rPr lang="ja-JP" altLang="en-US" dirty="0"/>
+              <a:t>ブランチを作って</a:t>
+            </a:r>
+            <a:r>
+              <a:rPr lang="ja-JP" altLang="en-US" dirty="0">
+                <a:highlight>
+                  <a:srgbClr val="00FFFF"/>
+                </a:highlight>
+              </a:rPr>
+              <a:t>リモート</a:t>
+            </a:r>
+            <a:r>
+              <a:rPr lang="ja-JP" altLang="en-US" dirty="0"/>
+              <a:t>ブランチを</a:t>
+            </a:r>
+            <a:r>
+              <a:rPr lang="en-US" altLang="ja-JP" b="1" dirty="0">
                 <a:solidFill>
                   <a:srgbClr val="FF0000"/>
                 </a:solidFill>
               </a:rPr>
-              <a:t>ブランチ</a:t>
-            </a:r>
-            <a:r>
-              <a:rPr lang="ja-JP" altLang="en-US" dirty="0"/>
-              <a:t>を作る</a:t>
+              <a:t>Publish</a:t>
+            </a:r>
+            <a:r>
+              <a:rPr lang="ja-JP" altLang="en-US" dirty="0"/>
+              <a:t>する</a:t>
             </a:r>
             <a:endParaRPr lang="en-US" altLang="ja-JP" dirty="0"/>
           </a:p>
@@ -27708,8 +27732,28 @@
               <a:buAutoNum type="circleNumDbPlain"/>
             </a:pPr>
             <a:r>
-              <a:rPr lang="ja-JP" altLang="en-US" dirty="0"/>
-              <a:t>ローカルブランチで作業したものはリモートブランチへ</a:t>
+              <a:rPr lang="ja-JP" altLang="en-US" dirty="0">
+                <a:highlight>
+                  <a:srgbClr val="FFFF00"/>
+                </a:highlight>
+              </a:rPr>
+              <a:t>ローカル</a:t>
+            </a:r>
+            <a:r>
+              <a:rPr lang="ja-JP" altLang="en-US" dirty="0"/>
+              <a:t>ブランチで作業したのち</a:t>
+            </a:r>
+            <a:r>
+              <a:rPr lang="ja-JP" altLang="en-US" dirty="0">
+                <a:highlight>
+                  <a:srgbClr val="00FFFF"/>
+                </a:highlight>
+              </a:rPr>
+              <a:t>リモート</a:t>
+            </a:r>
+            <a:r>
+              <a:rPr lang="ja-JP" altLang="en-US" dirty="0"/>
+              <a:t>ブランチへ</a:t>
             </a:r>
             <a:r>
               <a:rPr lang="en-US" altLang="ja-JP" dirty="0">
@@ -27721,9 +27765,37 @@
             </a:r>
             <a:r>
               <a:rPr lang="ja-JP" altLang="en-US" dirty="0"/>
-              <a:t>する</a:t>
-            </a:r>
-            <a:endParaRPr lang="en-US" altLang="ja-JP" dirty="0"/>
+              <a:t>する　</a:t>
+            </a:r>
+            <a:r>
+              <a:rPr lang="ja-JP" altLang="en-US" b="1" dirty="0">
+                <a:solidFill>
+                  <a:srgbClr val="00B050"/>
+                </a:solidFill>
+              </a:rPr>
+              <a:t>（</a:t>
+            </a:r>
+            <a:r>
+              <a:rPr lang="en-US" altLang="ja-JP" b="1" dirty="0">
+                <a:solidFill>
+                  <a:srgbClr val="00B050"/>
+                </a:solidFill>
+              </a:rPr>
+              <a:t>※</a:t>
+            </a:r>
+            <a:r>
+              <a:rPr lang="ja-JP" altLang="en-US" b="1" dirty="0">
+                <a:solidFill>
+                  <a:srgbClr val="00B050"/>
+                </a:solidFill>
+              </a:rPr>
+              <a:t>この作業を繰り返す）</a:t>
+            </a:r>
+            <a:endParaRPr lang="en-US" altLang="ja-JP" b="1" dirty="0">
+              <a:solidFill>
+                <a:srgbClr val="00B050"/>
+              </a:solidFill>
+            </a:endParaRPr>
           </a:p>
           <a:p>
             <a:pPr marL="971550" lvl="1" indent="-514350">
@@ -27737,7 +27809,7 @@
             <a:r>
               <a:rPr lang="en-US" altLang="ja-JP" b="1" dirty="0">
                 <a:solidFill>
-                  <a:srgbClr val="00B0F0"/>
+                  <a:srgbClr val="FF0000"/>
                 </a:solidFill>
               </a:rPr>
               <a:t>Pull</a:t>
@@ -27745,7 +27817,7 @@
             <a:r>
               <a:rPr lang="ja-JP" altLang="en-US" b="1" dirty="0">
                 <a:solidFill>
-                  <a:srgbClr val="00B0F0"/>
+                  <a:srgbClr val="FF0000"/>
                 </a:solidFill>
               </a:rPr>
               <a:t>　</a:t>
@@ -27753,13 +27825,17 @@
             <a:r>
               <a:rPr lang="en-US" altLang="ja-JP" b="1" dirty="0">
                 <a:solidFill>
-                  <a:srgbClr val="00B0F0"/>
+                  <a:srgbClr val="FF0000"/>
                 </a:solidFill>
               </a:rPr>
               <a:t>request</a:t>
             </a:r>
             <a:r>
-              <a:rPr lang="en-US" altLang="ja-JP" dirty="0"/>
+              <a:rPr lang="en-US" altLang="ja-JP" dirty="0">
+                <a:solidFill>
+                  <a:srgbClr val="FF0000"/>
+                </a:solidFill>
+              </a:rPr>
               <a:t> </a:t>
             </a:r>
             <a:r>
@@ -27769,8 +27845,11 @@
             <a:r>
               <a:rPr lang="en-US" altLang="ja-JP" b="1" dirty="0">
                 <a:solidFill>
-                  <a:srgbClr val="00B050"/>
-                </a:solidFill>
+                  <a:schemeClr val="bg1"/>
+                </a:solidFill>
+                <a:highlight>
+                  <a:srgbClr val="FF0000"/>
+                </a:highlight>
               </a:rPr>
               <a:t>main</a:t>
             </a:r>
@@ -27786,10 +27865,30 @@
               <a:buAutoNum type="circleNumDbPlain"/>
             </a:pPr>
             <a:r>
-              <a:rPr lang="ja-JP" altLang="en-US" dirty="0"/>
-              <a:t>リモートブランチを削除</a:t>
-            </a:r>
-            <a:endParaRPr lang="en-US" altLang="ja-JP" dirty="0"/>
+              <a:rPr lang="ja-JP" altLang="en-US" dirty="0">
+                <a:highlight>
+                  <a:srgbClr val="00FFFF"/>
+                </a:highlight>
+              </a:rPr>
+              <a:t>リモート</a:t>
+            </a:r>
+            <a:r>
+              <a:rPr lang="ja-JP" altLang="en-US" dirty="0"/>
+              <a:t>ブランチを</a:t>
+            </a:r>
+            <a:r>
+              <a:rPr lang="ja-JP" altLang="en-US" b="1" dirty="0">
+                <a:solidFill>
+                  <a:srgbClr val="C00000"/>
+                </a:solidFill>
+              </a:rPr>
+              <a:t>サイト上で削除</a:t>
+            </a:r>
+            <a:endParaRPr lang="en-US" altLang="ja-JP" b="1" dirty="0">
+              <a:solidFill>
+                <a:srgbClr val="C00000"/>
+              </a:solidFill>
+            </a:endParaRPr>
           </a:p>
           <a:p>
             <a:pPr marL="971550" lvl="1" indent="-514350">
@@ -27797,10 +27896,46 @@
               <a:buAutoNum type="circleNumDbPlain"/>
             </a:pPr>
             <a:r>
-              <a:rPr lang="ja-JP" altLang="en-US" dirty="0"/>
-              <a:t>ローカルブランチを削除</a:t>
-            </a:r>
-            <a:endParaRPr lang="en-US" altLang="ja-JP" dirty="0"/>
+              <a:rPr lang="ja-JP" altLang="en-US" dirty="0">
+                <a:highlight>
+                  <a:srgbClr val="FFFF00"/>
+                </a:highlight>
+              </a:rPr>
+              <a:t>ローカル</a:t>
+            </a:r>
+            <a:r>
+              <a:rPr lang="ja-JP" altLang="en-US" dirty="0"/>
+              <a:t>ブランチを</a:t>
+            </a:r>
+            <a:r>
+              <a:rPr lang="en-US" altLang="ja-JP" b="1" dirty="0" err="1">
+                <a:solidFill>
+                  <a:srgbClr val="00B0F0"/>
+                </a:solidFill>
+              </a:rPr>
+              <a:t>Github</a:t>
+            </a:r>
+            <a:r>
+              <a:rPr lang="en-US" altLang="ja-JP" b="1" dirty="0">
+                <a:solidFill>
+                  <a:srgbClr val="00B0F0"/>
+                </a:solidFill>
+              </a:rPr>
+              <a:t> Desktop</a:t>
+            </a:r>
+            <a:r>
+              <a:rPr lang="ja-JP" altLang="en-US" b="1" dirty="0">
+                <a:solidFill>
+                  <a:srgbClr val="00B0F0"/>
+                </a:solidFill>
+              </a:rPr>
+              <a:t>で削除</a:t>
+            </a:r>
+            <a:endParaRPr lang="en-US" altLang="ja-JP" b="1" dirty="0">
+              <a:solidFill>
+                <a:srgbClr val="00B0F0"/>
+              </a:solidFill>
+            </a:endParaRPr>
           </a:p>
         </p:txBody>
       </p:sp>

--- a/授業資料/GitHubを用いたチーム制作.pptx
+++ b/授業資料/GitHubを用いたチーム制作.pptx
@@ -296,7 +296,7 @@
           <a:p>
             <a:fld id="{5B96D3F8-CD2E-4A0D-AC38-517181EABB18}" type="datetimeFigureOut">
               <a:rPr kumimoji="1" lang="ja-JP" altLang="en-US" smtClean="0"/>
-              <a:t>2024/11/11</a:t>
+              <a:t>2024/11/13</a:t>
             </a:fld>
             <a:endParaRPr kumimoji="1" lang="ja-JP" altLang="en-US"/>
           </a:p>
@@ -498,7 +498,7 @@
           <a:p>
             <a:fld id="{5B96D3F8-CD2E-4A0D-AC38-517181EABB18}" type="datetimeFigureOut">
               <a:rPr kumimoji="1" lang="ja-JP" altLang="en-US" smtClean="0"/>
-              <a:t>2024/11/11</a:t>
+              <a:t>2024/11/13</a:t>
             </a:fld>
             <a:endParaRPr kumimoji="1" lang="ja-JP" altLang="en-US"/>
           </a:p>
@@ -710,7 +710,7 @@
           <a:p>
             <a:fld id="{5B96D3F8-CD2E-4A0D-AC38-517181EABB18}" type="datetimeFigureOut">
               <a:rPr kumimoji="1" lang="ja-JP" altLang="en-US" smtClean="0"/>
-              <a:t>2024/11/11</a:t>
+              <a:t>2024/11/13</a:t>
             </a:fld>
             <a:endParaRPr kumimoji="1" lang="ja-JP" altLang="en-US"/>
           </a:p>
@@ -912,7 +912,7 @@
           <a:p>
             <a:fld id="{5B96D3F8-CD2E-4A0D-AC38-517181EABB18}" type="datetimeFigureOut">
               <a:rPr kumimoji="1" lang="ja-JP" altLang="en-US" smtClean="0"/>
-              <a:t>2024/11/11</a:t>
+              <a:t>2024/11/13</a:t>
             </a:fld>
             <a:endParaRPr kumimoji="1" lang="ja-JP" altLang="en-US"/>
           </a:p>
@@ -1158,7 +1158,7 @@
           <a:p>
             <a:fld id="{5B96D3F8-CD2E-4A0D-AC38-517181EABB18}" type="datetimeFigureOut">
               <a:rPr kumimoji="1" lang="ja-JP" altLang="en-US" smtClean="0"/>
-              <a:t>2024/11/11</a:t>
+              <a:t>2024/11/13</a:t>
             </a:fld>
             <a:endParaRPr kumimoji="1" lang="ja-JP" altLang="en-US"/>
           </a:p>
@@ -1454,7 +1454,7 @@
           <a:p>
             <a:fld id="{5B96D3F8-CD2E-4A0D-AC38-517181EABB18}" type="datetimeFigureOut">
               <a:rPr kumimoji="1" lang="ja-JP" altLang="en-US" smtClean="0"/>
-              <a:t>2024/11/11</a:t>
+              <a:t>2024/11/13</a:t>
             </a:fld>
             <a:endParaRPr kumimoji="1" lang="ja-JP" altLang="en-US"/>
           </a:p>
@@ -1885,7 +1885,7 @@
           <a:p>
             <a:fld id="{5B96D3F8-CD2E-4A0D-AC38-517181EABB18}" type="datetimeFigureOut">
               <a:rPr kumimoji="1" lang="ja-JP" altLang="en-US" smtClean="0"/>
-              <a:t>2024/11/11</a:t>
+              <a:t>2024/11/13</a:t>
             </a:fld>
             <a:endParaRPr kumimoji="1" lang="ja-JP" altLang="en-US"/>
           </a:p>
@@ -2003,7 +2003,7 @@
           <a:p>
             <a:fld id="{5B96D3F8-CD2E-4A0D-AC38-517181EABB18}" type="datetimeFigureOut">
               <a:rPr kumimoji="1" lang="ja-JP" altLang="en-US" smtClean="0"/>
-              <a:t>2024/11/11</a:t>
+              <a:t>2024/11/13</a:t>
             </a:fld>
             <a:endParaRPr kumimoji="1" lang="ja-JP" altLang="en-US"/>
           </a:p>
@@ -2098,7 +2098,7 @@
           <a:p>
             <a:fld id="{5B96D3F8-CD2E-4A0D-AC38-517181EABB18}" type="datetimeFigureOut">
               <a:rPr kumimoji="1" lang="ja-JP" altLang="en-US" smtClean="0"/>
-              <a:t>2024/11/11</a:t>
+              <a:t>2024/11/13</a:t>
             </a:fld>
             <a:endParaRPr kumimoji="1" lang="ja-JP" altLang="en-US"/>
           </a:p>
@@ -2407,7 +2407,7 @@
           <a:p>
             <a:fld id="{5B96D3F8-CD2E-4A0D-AC38-517181EABB18}" type="datetimeFigureOut">
               <a:rPr kumimoji="1" lang="ja-JP" altLang="en-US" smtClean="0"/>
-              <a:t>2024/11/11</a:t>
+              <a:t>2024/11/13</a:t>
             </a:fld>
             <a:endParaRPr kumimoji="1" lang="ja-JP" altLang="en-US"/>
           </a:p>
@@ -2664,7 +2664,7 @@
           <a:p>
             <a:fld id="{5B96D3F8-CD2E-4A0D-AC38-517181EABB18}" type="datetimeFigureOut">
               <a:rPr kumimoji="1" lang="ja-JP" altLang="en-US" smtClean="0"/>
-              <a:t>2024/11/11</a:t>
+              <a:t>2024/11/13</a:t>
             </a:fld>
             <a:endParaRPr kumimoji="1" lang="ja-JP" altLang="en-US"/>
           </a:p>
@@ -2909,7 +2909,7 @@
           <a:p>
             <a:fld id="{5B96D3F8-CD2E-4A0D-AC38-517181EABB18}" type="datetimeFigureOut">
               <a:rPr kumimoji="1" lang="ja-JP" altLang="en-US" smtClean="0"/>
-              <a:t>2024/11/11</a:t>
+              <a:t>2024/11/13</a:t>
             </a:fld>
             <a:endParaRPr kumimoji="1" lang="ja-JP" altLang="en-US"/>
           </a:p>
@@ -20401,8 +20401,12 @@
               <a:rPr lang="en-US" altLang="ja-JP" dirty="0"/>
             </a:br>
             <a:r>
-              <a:rPr lang="en-US" altLang="ja-JP" dirty="0"/>
-              <a:t>C++</a:t>
+              <a:rPr lang="en-US" altLang="ja-JP" b="1" dirty="0" err="1">
+                <a:solidFill>
+                  <a:srgbClr val="FF0000"/>
+                </a:solidFill>
+              </a:rPr>
+              <a:t>VisualStudio</a:t>
             </a:r>
             <a:r>
               <a:rPr lang="ja-JP" altLang="en-US" dirty="0"/>
@@ -20554,6 +20558,91 @@
                 <a:srgbClr val="FF0000"/>
               </a:solidFill>
             </a:endParaRPr>
+          </a:p>
+        </p:txBody>
+      </p:sp>
+      <p:sp>
+        <p:nvSpPr>
+          <p:cNvPr id="11" name="矢印: 下 10">
+            <a:extLst>
+              <a:ext uri="{FF2B5EF4-FFF2-40B4-BE49-F238E27FC236}">
+                <a16:creationId xmlns:a16="http://schemas.microsoft.com/office/drawing/2014/main" id="{0D4372D1-9CA5-11F5-0C0D-DF881402D706}"/>
+              </a:ext>
+            </a:extLst>
+          </p:cNvPr>
+          <p:cNvSpPr/>
+          <p:nvPr/>
+        </p:nvSpPr>
+        <p:spPr>
+          <a:xfrm flipH="1" flipV="1">
+            <a:off x="2752928" y="5620473"/>
+            <a:ext cx="505838" cy="617030"/>
+          </a:xfrm>
+          <a:prstGeom prst="downArrow">
+            <a:avLst/>
+          </a:prstGeom>
+        </p:spPr>
+        <p:style>
+          <a:lnRef idx="2">
+            <a:schemeClr val="accent1">
+              <a:shade val="15000"/>
+            </a:schemeClr>
+          </a:lnRef>
+          <a:fillRef idx="1">
+            <a:schemeClr val="accent1"/>
+          </a:fillRef>
+          <a:effectRef idx="0">
+            <a:schemeClr val="accent1"/>
+          </a:effectRef>
+          <a:fontRef idx="minor">
+            <a:schemeClr val="lt1"/>
+          </a:fontRef>
+        </p:style>
+        <p:txBody>
+          <a:bodyPr rtlCol="0" anchor="ctr"/>
+          <a:lstStyle/>
+          <a:p>
+            <a:pPr algn="ctr"/>
+            <a:endParaRPr kumimoji="1" lang="ja-JP" altLang="en-US"/>
+          </a:p>
+        </p:txBody>
+      </p:sp>
+      <p:sp>
+        <p:nvSpPr>
+          <p:cNvPr id="12" name="テキスト ボックス 11">
+            <a:extLst>
+              <a:ext uri="{FF2B5EF4-FFF2-40B4-BE49-F238E27FC236}">
+                <a16:creationId xmlns:a16="http://schemas.microsoft.com/office/drawing/2014/main" id="{9DD47E60-DE42-2CBB-7D0F-CF1C70106D37}"/>
+              </a:ext>
+            </a:extLst>
+          </p:cNvPr>
+          <p:cNvSpPr txBox="1"/>
+          <p:nvPr/>
+        </p:nvSpPr>
+        <p:spPr>
+          <a:xfrm>
+            <a:off x="2372681" y="6237503"/>
+            <a:ext cx="1620957" cy="523220"/>
+          </a:xfrm>
+          <a:prstGeom prst="rect">
+            <a:avLst/>
+          </a:prstGeom>
+          <a:noFill/>
+        </p:spPr>
+        <p:txBody>
+          <a:bodyPr wrap="none" rtlCol="0">
+            <a:spAutoFit/>
+          </a:bodyPr>
+          <a:lstStyle/>
+          <a:p>
+            <a:r>
+              <a:rPr kumimoji="1" lang="ja-JP" altLang="en-US" sz="2800" b="1" dirty="0">
+                <a:solidFill>
+                  <a:srgbClr val="0070C0"/>
+                </a:solidFill>
+              </a:rPr>
+              <a:t>超重要！</a:t>
+            </a:r>
           </a:p>
         </p:txBody>
       </p:sp>
@@ -29629,7 +29718,7 @@
 </file>
 
 <file path=ppt/slides/slide8.xml><?xml version="1.0" encoding="utf-8"?>
-<p:sld xmlns:a="http://schemas.openxmlformats.org/drawingml/2006/main" xmlns:r="http://schemas.openxmlformats.org/officeDocument/2006/relationships" xmlns:p="http://schemas.openxmlformats.org/presentationml/2006/main">
+<p:sld xmlns:a="http://schemas.openxmlformats.org/drawingml/2006/main" xmlns:r="http://schemas.openxmlformats.org/officeDocument/2006/relationships" xmlns:p="http://schemas.openxmlformats.org/presentationml/2006/main" show="0">
   <p:cSld>
     <p:spTree>
       <p:nvGrpSpPr>
@@ -30308,7 +30397,7 @@
 </file>
 
 <file path=ppt/slides/slide9.xml><?xml version="1.0" encoding="utf-8"?>
-<p:sld xmlns:a="http://schemas.openxmlformats.org/drawingml/2006/main" xmlns:r="http://schemas.openxmlformats.org/officeDocument/2006/relationships" xmlns:p="http://schemas.openxmlformats.org/presentationml/2006/main">
+<p:sld xmlns:a="http://schemas.openxmlformats.org/drawingml/2006/main" xmlns:r="http://schemas.openxmlformats.org/officeDocument/2006/relationships" xmlns:p="http://schemas.openxmlformats.org/presentationml/2006/main" show="0">
   <p:cSld>
     <p:spTree>
       <p:nvGrpSpPr>
@@ -30790,7 +30879,7 @@
             </a:br>
             <a:r>
               <a:rPr lang="en-US" altLang="ja-JP" dirty="0"/>
-              <a:t>.vs/</a:t>
+              <a:t>Library/</a:t>
             </a:r>
             <a:br>
               <a:rPr lang="en-US" altLang="ja-JP" dirty="0"/>
@@ -30809,28 +30898,20 @@
               <a:rPr lang="en-US" altLang="ja-JP" dirty="0"/>
             </a:br>
             <a:r>
+              <a:rPr lang="en-US" altLang="ja-JP" sz="3200" dirty="0">
+                <a:solidFill>
+                  <a:srgbClr val="00B050"/>
+                </a:solidFill>
+              </a:rPr>
+              <a:t>Library</a:t>
+            </a:r>
+            <a:r>
               <a:rPr lang="ja-JP" altLang="en-US" sz="3200" dirty="0">
                 <a:solidFill>
                   <a:srgbClr val="00B050"/>
                 </a:solidFill>
               </a:rPr>
-              <a:t>これは</a:t>
-            </a:r>
-            <a:r>
-              <a:rPr lang="en-US" altLang="ja-JP" sz="3200" dirty="0" err="1">
-                <a:solidFill>
-                  <a:srgbClr val="00B050"/>
-                </a:solidFill>
-              </a:rPr>
-              <a:t>VisualStudio</a:t>
-            </a:r>
-            <a:r>
-              <a:rPr lang="ja-JP" altLang="en-US" sz="3200" dirty="0">
-                <a:solidFill>
-                  <a:srgbClr val="00B050"/>
-                </a:solidFill>
-              </a:rPr>
-              <a:t>が</a:t>
+              <a:t>フォルダはプロジェクト</a:t>
             </a:r>
             <a:br>
               <a:rPr lang="en-US" altLang="ja-JP" sz="3200" dirty="0">
@@ -30845,22 +30926,7 @@
                   <a:srgbClr val="00B050"/>
                 </a:solidFill>
               </a:rPr>
-              <a:t>自動的に生成するフォルダ</a:t>
-            </a:r>
-            <a:br>
-              <a:rPr lang="en-US" altLang="ja-JP" sz="3200" dirty="0">
-                <a:solidFill>
-                  <a:srgbClr val="00B050"/>
-                </a:solidFill>
-              </a:rPr>
-            </a:br>
-            <a:r>
-              <a:rPr lang="ja-JP" altLang="en-US" sz="3200" dirty="0">
-                <a:solidFill>
-                  <a:srgbClr val="00B050"/>
-                </a:solidFill>
-              </a:rPr>
-              <a:t>なので同期から除外する</a:t>
+              <a:t>に必要だが同期からは除外する</a:t>
             </a:r>
             <a:endParaRPr lang="en-US" altLang="ja-JP" sz="3200" dirty="0">
               <a:solidFill>

--- a/授業資料/GitHubを用いたチーム制作.pptx
+++ b/授業資料/GitHubを用いたチーム制作.pptx
@@ -296,7 +296,7 @@
           <a:p>
             <a:fld id="{5B96D3F8-CD2E-4A0D-AC38-517181EABB18}" type="datetimeFigureOut">
               <a:rPr kumimoji="1" lang="ja-JP" altLang="en-US" smtClean="0"/>
-              <a:t>2024/11/13</a:t>
+              <a:t>2024/11/15</a:t>
             </a:fld>
             <a:endParaRPr kumimoji="1" lang="ja-JP" altLang="en-US"/>
           </a:p>
@@ -498,7 +498,7 @@
           <a:p>
             <a:fld id="{5B96D3F8-CD2E-4A0D-AC38-517181EABB18}" type="datetimeFigureOut">
               <a:rPr kumimoji="1" lang="ja-JP" altLang="en-US" smtClean="0"/>
-              <a:t>2024/11/13</a:t>
+              <a:t>2024/11/15</a:t>
             </a:fld>
             <a:endParaRPr kumimoji="1" lang="ja-JP" altLang="en-US"/>
           </a:p>
@@ -710,7 +710,7 @@
           <a:p>
             <a:fld id="{5B96D3F8-CD2E-4A0D-AC38-517181EABB18}" type="datetimeFigureOut">
               <a:rPr kumimoji="1" lang="ja-JP" altLang="en-US" smtClean="0"/>
-              <a:t>2024/11/13</a:t>
+              <a:t>2024/11/15</a:t>
             </a:fld>
             <a:endParaRPr kumimoji="1" lang="ja-JP" altLang="en-US"/>
           </a:p>
@@ -912,7 +912,7 @@
           <a:p>
             <a:fld id="{5B96D3F8-CD2E-4A0D-AC38-517181EABB18}" type="datetimeFigureOut">
               <a:rPr kumimoji="1" lang="ja-JP" altLang="en-US" smtClean="0"/>
-              <a:t>2024/11/13</a:t>
+              <a:t>2024/11/15</a:t>
             </a:fld>
             <a:endParaRPr kumimoji="1" lang="ja-JP" altLang="en-US"/>
           </a:p>
@@ -1158,7 +1158,7 @@
           <a:p>
             <a:fld id="{5B96D3F8-CD2E-4A0D-AC38-517181EABB18}" type="datetimeFigureOut">
               <a:rPr kumimoji="1" lang="ja-JP" altLang="en-US" smtClean="0"/>
-              <a:t>2024/11/13</a:t>
+              <a:t>2024/11/15</a:t>
             </a:fld>
             <a:endParaRPr kumimoji="1" lang="ja-JP" altLang="en-US"/>
           </a:p>
@@ -1454,7 +1454,7 @@
           <a:p>
             <a:fld id="{5B96D3F8-CD2E-4A0D-AC38-517181EABB18}" type="datetimeFigureOut">
               <a:rPr kumimoji="1" lang="ja-JP" altLang="en-US" smtClean="0"/>
-              <a:t>2024/11/13</a:t>
+              <a:t>2024/11/15</a:t>
             </a:fld>
             <a:endParaRPr kumimoji="1" lang="ja-JP" altLang="en-US"/>
           </a:p>
@@ -1885,7 +1885,7 @@
           <a:p>
             <a:fld id="{5B96D3F8-CD2E-4A0D-AC38-517181EABB18}" type="datetimeFigureOut">
               <a:rPr kumimoji="1" lang="ja-JP" altLang="en-US" smtClean="0"/>
-              <a:t>2024/11/13</a:t>
+              <a:t>2024/11/15</a:t>
             </a:fld>
             <a:endParaRPr kumimoji="1" lang="ja-JP" altLang="en-US"/>
           </a:p>
@@ -2003,7 +2003,7 @@
           <a:p>
             <a:fld id="{5B96D3F8-CD2E-4A0D-AC38-517181EABB18}" type="datetimeFigureOut">
               <a:rPr kumimoji="1" lang="ja-JP" altLang="en-US" smtClean="0"/>
-              <a:t>2024/11/13</a:t>
+              <a:t>2024/11/15</a:t>
             </a:fld>
             <a:endParaRPr kumimoji="1" lang="ja-JP" altLang="en-US"/>
           </a:p>
@@ -2098,7 +2098,7 @@
           <a:p>
             <a:fld id="{5B96D3F8-CD2E-4A0D-AC38-517181EABB18}" type="datetimeFigureOut">
               <a:rPr kumimoji="1" lang="ja-JP" altLang="en-US" smtClean="0"/>
-              <a:t>2024/11/13</a:t>
+              <a:t>2024/11/15</a:t>
             </a:fld>
             <a:endParaRPr kumimoji="1" lang="ja-JP" altLang="en-US"/>
           </a:p>
@@ -2407,7 +2407,7 @@
           <a:p>
             <a:fld id="{5B96D3F8-CD2E-4A0D-AC38-517181EABB18}" type="datetimeFigureOut">
               <a:rPr kumimoji="1" lang="ja-JP" altLang="en-US" smtClean="0"/>
-              <a:t>2024/11/13</a:t>
+              <a:t>2024/11/15</a:t>
             </a:fld>
             <a:endParaRPr kumimoji="1" lang="ja-JP" altLang="en-US"/>
           </a:p>
@@ -2664,7 +2664,7 @@
           <a:p>
             <a:fld id="{5B96D3F8-CD2E-4A0D-AC38-517181EABB18}" type="datetimeFigureOut">
               <a:rPr kumimoji="1" lang="ja-JP" altLang="en-US" smtClean="0"/>
-              <a:t>2024/11/13</a:t>
+              <a:t>2024/11/15</a:t>
             </a:fld>
             <a:endParaRPr kumimoji="1" lang="ja-JP" altLang="en-US"/>
           </a:p>
@@ -2909,7 +2909,7 @@
           <a:p>
             <a:fld id="{5B96D3F8-CD2E-4A0D-AC38-517181EABB18}" type="datetimeFigureOut">
               <a:rPr kumimoji="1" lang="ja-JP" altLang="en-US" smtClean="0"/>
-              <a:t>2024/11/13</a:t>
+              <a:t>2024/11/15</a:t>
             </a:fld>
             <a:endParaRPr kumimoji="1" lang="ja-JP" altLang="en-US"/>
           </a:p>
@@ -10399,58 +10399,6 @@
       </p:sp>
       <p:sp>
         <p:nvSpPr>
-          <p:cNvPr id="10" name="正方形/長方形 9">
-            <a:extLst>
-              <a:ext uri="{FF2B5EF4-FFF2-40B4-BE49-F238E27FC236}">
-                <a16:creationId xmlns:a16="http://schemas.microsoft.com/office/drawing/2014/main" id="{B5B76BA2-6A5D-A0A8-AA58-C894A466E74E}"/>
-              </a:ext>
-            </a:extLst>
-          </p:cNvPr>
-          <p:cNvSpPr/>
-          <p:nvPr/>
-        </p:nvSpPr>
-        <p:spPr>
-          <a:xfrm>
-            <a:off x="5066115" y="5143073"/>
-            <a:ext cx="5510783" cy="427768"/>
-          </a:xfrm>
-          <a:prstGeom prst="rect">
-            <a:avLst/>
-          </a:prstGeom>
-          <a:noFill/>
-          <a:ln w="38100">
-            <a:solidFill>
-              <a:srgbClr val="FF0000"/>
-            </a:solidFill>
-          </a:ln>
-        </p:spPr>
-        <p:style>
-          <a:lnRef idx="2">
-            <a:schemeClr val="accent1">
-              <a:shade val="15000"/>
-            </a:schemeClr>
-          </a:lnRef>
-          <a:fillRef idx="1">
-            <a:schemeClr val="accent1"/>
-          </a:fillRef>
-          <a:effectRef idx="0">
-            <a:schemeClr val="accent1"/>
-          </a:effectRef>
-          <a:fontRef idx="minor">
-            <a:schemeClr val="lt1"/>
-          </a:fontRef>
-        </p:style>
-        <p:txBody>
-          <a:bodyPr rtlCol="0" anchor="ctr"/>
-          <a:lstStyle/>
-          <a:p>
-            <a:pPr algn="ctr"/>
-            <a:endParaRPr kumimoji="1" lang="ja-JP" altLang="en-US"/>
-          </a:p>
-        </p:txBody>
-      </p:sp>
-      <p:sp>
-        <p:nvSpPr>
           <p:cNvPr id="13" name="正方形/長方形 12">
             <a:extLst>
               <a:ext uri="{FF2B5EF4-FFF2-40B4-BE49-F238E27FC236}">
@@ -10697,6 +10645,94 @@
                 <a:srgbClr val="00B0F0"/>
               </a:solidFill>
             </a:endParaRPr>
+          </a:p>
+        </p:txBody>
+      </p:sp>
+      <p:sp>
+        <p:nvSpPr>
+          <p:cNvPr id="3" name="矢印: 下 2">
+            <a:extLst>
+              <a:ext uri="{FF2B5EF4-FFF2-40B4-BE49-F238E27FC236}">
+                <a16:creationId xmlns:a16="http://schemas.microsoft.com/office/drawing/2014/main" id="{DC051618-3EB0-7421-69ED-2525C9BA3D84}"/>
+              </a:ext>
+            </a:extLst>
+          </p:cNvPr>
+          <p:cNvSpPr/>
+          <p:nvPr/>
+        </p:nvSpPr>
+        <p:spPr>
+          <a:xfrm>
+            <a:off x="8851263" y="5840586"/>
+            <a:ext cx="330741" cy="367554"/>
+          </a:xfrm>
+          <a:prstGeom prst="downArrow">
+            <a:avLst/>
+          </a:prstGeom>
+          <a:solidFill>
+            <a:srgbClr val="FF0000"/>
+          </a:solidFill>
+        </p:spPr>
+        <p:style>
+          <a:lnRef idx="2">
+            <a:schemeClr val="accent1">
+              <a:shade val="15000"/>
+            </a:schemeClr>
+          </a:lnRef>
+          <a:fillRef idx="1">
+            <a:schemeClr val="accent1"/>
+          </a:fillRef>
+          <a:effectRef idx="0">
+            <a:schemeClr val="accent1"/>
+          </a:effectRef>
+          <a:fontRef idx="minor">
+            <a:schemeClr val="lt1"/>
+          </a:fontRef>
+        </p:style>
+        <p:txBody>
+          <a:bodyPr rtlCol="0" anchor="ctr"/>
+          <a:lstStyle/>
+          <a:p>
+            <a:pPr algn="ctr"/>
+            <a:endParaRPr kumimoji="1" lang="ja-JP" altLang="en-US"/>
+          </a:p>
+        </p:txBody>
+      </p:sp>
+      <p:sp>
+        <p:nvSpPr>
+          <p:cNvPr id="14" name="テキスト ボックス 13">
+            <a:extLst>
+              <a:ext uri="{FF2B5EF4-FFF2-40B4-BE49-F238E27FC236}">
+                <a16:creationId xmlns:a16="http://schemas.microsoft.com/office/drawing/2014/main" id="{12A427F9-727D-0D41-A244-42489745B7B4}"/>
+              </a:ext>
+            </a:extLst>
+          </p:cNvPr>
+          <p:cNvSpPr txBox="1"/>
+          <p:nvPr/>
+        </p:nvSpPr>
+        <p:spPr>
+          <a:xfrm>
+            <a:off x="7810620" y="5531730"/>
+            <a:ext cx="2557110" cy="369332"/>
+          </a:xfrm>
+          <a:prstGeom prst="rect">
+            <a:avLst/>
+          </a:prstGeom>
+          <a:noFill/>
+        </p:spPr>
+        <p:txBody>
+          <a:bodyPr wrap="none" rtlCol="0">
+            <a:spAutoFit/>
+          </a:bodyPr>
+          <a:lstStyle/>
+          <a:p>
+            <a:r>
+              <a:rPr kumimoji="1" lang="ja-JP" altLang="en-US" dirty="0">
+                <a:solidFill>
+                  <a:srgbClr val="FF0000"/>
+                </a:solidFill>
+              </a:rPr>
+              <a:t>入力を確認してクリック</a:t>
+            </a:r>
           </a:p>
         </p:txBody>
       </p:sp>
@@ -11469,11 +11505,19 @@
             </a:r>
             <a:r>
               <a:rPr lang="en-US" altLang="ja-JP" dirty="0"/>
-              <a:t>	PC</a:t>
-            </a:r>
-            <a:r>
-              <a:rPr lang="ja-JP" altLang="en-US" dirty="0"/>
-              <a:t>内の保存場所</a:t>
+              <a:t>	</a:t>
+            </a:r>
+            <a:r>
+              <a:rPr lang="en-US" altLang="ja-JP" b="1" dirty="0"/>
+              <a:t>PC</a:t>
+            </a:r>
+            <a:r>
+              <a:rPr lang="ja-JP" altLang="en-US" b="1" dirty="0"/>
+              <a:t>内</a:t>
+            </a:r>
+            <a:r>
+              <a:rPr lang="ja-JP" altLang="en-US" dirty="0"/>
+              <a:t>の保存場所</a:t>
             </a:r>
             <a:br>
               <a:rPr lang="en-US" altLang="ja-JP" dirty="0"/>
@@ -11495,11 +11539,19 @@
             </a:r>
             <a:r>
               <a:rPr lang="en-US" altLang="ja-JP" dirty="0"/>
-              <a:t>	GitHub.com</a:t>
-            </a:r>
-            <a:r>
-              <a:rPr lang="ja-JP" altLang="en-US" dirty="0"/>
-              <a:t>上の保存場所</a:t>
+              <a:t>	</a:t>
+            </a:r>
+            <a:r>
+              <a:rPr lang="en-US" altLang="ja-JP" b="1" dirty="0"/>
+              <a:t>GitHub.com</a:t>
+            </a:r>
+            <a:r>
+              <a:rPr lang="ja-JP" altLang="en-US" b="1" dirty="0"/>
+              <a:t>上</a:t>
+            </a:r>
+            <a:r>
+              <a:rPr lang="ja-JP" altLang="en-US" dirty="0"/>
+              <a:t>の保存場所</a:t>
             </a:r>
             <a:endParaRPr lang="en-US" altLang="ja-JP" dirty="0"/>
           </a:p>
@@ -19919,10 +19971,10 @@
       </p:grpSpPr>
       <p:pic>
         <p:nvPicPr>
-          <p:cNvPr id="4" name="図 3">
+          <p:cNvPr id="14" name="図 13">
             <a:extLst>
               <a:ext uri="{FF2B5EF4-FFF2-40B4-BE49-F238E27FC236}">
-                <a16:creationId xmlns:a16="http://schemas.microsoft.com/office/drawing/2014/main" id="{065C8A82-8F86-7D9A-FA50-3CC423881AE7}"/>
+                <a16:creationId xmlns:a16="http://schemas.microsoft.com/office/drawing/2014/main" id="{EE316F43-A67F-9F46-483D-F27FC11D5082}"/>
               </a:ext>
             </a:extLst>
           </p:cNvPr>
@@ -19932,21 +19984,15 @@
           <p:nvPr/>
         </p:nvPicPr>
         <p:blipFill>
-          <a:blip r:embed="rId2">
-            <a:extLst>
-              <a:ext uri="{28A0092B-C50C-407E-A947-70E740481C1C}">
-                <a14:useLocalDpi xmlns:a14="http://schemas.microsoft.com/office/drawing/2010/main" val="0"/>
-              </a:ext>
-            </a:extLst>
-          </a:blip>
+          <a:blip r:embed="rId2"/>
           <a:stretch>
             <a:fillRect/>
           </a:stretch>
         </p:blipFill>
         <p:spPr>
           <a:xfrm>
-            <a:off x="7602070" y="1260974"/>
-            <a:ext cx="4069977" cy="4668014"/>
+            <a:off x="7569613" y="1258453"/>
+            <a:ext cx="4185853" cy="4980311"/>
           </a:xfrm>
           <a:prstGeom prst="rect">
             <a:avLst/>
@@ -20057,7 +20103,7 @@
         </p:nvSpPr>
         <p:spPr>
           <a:xfrm>
-            <a:off x="7727576" y="3316942"/>
+            <a:off x="7727576" y="3365582"/>
             <a:ext cx="2967318" cy="367553"/>
           </a:xfrm>
           <a:prstGeom prst="rect">
@@ -20109,7 +20155,7 @@
         </p:nvSpPr>
         <p:spPr>
           <a:xfrm>
-            <a:off x="7736539" y="4159624"/>
+            <a:off x="7736539" y="4247176"/>
             <a:ext cx="3810001" cy="367553"/>
           </a:xfrm>
           <a:prstGeom prst="rect">
@@ -20430,7 +20476,7 @@
         </p:nvSpPr>
         <p:spPr>
           <a:xfrm flipV="1">
-            <a:off x="9386285" y="5807413"/>
+            <a:off x="9396012" y="6087556"/>
             <a:ext cx="330741" cy="367554"/>
           </a:xfrm>
           <a:prstGeom prst="downArrow">
@@ -20479,7 +20525,7 @@
         </p:nvSpPr>
         <p:spPr>
           <a:xfrm>
-            <a:off x="8438471" y="6171683"/>
+            <a:off x="8448198" y="6451826"/>
             <a:ext cx="2557110" cy="369332"/>
           </a:xfrm>
           <a:prstGeom prst="rect">
@@ -27878,7 +27924,7 @@
                   <a:srgbClr val="00B050"/>
                 </a:solidFill>
               </a:rPr>
-              <a:t>この作業を繰り返す）</a:t>
+              <a:t>②の作業を繰り返す）</a:t>
             </a:r>
             <a:endParaRPr lang="en-US" altLang="ja-JP" b="1" dirty="0">
               <a:solidFill>
@@ -27971,13 +28017,13 @@
                   <a:srgbClr val="C00000"/>
                 </a:solidFill>
               </a:rPr>
-              <a:t>サイト上で削除</a:t>
-            </a:r>
-            <a:endParaRPr lang="en-US" altLang="ja-JP" b="1" dirty="0">
-              <a:solidFill>
-                <a:srgbClr val="C00000"/>
-              </a:solidFill>
-            </a:endParaRPr>
+              <a:t>サイト上</a:t>
+            </a:r>
+            <a:r>
+              <a:rPr lang="ja-JP" altLang="en-US" b="1" dirty="0"/>
+              <a:t>で削除</a:t>
+            </a:r>
+            <a:endParaRPr lang="en-US" altLang="ja-JP" b="1" dirty="0"/>
           </a:p>
           <a:p>
             <a:pPr marL="971550" lvl="1" indent="-514350">
@@ -28002,29 +28048,13 @@
                   <a:srgbClr val="00B0F0"/>
                 </a:solidFill>
               </a:rPr>
-              <a:t>Github</a:t>
-            </a:r>
-            <a:r>
-              <a:rPr lang="en-US" altLang="ja-JP" b="1" dirty="0">
-                <a:solidFill>
-                  <a:srgbClr val="00B0F0"/>
-                </a:solidFill>
-              </a:rPr>
-              <a:t> Desktop</a:t>
-            </a:r>
-            <a:r>
-              <a:rPr lang="ja-JP" altLang="en-US" b="1" dirty="0">
-                <a:solidFill>
-                  <a:srgbClr val="00B0F0"/>
-                </a:solidFill>
-              </a:rPr>
-              <a:t>で削除</a:t>
-            </a:r>
-            <a:endParaRPr lang="en-US" altLang="ja-JP" b="1" dirty="0">
-              <a:solidFill>
-                <a:srgbClr val="00B0F0"/>
-              </a:solidFill>
-            </a:endParaRPr>
+              <a:t>GithubDesktop</a:t>
+            </a:r>
+            <a:r>
+              <a:rPr lang="ja-JP" altLang="en-US" b="1" dirty="0"/>
+              <a:t>を使って削除</a:t>
+            </a:r>
+            <a:endParaRPr lang="en-US" altLang="ja-JP" b="1" dirty="0"/>
           </a:p>
         </p:txBody>
       </p:sp>

--- a/授業資料/GitHubを用いたチーム制作.pptx
+++ b/授業資料/GitHubを用いたチーム制作.pptx
@@ -59,6 +59,8 @@
     <p:sldId id="414" r:id="rId53"/>
     <p:sldId id="415" r:id="rId54"/>
     <p:sldId id="416" r:id="rId55"/>
+    <p:sldId id="417" r:id="rId56"/>
+    <p:sldId id="418" r:id="rId57"/>
   </p:sldIdLst>
   <p:sldSz cx="12192000" cy="6858000"/>
   <p:notesSz cx="6858000" cy="9144000"/>
@@ -28409,6 +28411,524 @@
 </p:sld>
 </file>
 
+<file path=ppt/slides/slide55.xml><?xml version="1.0" encoding="utf-8"?>
+<p:sld xmlns:a="http://schemas.openxmlformats.org/drawingml/2006/main" xmlns:r="http://schemas.openxmlformats.org/officeDocument/2006/relationships" xmlns:p="http://schemas.openxmlformats.org/presentationml/2006/main">
+  <p:cSld>
+    <p:spTree>
+      <p:nvGrpSpPr>
+        <p:cNvPr id="1" name=""/>
+        <p:cNvGrpSpPr/>
+        <p:nvPr/>
+      </p:nvGrpSpPr>
+      <p:grpSpPr>
+        <a:xfrm>
+          <a:off x="0" y="0"/>
+          <a:ext cx="0" cy="0"/>
+          <a:chOff x="0" y="0"/>
+          <a:chExt cx="0" cy="0"/>
+        </a:xfrm>
+      </p:grpSpPr>
+      <p:sp>
+        <p:nvSpPr>
+          <p:cNvPr id="2" name="タイトル 1">
+            <a:extLst>
+              <a:ext uri="{FF2B5EF4-FFF2-40B4-BE49-F238E27FC236}">
+                <a16:creationId xmlns:a16="http://schemas.microsoft.com/office/drawing/2014/main" id="{EDBDF575-DA90-D7F3-E694-7DA998D89DB2}"/>
+              </a:ext>
+            </a:extLst>
+          </p:cNvPr>
+          <p:cNvSpPr>
+            <a:spLocks noGrp="1"/>
+          </p:cNvSpPr>
+          <p:nvPr>
+            <p:ph type="title"/>
+          </p:nvPr>
+        </p:nvSpPr>
+        <p:spPr/>
+        <p:txBody>
+          <a:bodyPr>
+            <a:normAutofit fontScale="90000"/>
+          </a:bodyPr>
+          <a:lstStyle/>
+          <a:p>
+            <a:r>
+              <a:rPr lang="en-US" altLang="ja-JP" dirty="0">
+                <a:solidFill>
+                  <a:schemeClr val="bg1"/>
+                </a:solidFill>
+                <a:highlight>
+                  <a:srgbClr val="0000FF"/>
+                </a:highlight>
+              </a:rPr>
+              <a:t>V</a:t>
+            </a:r>
+            <a:r>
+              <a:rPr kumimoji="1" lang="en-US" altLang="ja-JP" dirty="0">
+                <a:solidFill>
+                  <a:schemeClr val="bg1"/>
+                </a:solidFill>
+                <a:highlight>
+                  <a:srgbClr val="0000FF"/>
+                </a:highlight>
+              </a:rPr>
+              <a:t>iew Stash</a:t>
+            </a:r>
+            <a:r>
+              <a:rPr kumimoji="1" lang="ja-JP" altLang="en-US" dirty="0"/>
+              <a:t>ボタンが表示されているとき</a:t>
+            </a:r>
+            <a:r>
+              <a:rPr kumimoji="1" lang="en-US" altLang="ja-JP" dirty="0"/>
+              <a:t> </a:t>
+            </a:r>
+            <a:endParaRPr kumimoji="1" lang="ja-JP" altLang="en-US" dirty="0"/>
+          </a:p>
+        </p:txBody>
+      </p:sp>
+      <p:sp>
+        <p:nvSpPr>
+          <p:cNvPr id="3" name="コンテンツ プレースホルダー 2">
+            <a:extLst>
+              <a:ext uri="{FF2B5EF4-FFF2-40B4-BE49-F238E27FC236}">
+                <a16:creationId xmlns:a16="http://schemas.microsoft.com/office/drawing/2014/main" id="{6DDA406E-0BB8-657B-6AD2-150C92B14559}"/>
+              </a:ext>
+            </a:extLst>
+          </p:cNvPr>
+          <p:cNvSpPr>
+            <a:spLocks noGrp="1"/>
+          </p:cNvSpPr>
+          <p:nvPr>
+            <p:ph idx="1"/>
+          </p:nvPr>
+        </p:nvSpPr>
+        <p:spPr/>
+        <p:txBody>
+          <a:bodyPr/>
+          <a:lstStyle/>
+          <a:p>
+            <a:r>
+              <a:rPr kumimoji="1" lang="ja-JP" altLang="en-US" dirty="0"/>
+              <a:t>ボタンをクリックします</a:t>
+            </a:r>
+          </a:p>
+        </p:txBody>
+      </p:sp>
+      <p:pic>
+        <p:nvPicPr>
+          <p:cNvPr id="9" name="図 8">
+            <a:extLst>
+              <a:ext uri="{FF2B5EF4-FFF2-40B4-BE49-F238E27FC236}">
+                <a16:creationId xmlns:a16="http://schemas.microsoft.com/office/drawing/2014/main" id="{32C033C0-B7A5-AB4C-9528-1752CD5345F9}"/>
+              </a:ext>
+            </a:extLst>
+          </p:cNvPr>
+          <p:cNvPicPr>
+            <a:picLocks noChangeAspect="1"/>
+          </p:cNvPicPr>
+          <p:nvPr/>
+        </p:nvPicPr>
+        <p:blipFill>
+          <a:blip r:embed="rId2">
+            <a:extLst>
+              <a:ext uri="{28A0092B-C50C-407E-A947-70E740481C1C}">
+                <a14:useLocalDpi xmlns:a14="http://schemas.microsoft.com/office/drawing/2010/main" val="0"/>
+              </a:ext>
+            </a:extLst>
+          </a:blip>
+          <a:stretch>
+            <a:fillRect/>
+          </a:stretch>
+        </p:blipFill>
+        <p:spPr>
+          <a:xfrm>
+            <a:off x="1990152" y="2305286"/>
+            <a:ext cx="8211696" cy="3219899"/>
+          </a:xfrm>
+          <a:prstGeom prst="rect">
+            <a:avLst/>
+          </a:prstGeom>
+          <a:ln>
+            <a:solidFill>
+              <a:schemeClr val="tx1"/>
+            </a:solidFill>
+          </a:ln>
+        </p:spPr>
+      </p:pic>
+      <p:sp>
+        <p:nvSpPr>
+          <p:cNvPr id="10" name="矢印: 下 9">
+            <a:extLst>
+              <a:ext uri="{FF2B5EF4-FFF2-40B4-BE49-F238E27FC236}">
+                <a16:creationId xmlns:a16="http://schemas.microsoft.com/office/drawing/2014/main" id="{098C952E-2D1C-DA65-0429-6B9EA1B96B8B}"/>
+              </a:ext>
+            </a:extLst>
+          </p:cNvPr>
+          <p:cNvSpPr/>
+          <p:nvPr/>
+        </p:nvSpPr>
+        <p:spPr>
+          <a:xfrm>
+            <a:off x="8774349" y="3249038"/>
+            <a:ext cx="418289" cy="719847"/>
+          </a:xfrm>
+          <a:prstGeom prst="downArrow">
+            <a:avLst/>
+          </a:prstGeom>
+        </p:spPr>
+        <p:style>
+          <a:lnRef idx="2">
+            <a:schemeClr val="accent2">
+              <a:shade val="15000"/>
+            </a:schemeClr>
+          </a:lnRef>
+          <a:fillRef idx="1">
+            <a:schemeClr val="accent2"/>
+          </a:fillRef>
+          <a:effectRef idx="0">
+            <a:schemeClr val="accent2"/>
+          </a:effectRef>
+          <a:fontRef idx="minor">
+            <a:schemeClr val="lt1"/>
+          </a:fontRef>
+        </p:style>
+        <p:txBody>
+          <a:bodyPr rtlCol="0" anchor="ctr"/>
+          <a:lstStyle/>
+          <a:p>
+            <a:pPr algn="ctr"/>
+            <a:endParaRPr kumimoji="1" lang="ja-JP" altLang="en-US"/>
+          </a:p>
+        </p:txBody>
+      </p:sp>
+      <p:sp>
+        <p:nvSpPr>
+          <p:cNvPr id="11" name="正方形/長方形 10">
+            <a:extLst>
+              <a:ext uri="{FF2B5EF4-FFF2-40B4-BE49-F238E27FC236}">
+                <a16:creationId xmlns:a16="http://schemas.microsoft.com/office/drawing/2014/main" id="{3A3B712B-5AB2-C824-E305-B6020583DB0E}"/>
+              </a:ext>
+            </a:extLst>
+          </p:cNvPr>
+          <p:cNvSpPr/>
+          <p:nvPr/>
+        </p:nvSpPr>
+        <p:spPr>
+          <a:xfrm>
+            <a:off x="8433881" y="4061235"/>
+            <a:ext cx="1079770" cy="394033"/>
+          </a:xfrm>
+          <a:prstGeom prst="rect">
+            <a:avLst/>
+          </a:prstGeom>
+          <a:noFill/>
+          <a:ln w="28575">
+            <a:solidFill>
+              <a:srgbClr val="FF0000"/>
+            </a:solidFill>
+          </a:ln>
+        </p:spPr>
+        <p:style>
+          <a:lnRef idx="2">
+            <a:schemeClr val="accent1">
+              <a:shade val="15000"/>
+            </a:schemeClr>
+          </a:lnRef>
+          <a:fillRef idx="1">
+            <a:schemeClr val="accent1"/>
+          </a:fillRef>
+          <a:effectRef idx="0">
+            <a:schemeClr val="accent1"/>
+          </a:effectRef>
+          <a:fontRef idx="minor">
+            <a:schemeClr val="lt1"/>
+          </a:fontRef>
+        </p:style>
+        <p:txBody>
+          <a:bodyPr rtlCol="0" anchor="ctr"/>
+          <a:lstStyle/>
+          <a:p>
+            <a:pPr algn="ctr"/>
+            <a:endParaRPr kumimoji="1" lang="ja-JP" altLang="en-US"/>
+          </a:p>
+        </p:txBody>
+      </p:sp>
+    </p:spTree>
+    <p:extLst>
+      <p:ext uri="{BB962C8B-B14F-4D97-AF65-F5344CB8AC3E}">
+        <p14:creationId xmlns:p14="http://schemas.microsoft.com/office/powerpoint/2010/main" val="470432181"/>
+      </p:ext>
+    </p:extLst>
+  </p:cSld>
+  <p:clrMapOvr>
+    <a:masterClrMapping/>
+  </p:clrMapOvr>
+</p:sld>
+</file>
+
+<file path=ppt/slides/slide56.xml><?xml version="1.0" encoding="utf-8"?>
+<p:sld xmlns:a="http://schemas.openxmlformats.org/drawingml/2006/main" xmlns:r="http://schemas.openxmlformats.org/officeDocument/2006/relationships" xmlns:p="http://schemas.openxmlformats.org/presentationml/2006/main">
+  <p:cSld>
+    <p:spTree>
+      <p:nvGrpSpPr>
+        <p:cNvPr id="1" name="">
+          <a:extLst>
+            <a:ext uri="{FF2B5EF4-FFF2-40B4-BE49-F238E27FC236}">
+              <a16:creationId xmlns:a16="http://schemas.microsoft.com/office/drawing/2014/main" id="{AE6754DE-2354-78A1-0BEE-F0FF105FE982}"/>
+            </a:ext>
+          </a:extLst>
+        </p:cNvPr>
+        <p:cNvGrpSpPr/>
+        <p:nvPr/>
+      </p:nvGrpSpPr>
+      <p:grpSpPr>
+        <a:xfrm>
+          <a:off x="0" y="0"/>
+          <a:ext cx="0" cy="0"/>
+          <a:chOff x="0" y="0"/>
+          <a:chExt cx="0" cy="0"/>
+        </a:xfrm>
+      </p:grpSpPr>
+      <p:sp>
+        <p:nvSpPr>
+          <p:cNvPr id="2" name="タイトル 1">
+            <a:extLst>
+              <a:ext uri="{FF2B5EF4-FFF2-40B4-BE49-F238E27FC236}">
+                <a16:creationId xmlns:a16="http://schemas.microsoft.com/office/drawing/2014/main" id="{89D48054-AC38-12A6-2562-D7D99C08364A}"/>
+              </a:ext>
+            </a:extLst>
+          </p:cNvPr>
+          <p:cNvSpPr>
+            <a:spLocks noGrp="1"/>
+          </p:cNvSpPr>
+          <p:nvPr>
+            <p:ph type="title"/>
+          </p:nvPr>
+        </p:nvSpPr>
+        <p:spPr/>
+        <p:txBody>
+          <a:bodyPr>
+            <a:normAutofit fontScale="90000"/>
+          </a:bodyPr>
+          <a:lstStyle/>
+          <a:p>
+            <a:r>
+              <a:rPr lang="en-US" altLang="ja-JP" dirty="0">
+                <a:solidFill>
+                  <a:schemeClr val="bg1"/>
+                </a:solidFill>
+                <a:highlight>
+                  <a:srgbClr val="0000FF"/>
+                </a:highlight>
+              </a:rPr>
+              <a:t>V</a:t>
+            </a:r>
+            <a:r>
+              <a:rPr kumimoji="1" lang="en-US" altLang="ja-JP" dirty="0">
+                <a:solidFill>
+                  <a:schemeClr val="bg1"/>
+                </a:solidFill>
+                <a:highlight>
+                  <a:srgbClr val="0000FF"/>
+                </a:highlight>
+              </a:rPr>
+              <a:t>iew Stash</a:t>
+            </a:r>
+            <a:r>
+              <a:rPr kumimoji="1" lang="ja-JP" altLang="en-US" dirty="0"/>
+              <a:t>ボタンが表示されているとき</a:t>
+            </a:r>
+            <a:r>
+              <a:rPr kumimoji="1" lang="en-US" altLang="ja-JP" dirty="0"/>
+              <a:t> </a:t>
+            </a:r>
+            <a:endParaRPr kumimoji="1" lang="ja-JP" altLang="en-US" dirty="0"/>
+          </a:p>
+        </p:txBody>
+      </p:sp>
+      <p:sp>
+        <p:nvSpPr>
+          <p:cNvPr id="3" name="コンテンツ プレースホルダー 2">
+            <a:extLst>
+              <a:ext uri="{FF2B5EF4-FFF2-40B4-BE49-F238E27FC236}">
+                <a16:creationId xmlns:a16="http://schemas.microsoft.com/office/drawing/2014/main" id="{C4960E6B-0E3A-DE6D-3BCC-12C59AF9E80A}"/>
+              </a:ext>
+            </a:extLst>
+          </p:cNvPr>
+          <p:cNvSpPr>
+            <a:spLocks noGrp="1"/>
+          </p:cNvSpPr>
+          <p:nvPr>
+            <p:ph idx="1"/>
+          </p:nvPr>
+        </p:nvSpPr>
+        <p:spPr/>
+        <p:txBody>
+          <a:bodyPr/>
+          <a:lstStyle/>
+          <a:p>
+            <a:r>
+              <a:rPr kumimoji="1" lang="en-US" altLang="ja-JP" dirty="0"/>
+              <a:t>[Discard]</a:t>
+            </a:r>
+            <a:r>
+              <a:rPr kumimoji="1" lang="ja-JP" altLang="en-US" dirty="0"/>
+              <a:t>ボタンをクリックします</a:t>
+            </a:r>
+          </a:p>
+        </p:txBody>
+      </p:sp>
+      <p:pic>
+        <p:nvPicPr>
+          <p:cNvPr id="5" name="図 4">
+            <a:extLst>
+              <a:ext uri="{FF2B5EF4-FFF2-40B4-BE49-F238E27FC236}">
+                <a16:creationId xmlns:a16="http://schemas.microsoft.com/office/drawing/2014/main" id="{723EF50F-15A9-49A6-2A7C-9D5301104EEB}"/>
+              </a:ext>
+            </a:extLst>
+          </p:cNvPr>
+          <p:cNvPicPr>
+            <a:picLocks noChangeAspect="1"/>
+          </p:cNvPicPr>
+          <p:nvPr/>
+        </p:nvPicPr>
+        <p:blipFill>
+          <a:blip r:embed="rId2">
+            <a:extLst>
+              <a:ext uri="{28A0092B-C50C-407E-A947-70E740481C1C}">
+                <a14:useLocalDpi xmlns:a14="http://schemas.microsoft.com/office/drawing/2010/main" val="0"/>
+              </a:ext>
+            </a:extLst>
+          </a:blip>
+          <a:stretch>
+            <a:fillRect/>
+          </a:stretch>
+        </p:blipFill>
+        <p:spPr>
+          <a:xfrm>
+            <a:off x="2750382" y="2764423"/>
+            <a:ext cx="7430537" cy="3781953"/>
+          </a:xfrm>
+          <a:prstGeom prst="rect">
+            <a:avLst/>
+          </a:prstGeom>
+          <a:ln>
+            <a:solidFill>
+              <a:schemeClr val="tx1"/>
+            </a:solidFill>
+          </a:ln>
+        </p:spPr>
+      </p:pic>
+      <p:sp>
+        <p:nvSpPr>
+          <p:cNvPr id="6" name="矢印: 下 5">
+            <a:extLst>
+              <a:ext uri="{FF2B5EF4-FFF2-40B4-BE49-F238E27FC236}">
+                <a16:creationId xmlns:a16="http://schemas.microsoft.com/office/drawing/2014/main" id="{3FBBCD34-2B6E-1E15-6831-9C4800AEE699}"/>
+              </a:ext>
+            </a:extLst>
+          </p:cNvPr>
+          <p:cNvSpPr/>
+          <p:nvPr/>
+        </p:nvSpPr>
+        <p:spPr>
+          <a:xfrm>
+            <a:off x="3929974" y="2385044"/>
+            <a:ext cx="311285" cy="1157591"/>
+          </a:xfrm>
+          <a:prstGeom prst="downArrow">
+            <a:avLst/>
+          </a:prstGeom>
+        </p:spPr>
+        <p:style>
+          <a:lnRef idx="2">
+            <a:schemeClr val="accent1">
+              <a:shade val="15000"/>
+            </a:schemeClr>
+          </a:lnRef>
+          <a:fillRef idx="1">
+            <a:schemeClr val="accent1"/>
+          </a:fillRef>
+          <a:effectRef idx="0">
+            <a:schemeClr val="accent1"/>
+          </a:effectRef>
+          <a:fontRef idx="minor">
+            <a:schemeClr val="lt1"/>
+          </a:fontRef>
+        </p:style>
+        <p:txBody>
+          <a:bodyPr rtlCol="0" anchor="ctr"/>
+          <a:lstStyle/>
+          <a:p>
+            <a:pPr algn="ctr"/>
+            <a:endParaRPr kumimoji="1" lang="ja-JP" altLang="en-US"/>
+          </a:p>
+        </p:txBody>
+      </p:sp>
+      <p:sp>
+        <p:nvSpPr>
+          <p:cNvPr id="7" name="正方形/長方形 6">
+            <a:extLst>
+              <a:ext uri="{FF2B5EF4-FFF2-40B4-BE49-F238E27FC236}">
+                <a16:creationId xmlns:a16="http://schemas.microsoft.com/office/drawing/2014/main" id="{307FB6E2-0D0D-40C1-BBFC-5028DE897BC8}"/>
+              </a:ext>
+            </a:extLst>
+          </p:cNvPr>
+          <p:cNvSpPr/>
+          <p:nvPr/>
+        </p:nvSpPr>
+        <p:spPr>
+          <a:xfrm>
+            <a:off x="3686783" y="3599234"/>
+            <a:ext cx="875489" cy="457200"/>
+          </a:xfrm>
+          <a:prstGeom prst="rect">
+            <a:avLst/>
+          </a:prstGeom>
+          <a:noFill/>
+          <a:ln w="28575">
+            <a:solidFill>
+              <a:srgbClr val="FF0000"/>
+            </a:solidFill>
+          </a:ln>
+        </p:spPr>
+        <p:style>
+          <a:lnRef idx="2">
+            <a:schemeClr val="accent1">
+              <a:shade val="15000"/>
+            </a:schemeClr>
+          </a:lnRef>
+          <a:fillRef idx="1">
+            <a:schemeClr val="accent1"/>
+          </a:fillRef>
+          <a:effectRef idx="0">
+            <a:schemeClr val="accent1"/>
+          </a:effectRef>
+          <a:fontRef idx="minor">
+            <a:schemeClr val="lt1"/>
+          </a:fontRef>
+        </p:style>
+        <p:txBody>
+          <a:bodyPr rtlCol="0" anchor="ctr"/>
+          <a:lstStyle/>
+          <a:p>
+            <a:pPr algn="ctr"/>
+            <a:endParaRPr kumimoji="1" lang="ja-JP" altLang="en-US"/>
+          </a:p>
+        </p:txBody>
+      </p:sp>
+    </p:spTree>
+    <p:extLst>
+      <p:ext uri="{BB962C8B-B14F-4D97-AF65-F5344CB8AC3E}">
+        <p14:creationId xmlns:p14="http://schemas.microsoft.com/office/powerpoint/2010/main" val="3556341073"/>
+      </p:ext>
+    </p:extLst>
+  </p:cSld>
+  <p:clrMapOvr>
+    <a:masterClrMapping/>
+  </p:clrMapOvr>
+</p:sld>
+</file>
+
 <file path=ppt/slides/slide6.xml><?xml version="1.0" encoding="utf-8"?>
 <p:sld xmlns:a="http://schemas.openxmlformats.org/drawingml/2006/main" xmlns:r="http://schemas.openxmlformats.org/officeDocument/2006/relationships" xmlns:p="http://schemas.openxmlformats.org/presentationml/2006/main">
   <p:cSld>
